--- a/DE2_Term_Presentation.pptx
+++ b/DE2_Term_Presentation.pptx
@@ -111,7 +111,64 @@
       </a:defRPr>
     </a:lvl9pPr>
   </p:defaultTextStyle>
+  <p:extLst>
+    <p:ext uri="{EFAFB233-063F-42B5-8137-9DF3F51BA10A}">
+      <p15:sldGuideLst xmlns:p15="http://schemas.microsoft.com/office/powerpoint/2012/main"/>
+    </p:ext>
+  </p:extLst>
 </p:presentation>
+</file>
+
+<file path=ppt/revisionInfo.xml><?xml version="1.0" encoding="utf-8"?>
+<p1510:revInfo xmlns:a="http://schemas.openxmlformats.org/drawingml/2006/main" xmlns:r="http://schemas.openxmlformats.org/officeDocument/2006/relationships" xmlns:p1510="http://schemas.microsoft.com/office/powerpoint/2015/10/main">
+  <p1510:revLst>
+    <p1510:client id="{710AC600-54DC-B942-8EBA-223E84510A54}" v="1" dt="2020-12-09T21:29:41.837"/>
+  </p1510:revLst>
+</p1510:revInfo>
+</file>
+
+<file path=ppt/changesInfos/changesInfo1.xml><?xml version="1.0" encoding="utf-8"?>
+<pc:chgInfo xmlns:a="http://schemas.openxmlformats.org/drawingml/2006/main" xmlns:r="http://schemas.openxmlformats.org/officeDocument/2006/relationships" xmlns:ac="http://schemas.microsoft.com/office/drawing/2013/main/command" xmlns:pc="http://schemas.microsoft.com/office/powerpoint/2013/main/command">
+  <pc:docChgLst>
+    <pc:chgData name="Terez Szabo" userId="42e7e467-1161-451a-9926-179cfa22533b" providerId="ADAL" clId="{710AC600-54DC-B942-8EBA-223E84510A54}"/>
+    <pc:docChg chg="modSld">
+      <pc:chgData name="Terez Szabo" userId="42e7e467-1161-451a-9926-179cfa22533b" providerId="ADAL" clId="{710AC600-54DC-B942-8EBA-223E84510A54}" dt="2020-12-09T21:29:48.044" v="138" actId="20577"/>
+      <pc:docMkLst>
+        <pc:docMk/>
+      </pc:docMkLst>
+      <pc:sldChg chg="modSp mod">
+        <pc:chgData name="Terez Szabo" userId="42e7e467-1161-451a-9926-179cfa22533b" providerId="ADAL" clId="{710AC600-54DC-B942-8EBA-223E84510A54}" dt="2020-12-09T21:29:00.078" v="128" actId="20577"/>
+        <pc:sldMkLst>
+          <pc:docMk/>
+          <pc:sldMk cId="799758839" sldId="258"/>
+        </pc:sldMkLst>
+        <pc:spChg chg="mod">
+          <ac:chgData name="Terez Szabo" userId="42e7e467-1161-451a-9926-179cfa22533b" providerId="ADAL" clId="{710AC600-54DC-B942-8EBA-223E84510A54}" dt="2020-12-09T21:29:00.078" v="128" actId="20577"/>
+          <ac:spMkLst>
+            <pc:docMk/>
+            <pc:sldMk cId="799758839" sldId="258"/>
+            <ac:spMk id="3" creationId="{5DC56CEF-023A-D148-B143-8321A08ECC09}"/>
+          </ac:spMkLst>
+        </pc:spChg>
+      </pc:sldChg>
+      <pc:sldChg chg="modSp mod">
+        <pc:chgData name="Terez Szabo" userId="42e7e467-1161-451a-9926-179cfa22533b" providerId="ADAL" clId="{710AC600-54DC-B942-8EBA-223E84510A54}" dt="2020-12-09T21:29:48.044" v="138" actId="20577"/>
+        <pc:sldMkLst>
+          <pc:docMk/>
+          <pc:sldMk cId="3587188991" sldId="259"/>
+        </pc:sldMkLst>
+        <pc:spChg chg="mod">
+          <ac:chgData name="Terez Szabo" userId="42e7e467-1161-451a-9926-179cfa22533b" providerId="ADAL" clId="{710AC600-54DC-B942-8EBA-223E84510A54}" dt="2020-12-09T21:29:48.044" v="138" actId="20577"/>
+          <ac:spMkLst>
+            <pc:docMk/>
+            <pc:sldMk cId="3587188991" sldId="259"/>
+            <ac:spMk id="3" creationId="{50374378-1AB9-1747-AC27-6AB5640650FD}"/>
+          </ac:spMkLst>
+        </pc:spChg>
+      </pc:sldChg>
+    </pc:docChg>
+  </pc:docChgLst>
+</pc:chgInfo>
 </file>
 
 <file path=ppt/slideLayouts/slideLayout1.xml><?xml version="1.0" encoding="utf-8"?>
@@ -6202,7 +6259,7 @@
           <a:p>
             <a:r>
               <a:rPr lang="en-CH" dirty="0"/>
-              <a:t>The World Development Indicators (WDIs) were loaded directly into Knime using the API extraction</a:t>
+              <a:t>The World Development Indicators (WDIs) were loaded directly into KNIME using the API extraction</a:t>
             </a:r>
           </a:p>
           <a:p>
@@ -6297,7 +6354,42 @@
           <a:bodyPr/>
           <a:lstStyle/>
           <a:p>
-            <a:endParaRPr lang="en-CH"/>
+            <a:r>
+              <a:rPr lang="en-CH" dirty="0"/>
+              <a:t>Filtered country code maping column</a:t>
+            </a:r>
+          </a:p>
+          <a:p>
+            <a:r>
+              <a:rPr lang="en-CH" dirty="0"/>
+              <a:t>Joined the table with the country code</a:t>
+            </a:r>
+          </a:p>
+          <a:p>
+            <a:r>
+              <a:rPr lang="en-CH" dirty="0"/>
+              <a:t>Variables in KNIME</a:t>
+            </a:r>
+          </a:p>
+          <a:p>
+            <a:r>
+              <a:rPr lang="en-GB" dirty="0"/>
+              <a:t>World </a:t>
+            </a:r>
+            <a:r>
+              <a:rPr lang="en-GB"/>
+              <a:t>bank API </a:t>
+            </a:r>
+            <a:r>
+              <a:rPr lang="en-GB" dirty="0"/>
+              <a:t>implementation until  the join after the loop ending including data wrangling problems and decisions</a:t>
+            </a:r>
+          </a:p>
+          <a:p>
+            <a:endParaRPr lang="en-CH" dirty="0"/>
+          </a:p>
+          <a:p>
+            <a:endParaRPr lang="en-CH" dirty="0"/>
           </a:p>
         </p:txBody>
       </p:sp>

--- a/DE2_Term_Presentation.pptx
+++ b/DE2_Term_Presentation.pptx
@@ -6,13 +6,17 @@
   </p:sldMasterIdLst>
   <p:sldIdLst>
     <p:sldId id="256" r:id="rId2"/>
-    <p:sldId id="257" r:id="rId3"/>
-    <p:sldId id="258" r:id="rId4"/>
-    <p:sldId id="259" r:id="rId5"/>
-    <p:sldId id="260" r:id="rId6"/>
-    <p:sldId id="263" r:id="rId7"/>
-    <p:sldId id="261" r:id="rId8"/>
-    <p:sldId id="262" r:id="rId9"/>
+    <p:sldId id="264" r:id="rId3"/>
+    <p:sldId id="257" r:id="rId4"/>
+    <p:sldId id="258" r:id="rId5"/>
+    <p:sldId id="259" r:id="rId6"/>
+    <p:sldId id="260" r:id="rId7"/>
+    <p:sldId id="263" r:id="rId8"/>
+    <p:sldId id="261" r:id="rId9"/>
+    <p:sldId id="262" r:id="rId10"/>
+    <p:sldId id="265" r:id="rId11"/>
+    <p:sldId id="266" r:id="rId12"/>
+    <p:sldId id="267" r:id="rId13"/>
   </p:sldIdLst>
   <p:sldSz cx="12192000" cy="6858000"/>
   <p:notesSz cx="6858000" cy="9144000"/>
@@ -127,50 +131,6 @@
 </p1510:revInfo>
 </file>
 
-<file path=ppt/changesInfos/changesInfo1.xml><?xml version="1.0" encoding="utf-8"?>
-<pc:chgInfo xmlns:a="http://schemas.openxmlformats.org/drawingml/2006/main" xmlns:r="http://schemas.openxmlformats.org/officeDocument/2006/relationships" xmlns:ac="http://schemas.microsoft.com/office/drawing/2013/main/command" xmlns:pc="http://schemas.microsoft.com/office/powerpoint/2013/main/command">
-  <pc:docChgLst>
-    <pc:chgData name="Terez Szabo" userId="42e7e467-1161-451a-9926-179cfa22533b" providerId="ADAL" clId="{710AC600-54DC-B942-8EBA-223E84510A54}"/>
-    <pc:docChg chg="modSld">
-      <pc:chgData name="Terez Szabo" userId="42e7e467-1161-451a-9926-179cfa22533b" providerId="ADAL" clId="{710AC600-54DC-B942-8EBA-223E84510A54}" dt="2020-12-09T21:29:48.044" v="138" actId="20577"/>
-      <pc:docMkLst>
-        <pc:docMk/>
-      </pc:docMkLst>
-      <pc:sldChg chg="modSp mod">
-        <pc:chgData name="Terez Szabo" userId="42e7e467-1161-451a-9926-179cfa22533b" providerId="ADAL" clId="{710AC600-54DC-B942-8EBA-223E84510A54}" dt="2020-12-09T21:29:00.078" v="128" actId="20577"/>
-        <pc:sldMkLst>
-          <pc:docMk/>
-          <pc:sldMk cId="799758839" sldId="258"/>
-        </pc:sldMkLst>
-        <pc:spChg chg="mod">
-          <ac:chgData name="Terez Szabo" userId="42e7e467-1161-451a-9926-179cfa22533b" providerId="ADAL" clId="{710AC600-54DC-B942-8EBA-223E84510A54}" dt="2020-12-09T21:29:00.078" v="128" actId="20577"/>
-          <ac:spMkLst>
-            <pc:docMk/>
-            <pc:sldMk cId="799758839" sldId="258"/>
-            <ac:spMk id="3" creationId="{5DC56CEF-023A-D148-B143-8321A08ECC09}"/>
-          </ac:spMkLst>
-        </pc:spChg>
-      </pc:sldChg>
-      <pc:sldChg chg="modSp mod">
-        <pc:chgData name="Terez Szabo" userId="42e7e467-1161-451a-9926-179cfa22533b" providerId="ADAL" clId="{710AC600-54DC-B942-8EBA-223E84510A54}" dt="2020-12-09T21:29:48.044" v="138" actId="20577"/>
-        <pc:sldMkLst>
-          <pc:docMk/>
-          <pc:sldMk cId="3587188991" sldId="259"/>
-        </pc:sldMkLst>
-        <pc:spChg chg="mod">
-          <ac:chgData name="Terez Szabo" userId="42e7e467-1161-451a-9926-179cfa22533b" providerId="ADAL" clId="{710AC600-54DC-B942-8EBA-223E84510A54}" dt="2020-12-09T21:29:48.044" v="138" actId="20577"/>
-          <ac:spMkLst>
-            <pc:docMk/>
-            <pc:sldMk cId="3587188991" sldId="259"/>
-            <ac:spMk id="3" creationId="{50374378-1AB9-1747-AC27-6AB5640650FD}"/>
-          </ac:spMkLst>
-        </pc:spChg>
-      </pc:sldChg>
-    </pc:docChg>
-  </pc:docChgLst>
-</pc:chgInfo>
-</file>
-
 <file path=ppt/slideLayouts/slideLayout1.xml><?xml version="1.0" encoding="utf-8"?>
 <p:sldLayout xmlns:a="http://schemas.openxmlformats.org/drawingml/2006/main" xmlns:r="http://schemas.openxmlformats.org/officeDocument/2006/relationships" xmlns:p="http://schemas.openxmlformats.org/presentationml/2006/main" type="title" preserve="1">
   <p:cSld name="Title Slide">
@@ -330,7 +290,7 @@
           <a:p>
             <a:fld id="{64F0E216-BA48-4F04-AC4F-645AA0DD6AC6}" type="datetimeFigureOut">
               <a:rPr lang="en-US" smtClean="0"/>
-              <a:t>12/9/20</a:t>
+              <a:t>12/10/2020</a:t>
             </a:fld>
             <a:endParaRPr lang="en-US" dirty="0"/>
           </a:p>
@@ -1378,7 +1338,7 @@
           <a:p>
             <a:fld id="{64F0E216-BA48-4F04-AC4F-645AA0DD6AC6}" type="datetimeFigureOut">
               <a:rPr lang="en-US" smtClean="0"/>
-              <a:t>12/9/20</a:t>
+              <a:t>12/10/2020</a:t>
             </a:fld>
             <a:endParaRPr lang="en-US"/>
           </a:p>
@@ -1614,7 +1574,7 @@
           <a:p>
             <a:fld id="{64F0E216-BA48-4F04-AC4F-645AA0DD6AC6}" type="datetimeFigureOut">
               <a:rPr lang="en-US" smtClean="0"/>
-              <a:t>12/9/20</a:t>
+              <a:t>12/10/2020</a:t>
             </a:fld>
             <a:endParaRPr lang="en-US"/>
           </a:p>
@@ -1837,7 +1797,7 @@
           <a:p>
             <a:fld id="{64F0E216-BA48-4F04-AC4F-645AA0DD6AC6}" type="datetimeFigureOut">
               <a:rPr lang="en-US" smtClean="0"/>
-              <a:t>12/9/20</a:t>
+              <a:t>12/10/2020</a:t>
             </a:fld>
             <a:endParaRPr lang="en-US"/>
           </a:p>
@@ -2139,7 +2099,7 @@
           <a:p>
             <a:fld id="{64F0E216-BA48-4F04-AC4F-645AA0DD6AC6}" type="datetimeFigureOut">
               <a:rPr lang="en-US" smtClean="0"/>
-              <a:t>12/9/20</a:t>
+              <a:t>12/10/2020</a:t>
             </a:fld>
             <a:endParaRPr lang="en-US"/>
           </a:p>
@@ -3603,7 +3563,7 @@
           <a:p>
             <a:fld id="{64F0E216-BA48-4F04-AC4F-645AA0DD6AC6}" type="datetimeFigureOut">
               <a:rPr lang="en-US" smtClean="0"/>
-              <a:t>12/9/20</a:t>
+              <a:t>12/10/2020</a:t>
             </a:fld>
             <a:endParaRPr lang="en-US"/>
           </a:p>
@@ -4070,7 +4030,7 @@
           <a:p>
             <a:fld id="{64F0E216-BA48-4F04-AC4F-645AA0DD6AC6}" type="datetimeFigureOut">
               <a:rPr lang="en-US" smtClean="0"/>
-              <a:t>12/9/20</a:t>
+              <a:t>12/10/2020</a:t>
             </a:fld>
             <a:endParaRPr lang="en-US"/>
           </a:p>
@@ -4245,7 +4205,7 @@
           <a:p>
             <a:fld id="{64F0E216-BA48-4F04-AC4F-645AA0DD6AC6}" type="datetimeFigureOut">
               <a:rPr lang="en-US" smtClean="0"/>
-              <a:t>12/9/20</a:t>
+              <a:t>12/10/2020</a:t>
             </a:fld>
             <a:endParaRPr lang="en-US"/>
           </a:p>
@@ -4382,7 +4342,7 @@
           <a:p>
             <a:fld id="{64F0E216-BA48-4F04-AC4F-645AA0DD6AC6}" type="datetimeFigureOut">
               <a:rPr lang="en-US" smtClean="0"/>
-              <a:t>12/9/20</a:t>
+              <a:t>12/10/2020</a:t>
             </a:fld>
             <a:endParaRPr lang="en-US"/>
           </a:p>
@@ -4732,7 +4692,7 @@
           <a:p>
             <a:fld id="{64F0E216-BA48-4F04-AC4F-645AA0DD6AC6}" type="datetimeFigureOut">
               <a:rPr lang="en-US" smtClean="0"/>
-              <a:t>12/9/20</a:t>
+              <a:t>12/10/2020</a:t>
             </a:fld>
             <a:endParaRPr lang="en-US"/>
           </a:p>
@@ -5053,7 +5013,7 @@
           <a:p>
             <a:fld id="{64F0E216-BA48-4F04-AC4F-645AA0DD6AC6}" type="datetimeFigureOut">
               <a:rPr lang="en-US" smtClean="0"/>
-              <a:t>12/9/20</a:t>
+              <a:t>12/10/2020</a:t>
             </a:fld>
             <a:endParaRPr lang="en-US"/>
           </a:p>
@@ -5315,7 +5275,7 @@
             <a:fld id="{64F0E216-BA48-4F04-AC4F-645AA0DD6AC6}" type="datetimeFigureOut">
               <a:rPr lang="en-US" smtClean="0"/>
               <a:pPr/>
-              <a:t>12/9/20</a:t>
+              <a:t>12/10/2020</a:t>
             </a:fld>
             <a:endParaRPr lang="en-US" dirty="0"/>
           </a:p>
@@ -6031,6 +5991,677 @@
 </p:sld>
 </file>
 
+<file path=ppt/slides/slide10.xml><?xml version="1.0" encoding="utf-8"?>
+<p:sld xmlns:a="http://schemas.openxmlformats.org/drawingml/2006/main" xmlns:r="http://schemas.openxmlformats.org/officeDocument/2006/relationships" xmlns:p="http://schemas.openxmlformats.org/presentationml/2006/main">
+  <p:cSld>
+    <p:spTree>
+      <p:nvGrpSpPr>
+        <p:cNvPr id="1" name=""/>
+        <p:cNvGrpSpPr/>
+        <p:nvPr/>
+      </p:nvGrpSpPr>
+      <p:grpSpPr>
+        <a:xfrm>
+          <a:off x="0" y="0"/>
+          <a:ext cx="0" cy="0"/>
+          <a:chOff x="0" y="0"/>
+          <a:chExt cx="0" cy="0"/>
+        </a:xfrm>
+      </p:grpSpPr>
+      <p:pic>
+        <p:nvPicPr>
+          <p:cNvPr id="16" name="Content Placeholder 4">
+            <a:extLst>
+              <a:ext uri="{FF2B5EF4-FFF2-40B4-BE49-F238E27FC236}">
+                <a16:creationId xmlns:a16="http://schemas.microsoft.com/office/drawing/2014/main" id="{BF2BCBB7-E54A-447F-98E1-D481D906EFA2}"/>
+              </a:ext>
+            </a:extLst>
+          </p:cNvPr>
+          <p:cNvPicPr>
+            <a:picLocks noChangeAspect="1"/>
+          </p:cNvPicPr>
+          <p:nvPr/>
+        </p:nvPicPr>
+        <p:blipFill>
+          <a:blip r:embed="rId2">
+            <a:extLst>
+              <a:ext uri="{96DAC541-7B7A-43D3-8B79-37D633B846F1}">
+                <asvg:svgBlip xmlns:asvg="http://schemas.microsoft.com/office/drawing/2016/SVG/main" r:embed="rId3"/>
+              </a:ext>
+            </a:extLst>
+          </a:blip>
+          <a:stretch>
+            <a:fillRect/>
+          </a:stretch>
+        </p:blipFill>
+        <p:spPr>
+          <a:xfrm>
+            <a:off x="2615936" y="1569771"/>
+            <a:ext cx="6160757" cy="4840725"/>
+          </a:xfrm>
+          <a:prstGeom prst="rect">
+            <a:avLst/>
+          </a:prstGeom>
+        </p:spPr>
+      </p:pic>
+      <p:grpSp>
+        <p:nvGrpSpPr>
+          <p:cNvPr id="17" name="Groupe 16">
+            <a:extLst>
+              <a:ext uri="{FF2B5EF4-FFF2-40B4-BE49-F238E27FC236}">
+                <a16:creationId xmlns:a16="http://schemas.microsoft.com/office/drawing/2014/main" id="{809D9303-B492-4780-A845-02AF0FEBE015}"/>
+              </a:ext>
+            </a:extLst>
+          </p:cNvPr>
+          <p:cNvGrpSpPr/>
+          <p:nvPr/>
+        </p:nvGrpSpPr>
+        <p:grpSpPr>
+          <a:xfrm>
+            <a:off x="3669235" y="2169092"/>
+            <a:ext cx="5028621" cy="3903598"/>
+            <a:chOff x="3669235" y="2266196"/>
+            <a:chExt cx="5028621" cy="3903598"/>
+          </a:xfrm>
+        </p:grpSpPr>
+        <p:sp>
+          <p:nvSpPr>
+            <p:cNvPr id="18" name="Rectangle 17">
+              <a:extLst>
+                <a:ext uri="{FF2B5EF4-FFF2-40B4-BE49-F238E27FC236}">
+                  <a16:creationId xmlns:a16="http://schemas.microsoft.com/office/drawing/2014/main" id="{12FDF6A4-8456-45E8-9CC5-12581EB007FC}"/>
+                </a:ext>
+              </a:extLst>
+            </p:cNvPr>
+            <p:cNvSpPr/>
+            <p:nvPr/>
+          </p:nvSpPr>
+          <p:spPr>
+            <a:xfrm>
+              <a:off x="5371721" y="2266196"/>
+              <a:ext cx="772406" cy="3903598"/>
+            </a:xfrm>
+            <a:prstGeom prst="rect">
+              <a:avLst/>
+            </a:prstGeom>
+            <a:solidFill>
+              <a:schemeClr val="tx1"/>
+            </a:solidFill>
+            <a:ln>
+              <a:solidFill>
+                <a:schemeClr val="tx1"/>
+              </a:solidFill>
+            </a:ln>
+          </p:spPr>
+          <p:style>
+            <a:lnRef idx="2">
+              <a:schemeClr val="accent1">
+                <a:shade val="50000"/>
+              </a:schemeClr>
+            </a:lnRef>
+            <a:fillRef idx="1">
+              <a:schemeClr val="accent1"/>
+            </a:fillRef>
+            <a:effectRef idx="0">
+              <a:schemeClr val="accent1"/>
+            </a:effectRef>
+            <a:fontRef idx="minor">
+              <a:schemeClr val="lt1"/>
+            </a:fontRef>
+          </p:style>
+          <p:txBody>
+            <a:bodyPr rtlCol="0" anchor="ctr"/>
+            <a:lstStyle/>
+            <a:p>
+              <a:pPr algn="ctr"/>
+              <a:endParaRPr lang="fr-BE"/>
+            </a:p>
+          </p:txBody>
+        </p:sp>
+        <p:grpSp>
+          <p:nvGrpSpPr>
+            <p:cNvPr id="19" name="Groupe 18">
+              <a:extLst>
+                <a:ext uri="{FF2B5EF4-FFF2-40B4-BE49-F238E27FC236}">
+                  <a16:creationId xmlns:a16="http://schemas.microsoft.com/office/drawing/2014/main" id="{4E4AC4C1-F737-4E0C-A417-F349C1DBEFAE}"/>
+                </a:ext>
+              </a:extLst>
+            </p:cNvPr>
+            <p:cNvGrpSpPr/>
+            <p:nvPr/>
+          </p:nvGrpSpPr>
+          <p:grpSpPr>
+            <a:xfrm>
+              <a:off x="3669235" y="3456176"/>
+              <a:ext cx="5028621" cy="2713618"/>
+              <a:chOff x="3669235" y="3456176"/>
+              <a:chExt cx="5028621" cy="2713618"/>
+            </a:xfrm>
+          </p:grpSpPr>
+          <p:sp>
+            <p:nvSpPr>
+              <p:cNvPr id="20" name="Rectangle 19">
+                <a:extLst>
+                  <a:ext uri="{FF2B5EF4-FFF2-40B4-BE49-F238E27FC236}">
+                    <a16:creationId xmlns:a16="http://schemas.microsoft.com/office/drawing/2014/main" id="{D108DC3A-8B30-4187-A1AF-C08D4887F065}"/>
+                  </a:ext>
+                </a:extLst>
+              </p:cNvPr>
+              <p:cNvSpPr/>
+              <p:nvPr/>
+            </p:nvSpPr>
+            <p:spPr>
+              <a:xfrm>
+                <a:off x="7074207" y="3456176"/>
+                <a:ext cx="772406" cy="2713618"/>
+              </a:xfrm>
+              <a:prstGeom prst="rect">
+                <a:avLst/>
+              </a:prstGeom>
+              <a:solidFill>
+                <a:schemeClr val="tx1"/>
+              </a:solidFill>
+              <a:ln>
+                <a:solidFill>
+                  <a:schemeClr val="tx1"/>
+                </a:solidFill>
+              </a:ln>
+            </p:spPr>
+            <p:style>
+              <a:lnRef idx="2">
+                <a:schemeClr val="accent1">
+                  <a:shade val="50000"/>
+                </a:schemeClr>
+              </a:lnRef>
+              <a:fillRef idx="1">
+                <a:schemeClr val="accent1"/>
+              </a:fillRef>
+              <a:effectRef idx="0">
+                <a:schemeClr val="accent1"/>
+              </a:effectRef>
+              <a:fontRef idx="minor">
+                <a:schemeClr val="lt1"/>
+              </a:fontRef>
+            </p:style>
+            <p:txBody>
+              <a:bodyPr rtlCol="0" anchor="ctr"/>
+              <a:lstStyle/>
+              <a:p>
+                <a:pPr algn="ctr"/>
+                <a:endParaRPr lang="fr-BE"/>
+              </a:p>
+            </p:txBody>
+          </p:sp>
+          <p:sp>
+            <p:nvSpPr>
+              <p:cNvPr id="21" name="Rectangle 20">
+                <a:extLst>
+                  <a:ext uri="{FF2B5EF4-FFF2-40B4-BE49-F238E27FC236}">
+                    <a16:creationId xmlns:a16="http://schemas.microsoft.com/office/drawing/2014/main" id="{D9E4101B-5879-4056-BE1A-7F8A247C49F0}"/>
+                  </a:ext>
+                </a:extLst>
+              </p:cNvPr>
+              <p:cNvSpPr/>
+              <p:nvPr/>
+            </p:nvSpPr>
+            <p:spPr>
+              <a:xfrm>
+                <a:off x="3669235" y="4870174"/>
+                <a:ext cx="772406" cy="1299620"/>
+              </a:xfrm>
+              <a:prstGeom prst="rect">
+                <a:avLst/>
+              </a:prstGeom>
+              <a:solidFill>
+                <a:schemeClr val="tx1"/>
+              </a:solidFill>
+              <a:ln>
+                <a:solidFill>
+                  <a:schemeClr val="tx1"/>
+                </a:solidFill>
+              </a:ln>
+            </p:spPr>
+            <p:style>
+              <a:lnRef idx="2">
+                <a:schemeClr val="accent1">
+                  <a:shade val="50000"/>
+                </a:schemeClr>
+              </a:lnRef>
+              <a:fillRef idx="1">
+                <a:schemeClr val="accent1"/>
+              </a:fillRef>
+              <a:effectRef idx="0">
+                <a:schemeClr val="accent1"/>
+              </a:effectRef>
+              <a:fontRef idx="minor">
+                <a:schemeClr val="lt1"/>
+              </a:fontRef>
+            </p:style>
+            <p:txBody>
+              <a:bodyPr rtlCol="0" anchor="ctr"/>
+              <a:lstStyle/>
+              <a:p>
+                <a:pPr algn="ctr"/>
+                <a:endParaRPr lang="fr-BE"/>
+              </a:p>
+            </p:txBody>
+          </p:sp>
+          <p:sp>
+            <p:nvSpPr>
+              <p:cNvPr id="22" name="Rectangle 21">
+                <a:extLst>
+                  <a:ext uri="{FF2B5EF4-FFF2-40B4-BE49-F238E27FC236}">
+                    <a16:creationId xmlns:a16="http://schemas.microsoft.com/office/drawing/2014/main" id="{9DCB6BB9-6DB5-4730-8D6C-6E55E2752871}"/>
+                  </a:ext>
+                </a:extLst>
+              </p:cNvPr>
+              <p:cNvSpPr/>
+              <p:nvPr/>
+            </p:nvSpPr>
+            <p:spPr>
+              <a:xfrm>
+                <a:off x="7925450" y="5038793"/>
+                <a:ext cx="772406" cy="1118656"/>
+              </a:xfrm>
+              <a:prstGeom prst="rect">
+                <a:avLst/>
+              </a:prstGeom>
+              <a:solidFill>
+                <a:schemeClr val="tx1"/>
+              </a:solidFill>
+              <a:ln>
+                <a:solidFill>
+                  <a:schemeClr val="tx1"/>
+                </a:solidFill>
+              </a:ln>
+            </p:spPr>
+            <p:style>
+              <a:lnRef idx="2">
+                <a:schemeClr val="accent1">
+                  <a:shade val="50000"/>
+                </a:schemeClr>
+              </a:lnRef>
+              <a:fillRef idx="1">
+                <a:schemeClr val="accent1"/>
+              </a:fillRef>
+              <a:effectRef idx="0">
+                <a:schemeClr val="accent1"/>
+              </a:effectRef>
+              <a:fontRef idx="minor">
+                <a:schemeClr val="lt1"/>
+              </a:fontRef>
+            </p:style>
+            <p:txBody>
+              <a:bodyPr rtlCol="0" anchor="ctr"/>
+              <a:lstStyle/>
+              <a:p>
+                <a:pPr algn="ctr"/>
+                <a:endParaRPr lang="fr-BE"/>
+              </a:p>
+            </p:txBody>
+          </p:sp>
+          <p:sp>
+            <p:nvSpPr>
+              <p:cNvPr id="23" name="Rectangle 22">
+                <a:extLst>
+                  <a:ext uri="{FF2B5EF4-FFF2-40B4-BE49-F238E27FC236}">
+                    <a16:creationId xmlns:a16="http://schemas.microsoft.com/office/drawing/2014/main" id="{4AE9DAC9-5D59-4771-A399-C1FC75DF3B0E}"/>
+                  </a:ext>
+                </a:extLst>
+              </p:cNvPr>
+              <p:cNvSpPr/>
+              <p:nvPr/>
+            </p:nvSpPr>
+            <p:spPr>
+              <a:xfrm>
+                <a:off x="6222964" y="6073912"/>
+                <a:ext cx="772406" cy="83535"/>
+              </a:xfrm>
+              <a:prstGeom prst="rect">
+                <a:avLst/>
+              </a:prstGeom>
+              <a:solidFill>
+                <a:schemeClr val="tx1"/>
+              </a:solidFill>
+              <a:ln>
+                <a:solidFill>
+                  <a:schemeClr val="tx1"/>
+                </a:solidFill>
+              </a:ln>
+            </p:spPr>
+            <p:style>
+              <a:lnRef idx="2">
+                <a:schemeClr val="accent1">
+                  <a:shade val="50000"/>
+                </a:schemeClr>
+              </a:lnRef>
+              <a:fillRef idx="1">
+                <a:schemeClr val="accent1"/>
+              </a:fillRef>
+              <a:effectRef idx="0">
+                <a:schemeClr val="accent1"/>
+              </a:effectRef>
+              <a:fontRef idx="minor">
+                <a:schemeClr val="lt1"/>
+              </a:fontRef>
+            </p:style>
+            <p:txBody>
+              <a:bodyPr rtlCol="0" anchor="ctr"/>
+              <a:lstStyle/>
+              <a:p>
+                <a:pPr algn="ctr"/>
+                <a:endParaRPr lang="fr-BE"/>
+              </a:p>
+            </p:txBody>
+          </p:sp>
+          <p:sp>
+            <p:nvSpPr>
+              <p:cNvPr id="24" name="Rectangle 23">
+                <a:extLst>
+                  <a:ext uri="{FF2B5EF4-FFF2-40B4-BE49-F238E27FC236}">
+                    <a16:creationId xmlns:a16="http://schemas.microsoft.com/office/drawing/2014/main" id="{8EFE31CC-ACCA-490D-A777-52FBB4AE65C9}"/>
+                  </a:ext>
+                </a:extLst>
+              </p:cNvPr>
+              <p:cNvSpPr/>
+              <p:nvPr/>
+            </p:nvSpPr>
+            <p:spPr>
+              <a:xfrm>
+                <a:off x="4520478" y="4395304"/>
+                <a:ext cx="772406" cy="1774490"/>
+              </a:xfrm>
+              <a:prstGeom prst="rect">
+                <a:avLst/>
+              </a:prstGeom>
+              <a:solidFill>
+                <a:schemeClr val="tx1"/>
+              </a:solidFill>
+              <a:ln>
+                <a:solidFill>
+                  <a:schemeClr val="tx1"/>
+                </a:solidFill>
+              </a:ln>
+            </p:spPr>
+            <p:style>
+              <a:lnRef idx="2">
+                <a:schemeClr val="accent1">
+                  <a:shade val="50000"/>
+                </a:schemeClr>
+              </a:lnRef>
+              <a:fillRef idx="1">
+                <a:schemeClr val="accent1"/>
+              </a:fillRef>
+              <a:effectRef idx="0">
+                <a:schemeClr val="accent1"/>
+              </a:effectRef>
+              <a:fontRef idx="minor">
+                <a:schemeClr val="lt1"/>
+              </a:fontRef>
+            </p:style>
+            <p:txBody>
+              <a:bodyPr rtlCol="0" anchor="ctr"/>
+              <a:lstStyle/>
+              <a:p>
+                <a:pPr algn="ctr"/>
+                <a:endParaRPr lang="fr-BE"/>
+              </a:p>
+            </p:txBody>
+          </p:sp>
+        </p:grpSp>
+      </p:grpSp>
+      <p:sp>
+        <p:nvSpPr>
+          <p:cNvPr id="26" name="Title 1">
+            <a:extLst>
+              <a:ext uri="{FF2B5EF4-FFF2-40B4-BE49-F238E27FC236}">
+                <a16:creationId xmlns:a16="http://schemas.microsoft.com/office/drawing/2014/main" id="{46BC7AA3-A385-4696-B6D1-CE09854B2CF0}"/>
+              </a:ext>
+            </a:extLst>
+          </p:cNvPr>
+          <p:cNvSpPr>
+            <a:spLocks noGrp="1"/>
+          </p:cNvSpPr>
+          <p:nvPr>
+            <p:ph type="title"/>
+          </p:nvPr>
+        </p:nvSpPr>
+        <p:spPr>
+          <a:xfrm>
+            <a:off x="1079500" y="1011238"/>
+            <a:ext cx="10026650" cy="655637"/>
+          </a:xfrm>
+        </p:spPr>
+        <p:txBody>
+          <a:bodyPr/>
+          <a:lstStyle/>
+          <a:p>
+            <a:r>
+              <a:rPr lang="fr-BE" dirty="0"/>
+              <a:t>GRAPH : Suicide BY AGE RANGE</a:t>
+            </a:r>
+            <a:endParaRPr lang="en-CH" dirty="0"/>
+          </a:p>
+        </p:txBody>
+      </p:sp>
+    </p:spTree>
+    <p:extLst>
+      <p:ext uri="{BB962C8B-B14F-4D97-AF65-F5344CB8AC3E}">
+        <p14:creationId xmlns:p14="http://schemas.microsoft.com/office/powerpoint/2010/main" val="2485647702"/>
+      </p:ext>
+    </p:extLst>
+  </p:cSld>
+  <p:clrMapOvr>
+    <a:masterClrMapping/>
+  </p:clrMapOvr>
+</p:sld>
+</file>
+
+<file path=ppt/slides/slide11.xml><?xml version="1.0" encoding="utf-8"?>
+<p:sld xmlns:a="http://schemas.openxmlformats.org/drawingml/2006/main" xmlns:r="http://schemas.openxmlformats.org/officeDocument/2006/relationships" xmlns:p="http://schemas.openxmlformats.org/presentationml/2006/main">
+  <p:cSld>
+    <p:spTree>
+      <p:nvGrpSpPr>
+        <p:cNvPr id="1" name=""/>
+        <p:cNvGrpSpPr/>
+        <p:nvPr/>
+      </p:nvGrpSpPr>
+      <p:grpSpPr>
+        <a:xfrm>
+          <a:off x="0" y="0"/>
+          <a:ext cx="0" cy="0"/>
+          <a:chOff x="0" y="0"/>
+          <a:chExt cx="0" cy="0"/>
+        </a:xfrm>
+      </p:grpSpPr>
+      <p:sp>
+        <p:nvSpPr>
+          <p:cNvPr id="2" name="Title 1">
+            <a:extLst>
+              <a:ext uri="{FF2B5EF4-FFF2-40B4-BE49-F238E27FC236}">
+                <a16:creationId xmlns:a16="http://schemas.microsoft.com/office/drawing/2014/main" id="{96C71840-5BC3-6B47-9BE7-C2B99EDB354F}"/>
+              </a:ext>
+            </a:extLst>
+          </p:cNvPr>
+          <p:cNvSpPr>
+            <a:spLocks noGrp="1"/>
+          </p:cNvSpPr>
+          <p:nvPr>
+            <p:ph type="title"/>
+          </p:nvPr>
+        </p:nvSpPr>
+        <p:spPr>
+          <a:xfrm>
+            <a:off x="291650" y="2302006"/>
+            <a:ext cx="2302971" cy="1792744"/>
+          </a:xfrm>
+        </p:spPr>
+        <p:txBody>
+          <a:bodyPr>
+            <a:normAutofit/>
+          </a:bodyPr>
+          <a:lstStyle/>
+          <a:p>
+            <a:pPr algn="ctr"/>
+            <a:r>
+              <a:rPr lang="fr-BE" dirty="0"/>
+              <a:t>GRAPH : Suicide BY country</a:t>
+            </a:r>
+            <a:endParaRPr lang="en-CH" dirty="0"/>
+          </a:p>
+        </p:txBody>
+      </p:sp>
+      <p:pic>
+        <p:nvPicPr>
+          <p:cNvPr id="4" name="Graphique 3">
+            <a:extLst>
+              <a:ext uri="{FF2B5EF4-FFF2-40B4-BE49-F238E27FC236}">
+                <a16:creationId xmlns:a16="http://schemas.microsoft.com/office/drawing/2014/main" id="{08D8277D-96FC-428E-9EB6-C1E9AC50BD45}"/>
+              </a:ext>
+            </a:extLst>
+          </p:cNvPr>
+          <p:cNvPicPr>
+            <a:picLocks noChangeAspect="1"/>
+          </p:cNvPicPr>
+          <p:nvPr/>
+        </p:nvPicPr>
+        <p:blipFill>
+          <a:blip r:embed="rId2">
+            <a:extLst>
+              <a:ext uri="{96DAC541-7B7A-43D3-8B79-37D633B846F1}">
+                <asvg:svgBlip xmlns:asvg="http://schemas.microsoft.com/office/drawing/2016/SVG/main" r:embed="rId3"/>
+              </a:ext>
+            </a:extLst>
+          </a:blip>
+          <a:stretch>
+            <a:fillRect/>
+          </a:stretch>
+        </p:blipFill>
+        <p:spPr>
+          <a:xfrm>
+            <a:off x="2594621" y="-493613"/>
+            <a:ext cx="9229978" cy="7383982"/>
+          </a:xfrm>
+          <a:prstGeom prst="rect">
+            <a:avLst/>
+          </a:prstGeom>
+        </p:spPr>
+      </p:pic>
+    </p:spTree>
+    <p:extLst>
+      <p:ext uri="{BB962C8B-B14F-4D97-AF65-F5344CB8AC3E}">
+        <p14:creationId xmlns:p14="http://schemas.microsoft.com/office/powerpoint/2010/main" val="184806501"/>
+      </p:ext>
+    </p:extLst>
+  </p:cSld>
+  <p:clrMapOvr>
+    <a:masterClrMapping/>
+  </p:clrMapOvr>
+</p:sld>
+</file>
+
+<file path=ppt/slides/slide12.xml><?xml version="1.0" encoding="utf-8"?>
+<p:sld xmlns:a="http://schemas.openxmlformats.org/drawingml/2006/main" xmlns:r="http://schemas.openxmlformats.org/officeDocument/2006/relationships" xmlns:p="http://schemas.openxmlformats.org/presentationml/2006/main">
+  <p:cSld>
+    <p:spTree>
+      <p:nvGrpSpPr>
+        <p:cNvPr id="1" name=""/>
+        <p:cNvGrpSpPr/>
+        <p:nvPr/>
+      </p:nvGrpSpPr>
+      <p:grpSpPr>
+        <a:xfrm>
+          <a:off x="0" y="0"/>
+          <a:ext cx="0" cy="0"/>
+          <a:chOff x="0" y="0"/>
+          <a:chExt cx="0" cy="0"/>
+        </a:xfrm>
+      </p:grpSpPr>
+      <p:sp>
+        <p:nvSpPr>
+          <p:cNvPr id="26" name="Title 1">
+            <a:extLst>
+              <a:ext uri="{FF2B5EF4-FFF2-40B4-BE49-F238E27FC236}">
+                <a16:creationId xmlns:a16="http://schemas.microsoft.com/office/drawing/2014/main" id="{46BC7AA3-A385-4696-B6D1-CE09854B2CF0}"/>
+              </a:ext>
+            </a:extLst>
+          </p:cNvPr>
+          <p:cNvSpPr>
+            <a:spLocks noGrp="1"/>
+          </p:cNvSpPr>
+          <p:nvPr>
+            <p:ph type="title"/>
+          </p:nvPr>
+        </p:nvSpPr>
+        <p:spPr>
+          <a:xfrm>
+            <a:off x="294572" y="186440"/>
+            <a:ext cx="10330269" cy="655637"/>
+          </a:xfrm>
+        </p:spPr>
+        <p:txBody>
+          <a:bodyPr>
+            <a:normAutofit/>
+          </a:bodyPr>
+          <a:lstStyle/>
+          <a:p>
+            <a:r>
+              <a:rPr lang="fr-BE" dirty="0"/>
+              <a:t>GRAPH : Suicide BY ALCOHOL CONSUMPTION</a:t>
+            </a:r>
+            <a:endParaRPr lang="en-CH" dirty="0"/>
+          </a:p>
+        </p:txBody>
+      </p:sp>
+      <p:pic>
+        <p:nvPicPr>
+          <p:cNvPr id="3" name="Graphique 2">
+            <a:extLst>
+              <a:ext uri="{FF2B5EF4-FFF2-40B4-BE49-F238E27FC236}">
+                <a16:creationId xmlns:a16="http://schemas.microsoft.com/office/drawing/2014/main" id="{AC7960B4-C771-4733-977F-5245A8752D82}"/>
+              </a:ext>
+            </a:extLst>
+          </p:cNvPr>
+          <p:cNvPicPr>
+            <a:picLocks noChangeAspect="1"/>
+          </p:cNvPicPr>
+          <p:nvPr/>
+        </p:nvPicPr>
+        <p:blipFill>
+          <a:blip r:embed="rId2">
+            <a:extLst>
+              <a:ext uri="{96DAC541-7B7A-43D3-8B79-37D633B846F1}">
+                <asvg:svgBlip xmlns:asvg="http://schemas.microsoft.com/office/drawing/2016/SVG/main" r:embed="rId3"/>
+              </a:ext>
+            </a:extLst>
+          </a:blip>
+          <a:stretch>
+            <a:fillRect/>
+          </a:stretch>
+        </p:blipFill>
+        <p:spPr>
+          <a:xfrm>
+            <a:off x="2399289" y="956560"/>
+            <a:ext cx="7620000" cy="5715000"/>
+          </a:xfrm>
+          <a:prstGeom prst="rect">
+            <a:avLst/>
+          </a:prstGeom>
+        </p:spPr>
+      </p:pic>
+    </p:spTree>
+    <p:extLst>
+      <p:ext uri="{BB962C8B-B14F-4D97-AF65-F5344CB8AC3E}">
+        <p14:creationId xmlns:p14="http://schemas.microsoft.com/office/powerpoint/2010/main" val="2458617161"/>
+      </p:ext>
+    </p:extLst>
+  </p:cSld>
+  <p:clrMapOvr>
+    <a:masterClrMapping/>
+  </p:clrMapOvr>
+</p:sld>
+</file>
+
 <file path=ppt/slides/slide2.xml><?xml version="1.0" encoding="utf-8"?>
 <p:sld xmlns:a="http://schemas.openxmlformats.org/drawingml/2006/main" xmlns:r="http://schemas.openxmlformats.org/officeDocument/2006/relationships" xmlns:p="http://schemas.openxmlformats.org/presentationml/2006/main">
   <p:cSld>
@@ -6053,7 +6684,7 @@
           <p:cNvPr id="2" name="Title 1">
             <a:extLst>
               <a:ext uri="{FF2B5EF4-FFF2-40B4-BE49-F238E27FC236}">
-                <a16:creationId xmlns:a16="http://schemas.microsoft.com/office/drawing/2014/main" id="{CEBECAC7-DC57-924E-B280-5D7392E65298}"/>
+                <a16:creationId xmlns:a16="http://schemas.microsoft.com/office/drawing/2014/main" id="{2ECFBA99-9FF0-4757-AAAC-FDB96A35FF4A}"/>
               </a:ext>
             </a:extLst>
           </p:cNvPr>
@@ -6069,10 +6700,7 @@
           <a:bodyPr/>
           <a:lstStyle/>
           <a:p>
-            <a:r>
-              <a:rPr lang="en-CH" dirty="0"/>
-              <a:t>Source of the data</a:t>
-            </a:r>
+            <a:endParaRPr lang="LID4096"/>
           </a:p>
         </p:txBody>
       </p:sp>
@@ -6081,7 +6709,7 @@
           <p:cNvPr id="3" name="Content Placeholder 2">
             <a:extLst>
               <a:ext uri="{FF2B5EF4-FFF2-40B4-BE49-F238E27FC236}">
-                <a16:creationId xmlns:a16="http://schemas.microsoft.com/office/drawing/2014/main" id="{DA36A26A-4D8C-034C-9C54-65F8CEDC00AE}"/>
+                <a16:creationId xmlns:a16="http://schemas.microsoft.com/office/drawing/2014/main" id="{BED7FFDC-58FF-4C94-AF81-30B9F302D7B8}"/>
               </a:ext>
             </a:extLst>
           </p:cNvPr>
@@ -6097,60 +6725,14 @@
           <a:bodyPr/>
           <a:lstStyle/>
           <a:p>
-            <a:r>
-              <a:rPr lang="en-CH" dirty="0"/>
-              <a:t>Original data set from Kaggle</a:t>
-            </a:r>
-          </a:p>
-          <a:p>
-            <a:r>
-              <a:rPr lang="en-CH" dirty="0"/>
-              <a:t>REST Alpha2 country codes</a:t>
-            </a:r>
-          </a:p>
-          <a:p>
-            <a:r>
-              <a:rPr lang="en-CH" dirty="0"/>
-              <a:t>Additional data from the World Bank API</a:t>
-            </a:r>
-          </a:p>
-          <a:p>
-            <a:pPr lvl="2"/>
-            <a:r>
-              <a:rPr lang="en-CH" dirty="0"/>
-              <a:t>Smoking</a:t>
-            </a:r>
-          </a:p>
-          <a:p>
-            <a:pPr lvl="2"/>
-            <a:r>
-              <a:rPr lang="en-CH" dirty="0"/>
-              <a:t>Alcohol consumption</a:t>
-            </a:r>
-          </a:p>
-          <a:p>
-            <a:pPr lvl="2"/>
-            <a:r>
-              <a:rPr lang="en-CH" dirty="0"/>
-              <a:t>Unemployment rate</a:t>
-            </a:r>
-          </a:p>
-          <a:p>
-            <a:pPr lvl="2"/>
-            <a:r>
-              <a:rPr lang="en-CH" dirty="0"/>
-              <a:t>Population</a:t>
-            </a:r>
-          </a:p>
-          <a:p>
-            <a:endParaRPr lang="en-CH" dirty="0"/>
+            <a:endParaRPr lang="LID4096"/>
           </a:p>
         </p:txBody>
       </p:sp>
     </p:spTree>
     <p:extLst>
       <p:ext uri="{BB962C8B-B14F-4D97-AF65-F5344CB8AC3E}">
-        <p14:creationId xmlns:p14="http://schemas.microsoft.com/office/powerpoint/2010/main" val="1867939865"/>
+        <p14:creationId xmlns:p14="http://schemas.microsoft.com/office/powerpoint/2010/main" val="2543114655"/>
       </p:ext>
     </p:extLst>
   </p:cSld>
@@ -6179,10 +6761,107 @@
       </p:grpSpPr>
       <p:sp>
         <p:nvSpPr>
+          <p:cNvPr id="14" name="ZoneTexte 13">
+            <a:extLst>
+              <a:ext uri="{FF2B5EF4-FFF2-40B4-BE49-F238E27FC236}">
+                <a16:creationId xmlns:a16="http://schemas.microsoft.com/office/drawing/2014/main" id="{A41BC286-0AF1-4368-B284-8E1F71E435FE}"/>
+              </a:ext>
+            </a:extLst>
+          </p:cNvPr>
+          <p:cNvSpPr txBox="1"/>
+          <p:nvPr/>
+        </p:nvSpPr>
+        <p:spPr>
+          <a:xfrm>
+            <a:off x="3293574" y="3555641"/>
+            <a:ext cx="3652287" cy="2308324"/>
+          </a:xfrm>
+          <a:prstGeom prst="rect">
+            <a:avLst/>
+          </a:prstGeom>
+          <a:noFill/>
+        </p:spPr>
+        <p:txBody>
+          <a:bodyPr wrap="square" rtlCol="0">
+            <a:spAutoFit/>
+          </a:bodyPr>
+          <a:lstStyle/>
+          <a:p>
+            <a:pPr marL="720000" lvl="2" indent="0">
+              <a:buNone/>
+            </a:pPr>
+            <a:r>
+              <a:rPr lang="en-CH" dirty="0"/>
+              <a:t>Smoking</a:t>
+            </a:r>
+            <a:r>
+              <a:rPr lang="fr-BE" dirty="0"/>
+              <a:t> </a:t>
+            </a:r>
+            <a:r>
+              <a:rPr lang="fr-BE" dirty="0" err="1"/>
+              <a:t>habbits</a:t>
+            </a:r>
+            <a:endParaRPr lang="fr-BE" dirty="0"/>
+          </a:p>
+          <a:p>
+            <a:pPr marL="720000" lvl="2" indent="0">
+              <a:buNone/>
+            </a:pPr>
+            <a:endParaRPr lang="en-CH" dirty="0"/>
+          </a:p>
+          <a:p>
+            <a:pPr marL="720000" lvl="2" indent="0">
+              <a:buNone/>
+            </a:pPr>
+            <a:r>
+              <a:rPr lang="en-CH" dirty="0"/>
+              <a:t>Alcohol consumption</a:t>
+            </a:r>
+            <a:endParaRPr lang="fr-BE" dirty="0"/>
+          </a:p>
+          <a:p>
+            <a:pPr marL="720000" lvl="2" indent="0">
+              <a:buNone/>
+            </a:pPr>
+            <a:endParaRPr lang="en-CH" dirty="0"/>
+          </a:p>
+          <a:p>
+            <a:pPr marL="720000" lvl="2" indent="0">
+              <a:buNone/>
+            </a:pPr>
+            <a:r>
+              <a:rPr lang="en-CH" dirty="0"/>
+              <a:t>Unemployment rate</a:t>
+            </a:r>
+            <a:endParaRPr lang="fr-BE" dirty="0"/>
+          </a:p>
+          <a:p>
+            <a:pPr marL="720000" lvl="2" indent="0">
+              <a:buNone/>
+            </a:pPr>
+            <a:endParaRPr lang="en-CH" dirty="0"/>
+          </a:p>
+          <a:p>
+            <a:pPr marL="720000" lvl="2" indent="0">
+              <a:buNone/>
+            </a:pPr>
+            <a:r>
+              <a:rPr lang="en-CH" dirty="0"/>
+              <a:t>Population</a:t>
+            </a:r>
+          </a:p>
+          <a:p>
+            <a:endParaRPr lang="fr-BE" dirty="0"/>
+          </a:p>
+        </p:txBody>
+      </p:sp>
+      <p:sp>
+        <p:nvSpPr>
           <p:cNvPr id="2" name="Title 1">
             <a:extLst>
               <a:ext uri="{FF2B5EF4-FFF2-40B4-BE49-F238E27FC236}">
-                <a16:creationId xmlns:a16="http://schemas.microsoft.com/office/drawing/2014/main" id="{1A45EA46-8DC0-4D48-B647-F0FAAA5D04D4}"/>
+                <a16:creationId xmlns:a16="http://schemas.microsoft.com/office/drawing/2014/main" id="{CEBECAC7-DC57-924E-B280-5D7392E65298}"/>
               </a:ext>
             </a:extLst>
           </p:cNvPr>
@@ -6200,7 +6879,7 @@
           <a:p>
             <a:r>
               <a:rPr lang="en-CH" dirty="0"/>
-              <a:t>Data infrastructure</a:t>
+              <a:t>Source of the data</a:t>
             </a:r>
           </a:p>
         </p:txBody>
@@ -6210,7 +6889,7 @@
           <p:cNvPr id="3" name="Content Placeholder 2">
             <a:extLst>
               <a:ext uri="{FF2B5EF4-FFF2-40B4-BE49-F238E27FC236}">
-                <a16:creationId xmlns:a16="http://schemas.microsoft.com/office/drawing/2014/main" id="{5DC56CEF-023A-D148-B143-8321A08ECC09}"/>
+                <a16:creationId xmlns:a16="http://schemas.microsoft.com/office/drawing/2014/main" id="{DA36A26A-4D8C-034C-9C54-65F8CEDC00AE}"/>
               </a:ext>
             </a:extLst>
           </p:cNvPr>
@@ -6221,60 +6900,202 @@
             <p:ph idx="1"/>
           </p:nvPr>
         </p:nvSpPr>
-        <p:spPr/>
-        <p:txBody>
-          <a:bodyPr/>
+        <p:spPr>
+          <a:xfrm>
+            <a:off x="1079499" y="1773849"/>
+            <a:ext cx="10191475" cy="1789044"/>
+          </a:xfrm>
+        </p:spPr>
+        <p:txBody>
+          <a:bodyPr>
+            <a:noAutofit/>
+          </a:bodyPr>
           <a:lstStyle/>
           <a:p>
             <a:r>
               <a:rPr lang="en-CH" dirty="0"/>
-              <a:t>Loaded the original dataset into MySQL from a csv</a:t>
+              <a:t>Original data set from Kaggle</a:t>
             </a:r>
           </a:p>
           <a:p>
             <a:r>
               <a:rPr lang="en-CH" dirty="0"/>
-              <a:t>Realized sharing a file this way may cause complications</a:t>
-            </a:r>
-          </a:p>
-          <a:p>
-            <a:pPr lvl="2"/>
+              <a:t>REST Alpha2 country codes</a:t>
+            </a:r>
+          </a:p>
+          <a:p>
             <a:r>
               <a:rPr lang="en-CH" dirty="0"/>
-              <a:t>Hosted our MySQL database on a AWS instance</a:t>
-            </a:r>
-          </a:p>
-          <a:p>
-            <a:r>
-              <a:rPr lang="en-CH" dirty="0"/>
-              <a:t>Using this connection, reproductivity was ensured</a:t>
-            </a:r>
-          </a:p>
-          <a:p>
-            <a:r>
-              <a:rPr lang="en-CH" dirty="0"/>
-              <a:t>Added the country codes through REST “name” functionality</a:t>
-            </a:r>
-          </a:p>
-          <a:p>
-            <a:r>
-              <a:rPr lang="en-CH" dirty="0"/>
-              <a:t>The World Development Indicators (WDIs) were loaded directly into KNIME using the API extraction</a:t>
-            </a:r>
-          </a:p>
-          <a:p>
-            <a:pPr lvl="2"/>
-            <a:r>
-              <a:rPr lang="en-CH" dirty="0"/>
-              <a:t>Used an .xlsx file with the API codes hosted on OneDrive for reproductivity</a:t>
-            </a:r>
-          </a:p>
-        </p:txBody>
-      </p:sp>
+              <a:t>Additional data from the World Bank API</a:t>
+            </a:r>
+            <a:endParaRPr lang="fr-BE" dirty="0"/>
+          </a:p>
+          <a:p>
+            <a:pPr marL="0" indent="0">
+              <a:buNone/>
+            </a:pPr>
+            <a:endParaRPr lang="en-CH" dirty="0"/>
+          </a:p>
+          <a:p>
+            <a:pPr marL="720000" lvl="2" indent="0">
+              <a:buNone/>
+            </a:pPr>
+            <a:r>
+              <a:rPr lang="fr-BE" dirty="0"/>
+              <a:t>	</a:t>
+            </a:r>
+            <a:endParaRPr lang="en-CH" dirty="0"/>
+          </a:p>
+        </p:txBody>
+      </p:sp>
+      <p:pic>
+        <p:nvPicPr>
+          <p:cNvPr id="5" name="Graphique 4" descr="Fumer avec un remplissage uni">
+            <a:extLst>
+              <a:ext uri="{FF2B5EF4-FFF2-40B4-BE49-F238E27FC236}">
+                <a16:creationId xmlns:a16="http://schemas.microsoft.com/office/drawing/2014/main" id="{58B91BC7-6B03-4E71-8992-AAA29DE663E8}"/>
+              </a:ext>
+            </a:extLst>
+          </p:cNvPr>
+          <p:cNvPicPr>
+            <a:picLocks noChangeAspect="1"/>
+          </p:cNvPicPr>
+          <p:nvPr/>
+        </p:nvPicPr>
+        <p:blipFill>
+          <a:blip r:embed="rId2">
+            <a:extLst>
+              <a:ext uri="{96DAC541-7B7A-43D3-8B79-37D633B846F1}">
+                <asvg:svgBlip xmlns:asvg="http://schemas.microsoft.com/office/drawing/2016/SVG/main" r:embed="rId3"/>
+              </a:ext>
+            </a:extLst>
+          </a:blip>
+          <a:stretch>
+            <a:fillRect/>
+          </a:stretch>
+        </p:blipFill>
+        <p:spPr>
+          <a:xfrm>
+            <a:off x="3303365" y="3489912"/>
+            <a:ext cx="371060" cy="371060"/>
+          </a:xfrm>
+          <a:prstGeom prst="rect">
+            <a:avLst/>
+          </a:prstGeom>
+        </p:spPr>
+      </p:pic>
+      <p:pic>
+        <p:nvPicPr>
+          <p:cNvPr id="9" name="Graphique 8" descr="Vin avec un remplissage uni">
+            <a:extLst>
+              <a:ext uri="{FF2B5EF4-FFF2-40B4-BE49-F238E27FC236}">
+                <a16:creationId xmlns:a16="http://schemas.microsoft.com/office/drawing/2014/main" id="{554F1E2F-EA6E-49E8-B039-3E058F4FEA6F}"/>
+              </a:ext>
+            </a:extLst>
+          </p:cNvPr>
+          <p:cNvPicPr>
+            <a:picLocks noChangeAspect="1"/>
+          </p:cNvPicPr>
+          <p:nvPr/>
+        </p:nvPicPr>
+        <p:blipFill>
+          <a:blip r:embed="rId4">
+            <a:extLst>
+              <a:ext uri="{96DAC541-7B7A-43D3-8B79-37D633B846F1}">
+                <asvg:svgBlip xmlns:asvg="http://schemas.microsoft.com/office/drawing/2016/SVG/main" r:embed="rId5"/>
+              </a:ext>
+            </a:extLst>
+          </a:blip>
+          <a:stretch>
+            <a:fillRect/>
+          </a:stretch>
+        </p:blipFill>
+        <p:spPr>
+          <a:xfrm>
+            <a:off x="3263757" y="4103351"/>
+            <a:ext cx="371061" cy="371061"/>
+          </a:xfrm>
+          <a:prstGeom prst="rect">
+            <a:avLst/>
+          </a:prstGeom>
+        </p:spPr>
+      </p:pic>
+      <p:pic>
+        <p:nvPicPr>
+          <p:cNvPr id="11" name="Graphique 10" descr="Groupe de personnes avec un remplissage uni">
+            <a:extLst>
+              <a:ext uri="{FF2B5EF4-FFF2-40B4-BE49-F238E27FC236}">
+                <a16:creationId xmlns:a16="http://schemas.microsoft.com/office/drawing/2014/main" id="{34C82069-B69D-45E4-BB29-C2F9F73B0921}"/>
+              </a:ext>
+            </a:extLst>
+          </p:cNvPr>
+          <p:cNvPicPr>
+            <a:picLocks noChangeAspect="1"/>
+          </p:cNvPicPr>
+          <p:nvPr/>
+        </p:nvPicPr>
+        <p:blipFill>
+          <a:blip r:embed="rId6">
+            <a:extLst>
+              <a:ext uri="{96DAC541-7B7A-43D3-8B79-37D633B846F1}">
+                <asvg:svgBlip xmlns:asvg="http://schemas.microsoft.com/office/drawing/2016/SVG/main" r:embed="rId7"/>
+              </a:ext>
+            </a:extLst>
+          </a:blip>
+          <a:stretch>
+            <a:fillRect/>
+          </a:stretch>
+        </p:blipFill>
+        <p:spPr>
+          <a:xfrm>
+            <a:off x="3303365" y="5222084"/>
+            <a:ext cx="316397" cy="316397"/>
+          </a:xfrm>
+          <a:prstGeom prst="rect">
+            <a:avLst/>
+          </a:prstGeom>
+        </p:spPr>
+      </p:pic>
+      <p:pic>
+        <p:nvPicPr>
+          <p:cNvPr id="13" name="Graphique 12" descr="Porte-bloc avec un remplissage uni">
+            <a:extLst>
+              <a:ext uri="{FF2B5EF4-FFF2-40B4-BE49-F238E27FC236}">
+                <a16:creationId xmlns:a16="http://schemas.microsoft.com/office/drawing/2014/main" id="{4FFA1226-875E-45DD-B204-F49E99CAD61B}"/>
+              </a:ext>
+            </a:extLst>
+          </p:cNvPr>
+          <p:cNvPicPr>
+            <a:picLocks noChangeAspect="1"/>
+          </p:cNvPicPr>
+          <p:nvPr/>
+        </p:nvPicPr>
+        <p:blipFill>
+          <a:blip r:embed="rId8">
+            <a:extLst>
+              <a:ext uri="{96DAC541-7B7A-43D3-8B79-37D633B846F1}">
+                <asvg:svgBlip xmlns:asvg="http://schemas.microsoft.com/office/drawing/2016/SVG/main" r:embed="rId9"/>
+              </a:ext>
+            </a:extLst>
+          </a:blip>
+          <a:stretch>
+            <a:fillRect/>
+          </a:stretch>
+        </p:blipFill>
+        <p:spPr>
+          <a:xfrm>
+            <a:off x="3293574" y="4667184"/>
+            <a:ext cx="311426" cy="311426"/>
+          </a:xfrm>
+          <a:prstGeom prst="rect">
+            <a:avLst/>
+          </a:prstGeom>
+        </p:spPr>
+      </p:pic>
     </p:spTree>
     <p:extLst>
       <p:ext uri="{BB962C8B-B14F-4D97-AF65-F5344CB8AC3E}">
-        <p14:creationId xmlns:p14="http://schemas.microsoft.com/office/powerpoint/2010/main" val="799758839"/>
+        <p14:creationId xmlns:p14="http://schemas.microsoft.com/office/powerpoint/2010/main" val="1867939865"/>
       </p:ext>
     </p:extLst>
   </p:cSld>
@@ -6306,7 +7127,7 @@
           <p:cNvPr id="2" name="Title 1">
             <a:extLst>
               <a:ext uri="{FF2B5EF4-FFF2-40B4-BE49-F238E27FC236}">
-                <a16:creationId xmlns:a16="http://schemas.microsoft.com/office/drawing/2014/main" id="{E2FDB958-B481-0E41-90FD-180F101A33CC}"/>
+                <a16:creationId xmlns:a16="http://schemas.microsoft.com/office/drawing/2014/main" id="{1A45EA46-8DC0-4D48-B647-F0FAAA5D04D4}"/>
               </a:ext>
             </a:extLst>
           </p:cNvPr>
@@ -6323,12 +7144,8 @@
           <a:lstStyle/>
           <a:p>
             <a:r>
-              <a:rPr lang="en-GB" dirty="0"/>
-              <a:t>E</a:t>
-            </a:r>
-            <a:r>
               <a:rPr lang="en-CH" dirty="0"/>
-              <a:t>tl data pipeline</a:t>
+              <a:t>Data infrastructure</a:t>
             </a:r>
           </a:p>
         </p:txBody>
@@ -6338,7 +7155,7 @@
           <p:cNvPr id="3" name="Content Placeholder 2">
             <a:extLst>
               <a:ext uri="{FF2B5EF4-FFF2-40B4-BE49-F238E27FC236}">
-                <a16:creationId xmlns:a16="http://schemas.microsoft.com/office/drawing/2014/main" id="{50374378-1AB9-1747-AC27-6AB5640650FD}"/>
+                <a16:creationId xmlns:a16="http://schemas.microsoft.com/office/drawing/2014/main" id="{5DC56CEF-023A-D148-B143-8321A08ECC09}"/>
               </a:ext>
             </a:extLst>
           </p:cNvPr>
@@ -6349,54 +7166,131 @@
             <p:ph idx="1"/>
           </p:nvPr>
         </p:nvSpPr>
-        <p:spPr/>
-        <p:txBody>
-          <a:bodyPr/>
+        <p:spPr>
+          <a:xfrm>
+            <a:off x="1079500" y="1955127"/>
+            <a:ext cx="10026650" cy="3978275"/>
+          </a:xfrm>
+        </p:spPr>
+        <p:txBody>
+          <a:bodyPr>
+            <a:noAutofit/>
+          </a:bodyPr>
           <a:lstStyle/>
           <a:p>
             <a:r>
               <a:rPr lang="en-CH" dirty="0"/>
-              <a:t>Filtered country code maping column</a:t>
-            </a:r>
-          </a:p>
-          <a:p>
+              <a:t>Load the original dataset into MySQL from a csv</a:t>
+            </a:r>
+          </a:p>
+          <a:p>
+            <a:r>
+              <a:rPr lang="fr-BE" dirty="0"/>
+              <a:t>S</a:t>
+            </a:r>
             <a:r>
               <a:rPr lang="en-CH" dirty="0"/>
-              <a:t>Joined the table with the country code</a:t>
-            </a:r>
-          </a:p>
-          <a:p>
+              <a:t>har</a:t>
+            </a:r>
+            <a:r>
+              <a:rPr lang="fr-BE" dirty="0"/>
+              <a:t>e</a:t>
+            </a:r>
             <a:r>
               <a:rPr lang="en-CH" dirty="0"/>
-              <a:t>Variables in KNIME</a:t>
-            </a:r>
-          </a:p>
-          <a:p>
-            <a:r>
-              <a:rPr lang="en-GB" dirty="0"/>
-              <a:t>World </a:t>
-            </a:r>
-            <a:r>
-              <a:rPr lang="en-GB"/>
-              <a:t>bank API </a:t>
-            </a:r>
-            <a:r>
-              <a:rPr lang="en-GB" dirty="0"/>
-              <a:t>implementation until  the join after the loop ending including data wrangling problems and decisions</a:t>
-            </a:r>
-          </a:p>
-          <a:p>
-            <a:endParaRPr lang="en-CH" dirty="0"/>
-          </a:p>
-          <a:p>
-            <a:endParaRPr lang="en-CH" dirty="0"/>
-          </a:p>
-        </p:txBody>
-      </p:sp>
+              <a:t> a file this way may cause complications</a:t>
+            </a:r>
+          </a:p>
+          <a:p>
+            <a:pPr lvl="2"/>
+            <a:r>
+              <a:rPr lang="en-CH" dirty="0"/>
+              <a:t>Hosted our MySQL database on a AWS instance</a:t>
+            </a:r>
+          </a:p>
+          <a:p>
+            <a:r>
+              <a:rPr lang="en-CH" dirty="0"/>
+              <a:t>Us</a:t>
+            </a:r>
+            <a:r>
+              <a:rPr lang="fr-BE" dirty="0"/>
+              <a:t>e </a:t>
+            </a:r>
+            <a:r>
+              <a:rPr lang="en-CH" dirty="0"/>
+              <a:t>this connection, reproductivity was ensured</a:t>
+            </a:r>
+          </a:p>
+          <a:p>
+            <a:r>
+              <a:rPr lang="en-CH" dirty="0"/>
+              <a:t>Add the country codes through REST “name” functionality</a:t>
+            </a:r>
+          </a:p>
+          <a:p>
+            <a:r>
+              <a:rPr lang="en-CH" dirty="0"/>
+              <a:t>The World Development Indicators (WDIs) were loaded directly into KNIME using the API extraction</a:t>
+            </a:r>
+          </a:p>
+          <a:p>
+            <a:pPr lvl="2"/>
+            <a:r>
+              <a:rPr lang="en-CH" dirty="0"/>
+              <a:t>Us</a:t>
+            </a:r>
+            <a:r>
+              <a:rPr lang="fr-BE" dirty="0" err="1"/>
+              <a:t>ing</a:t>
+            </a:r>
+            <a:r>
+              <a:rPr lang="en-CH" dirty="0"/>
+              <a:t> an .xlsx file with the API codes hosted on OneDrive for reproductivity</a:t>
+            </a:r>
+          </a:p>
+        </p:txBody>
+      </p:sp>
+      <p:pic>
+        <p:nvPicPr>
+          <p:cNvPr id="7" name="Graphique 6" descr="Charger avec un remplissage uni">
+            <a:extLst>
+              <a:ext uri="{FF2B5EF4-FFF2-40B4-BE49-F238E27FC236}">
+                <a16:creationId xmlns:a16="http://schemas.microsoft.com/office/drawing/2014/main" id="{486018CE-DEE5-45B7-8239-F8C9E237E2ED}"/>
+              </a:ext>
+            </a:extLst>
+          </p:cNvPr>
+          <p:cNvPicPr>
+            <a:picLocks noChangeAspect="1"/>
+          </p:cNvPicPr>
+          <p:nvPr/>
+        </p:nvPicPr>
+        <p:blipFill>
+          <a:blip r:embed="rId2">
+            <a:extLst>
+              <a:ext uri="{96DAC541-7B7A-43D3-8B79-37D633B846F1}">
+                <asvg:svgBlip xmlns:asvg="http://schemas.microsoft.com/office/drawing/2016/SVG/main" r:embed="rId3"/>
+              </a:ext>
+            </a:extLst>
+          </a:blip>
+          <a:stretch>
+            <a:fillRect/>
+          </a:stretch>
+        </p:blipFill>
+        <p:spPr>
+          <a:xfrm>
+            <a:off x="8673987" y="722986"/>
+            <a:ext cx="2056726" cy="2056726"/>
+          </a:xfrm>
+          <a:prstGeom prst="rect">
+            <a:avLst/>
+          </a:prstGeom>
+        </p:spPr>
+      </p:pic>
     </p:spTree>
     <p:extLst>
       <p:ext uri="{BB962C8B-B14F-4D97-AF65-F5344CB8AC3E}">
-        <p14:creationId xmlns:p14="http://schemas.microsoft.com/office/powerpoint/2010/main" val="3587188991"/>
+        <p14:creationId xmlns:p14="http://schemas.microsoft.com/office/powerpoint/2010/main" val="799758839"/>
       </p:ext>
     </p:extLst>
   </p:cSld>
@@ -6428,7 +7322,7 @@
           <p:cNvPr id="2" name="Title 1">
             <a:extLst>
               <a:ext uri="{FF2B5EF4-FFF2-40B4-BE49-F238E27FC236}">
-                <a16:creationId xmlns:a16="http://schemas.microsoft.com/office/drawing/2014/main" id="{BE2B0980-4831-C14C-9E33-FBAC97C9635E}"/>
+                <a16:creationId xmlns:a16="http://schemas.microsoft.com/office/drawing/2014/main" id="{E2FDB958-B481-0E41-90FD-180F101A33CC}"/>
               </a:ext>
             </a:extLst>
           </p:cNvPr>
@@ -6446,11 +7340,11 @@
           <a:p>
             <a:r>
               <a:rPr lang="en-GB" dirty="0"/>
-              <a:t>D</a:t>
+              <a:t>E</a:t>
             </a:r>
             <a:r>
               <a:rPr lang="en-CH" dirty="0"/>
-              <a:t>ata visualization - cleaning</a:t>
+              <a:t>tl data pipeline</a:t>
             </a:r>
           </a:p>
         </p:txBody>
@@ -6460,7 +7354,7 @@
           <p:cNvPr id="3" name="Content Placeholder 2">
             <a:extLst>
               <a:ext uri="{FF2B5EF4-FFF2-40B4-BE49-F238E27FC236}">
-                <a16:creationId xmlns:a16="http://schemas.microsoft.com/office/drawing/2014/main" id="{E2226645-1590-3D4D-A6A3-5498A8BD18CD}"/>
+                <a16:creationId xmlns:a16="http://schemas.microsoft.com/office/drawing/2014/main" id="{50374378-1AB9-1747-AC27-6AB5640650FD}"/>
               </a:ext>
             </a:extLst>
           </p:cNvPr>
@@ -6471,42 +7365,355 @@
             <p:ph idx="1"/>
           </p:nvPr>
         </p:nvSpPr>
-        <p:spPr/>
-        <p:txBody>
-          <a:bodyPr/>
+        <p:spPr>
+          <a:xfrm>
+            <a:off x="1079500" y="2529167"/>
+            <a:ext cx="10026650" cy="3978275"/>
+          </a:xfrm>
+        </p:spPr>
+        <p:txBody>
+          <a:bodyPr>
+            <a:noAutofit/>
+          </a:bodyPr>
           <a:lstStyle/>
           <a:p>
             <a:r>
               <a:rPr lang="en-CH" dirty="0"/>
-              <a:t>Filtered out all missing values</a:t>
+              <a:t>Filter country code maping column</a:t>
             </a:r>
           </a:p>
           <a:p>
             <a:r>
               <a:rPr lang="en-CH" dirty="0"/>
-              <a:t>Using a histogram, realized that we mainly have observations for 2010</a:t>
-            </a:r>
-          </a:p>
-          <a:p>
-            <a:pPr lvl="2"/>
+              <a:t>Join the table with the country code</a:t>
+            </a:r>
+          </a:p>
+          <a:p>
             <a:r>
               <a:rPr lang="en-CH" dirty="0"/>
-              <a:t>Switch to a cross-sectional analysis from a time series</a:t>
-            </a:r>
-          </a:p>
-          <a:p>
-            <a:pPr lvl="2"/>
-            <a:r>
-              <a:rPr lang="en-CH" dirty="0"/>
-              <a:t>Filter out any observations not belonging to that year</a:t>
-            </a:r>
-          </a:p>
-        </p:txBody>
-      </p:sp>
+              <a:t>Variables in KNIME</a:t>
+            </a:r>
+          </a:p>
+          <a:p>
+            <a:r>
+              <a:rPr lang="en-GB" dirty="0"/>
+              <a:t>World bank API implementation until  the join after the loop ending including data wrangling problems and decisions</a:t>
+            </a:r>
+          </a:p>
+        </p:txBody>
+      </p:sp>
+      <p:sp>
+        <p:nvSpPr>
+          <p:cNvPr id="5" name="Cylindre 4">
+            <a:extLst>
+              <a:ext uri="{FF2B5EF4-FFF2-40B4-BE49-F238E27FC236}">
+                <a16:creationId xmlns:a16="http://schemas.microsoft.com/office/drawing/2014/main" id="{C216866E-D7CA-4B90-A6A4-3831A052367A}"/>
+              </a:ext>
+            </a:extLst>
+          </p:cNvPr>
+          <p:cNvSpPr/>
+          <p:nvPr/>
+        </p:nvSpPr>
+        <p:spPr>
+          <a:xfrm>
+            <a:off x="7295661" y="1516440"/>
+            <a:ext cx="825135" cy="568637"/>
+          </a:xfrm>
+          <a:prstGeom prst="can">
+            <a:avLst/>
+          </a:prstGeom>
+          <a:solidFill>
+            <a:schemeClr val="tx1"/>
+          </a:solidFill>
+          <a:ln>
+            <a:solidFill>
+              <a:schemeClr val="tx1">
+                <a:lumMod val="75000"/>
+              </a:schemeClr>
+            </a:solidFill>
+          </a:ln>
+        </p:spPr>
+        <p:style>
+          <a:lnRef idx="2">
+            <a:schemeClr val="accent1">
+              <a:shade val="50000"/>
+            </a:schemeClr>
+          </a:lnRef>
+          <a:fillRef idx="1">
+            <a:schemeClr val="accent1"/>
+          </a:fillRef>
+          <a:effectRef idx="0">
+            <a:schemeClr val="accent1"/>
+          </a:effectRef>
+          <a:fontRef idx="minor">
+            <a:schemeClr val="lt1"/>
+          </a:fontRef>
+        </p:style>
+        <p:txBody>
+          <a:bodyPr rtlCol="0" anchor="ctr"/>
+          <a:lstStyle/>
+          <a:p>
+            <a:pPr algn="ctr"/>
+            <a:endParaRPr lang="fr-BE"/>
+          </a:p>
+        </p:txBody>
+      </p:sp>
+      <p:sp>
+        <p:nvSpPr>
+          <p:cNvPr id="6" name="Cylindre 5">
+            <a:extLst>
+              <a:ext uri="{FF2B5EF4-FFF2-40B4-BE49-F238E27FC236}">
+                <a16:creationId xmlns:a16="http://schemas.microsoft.com/office/drawing/2014/main" id="{04DB4C4E-949C-48A7-BC00-6290530329FA}"/>
+              </a:ext>
+            </a:extLst>
+          </p:cNvPr>
+          <p:cNvSpPr/>
+          <p:nvPr/>
+        </p:nvSpPr>
+        <p:spPr>
+          <a:xfrm>
+            <a:off x="10412745" y="1494359"/>
+            <a:ext cx="825135" cy="590718"/>
+          </a:xfrm>
+          <a:prstGeom prst="can">
+            <a:avLst/>
+          </a:prstGeom>
+          <a:solidFill>
+            <a:schemeClr val="tx1"/>
+          </a:solidFill>
+          <a:ln>
+            <a:solidFill>
+              <a:schemeClr val="tx1">
+                <a:lumMod val="75000"/>
+              </a:schemeClr>
+            </a:solidFill>
+          </a:ln>
+        </p:spPr>
+        <p:style>
+          <a:lnRef idx="2">
+            <a:schemeClr val="accent1">
+              <a:shade val="50000"/>
+            </a:schemeClr>
+          </a:lnRef>
+          <a:fillRef idx="1">
+            <a:schemeClr val="accent1"/>
+          </a:fillRef>
+          <a:effectRef idx="0">
+            <a:schemeClr val="accent1"/>
+          </a:effectRef>
+          <a:fontRef idx="minor">
+            <a:schemeClr val="lt1"/>
+          </a:fontRef>
+        </p:style>
+        <p:txBody>
+          <a:bodyPr rtlCol="0" anchor="ctr"/>
+          <a:lstStyle/>
+          <a:p>
+            <a:pPr algn="ctr"/>
+            <a:endParaRPr lang="fr-BE"/>
+          </a:p>
+        </p:txBody>
+      </p:sp>
+      <p:sp>
+        <p:nvSpPr>
+          <p:cNvPr id="7" name="Rectangle 6">
+            <a:extLst>
+              <a:ext uri="{FF2B5EF4-FFF2-40B4-BE49-F238E27FC236}">
+                <a16:creationId xmlns:a16="http://schemas.microsoft.com/office/drawing/2014/main" id="{CAB80B8B-21E0-4536-9128-F192D33C818E}"/>
+              </a:ext>
+            </a:extLst>
+          </p:cNvPr>
+          <p:cNvSpPr/>
+          <p:nvPr/>
+        </p:nvSpPr>
+        <p:spPr>
+          <a:xfrm>
+            <a:off x="8828834" y="1575827"/>
+            <a:ext cx="807028" cy="487898"/>
+          </a:xfrm>
+          <a:prstGeom prst="rect">
+            <a:avLst/>
+          </a:prstGeom>
+          <a:solidFill>
+            <a:schemeClr val="tx1"/>
+          </a:solidFill>
+          <a:ln>
+            <a:solidFill>
+              <a:schemeClr val="tx1"/>
+            </a:solidFill>
+          </a:ln>
+        </p:spPr>
+        <p:style>
+          <a:lnRef idx="2">
+            <a:schemeClr val="accent1">
+              <a:shade val="50000"/>
+            </a:schemeClr>
+          </a:lnRef>
+          <a:fillRef idx="1">
+            <a:schemeClr val="accent1"/>
+          </a:fillRef>
+          <a:effectRef idx="0">
+            <a:schemeClr val="accent1"/>
+          </a:effectRef>
+          <a:fontRef idx="minor">
+            <a:schemeClr val="lt1"/>
+          </a:fontRef>
+        </p:style>
+        <p:txBody>
+          <a:bodyPr rtlCol="0" anchor="ctr"/>
+          <a:lstStyle/>
+          <a:p>
+            <a:pPr algn="ctr"/>
+            <a:endParaRPr lang="fr-BE"/>
+          </a:p>
+        </p:txBody>
+      </p:sp>
+      <p:sp>
+        <p:nvSpPr>
+          <p:cNvPr id="8" name="Flèche : droite 7">
+            <a:extLst>
+              <a:ext uri="{FF2B5EF4-FFF2-40B4-BE49-F238E27FC236}">
+                <a16:creationId xmlns:a16="http://schemas.microsoft.com/office/drawing/2014/main" id="{7A6FB6C3-7A81-47B3-B943-9D6F1981EB5D}"/>
+              </a:ext>
+            </a:extLst>
+          </p:cNvPr>
+          <p:cNvSpPr/>
+          <p:nvPr/>
+        </p:nvSpPr>
+        <p:spPr>
+          <a:xfrm>
+            <a:off x="7824998" y="2240000"/>
+            <a:ext cx="3013608" cy="354731"/>
+          </a:xfrm>
+          <a:prstGeom prst="rightArrow">
+            <a:avLst/>
+          </a:prstGeom>
+          <a:solidFill>
+            <a:schemeClr val="tx1"/>
+          </a:solidFill>
+          <a:ln>
+            <a:solidFill>
+              <a:schemeClr val="tx1"/>
+            </a:solidFill>
+          </a:ln>
+        </p:spPr>
+        <p:style>
+          <a:lnRef idx="2">
+            <a:schemeClr val="accent1">
+              <a:shade val="50000"/>
+            </a:schemeClr>
+          </a:lnRef>
+          <a:fillRef idx="1">
+            <a:schemeClr val="accent1"/>
+          </a:fillRef>
+          <a:effectRef idx="0">
+            <a:schemeClr val="accent1"/>
+          </a:effectRef>
+          <a:fontRef idx="minor">
+            <a:schemeClr val="lt1"/>
+          </a:fontRef>
+        </p:style>
+        <p:txBody>
+          <a:bodyPr rtlCol="0" anchor="ctr"/>
+          <a:lstStyle/>
+          <a:p>
+            <a:pPr algn="ctr"/>
+            <a:endParaRPr lang="fr-BE"/>
+          </a:p>
+        </p:txBody>
+      </p:sp>
+      <p:cxnSp>
+        <p:nvCxnSpPr>
+          <p:cNvPr id="11" name="Connecteur droit avec flèche 10">
+            <a:extLst>
+              <a:ext uri="{FF2B5EF4-FFF2-40B4-BE49-F238E27FC236}">
+                <a16:creationId xmlns:a16="http://schemas.microsoft.com/office/drawing/2014/main" id="{C9A2BF19-552A-477A-877D-0013CEEF76DA}"/>
+              </a:ext>
+            </a:extLst>
+          </p:cNvPr>
+          <p:cNvCxnSpPr>
+            <a:cxnSpLocks/>
+          </p:cNvCxnSpPr>
+          <p:nvPr/>
+        </p:nvCxnSpPr>
+        <p:spPr>
+          <a:xfrm>
+            <a:off x="8252526" y="1873306"/>
+            <a:ext cx="373116" cy="0"/>
+          </a:xfrm>
+          <a:prstGeom prst="straightConnector1">
+            <a:avLst/>
+          </a:prstGeom>
+          <a:ln>
+            <a:solidFill>
+              <a:schemeClr val="tx1"/>
+            </a:solidFill>
+            <a:tailEnd type="triangle"/>
+          </a:ln>
+        </p:spPr>
+        <p:style>
+          <a:lnRef idx="1">
+            <a:schemeClr val="accent1"/>
+          </a:lnRef>
+          <a:fillRef idx="0">
+            <a:schemeClr val="accent1"/>
+          </a:fillRef>
+          <a:effectRef idx="0">
+            <a:schemeClr val="accent1"/>
+          </a:effectRef>
+          <a:fontRef idx="minor">
+            <a:schemeClr val="tx1"/>
+          </a:fontRef>
+        </p:style>
+      </p:cxnSp>
+      <p:cxnSp>
+        <p:nvCxnSpPr>
+          <p:cNvPr id="15" name="Connecteur droit avec flèche 14">
+            <a:extLst>
+              <a:ext uri="{FF2B5EF4-FFF2-40B4-BE49-F238E27FC236}">
+                <a16:creationId xmlns:a16="http://schemas.microsoft.com/office/drawing/2014/main" id="{9111B6B4-AD03-426A-9A53-86B6F109678E}"/>
+              </a:ext>
+            </a:extLst>
+          </p:cNvPr>
+          <p:cNvCxnSpPr>
+            <a:cxnSpLocks/>
+          </p:cNvCxnSpPr>
+          <p:nvPr/>
+        </p:nvCxnSpPr>
+        <p:spPr>
+          <a:xfrm>
+            <a:off x="9831816" y="1863720"/>
+            <a:ext cx="373116" cy="0"/>
+          </a:xfrm>
+          <a:prstGeom prst="straightConnector1">
+            <a:avLst/>
+          </a:prstGeom>
+          <a:ln>
+            <a:solidFill>
+              <a:schemeClr val="tx1"/>
+            </a:solidFill>
+            <a:tailEnd type="triangle"/>
+          </a:ln>
+        </p:spPr>
+        <p:style>
+          <a:lnRef idx="1">
+            <a:schemeClr val="accent1"/>
+          </a:lnRef>
+          <a:fillRef idx="0">
+            <a:schemeClr val="accent1"/>
+          </a:fillRef>
+          <a:effectRef idx="0">
+            <a:schemeClr val="accent1"/>
+          </a:effectRef>
+          <a:fontRef idx="minor">
+            <a:schemeClr val="tx1"/>
+          </a:fontRef>
+        </p:style>
+      </p:cxnSp>
     </p:spTree>
     <p:extLst>
       <p:ext uri="{BB962C8B-B14F-4D97-AF65-F5344CB8AC3E}">
-        <p14:creationId xmlns:p14="http://schemas.microsoft.com/office/powerpoint/2010/main" val="3561371251"/>
+        <p14:creationId xmlns:p14="http://schemas.microsoft.com/office/powerpoint/2010/main" val="3587188991"/>
       </p:ext>
     </p:extLst>
   </p:cSld>
@@ -6538,7 +7745,7 @@
           <p:cNvPr id="2" name="Title 1">
             <a:extLst>
               <a:ext uri="{FF2B5EF4-FFF2-40B4-BE49-F238E27FC236}">
-                <a16:creationId xmlns:a16="http://schemas.microsoft.com/office/drawing/2014/main" id="{96C71840-5BC3-6B47-9BE7-C2B99EDB354F}"/>
+                <a16:creationId xmlns:a16="http://schemas.microsoft.com/office/drawing/2014/main" id="{BE2B0980-4831-C14C-9E33-FBAC97C9635E}"/>
               </a:ext>
             </a:extLst>
           </p:cNvPr>
@@ -6555,8 +7762,12 @@
           <a:lstStyle/>
           <a:p>
             <a:r>
+              <a:rPr lang="en-GB" dirty="0"/>
+              <a:t>D</a:t>
+            </a:r>
+            <a:r>
               <a:rPr lang="en-CH" dirty="0"/>
-              <a:t>Data Visualization – general facts</a:t>
+              <a:t>ata visualization - cleaning</a:t>
             </a:r>
           </a:p>
         </p:txBody>
@@ -6566,7 +7777,7 @@
           <p:cNvPr id="3" name="Content Placeholder 2">
             <a:extLst>
               <a:ext uri="{FF2B5EF4-FFF2-40B4-BE49-F238E27FC236}">
-                <a16:creationId xmlns:a16="http://schemas.microsoft.com/office/drawing/2014/main" id="{DFD53EBE-FA6A-124E-B515-930E691D4221}"/>
+                <a16:creationId xmlns:a16="http://schemas.microsoft.com/office/drawing/2014/main" id="{E2226645-1590-3D4D-A6A3-5498A8BD18CD}"/>
               </a:ext>
             </a:extLst>
           </p:cNvPr>
@@ -6577,19 +7788,145 @@
             <p:ph idx="1"/>
           </p:nvPr>
         </p:nvSpPr>
-        <p:spPr/>
+        <p:spPr>
+          <a:xfrm>
+            <a:off x="1079500" y="2073922"/>
+            <a:ext cx="10026650" cy="3978275"/>
+          </a:xfrm>
+        </p:spPr>
         <p:txBody>
           <a:bodyPr/>
           <a:lstStyle/>
           <a:p>
-            <a:endParaRPr lang="en-CH"/>
-          </a:p>
-        </p:txBody>
-      </p:sp>
+            <a:r>
+              <a:rPr lang="en-CH" dirty="0"/>
+              <a:t>Filtere out all missing values</a:t>
+            </a:r>
+          </a:p>
+          <a:p>
+            <a:r>
+              <a:rPr lang="en-CH" dirty="0"/>
+              <a:t>Using a histogram</a:t>
+            </a:r>
+            <a:r>
+              <a:rPr lang="fr-BE" dirty="0"/>
+              <a:t>           </a:t>
+            </a:r>
+            <a:r>
+              <a:rPr lang="en-CH" dirty="0"/>
+              <a:t>we mainly have observations for 2010</a:t>
+            </a:r>
+          </a:p>
+          <a:p>
+            <a:pPr lvl="2"/>
+            <a:r>
+              <a:rPr lang="en-CH" dirty="0"/>
+              <a:t>Switch to a cross-sectional analysis from a time series</a:t>
+            </a:r>
+          </a:p>
+          <a:p>
+            <a:pPr lvl="2"/>
+            <a:r>
+              <a:rPr lang="en-CH" dirty="0"/>
+              <a:t>Filter out any observations not belonging to that year</a:t>
+            </a:r>
+          </a:p>
+        </p:txBody>
+      </p:sp>
+      <p:sp>
+        <p:nvSpPr>
+          <p:cNvPr id="5" name="Arrow: Right 4">
+            <a:extLst>
+              <a:ext uri="{FF2B5EF4-FFF2-40B4-BE49-F238E27FC236}">
+                <a16:creationId xmlns:a16="http://schemas.microsoft.com/office/drawing/2014/main" id="{AC2C4803-181F-41E7-9C54-01A3CC94DDFA}"/>
+              </a:ext>
+            </a:extLst>
+          </p:cNvPr>
+          <p:cNvSpPr/>
+          <p:nvPr/>
+        </p:nvSpPr>
+        <p:spPr>
+          <a:xfrm>
+            <a:off x="3601615" y="2713373"/>
+            <a:ext cx="522515" cy="203557"/>
+          </a:xfrm>
+          <a:prstGeom prst="rightArrow">
+            <a:avLst/>
+          </a:prstGeom>
+          <a:solidFill>
+            <a:schemeClr val="tx1"/>
+          </a:solidFill>
+          <a:ln>
+            <a:solidFill>
+              <a:schemeClr val="tx1"/>
+            </a:solidFill>
+          </a:ln>
+        </p:spPr>
+        <p:style>
+          <a:lnRef idx="2">
+            <a:schemeClr val="accent1">
+              <a:shade val="50000"/>
+            </a:schemeClr>
+          </a:lnRef>
+          <a:fillRef idx="1">
+            <a:schemeClr val="accent1"/>
+          </a:fillRef>
+          <a:effectRef idx="0">
+            <a:schemeClr val="accent1"/>
+          </a:effectRef>
+          <a:fontRef idx="minor">
+            <a:schemeClr val="lt1"/>
+          </a:fontRef>
+        </p:style>
+        <p:txBody>
+          <a:bodyPr rtlCol="0" anchor="ctr"/>
+          <a:lstStyle/>
+          <a:p>
+            <a:pPr algn="ctr"/>
+            <a:endParaRPr lang="LID4096"/>
+          </a:p>
+        </p:txBody>
+      </p:sp>
+      <p:pic>
+        <p:nvPicPr>
+          <p:cNvPr id="6" name="Graphique 5" descr="Serpillière et seau avec un remplissage uni">
+            <a:extLst>
+              <a:ext uri="{FF2B5EF4-FFF2-40B4-BE49-F238E27FC236}">
+                <a16:creationId xmlns:a16="http://schemas.microsoft.com/office/drawing/2014/main" id="{28F7F73B-F9AB-4A8C-B1B5-19BC063864EE}"/>
+              </a:ext>
+            </a:extLst>
+          </p:cNvPr>
+          <p:cNvPicPr>
+            <a:picLocks noChangeAspect="1"/>
+          </p:cNvPicPr>
+          <p:nvPr/>
+        </p:nvPicPr>
+        <p:blipFill>
+          <a:blip r:embed="rId2">
+            <a:extLst>
+              <a:ext uri="{96DAC541-7B7A-43D3-8B79-37D633B846F1}">
+                <asvg:svgBlip xmlns:asvg="http://schemas.microsoft.com/office/drawing/2016/SVG/main" r:embed="rId3"/>
+              </a:ext>
+            </a:extLst>
+          </a:blip>
+          <a:stretch>
+            <a:fillRect/>
+          </a:stretch>
+        </p:blipFill>
+        <p:spPr>
+          <a:xfrm>
+            <a:off x="347956" y="4278609"/>
+            <a:ext cx="2180635" cy="2180635"/>
+          </a:xfrm>
+          <a:prstGeom prst="rect">
+            <a:avLst/>
+          </a:prstGeom>
+        </p:spPr>
+      </p:pic>
     </p:spTree>
     <p:extLst>
       <p:ext uri="{BB962C8B-B14F-4D97-AF65-F5344CB8AC3E}">
-        <p14:creationId xmlns:p14="http://schemas.microsoft.com/office/powerpoint/2010/main" val="103008590"/>
+        <p14:creationId xmlns:p14="http://schemas.microsoft.com/office/powerpoint/2010/main" val="3561371251"/>
       </p:ext>
     </p:extLst>
   </p:cSld>
@@ -6621,7 +7958,7 @@
           <p:cNvPr id="2" name="Title 1">
             <a:extLst>
               <a:ext uri="{FF2B5EF4-FFF2-40B4-BE49-F238E27FC236}">
-                <a16:creationId xmlns:a16="http://schemas.microsoft.com/office/drawing/2014/main" id="{17E55584-FB6A-4849-A517-FD0D7867BEBE}"/>
+                <a16:creationId xmlns:a16="http://schemas.microsoft.com/office/drawing/2014/main" id="{96C71840-5BC3-6B47-9BE7-C2B99EDB354F}"/>
               </a:ext>
             </a:extLst>
           </p:cNvPr>
@@ -6638,22 +7975,18 @@
           <a:lstStyle/>
           <a:p>
             <a:r>
-              <a:rPr lang="en-GB" dirty="0"/>
-              <a:t>D</a:t>
-            </a:r>
-            <a:r>
               <a:rPr lang="en-CH" dirty="0"/>
-              <a:t>ata visualization – total population</a:t>
-            </a:r>
-          </a:p>
-        </p:txBody>
-      </p:sp>
-      <p:sp>
-        <p:nvSpPr>
-          <p:cNvPr id="3" name="Content Placeholder 2">
-            <a:extLst>
-              <a:ext uri="{FF2B5EF4-FFF2-40B4-BE49-F238E27FC236}">
-                <a16:creationId xmlns:a16="http://schemas.microsoft.com/office/drawing/2014/main" id="{3C0078EF-FEBB-FE42-A669-368F88BDC1FB}"/>
+              <a:t>Data Visualization – general facts</a:t>
+            </a:r>
+          </a:p>
+        </p:txBody>
+      </p:sp>
+      <p:sp>
+        <p:nvSpPr>
+          <p:cNvPr id="6" name="Espace réservé du contenu 5">
+            <a:extLst>
+              <a:ext uri="{FF2B5EF4-FFF2-40B4-BE49-F238E27FC236}">
+                <a16:creationId xmlns:a16="http://schemas.microsoft.com/office/drawing/2014/main" id="{5E7A9578-F3B8-44E3-96A2-2520FD09EACF}"/>
               </a:ext>
             </a:extLst>
           </p:cNvPr>
@@ -6669,61 +8002,14 @@
           <a:bodyPr/>
           <a:lstStyle/>
           <a:p>
-            <a:r>
-              <a:rPr lang="en-GB" dirty="0"/>
-              <a:t>T</a:t>
-            </a:r>
-            <a:r>
-              <a:rPr lang="en-CH" dirty="0"/>
-              <a:t>wo variables that encompased the whole population</a:t>
-            </a:r>
-          </a:p>
-          <a:p>
-            <a:pPr lvl="2"/>
-            <a:r>
-              <a:rPr lang="en-CH" dirty="0"/>
-              <a:t>GPD per Capita</a:t>
-            </a:r>
-          </a:p>
-          <a:p>
-            <a:pPr lvl="2"/>
-            <a:r>
-              <a:rPr lang="en-CH" dirty="0"/>
-              <a:t>Population</a:t>
-            </a:r>
-          </a:p>
-          <a:p>
-            <a:r>
-              <a:rPr lang="en-CH" dirty="0"/>
-              <a:t>Population graph straight forward</a:t>
-            </a:r>
-          </a:p>
-          <a:p>
-            <a:pPr lvl="2"/>
-            <a:r>
-              <a:rPr lang="en-CH" dirty="0"/>
-              <a:t>No clear correlation but some connection</a:t>
-            </a:r>
-          </a:p>
-          <a:p>
-            <a:r>
-              <a:rPr lang="en-CH" dirty="0"/>
-              <a:t>Decided to do a log-log transformation for GDP per Capita</a:t>
-            </a:r>
-          </a:p>
-          <a:p>
-            <a:pPr lvl="2"/>
-            <a:r>
-              <a:rPr lang="en-CH" dirty="0"/>
-              <a:t>Absolutely no correlation between GDP per Capita and number of suicides</a:t>
-            </a:r>
+            <a:endParaRPr lang="fr-BE"/>
           </a:p>
         </p:txBody>
       </p:sp>
     </p:spTree>
     <p:extLst>
       <p:ext uri="{BB962C8B-B14F-4D97-AF65-F5344CB8AC3E}">
-        <p14:creationId xmlns:p14="http://schemas.microsoft.com/office/powerpoint/2010/main" val="407757707"/>
+        <p14:creationId xmlns:p14="http://schemas.microsoft.com/office/powerpoint/2010/main" val="103008590"/>
       </p:ext>
     </p:extLst>
   </p:cSld>
@@ -6755,7 +8041,7 @@
           <p:cNvPr id="2" name="Title 1">
             <a:extLst>
               <a:ext uri="{FF2B5EF4-FFF2-40B4-BE49-F238E27FC236}">
-                <a16:creationId xmlns:a16="http://schemas.microsoft.com/office/drawing/2014/main" id="{23BCB6AC-DD57-1149-9F51-4B12017360A7}"/>
+                <a16:creationId xmlns:a16="http://schemas.microsoft.com/office/drawing/2014/main" id="{17E55584-FB6A-4849-A517-FD0D7867BEBE}"/>
               </a:ext>
             </a:extLst>
           </p:cNvPr>
@@ -6768,14 +8054,16 @@
         </p:nvSpPr>
         <p:spPr/>
         <p:txBody>
-          <a:bodyPr>
-            <a:normAutofit/>
-          </a:bodyPr>
+          <a:bodyPr/>
           <a:lstStyle/>
           <a:p>
             <a:r>
+              <a:rPr lang="en-GB" dirty="0"/>
+              <a:t>D</a:t>
+            </a:r>
+            <a:r>
               <a:rPr lang="en-CH" dirty="0"/>
-              <a:t>Data visualization – by Gender</a:t>
+              <a:t>ata visualization – total population</a:t>
             </a:r>
           </a:p>
         </p:txBody>
@@ -6785,7 +8073,7 @@
           <p:cNvPr id="3" name="Content Placeholder 2">
             <a:extLst>
               <a:ext uri="{FF2B5EF4-FFF2-40B4-BE49-F238E27FC236}">
-                <a16:creationId xmlns:a16="http://schemas.microsoft.com/office/drawing/2014/main" id="{79A9425A-062D-D545-A18A-44226D2EBAD3}"/>
+                <a16:creationId xmlns:a16="http://schemas.microsoft.com/office/drawing/2014/main" id="{3C0078EF-FEBB-FE42-A669-368F88BDC1FB}"/>
               </a:ext>
             </a:extLst>
           </p:cNvPr>
@@ -6802,6 +8090,138 @@
           <a:lstStyle/>
           <a:p>
             <a:r>
+              <a:rPr lang="en-GB" dirty="0"/>
+              <a:t>T</a:t>
+            </a:r>
+            <a:r>
+              <a:rPr lang="en-CH" dirty="0"/>
+              <a:t>wo variables that encompased the whole population</a:t>
+            </a:r>
+          </a:p>
+          <a:p>
+            <a:pPr lvl="2"/>
+            <a:r>
+              <a:rPr lang="en-CH" dirty="0"/>
+              <a:t>GPD per Capita</a:t>
+            </a:r>
+          </a:p>
+          <a:p>
+            <a:pPr lvl="2"/>
+            <a:r>
+              <a:rPr lang="en-CH" dirty="0"/>
+              <a:t>Population</a:t>
+            </a:r>
+          </a:p>
+          <a:p>
+            <a:r>
+              <a:rPr lang="en-CH" dirty="0"/>
+              <a:t>Population graph straight forward</a:t>
+            </a:r>
+          </a:p>
+          <a:p>
+            <a:pPr lvl="2"/>
+            <a:r>
+              <a:rPr lang="en-CH" dirty="0"/>
+              <a:t>No clear correlation but some connection</a:t>
+            </a:r>
+          </a:p>
+          <a:p>
+            <a:r>
+              <a:rPr lang="en-CH" dirty="0"/>
+              <a:t>Decided to do a log-log transformation for GDP per Capita</a:t>
+            </a:r>
+          </a:p>
+          <a:p>
+            <a:pPr lvl="2"/>
+            <a:r>
+              <a:rPr lang="en-CH" dirty="0"/>
+              <a:t>Absolutely no correlation between GDP per Capita and number of suicides</a:t>
+            </a:r>
+          </a:p>
+        </p:txBody>
+      </p:sp>
+    </p:spTree>
+    <p:extLst>
+      <p:ext uri="{BB962C8B-B14F-4D97-AF65-F5344CB8AC3E}">
+        <p14:creationId xmlns:p14="http://schemas.microsoft.com/office/powerpoint/2010/main" val="407757707"/>
+      </p:ext>
+    </p:extLst>
+  </p:cSld>
+  <p:clrMapOvr>
+    <a:masterClrMapping/>
+  </p:clrMapOvr>
+</p:sld>
+</file>
+
+<file path=ppt/slides/slide9.xml><?xml version="1.0" encoding="utf-8"?>
+<p:sld xmlns:a="http://schemas.openxmlformats.org/drawingml/2006/main" xmlns:r="http://schemas.openxmlformats.org/officeDocument/2006/relationships" xmlns:p="http://schemas.openxmlformats.org/presentationml/2006/main">
+  <p:cSld>
+    <p:spTree>
+      <p:nvGrpSpPr>
+        <p:cNvPr id="1" name=""/>
+        <p:cNvGrpSpPr/>
+        <p:nvPr/>
+      </p:nvGrpSpPr>
+      <p:grpSpPr>
+        <a:xfrm>
+          <a:off x="0" y="0"/>
+          <a:ext cx="0" cy="0"/>
+          <a:chOff x="0" y="0"/>
+          <a:chExt cx="0" cy="0"/>
+        </a:xfrm>
+      </p:grpSpPr>
+      <p:sp>
+        <p:nvSpPr>
+          <p:cNvPr id="2" name="Title 1">
+            <a:extLst>
+              <a:ext uri="{FF2B5EF4-FFF2-40B4-BE49-F238E27FC236}">
+                <a16:creationId xmlns:a16="http://schemas.microsoft.com/office/drawing/2014/main" id="{23BCB6AC-DD57-1149-9F51-4B12017360A7}"/>
+              </a:ext>
+            </a:extLst>
+          </p:cNvPr>
+          <p:cNvSpPr>
+            <a:spLocks noGrp="1"/>
+          </p:cNvSpPr>
+          <p:nvPr>
+            <p:ph type="title"/>
+          </p:nvPr>
+        </p:nvSpPr>
+        <p:spPr/>
+        <p:txBody>
+          <a:bodyPr>
+            <a:normAutofit/>
+          </a:bodyPr>
+          <a:lstStyle/>
+          <a:p>
+            <a:r>
+              <a:rPr lang="en-CH" dirty="0"/>
+              <a:t>Data visualization – by Gender</a:t>
+            </a:r>
+          </a:p>
+        </p:txBody>
+      </p:sp>
+      <p:sp>
+        <p:nvSpPr>
+          <p:cNvPr id="3" name="Content Placeholder 2">
+            <a:extLst>
+              <a:ext uri="{FF2B5EF4-FFF2-40B4-BE49-F238E27FC236}">
+                <a16:creationId xmlns:a16="http://schemas.microsoft.com/office/drawing/2014/main" id="{79A9425A-062D-D545-A18A-44226D2EBAD3}"/>
+              </a:ext>
+            </a:extLst>
+          </p:cNvPr>
+          <p:cNvSpPr>
+            <a:spLocks noGrp="1"/>
+          </p:cNvSpPr>
+          <p:nvPr>
+            <p:ph idx="1"/>
+          </p:nvPr>
+        </p:nvSpPr>
+        <p:spPr/>
+        <p:txBody>
+          <a:bodyPr/>
+          <a:lstStyle/>
+          <a:p>
+            <a:r>
               <a:rPr lang="en-CH" dirty="0"/>
               <a:t>Some of the variables had a division by gender</a:t>
             </a:r>
@@ -6842,6 +8262,74 @@
           </a:p>
         </p:txBody>
       </p:sp>
+      <p:pic>
+        <p:nvPicPr>
+          <p:cNvPr id="5" name="Graphique 4" descr="Masculin avec un remplissage uni">
+            <a:extLst>
+              <a:ext uri="{FF2B5EF4-FFF2-40B4-BE49-F238E27FC236}">
+                <a16:creationId xmlns:a16="http://schemas.microsoft.com/office/drawing/2014/main" id="{42B60995-2E26-457F-913F-8B9AC3FE8913}"/>
+              </a:ext>
+            </a:extLst>
+          </p:cNvPr>
+          <p:cNvPicPr>
+            <a:picLocks noChangeAspect="1"/>
+          </p:cNvPicPr>
+          <p:nvPr/>
+        </p:nvPicPr>
+        <p:blipFill>
+          <a:blip r:embed="rId2">
+            <a:extLst>
+              <a:ext uri="{96DAC541-7B7A-43D3-8B79-37D633B846F1}">
+                <asvg:svgBlip xmlns:asvg="http://schemas.microsoft.com/office/drawing/2016/SVG/main" r:embed="rId3"/>
+              </a:ext>
+            </a:extLst>
+          </a:blip>
+          <a:stretch>
+            <a:fillRect/>
+          </a:stretch>
+        </p:blipFill>
+        <p:spPr>
+          <a:xfrm>
+            <a:off x="9371757" y="679028"/>
+            <a:ext cx="914400" cy="914400"/>
+          </a:xfrm>
+          <a:prstGeom prst="rect">
+            <a:avLst/>
+          </a:prstGeom>
+        </p:spPr>
+      </p:pic>
+      <p:pic>
+        <p:nvPicPr>
+          <p:cNvPr id="7" name="Image 6">
+            <a:extLst>
+              <a:ext uri="{FF2B5EF4-FFF2-40B4-BE49-F238E27FC236}">
+                <a16:creationId xmlns:a16="http://schemas.microsoft.com/office/drawing/2014/main" id="{A5AC15E0-82C0-46F7-B4F8-180A39E42F93}"/>
+              </a:ext>
+            </a:extLst>
+          </p:cNvPr>
+          <p:cNvPicPr>
+            <a:picLocks noChangeAspect="1"/>
+          </p:cNvPicPr>
+          <p:nvPr/>
+        </p:nvPicPr>
+        <p:blipFill>
+          <a:blip r:embed="rId4">
+            <a:lum bright="70000" contrast="-70000"/>
+          </a:blip>
+          <a:stretch>
+            <a:fillRect/>
+          </a:stretch>
+        </p:blipFill>
+        <p:spPr>
+          <a:xfrm>
+            <a:off x="10174387" y="726231"/>
+            <a:ext cx="819993" cy="819993"/>
+          </a:xfrm>
+          <a:prstGeom prst="rect">
+            <a:avLst/>
+          </a:prstGeom>
+        </p:spPr>
+      </p:pic>
     </p:spTree>
     <p:extLst>
       <p:ext uri="{BB962C8B-B14F-4D97-AF65-F5344CB8AC3E}">

--- a/DE2_Term_Presentation.pptx
+++ b/DE2_Term_Presentation.pptx
@@ -168,6 +168,91 @@
       </pc:sldChg>
     </pc:docChg>
   </pc:docChgLst>
+  <pc:docChgLst>
+    <pc:chgData name="Dominik Gulacsy" userId="40373a78-b256-4ba8-a89b-174c7c5ea09d" providerId="ADAL" clId="{6AB398E4-76AC-4943-8C73-E306F71BE1BF}"/>
+    <pc:docChg chg="undo redo custSel addSld delSld modSld">
+      <pc:chgData name="Dominik Gulacsy" userId="40373a78-b256-4ba8-a89b-174c7c5ea09d" providerId="ADAL" clId="{6AB398E4-76AC-4943-8C73-E306F71BE1BF}" dt="2020-12-10T18:33:31.725" v="2378" actId="20577"/>
+      <pc:docMkLst>
+        <pc:docMk/>
+      </pc:docMkLst>
+      <pc:sldChg chg="modSp mod">
+        <pc:chgData name="Dominik Gulacsy" userId="40373a78-b256-4ba8-a89b-174c7c5ea09d" providerId="ADAL" clId="{6AB398E4-76AC-4943-8C73-E306F71BE1BF}" dt="2020-12-10T17:59:17.877" v="153" actId="20577"/>
+        <pc:sldMkLst>
+          <pc:docMk/>
+          <pc:sldMk cId="1867939865" sldId="257"/>
+        </pc:sldMkLst>
+        <pc:spChg chg="mod">
+          <ac:chgData name="Dominik Gulacsy" userId="40373a78-b256-4ba8-a89b-174c7c5ea09d" providerId="ADAL" clId="{6AB398E4-76AC-4943-8C73-E306F71BE1BF}" dt="2020-12-10T17:58:52.286" v="133" actId="20577"/>
+          <ac:spMkLst>
+            <pc:docMk/>
+            <pc:sldMk cId="1867939865" sldId="257"/>
+            <ac:spMk id="2" creationId="{CEBECAC7-DC57-924E-B280-5D7392E65298}"/>
+          </ac:spMkLst>
+        </pc:spChg>
+        <pc:spChg chg="mod">
+          <ac:chgData name="Dominik Gulacsy" userId="40373a78-b256-4ba8-a89b-174c7c5ea09d" providerId="ADAL" clId="{6AB398E4-76AC-4943-8C73-E306F71BE1BF}" dt="2020-12-10T17:59:17.877" v="153" actId="20577"/>
+          <ac:spMkLst>
+            <pc:docMk/>
+            <pc:sldMk cId="1867939865" sldId="257"/>
+            <ac:spMk id="3" creationId="{DA36A26A-4D8C-034C-9C54-65F8CEDC00AE}"/>
+          </ac:spMkLst>
+        </pc:spChg>
+      </pc:sldChg>
+      <pc:sldChg chg="modSp mod">
+        <pc:chgData name="Dominik Gulacsy" userId="40373a78-b256-4ba8-a89b-174c7c5ea09d" providerId="ADAL" clId="{6AB398E4-76AC-4943-8C73-E306F71BE1BF}" dt="2020-12-10T18:33:31.725" v="2378" actId="20577"/>
+        <pc:sldMkLst>
+          <pc:docMk/>
+          <pc:sldMk cId="799758839" sldId="258"/>
+        </pc:sldMkLst>
+        <pc:spChg chg="mod">
+          <ac:chgData name="Dominik Gulacsy" userId="40373a78-b256-4ba8-a89b-174c7c5ea09d" providerId="ADAL" clId="{6AB398E4-76AC-4943-8C73-E306F71BE1BF}" dt="2020-12-10T17:54:14.397" v="8" actId="20577"/>
+          <ac:spMkLst>
+            <pc:docMk/>
+            <pc:sldMk cId="799758839" sldId="258"/>
+            <ac:spMk id="2" creationId="{1A45EA46-8DC0-4D48-B647-F0FAAA5D04D4}"/>
+          </ac:spMkLst>
+        </pc:spChg>
+        <pc:spChg chg="mod">
+          <ac:chgData name="Dominik Gulacsy" userId="40373a78-b256-4ba8-a89b-174c7c5ea09d" providerId="ADAL" clId="{6AB398E4-76AC-4943-8C73-E306F71BE1BF}" dt="2020-12-10T18:33:31.725" v="2378" actId="20577"/>
+          <ac:spMkLst>
+            <pc:docMk/>
+            <pc:sldMk cId="799758839" sldId="258"/>
+            <ac:spMk id="3" creationId="{5DC56CEF-023A-D148-B143-8321A08ECC09}"/>
+          </ac:spMkLst>
+        </pc:spChg>
+      </pc:sldChg>
+      <pc:sldChg chg="addSp delSp modSp mod">
+        <pc:chgData name="Dominik Gulacsy" userId="40373a78-b256-4ba8-a89b-174c7c5ea09d" providerId="ADAL" clId="{6AB398E4-76AC-4943-8C73-E306F71BE1BF}" dt="2020-12-10T18:32:18.518" v="2224" actId="14100"/>
+        <pc:sldMkLst>
+          <pc:docMk/>
+          <pc:sldMk cId="3587188991" sldId="259"/>
+        </pc:sldMkLst>
+        <pc:spChg chg="mod">
+          <ac:chgData name="Dominik Gulacsy" userId="40373a78-b256-4ba8-a89b-174c7c5ea09d" providerId="ADAL" clId="{6AB398E4-76AC-4943-8C73-E306F71BE1BF}" dt="2020-12-10T18:32:18.518" v="2224" actId="14100"/>
+          <ac:spMkLst>
+            <pc:docMk/>
+            <pc:sldMk cId="3587188991" sldId="259"/>
+            <ac:spMk id="3" creationId="{50374378-1AB9-1747-AC27-6AB5640650FD}"/>
+          </ac:spMkLst>
+        </pc:spChg>
+        <pc:spChg chg="add del">
+          <ac:chgData name="Dominik Gulacsy" userId="40373a78-b256-4ba8-a89b-174c7c5ea09d" providerId="ADAL" clId="{6AB398E4-76AC-4943-8C73-E306F71BE1BF}" dt="2020-12-10T18:06:44.886" v="715" actId="22"/>
+          <ac:spMkLst>
+            <pc:docMk/>
+            <pc:sldMk cId="3587188991" sldId="259"/>
+            <ac:spMk id="5" creationId="{7A9F5A39-D128-4D65-96C2-C5E4121FB06D}"/>
+          </ac:spMkLst>
+        </pc:spChg>
+      </pc:sldChg>
+      <pc:sldChg chg="new del">
+        <pc:chgData name="Dominik Gulacsy" userId="40373a78-b256-4ba8-a89b-174c7c5ea09d" providerId="ADAL" clId="{6AB398E4-76AC-4943-8C73-E306F71BE1BF}" dt="2020-12-10T18:17:53.861" v="1661" actId="680"/>
+        <pc:sldMkLst>
+          <pc:docMk/>
+          <pc:sldMk cId="2628553580" sldId="264"/>
+        </pc:sldMkLst>
+      </pc:sldChg>
+    </pc:docChg>
+  </pc:docChgLst>
 </pc:chgInfo>
 </file>
 
@@ -330,7 +415,7 @@
           <a:p>
             <a:fld id="{64F0E216-BA48-4F04-AC4F-645AA0DD6AC6}" type="datetimeFigureOut">
               <a:rPr lang="en-US" smtClean="0"/>
-              <a:t>12/9/20</a:t>
+              <a:t>12/10/2020</a:t>
             </a:fld>
             <a:endParaRPr lang="en-US" dirty="0"/>
           </a:p>
@@ -1378,7 +1463,7 @@
           <a:p>
             <a:fld id="{64F0E216-BA48-4F04-AC4F-645AA0DD6AC6}" type="datetimeFigureOut">
               <a:rPr lang="en-US" smtClean="0"/>
-              <a:t>12/9/20</a:t>
+              <a:t>12/10/2020</a:t>
             </a:fld>
             <a:endParaRPr lang="en-US"/>
           </a:p>
@@ -1614,7 +1699,7 @@
           <a:p>
             <a:fld id="{64F0E216-BA48-4F04-AC4F-645AA0DD6AC6}" type="datetimeFigureOut">
               <a:rPr lang="en-US" smtClean="0"/>
-              <a:t>12/9/20</a:t>
+              <a:t>12/10/2020</a:t>
             </a:fld>
             <a:endParaRPr lang="en-US"/>
           </a:p>
@@ -1837,7 +1922,7 @@
           <a:p>
             <a:fld id="{64F0E216-BA48-4F04-AC4F-645AA0DD6AC6}" type="datetimeFigureOut">
               <a:rPr lang="en-US" smtClean="0"/>
-              <a:t>12/9/20</a:t>
+              <a:t>12/10/2020</a:t>
             </a:fld>
             <a:endParaRPr lang="en-US"/>
           </a:p>
@@ -2139,7 +2224,7 @@
           <a:p>
             <a:fld id="{64F0E216-BA48-4F04-AC4F-645AA0DD6AC6}" type="datetimeFigureOut">
               <a:rPr lang="en-US" smtClean="0"/>
-              <a:t>12/9/20</a:t>
+              <a:t>12/10/2020</a:t>
             </a:fld>
             <a:endParaRPr lang="en-US"/>
           </a:p>
@@ -3603,7 +3688,7 @@
           <a:p>
             <a:fld id="{64F0E216-BA48-4F04-AC4F-645AA0DD6AC6}" type="datetimeFigureOut">
               <a:rPr lang="en-US" smtClean="0"/>
-              <a:t>12/9/20</a:t>
+              <a:t>12/10/2020</a:t>
             </a:fld>
             <a:endParaRPr lang="en-US"/>
           </a:p>
@@ -4070,7 +4155,7 @@
           <a:p>
             <a:fld id="{64F0E216-BA48-4F04-AC4F-645AA0DD6AC6}" type="datetimeFigureOut">
               <a:rPr lang="en-US" smtClean="0"/>
-              <a:t>12/9/20</a:t>
+              <a:t>12/10/2020</a:t>
             </a:fld>
             <a:endParaRPr lang="en-US"/>
           </a:p>
@@ -4245,7 +4330,7 @@
           <a:p>
             <a:fld id="{64F0E216-BA48-4F04-AC4F-645AA0DD6AC6}" type="datetimeFigureOut">
               <a:rPr lang="en-US" smtClean="0"/>
-              <a:t>12/9/20</a:t>
+              <a:t>12/10/2020</a:t>
             </a:fld>
             <a:endParaRPr lang="en-US"/>
           </a:p>
@@ -4382,7 +4467,7 @@
           <a:p>
             <a:fld id="{64F0E216-BA48-4F04-AC4F-645AA0DD6AC6}" type="datetimeFigureOut">
               <a:rPr lang="en-US" smtClean="0"/>
-              <a:t>12/9/20</a:t>
+              <a:t>12/10/2020</a:t>
             </a:fld>
             <a:endParaRPr lang="en-US"/>
           </a:p>
@@ -4732,7 +4817,7 @@
           <a:p>
             <a:fld id="{64F0E216-BA48-4F04-AC4F-645AA0DD6AC6}" type="datetimeFigureOut">
               <a:rPr lang="en-US" smtClean="0"/>
-              <a:t>12/9/20</a:t>
+              <a:t>12/10/2020</a:t>
             </a:fld>
             <a:endParaRPr lang="en-US"/>
           </a:p>
@@ -5053,7 +5138,7 @@
           <a:p>
             <a:fld id="{64F0E216-BA48-4F04-AC4F-645AA0DD6AC6}" type="datetimeFigureOut">
               <a:rPr lang="en-US" smtClean="0"/>
-              <a:t>12/9/20</a:t>
+              <a:t>12/10/2020</a:t>
             </a:fld>
             <a:endParaRPr lang="en-US"/>
           </a:p>
@@ -5315,7 +5400,7 @@
             <a:fld id="{64F0E216-BA48-4F04-AC4F-645AA0DD6AC6}" type="datetimeFigureOut">
               <a:rPr lang="en-US" smtClean="0"/>
               <a:pPr/>
-              <a:t>12/9/20</a:t>
+              <a:t>12/10/2020</a:t>
             </a:fld>
             <a:endParaRPr lang="en-US" dirty="0"/>
           </a:p>
@@ -6071,7 +6156,15 @@
           <a:p>
             <a:r>
               <a:rPr lang="en-CH" dirty="0"/>
-              <a:t>Source of the data</a:t>
+              <a:t>Source</a:t>
+            </a:r>
+            <a:r>
+              <a:rPr lang="en-US" dirty="0"/>
+              <a:t>S</a:t>
+            </a:r>
+            <a:r>
+              <a:rPr lang="en-CH" dirty="0"/>
+              <a:t> of data</a:t>
             </a:r>
           </a:p>
         </p:txBody>
@@ -6105,7 +6198,15 @@
           <a:p>
             <a:r>
               <a:rPr lang="en-CH" dirty="0"/>
-              <a:t>REST Alpha2 country codes</a:t>
+              <a:t>REST </a:t>
+            </a:r>
+            <a:r>
+              <a:rPr lang="en-US" dirty="0"/>
+              <a:t>Countries a</a:t>
+            </a:r>
+            <a:r>
+              <a:rPr lang="en-CH" dirty="0"/>
+              <a:t>lpha2 country codes</a:t>
             </a:r>
           </a:p>
           <a:p>
@@ -6200,7 +6301,15 @@
           <a:p>
             <a:r>
               <a:rPr lang="en-CH" dirty="0"/>
-              <a:t>Data infrastructure</a:t>
+              <a:t>Data</a:t>
+            </a:r>
+            <a:r>
+              <a:rPr lang="en-US" dirty="0"/>
+              <a:t> RESOURCE</a:t>
+            </a:r>
+            <a:r>
+              <a:rPr lang="en-CH" dirty="0"/>
+              <a:t> infrastructure</a:t>
             </a:r>
           </a:p>
         </p:txBody>
@@ -6221,53 +6330,181 @@
             <p:ph idx="1"/>
           </p:nvPr>
         </p:nvSpPr>
-        <p:spPr/>
-        <p:txBody>
-          <a:bodyPr/>
+        <p:spPr>
+          <a:xfrm>
+            <a:off x="1079500" y="1790700"/>
+            <a:ext cx="10026650" cy="4725510"/>
+          </a:xfrm>
+        </p:spPr>
+        <p:txBody>
+          <a:bodyPr>
+            <a:normAutofit/>
+          </a:bodyPr>
           <a:lstStyle/>
           <a:p>
             <a:r>
               <a:rPr lang="en-CH" dirty="0"/>
-              <a:t>Loaded the original dataset into MySQL from a csv</a:t>
-            </a:r>
-          </a:p>
-          <a:p>
+              <a:t>Loaded the original dataset into</a:t>
+            </a:r>
+            <a:r>
+              <a:rPr lang="en-US" dirty="0"/>
+              <a:t> a local</a:t>
+            </a:r>
             <a:r>
               <a:rPr lang="en-CH" dirty="0"/>
-              <a:t>Realized sharing a file this way may cause complications</a:t>
+              <a:t> MySQL </a:t>
+            </a:r>
+            <a:r>
+              <a:rPr lang="en-US" dirty="0"/>
+              <a:t>DB using</a:t>
+            </a:r>
+            <a:r>
+              <a:rPr lang="en-CH" dirty="0"/>
+              <a:t> </a:t>
+            </a:r>
+            <a:r>
+              <a:rPr lang="en-US" dirty="0"/>
+              <a:t>the </a:t>
+            </a:r>
+            <a:r>
+              <a:rPr lang="en-US" i="1" dirty="0"/>
+              <a:t>.csv </a:t>
+            </a:r>
+            <a:r>
+              <a:rPr lang="en-US" dirty="0"/>
+              <a:t>from Kaggle</a:t>
+            </a:r>
+            <a:endParaRPr lang="en-CH" i="1" dirty="0"/>
+          </a:p>
+          <a:p>
+            <a:r>
+              <a:rPr lang="en-CH" dirty="0"/>
+              <a:t>Realized </a:t>
+            </a:r>
+            <a:r>
+              <a:rPr lang="en-US" dirty="0"/>
+              <a:t>storing the data </a:t>
+            </a:r>
+            <a:r>
+              <a:rPr lang="en-CH" dirty="0"/>
+              <a:t>this way may cause complications</a:t>
             </a:r>
           </a:p>
           <a:p>
             <a:pPr lvl="2"/>
             <a:r>
+              <a:rPr lang="en-US" dirty="0"/>
+              <a:t>Turned to hosting - new</a:t>
+            </a:r>
+            <a:r>
               <a:rPr lang="en-CH" dirty="0"/>
-              <a:t>Hosted our MySQL database on a AWS instance</a:t>
-            </a:r>
-          </a:p>
-          <a:p>
+              <a:t> MySQL database</a:t>
+            </a:r>
+            <a:r>
+              <a:rPr lang="en-US" dirty="0"/>
+              <a:t> instance</a:t>
+            </a:r>
             <a:r>
               <a:rPr lang="en-CH" dirty="0"/>
-              <a:t>Using this connection, reproductivity was ensured</a:t>
-            </a:r>
-          </a:p>
-          <a:p>
+              <a:t> on AWS</a:t>
+            </a:r>
+            <a:r>
+              <a:rPr lang="en-US" dirty="0"/>
+              <a:t> (this ensured reproducibility)</a:t>
+            </a:r>
+          </a:p>
+          <a:p>
+            <a:pPr lvl="2"/>
+            <a:r>
+              <a:rPr lang="en-US" dirty="0"/>
+              <a:t>Created dump and importing data &amp; structure in MySQL Workbench</a:t>
+            </a:r>
+          </a:p>
+          <a:p>
+            <a:pPr lvl="2"/>
+            <a:r>
+              <a:rPr lang="en-US" dirty="0"/>
+              <a:t>Created grader user with read only rights (only selects allowed)</a:t>
+            </a:r>
+            <a:endParaRPr lang="en-CH" dirty="0"/>
+          </a:p>
+          <a:p>
+            <a:r>
+              <a:rPr lang="en-US" dirty="0"/>
+              <a:t>Used</a:t>
+            </a:r>
             <a:r>
               <a:rPr lang="en-CH" dirty="0"/>
-              <a:t>Added the country codes through REST “name” functionality</a:t>
-            </a:r>
-          </a:p>
-          <a:p>
+              <a:t> the</a:t>
+            </a:r>
+            <a:r>
+              <a:rPr lang="en-US" dirty="0"/>
+              <a:t> REST Countries to find the Alpha2</a:t>
+            </a:r>
             <a:r>
               <a:rPr lang="en-CH" dirty="0"/>
-              <a:t>The World Development Indicators (WDIs) were loaded directly into KNIME using the API extraction</a:t>
-            </a:r>
-          </a:p>
-          <a:p>
-            <a:pPr lvl="2"/>
+              <a:t> country codes</a:t>
+            </a:r>
+            <a:r>
+              <a:rPr lang="en-US" dirty="0"/>
+              <a:t> of countries</a:t>
+            </a:r>
+          </a:p>
+          <a:p>
+            <a:r>
+              <a:rPr lang="en-US" dirty="0"/>
+              <a:t>Used World Bank’s API to </a:t>
+            </a:r>
+            <a:r>
+              <a:rPr lang="en-US"/>
+              <a:t>enrich our data</a:t>
+            </a:r>
+            <a:endParaRPr lang="en-US" dirty="0"/>
+          </a:p>
+          <a:p>
             <a:r>
               <a:rPr lang="en-CH" dirty="0"/>
-              <a:t>Used an .xlsx file with the API codes hosted on OneDrive for reproductivity</a:t>
-            </a:r>
+              <a:t>Used an </a:t>
+            </a:r>
+            <a:r>
+              <a:rPr lang="en-CH" i="1" dirty="0"/>
+              <a:t>.xlsx </a:t>
+            </a:r>
+            <a:r>
+              <a:rPr lang="en-CH" dirty="0"/>
+              <a:t>fi</a:t>
+            </a:r>
+            <a:r>
+              <a:rPr lang="en-US" dirty="0"/>
+              <a:t>le</a:t>
+            </a:r>
+            <a:r>
+              <a:rPr lang="en-CH" dirty="0"/>
+              <a:t> </a:t>
+            </a:r>
+            <a:r>
+              <a:rPr lang="en-US" dirty="0"/>
+              <a:t>that contained the</a:t>
+            </a:r>
+            <a:r>
+              <a:rPr lang="en-CH" dirty="0"/>
+              <a:t> </a:t>
+            </a:r>
+            <a:r>
+              <a:rPr lang="en-US" dirty="0"/>
+              <a:t>WDI</a:t>
+            </a:r>
+            <a:r>
+              <a:rPr lang="en-CH" dirty="0"/>
+              <a:t> codes</a:t>
+            </a:r>
+            <a:r>
+              <a:rPr lang="en-US" dirty="0"/>
+              <a:t> (hosted on GitHub for reproducibility and dynamism)</a:t>
+            </a:r>
+          </a:p>
+          <a:p>
+            <a:endParaRPr lang="en-CH" dirty="0"/>
           </a:p>
         </p:txBody>
       </p:sp>
@@ -6349,46 +6586,104 @@
             <p:ph idx="1"/>
           </p:nvPr>
         </p:nvSpPr>
-        <p:spPr/>
-        <p:txBody>
-          <a:bodyPr/>
+        <p:spPr>
+          <a:xfrm>
+            <a:off x="1079500" y="1790700"/>
+            <a:ext cx="10026650" cy="4414791"/>
+          </a:xfrm>
+        </p:spPr>
+        <p:txBody>
+          <a:bodyPr>
+            <a:normAutofit/>
+          </a:bodyPr>
           <a:lstStyle/>
           <a:p>
             <a:r>
+              <a:rPr lang="en-US" dirty="0"/>
+              <a:t>Connected to MySQL DB hosted on AWS</a:t>
+            </a:r>
+          </a:p>
+          <a:p>
+            <a:r>
+              <a:rPr lang="en-US" dirty="0"/>
+              <a:t>Used the </a:t>
+            </a:r>
+            <a:r>
               <a:rPr lang="en-CH" dirty="0"/>
-              <a:t>Filtered country code maping column</a:t>
-            </a:r>
-          </a:p>
-          <a:p>
+              <a:t>“name” functionality</a:t>
+            </a:r>
+            <a:r>
+              <a:rPr lang="en-US" dirty="0"/>
+              <a:t> of the REST Countries API to get country codes</a:t>
+            </a:r>
+            <a:endParaRPr lang="en-CH" dirty="0"/>
+          </a:p>
+          <a:p>
+            <a:r>
+              <a:rPr lang="en-US" dirty="0"/>
+              <a:t>Mapped codes to countries with a j</a:t>
+            </a:r>
             <a:r>
               <a:rPr lang="en-CH" dirty="0"/>
-              <a:t>Joined the table with the country code</a:t>
-            </a:r>
+              <a:t>oin</a:t>
+            </a:r>
+            <a:endParaRPr lang="en-US" dirty="0"/>
           </a:p>
           <a:p>
             <a:r>
               <a:rPr lang="en-CH" dirty="0"/>
-              <a:t>Variables in KNIME</a:t>
-            </a:r>
-          </a:p>
-          <a:p>
-            <a:r>
-              <a:rPr lang="en-GB" dirty="0"/>
-              <a:t>World </a:t>
-            </a:r>
-            <a:r>
-              <a:rPr lang="en-GB"/>
-              <a:t>bank API </a:t>
-            </a:r>
-            <a:r>
-              <a:rPr lang="en-GB" dirty="0"/>
-              <a:t>implementation until  the join after the loop ending including data wrangling problems and decisions</a:t>
-            </a:r>
-          </a:p>
-          <a:p>
+              <a:t>The World Development Indicators (WDIs) were </a:t>
+            </a:r>
+            <a:r>
+              <a:rPr lang="en-US" dirty="0"/>
+              <a:t>retrieved by</a:t>
+            </a:r>
+            <a:r>
+              <a:rPr lang="en-CH" dirty="0"/>
+              <a:t> using</a:t>
+            </a:r>
+            <a:r>
+              <a:rPr lang="en-US" dirty="0"/>
+              <a:t> World Bank’s</a:t>
+            </a:r>
+            <a:r>
+              <a:rPr lang="en-CH" dirty="0"/>
+              <a:t> API</a:t>
+            </a:r>
+            <a:r>
+              <a:rPr lang="en-US" dirty="0"/>
+              <a:t>.</a:t>
+            </a:r>
             <a:endParaRPr lang="en-CH" dirty="0"/>
           </a:p>
           <a:p>
+            <a:pPr lvl="2"/>
+            <a:r>
+              <a:rPr lang="en-US" dirty="0"/>
+              <a:t>Our data flow is efficient because it gets all data with only 1 API request / WDI</a:t>
+            </a:r>
+          </a:p>
+          <a:p>
+            <a:pPr lvl="2"/>
+            <a:r>
+              <a:rPr lang="en-US" dirty="0"/>
+              <a:t>Used loop construction, conditional branching and list to table transformation)</a:t>
+            </a:r>
+          </a:p>
+          <a:p>
+            <a:pPr lvl="2"/>
+            <a:r>
+              <a:rPr lang="en-US" dirty="0"/>
+              <a:t>Extracting last and earliest years in core data to v</a:t>
+            </a:r>
+            <a:r>
+              <a:rPr lang="en-CH" dirty="0"/>
+              <a:t>ariables</a:t>
+            </a:r>
+            <a:r>
+              <a:rPr lang="en-US" dirty="0"/>
+              <a:t> to plug into the URL.</a:t>
+            </a:r>
             <a:endParaRPr lang="en-CH" dirty="0"/>
           </a:p>
         </p:txBody>

--- a/DE2_Term_Presentation.pptx
+++ b/DE2_Term_Presentation.pptx
@@ -11,8 +11,11 @@
     <p:sldId id="259" r:id="rId5"/>
     <p:sldId id="260" r:id="rId6"/>
     <p:sldId id="263" r:id="rId7"/>
-    <p:sldId id="261" r:id="rId8"/>
-    <p:sldId id="262" r:id="rId9"/>
+    <p:sldId id="262" r:id="rId8"/>
+    <p:sldId id="267" r:id="rId9"/>
+    <p:sldId id="261" r:id="rId10"/>
+    <p:sldId id="265" r:id="rId11"/>
+    <p:sldId id="266" r:id="rId12"/>
   </p:sldIdLst>
   <p:sldSz cx="12192000" cy="6858000"/>
   <p:notesSz cx="6858000" cy="9144000"/>
@@ -127,135 +130,6 @@
 </p1510:revInfo>
 </file>
 
-<file path=ppt/changesInfos/changesInfo1.xml><?xml version="1.0" encoding="utf-8"?>
-<pc:chgInfo xmlns:a="http://schemas.openxmlformats.org/drawingml/2006/main" xmlns:r="http://schemas.openxmlformats.org/officeDocument/2006/relationships" xmlns:ac="http://schemas.microsoft.com/office/drawing/2013/main/command" xmlns:pc="http://schemas.microsoft.com/office/powerpoint/2013/main/command">
-  <pc:docChgLst>
-    <pc:chgData name="Terez Szabo" userId="42e7e467-1161-451a-9926-179cfa22533b" providerId="ADAL" clId="{710AC600-54DC-B942-8EBA-223E84510A54}"/>
-    <pc:docChg chg="modSld">
-      <pc:chgData name="Terez Szabo" userId="42e7e467-1161-451a-9926-179cfa22533b" providerId="ADAL" clId="{710AC600-54DC-B942-8EBA-223E84510A54}" dt="2020-12-09T21:29:48.044" v="138" actId="20577"/>
-      <pc:docMkLst>
-        <pc:docMk/>
-      </pc:docMkLst>
-      <pc:sldChg chg="modSp mod">
-        <pc:chgData name="Terez Szabo" userId="42e7e467-1161-451a-9926-179cfa22533b" providerId="ADAL" clId="{710AC600-54DC-B942-8EBA-223E84510A54}" dt="2020-12-09T21:29:00.078" v="128" actId="20577"/>
-        <pc:sldMkLst>
-          <pc:docMk/>
-          <pc:sldMk cId="799758839" sldId="258"/>
-        </pc:sldMkLst>
-        <pc:spChg chg="mod">
-          <ac:chgData name="Terez Szabo" userId="42e7e467-1161-451a-9926-179cfa22533b" providerId="ADAL" clId="{710AC600-54DC-B942-8EBA-223E84510A54}" dt="2020-12-09T21:29:00.078" v="128" actId="20577"/>
-          <ac:spMkLst>
-            <pc:docMk/>
-            <pc:sldMk cId="799758839" sldId="258"/>
-            <ac:spMk id="3" creationId="{5DC56CEF-023A-D148-B143-8321A08ECC09}"/>
-          </ac:spMkLst>
-        </pc:spChg>
-      </pc:sldChg>
-      <pc:sldChg chg="modSp mod">
-        <pc:chgData name="Terez Szabo" userId="42e7e467-1161-451a-9926-179cfa22533b" providerId="ADAL" clId="{710AC600-54DC-B942-8EBA-223E84510A54}" dt="2020-12-09T21:29:48.044" v="138" actId="20577"/>
-        <pc:sldMkLst>
-          <pc:docMk/>
-          <pc:sldMk cId="3587188991" sldId="259"/>
-        </pc:sldMkLst>
-        <pc:spChg chg="mod">
-          <ac:chgData name="Terez Szabo" userId="42e7e467-1161-451a-9926-179cfa22533b" providerId="ADAL" clId="{710AC600-54DC-B942-8EBA-223E84510A54}" dt="2020-12-09T21:29:48.044" v="138" actId="20577"/>
-          <ac:spMkLst>
-            <pc:docMk/>
-            <pc:sldMk cId="3587188991" sldId="259"/>
-            <ac:spMk id="3" creationId="{50374378-1AB9-1747-AC27-6AB5640650FD}"/>
-          </ac:spMkLst>
-        </pc:spChg>
-      </pc:sldChg>
-    </pc:docChg>
-  </pc:docChgLst>
-  <pc:docChgLst>
-    <pc:chgData name="Dominik Gulacsy" userId="40373a78-b256-4ba8-a89b-174c7c5ea09d" providerId="ADAL" clId="{6AB398E4-76AC-4943-8C73-E306F71BE1BF}"/>
-    <pc:docChg chg="undo redo custSel addSld delSld modSld">
-      <pc:chgData name="Dominik Gulacsy" userId="40373a78-b256-4ba8-a89b-174c7c5ea09d" providerId="ADAL" clId="{6AB398E4-76AC-4943-8C73-E306F71BE1BF}" dt="2020-12-10T18:33:31.725" v="2378" actId="20577"/>
-      <pc:docMkLst>
-        <pc:docMk/>
-      </pc:docMkLst>
-      <pc:sldChg chg="modSp mod">
-        <pc:chgData name="Dominik Gulacsy" userId="40373a78-b256-4ba8-a89b-174c7c5ea09d" providerId="ADAL" clId="{6AB398E4-76AC-4943-8C73-E306F71BE1BF}" dt="2020-12-10T17:59:17.877" v="153" actId="20577"/>
-        <pc:sldMkLst>
-          <pc:docMk/>
-          <pc:sldMk cId="1867939865" sldId="257"/>
-        </pc:sldMkLst>
-        <pc:spChg chg="mod">
-          <ac:chgData name="Dominik Gulacsy" userId="40373a78-b256-4ba8-a89b-174c7c5ea09d" providerId="ADAL" clId="{6AB398E4-76AC-4943-8C73-E306F71BE1BF}" dt="2020-12-10T17:58:52.286" v="133" actId="20577"/>
-          <ac:spMkLst>
-            <pc:docMk/>
-            <pc:sldMk cId="1867939865" sldId="257"/>
-            <ac:spMk id="2" creationId="{CEBECAC7-DC57-924E-B280-5D7392E65298}"/>
-          </ac:spMkLst>
-        </pc:spChg>
-        <pc:spChg chg="mod">
-          <ac:chgData name="Dominik Gulacsy" userId="40373a78-b256-4ba8-a89b-174c7c5ea09d" providerId="ADAL" clId="{6AB398E4-76AC-4943-8C73-E306F71BE1BF}" dt="2020-12-10T17:59:17.877" v="153" actId="20577"/>
-          <ac:spMkLst>
-            <pc:docMk/>
-            <pc:sldMk cId="1867939865" sldId="257"/>
-            <ac:spMk id="3" creationId="{DA36A26A-4D8C-034C-9C54-65F8CEDC00AE}"/>
-          </ac:spMkLst>
-        </pc:spChg>
-      </pc:sldChg>
-      <pc:sldChg chg="modSp mod">
-        <pc:chgData name="Dominik Gulacsy" userId="40373a78-b256-4ba8-a89b-174c7c5ea09d" providerId="ADAL" clId="{6AB398E4-76AC-4943-8C73-E306F71BE1BF}" dt="2020-12-10T18:33:31.725" v="2378" actId="20577"/>
-        <pc:sldMkLst>
-          <pc:docMk/>
-          <pc:sldMk cId="799758839" sldId="258"/>
-        </pc:sldMkLst>
-        <pc:spChg chg="mod">
-          <ac:chgData name="Dominik Gulacsy" userId="40373a78-b256-4ba8-a89b-174c7c5ea09d" providerId="ADAL" clId="{6AB398E4-76AC-4943-8C73-E306F71BE1BF}" dt="2020-12-10T17:54:14.397" v="8" actId="20577"/>
-          <ac:spMkLst>
-            <pc:docMk/>
-            <pc:sldMk cId="799758839" sldId="258"/>
-            <ac:spMk id="2" creationId="{1A45EA46-8DC0-4D48-B647-F0FAAA5D04D4}"/>
-          </ac:spMkLst>
-        </pc:spChg>
-        <pc:spChg chg="mod">
-          <ac:chgData name="Dominik Gulacsy" userId="40373a78-b256-4ba8-a89b-174c7c5ea09d" providerId="ADAL" clId="{6AB398E4-76AC-4943-8C73-E306F71BE1BF}" dt="2020-12-10T18:33:31.725" v="2378" actId="20577"/>
-          <ac:spMkLst>
-            <pc:docMk/>
-            <pc:sldMk cId="799758839" sldId="258"/>
-            <ac:spMk id="3" creationId="{5DC56CEF-023A-D148-B143-8321A08ECC09}"/>
-          </ac:spMkLst>
-        </pc:spChg>
-      </pc:sldChg>
-      <pc:sldChg chg="addSp delSp modSp mod">
-        <pc:chgData name="Dominik Gulacsy" userId="40373a78-b256-4ba8-a89b-174c7c5ea09d" providerId="ADAL" clId="{6AB398E4-76AC-4943-8C73-E306F71BE1BF}" dt="2020-12-10T18:32:18.518" v="2224" actId="14100"/>
-        <pc:sldMkLst>
-          <pc:docMk/>
-          <pc:sldMk cId="3587188991" sldId="259"/>
-        </pc:sldMkLst>
-        <pc:spChg chg="mod">
-          <ac:chgData name="Dominik Gulacsy" userId="40373a78-b256-4ba8-a89b-174c7c5ea09d" providerId="ADAL" clId="{6AB398E4-76AC-4943-8C73-E306F71BE1BF}" dt="2020-12-10T18:32:18.518" v="2224" actId="14100"/>
-          <ac:spMkLst>
-            <pc:docMk/>
-            <pc:sldMk cId="3587188991" sldId="259"/>
-            <ac:spMk id="3" creationId="{50374378-1AB9-1747-AC27-6AB5640650FD}"/>
-          </ac:spMkLst>
-        </pc:spChg>
-        <pc:spChg chg="add del">
-          <ac:chgData name="Dominik Gulacsy" userId="40373a78-b256-4ba8-a89b-174c7c5ea09d" providerId="ADAL" clId="{6AB398E4-76AC-4943-8C73-E306F71BE1BF}" dt="2020-12-10T18:06:44.886" v="715" actId="22"/>
-          <ac:spMkLst>
-            <pc:docMk/>
-            <pc:sldMk cId="3587188991" sldId="259"/>
-            <ac:spMk id="5" creationId="{7A9F5A39-D128-4D65-96C2-C5E4121FB06D}"/>
-          </ac:spMkLst>
-        </pc:spChg>
-      </pc:sldChg>
-      <pc:sldChg chg="new del">
-        <pc:chgData name="Dominik Gulacsy" userId="40373a78-b256-4ba8-a89b-174c7c5ea09d" providerId="ADAL" clId="{6AB398E4-76AC-4943-8C73-E306F71BE1BF}" dt="2020-12-10T18:17:53.861" v="1661" actId="680"/>
-        <pc:sldMkLst>
-          <pc:docMk/>
-          <pc:sldMk cId="2628553580" sldId="264"/>
-        </pc:sldMkLst>
-      </pc:sldChg>
-    </pc:docChg>
-  </pc:docChgLst>
-</pc:chgInfo>
-</file>
-
 <file path=ppt/slideLayouts/slideLayout1.xml><?xml version="1.0" encoding="utf-8"?>
 <p:sldLayout xmlns:a="http://schemas.openxmlformats.org/drawingml/2006/main" xmlns:r="http://schemas.openxmlformats.org/officeDocument/2006/relationships" xmlns:p="http://schemas.openxmlformats.org/presentationml/2006/main" type="title" preserve="1">
   <p:cSld name="Title Slide">
@@ -415,7 +289,7 @@
           <a:p>
             <a:fld id="{64F0E216-BA48-4F04-AC4F-645AA0DD6AC6}" type="datetimeFigureOut">
               <a:rPr lang="en-US" smtClean="0"/>
-              <a:t>12/10/2020</a:t>
+              <a:t>12/11/2020</a:t>
             </a:fld>
             <a:endParaRPr lang="en-US" dirty="0"/>
           </a:p>
@@ -1463,7 +1337,7 @@
           <a:p>
             <a:fld id="{64F0E216-BA48-4F04-AC4F-645AA0DD6AC6}" type="datetimeFigureOut">
               <a:rPr lang="en-US" smtClean="0"/>
-              <a:t>12/10/2020</a:t>
+              <a:t>12/11/2020</a:t>
             </a:fld>
             <a:endParaRPr lang="en-US"/>
           </a:p>
@@ -1699,7 +1573,7 @@
           <a:p>
             <a:fld id="{64F0E216-BA48-4F04-AC4F-645AA0DD6AC6}" type="datetimeFigureOut">
               <a:rPr lang="en-US" smtClean="0"/>
-              <a:t>12/10/2020</a:t>
+              <a:t>12/11/2020</a:t>
             </a:fld>
             <a:endParaRPr lang="en-US"/>
           </a:p>
@@ -1922,7 +1796,7 @@
           <a:p>
             <a:fld id="{64F0E216-BA48-4F04-AC4F-645AA0DD6AC6}" type="datetimeFigureOut">
               <a:rPr lang="en-US" smtClean="0"/>
-              <a:t>12/10/2020</a:t>
+              <a:t>12/11/2020</a:t>
             </a:fld>
             <a:endParaRPr lang="en-US"/>
           </a:p>
@@ -2224,7 +2098,7 @@
           <a:p>
             <a:fld id="{64F0E216-BA48-4F04-AC4F-645AA0DD6AC6}" type="datetimeFigureOut">
               <a:rPr lang="en-US" smtClean="0"/>
-              <a:t>12/10/2020</a:t>
+              <a:t>12/11/2020</a:t>
             </a:fld>
             <a:endParaRPr lang="en-US"/>
           </a:p>
@@ -3688,7 +3562,7 @@
           <a:p>
             <a:fld id="{64F0E216-BA48-4F04-AC4F-645AA0DD6AC6}" type="datetimeFigureOut">
               <a:rPr lang="en-US" smtClean="0"/>
-              <a:t>12/10/2020</a:t>
+              <a:t>12/11/2020</a:t>
             </a:fld>
             <a:endParaRPr lang="en-US"/>
           </a:p>
@@ -4155,7 +4029,7 @@
           <a:p>
             <a:fld id="{64F0E216-BA48-4F04-AC4F-645AA0DD6AC6}" type="datetimeFigureOut">
               <a:rPr lang="en-US" smtClean="0"/>
-              <a:t>12/10/2020</a:t>
+              <a:t>12/11/2020</a:t>
             </a:fld>
             <a:endParaRPr lang="en-US"/>
           </a:p>
@@ -4330,7 +4204,7 @@
           <a:p>
             <a:fld id="{64F0E216-BA48-4F04-AC4F-645AA0DD6AC6}" type="datetimeFigureOut">
               <a:rPr lang="en-US" smtClean="0"/>
-              <a:t>12/10/2020</a:t>
+              <a:t>12/11/2020</a:t>
             </a:fld>
             <a:endParaRPr lang="en-US"/>
           </a:p>
@@ -4467,7 +4341,7 @@
           <a:p>
             <a:fld id="{64F0E216-BA48-4F04-AC4F-645AA0DD6AC6}" type="datetimeFigureOut">
               <a:rPr lang="en-US" smtClean="0"/>
-              <a:t>12/10/2020</a:t>
+              <a:t>12/11/2020</a:t>
             </a:fld>
             <a:endParaRPr lang="en-US"/>
           </a:p>
@@ -4817,7 +4691,7 @@
           <a:p>
             <a:fld id="{64F0E216-BA48-4F04-AC4F-645AA0DD6AC6}" type="datetimeFigureOut">
               <a:rPr lang="en-US" smtClean="0"/>
-              <a:t>12/10/2020</a:t>
+              <a:t>12/11/2020</a:t>
             </a:fld>
             <a:endParaRPr lang="en-US"/>
           </a:p>
@@ -5138,7 +5012,7 @@
           <a:p>
             <a:fld id="{64F0E216-BA48-4F04-AC4F-645AA0DD6AC6}" type="datetimeFigureOut">
               <a:rPr lang="en-US" smtClean="0"/>
-              <a:t>12/10/2020</a:t>
+              <a:t>12/11/2020</a:t>
             </a:fld>
             <a:endParaRPr lang="en-US"/>
           </a:p>
@@ -5400,7 +5274,7 @@
             <a:fld id="{64F0E216-BA48-4F04-AC4F-645AA0DD6AC6}" type="datetimeFigureOut">
               <a:rPr lang="en-US" smtClean="0"/>
               <a:pPr/>
-              <a:t>12/10/2020</a:t>
+              <a:t>12/11/2020</a:t>
             </a:fld>
             <a:endParaRPr lang="en-US" dirty="0"/>
           </a:p>
@@ -5981,47 +5855,6 @@
           </a:p>
         </p:txBody>
       </p:sp>
-      <p:sp>
-        <p:nvSpPr>
-          <p:cNvPr id="3" name="Subtitle 2">
-            <a:extLst>
-              <a:ext uri="{FF2B5EF4-FFF2-40B4-BE49-F238E27FC236}">
-                <a16:creationId xmlns:a16="http://schemas.microsoft.com/office/drawing/2014/main" id="{8ECA4C1C-D37B-7F4B-8DEC-3EEA7015662F}"/>
-              </a:ext>
-            </a:extLst>
-          </p:cNvPr>
-          <p:cNvSpPr>
-            <a:spLocks noGrp="1"/>
-          </p:cNvSpPr>
-          <p:nvPr>
-            <p:ph type="subTitle" idx="1"/>
-          </p:nvPr>
-        </p:nvSpPr>
-        <p:spPr>
-          <a:xfrm>
-            <a:off x="6654801" y="4602163"/>
-            <a:ext cx="4451347" cy="1720850"/>
-          </a:xfrm>
-        </p:spPr>
-        <p:txBody>
-          <a:bodyPr anchor="ctr">
-            <a:normAutofit/>
-          </a:bodyPr>
-          <a:lstStyle/>
-          <a:p>
-            <a:r>
-              <a:rPr lang="en-CH" dirty="0"/>
-              <a:t>Team 4</a:t>
-            </a:r>
-          </a:p>
-          <a:p>
-            <a:r>
-              <a:rPr lang="en-CH" dirty="0"/>
-              <a:t>Dominik, Maeva, Julianna</a:t>
-            </a:r>
-          </a:p>
-        </p:txBody>
-      </p:sp>
       <p:pic>
         <p:nvPicPr>
           <p:cNvPr id="4" name="Picture 3">
@@ -6103,10 +5936,1183 @@
           </a:fontRef>
         </p:style>
       </p:cxnSp>
+      <p:sp>
+        <p:nvSpPr>
+          <p:cNvPr id="8" name="Content Placeholder 2">
+            <a:extLst>
+              <a:ext uri="{FF2B5EF4-FFF2-40B4-BE49-F238E27FC236}">
+                <a16:creationId xmlns:a16="http://schemas.microsoft.com/office/drawing/2014/main" id="{7FAD7C07-5BB0-45BF-AD25-215C3D458CBE}"/>
+              </a:ext>
+            </a:extLst>
+          </p:cNvPr>
+          <p:cNvSpPr txBox="1">
+            <a:spLocks/>
+          </p:cNvSpPr>
+          <p:nvPr/>
+        </p:nvSpPr>
+        <p:spPr>
+          <a:xfrm>
+            <a:off x="6356348" y="4071397"/>
+            <a:ext cx="5754584" cy="2699054"/>
+          </a:xfrm>
+          <a:prstGeom prst="rect">
+            <a:avLst/>
+          </a:prstGeom>
+        </p:spPr>
+        <p:txBody>
+          <a:bodyPr vert="horz" lIns="0" tIns="0" rIns="0" bIns="0" rtlCol="0" anchor="t" anchorCtr="0">
+            <a:noAutofit/>
+          </a:bodyPr>
+          <a:lstStyle>
+            <a:lvl1pPr marL="0" indent="0" algn="ctr" defTabSz="914400" rtl="0" eaLnBrk="1" latinLnBrk="0" hangingPunct="1">
+              <a:lnSpc>
+                <a:spcPct val="125000"/>
+              </a:lnSpc>
+              <a:spcBef>
+                <a:spcPts val="1000"/>
+              </a:spcBef>
+              <a:buClr>
+                <a:schemeClr val="accent1">
+                  <a:lumMod val="60000"/>
+                  <a:lumOff val="40000"/>
+                </a:schemeClr>
+              </a:buClr>
+              <a:buFont typeface="Wingdings" panose="05000000000000000000" pitchFamily="2" charset="2"/>
+              <a:buNone/>
+              <a:defRPr sz="2400" i="1" kern="1200">
+                <a:solidFill>
+                  <a:schemeClr val="tx1">
+                    <a:alpha val="70000"/>
+                  </a:schemeClr>
+                </a:solidFill>
+                <a:latin typeface="+mn-lt"/>
+                <a:ea typeface="+mn-ea"/>
+                <a:cs typeface="+mn-cs"/>
+              </a:defRPr>
+            </a:lvl1pPr>
+            <a:lvl2pPr marL="457200" indent="0" algn="ctr" defTabSz="914400" rtl="0" eaLnBrk="1" latinLnBrk="0" hangingPunct="1">
+              <a:lnSpc>
+                <a:spcPct val="125000"/>
+              </a:lnSpc>
+              <a:spcBef>
+                <a:spcPts val="500"/>
+              </a:spcBef>
+              <a:buClr>
+                <a:schemeClr val="accent1">
+                  <a:lumMod val="60000"/>
+                  <a:lumOff val="40000"/>
+                </a:schemeClr>
+              </a:buClr>
+              <a:buFontTx/>
+              <a:buNone/>
+              <a:defRPr sz="2000" i="1" kern="1200">
+                <a:solidFill>
+                  <a:schemeClr val="tx1">
+                    <a:alpha val="70000"/>
+                  </a:schemeClr>
+                </a:solidFill>
+                <a:latin typeface="+mn-lt"/>
+                <a:ea typeface="+mn-ea"/>
+                <a:cs typeface="+mn-cs"/>
+              </a:defRPr>
+            </a:lvl2pPr>
+            <a:lvl3pPr marL="914400" indent="0" algn="ctr" defTabSz="914400" rtl="0" eaLnBrk="1" latinLnBrk="0" hangingPunct="1">
+              <a:lnSpc>
+                <a:spcPct val="125000"/>
+              </a:lnSpc>
+              <a:spcBef>
+                <a:spcPts val="500"/>
+              </a:spcBef>
+              <a:buClr>
+                <a:schemeClr val="accent1">
+                  <a:lumMod val="60000"/>
+                  <a:lumOff val="40000"/>
+                </a:schemeClr>
+              </a:buClr>
+              <a:buFont typeface="Wingdings" panose="05000000000000000000" pitchFamily="2" charset="2"/>
+              <a:buNone/>
+              <a:defRPr sz="1800" kern="1200">
+                <a:solidFill>
+                  <a:schemeClr val="tx1">
+                    <a:alpha val="70000"/>
+                  </a:schemeClr>
+                </a:solidFill>
+                <a:latin typeface="+mn-lt"/>
+                <a:ea typeface="+mn-ea"/>
+                <a:cs typeface="+mn-cs"/>
+              </a:defRPr>
+            </a:lvl3pPr>
+            <a:lvl4pPr marL="1371600" indent="0" algn="ctr" defTabSz="914400" rtl="0" eaLnBrk="1" latinLnBrk="0" hangingPunct="1">
+              <a:lnSpc>
+                <a:spcPct val="125000"/>
+              </a:lnSpc>
+              <a:spcBef>
+                <a:spcPts val="500"/>
+              </a:spcBef>
+              <a:buClr>
+                <a:schemeClr val="accent1">
+                  <a:lumMod val="60000"/>
+                  <a:lumOff val="40000"/>
+                </a:schemeClr>
+              </a:buClr>
+              <a:buFontTx/>
+              <a:buNone/>
+              <a:defRPr sz="1600" i="1" kern="1200">
+                <a:solidFill>
+                  <a:schemeClr val="tx1">
+                    <a:alpha val="70000"/>
+                  </a:schemeClr>
+                </a:solidFill>
+                <a:latin typeface="+mn-lt"/>
+                <a:ea typeface="+mn-ea"/>
+                <a:cs typeface="+mn-cs"/>
+              </a:defRPr>
+            </a:lvl4pPr>
+            <a:lvl5pPr marL="1828800" indent="0" algn="ctr" defTabSz="914400" rtl="0" eaLnBrk="1" latinLnBrk="0" hangingPunct="1">
+              <a:lnSpc>
+                <a:spcPct val="125000"/>
+              </a:lnSpc>
+              <a:spcBef>
+                <a:spcPts val="500"/>
+              </a:spcBef>
+              <a:buClr>
+                <a:schemeClr val="accent1">
+                  <a:lumMod val="60000"/>
+                  <a:lumOff val="40000"/>
+                </a:schemeClr>
+              </a:buClr>
+              <a:buFont typeface="Wingdings" panose="05000000000000000000" pitchFamily="2" charset="2"/>
+              <a:buNone/>
+              <a:defRPr sz="1600" kern="1200">
+                <a:solidFill>
+                  <a:schemeClr val="tx1">
+                    <a:alpha val="70000"/>
+                  </a:schemeClr>
+                </a:solidFill>
+                <a:latin typeface="+mn-lt"/>
+                <a:ea typeface="+mn-ea"/>
+                <a:cs typeface="+mn-cs"/>
+              </a:defRPr>
+            </a:lvl5pPr>
+            <a:lvl6pPr marL="2286000" indent="0" algn="ctr" defTabSz="914400" rtl="0" eaLnBrk="1" latinLnBrk="0" hangingPunct="1">
+              <a:lnSpc>
+                <a:spcPct val="90000"/>
+              </a:lnSpc>
+              <a:spcBef>
+                <a:spcPts val="500"/>
+              </a:spcBef>
+              <a:buFont typeface="Arial" panose="020B0604020202020204" pitchFamily="34" charset="0"/>
+              <a:buNone/>
+              <a:defRPr sz="1600" kern="1200">
+                <a:solidFill>
+                  <a:schemeClr val="tx1"/>
+                </a:solidFill>
+                <a:latin typeface="+mn-lt"/>
+                <a:ea typeface="+mn-ea"/>
+                <a:cs typeface="+mn-cs"/>
+              </a:defRPr>
+            </a:lvl6pPr>
+            <a:lvl7pPr marL="2743200" indent="0" algn="ctr" defTabSz="914400" rtl="0" eaLnBrk="1" latinLnBrk="0" hangingPunct="1">
+              <a:lnSpc>
+                <a:spcPct val="90000"/>
+              </a:lnSpc>
+              <a:spcBef>
+                <a:spcPts val="500"/>
+              </a:spcBef>
+              <a:buFont typeface="Arial" panose="020B0604020202020204" pitchFamily="34" charset="0"/>
+              <a:buNone/>
+              <a:defRPr sz="1600" kern="1200">
+                <a:solidFill>
+                  <a:schemeClr val="tx1"/>
+                </a:solidFill>
+                <a:latin typeface="+mn-lt"/>
+                <a:ea typeface="+mn-ea"/>
+                <a:cs typeface="+mn-cs"/>
+              </a:defRPr>
+            </a:lvl7pPr>
+            <a:lvl8pPr marL="3200400" indent="0" algn="ctr" defTabSz="914400" rtl="0" eaLnBrk="1" latinLnBrk="0" hangingPunct="1">
+              <a:lnSpc>
+                <a:spcPct val="90000"/>
+              </a:lnSpc>
+              <a:spcBef>
+                <a:spcPts val="500"/>
+              </a:spcBef>
+              <a:buFont typeface="Arial" panose="020B0604020202020204" pitchFamily="34" charset="0"/>
+              <a:buNone/>
+              <a:defRPr sz="1600" kern="1200">
+                <a:solidFill>
+                  <a:schemeClr val="tx1"/>
+                </a:solidFill>
+                <a:latin typeface="+mn-lt"/>
+                <a:ea typeface="+mn-ea"/>
+                <a:cs typeface="+mn-cs"/>
+              </a:defRPr>
+            </a:lvl8pPr>
+            <a:lvl9pPr marL="3657600" indent="0" algn="ctr" defTabSz="914400" rtl="0" eaLnBrk="1" latinLnBrk="0" hangingPunct="1">
+              <a:lnSpc>
+                <a:spcPct val="90000"/>
+              </a:lnSpc>
+              <a:spcBef>
+                <a:spcPts val="500"/>
+              </a:spcBef>
+              <a:buFont typeface="Arial" panose="020B0604020202020204" pitchFamily="34" charset="0"/>
+              <a:buNone/>
+              <a:defRPr sz="1600" kern="1200">
+                <a:solidFill>
+                  <a:schemeClr val="tx1"/>
+                </a:solidFill>
+                <a:latin typeface="+mn-lt"/>
+                <a:ea typeface="+mn-ea"/>
+                <a:cs typeface="+mn-cs"/>
+              </a:defRPr>
+            </a:lvl9pPr>
+          </a:lstStyle>
+          <a:p>
+            <a:r>
+              <a:rPr lang="fr-BE" dirty="0"/>
+              <a:t>Team 4</a:t>
+            </a:r>
+            <a:endParaRPr lang="en-CH" dirty="0"/>
+          </a:p>
+          <a:p>
+            <a:pPr algn="l"/>
+            <a:r>
+              <a:rPr lang="fr-BE" sz="2000" b="1" dirty="0" err="1"/>
+              <a:t>Julianna</a:t>
+            </a:r>
+            <a:r>
+              <a:rPr lang="fr-BE" sz="2000" b="1" dirty="0"/>
+              <a:t> </a:t>
+            </a:r>
+            <a:r>
+              <a:rPr lang="fr-BE" sz="1800" dirty="0"/>
+              <a:t>: </a:t>
+            </a:r>
+            <a:r>
+              <a:rPr lang="fr-BE" sz="1600" dirty="0" err="1"/>
+              <a:t>Visualization</a:t>
+            </a:r>
+            <a:r>
+              <a:rPr lang="fr-BE" sz="1600" dirty="0"/>
+              <a:t> + </a:t>
+            </a:r>
+            <a:r>
+              <a:rPr lang="fr-BE" sz="1600" dirty="0" err="1"/>
+              <a:t>cleaning</a:t>
+            </a:r>
+            <a:r>
+              <a:rPr lang="fr-BE" sz="1600" dirty="0"/>
+              <a:t> + documentation + </a:t>
+            </a:r>
+            <a:r>
+              <a:rPr lang="fr-BE" sz="1600" dirty="0" err="1"/>
+              <a:t>presentation</a:t>
+            </a:r>
+            <a:br>
+              <a:rPr lang="fr-BE" sz="1400" dirty="0"/>
+            </a:br>
+            <a:r>
+              <a:rPr lang="fr-BE" sz="2000" b="1" dirty="0"/>
+              <a:t>Maeva</a:t>
+            </a:r>
+            <a:r>
+              <a:rPr lang="fr-BE" sz="1800" dirty="0"/>
+              <a:t> </a:t>
+            </a:r>
+            <a:r>
+              <a:rPr lang="fr-BE" sz="1600" dirty="0"/>
+              <a:t>: </a:t>
+            </a:r>
+            <a:r>
+              <a:rPr lang="fr-BE" sz="1600" dirty="0" err="1"/>
+              <a:t>SQl</a:t>
+            </a:r>
+            <a:r>
+              <a:rPr lang="fr-BE" sz="1600" dirty="0"/>
+              <a:t> + help </a:t>
+            </a:r>
+            <a:r>
+              <a:rPr lang="fr-BE" sz="1600" dirty="0" err="1"/>
+              <a:t>with</a:t>
+            </a:r>
+            <a:r>
+              <a:rPr lang="fr-BE" sz="1600" dirty="0"/>
+              <a:t> </a:t>
+            </a:r>
+            <a:r>
+              <a:rPr lang="fr-BE" sz="1600" dirty="0" err="1"/>
+              <a:t>visualization</a:t>
+            </a:r>
+            <a:r>
+              <a:rPr lang="fr-BE" sz="1600" dirty="0"/>
+              <a:t> + Documentation + </a:t>
+            </a:r>
+            <a:r>
+              <a:rPr lang="fr-BE" sz="1600" dirty="0" err="1"/>
+              <a:t>presentation</a:t>
+            </a:r>
+            <a:r>
+              <a:rPr lang="fr-BE" sz="1600" dirty="0"/>
+              <a:t> </a:t>
+            </a:r>
+            <a:br>
+              <a:rPr lang="fr-BE" sz="1800" dirty="0"/>
+            </a:br>
+            <a:r>
+              <a:rPr lang="fr-BE" sz="2000" b="1" dirty="0" err="1"/>
+              <a:t>Dominik</a:t>
+            </a:r>
+            <a:r>
+              <a:rPr lang="fr-BE" sz="1800" dirty="0"/>
+              <a:t> : </a:t>
+            </a:r>
+            <a:r>
+              <a:rPr lang="fr-BE" sz="1600" dirty="0"/>
+              <a:t>Data infrastructure  + API + ETL + documentation</a:t>
+            </a:r>
+            <a:endParaRPr lang="en-CH" sz="1600" dirty="0"/>
+          </a:p>
+          <a:p>
+            <a:pPr marL="720000" lvl="2"/>
+            <a:r>
+              <a:rPr lang="fr-BE" dirty="0"/>
+              <a:t>	</a:t>
+            </a:r>
+            <a:endParaRPr lang="en-CH" dirty="0"/>
+          </a:p>
+        </p:txBody>
+      </p:sp>
     </p:spTree>
     <p:extLst>
       <p:ext uri="{BB962C8B-B14F-4D97-AF65-F5344CB8AC3E}">
         <p14:creationId xmlns:p14="http://schemas.microsoft.com/office/powerpoint/2010/main" val="2923372936"/>
+      </p:ext>
+    </p:extLst>
+  </p:cSld>
+  <p:clrMapOvr>
+    <a:masterClrMapping/>
+  </p:clrMapOvr>
+</p:sld>
+</file>
+
+<file path=ppt/slides/slide10.xml><?xml version="1.0" encoding="utf-8"?>
+<p:sld xmlns:a="http://schemas.openxmlformats.org/drawingml/2006/main" xmlns:r="http://schemas.openxmlformats.org/officeDocument/2006/relationships" xmlns:p="http://schemas.openxmlformats.org/presentationml/2006/main">
+  <p:cSld>
+    <p:spTree>
+      <p:nvGrpSpPr>
+        <p:cNvPr id="1" name=""/>
+        <p:cNvGrpSpPr/>
+        <p:nvPr/>
+      </p:nvGrpSpPr>
+      <p:grpSpPr>
+        <a:xfrm>
+          <a:off x="0" y="0"/>
+          <a:ext cx="0" cy="0"/>
+          <a:chOff x="0" y="0"/>
+          <a:chExt cx="0" cy="0"/>
+        </a:xfrm>
+      </p:grpSpPr>
+      <p:pic>
+        <p:nvPicPr>
+          <p:cNvPr id="16" name="Content Placeholder 4">
+            <a:extLst>
+              <a:ext uri="{FF2B5EF4-FFF2-40B4-BE49-F238E27FC236}">
+                <a16:creationId xmlns:a16="http://schemas.microsoft.com/office/drawing/2014/main" id="{BF2BCBB7-E54A-447F-98E1-D481D906EFA2}"/>
+              </a:ext>
+            </a:extLst>
+          </p:cNvPr>
+          <p:cNvPicPr>
+            <a:picLocks noChangeAspect="1"/>
+          </p:cNvPicPr>
+          <p:nvPr/>
+        </p:nvPicPr>
+        <p:blipFill>
+          <a:blip r:embed="rId2">
+            <a:extLst>
+              <a:ext uri="{96DAC541-7B7A-43D3-8B79-37D633B846F1}">
+                <asvg:svgBlip xmlns:asvg="http://schemas.microsoft.com/office/drawing/2016/SVG/main" r:embed="rId3"/>
+              </a:ext>
+            </a:extLst>
+          </a:blip>
+          <a:stretch>
+            <a:fillRect/>
+          </a:stretch>
+        </p:blipFill>
+        <p:spPr>
+          <a:xfrm>
+            <a:off x="5739683" y="1479775"/>
+            <a:ext cx="6160757" cy="4840725"/>
+          </a:xfrm>
+          <a:prstGeom prst="rect">
+            <a:avLst/>
+          </a:prstGeom>
+        </p:spPr>
+      </p:pic>
+      <p:grpSp>
+        <p:nvGrpSpPr>
+          <p:cNvPr id="17" name="Groupe 16">
+            <a:extLst>
+              <a:ext uri="{FF2B5EF4-FFF2-40B4-BE49-F238E27FC236}">
+                <a16:creationId xmlns:a16="http://schemas.microsoft.com/office/drawing/2014/main" id="{809D9303-B492-4780-A845-02AF0FEBE015}"/>
+              </a:ext>
+            </a:extLst>
+          </p:cNvPr>
+          <p:cNvGrpSpPr/>
+          <p:nvPr/>
+        </p:nvGrpSpPr>
+        <p:grpSpPr>
+          <a:xfrm>
+            <a:off x="6792982" y="2079096"/>
+            <a:ext cx="5028621" cy="3903598"/>
+            <a:chOff x="3669235" y="2266196"/>
+            <a:chExt cx="5028621" cy="3903598"/>
+          </a:xfrm>
+        </p:grpSpPr>
+        <p:sp>
+          <p:nvSpPr>
+            <p:cNvPr id="18" name="Rectangle 17">
+              <a:extLst>
+                <a:ext uri="{FF2B5EF4-FFF2-40B4-BE49-F238E27FC236}">
+                  <a16:creationId xmlns:a16="http://schemas.microsoft.com/office/drawing/2014/main" id="{12FDF6A4-8456-45E8-9CC5-12581EB007FC}"/>
+                </a:ext>
+              </a:extLst>
+            </p:cNvPr>
+            <p:cNvSpPr/>
+            <p:nvPr/>
+          </p:nvSpPr>
+          <p:spPr>
+            <a:xfrm>
+              <a:off x="5371721" y="2266196"/>
+              <a:ext cx="772406" cy="3903598"/>
+            </a:xfrm>
+            <a:prstGeom prst="rect">
+              <a:avLst/>
+            </a:prstGeom>
+            <a:solidFill>
+              <a:schemeClr val="tx1"/>
+            </a:solidFill>
+            <a:ln>
+              <a:solidFill>
+                <a:schemeClr val="tx1"/>
+              </a:solidFill>
+            </a:ln>
+          </p:spPr>
+          <p:style>
+            <a:lnRef idx="2">
+              <a:schemeClr val="accent1">
+                <a:shade val="50000"/>
+              </a:schemeClr>
+            </a:lnRef>
+            <a:fillRef idx="1">
+              <a:schemeClr val="accent1"/>
+            </a:fillRef>
+            <a:effectRef idx="0">
+              <a:schemeClr val="accent1"/>
+            </a:effectRef>
+            <a:fontRef idx="minor">
+              <a:schemeClr val="lt1"/>
+            </a:fontRef>
+          </p:style>
+          <p:txBody>
+            <a:bodyPr rtlCol="0" anchor="ctr"/>
+            <a:lstStyle/>
+            <a:p>
+              <a:pPr algn="ctr"/>
+              <a:endParaRPr lang="fr-BE"/>
+            </a:p>
+          </p:txBody>
+        </p:sp>
+        <p:grpSp>
+          <p:nvGrpSpPr>
+            <p:cNvPr id="19" name="Groupe 18">
+              <a:extLst>
+                <a:ext uri="{FF2B5EF4-FFF2-40B4-BE49-F238E27FC236}">
+                  <a16:creationId xmlns:a16="http://schemas.microsoft.com/office/drawing/2014/main" id="{4E4AC4C1-F737-4E0C-A417-F349C1DBEFAE}"/>
+                </a:ext>
+              </a:extLst>
+            </p:cNvPr>
+            <p:cNvGrpSpPr/>
+            <p:nvPr/>
+          </p:nvGrpSpPr>
+          <p:grpSpPr>
+            <a:xfrm>
+              <a:off x="3669235" y="3456176"/>
+              <a:ext cx="5028621" cy="2713618"/>
+              <a:chOff x="3669235" y="3456176"/>
+              <a:chExt cx="5028621" cy="2713618"/>
+            </a:xfrm>
+          </p:grpSpPr>
+          <p:sp>
+            <p:nvSpPr>
+              <p:cNvPr id="20" name="Rectangle 19">
+                <a:extLst>
+                  <a:ext uri="{FF2B5EF4-FFF2-40B4-BE49-F238E27FC236}">
+                    <a16:creationId xmlns:a16="http://schemas.microsoft.com/office/drawing/2014/main" id="{D108DC3A-8B30-4187-A1AF-C08D4887F065}"/>
+                  </a:ext>
+                </a:extLst>
+              </p:cNvPr>
+              <p:cNvSpPr/>
+              <p:nvPr/>
+            </p:nvSpPr>
+            <p:spPr>
+              <a:xfrm>
+                <a:off x="7074207" y="3456176"/>
+                <a:ext cx="772406" cy="2713618"/>
+              </a:xfrm>
+              <a:prstGeom prst="rect">
+                <a:avLst/>
+              </a:prstGeom>
+              <a:solidFill>
+                <a:schemeClr val="tx1"/>
+              </a:solidFill>
+              <a:ln>
+                <a:solidFill>
+                  <a:schemeClr val="tx1"/>
+                </a:solidFill>
+              </a:ln>
+            </p:spPr>
+            <p:style>
+              <a:lnRef idx="2">
+                <a:schemeClr val="accent1">
+                  <a:shade val="50000"/>
+                </a:schemeClr>
+              </a:lnRef>
+              <a:fillRef idx="1">
+                <a:schemeClr val="accent1"/>
+              </a:fillRef>
+              <a:effectRef idx="0">
+                <a:schemeClr val="accent1"/>
+              </a:effectRef>
+              <a:fontRef idx="minor">
+                <a:schemeClr val="lt1"/>
+              </a:fontRef>
+            </p:style>
+            <p:txBody>
+              <a:bodyPr rtlCol="0" anchor="ctr"/>
+              <a:lstStyle/>
+              <a:p>
+                <a:pPr algn="ctr"/>
+                <a:endParaRPr lang="fr-BE"/>
+              </a:p>
+            </p:txBody>
+          </p:sp>
+          <p:sp>
+            <p:nvSpPr>
+              <p:cNvPr id="21" name="Rectangle 20">
+                <a:extLst>
+                  <a:ext uri="{FF2B5EF4-FFF2-40B4-BE49-F238E27FC236}">
+                    <a16:creationId xmlns:a16="http://schemas.microsoft.com/office/drawing/2014/main" id="{D9E4101B-5879-4056-BE1A-7F8A247C49F0}"/>
+                  </a:ext>
+                </a:extLst>
+              </p:cNvPr>
+              <p:cNvSpPr/>
+              <p:nvPr/>
+            </p:nvSpPr>
+            <p:spPr>
+              <a:xfrm>
+                <a:off x="3669235" y="4870174"/>
+                <a:ext cx="772406" cy="1299620"/>
+              </a:xfrm>
+              <a:prstGeom prst="rect">
+                <a:avLst/>
+              </a:prstGeom>
+              <a:solidFill>
+                <a:schemeClr val="tx1"/>
+              </a:solidFill>
+              <a:ln>
+                <a:solidFill>
+                  <a:schemeClr val="tx1"/>
+                </a:solidFill>
+              </a:ln>
+            </p:spPr>
+            <p:style>
+              <a:lnRef idx="2">
+                <a:schemeClr val="accent1">
+                  <a:shade val="50000"/>
+                </a:schemeClr>
+              </a:lnRef>
+              <a:fillRef idx="1">
+                <a:schemeClr val="accent1"/>
+              </a:fillRef>
+              <a:effectRef idx="0">
+                <a:schemeClr val="accent1"/>
+              </a:effectRef>
+              <a:fontRef idx="minor">
+                <a:schemeClr val="lt1"/>
+              </a:fontRef>
+            </p:style>
+            <p:txBody>
+              <a:bodyPr rtlCol="0" anchor="ctr"/>
+              <a:lstStyle/>
+              <a:p>
+                <a:pPr algn="ctr"/>
+                <a:endParaRPr lang="fr-BE"/>
+              </a:p>
+            </p:txBody>
+          </p:sp>
+          <p:sp>
+            <p:nvSpPr>
+              <p:cNvPr id="22" name="Rectangle 21">
+                <a:extLst>
+                  <a:ext uri="{FF2B5EF4-FFF2-40B4-BE49-F238E27FC236}">
+                    <a16:creationId xmlns:a16="http://schemas.microsoft.com/office/drawing/2014/main" id="{9DCB6BB9-6DB5-4730-8D6C-6E55E2752871}"/>
+                  </a:ext>
+                </a:extLst>
+              </p:cNvPr>
+              <p:cNvSpPr/>
+              <p:nvPr/>
+            </p:nvSpPr>
+            <p:spPr>
+              <a:xfrm>
+                <a:off x="7925450" y="5038793"/>
+                <a:ext cx="772406" cy="1118656"/>
+              </a:xfrm>
+              <a:prstGeom prst="rect">
+                <a:avLst/>
+              </a:prstGeom>
+              <a:solidFill>
+                <a:schemeClr val="tx1"/>
+              </a:solidFill>
+              <a:ln>
+                <a:solidFill>
+                  <a:schemeClr val="tx1"/>
+                </a:solidFill>
+              </a:ln>
+            </p:spPr>
+            <p:style>
+              <a:lnRef idx="2">
+                <a:schemeClr val="accent1">
+                  <a:shade val="50000"/>
+                </a:schemeClr>
+              </a:lnRef>
+              <a:fillRef idx="1">
+                <a:schemeClr val="accent1"/>
+              </a:fillRef>
+              <a:effectRef idx="0">
+                <a:schemeClr val="accent1"/>
+              </a:effectRef>
+              <a:fontRef idx="minor">
+                <a:schemeClr val="lt1"/>
+              </a:fontRef>
+            </p:style>
+            <p:txBody>
+              <a:bodyPr rtlCol="0" anchor="ctr"/>
+              <a:lstStyle/>
+              <a:p>
+                <a:pPr algn="ctr"/>
+                <a:endParaRPr lang="fr-BE"/>
+              </a:p>
+            </p:txBody>
+          </p:sp>
+          <p:sp>
+            <p:nvSpPr>
+              <p:cNvPr id="23" name="Rectangle 22">
+                <a:extLst>
+                  <a:ext uri="{FF2B5EF4-FFF2-40B4-BE49-F238E27FC236}">
+                    <a16:creationId xmlns:a16="http://schemas.microsoft.com/office/drawing/2014/main" id="{4AE9DAC9-5D59-4771-A399-C1FC75DF3B0E}"/>
+                  </a:ext>
+                </a:extLst>
+              </p:cNvPr>
+              <p:cNvSpPr/>
+              <p:nvPr/>
+            </p:nvSpPr>
+            <p:spPr>
+              <a:xfrm>
+                <a:off x="6222964" y="6073912"/>
+                <a:ext cx="772406" cy="83535"/>
+              </a:xfrm>
+              <a:prstGeom prst="rect">
+                <a:avLst/>
+              </a:prstGeom>
+              <a:solidFill>
+                <a:schemeClr val="tx1"/>
+              </a:solidFill>
+              <a:ln>
+                <a:solidFill>
+                  <a:schemeClr val="tx1"/>
+                </a:solidFill>
+              </a:ln>
+            </p:spPr>
+            <p:style>
+              <a:lnRef idx="2">
+                <a:schemeClr val="accent1">
+                  <a:shade val="50000"/>
+                </a:schemeClr>
+              </a:lnRef>
+              <a:fillRef idx="1">
+                <a:schemeClr val="accent1"/>
+              </a:fillRef>
+              <a:effectRef idx="0">
+                <a:schemeClr val="accent1"/>
+              </a:effectRef>
+              <a:fontRef idx="minor">
+                <a:schemeClr val="lt1"/>
+              </a:fontRef>
+            </p:style>
+            <p:txBody>
+              <a:bodyPr rtlCol="0" anchor="ctr"/>
+              <a:lstStyle/>
+              <a:p>
+                <a:pPr algn="ctr"/>
+                <a:endParaRPr lang="fr-BE"/>
+              </a:p>
+            </p:txBody>
+          </p:sp>
+          <p:sp>
+            <p:nvSpPr>
+              <p:cNvPr id="24" name="Rectangle 23">
+                <a:extLst>
+                  <a:ext uri="{FF2B5EF4-FFF2-40B4-BE49-F238E27FC236}">
+                    <a16:creationId xmlns:a16="http://schemas.microsoft.com/office/drawing/2014/main" id="{8EFE31CC-ACCA-490D-A777-52FBB4AE65C9}"/>
+                  </a:ext>
+                </a:extLst>
+              </p:cNvPr>
+              <p:cNvSpPr/>
+              <p:nvPr/>
+            </p:nvSpPr>
+            <p:spPr>
+              <a:xfrm>
+                <a:off x="4520478" y="4395304"/>
+                <a:ext cx="772406" cy="1774490"/>
+              </a:xfrm>
+              <a:prstGeom prst="rect">
+                <a:avLst/>
+              </a:prstGeom>
+              <a:solidFill>
+                <a:schemeClr val="tx1"/>
+              </a:solidFill>
+              <a:ln>
+                <a:solidFill>
+                  <a:schemeClr val="tx1"/>
+                </a:solidFill>
+              </a:ln>
+            </p:spPr>
+            <p:style>
+              <a:lnRef idx="2">
+                <a:schemeClr val="accent1">
+                  <a:shade val="50000"/>
+                </a:schemeClr>
+              </a:lnRef>
+              <a:fillRef idx="1">
+                <a:schemeClr val="accent1"/>
+              </a:fillRef>
+              <a:effectRef idx="0">
+                <a:schemeClr val="accent1"/>
+              </a:effectRef>
+              <a:fontRef idx="minor">
+                <a:schemeClr val="lt1"/>
+              </a:fontRef>
+            </p:style>
+            <p:txBody>
+              <a:bodyPr rtlCol="0" anchor="ctr"/>
+              <a:lstStyle/>
+              <a:p>
+                <a:pPr algn="ctr"/>
+                <a:endParaRPr lang="fr-BE"/>
+              </a:p>
+            </p:txBody>
+          </p:sp>
+        </p:grpSp>
+      </p:grpSp>
+      <p:sp>
+        <p:nvSpPr>
+          <p:cNvPr id="26" name="Title 1">
+            <a:extLst>
+              <a:ext uri="{FF2B5EF4-FFF2-40B4-BE49-F238E27FC236}">
+                <a16:creationId xmlns:a16="http://schemas.microsoft.com/office/drawing/2014/main" id="{46BC7AA3-A385-4696-B6D1-CE09854B2CF0}"/>
+              </a:ext>
+            </a:extLst>
+          </p:cNvPr>
+          <p:cNvSpPr>
+            <a:spLocks noGrp="1"/>
+          </p:cNvSpPr>
+          <p:nvPr>
+            <p:ph type="title"/>
+          </p:nvPr>
+        </p:nvSpPr>
+        <p:spPr>
+          <a:xfrm>
+            <a:off x="1079500" y="1011238"/>
+            <a:ext cx="10026650" cy="655637"/>
+          </a:xfrm>
+        </p:spPr>
+        <p:txBody>
+          <a:bodyPr/>
+          <a:lstStyle/>
+          <a:p>
+            <a:r>
+              <a:rPr lang="fr-BE" dirty="0"/>
+              <a:t>GRAPH : Suicide BY AGE RANGE</a:t>
+            </a:r>
+            <a:endParaRPr lang="en-CH" dirty="0"/>
+          </a:p>
+        </p:txBody>
+      </p:sp>
+      <p:sp>
+        <p:nvSpPr>
+          <p:cNvPr id="14" name="TextBox 13">
+            <a:extLst>
+              <a:ext uri="{FF2B5EF4-FFF2-40B4-BE49-F238E27FC236}">
+                <a16:creationId xmlns:a16="http://schemas.microsoft.com/office/drawing/2014/main" id="{02D23D17-E93E-4509-B5D9-353D90EA15E9}"/>
+              </a:ext>
+            </a:extLst>
+          </p:cNvPr>
+          <p:cNvSpPr txBox="1"/>
+          <p:nvPr/>
+        </p:nvSpPr>
+        <p:spPr>
+          <a:xfrm>
+            <a:off x="449904" y="2295515"/>
+            <a:ext cx="6094378" cy="2585323"/>
+          </a:xfrm>
+          <a:prstGeom prst="rect">
+            <a:avLst/>
+          </a:prstGeom>
+          <a:noFill/>
+        </p:spPr>
+        <p:txBody>
+          <a:bodyPr wrap="square">
+            <a:noAutofit/>
+          </a:bodyPr>
+          <a:lstStyle/>
+          <a:p>
+            <a:endParaRPr lang="en-CH" dirty="0"/>
+          </a:p>
+        </p:txBody>
+      </p:sp>
+      <p:sp>
+        <p:nvSpPr>
+          <p:cNvPr id="15" name="Content Placeholder 2">
+            <a:extLst>
+              <a:ext uri="{FF2B5EF4-FFF2-40B4-BE49-F238E27FC236}">
+                <a16:creationId xmlns:a16="http://schemas.microsoft.com/office/drawing/2014/main" id="{7D11FE9C-B6D9-4FDE-9E8E-1C09F5384E63}"/>
+              </a:ext>
+            </a:extLst>
+          </p:cNvPr>
+          <p:cNvSpPr>
+            <a:spLocks noGrp="1"/>
+          </p:cNvSpPr>
+          <p:nvPr>
+            <p:ph idx="1"/>
+          </p:nvPr>
+        </p:nvSpPr>
+        <p:spPr>
+          <a:xfrm>
+            <a:off x="0" y="1995749"/>
+            <a:ext cx="10026650" cy="3978275"/>
+          </a:xfrm>
+        </p:spPr>
+        <p:txBody>
+          <a:bodyPr>
+            <a:normAutofit/>
+          </a:bodyPr>
+          <a:lstStyle/>
+          <a:p>
+            <a:r>
+              <a:rPr lang="fr-BE" dirty="0"/>
+              <a:t>Person </a:t>
+            </a:r>
+            <a:r>
+              <a:rPr lang="fr-BE" dirty="0" err="1"/>
+              <a:t>between</a:t>
+            </a:r>
+            <a:r>
+              <a:rPr lang="fr-BE" dirty="0"/>
+              <a:t> 35 and 54 </a:t>
+            </a:r>
+            <a:r>
+              <a:rPr lang="fr-BE" dirty="0" err="1"/>
+              <a:t>years</a:t>
+            </a:r>
+            <a:r>
+              <a:rPr lang="fr-BE" dirty="0"/>
+              <a:t> </a:t>
+            </a:r>
+            <a:r>
+              <a:rPr lang="fr-BE" dirty="0" err="1"/>
+              <a:t>age</a:t>
+            </a:r>
+            <a:r>
+              <a:rPr lang="fr-BE" dirty="0"/>
+              <a:t>  range are</a:t>
+            </a:r>
+          </a:p>
+          <a:p>
+            <a:pPr marL="0" indent="0">
+              <a:buNone/>
+            </a:pPr>
+            <a:r>
+              <a:rPr lang="fr-BE" dirty="0"/>
+              <a:t>      more </a:t>
+            </a:r>
+            <a:r>
+              <a:rPr lang="fr-BE" dirty="0" err="1"/>
+              <a:t>likely</a:t>
+            </a:r>
+            <a:r>
+              <a:rPr lang="fr-BE" dirty="0"/>
+              <a:t> to commit suicide </a:t>
+            </a:r>
+          </a:p>
+          <a:p>
+            <a:pPr marL="0" indent="0">
+              <a:buNone/>
+            </a:pPr>
+            <a:endParaRPr lang="fr-BE" dirty="0"/>
+          </a:p>
+          <a:p>
+            <a:pPr marL="0" indent="0">
+              <a:buNone/>
+            </a:pPr>
+            <a:r>
+              <a:rPr lang="fr-BE" dirty="0"/>
+              <a:t>                 The  </a:t>
+            </a:r>
+            <a:r>
+              <a:rPr lang="fr-BE" dirty="0" err="1"/>
+              <a:t>Scale</a:t>
+            </a:r>
+            <a:r>
+              <a:rPr lang="fr-BE" dirty="0"/>
+              <a:t> of the </a:t>
+            </a:r>
+            <a:r>
+              <a:rPr lang="fr-BE" dirty="0" err="1"/>
+              <a:t>age</a:t>
+            </a:r>
+            <a:r>
+              <a:rPr lang="fr-BE" dirty="0"/>
+              <a:t> range varies </a:t>
+            </a:r>
+          </a:p>
+        </p:txBody>
+      </p:sp>
+      <p:pic>
+        <p:nvPicPr>
+          <p:cNvPr id="6" name="Graphic 5">
+            <a:extLst>
+              <a:ext uri="{FF2B5EF4-FFF2-40B4-BE49-F238E27FC236}">
+                <a16:creationId xmlns:a16="http://schemas.microsoft.com/office/drawing/2014/main" id="{72BE9715-22CE-47F7-AE40-40300F76B0A7}"/>
+              </a:ext>
+            </a:extLst>
+          </p:cNvPr>
+          <p:cNvPicPr>
+            <a:picLocks noChangeAspect="1"/>
+          </p:cNvPicPr>
+          <p:nvPr/>
+        </p:nvPicPr>
+        <p:blipFill>
+          <a:blip r:embed="rId4">
+            <a:extLst>
+              <a:ext uri="{96DAC541-7B7A-43D3-8B79-37D633B846F1}">
+                <asvg:svgBlip xmlns:asvg="http://schemas.microsoft.com/office/drawing/2016/SVG/main" r:embed="rId5"/>
+              </a:ext>
+            </a:extLst>
+          </a:blip>
+          <a:stretch>
+            <a:fillRect/>
+          </a:stretch>
+        </p:blipFill>
+        <p:spPr>
+          <a:xfrm>
+            <a:off x="449904" y="3570592"/>
+            <a:ext cx="393505" cy="393505"/>
+          </a:xfrm>
+          <a:prstGeom prst="rect">
+            <a:avLst/>
+          </a:prstGeom>
+        </p:spPr>
+      </p:pic>
+    </p:spTree>
+    <p:extLst>
+      <p:ext uri="{BB962C8B-B14F-4D97-AF65-F5344CB8AC3E}">
+        <p14:creationId xmlns:p14="http://schemas.microsoft.com/office/powerpoint/2010/main" val="2485647702"/>
+      </p:ext>
+    </p:extLst>
+  </p:cSld>
+  <p:clrMapOvr>
+    <a:masterClrMapping/>
+  </p:clrMapOvr>
+</p:sld>
+</file>
+
+<file path=ppt/slides/slide11.xml><?xml version="1.0" encoding="utf-8"?>
+<p:sld xmlns:a="http://schemas.openxmlformats.org/drawingml/2006/main" xmlns:r="http://schemas.openxmlformats.org/officeDocument/2006/relationships" xmlns:p="http://schemas.openxmlformats.org/presentationml/2006/main">
+  <p:cSld>
+    <p:spTree>
+      <p:nvGrpSpPr>
+        <p:cNvPr id="1" name=""/>
+        <p:cNvGrpSpPr/>
+        <p:nvPr/>
+      </p:nvGrpSpPr>
+      <p:grpSpPr>
+        <a:xfrm>
+          <a:off x="0" y="0"/>
+          <a:ext cx="0" cy="0"/>
+          <a:chOff x="0" y="0"/>
+          <a:chExt cx="0" cy="0"/>
+        </a:xfrm>
+      </p:grpSpPr>
+      <p:sp>
+        <p:nvSpPr>
+          <p:cNvPr id="2" name="Title 1">
+            <a:extLst>
+              <a:ext uri="{FF2B5EF4-FFF2-40B4-BE49-F238E27FC236}">
+                <a16:creationId xmlns:a16="http://schemas.microsoft.com/office/drawing/2014/main" id="{96C71840-5BC3-6B47-9BE7-C2B99EDB354F}"/>
+              </a:ext>
+            </a:extLst>
+          </p:cNvPr>
+          <p:cNvSpPr>
+            <a:spLocks noGrp="1"/>
+          </p:cNvSpPr>
+          <p:nvPr>
+            <p:ph type="title"/>
+          </p:nvPr>
+        </p:nvSpPr>
+        <p:spPr>
+          <a:xfrm>
+            <a:off x="367401" y="132738"/>
+            <a:ext cx="2302971" cy="1792744"/>
+          </a:xfrm>
+        </p:spPr>
+        <p:txBody>
+          <a:bodyPr>
+            <a:normAutofit/>
+          </a:bodyPr>
+          <a:lstStyle/>
+          <a:p>
+            <a:pPr algn="ctr"/>
+            <a:r>
+              <a:rPr lang="fr-BE" dirty="0"/>
+              <a:t>GRAPH : Suicide BY country</a:t>
+            </a:r>
+            <a:endParaRPr lang="en-CH" dirty="0"/>
+          </a:p>
+        </p:txBody>
+      </p:sp>
+      <p:pic>
+        <p:nvPicPr>
+          <p:cNvPr id="4" name="Graphique 3">
+            <a:extLst>
+              <a:ext uri="{FF2B5EF4-FFF2-40B4-BE49-F238E27FC236}">
+                <a16:creationId xmlns:a16="http://schemas.microsoft.com/office/drawing/2014/main" id="{08D8277D-96FC-428E-9EB6-C1E9AC50BD45}"/>
+              </a:ext>
+            </a:extLst>
+          </p:cNvPr>
+          <p:cNvPicPr>
+            <a:picLocks noChangeAspect="1"/>
+          </p:cNvPicPr>
+          <p:nvPr/>
+        </p:nvPicPr>
+        <p:blipFill>
+          <a:blip r:embed="rId2">
+            <a:extLst>
+              <a:ext uri="{96DAC541-7B7A-43D3-8B79-37D633B846F1}">
+                <asvg:svgBlip xmlns:asvg="http://schemas.microsoft.com/office/drawing/2016/SVG/main" r:embed="rId3"/>
+              </a:ext>
+            </a:extLst>
+          </a:blip>
+          <a:stretch>
+            <a:fillRect/>
+          </a:stretch>
+        </p:blipFill>
+        <p:spPr>
+          <a:xfrm>
+            <a:off x="2594621" y="-493613"/>
+            <a:ext cx="9229978" cy="7383982"/>
+          </a:xfrm>
+          <a:prstGeom prst="rect">
+            <a:avLst/>
+          </a:prstGeom>
+        </p:spPr>
+      </p:pic>
+      <p:sp>
+        <p:nvSpPr>
+          <p:cNvPr id="5" name="Content Placeholder 2">
+            <a:extLst>
+              <a:ext uri="{FF2B5EF4-FFF2-40B4-BE49-F238E27FC236}">
+                <a16:creationId xmlns:a16="http://schemas.microsoft.com/office/drawing/2014/main" id="{63F277A9-516D-4900-84BA-7CD79DAE5618}"/>
+              </a:ext>
+            </a:extLst>
+          </p:cNvPr>
+          <p:cNvSpPr>
+            <a:spLocks noGrp="1"/>
+          </p:cNvSpPr>
+          <p:nvPr>
+            <p:ph idx="1"/>
+          </p:nvPr>
+        </p:nvSpPr>
+        <p:spPr>
+          <a:xfrm>
+            <a:off x="252921" y="2295727"/>
+            <a:ext cx="2840476" cy="3959630"/>
+          </a:xfrm>
+        </p:spPr>
+        <p:txBody>
+          <a:bodyPr>
+            <a:noAutofit/>
+          </a:bodyPr>
+          <a:lstStyle/>
+          <a:p>
+            <a:r>
+              <a:rPr lang="fr-BE" dirty="0"/>
+              <a:t>TOP 10 of countries </a:t>
+            </a:r>
+            <a:r>
+              <a:rPr lang="fr-BE" dirty="0" err="1"/>
+              <a:t>that</a:t>
+            </a:r>
+            <a:r>
+              <a:rPr lang="fr-BE" dirty="0"/>
+              <a:t> commit the </a:t>
+            </a:r>
+            <a:r>
+              <a:rPr lang="fr-BE" dirty="0" err="1"/>
+              <a:t>most</a:t>
+            </a:r>
+            <a:r>
+              <a:rPr lang="fr-BE" dirty="0"/>
+              <a:t> suicides by 100k habitants in 2010</a:t>
+            </a:r>
+          </a:p>
+          <a:p>
+            <a:r>
+              <a:rPr lang="fr-BE" dirty="0"/>
+              <a:t>Suriname</a:t>
+            </a:r>
+          </a:p>
+          <a:p>
+            <a:r>
+              <a:rPr lang="fr-BE" dirty="0" err="1"/>
+              <a:t>Lithuania</a:t>
+            </a:r>
+            <a:endParaRPr lang="fr-BE" dirty="0"/>
+          </a:p>
+          <a:p>
+            <a:r>
+              <a:rPr lang="fr-BE" dirty="0"/>
+              <a:t>Belarus</a:t>
+            </a:r>
+          </a:p>
+          <a:p>
+            <a:r>
+              <a:rPr lang="fr-BE" dirty="0"/>
+              <a:t>Kazakhstan</a:t>
+            </a:r>
+          </a:p>
+          <a:p>
+            <a:r>
+              <a:rPr lang="fr-BE" dirty="0" err="1"/>
+              <a:t>Hungary</a:t>
+            </a:r>
+            <a:endParaRPr lang="en-CH" dirty="0"/>
+          </a:p>
+        </p:txBody>
+      </p:sp>
+    </p:spTree>
+    <p:extLst>
+      <p:ext uri="{BB962C8B-B14F-4D97-AF65-F5344CB8AC3E}">
+        <p14:creationId xmlns:p14="http://schemas.microsoft.com/office/powerpoint/2010/main" val="184806501"/>
       </p:ext>
     </p:extLst>
   </p:cSld>
@@ -6135,6 +7141,103 @@
       </p:grpSpPr>
       <p:sp>
         <p:nvSpPr>
+          <p:cNvPr id="14" name="ZoneTexte 13">
+            <a:extLst>
+              <a:ext uri="{FF2B5EF4-FFF2-40B4-BE49-F238E27FC236}">
+                <a16:creationId xmlns:a16="http://schemas.microsoft.com/office/drawing/2014/main" id="{A41BC286-0AF1-4368-B284-8E1F71E435FE}"/>
+              </a:ext>
+            </a:extLst>
+          </p:cNvPr>
+          <p:cNvSpPr txBox="1"/>
+          <p:nvPr/>
+        </p:nvSpPr>
+        <p:spPr>
+          <a:xfrm>
+            <a:off x="3293574" y="3555641"/>
+            <a:ext cx="3652287" cy="2308324"/>
+          </a:xfrm>
+          <a:prstGeom prst="rect">
+            <a:avLst/>
+          </a:prstGeom>
+          <a:noFill/>
+        </p:spPr>
+        <p:txBody>
+          <a:bodyPr wrap="square" rtlCol="0">
+            <a:spAutoFit/>
+          </a:bodyPr>
+          <a:lstStyle/>
+          <a:p>
+            <a:pPr marL="720000" lvl="2" indent="0">
+              <a:buNone/>
+            </a:pPr>
+            <a:r>
+              <a:rPr lang="en-CH" dirty="0"/>
+              <a:t>Smoking</a:t>
+            </a:r>
+            <a:r>
+              <a:rPr lang="fr-BE" dirty="0"/>
+              <a:t> </a:t>
+            </a:r>
+            <a:r>
+              <a:rPr lang="fr-BE" dirty="0" err="1"/>
+              <a:t>habbits</a:t>
+            </a:r>
+            <a:endParaRPr lang="fr-BE" dirty="0"/>
+          </a:p>
+          <a:p>
+            <a:pPr marL="720000" lvl="2" indent="0">
+              <a:buNone/>
+            </a:pPr>
+            <a:endParaRPr lang="en-CH" dirty="0"/>
+          </a:p>
+          <a:p>
+            <a:pPr marL="720000" lvl="2" indent="0">
+              <a:buNone/>
+            </a:pPr>
+            <a:r>
+              <a:rPr lang="en-CH" dirty="0"/>
+              <a:t>Alcohol consumption</a:t>
+            </a:r>
+            <a:endParaRPr lang="fr-BE" dirty="0"/>
+          </a:p>
+          <a:p>
+            <a:pPr marL="720000" lvl="2" indent="0">
+              <a:buNone/>
+            </a:pPr>
+            <a:endParaRPr lang="en-CH" dirty="0"/>
+          </a:p>
+          <a:p>
+            <a:pPr marL="720000" lvl="2" indent="0">
+              <a:buNone/>
+            </a:pPr>
+            <a:r>
+              <a:rPr lang="en-CH" dirty="0"/>
+              <a:t>Unemployment rate</a:t>
+            </a:r>
+            <a:endParaRPr lang="fr-BE" dirty="0"/>
+          </a:p>
+          <a:p>
+            <a:pPr marL="720000" lvl="2" indent="0">
+              <a:buNone/>
+            </a:pPr>
+            <a:endParaRPr lang="en-CH" dirty="0"/>
+          </a:p>
+          <a:p>
+            <a:pPr marL="720000" lvl="2" indent="0">
+              <a:buNone/>
+            </a:pPr>
+            <a:r>
+              <a:rPr lang="en-CH" dirty="0"/>
+              <a:t>Population</a:t>
+            </a:r>
+          </a:p>
+          <a:p>
+            <a:endParaRPr lang="fr-BE" dirty="0"/>
+          </a:p>
+        </p:txBody>
+      </p:sp>
+      <p:sp>
+        <p:nvSpPr>
           <p:cNvPr id="2" name="Title 1">
             <a:extLst>
               <a:ext uri="{FF2B5EF4-FFF2-40B4-BE49-F238E27FC236}">
@@ -6156,15 +7259,7 @@
           <a:p>
             <a:r>
               <a:rPr lang="en-CH" dirty="0"/>
-              <a:t>Source</a:t>
-            </a:r>
-            <a:r>
-              <a:rPr lang="en-US" dirty="0"/>
-              <a:t>S</a:t>
-            </a:r>
-            <a:r>
-              <a:rPr lang="en-CH" dirty="0"/>
-              <a:t> of data</a:t>
+              <a:t>Source of the data</a:t>
             </a:r>
           </a:p>
         </p:txBody>
@@ -6185,9 +7280,16 @@
             <p:ph idx="1"/>
           </p:nvPr>
         </p:nvSpPr>
-        <p:spPr/>
+        <p:spPr>
+          <a:xfrm>
+            <a:off x="1079499" y="1773849"/>
+            <a:ext cx="10191475" cy="1789044"/>
+          </a:xfrm>
+        </p:spPr>
         <p:txBody>
-          <a:bodyPr/>
+          <a:bodyPr>
+            <a:noAutofit/>
+          </a:bodyPr>
           <a:lstStyle/>
           <a:p>
             <a:r>
@@ -6198,15 +7300,7 @@
           <a:p>
             <a:r>
               <a:rPr lang="en-CH" dirty="0"/>
-              <a:t>REST </a:t>
-            </a:r>
-            <a:r>
-              <a:rPr lang="en-US" dirty="0"/>
-              <a:t>Countries a</a:t>
-            </a:r>
-            <a:r>
-              <a:rPr lang="en-CH" dirty="0"/>
-              <a:t>lpha2 country codes</a:t>
+              <a:t>REST Alpha2 country codes</a:t>
             </a:r>
           </a:p>
           <a:p>
@@ -6214,40 +7308,170 @@
               <a:rPr lang="en-CH" dirty="0"/>
               <a:t>Additional data from the World Bank API</a:t>
             </a:r>
-          </a:p>
-          <a:p>
-            <a:pPr lvl="2"/>
-            <a:r>
-              <a:rPr lang="en-CH" dirty="0"/>
-              <a:t>Smoking</a:t>
-            </a:r>
-          </a:p>
-          <a:p>
-            <a:pPr lvl="2"/>
-            <a:r>
-              <a:rPr lang="en-CH" dirty="0"/>
-              <a:t>Alcohol consumption</a:t>
-            </a:r>
-          </a:p>
-          <a:p>
-            <a:pPr lvl="2"/>
-            <a:r>
-              <a:rPr lang="en-CH" dirty="0"/>
-              <a:t>Unemployment rate</a:t>
-            </a:r>
-          </a:p>
-          <a:p>
-            <a:pPr lvl="2"/>
-            <a:r>
-              <a:rPr lang="en-CH" dirty="0"/>
-              <a:t>Population</a:t>
-            </a:r>
-          </a:p>
-          <a:p>
+            <a:endParaRPr lang="fr-BE" dirty="0"/>
+          </a:p>
+          <a:p>
+            <a:pPr marL="0" indent="0">
+              <a:buNone/>
+            </a:pPr>
+            <a:endParaRPr lang="en-CH" dirty="0"/>
+          </a:p>
+          <a:p>
+            <a:pPr marL="720000" lvl="2" indent="0">
+              <a:buNone/>
+            </a:pPr>
+            <a:r>
+              <a:rPr lang="fr-BE" dirty="0"/>
+              <a:t>	</a:t>
+            </a:r>
             <a:endParaRPr lang="en-CH" dirty="0"/>
           </a:p>
         </p:txBody>
       </p:sp>
+      <p:pic>
+        <p:nvPicPr>
+          <p:cNvPr id="5" name="Graphique 4" descr="Fumer avec un remplissage uni">
+            <a:extLst>
+              <a:ext uri="{FF2B5EF4-FFF2-40B4-BE49-F238E27FC236}">
+                <a16:creationId xmlns:a16="http://schemas.microsoft.com/office/drawing/2014/main" id="{58B91BC7-6B03-4E71-8992-AAA29DE663E8}"/>
+              </a:ext>
+            </a:extLst>
+          </p:cNvPr>
+          <p:cNvPicPr>
+            <a:picLocks noChangeAspect="1"/>
+          </p:cNvPicPr>
+          <p:nvPr/>
+        </p:nvPicPr>
+        <p:blipFill>
+          <a:blip r:embed="rId2">
+            <a:extLst>
+              <a:ext uri="{96DAC541-7B7A-43D3-8B79-37D633B846F1}">
+                <asvg:svgBlip xmlns:asvg="http://schemas.microsoft.com/office/drawing/2016/SVG/main" r:embed="rId3"/>
+              </a:ext>
+            </a:extLst>
+          </a:blip>
+          <a:stretch>
+            <a:fillRect/>
+          </a:stretch>
+        </p:blipFill>
+        <p:spPr>
+          <a:xfrm>
+            <a:off x="3303365" y="3489912"/>
+            <a:ext cx="371060" cy="371060"/>
+          </a:xfrm>
+          <a:prstGeom prst="rect">
+            <a:avLst/>
+          </a:prstGeom>
+        </p:spPr>
+      </p:pic>
+      <p:pic>
+        <p:nvPicPr>
+          <p:cNvPr id="9" name="Graphique 8" descr="Vin avec un remplissage uni">
+            <a:extLst>
+              <a:ext uri="{FF2B5EF4-FFF2-40B4-BE49-F238E27FC236}">
+                <a16:creationId xmlns:a16="http://schemas.microsoft.com/office/drawing/2014/main" id="{554F1E2F-EA6E-49E8-B039-3E058F4FEA6F}"/>
+              </a:ext>
+            </a:extLst>
+          </p:cNvPr>
+          <p:cNvPicPr>
+            <a:picLocks noChangeAspect="1"/>
+          </p:cNvPicPr>
+          <p:nvPr/>
+        </p:nvPicPr>
+        <p:blipFill>
+          <a:blip r:embed="rId4">
+            <a:extLst>
+              <a:ext uri="{96DAC541-7B7A-43D3-8B79-37D633B846F1}">
+                <asvg:svgBlip xmlns:asvg="http://schemas.microsoft.com/office/drawing/2016/SVG/main" r:embed="rId5"/>
+              </a:ext>
+            </a:extLst>
+          </a:blip>
+          <a:stretch>
+            <a:fillRect/>
+          </a:stretch>
+        </p:blipFill>
+        <p:spPr>
+          <a:xfrm>
+            <a:off x="3263757" y="4103351"/>
+            <a:ext cx="371061" cy="371061"/>
+          </a:xfrm>
+          <a:prstGeom prst="rect">
+            <a:avLst/>
+          </a:prstGeom>
+        </p:spPr>
+      </p:pic>
+      <p:pic>
+        <p:nvPicPr>
+          <p:cNvPr id="11" name="Graphique 10" descr="Groupe de personnes avec un remplissage uni">
+            <a:extLst>
+              <a:ext uri="{FF2B5EF4-FFF2-40B4-BE49-F238E27FC236}">
+                <a16:creationId xmlns:a16="http://schemas.microsoft.com/office/drawing/2014/main" id="{34C82069-B69D-45E4-BB29-C2F9F73B0921}"/>
+              </a:ext>
+            </a:extLst>
+          </p:cNvPr>
+          <p:cNvPicPr>
+            <a:picLocks noChangeAspect="1"/>
+          </p:cNvPicPr>
+          <p:nvPr/>
+        </p:nvPicPr>
+        <p:blipFill>
+          <a:blip r:embed="rId6">
+            <a:extLst>
+              <a:ext uri="{96DAC541-7B7A-43D3-8B79-37D633B846F1}">
+                <asvg:svgBlip xmlns:asvg="http://schemas.microsoft.com/office/drawing/2016/SVG/main" r:embed="rId7"/>
+              </a:ext>
+            </a:extLst>
+          </a:blip>
+          <a:stretch>
+            <a:fillRect/>
+          </a:stretch>
+        </p:blipFill>
+        <p:spPr>
+          <a:xfrm>
+            <a:off x="3303365" y="5222084"/>
+            <a:ext cx="316397" cy="316397"/>
+          </a:xfrm>
+          <a:prstGeom prst="rect">
+            <a:avLst/>
+          </a:prstGeom>
+        </p:spPr>
+      </p:pic>
+      <p:pic>
+        <p:nvPicPr>
+          <p:cNvPr id="13" name="Graphique 12" descr="Porte-bloc avec un remplissage uni">
+            <a:extLst>
+              <a:ext uri="{FF2B5EF4-FFF2-40B4-BE49-F238E27FC236}">
+                <a16:creationId xmlns:a16="http://schemas.microsoft.com/office/drawing/2014/main" id="{4FFA1226-875E-45DD-B204-F49E99CAD61B}"/>
+              </a:ext>
+            </a:extLst>
+          </p:cNvPr>
+          <p:cNvPicPr>
+            <a:picLocks noChangeAspect="1"/>
+          </p:cNvPicPr>
+          <p:nvPr/>
+        </p:nvPicPr>
+        <p:blipFill>
+          <a:blip r:embed="rId8">
+            <a:extLst>
+              <a:ext uri="{96DAC541-7B7A-43D3-8B79-37D633B846F1}">
+                <asvg:svgBlip xmlns:asvg="http://schemas.microsoft.com/office/drawing/2016/SVG/main" r:embed="rId9"/>
+              </a:ext>
+            </a:extLst>
+          </a:blip>
+          <a:stretch>
+            <a:fillRect/>
+          </a:stretch>
+        </p:blipFill>
+        <p:spPr>
+          <a:xfrm>
+            <a:off x="3293574" y="4667184"/>
+            <a:ext cx="311426" cy="311426"/>
+          </a:xfrm>
+          <a:prstGeom prst="rect">
+            <a:avLst/>
+          </a:prstGeom>
+        </p:spPr>
+      </p:pic>
     </p:spTree>
     <p:extLst>
       <p:ext uri="{BB962C8B-B14F-4D97-AF65-F5344CB8AC3E}">
@@ -6301,15 +7525,7 @@
           <a:p>
             <a:r>
               <a:rPr lang="en-CH" dirty="0"/>
-              <a:t>Data</a:t>
-            </a:r>
-            <a:r>
-              <a:rPr lang="en-US" dirty="0"/>
-              <a:t> RESOURCE</a:t>
-            </a:r>
-            <a:r>
-              <a:rPr lang="en-CH" dirty="0"/>
-              <a:t> infrastructure</a:t>
+              <a:t>Data infrastructure</a:t>
             </a:r>
           </a:p>
         </p:txBody>
@@ -6332,19 +7548,19 @@
         </p:nvSpPr>
         <p:spPr>
           <a:xfrm>
-            <a:off x="1079500" y="1790700"/>
-            <a:ext cx="10026650" cy="4725510"/>
+            <a:off x="710543" y="1868487"/>
+            <a:ext cx="10026650" cy="3978275"/>
           </a:xfrm>
         </p:spPr>
         <p:txBody>
           <a:bodyPr>
-            <a:normAutofit/>
+            <a:noAutofit/>
           </a:bodyPr>
           <a:lstStyle/>
           <a:p>
             <a:r>
               <a:rPr lang="en-CH" dirty="0"/>
-              <a:t>Loaded the original dataset into</a:t>
+              <a:t>Load the original dataset into</a:t>
             </a:r>
             <a:r>
               <a:rPr lang="en-US" dirty="0"/>
@@ -6379,7 +7595,15 @@
           <a:p>
             <a:r>
               <a:rPr lang="en-CH" dirty="0"/>
-              <a:t>Realized </a:t>
+              <a:t>Reali</a:t>
+            </a:r>
+            <a:r>
+              <a:rPr lang="fr-BE" dirty="0"/>
+              <a:t>se</a:t>
+            </a:r>
+            <a:r>
+              <a:rPr lang="en-CH" dirty="0"/>
+              <a:t> </a:t>
             </a:r>
             <a:r>
               <a:rPr lang="en-US" dirty="0"/>
@@ -6394,7 +7618,7 @@
             <a:pPr lvl="2"/>
             <a:r>
               <a:rPr lang="en-US" dirty="0"/>
-              <a:t>Turned to hosting - new</a:t>
+              <a:t>Turn to hosting - new</a:t>
             </a:r>
             <a:r>
               <a:rPr lang="en-CH" dirty="0"/>
@@ -6417,21 +7641,21 @@
             <a:pPr lvl="2"/>
             <a:r>
               <a:rPr lang="en-US" dirty="0"/>
-              <a:t>Created dump and importing data &amp; structure in MySQL Workbench</a:t>
+              <a:t>Create dump and importing data &amp; structure in MySQL Workbench</a:t>
             </a:r>
           </a:p>
           <a:p>
             <a:pPr lvl="2"/>
             <a:r>
               <a:rPr lang="en-US" dirty="0"/>
-              <a:t>Created grader user with read only rights (only selects allowed)</a:t>
+              <a:t>Create grader user with read only rights (only selects allowed)</a:t>
             </a:r>
             <a:endParaRPr lang="en-CH" dirty="0"/>
           </a:p>
           <a:p>
             <a:r>
               <a:rPr lang="en-US" dirty="0"/>
-              <a:t>Used</a:t>
+              <a:t>Use</a:t>
             </a:r>
             <a:r>
               <a:rPr lang="en-CH" dirty="0"/>
@@ -6453,18 +7677,13 @@
           <a:p>
             <a:r>
               <a:rPr lang="en-US" dirty="0"/>
-              <a:t>Used World Bank’s API to </a:t>
-            </a:r>
-            <a:r>
-              <a:rPr lang="en-US"/>
-              <a:t>enrich our data</a:t>
-            </a:r>
-            <a:endParaRPr lang="en-US" dirty="0"/>
+              <a:t>Use World Bank’s API to enrich our data</a:t>
+            </a:r>
           </a:p>
           <a:p>
             <a:r>
               <a:rPr lang="en-CH" dirty="0"/>
-              <a:t>Used an </a:t>
+              <a:t>Use an </a:t>
             </a:r>
             <a:r>
               <a:rPr lang="en-CH" i="1" dirty="0"/>
@@ -6508,6 +7727,42 @@
           </a:p>
         </p:txBody>
       </p:sp>
+      <p:pic>
+        <p:nvPicPr>
+          <p:cNvPr id="7" name="Graphique 6" descr="Charger avec un remplissage uni">
+            <a:extLst>
+              <a:ext uri="{FF2B5EF4-FFF2-40B4-BE49-F238E27FC236}">
+                <a16:creationId xmlns:a16="http://schemas.microsoft.com/office/drawing/2014/main" id="{486018CE-DEE5-45B7-8239-F8C9E237E2ED}"/>
+              </a:ext>
+            </a:extLst>
+          </p:cNvPr>
+          <p:cNvPicPr>
+            <a:picLocks noChangeAspect="1"/>
+          </p:cNvPicPr>
+          <p:nvPr/>
+        </p:nvPicPr>
+        <p:blipFill>
+          <a:blip r:embed="rId2">
+            <a:extLst>
+              <a:ext uri="{96DAC541-7B7A-43D3-8B79-37D633B846F1}">
+                <asvg:svgBlip xmlns:asvg="http://schemas.microsoft.com/office/drawing/2016/SVG/main" r:embed="rId3"/>
+              </a:ext>
+            </a:extLst>
+          </a:blip>
+          <a:stretch>
+            <a:fillRect/>
+          </a:stretch>
+        </p:blipFill>
+        <p:spPr>
+          <a:xfrm>
+            <a:off x="9702350" y="0"/>
+            <a:ext cx="2056726" cy="2056726"/>
+          </a:xfrm>
+          <a:prstGeom prst="rect">
+            <a:avLst/>
+          </a:prstGeom>
+        </p:spPr>
+      </p:pic>
     </p:spTree>
     <p:extLst>
       <p:ext uri="{BB962C8B-B14F-4D97-AF65-F5344CB8AC3E}">
@@ -6588,25 +7843,25 @@
         </p:nvSpPr>
         <p:spPr>
           <a:xfrm>
-            <a:off x="1079500" y="1790700"/>
-            <a:ext cx="10026650" cy="4414791"/>
+            <a:off x="787086" y="2065880"/>
+            <a:ext cx="10026650" cy="3978275"/>
           </a:xfrm>
         </p:spPr>
         <p:txBody>
           <a:bodyPr>
-            <a:normAutofit/>
+            <a:noAutofit/>
           </a:bodyPr>
           <a:lstStyle/>
           <a:p>
             <a:r>
               <a:rPr lang="en-US" dirty="0"/>
-              <a:t>Connected to MySQL DB hosted on AWS</a:t>
+              <a:t>Connect to MySQL DB hosted on AWS</a:t>
             </a:r>
           </a:p>
           <a:p>
             <a:r>
               <a:rPr lang="en-US" dirty="0"/>
-              <a:t>Used the </a:t>
+              <a:t>Use the </a:t>
             </a:r>
             <a:r>
               <a:rPr lang="en-CH" dirty="0"/>
@@ -6621,7 +7876,7 @@
           <a:p>
             <a:r>
               <a:rPr lang="en-US" dirty="0"/>
-              <a:t>Mapped codes to countries with a j</a:t>
+              <a:t>Mapp codes to countries with a j</a:t>
             </a:r>
             <a:r>
               <a:rPr lang="en-CH" dirty="0"/>
@@ -6667,14 +7922,14 @@
             <a:pPr lvl="2"/>
             <a:r>
               <a:rPr lang="en-US" dirty="0"/>
-              <a:t>Used loop construction, conditional branching and list to table transformation)</a:t>
+              <a:t>Use loop construction, conditional branching and list to table transformation)</a:t>
             </a:r>
           </a:p>
           <a:p>
             <a:pPr lvl="2"/>
             <a:r>
               <a:rPr lang="en-US" dirty="0"/>
-              <a:t>Extracting last and earliest years in core data to v</a:t>
+              <a:t>Extract last and earliest years in core data to v</a:t>
             </a:r>
             <a:r>
               <a:rPr lang="en-CH" dirty="0"/>
@@ -6682,12 +7937,323 @@
             </a:r>
             <a:r>
               <a:rPr lang="en-US" dirty="0"/>
-              <a:t> to plug into the URL.</a:t>
+              <a:t> to plug into the URL (to improve efficiency)</a:t>
             </a:r>
             <a:endParaRPr lang="en-CH" dirty="0"/>
+          </a:p>
+          <a:p>
+            <a:endParaRPr lang="en-GB" dirty="0"/>
           </a:p>
         </p:txBody>
       </p:sp>
+      <p:sp>
+        <p:nvSpPr>
+          <p:cNvPr id="5" name="Cylindre 4">
+            <a:extLst>
+              <a:ext uri="{FF2B5EF4-FFF2-40B4-BE49-F238E27FC236}">
+                <a16:creationId xmlns:a16="http://schemas.microsoft.com/office/drawing/2014/main" id="{C216866E-D7CA-4B90-A6A4-3831A052367A}"/>
+              </a:ext>
+            </a:extLst>
+          </p:cNvPr>
+          <p:cNvSpPr/>
+          <p:nvPr/>
+        </p:nvSpPr>
+        <p:spPr>
+          <a:xfrm>
+            <a:off x="7174363" y="912342"/>
+            <a:ext cx="825135" cy="568637"/>
+          </a:xfrm>
+          <a:prstGeom prst="can">
+            <a:avLst/>
+          </a:prstGeom>
+          <a:solidFill>
+            <a:schemeClr val="tx1"/>
+          </a:solidFill>
+          <a:ln>
+            <a:solidFill>
+              <a:schemeClr val="tx1">
+                <a:lumMod val="75000"/>
+              </a:schemeClr>
+            </a:solidFill>
+          </a:ln>
+        </p:spPr>
+        <p:style>
+          <a:lnRef idx="2">
+            <a:schemeClr val="accent1">
+              <a:shade val="50000"/>
+            </a:schemeClr>
+          </a:lnRef>
+          <a:fillRef idx="1">
+            <a:schemeClr val="accent1"/>
+          </a:fillRef>
+          <a:effectRef idx="0">
+            <a:schemeClr val="accent1"/>
+          </a:effectRef>
+          <a:fontRef idx="minor">
+            <a:schemeClr val="lt1"/>
+          </a:fontRef>
+        </p:style>
+        <p:txBody>
+          <a:bodyPr rtlCol="0" anchor="ctr"/>
+          <a:lstStyle/>
+          <a:p>
+            <a:pPr algn="ctr"/>
+            <a:endParaRPr lang="fr-BE"/>
+          </a:p>
+        </p:txBody>
+      </p:sp>
+      <p:sp>
+        <p:nvSpPr>
+          <p:cNvPr id="6" name="Cylindre 5">
+            <a:extLst>
+              <a:ext uri="{FF2B5EF4-FFF2-40B4-BE49-F238E27FC236}">
+                <a16:creationId xmlns:a16="http://schemas.microsoft.com/office/drawing/2014/main" id="{04DB4C4E-949C-48A7-BC00-6290530329FA}"/>
+              </a:ext>
+            </a:extLst>
+          </p:cNvPr>
+          <p:cNvSpPr/>
+          <p:nvPr/>
+        </p:nvSpPr>
+        <p:spPr>
+          <a:xfrm>
+            <a:off x="10401169" y="912342"/>
+            <a:ext cx="825135" cy="590718"/>
+          </a:xfrm>
+          <a:prstGeom prst="can">
+            <a:avLst/>
+          </a:prstGeom>
+          <a:solidFill>
+            <a:schemeClr val="tx1"/>
+          </a:solidFill>
+          <a:ln>
+            <a:solidFill>
+              <a:schemeClr val="tx1">
+                <a:lumMod val="75000"/>
+              </a:schemeClr>
+            </a:solidFill>
+          </a:ln>
+        </p:spPr>
+        <p:style>
+          <a:lnRef idx="2">
+            <a:schemeClr val="accent1">
+              <a:shade val="50000"/>
+            </a:schemeClr>
+          </a:lnRef>
+          <a:fillRef idx="1">
+            <a:schemeClr val="accent1"/>
+          </a:fillRef>
+          <a:effectRef idx="0">
+            <a:schemeClr val="accent1"/>
+          </a:effectRef>
+          <a:fontRef idx="minor">
+            <a:schemeClr val="lt1"/>
+          </a:fontRef>
+        </p:style>
+        <p:txBody>
+          <a:bodyPr rtlCol="0" anchor="ctr"/>
+          <a:lstStyle/>
+          <a:p>
+            <a:pPr algn="ctr"/>
+            <a:endParaRPr lang="fr-BE"/>
+          </a:p>
+        </p:txBody>
+      </p:sp>
+      <p:sp>
+        <p:nvSpPr>
+          <p:cNvPr id="7" name="Rectangle 6">
+            <a:extLst>
+              <a:ext uri="{FF2B5EF4-FFF2-40B4-BE49-F238E27FC236}">
+                <a16:creationId xmlns:a16="http://schemas.microsoft.com/office/drawing/2014/main" id="{CAB80B8B-21E0-4536-9128-F192D33C818E}"/>
+              </a:ext>
+            </a:extLst>
+          </p:cNvPr>
+          <p:cNvSpPr/>
+          <p:nvPr/>
+        </p:nvSpPr>
+        <p:spPr>
+          <a:xfrm>
+            <a:off x="8745796" y="952711"/>
+            <a:ext cx="807028" cy="487898"/>
+          </a:xfrm>
+          <a:prstGeom prst="rect">
+            <a:avLst/>
+          </a:prstGeom>
+          <a:solidFill>
+            <a:schemeClr val="tx1"/>
+          </a:solidFill>
+          <a:ln>
+            <a:solidFill>
+              <a:schemeClr val="tx1"/>
+            </a:solidFill>
+          </a:ln>
+        </p:spPr>
+        <p:style>
+          <a:lnRef idx="2">
+            <a:schemeClr val="accent1">
+              <a:shade val="50000"/>
+            </a:schemeClr>
+          </a:lnRef>
+          <a:fillRef idx="1">
+            <a:schemeClr val="accent1"/>
+          </a:fillRef>
+          <a:effectRef idx="0">
+            <a:schemeClr val="accent1"/>
+          </a:effectRef>
+          <a:fontRef idx="minor">
+            <a:schemeClr val="lt1"/>
+          </a:fontRef>
+        </p:style>
+        <p:txBody>
+          <a:bodyPr rtlCol="0" anchor="ctr"/>
+          <a:lstStyle/>
+          <a:p>
+            <a:pPr algn="ctr"/>
+            <a:endParaRPr lang="fr-BE"/>
+          </a:p>
+        </p:txBody>
+      </p:sp>
+      <p:sp>
+        <p:nvSpPr>
+          <p:cNvPr id="8" name="Flèche : droite 7">
+            <a:extLst>
+              <a:ext uri="{FF2B5EF4-FFF2-40B4-BE49-F238E27FC236}">
+                <a16:creationId xmlns:a16="http://schemas.microsoft.com/office/drawing/2014/main" id="{7A6FB6C3-7A81-47B3-B943-9D6F1981EB5D}"/>
+              </a:ext>
+            </a:extLst>
+          </p:cNvPr>
+          <p:cNvSpPr/>
+          <p:nvPr/>
+        </p:nvSpPr>
+        <p:spPr>
+          <a:xfrm>
+            <a:off x="7642506" y="1575879"/>
+            <a:ext cx="3013608" cy="354731"/>
+          </a:xfrm>
+          <a:prstGeom prst="rightArrow">
+            <a:avLst/>
+          </a:prstGeom>
+          <a:solidFill>
+            <a:schemeClr val="tx1"/>
+          </a:solidFill>
+          <a:ln>
+            <a:solidFill>
+              <a:schemeClr val="tx1"/>
+            </a:solidFill>
+          </a:ln>
+        </p:spPr>
+        <p:style>
+          <a:lnRef idx="2">
+            <a:schemeClr val="accent1">
+              <a:shade val="50000"/>
+            </a:schemeClr>
+          </a:lnRef>
+          <a:fillRef idx="1">
+            <a:schemeClr val="accent1"/>
+          </a:fillRef>
+          <a:effectRef idx="0">
+            <a:schemeClr val="accent1"/>
+          </a:effectRef>
+          <a:fontRef idx="minor">
+            <a:schemeClr val="lt1"/>
+          </a:fontRef>
+        </p:style>
+        <p:txBody>
+          <a:bodyPr rtlCol="0" anchor="ctr"/>
+          <a:lstStyle/>
+          <a:p>
+            <a:pPr algn="ctr"/>
+            <a:endParaRPr lang="fr-BE"/>
+          </a:p>
+        </p:txBody>
+      </p:sp>
+      <p:cxnSp>
+        <p:nvCxnSpPr>
+          <p:cNvPr id="11" name="Connecteur droit avec flèche 10">
+            <a:extLst>
+              <a:ext uri="{FF2B5EF4-FFF2-40B4-BE49-F238E27FC236}">
+                <a16:creationId xmlns:a16="http://schemas.microsoft.com/office/drawing/2014/main" id="{C9A2BF19-552A-477A-877D-0013CEEF76DA}"/>
+              </a:ext>
+            </a:extLst>
+          </p:cNvPr>
+          <p:cNvCxnSpPr>
+            <a:cxnSpLocks/>
+          </p:cNvCxnSpPr>
+          <p:nvPr/>
+        </p:nvCxnSpPr>
+        <p:spPr>
+          <a:xfrm>
+            <a:off x="8252526" y="1196660"/>
+            <a:ext cx="373116" cy="0"/>
+          </a:xfrm>
+          <a:prstGeom prst="straightConnector1">
+            <a:avLst/>
+          </a:prstGeom>
+          <a:ln>
+            <a:solidFill>
+              <a:schemeClr val="tx1"/>
+            </a:solidFill>
+            <a:tailEnd type="triangle"/>
+          </a:ln>
+        </p:spPr>
+        <p:style>
+          <a:lnRef idx="1">
+            <a:schemeClr val="accent1"/>
+          </a:lnRef>
+          <a:fillRef idx="0">
+            <a:schemeClr val="accent1"/>
+          </a:fillRef>
+          <a:effectRef idx="0">
+            <a:schemeClr val="accent1"/>
+          </a:effectRef>
+          <a:fontRef idx="minor">
+            <a:schemeClr val="tx1"/>
+          </a:fontRef>
+        </p:style>
+      </p:cxnSp>
+      <p:cxnSp>
+        <p:nvCxnSpPr>
+          <p:cNvPr id="15" name="Connecteur droit avec flèche 14">
+            <a:extLst>
+              <a:ext uri="{FF2B5EF4-FFF2-40B4-BE49-F238E27FC236}">
+                <a16:creationId xmlns:a16="http://schemas.microsoft.com/office/drawing/2014/main" id="{9111B6B4-AD03-426A-9A53-86B6F109678E}"/>
+              </a:ext>
+            </a:extLst>
+          </p:cNvPr>
+          <p:cNvCxnSpPr>
+            <a:cxnSpLocks/>
+          </p:cNvCxnSpPr>
+          <p:nvPr/>
+        </p:nvCxnSpPr>
+        <p:spPr>
+          <a:xfrm>
+            <a:off x="9747840" y="1223960"/>
+            <a:ext cx="373116" cy="0"/>
+          </a:xfrm>
+          <a:prstGeom prst="straightConnector1">
+            <a:avLst/>
+          </a:prstGeom>
+          <a:ln>
+            <a:solidFill>
+              <a:schemeClr val="tx1"/>
+            </a:solidFill>
+            <a:tailEnd type="triangle"/>
+          </a:ln>
+        </p:spPr>
+        <p:style>
+          <a:lnRef idx="1">
+            <a:schemeClr val="accent1"/>
+          </a:lnRef>
+          <a:fillRef idx="0">
+            <a:schemeClr val="accent1"/>
+          </a:fillRef>
+          <a:effectRef idx="0">
+            <a:schemeClr val="accent1"/>
+          </a:effectRef>
+          <a:fontRef idx="minor">
+            <a:schemeClr val="tx1"/>
+          </a:fontRef>
+        </p:style>
+      </p:cxnSp>
     </p:spTree>
     <p:extLst>
       <p:ext uri="{BB962C8B-B14F-4D97-AF65-F5344CB8AC3E}">
@@ -6766,20 +8332,33 @@
             <p:ph idx="1"/>
           </p:nvPr>
         </p:nvSpPr>
-        <p:spPr/>
+        <p:spPr>
+          <a:xfrm>
+            <a:off x="1079500" y="2073922"/>
+            <a:ext cx="10026650" cy="3978275"/>
+          </a:xfrm>
+        </p:spPr>
         <p:txBody>
           <a:bodyPr/>
           <a:lstStyle/>
           <a:p>
             <a:r>
               <a:rPr lang="en-CH" dirty="0"/>
-              <a:t>Filtered out all missing values</a:t>
+              <a:t>Filtere out all missing values</a:t>
             </a:r>
           </a:p>
           <a:p>
             <a:r>
               <a:rPr lang="en-CH" dirty="0"/>
-              <a:t>Using a histogram, realized that we mainly have observations for 2010</a:t>
+              <a:t>Using a histogram</a:t>
+            </a:r>
+            <a:r>
+              <a:rPr lang="fr-BE" dirty="0"/>
+              <a:t>           </a:t>
+            </a:r>
+            <a:r>
+              <a:rPr lang="en-CH" dirty="0"/>
+              <a:t>we mainly have observations for 2010</a:t>
             </a:r>
           </a:p>
           <a:p>
@@ -6798,6 +8377,404 @@
           </a:p>
         </p:txBody>
       </p:sp>
+      <p:sp>
+        <p:nvSpPr>
+          <p:cNvPr id="5" name="Arrow: Right 4">
+            <a:extLst>
+              <a:ext uri="{FF2B5EF4-FFF2-40B4-BE49-F238E27FC236}">
+                <a16:creationId xmlns:a16="http://schemas.microsoft.com/office/drawing/2014/main" id="{AC2C4803-181F-41E7-9C54-01A3CC94DDFA}"/>
+              </a:ext>
+            </a:extLst>
+          </p:cNvPr>
+          <p:cNvSpPr/>
+          <p:nvPr/>
+        </p:nvSpPr>
+        <p:spPr>
+          <a:xfrm>
+            <a:off x="3601615" y="2713373"/>
+            <a:ext cx="522515" cy="203557"/>
+          </a:xfrm>
+          <a:prstGeom prst="rightArrow">
+            <a:avLst/>
+          </a:prstGeom>
+          <a:solidFill>
+            <a:schemeClr val="tx1"/>
+          </a:solidFill>
+          <a:ln>
+            <a:solidFill>
+              <a:schemeClr val="tx1"/>
+            </a:solidFill>
+          </a:ln>
+        </p:spPr>
+        <p:style>
+          <a:lnRef idx="2">
+            <a:schemeClr val="accent1">
+              <a:shade val="50000"/>
+            </a:schemeClr>
+          </a:lnRef>
+          <a:fillRef idx="1">
+            <a:schemeClr val="accent1"/>
+          </a:fillRef>
+          <a:effectRef idx="0">
+            <a:schemeClr val="accent1"/>
+          </a:effectRef>
+          <a:fontRef idx="minor">
+            <a:schemeClr val="lt1"/>
+          </a:fontRef>
+        </p:style>
+        <p:txBody>
+          <a:bodyPr rtlCol="0" anchor="ctr"/>
+          <a:lstStyle/>
+          <a:p>
+            <a:pPr algn="ctr"/>
+            <a:endParaRPr lang="LID4096"/>
+          </a:p>
+        </p:txBody>
+      </p:sp>
+      <p:pic>
+        <p:nvPicPr>
+          <p:cNvPr id="6" name="Graphique 5" descr="Serpillière et seau avec un remplissage uni">
+            <a:extLst>
+              <a:ext uri="{FF2B5EF4-FFF2-40B4-BE49-F238E27FC236}">
+                <a16:creationId xmlns:a16="http://schemas.microsoft.com/office/drawing/2014/main" id="{28F7F73B-F9AB-4A8C-B1B5-19BC063864EE}"/>
+              </a:ext>
+            </a:extLst>
+          </p:cNvPr>
+          <p:cNvPicPr>
+            <a:picLocks noChangeAspect="1"/>
+          </p:cNvPicPr>
+          <p:nvPr/>
+        </p:nvPicPr>
+        <p:blipFill>
+          <a:blip r:embed="rId2">
+            <a:extLst>
+              <a:ext uri="{96DAC541-7B7A-43D3-8B79-37D633B846F1}">
+                <asvg:svgBlip xmlns:asvg="http://schemas.microsoft.com/office/drawing/2016/SVG/main" r:embed="rId3"/>
+              </a:ext>
+            </a:extLst>
+          </a:blip>
+          <a:stretch>
+            <a:fillRect/>
+          </a:stretch>
+        </p:blipFill>
+        <p:spPr>
+          <a:xfrm>
+            <a:off x="347956" y="4278609"/>
+            <a:ext cx="2180635" cy="2180635"/>
+          </a:xfrm>
+          <a:prstGeom prst="rect">
+            <a:avLst/>
+          </a:prstGeom>
+        </p:spPr>
+      </p:pic>
+      <p:sp>
+        <p:nvSpPr>
+          <p:cNvPr id="7" name="Content Placeholder 2">
+            <a:extLst>
+              <a:ext uri="{FF2B5EF4-FFF2-40B4-BE49-F238E27FC236}">
+                <a16:creationId xmlns:a16="http://schemas.microsoft.com/office/drawing/2014/main" id="{0C3973B9-F0CF-4274-9398-8FBC1E4A1AF4}"/>
+              </a:ext>
+            </a:extLst>
+          </p:cNvPr>
+          <p:cNvSpPr txBox="1">
+            <a:spLocks/>
+          </p:cNvSpPr>
+          <p:nvPr/>
+        </p:nvSpPr>
+        <p:spPr>
+          <a:xfrm>
+            <a:off x="3508172" y="5153377"/>
+            <a:ext cx="8096926" cy="1797640"/>
+          </a:xfrm>
+          <a:prstGeom prst="rect">
+            <a:avLst/>
+          </a:prstGeom>
+        </p:spPr>
+        <p:txBody>
+          <a:bodyPr vert="horz" lIns="0" tIns="0" rIns="0" bIns="0" rtlCol="0" anchor="t" anchorCtr="0">
+            <a:normAutofit/>
+          </a:bodyPr>
+          <a:lstStyle>
+            <a:lvl1pPr marL="360000" indent="-360000" algn="l" defTabSz="914400" rtl="0" eaLnBrk="1" latinLnBrk="0" hangingPunct="1">
+              <a:lnSpc>
+                <a:spcPct val="125000"/>
+              </a:lnSpc>
+              <a:spcBef>
+                <a:spcPts val="1000"/>
+              </a:spcBef>
+              <a:buClr>
+                <a:schemeClr val="accent1">
+                  <a:lumMod val="60000"/>
+                  <a:lumOff val="40000"/>
+                </a:schemeClr>
+              </a:buClr>
+              <a:buFont typeface="Wingdings" panose="05000000000000000000" pitchFamily="2" charset="2"/>
+              <a:buChar char=""/>
+              <a:defRPr sz="2000" kern="1200">
+                <a:solidFill>
+                  <a:schemeClr val="tx1">
+                    <a:alpha val="70000"/>
+                  </a:schemeClr>
+                </a:solidFill>
+                <a:latin typeface="+mn-lt"/>
+                <a:ea typeface="+mn-ea"/>
+                <a:cs typeface="+mn-cs"/>
+              </a:defRPr>
+            </a:lvl1pPr>
+            <a:lvl2pPr marL="360000" indent="0" algn="l" defTabSz="914400" rtl="0" eaLnBrk="1" latinLnBrk="0" hangingPunct="1">
+              <a:lnSpc>
+                <a:spcPct val="125000"/>
+              </a:lnSpc>
+              <a:spcBef>
+                <a:spcPts val="500"/>
+              </a:spcBef>
+              <a:buClr>
+                <a:schemeClr val="accent1">
+                  <a:lumMod val="60000"/>
+                  <a:lumOff val="40000"/>
+                </a:schemeClr>
+              </a:buClr>
+              <a:buFontTx/>
+              <a:buNone/>
+              <a:defRPr sz="2000" i="1" kern="1200">
+                <a:solidFill>
+                  <a:schemeClr val="tx1">
+                    <a:alpha val="70000"/>
+                  </a:schemeClr>
+                </a:solidFill>
+                <a:latin typeface="+mn-lt"/>
+                <a:ea typeface="+mn-ea"/>
+                <a:cs typeface="+mn-cs"/>
+              </a:defRPr>
+            </a:lvl2pPr>
+            <a:lvl3pPr marL="1080000" indent="-360000" algn="l" defTabSz="914400" rtl="0" eaLnBrk="1" latinLnBrk="0" hangingPunct="1">
+              <a:lnSpc>
+                <a:spcPct val="125000"/>
+              </a:lnSpc>
+              <a:spcBef>
+                <a:spcPts val="500"/>
+              </a:spcBef>
+              <a:buClr>
+                <a:schemeClr val="accent1">
+                  <a:lumMod val="60000"/>
+                  <a:lumOff val="40000"/>
+                </a:schemeClr>
+              </a:buClr>
+              <a:buFont typeface="Wingdings" panose="05000000000000000000" pitchFamily="2" charset="2"/>
+              <a:buChar char=""/>
+              <a:defRPr sz="2000" kern="1200">
+                <a:solidFill>
+                  <a:schemeClr val="tx1">
+                    <a:alpha val="70000"/>
+                  </a:schemeClr>
+                </a:solidFill>
+                <a:latin typeface="+mn-lt"/>
+                <a:ea typeface="+mn-ea"/>
+                <a:cs typeface="+mn-cs"/>
+              </a:defRPr>
+            </a:lvl3pPr>
+            <a:lvl4pPr marL="1080000" indent="0" algn="l" defTabSz="914400" rtl="0" eaLnBrk="1" latinLnBrk="0" hangingPunct="1">
+              <a:lnSpc>
+                <a:spcPct val="125000"/>
+              </a:lnSpc>
+              <a:spcBef>
+                <a:spcPts val="500"/>
+              </a:spcBef>
+              <a:buClr>
+                <a:schemeClr val="accent1">
+                  <a:lumMod val="60000"/>
+                  <a:lumOff val="40000"/>
+                </a:schemeClr>
+              </a:buClr>
+              <a:buFontTx/>
+              <a:buNone/>
+              <a:defRPr sz="2000" i="1" kern="1200">
+                <a:solidFill>
+                  <a:schemeClr val="tx1">
+                    <a:alpha val="70000"/>
+                  </a:schemeClr>
+                </a:solidFill>
+                <a:latin typeface="+mn-lt"/>
+                <a:ea typeface="+mn-ea"/>
+                <a:cs typeface="+mn-cs"/>
+              </a:defRPr>
+            </a:lvl4pPr>
+            <a:lvl5pPr marL="1800000" indent="-360000" algn="l" defTabSz="914400" rtl="0" eaLnBrk="1" latinLnBrk="0" hangingPunct="1">
+              <a:lnSpc>
+                <a:spcPct val="125000"/>
+              </a:lnSpc>
+              <a:spcBef>
+                <a:spcPts val="500"/>
+              </a:spcBef>
+              <a:buClr>
+                <a:schemeClr val="accent1">
+                  <a:lumMod val="60000"/>
+                  <a:lumOff val="40000"/>
+                </a:schemeClr>
+              </a:buClr>
+              <a:buFont typeface="Wingdings" panose="05000000000000000000" pitchFamily="2" charset="2"/>
+              <a:buChar char=""/>
+              <a:defRPr sz="2000" kern="1200">
+                <a:solidFill>
+                  <a:schemeClr val="tx1">
+                    <a:alpha val="70000"/>
+                  </a:schemeClr>
+                </a:solidFill>
+                <a:latin typeface="+mn-lt"/>
+                <a:ea typeface="+mn-ea"/>
+                <a:cs typeface="+mn-cs"/>
+              </a:defRPr>
+            </a:lvl5pPr>
+            <a:lvl6pPr marL="2514600" indent="-228600" algn="l" defTabSz="914400" rtl="0" eaLnBrk="1" latinLnBrk="0" hangingPunct="1">
+              <a:lnSpc>
+                <a:spcPct val="90000"/>
+              </a:lnSpc>
+              <a:spcBef>
+                <a:spcPts val="500"/>
+              </a:spcBef>
+              <a:buFont typeface="Arial" panose="020B0604020202020204" pitchFamily="34" charset="0"/>
+              <a:buChar char="•"/>
+              <a:defRPr sz="1800" kern="1200">
+                <a:solidFill>
+                  <a:schemeClr val="tx1"/>
+                </a:solidFill>
+                <a:latin typeface="+mn-lt"/>
+                <a:ea typeface="+mn-ea"/>
+                <a:cs typeface="+mn-cs"/>
+              </a:defRPr>
+            </a:lvl6pPr>
+            <a:lvl7pPr marL="2971800" indent="-228600" algn="l" defTabSz="914400" rtl="0" eaLnBrk="1" latinLnBrk="0" hangingPunct="1">
+              <a:lnSpc>
+                <a:spcPct val="90000"/>
+              </a:lnSpc>
+              <a:spcBef>
+                <a:spcPts val="500"/>
+              </a:spcBef>
+              <a:buFont typeface="Arial" panose="020B0604020202020204" pitchFamily="34" charset="0"/>
+              <a:buChar char="•"/>
+              <a:defRPr sz="1800" kern="1200">
+                <a:solidFill>
+                  <a:schemeClr val="tx1"/>
+                </a:solidFill>
+                <a:latin typeface="+mn-lt"/>
+                <a:ea typeface="+mn-ea"/>
+                <a:cs typeface="+mn-cs"/>
+              </a:defRPr>
+            </a:lvl7pPr>
+            <a:lvl8pPr marL="3429000" indent="-228600" algn="l" defTabSz="914400" rtl="0" eaLnBrk="1" latinLnBrk="0" hangingPunct="1">
+              <a:lnSpc>
+                <a:spcPct val="90000"/>
+              </a:lnSpc>
+              <a:spcBef>
+                <a:spcPts val="500"/>
+              </a:spcBef>
+              <a:buFont typeface="Arial" panose="020B0604020202020204" pitchFamily="34" charset="0"/>
+              <a:buChar char="•"/>
+              <a:defRPr sz="1800" kern="1200">
+                <a:solidFill>
+                  <a:schemeClr val="tx1"/>
+                </a:solidFill>
+                <a:latin typeface="+mn-lt"/>
+                <a:ea typeface="+mn-ea"/>
+                <a:cs typeface="+mn-cs"/>
+              </a:defRPr>
+            </a:lvl8pPr>
+            <a:lvl9pPr marL="3886200" indent="-228600" algn="l" defTabSz="914400" rtl="0" eaLnBrk="1" latinLnBrk="0" hangingPunct="1">
+              <a:lnSpc>
+                <a:spcPct val="90000"/>
+              </a:lnSpc>
+              <a:spcBef>
+                <a:spcPts val="500"/>
+              </a:spcBef>
+              <a:buFont typeface="Arial" panose="020B0604020202020204" pitchFamily="34" charset="0"/>
+              <a:buChar char="•"/>
+              <a:defRPr sz="1800" kern="1200">
+                <a:solidFill>
+                  <a:schemeClr val="tx1"/>
+                </a:solidFill>
+                <a:latin typeface="+mn-lt"/>
+                <a:ea typeface="+mn-ea"/>
+                <a:cs typeface="+mn-cs"/>
+              </a:defRPr>
+            </a:lvl9pPr>
+          </a:lstStyle>
+          <a:p>
+            <a:r>
+              <a:rPr lang="fr-BE" dirty="0"/>
+              <a:t>All the </a:t>
+            </a:r>
+            <a:r>
+              <a:rPr lang="fr-BE" dirty="0" err="1"/>
+              <a:t>analysis</a:t>
+            </a:r>
+            <a:r>
+              <a:rPr lang="fr-BE" dirty="0"/>
+              <a:t> and </a:t>
+            </a:r>
+            <a:r>
+              <a:rPr lang="fr-BE" dirty="0" err="1"/>
+              <a:t>visualization</a:t>
+            </a:r>
+            <a:r>
+              <a:rPr lang="fr-BE" dirty="0"/>
+              <a:t> </a:t>
+            </a:r>
+            <a:r>
+              <a:rPr lang="fr-BE" dirty="0" err="1"/>
+              <a:t>concern</a:t>
+            </a:r>
+            <a:r>
+              <a:rPr lang="fr-BE" dirty="0"/>
+              <a:t> </a:t>
+            </a:r>
+            <a:r>
+              <a:rPr lang="fr-BE" dirty="0" err="1"/>
+              <a:t>only</a:t>
+            </a:r>
+            <a:r>
+              <a:rPr lang="fr-BE" dirty="0"/>
+              <a:t> 2010 </a:t>
+            </a:r>
+            <a:endParaRPr lang="en-CH" dirty="0"/>
+          </a:p>
+        </p:txBody>
+      </p:sp>
+      <p:pic>
+        <p:nvPicPr>
+          <p:cNvPr id="8" name="Graphic 7">
+            <a:extLst>
+              <a:ext uri="{FF2B5EF4-FFF2-40B4-BE49-F238E27FC236}">
+                <a16:creationId xmlns:a16="http://schemas.microsoft.com/office/drawing/2014/main" id="{4EB35777-286B-4907-A73D-A9D9E639E2C7}"/>
+              </a:ext>
+            </a:extLst>
+          </p:cNvPr>
+          <p:cNvPicPr>
+            <a:picLocks noChangeAspect="1"/>
+          </p:cNvPicPr>
+          <p:nvPr/>
+        </p:nvPicPr>
+        <p:blipFill>
+          <a:blip r:embed="rId4">
+            <a:extLst>
+              <a:ext uri="{96DAC541-7B7A-43D3-8B79-37D633B846F1}">
+                <asvg:svgBlip xmlns:asvg="http://schemas.microsoft.com/office/drawing/2016/SVG/main" r:embed="rId5"/>
+              </a:ext>
+            </a:extLst>
+          </a:blip>
+          <a:stretch>
+            <a:fillRect/>
+          </a:stretch>
+        </p:blipFill>
+        <p:spPr>
+          <a:xfrm>
+            <a:off x="10404197" y="5123983"/>
+            <a:ext cx="489885" cy="489885"/>
+          </a:xfrm>
+          <a:prstGeom prst="rect">
+            <a:avLst/>
+          </a:prstGeom>
+        </p:spPr>
+      </p:pic>
     </p:spTree>
     <p:extLst>
       <p:ext uri="{BB962C8B-B14F-4D97-AF65-F5344CB8AC3E}">
@@ -6851,17 +8828,17 @@
           <a:p>
             <a:r>
               <a:rPr lang="en-CH" dirty="0"/>
-              <a:t>Data Visualization – general facts</a:t>
+              <a:t>Data Visualization – general fact</a:t>
             </a:r>
           </a:p>
         </p:txBody>
       </p:sp>
       <p:sp>
         <p:nvSpPr>
-          <p:cNvPr id="3" name="Content Placeholder 2">
-            <a:extLst>
-              <a:ext uri="{FF2B5EF4-FFF2-40B4-BE49-F238E27FC236}">
-                <a16:creationId xmlns:a16="http://schemas.microsoft.com/office/drawing/2014/main" id="{DFD53EBE-FA6A-124E-B515-930E691D4221}"/>
+          <p:cNvPr id="6" name="Espace réservé du contenu 5">
+            <a:extLst>
+              <a:ext uri="{FF2B5EF4-FFF2-40B4-BE49-F238E27FC236}">
+                <a16:creationId xmlns:a16="http://schemas.microsoft.com/office/drawing/2014/main" id="{5E7A9578-F3B8-44E3-96A2-2520FD09EACF}"/>
               </a:ext>
             </a:extLst>
           </p:cNvPr>
@@ -6872,15 +8849,257 @@
             <p:ph idx="1"/>
           </p:nvPr>
         </p:nvSpPr>
-        <p:spPr/>
+        <p:spPr>
+          <a:xfrm>
+            <a:off x="843023" y="1666875"/>
+            <a:ext cx="10026650" cy="3978275"/>
+          </a:xfrm>
+        </p:spPr>
         <p:txBody>
           <a:bodyPr/>
           <a:lstStyle/>
           <a:p>
-            <a:endParaRPr lang="en-CH"/>
+            <a:r>
+              <a:rPr lang="en-GB" dirty="0"/>
+              <a:t>N</a:t>
+            </a:r>
+            <a:r>
+              <a:rPr lang="fr-BE" dirty="0"/>
+              <a:t>o significative </a:t>
+            </a:r>
+            <a:r>
+              <a:rPr lang="fr-BE" dirty="0" err="1"/>
+              <a:t>differences</a:t>
+            </a:r>
+            <a:r>
+              <a:rPr lang="fr-BE" dirty="0"/>
+              <a:t> in the </a:t>
+            </a:r>
+            <a:r>
+              <a:rPr lang="fr-BE" dirty="0" err="1"/>
+              <a:t>tendancy</a:t>
+            </a:r>
+            <a:r>
+              <a:rPr lang="fr-BE" dirty="0"/>
+              <a:t> </a:t>
+            </a:r>
+            <a:r>
+              <a:rPr lang="fr-BE" dirty="0" err="1"/>
+              <a:t>between</a:t>
+            </a:r>
+            <a:r>
+              <a:rPr lang="fr-BE" dirty="0"/>
+              <a:t> man and </a:t>
+            </a:r>
+            <a:r>
+              <a:rPr lang="fr-BE" dirty="0" err="1"/>
+              <a:t>women</a:t>
+            </a:r>
+            <a:r>
+              <a:rPr lang="fr-BE" dirty="0"/>
+              <a:t> in the relation </a:t>
+            </a:r>
+            <a:r>
+              <a:rPr lang="fr-BE" dirty="0" err="1"/>
+              <a:t>between</a:t>
+            </a:r>
+            <a:r>
+              <a:rPr lang="fr-BE" dirty="0"/>
+              <a:t> </a:t>
+            </a:r>
+            <a:r>
+              <a:rPr lang="fr-BE" dirty="0" err="1"/>
+              <a:t>alcohol</a:t>
+            </a:r>
+            <a:r>
+              <a:rPr lang="fr-BE" dirty="0"/>
+              <a:t> </a:t>
+            </a:r>
+            <a:r>
+              <a:rPr lang="fr-BE" dirty="0" err="1"/>
+              <a:t>consumption</a:t>
+            </a:r>
+            <a:r>
+              <a:rPr lang="fr-BE" dirty="0"/>
+              <a:t> or smoking </a:t>
+            </a:r>
+            <a:r>
+              <a:rPr lang="fr-BE" dirty="0" err="1"/>
+              <a:t>habbits</a:t>
+            </a:r>
+            <a:r>
+              <a:rPr lang="fr-BE" dirty="0"/>
+              <a:t> and suicides</a:t>
+            </a:r>
+          </a:p>
+          <a:p>
+            <a:r>
+              <a:rPr lang="fr-BE" dirty="0"/>
+              <a:t>Exemple </a:t>
+            </a:r>
+            <a:r>
+              <a:rPr lang="fr-BE" dirty="0" err="1"/>
+              <a:t>with</a:t>
+            </a:r>
+            <a:r>
+              <a:rPr lang="fr-BE" dirty="0"/>
+              <a:t> smoking </a:t>
+            </a:r>
+            <a:r>
+              <a:rPr lang="fr-BE" dirty="0" err="1"/>
+              <a:t>habbits</a:t>
+            </a:r>
+            <a:r>
+              <a:rPr lang="fr-BE" dirty="0"/>
+              <a:t> </a:t>
+            </a:r>
+            <a:endParaRPr lang="en-CH" dirty="0"/>
+          </a:p>
+          <a:p>
+            <a:endParaRPr lang="fr-BE" dirty="0"/>
           </a:p>
         </p:txBody>
       </p:sp>
+      <p:pic>
+        <p:nvPicPr>
+          <p:cNvPr id="4" name="Graphic 3">
+            <a:extLst>
+              <a:ext uri="{FF2B5EF4-FFF2-40B4-BE49-F238E27FC236}">
+                <a16:creationId xmlns:a16="http://schemas.microsoft.com/office/drawing/2014/main" id="{35674C78-CEFB-4BB7-B1EC-E9305DD35E2E}"/>
+              </a:ext>
+            </a:extLst>
+          </p:cNvPr>
+          <p:cNvPicPr>
+            <a:picLocks noChangeAspect="1"/>
+          </p:cNvPicPr>
+          <p:nvPr/>
+        </p:nvPicPr>
+        <p:blipFill>
+          <a:blip r:embed="rId2">
+            <a:extLst>
+              <a:ext uri="{96DAC541-7B7A-43D3-8B79-37D633B846F1}">
+                <asvg:svgBlip xmlns:asvg="http://schemas.microsoft.com/office/drawing/2016/SVG/main" r:embed="rId3"/>
+              </a:ext>
+            </a:extLst>
+          </a:blip>
+          <a:stretch>
+            <a:fillRect/>
+          </a:stretch>
+        </p:blipFill>
+        <p:spPr>
+          <a:xfrm>
+            <a:off x="843023" y="3115714"/>
+            <a:ext cx="4808133" cy="3606099"/>
+          </a:xfrm>
+          <a:prstGeom prst="rect">
+            <a:avLst/>
+          </a:prstGeom>
+        </p:spPr>
+      </p:pic>
+      <p:pic>
+        <p:nvPicPr>
+          <p:cNvPr id="7" name="Graphique 4" descr="Masculin avec un remplissage uni">
+            <a:extLst>
+              <a:ext uri="{FF2B5EF4-FFF2-40B4-BE49-F238E27FC236}">
+                <a16:creationId xmlns:a16="http://schemas.microsoft.com/office/drawing/2014/main" id="{244FE8BC-EADB-4052-A394-68CBA730A0D7}"/>
+              </a:ext>
+            </a:extLst>
+          </p:cNvPr>
+          <p:cNvPicPr>
+            <a:picLocks noChangeAspect="1"/>
+          </p:cNvPicPr>
+          <p:nvPr/>
+        </p:nvPicPr>
+        <p:blipFill>
+          <a:blip r:embed="rId4">
+            <a:extLst>
+              <a:ext uri="{96DAC541-7B7A-43D3-8B79-37D633B846F1}">
+                <asvg:svgBlip xmlns:asvg="http://schemas.microsoft.com/office/drawing/2016/SVG/main" r:embed="rId5"/>
+              </a:ext>
+            </a:extLst>
+          </a:blip>
+          <a:stretch>
+            <a:fillRect/>
+          </a:stretch>
+        </p:blipFill>
+        <p:spPr>
+          <a:xfrm>
+            <a:off x="0" y="4190713"/>
+            <a:ext cx="914400" cy="914400"/>
+          </a:xfrm>
+          <a:prstGeom prst="rect">
+            <a:avLst/>
+          </a:prstGeom>
+        </p:spPr>
+      </p:pic>
+      <p:pic>
+        <p:nvPicPr>
+          <p:cNvPr id="8" name="Image 6">
+            <a:extLst>
+              <a:ext uri="{FF2B5EF4-FFF2-40B4-BE49-F238E27FC236}">
+                <a16:creationId xmlns:a16="http://schemas.microsoft.com/office/drawing/2014/main" id="{265DB0E3-D2C9-4FBA-9157-E963BAF1CE6F}"/>
+              </a:ext>
+            </a:extLst>
+          </p:cNvPr>
+          <p:cNvPicPr>
+            <a:picLocks noChangeAspect="1"/>
+          </p:cNvPicPr>
+          <p:nvPr/>
+        </p:nvPicPr>
+        <p:blipFill>
+          <a:blip r:embed="rId6">
+            <a:lum bright="70000" contrast="-70000"/>
+          </a:blip>
+          <a:stretch>
+            <a:fillRect/>
+          </a:stretch>
+        </p:blipFill>
+        <p:spPr>
+          <a:xfrm>
+            <a:off x="11431374" y="4190274"/>
+            <a:ext cx="819993" cy="819993"/>
+          </a:xfrm>
+          <a:prstGeom prst="rect">
+            <a:avLst/>
+          </a:prstGeom>
+        </p:spPr>
+      </p:pic>
+      <p:pic>
+        <p:nvPicPr>
+          <p:cNvPr id="9" name="Graphic 8">
+            <a:extLst>
+              <a:ext uri="{FF2B5EF4-FFF2-40B4-BE49-F238E27FC236}">
+                <a16:creationId xmlns:a16="http://schemas.microsoft.com/office/drawing/2014/main" id="{32A849C7-8C29-4D1E-8BA1-36F5A8CA24C5}"/>
+              </a:ext>
+            </a:extLst>
+          </p:cNvPr>
+          <p:cNvPicPr>
+            <a:picLocks noChangeAspect="1"/>
+          </p:cNvPicPr>
+          <p:nvPr/>
+        </p:nvPicPr>
+        <p:blipFill>
+          <a:blip r:embed="rId7">
+            <a:extLst>
+              <a:ext uri="{96DAC541-7B7A-43D3-8B79-37D633B846F1}">
+                <asvg:svgBlip xmlns:asvg="http://schemas.microsoft.com/office/drawing/2016/SVG/main" r:embed="rId8"/>
+              </a:ext>
+            </a:extLst>
+          </a:blip>
+          <a:stretch>
+            <a:fillRect/>
+          </a:stretch>
+        </p:blipFill>
+        <p:spPr>
+          <a:xfrm>
+            <a:off x="6540846" y="3103671"/>
+            <a:ext cx="4808133" cy="3606100"/>
+          </a:xfrm>
+          <a:prstGeom prst="rect">
+            <a:avLst/>
+          </a:prstGeom>
+        </p:spPr>
+      </p:pic>
     </p:spTree>
     <p:extLst>
       <p:ext uri="{BB962C8B-B14F-4D97-AF65-F5344CB8AC3E}">
@@ -6916,7 +9135,7 @@
           <p:cNvPr id="2" name="Title 1">
             <a:extLst>
               <a:ext uri="{FF2B5EF4-FFF2-40B4-BE49-F238E27FC236}">
-                <a16:creationId xmlns:a16="http://schemas.microsoft.com/office/drawing/2014/main" id="{17E55584-FB6A-4849-A517-FD0D7867BEBE}"/>
+                <a16:creationId xmlns:a16="http://schemas.microsoft.com/office/drawing/2014/main" id="{23BCB6AC-DD57-1149-9F51-4B12017360A7}"/>
               </a:ext>
             </a:extLst>
           </p:cNvPr>
@@ -6929,16 +9148,14 @@
         </p:nvSpPr>
         <p:spPr/>
         <p:txBody>
-          <a:bodyPr/>
+          <a:bodyPr>
+            <a:normAutofit/>
+          </a:bodyPr>
           <a:lstStyle/>
           <a:p>
             <a:r>
-              <a:rPr lang="en-GB" dirty="0"/>
-              <a:t>D</a:t>
-            </a:r>
-            <a:r>
               <a:rPr lang="en-CH" dirty="0"/>
-              <a:t>ata visualization – total population</a:t>
+              <a:t>Data visualization – by Gender</a:t>
             </a:r>
           </a:p>
         </p:txBody>
@@ -6948,7 +9165,7 @@
           <p:cNvPr id="3" name="Content Placeholder 2">
             <a:extLst>
               <a:ext uri="{FF2B5EF4-FFF2-40B4-BE49-F238E27FC236}">
-                <a16:creationId xmlns:a16="http://schemas.microsoft.com/office/drawing/2014/main" id="{3C0078EF-FEBB-FE42-A669-368F88BDC1FB}"/>
+                <a16:creationId xmlns:a16="http://schemas.microsoft.com/office/drawing/2014/main" id="{79A9425A-062D-D545-A18A-44226D2EBAD3}"/>
               </a:ext>
             </a:extLst>
           </p:cNvPr>
@@ -6961,64 +9178,128 @@
         </p:nvSpPr>
         <p:spPr/>
         <p:txBody>
-          <a:bodyPr/>
+          <a:bodyPr>
+            <a:noAutofit/>
+          </a:bodyPr>
           <a:lstStyle/>
           <a:p>
             <a:r>
+              <a:rPr lang="en-CH" dirty="0"/>
+              <a:t>Some of the variables had a division by gender</a:t>
+            </a:r>
+          </a:p>
+          <a:p>
+            <a:r>
+              <a:rPr lang="en-CH" dirty="0"/>
+              <a:t>Smoking has no correlation to number of suicides</a:t>
+            </a:r>
+          </a:p>
+          <a:p>
+            <a:pPr lvl="2"/>
+            <a:r>
+              <a:rPr lang="en-CH" dirty="0"/>
+              <a:t>Average smokers larger tandancy to commit suicid</a:t>
+            </a:r>
+            <a:r>
+              <a:rPr lang="fr-BE" dirty="0"/>
+              <a:t>e</a:t>
+            </a:r>
+          </a:p>
+          <a:p>
+            <a:r>
+              <a:rPr lang="en-CH" dirty="0"/>
+              <a:t>There is a small amount of correlation between unemployment and number of suicides but almost neglegable</a:t>
+            </a:r>
+          </a:p>
+          <a:p>
+            <a:r>
               <a:rPr lang="en-GB" dirty="0"/>
-              <a:t>T</a:t>
-            </a:r>
+              <a:t>For alcohol we decided to do a log-log analysis</a:t>
+            </a:r>
+            <a:endParaRPr lang="en-CH" dirty="0"/>
+          </a:p>
+          <a:p>
+            <a:pPr lvl="2"/>
             <a:r>
               <a:rPr lang="en-CH" dirty="0"/>
-              <a:t>wo variables that encompased the whole population</a:t>
-            </a:r>
-          </a:p>
-          <a:p>
-            <a:pPr lvl="2"/>
-            <a:r>
-              <a:rPr lang="en-CH" dirty="0"/>
-              <a:t>GPD per Capita</a:t>
-            </a:r>
-          </a:p>
-          <a:p>
-            <a:pPr lvl="2"/>
-            <a:r>
-              <a:rPr lang="en-CH" dirty="0"/>
-              <a:t>Population</a:t>
-            </a:r>
-          </a:p>
-          <a:p>
-            <a:r>
-              <a:rPr lang="en-CH" dirty="0"/>
-              <a:t>Population graph straight forward</a:t>
-            </a:r>
-          </a:p>
-          <a:p>
-            <a:pPr lvl="2"/>
-            <a:r>
-              <a:rPr lang="en-CH" dirty="0"/>
-              <a:t>No clear correlation but some connection</a:t>
-            </a:r>
-          </a:p>
-          <a:p>
-            <a:r>
-              <a:rPr lang="en-CH" dirty="0"/>
-              <a:t>Decided to do a log-log transformation for GDP per Capita</a:t>
-            </a:r>
-          </a:p>
-          <a:p>
-            <a:pPr lvl="2"/>
-            <a:r>
-              <a:rPr lang="en-CH" dirty="0"/>
-              <a:t>Absolutely no correlation between GDP per Capita and number of suicides</a:t>
-            </a:r>
+              <a:t>Definite correlation between alcohol consumption and suicide rate</a:t>
+            </a:r>
+            <a:endParaRPr lang="en-GB" dirty="0"/>
           </a:p>
         </p:txBody>
       </p:sp>
+      <p:pic>
+        <p:nvPicPr>
+          <p:cNvPr id="5" name="Graphique 4" descr="Masculin avec un remplissage uni">
+            <a:extLst>
+              <a:ext uri="{FF2B5EF4-FFF2-40B4-BE49-F238E27FC236}">
+                <a16:creationId xmlns:a16="http://schemas.microsoft.com/office/drawing/2014/main" id="{42B60995-2E26-457F-913F-8B9AC3FE8913}"/>
+              </a:ext>
+            </a:extLst>
+          </p:cNvPr>
+          <p:cNvPicPr>
+            <a:picLocks noChangeAspect="1"/>
+          </p:cNvPicPr>
+          <p:nvPr/>
+        </p:nvPicPr>
+        <p:blipFill>
+          <a:blip r:embed="rId2">
+            <a:extLst>
+              <a:ext uri="{96DAC541-7B7A-43D3-8B79-37D633B846F1}">
+                <asvg:svgBlip xmlns:asvg="http://schemas.microsoft.com/office/drawing/2016/SVG/main" r:embed="rId3"/>
+              </a:ext>
+            </a:extLst>
+          </a:blip>
+          <a:stretch>
+            <a:fillRect/>
+          </a:stretch>
+        </p:blipFill>
+        <p:spPr>
+          <a:xfrm>
+            <a:off x="9371757" y="679028"/>
+            <a:ext cx="914400" cy="914400"/>
+          </a:xfrm>
+          <a:prstGeom prst="rect">
+            <a:avLst/>
+          </a:prstGeom>
+        </p:spPr>
+      </p:pic>
+      <p:pic>
+        <p:nvPicPr>
+          <p:cNvPr id="7" name="Image 6">
+            <a:extLst>
+              <a:ext uri="{FF2B5EF4-FFF2-40B4-BE49-F238E27FC236}">
+                <a16:creationId xmlns:a16="http://schemas.microsoft.com/office/drawing/2014/main" id="{A5AC15E0-82C0-46F7-B4F8-180A39E42F93}"/>
+              </a:ext>
+            </a:extLst>
+          </p:cNvPr>
+          <p:cNvPicPr>
+            <a:picLocks noChangeAspect="1"/>
+          </p:cNvPicPr>
+          <p:nvPr/>
+        </p:nvPicPr>
+        <p:blipFill>
+          <a:blip r:embed="rId4">
+            <a:lum bright="70000" contrast="-70000"/>
+          </a:blip>
+          <a:stretch>
+            <a:fillRect/>
+          </a:stretch>
+        </p:blipFill>
+        <p:spPr>
+          <a:xfrm>
+            <a:off x="10174387" y="726231"/>
+            <a:ext cx="819993" cy="819993"/>
+          </a:xfrm>
+          <a:prstGeom prst="rect">
+            <a:avLst/>
+          </a:prstGeom>
+        </p:spPr>
+      </p:pic>
     </p:spTree>
     <p:extLst>
       <p:ext uri="{BB962C8B-B14F-4D97-AF65-F5344CB8AC3E}">
-        <p14:creationId xmlns:p14="http://schemas.microsoft.com/office/powerpoint/2010/main" val="407757707"/>
+        <p14:creationId xmlns:p14="http://schemas.microsoft.com/office/powerpoint/2010/main" val="1311002320"/>
       </p:ext>
     </p:extLst>
   </p:cSld>
@@ -7047,10 +9328,112 @@
       </p:grpSpPr>
       <p:sp>
         <p:nvSpPr>
+          <p:cNvPr id="26" name="Title 1">
+            <a:extLst>
+              <a:ext uri="{FF2B5EF4-FFF2-40B4-BE49-F238E27FC236}">
+                <a16:creationId xmlns:a16="http://schemas.microsoft.com/office/drawing/2014/main" id="{46BC7AA3-A385-4696-B6D1-CE09854B2CF0}"/>
+              </a:ext>
+            </a:extLst>
+          </p:cNvPr>
+          <p:cNvSpPr>
+            <a:spLocks noGrp="1"/>
+          </p:cNvSpPr>
+          <p:nvPr>
+            <p:ph type="title"/>
+          </p:nvPr>
+        </p:nvSpPr>
+        <p:spPr>
+          <a:xfrm>
+            <a:off x="294572" y="186440"/>
+            <a:ext cx="10330269" cy="655637"/>
+          </a:xfrm>
+        </p:spPr>
+        <p:txBody>
+          <a:bodyPr>
+            <a:normAutofit/>
+          </a:bodyPr>
+          <a:lstStyle/>
+          <a:p>
+            <a:r>
+              <a:rPr lang="fr-BE" dirty="0"/>
+              <a:t>GRAPH : Suicide BY ALCOHOL CONSUMPTION</a:t>
+            </a:r>
+            <a:endParaRPr lang="en-CH" dirty="0"/>
+          </a:p>
+        </p:txBody>
+      </p:sp>
+      <p:pic>
+        <p:nvPicPr>
+          <p:cNvPr id="3" name="Graphique 2">
+            <a:extLst>
+              <a:ext uri="{FF2B5EF4-FFF2-40B4-BE49-F238E27FC236}">
+                <a16:creationId xmlns:a16="http://schemas.microsoft.com/office/drawing/2014/main" id="{AC7960B4-C771-4733-977F-5245A8752D82}"/>
+              </a:ext>
+            </a:extLst>
+          </p:cNvPr>
+          <p:cNvPicPr>
+            <a:picLocks noChangeAspect="1"/>
+          </p:cNvPicPr>
+          <p:nvPr/>
+        </p:nvPicPr>
+        <p:blipFill>
+          <a:blip r:embed="rId2">
+            <a:extLst>
+              <a:ext uri="{96DAC541-7B7A-43D3-8B79-37D633B846F1}">
+                <asvg:svgBlip xmlns:asvg="http://schemas.microsoft.com/office/drawing/2016/SVG/main" r:embed="rId3"/>
+              </a:ext>
+            </a:extLst>
+          </a:blip>
+          <a:stretch>
+            <a:fillRect/>
+          </a:stretch>
+        </p:blipFill>
+        <p:spPr>
+          <a:xfrm>
+            <a:off x="2399289" y="956560"/>
+            <a:ext cx="7620000" cy="5715000"/>
+          </a:xfrm>
+          <a:prstGeom prst="rect">
+            <a:avLst/>
+          </a:prstGeom>
+        </p:spPr>
+      </p:pic>
+    </p:spTree>
+    <p:extLst>
+      <p:ext uri="{BB962C8B-B14F-4D97-AF65-F5344CB8AC3E}">
+        <p14:creationId xmlns:p14="http://schemas.microsoft.com/office/powerpoint/2010/main" val="2458617161"/>
+      </p:ext>
+    </p:extLst>
+  </p:cSld>
+  <p:clrMapOvr>
+    <a:masterClrMapping/>
+  </p:clrMapOvr>
+</p:sld>
+</file>
+
+<file path=ppt/slides/slide9.xml><?xml version="1.0" encoding="utf-8"?>
+<p:sld xmlns:a="http://schemas.openxmlformats.org/drawingml/2006/main" xmlns:r="http://schemas.openxmlformats.org/officeDocument/2006/relationships" xmlns:p="http://schemas.openxmlformats.org/presentationml/2006/main">
+  <p:cSld>
+    <p:spTree>
+      <p:nvGrpSpPr>
+        <p:cNvPr id="1" name=""/>
+        <p:cNvGrpSpPr/>
+        <p:nvPr/>
+      </p:nvGrpSpPr>
+      <p:grpSpPr>
+        <a:xfrm>
+          <a:off x="0" y="0"/>
+          <a:ext cx="0" cy="0"/>
+          <a:chOff x="0" y="0"/>
+          <a:chExt cx="0" cy="0"/>
+        </a:xfrm>
+      </p:grpSpPr>
+      <p:sp>
+        <p:nvSpPr>
           <p:cNvPr id="2" name="Title 1">
             <a:extLst>
               <a:ext uri="{FF2B5EF4-FFF2-40B4-BE49-F238E27FC236}">
-                <a16:creationId xmlns:a16="http://schemas.microsoft.com/office/drawing/2014/main" id="{23BCB6AC-DD57-1149-9F51-4B12017360A7}"/>
+                <a16:creationId xmlns:a16="http://schemas.microsoft.com/office/drawing/2014/main" id="{17E55584-FB6A-4849-A517-FD0D7867BEBE}"/>
               </a:ext>
             </a:extLst>
           </p:cNvPr>
@@ -7063,14 +9446,16 @@
         </p:nvSpPr>
         <p:spPr/>
         <p:txBody>
-          <a:bodyPr>
-            <a:normAutofit/>
-          </a:bodyPr>
+          <a:bodyPr/>
           <a:lstStyle/>
           <a:p>
             <a:r>
+              <a:rPr lang="en-GB" dirty="0"/>
+              <a:t>D</a:t>
+            </a:r>
+            <a:r>
               <a:rPr lang="en-CH" dirty="0"/>
-              <a:t>Data visualization – by Gender</a:t>
+              <a:t>ata visualization – total population</a:t>
             </a:r>
           </a:p>
         </p:txBody>
@@ -7080,7 +9465,7 @@
           <p:cNvPr id="3" name="Content Placeholder 2">
             <a:extLst>
               <a:ext uri="{FF2B5EF4-FFF2-40B4-BE49-F238E27FC236}">
-                <a16:creationId xmlns:a16="http://schemas.microsoft.com/office/drawing/2014/main" id="{79A9425A-062D-D545-A18A-44226D2EBAD3}"/>
+                <a16:creationId xmlns:a16="http://schemas.microsoft.com/office/drawing/2014/main" id="{3C0078EF-FEBB-FE42-A669-368F88BDC1FB}"/>
               </a:ext>
             </a:extLst>
           </p:cNvPr>
@@ -7091,56 +9476,107 @@
             <p:ph idx="1"/>
           </p:nvPr>
         </p:nvSpPr>
-        <p:spPr/>
+        <p:spPr>
+          <a:xfrm>
+            <a:off x="1050587" y="1809345"/>
+            <a:ext cx="10055563" cy="3959630"/>
+          </a:xfrm>
+        </p:spPr>
         <p:txBody>
           <a:bodyPr/>
           <a:lstStyle/>
           <a:p>
             <a:r>
+              <a:rPr lang="en-GB" dirty="0"/>
+              <a:t>T</a:t>
+            </a:r>
+            <a:r>
               <a:rPr lang="en-CH" dirty="0"/>
-              <a:t>Some of the variables had a division by gender</a:t>
-            </a:r>
-          </a:p>
-          <a:p>
+              <a:t>wo variables that encompased the whole population</a:t>
+            </a:r>
+          </a:p>
+          <a:p>
+            <a:pPr lvl="2"/>
             <a:r>
               <a:rPr lang="en-CH" dirty="0"/>
-              <a:t>Smoking has no correlation to number of suicides</a:t>
+              <a:t>GPD per Capita</a:t>
             </a:r>
           </a:p>
           <a:p>
             <a:pPr lvl="2"/>
             <a:r>
               <a:rPr lang="en-CH" dirty="0"/>
-              <a:t>Average smokers larger tandancy to commit suicide</a:t>
+              <a:t>Population</a:t>
             </a:r>
           </a:p>
           <a:p>
             <a:r>
               <a:rPr lang="en-CH" dirty="0"/>
-              <a:t>There is a small amount of correlation between unemployment and number of suicides but almost neglegable</a:t>
-            </a:r>
-          </a:p>
-          <a:p>
-            <a:r>
-              <a:rPr lang="en-GB" dirty="0"/>
-              <a:t>For alcohol we decided to do a log-log analysis</a:t>
-            </a:r>
-            <a:endParaRPr lang="en-CH" dirty="0"/>
+              <a:t>Population graph straight forward</a:t>
+            </a:r>
           </a:p>
           <a:p>
             <a:pPr lvl="2"/>
             <a:r>
               <a:rPr lang="en-CH" dirty="0"/>
-              <a:t>Definite correlation between alcohol consumption and suicide rate</a:t>
-            </a:r>
-            <a:endParaRPr lang="en-GB" dirty="0"/>
+              <a:t>No clear correlation but some connection</a:t>
+            </a:r>
+          </a:p>
+          <a:p>
+            <a:r>
+              <a:rPr lang="en-CH" dirty="0"/>
+              <a:t>Decided to do a log-log transformation for GDP per Capita</a:t>
+            </a:r>
+          </a:p>
+          <a:p>
+            <a:pPr lvl="2"/>
+            <a:r>
+              <a:rPr lang="en-CH" dirty="0"/>
+              <a:t>Absolutely no correlation between GDP per Capita and number of suicides</a:t>
+            </a:r>
           </a:p>
         </p:txBody>
       </p:sp>
+      <p:pic>
+        <p:nvPicPr>
+          <p:cNvPr id="4" name="Graphique 10" descr="Groupe de personnes avec un remplissage uni">
+            <a:extLst>
+              <a:ext uri="{FF2B5EF4-FFF2-40B4-BE49-F238E27FC236}">
+                <a16:creationId xmlns:a16="http://schemas.microsoft.com/office/drawing/2014/main" id="{C4E9DB58-9007-4346-B049-ED4963C31871}"/>
+              </a:ext>
+            </a:extLst>
+          </p:cNvPr>
+          <p:cNvPicPr>
+            <a:picLocks noChangeAspect="1"/>
+          </p:cNvPicPr>
+          <p:nvPr/>
+        </p:nvPicPr>
+        <p:blipFill>
+          <a:blip r:embed="rId2">
+            <a:extLst>
+              <a:ext uri="{96DAC541-7B7A-43D3-8B79-37D633B846F1}">
+                <asvg:svgBlip xmlns:asvg="http://schemas.microsoft.com/office/drawing/2016/SVG/main" r:embed="rId3"/>
+              </a:ext>
+            </a:extLst>
+          </a:blip>
+          <a:stretch>
+            <a:fillRect/>
+          </a:stretch>
+        </p:blipFill>
+        <p:spPr>
+          <a:xfrm>
+            <a:off x="9013502" y="1603645"/>
+            <a:ext cx="2460287" cy="2460287"/>
+          </a:xfrm>
+          <a:prstGeom prst="rect">
+            <a:avLst/>
+          </a:prstGeom>
+        </p:spPr>
+      </p:pic>
     </p:spTree>
     <p:extLst>
       <p:ext uri="{BB962C8B-B14F-4D97-AF65-F5344CB8AC3E}">
-        <p14:creationId xmlns:p14="http://schemas.microsoft.com/office/powerpoint/2010/main" val="1311002320"/>
+        <p14:creationId xmlns:p14="http://schemas.microsoft.com/office/powerpoint/2010/main" val="407757707"/>
       </p:ext>
     </p:extLst>
   </p:cSld>

--- a/DE2_Term_Presentation.pptx
+++ b/DE2_Term_Presentation.pptx
@@ -4,18 +4,24 @@
   <p:sldMasterIdLst>
     <p:sldMasterId id="2147483686" r:id="rId1"/>
   </p:sldMasterIdLst>
+  <p:notesMasterIdLst>
+    <p:notesMasterId r:id="rId16"/>
+  </p:notesMasterIdLst>
   <p:sldIdLst>
     <p:sldId id="256" r:id="rId2"/>
     <p:sldId id="257" r:id="rId3"/>
     <p:sldId id="258" r:id="rId4"/>
     <p:sldId id="259" r:id="rId5"/>
     <p:sldId id="260" r:id="rId6"/>
-    <p:sldId id="263" r:id="rId7"/>
-    <p:sldId id="262" r:id="rId8"/>
-    <p:sldId id="267" r:id="rId9"/>
-    <p:sldId id="261" r:id="rId10"/>
-    <p:sldId id="265" r:id="rId11"/>
-    <p:sldId id="266" r:id="rId12"/>
+    <p:sldId id="265" r:id="rId7"/>
+    <p:sldId id="266" r:id="rId8"/>
+    <p:sldId id="262" r:id="rId9"/>
+    <p:sldId id="268" r:id="rId10"/>
+    <p:sldId id="270" r:id="rId11"/>
+    <p:sldId id="267" r:id="rId12"/>
+    <p:sldId id="263" r:id="rId13"/>
+    <p:sldId id="261" r:id="rId14"/>
+    <p:sldId id="269" r:id="rId15"/>
   </p:sldIdLst>
   <p:sldSz cx="12192000" cy="6858000"/>
   <p:notesSz cx="6858000" cy="9144000"/>
@@ -125,9 +131,1122 @@
 <file path=ppt/revisionInfo.xml><?xml version="1.0" encoding="utf-8"?>
 <p1510:revInfo xmlns:a="http://schemas.openxmlformats.org/drawingml/2006/main" xmlns:r="http://schemas.openxmlformats.org/officeDocument/2006/relationships" xmlns:p1510="http://schemas.microsoft.com/office/powerpoint/2015/10/main">
   <p1510:revLst>
-    <p1510:client id="{710AC600-54DC-B942-8EBA-223E84510A54}" v="1" dt="2020-12-09T21:29:41.837"/>
+    <p1510:client id="{710AC600-54DC-B942-8EBA-223E84510A54}" v="18" dt="2020-12-11T13:48:43.325"/>
   </p1510:revLst>
 </p1510:revInfo>
+</file>
+
+<file path=ppt/changesInfos/changesInfo1.xml><?xml version="1.0" encoding="utf-8"?>
+<pc:chgInfo xmlns:a="http://schemas.openxmlformats.org/drawingml/2006/main" xmlns:r="http://schemas.openxmlformats.org/officeDocument/2006/relationships" xmlns:ac="http://schemas.microsoft.com/office/drawing/2013/main/command" xmlns:pc="http://schemas.microsoft.com/office/powerpoint/2013/main/command">
+  <pc:docChgLst>
+    <pc:chgData name="Terez Szabo" userId="42e7e467-1161-451a-9926-179cfa22533b" providerId="ADAL" clId="{710AC600-54DC-B942-8EBA-223E84510A54}"/>
+    <pc:docChg chg="undo custSel addSld modSld sldOrd">
+      <pc:chgData name="Terez Szabo" userId="42e7e467-1161-451a-9926-179cfa22533b" providerId="ADAL" clId="{710AC600-54DC-B942-8EBA-223E84510A54}" dt="2020-12-11T13:49:29.438" v="140" actId="729"/>
+      <pc:docMkLst>
+        <pc:docMk/>
+      </pc:docMkLst>
+      <pc:sldChg chg="modSp mod">
+        <pc:chgData name="Terez Szabo" userId="42e7e467-1161-451a-9926-179cfa22533b" providerId="ADAL" clId="{710AC600-54DC-B942-8EBA-223E84510A54}" dt="2020-12-11T13:49:01.035" v="139" actId="1076"/>
+        <pc:sldMkLst>
+          <pc:docMk/>
+          <pc:sldMk cId="407757707" sldId="261"/>
+        </pc:sldMkLst>
+        <pc:spChg chg="mod">
+          <ac:chgData name="Terez Szabo" userId="42e7e467-1161-451a-9926-179cfa22533b" providerId="ADAL" clId="{710AC600-54DC-B942-8EBA-223E84510A54}" dt="2020-12-11T13:48:54.288" v="137" actId="20577"/>
+          <ac:spMkLst>
+            <pc:docMk/>
+            <pc:sldMk cId="407757707" sldId="261"/>
+            <ac:spMk id="3" creationId="{3C0078EF-FEBB-FE42-A669-368F88BDC1FB}"/>
+          </ac:spMkLst>
+        </pc:spChg>
+        <pc:picChg chg="mod">
+          <ac:chgData name="Terez Szabo" userId="42e7e467-1161-451a-9926-179cfa22533b" providerId="ADAL" clId="{710AC600-54DC-B942-8EBA-223E84510A54}" dt="2020-12-11T13:49:01.035" v="139" actId="1076"/>
+          <ac:picMkLst>
+            <pc:docMk/>
+            <pc:sldMk cId="407757707" sldId="261"/>
+            <ac:picMk id="4" creationId="{C4E9DB58-9007-4346-B049-ED4963C31871}"/>
+          </ac:picMkLst>
+        </pc:picChg>
+      </pc:sldChg>
+      <pc:sldChg chg="mod modShow modNotesTx">
+        <pc:chgData name="Terez Szabo" userId="42e7e467-1161-451a-9926-179cfa22533b" providerId="ADAL" clId="{710AC600-54DC-B942-8EBA-223E84510A54}" dt="2020-12-11T13:49:29.438" v="140" actId="729"/>
+        <pc:sldMkLst>
+          <pc:docMk/>
+          <pc:sldMk cId="1311002320" sldId="262"/>
+        </pc:sldMkLst>
+      </pc:sldChg>
+      <pc:sldChg chg="mod ord modShow">
+        <pc:chgData name="Terez Szabo" userId="42e7e467-1161-451a-9926-179cfa22533b" providerId="ADAL" clId="{710AC600-54DC-B942-8EBA-223E84510A54}" dt="2020-12-11T13:38:16.190" v="29" actId="729"/>
+        <pc:sldMkLst>
+          <pc:docMk/>
+          <pc:sldMk cId="103008590" sldId="263"/>
+        </pc:sldMkLst>
+      </pc:sldChg>
+      <pc:sldChg chg="modSp mod ord">
+        <pc:chgData name="Terez Szabo" userId="42e7e467-1161-451a-9926-179cfa22533b" providerId="ADAL" clId="{710AC600-54DC-B942-8EBA-223E84510A54}" dt="2020-12-11T13:38:59.888" v="36" actId="1076"/>
+        <pc:sldMkLst>
+          <pc:docMk/>
+          <pc:sldMk cId="2485647702" sldId="265"/>
+        </pc:sldMkLst>
+        <pc:spChg chg="mod">
+          <ac:chgData name="Terez Szabo" userId="42e7e467-1161-451a-9926-179cfa22533b" providerId="ADAL" clId="{710AC600-54DC-B942-8EBA-223E84510A54}" dt="2020-12-11T13:38:53.688" v="35" actId="179"/>
+          <ac:spMkLst>
+            <pc:docMk/>
+            <pc:sldMk cId="2485647702" sldId="265"/>
+            <ac:spMk id="15" creationId="{7D11FE9C-B6D9-4FDE-9E8E-1C09F5384E63}"/>
+          </ac:spMkLst>
+        </pc:spChg>
+        <pc:picChg chg="mod">
+          <ac:chgData name="Terez Szabo" userId="42e7e467-1161-451a-9926-179cfa22533b" providerId="ADAL" clId="{710AC600-54DC-B942-8EBA-223E84510A54}" dt="2020-12-11T13:38:59.888" v="36" actId="1076"/>
+          <ac:picMkLst>
+            <pc:docMk/>
+            <pc:sldMk cId="2485647702" sldId="265"/>
+            <ac:picMk id="6" creationId="{72BE9715-22CE-47F7-AE40-40300F76B0A7}"/>
+          </ac:picMkLst>
+        </pc:picChg>
+      </pc:sldChg>
+      <pc:sldChg chg="modSp mod ord">
+        <pc:chgData name="Terez Szabo" userId="42e7e467-1161-451a-9926-179cfa22533b" providerId="ADAL" clId="{710AC600-54DC-B942-8EBA-223E84510A54}" dt="2020-12-11T13:39:13.938" v="37" actId="5793"/>
+        <pc:sldMkLst>
+          <pc:docMk/>
+          <pc:sldMk cId="184806501" sldId="266"/>
+        </pc:sldMkLst>
+        <pc:spChg chg="mod">
+          <ac:chgData name="Terez Szabo" userId="42e7e467-1161-451a-9926-179cfa22533b" providerId="ADAL" clId="{710AC600-54DC-B942-8EBA-223E84510A54}" dt="2020-12-11T13:39:13.938" v="37" actId="5793"/>
+          <ac:spMkLst>
+            <pc:docMk/>
+            <pc:sldMk cId="184806501" sldId="266"/>
+            <ac:spMk id="5" creationId="{63F277A9-516D-4900-84BA-7CD79DAE5618}"/>
+          </ac:spMkLst>
+        </pc:spChg>
+      </pc:sldChg>
+      <pc:sldChg chg="addSp delSp modSp mod ord">
+        <pc:chgData name="Terez Szabo" userId="42e7e467-1161-451a-9926-179cfa22533b" providerId="ADAL" clId="{710AC600-54DC-B942-8EBA-223E84510A54}" dt="2020-12-11T13:45:06.932" v="72" actId="1076"/>
+        <pc:sldMkLst>
+          <pc:docMk/>
+          <pc:sldMk cId="2458617161" sldId="267"/>
+        </pc:sldMkLst>
+        <pc:picChg chg="del">
+          <ac:chgData name="Terez Szabo" userId="42e7e467-1161-451a-9926-179cfa22533b" providerId="ADAL" clId="{710AC600-54DC-B942-8EBA-223E84510A54}" dt="2020-12-11T13:43:04.147" v="62" actId="478"/>
+          <ac:picMkLst>
+            <pc:docMk/>
+            <pc:sldMk cId="2458617161" sldId="267"/>
+            <ac:picMk id="3" creationId="{AC7960B4-C771-4733-977F-5245A8752D82}"/>
+          </ac:picMkLst>
+        </pc:picChg>
+        <pc:picChg chg="add del mod">
+          <ac:chgData name="Terez Szabo" userId="42e7e467-1161-451a-9926-179cfa22533b" providerId="ADAL" clId="{710AC600-54DC-B942-8EBA-223E84510A54}" dt="2020-12-11T13:43:25.728" v="65" actId="478"/>
+          <ac:picMkLst>
+            <pc:docMk/>
+            <pc:sldMk cId="2458617161" sldId="267"/>
+            <ac:picMk id="4" creationId="{546B9EF8-B29E-5E46-802A-D1C20268DC9E}"/>
+          </ac:picMkLst>
+        </pc:picChg>
+        <pc:picChg chg="add del mod">
+          <ac:chgData name="Terez Szabo" userId="42e7e467-1161-451a-9926-179cfa22533b" providerId="ADAL" clId="{710AC600-54DC-B942-8EBA-223E84510A54}" dt="2020-12-11T13:43:25.728" v="65" actId="478"/>
+          <ac:picMkLst>
+            <pc:docMk/>
+            <pc:sldMk cId="2458617161" sldId="267"/>
+            <ac:picMk id="5" creationId="{F1BC35B4-DA4B-D842-AFCD-F480EED24D61}"/>
+          </ac:picMkLst>
+        </pc:picChg>
+        <pc:picChg chg="add del mod">
+          <ac:chgData name="Terez Szabo" userId="42e7e467-1161-451a-9926-179cfa22533b" providerId="ADAL" clId="{710AC600-54DC-B942-8EBA-223E84510A54}" dt="2020-12-11T13:43:29.455" v="66" actId="478"/>
+          <ac:picMkLst>
+            <pc:docMk/>
+            <pc:sldMk cId="2458617161" sldId="267"/>
+            <ac:picMk id="6" creationId="{2EBC9290-159A-2848-8E15-C4D5B5C4EB20}"/>
+          </ac:picMkLst>
+        </pc:picChg>
+        <pc:picChg chg="add del mod">
+          <ac:chgData name="Terez Szabo" userId="42e7e467-1161-451a-9926-179cfa22533b" providerId="ADAL" clId="{710AC600-54DC-B942-8EBA-223E84510A54}" dt="2020-12-11T13:44:46.442" v="69" actId="478"/>
+          <ac:picMkLst>
+            <pc:docMk/>
+            <pc:sldMk cId="2458617161" sldId="267"/>
+            <ac:picMk id="7" creationId="{D2532AAA-41A6-2145-8081-89A8500B4AD1}"/>
+          </ac:picMkLst>
+        </pc:picChg>
+        <pc:picChg chg="add del mod">
+          <ac:chgData name="Terez Szabo" userId="42e7e467-1161-451a-9926-179cfa22533b" providerId="ADAL" clId="{710AC600-54DC-B942-8EBA-223E84510A54}" dt="2020-12-11T13:44:33.308" v="68" actId="478"/>
+          <ac:picMkLst>
+            <pc:docMk/>
+            <pc:sldMk cId="2458617161" sldId="267"/>
+            <ac:picMk id="8" creationId="{534F0ABA-2E3E-C948-92AB-66A89F2CED90}"/>
+          </ac:picMkLst>
+        </pc:picChg>
+        <pc:picChg chg="add mod">
+          <ac:chgData name="Terez Szabo" userId="42e7e467-1161-451a-9926-179cfa22533b" providerId="ADAL" clId="{710AC600-54DC-B942-8EBA-223E84510A54}" dt="2020-12-11T13:45:06.932" v="72" actId="1076"/>
+          <ac:picMkLst>
+            <pc:docMk/>
+            <pc:sldMk cId="2458617161" sldId="267"/>
+            <ac:picMk id="10" creationId="{A00C5D16-95A8-D843-AA2E-5BDB4CFB0C55}"/>
+          </ac:picMkLst>
+        </pc:picChg>
+      </pc:sldChg>
+      <pc:sldChg chg="addSp delSp modSp new mod modNotesTx">
+        <pc:chgData name="Terez Szabo" userId="42e7e467-1161-451a-9926-179cfa22533b" providerId="ADAL" clId="{710AC600-54DC-B942-8EBA-223E84510A54}" dt="2020-12-11T13:37:56.371" v="27" actId="404"/>
+        <pc:sldMkLst>
+          <pc:docMk/>
+          <pc:sldMk cId="410148669" sldId="268"/>
+        </pc:sldMkLst>
+        <pc:spChg chg="mod">
+          <ac:chgData name="Terez Szabo" userId="42e7e467-1161-451a-9926-179cfa22533b" providerId="ADAL" clId="{710AC600-54DC-B942-8EBA-223E84510A54}" dt="2020-12-11T13:37:09.100" v="21" actId="27636"/>
+          <ac:spMkLst>
+            <pc:docMk/>
+            <pc:sldMk cId="410148669" sldId="268"/>
+            <ac:spMk id="2" creationId="{8EACBC7C-1508-DE47-9E7A-4F0D2693770C}"/>
+          </ac:spMkLst>
+        </pc:spChg>
+        <pc:spChg chg="del">
+          <ac:chgData name="Terez Szabo" userId="42e7e467-1161-451a-9926-179cfa22533b" providerId="ADAL" clId="{710AC600-54DC-B942-8EBA-223E84510A54}" dt="2020-12-11T13:36:21.825" v="4" actId="478"/>
+          <ac:spMkLst>
+            <pc:docMk/>
+            <pc:sldMk cId="410148669" sldId="268"/>
+            <ac:spMk id="3" creationId="{67B8A6EE-48E1-EE43-AD0D-7C829102044A}"/>
+          </ac:spMkLst>
+        </pc:spChg>
+        <pc:picChg chg="add del mod">
+          <ac:chgData name="Terez Szabo" userId="42e7e467-1161-451a-9926-179cfa22533b" providerId="ADAL" clId="{710AC600-54DC-B942-8EBA-223E84510A54}" dt="2020-12-11T13:36:25.694" v="6" actId="478"/>
+          <ac:picMkLst>
+            <pc:docMk/>
+            <pc:sldMk cId="410148669" sldId="268"/>
+            <ac:picMk id="4" creationId="{0945EE97-E0AF-7445-A86B-CDC15A8FEC38}"/>
+          </ac:picMkLst>
+        </pc:picChg>
+        <pc:picChg chg="add mod">
+          <ac:chgData name="Terez Szabo" userId="42e7e467-1161-451a-9926-179cfa22533b" providerId="ADAL" clId="{710AC600-54DC-B942-8EBA-223E84510A54}" dt="2020-12-11T13:36:42.991" v="8" actId="1076"/>
+          <ac:picMkLst>
+            <pc:docMk/>
+            <pc:sldMk cId="410148669" sldId="268"/>
+            <ac:picMk id="5" creationId="{45C1EB94-6F06-6A4B-A167-8B153ED90168}"/>
+          </ac:picMkLst>
+        </pc:picChg>
+        <pc:picChg chg="add mod">
+          <ac:chgData name="Terez Szabo" userId="42e7e467-1161-451a-9926-179cfa22533b" providerId="ADAL" clId="{710AC600-54DC-B942-8EBA-223E84510A54}" dt="2020-12-11T13:36:42.991" v="8" actId="1076"/>
+          <ac:picMkLst>
+            <pc:docMk/>
+            <pc:sldMk cId="410148669" sldId="268"/>
+            <ac:picMk id="6" creationId="{4A3D1017-638D-6C4D-83BE-9982E5B9A284}"/>
+          </ac:picMkLst>
+        </pc:picChg>
+        <pc:picChg chg="add mod">
+          <ac:chgData name="Terez Szabo" userId="42e7e467-1161-451a-9926-179cfa22533b" providerId="ADAL" clId="{710AC600-54DC-B942-8EBA-223E84510A54}" dt="2020-12-11T13:36:42.991" v="8" actId="1076"/>
+          <ac:picMkLst>
+            <pc:docMk/>
+            <pc:sldMk cId="410148669" sldId="268"/>
+            <ac:picMk id="7" creationId="{F6F2E704-04D9-2644-BE9F-06977A9B5B88}"/>
+          </ac:picMkLst>
+        </pc:picChg>
+        <pc:picChg chg="add mod">
+          <ac:chgData name="Terez Szabo" userId="42e7e467-1161-451a-9926-179cfa22533b" providerId="ADAL" clId="{710AC600-54DC-B942-8EBA-223E84510A54}" dt="2020-12-11T13:36:42.991" v="8" actId="1076"/>
+          <ac:picMkLst>
+            <pc:docMk/>
+            <pc:sldMk cId="410148669" sldId="268"/>
+            <ac:picMk id="8" creationId="{832F28AD-1052-F84F-B277-7D9FC6616F93}"/>
+          </ac:picMkLst>
+        </pc:picChg>
+      </pc:sldChg>
+      <pc:sldChg chg="addSp delSp modSp new mod">
+        <pc:chgData name="Terez Szabo" userId="42e7e467-1161-451a-9926-179cfa22533b" providerId="ADAL" clId="{710AC600-54DC-B942-8EBA-223E84510A54}" dt="2020-12-11T13:46:23.504" v="134" actId="478"/>
+        <pc:sldMkLst>
+          <pc:docMk/>
+          <pc:sldMk cId="1974929923" sldId="269"/>
+        </pc:sldMkLst>
+        <pc:spChg chg="mod">
+          <ac:chgData name="Terez Szabo" userId="42e7e467-1161-451a-9926-179cfa22533b" providerId="ADAL" clId="{710AC600-54DC-B942-8EBA-223E84510A54}" dt="2020-12-11T13:46:12.600" v="132" actId="20577"/>
+          <ac:spMkLst>
+            <pc:docMk/>
+            <pc:sldMk cId="1974929923" sldId="269"/>
+            <ac:spMk id="2" creationId="{5D509755-BF9E-4045-9B1F-A4B620116FAA}"/>
+          </ac:spMkLst>
+        </pc:spChg>
+        <pc:spChg chg="del">
+          <ac:chgData name="Terez Szabo" userId="42e7e467-1161-451a-9926-179cfa22533b" providerId="ADAL" clId="{710AC600-54DC-B942-8EBA-223E84510A54}" dt="2020-12-11T13:46:21.379" v="133" actId="931"/>
+          <ac:spMkLst>
+            <pc:docMk/>
+            <pc:sldMk cId="1974929923" sldId="269"/>
+            <ac:spMk id="3" creationId="{B54BF1EC-BE13-4840-BCAF-726F60D02E59}"/>
+          </ac:spMkLst>
+        </pc:spChg>
+        <pc:spChg chg="add mod">
+          <ac:chgData name="Terez Szabo" userId="42e7e467-1161-451a-9926-179cfa22533b" providerId="ADAL" clId="{710AC600-54DC-B942-8EBA-223E84510A54}" dt="2020-12-11T13:46:23.504" v="134" actId="478"/>
+          <ac:spMkLst>
+            <pc:docMk/>
+            <pc:sldMk cId="1974929923" sldId="269"/>
+            <ac:spMk id="7" creationId="{46C7DCB7-F220-E740-848D-A1693EBB584E}"/>
+          </ac:spMkLst>
+        </pc:spChg>
+        <pc:picChg chg="add del mod">
+          <ac:chgData name="Terez Szabo" userId="42e7e467-1161-451a-9926-179cfa22533b" providerId="ADAL" clId="{710AC600-54DC-B942-8EBA-223E84510A54}" dt="2020-12-11T13:46:23.504" v="134" actId="478"/>
+          <ac:picMkLst>
+            <pc:docMk/>
+            <pc:sldMk cId="1974929923" sldId="269"/>
+            <ac:picMk id="5" creationId="{AD90C1D1-3DED-BA4E-B25A-6AC867D04634}"/>
+          </ac:picMkLst>
+        </pc:picChg>
+      </pc:sldChg>
+      <pc:sldChg chg="addSp delSp modSp add mod">
+        <pc:chgData name="Terez Szabo" userId="42e7e467-1161-451a-9926-179cfa22533b" providerId="ADAL" clId="{710AC600-54DC-B942-8EBA-223E84510A54}" dt="2020-12-11T13:41:35.756" v="61" actId="20577"/>
+        <pc:sldMkLst>
+          <pc:docMk/>
+          <pc:sldMk cId="866707920" sldId="270"/>
+        </pc:sldMkLst>
+        <pc:spChg chg="mod">
+          <ac:chgData name="Terez Szabo" userId="42e7e467-1161-451a-9926-179cfa22533b" providerId="ADAL" clId="{710AC600-54DC-B942-8EBA-223E84510A54}" dt="2020-12-11T13:41:35.756" v="61" actId="20577"/>
+          <ac:spMkLst>
+            <pc:docMk/>
+            <pc:sldMk cId="866707920" sldId="270"/>
+            <ac:spMk id="2" creationId="{8EACBC7C-1508-DE47-9E7A-4F0D2693770C}"/>
+          </ac:spMkLst>
+        </pc:spChg>
+        <pc:picChg chg="add mod">
+          <ac:chgData name="Terez Szabo" userId="42e7e467-1161-451a-9926-179cfa22533b" providerId="ADAL" clId="{710AC600-54DC-B942-8EBA-223E84510A54}" dt="2020-12-11T13:40:51.282" v="43" actId="1076"/>
+          <ac:picMkLst>
+            <pc:docMk/>
+            <pc:sldMk cId="866707920" sldId="270"/>
+            <ac:picMk id="4" creationId="{F02992A0-5B7E-3546-ABD7-49B03CDE3DA8}"/>
+          </ac:picMkLst>
+        </pc:picChg>
+        <pc:picChg chg="del">
+          <ac:chgData name="Terez Szabo" userId="42e7e467-1161-451a-9926-179cfa22533b" providerId="ADAL" clId="{710AC600-54DC-B942-8EBA-223E84510A54}" dt="2020-12-11T13:40:22.458" v="40" actId="478"/>
+          <ac:picMkLst>
+            <pc:docMk/>
+            <pc:sldMk cId="866707920" sldId="270"/>
+            <ac:picMk id="5" creationId="{45C1EB94-6F06-6A4B-A167-8B153ED90168}"/>
+          </ac:picMkLst>
+        </pc:picChg>
+        <pc:picChg chg="del">
+          <ac:chgData name="Terez Szabo" userId="42e7e467-1161-451a-9926-179cfa22533b" providerId="ADAL" clId="{710AC600-54DC-B942-8EBA-223E84510A54}" dt="2020-12-11T13:40:53.604" v="44" actId="478"/>
+          <ac:picMkLst>
+            <pc:docMk/>
+            <pc:sldMk cId="866707920" sldId="270"/>
+            <ac:picMk id="8" creationId="{832F28AD-1052-F84F-B277-7D9FC6616F93}"/>
+          </ac:picMkLst>
+        </pc:picChg>
+        <pc:picChg chg="add mod">
+          <ac:chgData name="Terez Szabo" userId="42e7e467-1161-451a-9926-179cfa22533b" providerId="ADAL" clId="{710AC600-54DC-B942-8EBA-223E84510A54}" dt="2020-12-11T13:41:28.493" v="49" actId="1076"/>
+          <ac:picMkLst>
+            <pc:docMk/>
+            <pc:sldMk cId="866707920" sldId="270"/>
+            <ac:picMk id="10" creationId="{6E6A2AE2-F1E3-EF4F-8A12-BA040F63A0F4}"/>
+          </ac:picMkLst>
+        </pc:picChg>
+      </pc:sldChg>
+    </pc:docChg>
+  </pc:docChgLst>
+</pc:chgInfo>
+</file>
+
+<file path=ppt/notesMasters/notesMaster1.xml><?xml version="1.0" encoding="utf-8"?>
+<p:notesMaster xmlns:a="http://schemas.openxmlformats.org/drawingml/2006/main" xmlns:r="http://schemas.openxmlformats.org/officeDocument/2006/relationships" xmlns:p="http://schemas.openxmlformats.org/presentationml/2006/main">
+  <p:cSld>
+    <p:bg>
+      <p:bgRef idx="1001">
+        <a:schemeClr val="bg1"/>
+      </p:bgRef>
+    </p:bg>
+    <p:spTree>
+      <p:nvGrpSpPr>
+        <p:cNvPr id="1" name=""/>
+        <p:cNvGrpSpPr/>
+        <p:nvPr/>
+      </p:nvGrpSpPr>
+      <p:grpSpPr>
+        <a:xfrm>
+          <a:off x="0" y="0"/>
+          <a:ext cx="0" cy="0"/>
+          <a:chOff x="0" y="0"/>
+          <a:chExt cx="0" cy="0"/>
+        </a:xfrm>
+      </p:grpSpPr>
+      <p:sp>
+        <p:nvSpPr>
+          <p:cNvPr id="2" name="Header Placeholder 1"/>
+          <p:cNvSpPr>
+            <a:spLocks noGrp="1"/>
+          </p:cNvSpPr>
+          <p:nvPr>
+            <p:ph type="hdr" sz="quarter"/>
+          </p:nvPr>
+        </p:nvSpPr>
+        <p:spPr>
+          <a:xfrm>
+            <a:off x="0" y="0"/>
+            <a:ext cx="2971800" cy="458788"/>
+          </a:xfrm>
+          <a:prstGeom prst="rect">
+            <a:avLst/>
+          </a:prstGeom>
+        </p:spPr>
+        <p:txBody>
+          <a:bodyPr vert="horz" lIns="91440" tIns="45720" rIns="91440" bIns="45720" rtlCol="0"/>
+          <a:lstStyle>
+            <a:lvl1pPr algn="l">
+              <a:defRPr sz="1200"/>
+            </a:lvl1pPr>
+          </a:lstStyle>
+          <a:p>
+            <a:endParaRPr lang="en-CH"/>
+          </a:p>
+        </p:txBody>
+      </p:sp>
+      <p:sp>
+        <p:nvSpPr>
+          <p:cNvPr id="3" name="Date Placeholder 2"/>
+          <p:cNvSpPr>
+            <a:spLocks noGrp="1"/>
+          </p:cNvSpPr>
+          <p:nvPr>
+            <p:ph type="dt" idx="1"/>
+          </p:nvPr>
+        </p:nvSpPr>
+        <p:spPr>
+          <a:xfrm>
+            <a:off x="3884613" y="0"/>
+            <a:ext cx="2971800" cy="458788"/>
+          </a:xfrm>
+          <a:prstGeom prst="rect">
+            <a:avLst/>
+          </a:prstGeom>
+        </p:spPr>
+        <p:txBody>
+          <a:bodyPr vert="horz" lIns="91440" tIns="45720" rIns="91440" bIns="45720" rtlCol="0"/>
+          <a:lstStyle>
+            <a:lvl1pPr algn="r">
+              <a:defRPr sz="1200"/>
+            </a:lvl1pPr>
+          </a:lstStyle>
+          <a:p>
+            <a:fld id="{295301A9-71AD-BD42-B443-DF4A4CA5BC7F}" type="datetimeFigureOut">
+              <a:rPr lang="en-CH" smtClean="0"/>
+              <a:t>11.12.20</a:t>
+            </a:fld>
+            <a:endParaRPr lang="en-CH"/>
+          </a:p>
+        </p:txBody>
+      </p:sp>
+      <p:sp>
+        <p:nvSpPr>
+          <p:cNvPr id="4" name="Slide Image Placeholder 3"/>
+          <p:cNvSpPr>
+            <a:spLocks noGrp="1" noRot="1" noChangeAspect="1"/>
+          </p:cNvSpPr>
+          <p:nvPr>
+            <p:ph type="sldImg" idx="2"/>
+          </p:nvPr>
+        </p:nvSpPr>
+        <p:spPr>
+          <a:xfrm>
+            <a:off x="685800" y="1143000"/>
+            <a:ext cx="5486400" cy="3086100"/>
+          </a:xfrm>
+          <a:prstGeom prst="rect">
+            <a:avLst/>
+          </a:prstGeom>
+          <a:noFill/>
+          <a:ln w="12700">
+            <a:solidFill>
+              <a:prstClr val="black"/>
+            </a:solidFill>
+          </a:ln>
+        </p:spPr>
+        <p:txBody>
+          <a:bodyPr vert="horz" lIns="91440" tIns="45720" rIns="91440" bIns="45720" rtlCol="0" anchor="ctr"/>
+          <a:lstStyle/>
+          <a:p>
+            <a:endParaRPr lang="en-CH"/>
+          </a:p>
+        </p:txBody>
+      </p:sp>
+      <p:sp>
+        <p:nvSpPr>
+          <p:cNvPr id="5" name="Notes Placeholder 4"/>
+          <p:cNvSpPr>
+            <a:spLocks noGrp="1"/>
+          </p:cNvSpPr>
+          <p:nvPr>
+            <p:ph type="body" sz="quarter" idx="3"/>
+          </p:nvPr>
+        </p:nvSpPr>
+        <p:spPr>
+          <a:xfrm>
+            <a:off x="685800" y="4400550"/>
+            <a:ext cx="5486400" cy="3600450"/>
+          </a:xfrm>
+          <a:prstGeom prst="rect">
+            <a:avLst/>
+          </a:prstGeom>
+        </p:spPr>
+        <p:txBody>
+          <a:bodyPr vert="horz" lIns="91440" tIns="45720" rIns="91440" bIns="45720" rtlCol="0"/>
+          <a:lstStyle/>
+          <a:p>
+            <a:pPr lvl="0"/>
+            <a:r>
+              <a:rPr lang="en-GB"/>
+              <a:t>Click to edit Master text styles</a:t>
+            </a:r>
+          </a:p>
+          <a:p>
+            <a:pPr lvl="1"/>
+            <a:r>
+              <a:rPr lang="en-GB"/>
+              <a:t>Second level</a:t>
+            </a:r>
+          </a:p>
+          <a:p>
+            <a:pPr lvl="2"/>
+            <a:r>
+              <a:rPr lang="en-GB"/>
+              <a:t>Third level</a:t>
+            </a:r>
+          </a:p>
+          <a:p>
+            <a:pPr lvl="3"/>
+            <a:r>
+              <a:rPr lang="en-GB"/>
+              <a:t>Fourth level</a:t>
+            </a:r>
+          </a:p>
+          <a:p>
+            <a:pPr lvl="4"/>
+            <a:r>
+              <a:rPr lang="en-GB"/>
+              <a:t>Fifth level</a:t>
+            </a:r>
+            <a:endParaRPr lang="en-CH"/>
+          </a:p>
+        </p:txBody>
+      </p:sp>
+      <p:sp>
+        <p:nvSpPr>
+          <p:cNvPr id="6" name="Footer Placeholder 5"/>
+          <p:cNvSpPr>
+            <a:spLocks noGrp="1"/>
+          </p:cNvSpPr>
+          <p:nvPr>
+            <p:ph type="ftr" sz="quarter" idx="4"/>
+          </p:nvPr>
+        </p:nvSpPr>
+        <p:spPr>
+          <a:xfrm>
+            <a:off x="0" y="8685213"/>
+            <a:ext cx="2971800" cy="458787"/>
+          </a:xfrm>
+          <a:prstGeom prst="rect">
+            <a:avLst/>
+          </a:prstGeom>
+        </p:spPr>
+        <p:txBody>
+          <a:bodyPr vert="horz" lIns="91440" tIns="45720" rIns="91440" bIns="45720" rtlCol="0" anchor="b"/>
+          <a:lstStyle>
+            <a:lvl1pPr algn="l">
+              <a:defRPr sz="1200"/>
+            </a:lvl1pPr>
+          </a:lstStyle>
+          <a:p>
+            <a:endParaRPr lang="en-CH"/>
+          </a:p>
+        </p:txBody>
+      </p:sp>
+      <p:sp>
+        <p:nvSpPr>
+          <p:cNvPr id="7" name="Slide Number Placeholder 6"/>
+          <p:cNvSpPr>
+            <a:spLocks noGrp="1"/>
+          </p:cNvSpPr>
+          <p:nvPr>
+            <p:ph type="sldNum" sz="quarter" idx="5"/>
+          </p:nvPr>
+        </p:nvSpPr>
+        <p:spPr>
+          <a:xfrm>
+            <a:off x="3884613" y="8685213"/>
+            <a:ext cx="2971800" cy="458787"/>
+          </a:xfrm>
+          <a:prstGeom prst="rect">
+            <a:avLst/>
+          </a:prstGeom>
+        </p:spPr>
+        <p:txBody>
+          <a:bodyPr vert="horz" lIns="91440" tIns="45720" rIns="91440" bIns="45720" rtlCol="0" anchor="b"/>
+          <a:lstStyle>
+            <a:lvl1pPr algn="r">
+              <a:defRPr sz="1200"/>
+            </a:lvl1pPr>
+          </a:lstStyle>
+          <a:p>
+            <a:fld id="{E6E8B6E9-C291-3B4B-AE9B-9D2ED4D32F18}" type="slidenum">
+              <a:rPr lang="en-CH" smtClean="0"/>
+              <a:t>‹#›</a:t>
+            </a:fld>
+            <a:endParaRPr lang="en-CH"/>
+          </a:p>
+        </p:txBody>
+      </p:sp>
+    </p:spTree>
+    <p:extLst>
+      <p:ext uri="{BB962C8B-B14F-4D97-AF65-F5344CB8AC3E}">
+        <p14:creationId xmlns:p14="http://schemas.microsoft.com/office/powerpoint/2010/main" val="4065368807"/>
+      </p:ext>
+    </p:extLst>
+  </p:cSld>
+  <p:clrMap bg1="lt1" tx1="dk1" bg2="lt2" tx2="dk2" accent1="accent1" accent2="accent2" accent3="accent3" accent4="accent4" accent5="accent5" accent6="accent6" hlink="hlink" folHlink="folHlink"/>
+  <p:notesStyle>
+    <a:lvl1pPr marL="0" algn="l" defTabSz="914400" rtl="0" eaLnBrk="1" latinLnBrk="0" hangingPunct="1">
+      <a:defRPr sz="1200" kern="1200">
+        <a:solidFill>
+          <a:schemeClr val="tx1"/>
+        </a:solidFill>
+        <a:latin typeface="+mn-lt"/>
+        <a:ea typeface="+mn-ea"/>
+        <a:cs typeface="+mn-cs"/>
+      </a:defRPr>
+    </a:lvl1pPr>
+    <a:lvl2pPr marL="457200" algn="l" defTabSz="914400" rtl="0" eaLnBrk="1" latinLnBrk="0" hangingPunct="1">
+      <a:defRPr sz="1200" kern="1200">
+        <a:solidFill>
+          <a:schemeClr val="tx1"/>
+        </a:solidFill>
+        <a:latin typeface="+mn-lt"/>
+        <a:ea typeface="+mn-ea"/>
+        <a:cs typeface="+mn-cs"/>
+      </a:defRPr>
+    </a:lvl2pPr>
+    <a:lvl3pPr marL="914400" algn="l" defTabSz="914400" rtl="0" eaLnBrk="1" latinLnBrk="0" hangingPunct="1">
+      <a:defRPr sz="1200" kern="1200">
+        <a:solidFill>
+          <a:schemeClr val="tx1"/>
+        </a:solidFill>
+        <a:latin typeface="+mn-lt"/>
+        <a:ea typeface="+mn-ea"/>
+        <a:cs typeface="+mn-cs"/>
+      </a:defRPr>
+    </a:lvl3pPr>
+    <a:lvl4pPr marL="1371600" algn="l" defTabSz="914400" rtl="0" eaLnBrk="1" latinLnBrk="0" hangingPunct="1">
+      <a:defRPr sz="1200" kern="1200">
+        <a:solidFill>
+          <a:schemeClr val="tx1"/>
+        </a:solidFill>
+        <a:latin typeface="+mn-lt"/>
+        <a:ea typeface="+mn-ea"/>
+        <a:cs typeface="+mn-cs"/>
+      </a:defRPr>
+    </a:lvl4pPr>
+    <a:lvl5pPr marL="1828800" algn="l" defTabSz="914400" rtl="0" eaLnBrk="1" latinLnBrk="0" hangingPunct="1">
+      <a:defRPr sz="1200" kern="1200">
+        <a:solidFill>
+          <a:schemeClr val="tx1"/>
+        </a:solidFill>
+        <a:latin typeface="+mn-lt"/>
+        <a:ea typeface="+mn-ea"/>
+        <a:cs typeface="+mn-cs"/>
+      </a:defRPr>
+    </a:lvl5pPr>
+    <a:lvl6pPr marL="2286000" algn="l" defTabSz="914400" rtl="0" eaLnBrk="1" latinLnBrk="0" hangingPunct="1">
+      <a:defRPr sz="1200" kern="1200">
+        <a:solidFill>
+          <a:schemeClr val="tx1"/>
+        </a:solidFill>
+        <a:latin typeface="+mn-lt"/>
+        <a:ea typeface="+mn-ea"/>
+        <a:cs typeface="+mn-cs"/>
+      </a:defRPr>
+    </a:lvl6pPr>
+    <a:lvl7pPr marL="2743200" algn="l" defTabSz="914400" rtl="0" eaLnBrk="1" latinLnBrk="0" hangingPunct="1">
+      <a:defRPr sz="1200" kern="1200">
+        <a:solidFill>
+          <a:schemeClr val="tx1"/>
+        </a:solidFill>
+        <a:latin typeface="+mn-lt"/>
+        <a:ea typeface="+mn-ea"/>
+        <a:cs typeface="+mn-cs"/>
+      </a:defRPr>
+    </a:lvl7pPr>
+    <a:lvl8pPr marL="3200400" algn="l" defTabSz="914400" rtl="0" eaLnBrk="1" latinLnBrk="0" hangingPunct="1">
+      <a:defRPr sz="1200" kern="1200">
+        <a:solidFill>
+          <a:schemeClr val="tx1"/>
+        </a:solidFill>
+        <a:latin typeface="+mn-lt"/>
+        <a:ea typeface="+mn-ea"/>
+        <a:cs typeface="+mn-cs"/>
+      </a:defRPr>
+    </a:lvl8pPr>
+    <a:lvl9pPr marL="3657600" algn="l" defTabSz="914400" rtl="0" eaLnBrk="1" latinLnBrk="0" hangingPunct="1">
+      <a:defRPr sz="1200" kern="1200">
+        <a:solidFill>
+          <a:schemeClr val="tx1"/>
+        </a:solidFill>
+        <a:latin typeface="+mn-lt"/>
+        <a:ea typeface="+mn-ea"/>
+        <a:cs typeface="+mn-cs"/>
+      </a:defRPr>
+    </a:lvl9pPr>
+  </p:notesStyle>
+</p:notesMaster>
+</file>
+
+<file path=ppt/notesSlides/notesSlide1.xml><?xml version="1.0" encoding="utf-8"?>
+<p:notes xmlns:a="http://schemas.openxmlformats.org/drawingml/2006/main" xmlns:r="http://schemas.openxmlformats.org/officeDocument/2006/relationships" xmlns:p="http://schemas.openxmlformats.org/presentationml/2006/main">
+  <p:cSld>
+    <p:spTree>
+      <p:nvGrpSpPr>
+        <p:cNvPr id="1" name=""/>
+        <p:cNvGrpSpPr/>
+        <p:nvPr/>
+      </p:nvGrpSpPr>
+      <p:grpSpPr>
+        <a:xfrm>
+          <a:off x="0" y="0"/>
+          <a:ext cx="0" cy="0"/>
+          <a:chOff x="0" y="0"/>
+          <a:chExt cx="0" cy="0"/>
+        </a:xfrm>
+      </p:grpSpPr>
+      <p:sp>
+        <p:nvSpPr>
+          <p:cNvPr id="2" name="Slide Image Placeholder 1"/>
+          <p:cNvSpPr>
+            <a:spLocks noGrp="1" noRot="1" noChangeAspect="1"/>
+          </p:cNvSpPr>
+          <p:nvPr>
+            <p:ph type="sldImg"/>
+          </p:nvPr>
+        </p:nvSpPr>
+        <p:spPr/>
+      </p:sp>
+      <p:sp>
+        <p:nvSpPr>
+          <p:cNvPr id="3" name="Notes Placeholder 2"/>
+          <p:cNvSpPr>
+            <a:spLocks noGrp="1"/>
+          </p:cNvSpPr>
+          <p:nvPr>
+            <p:ph type="body" idx="1"/>
+          </p:nvPr>
+        </p:nvSpPr>
+        <p:spPr/>
+        <p:txBody>
+          <a:bodyPr/>
+          <a:lstStyle/>
+          <a:p>
+            <a:endParaRPr lang="en-CH" dirty="0"/>
+          </a:p>
+        </p:txBody>
+      </p:sp>
+      <p:sp>
+        <p:nvSpPr>
+          <p:cNvPr id="4" name="Slide Number Placeholder 3"/>
+          <p:cNvSpPr>
+            <a:spLocks noGrp="1"/>
+          </p:cNvSpPr>
+          <p:nvPr>
+            <p:ph type="sldNum" sz="quarter" idx="5"/>
+          </p:nvPr>
+        </p:nvSpPr>
+        <p:spPr/>
+        <p:txBody>
+          <a:bodyPr/>
+          <a:lstStyle/>
+          <a:p>
+            <a:fld id="{E6E8B6E9-C291-3B4B-AE9B-9D2ED4D32F18}" type="slidenum">
+              <a:rPr lang="en-CH" smtClean="0"/>
+              <a:t>7</a:t>
+            </a:fld>
+            <a:endParaRPr lang="en-CH"/>
+          </a:p>
+        </p:txBody>
+      </p:sp>
+    </p:spTree>
+    <p:extLst>
+      <p:ext uri="{BB962C8B-B14F-4D97-AF65-F5344CB8AC3E}">
+        <p14:creationId xmlns:p14="http://schemas.microsoft.com/office/powerpoint/2010/main" val="4252713143"/>
+      </p:ext>
+    </p:extLst>
+  </p:cSld>
+  <p:clrMapOvr>
+    <a:masterClrMapping/>
+  </p:clrMapOvr>
+</p:notes>
+</file>
+
+<file path=ppt/notesSlides/notesSlide2.xml><?xml version="1.0" encoding="utf-8"?>
+<p:notes xmlns:a="http://schemas.openxmlformats.org/drawingml/2006/main" xmlns:r="http://schemas.openxmlformats.org/officeDocument/2006/relationships" xmlns:p="http://schemas.openxmlformats.org/presentationml/2006/main">
+  <p:cSld>
+    <p:spTree>
+      <p:nvGrpSpPr>
+        <p:cNvPr id="1" name=""/>
+        <p:cNvGrpSpPr/>
+        <p:nvPr/>
+      </p:nvGrpSpPr>
+      <p:grpSpPr>
+        <a:xfrm>
+          <a:off x="0" y="0"/>
+          <a:ext cx="0" cy="0"/>
+          <a:chOff x="0" y="0"/>
+          <a:chExt cx="0" cy="0"/>
+        </a:xfrm>
+      </p:grpSpPr>
+      <p:sp>
+        <p:nvSpPr>
+          <p:cNvPr id="2" name="Slide Image Placeholder 1"/>
+          <p:cNvSpPr>
+            <a:spLocks noGrp="1" noRot="1" noChangeAspect="1"/>
+          </p:cNvSpPr>
+          <p:nvPr>
+            <p:ph type="sldImg"/>
+          </p:nvPr>
+        </p:nvSpPr>
+        <p:spPr/>
+      </p:sp>
+      <p:sp>
+        <p:nvSpPr>
+          <p:cNvPr id="3" name="Notes Placeholder 2"/>
+          <p:cNvSpPr>
+            <a:spLocks noGrp="1"/>
+          </p:cNvSpPr>
+          <p:nvPr>
+            <p:ph type="body" idx="1"/>
+          </p:nvPr>
+        </p:nvSpPr>
+        <p:spPr/>
+        <p:txBody>
+          <a:bodyPr/>
+          <a:lstStyle/>
+          <a:p>
+            <a:endParaRPr lang="en-CH" dirty="0"/>
+          </a:p>
+        </p:txBody>
+      </p:sp>
+      <p:sp>
+        <p:nvSpPr>
+          <p:cNvPr id="4" name="Slide Number Placeholder 3"/>
+          <p:cNvSpPr>
+            <a:spLocks noGrp="1"/>
+          </p:cNvSpPr>
+          <p:nvPr>
+            <p:ph type="sldNum" sz="quarter" idx="5"/>
+          </p:nvPr>
+        </p:nvSpPr>
+        <p:spPr/>
+        <p:txBody>
+          <a:bodyPr/>
+          <a:lstStyle/>
+          <a:p>
+            <a:fld id="{E6E8B6E9-C291-3B4B-AE9B-9D2ED4D32F18}" type="slidenum">
+              <a:rPr lang="en-CH" smtClean="0"/>
+              <a:t>8</a:t>
+            </a:fld>
+            <a:endParaRPr lang="en-CH"/>
+          </a:p>
+        </p:txBody>
+      </p:sp>
+    </p:spTree>
+    <p:extLst>
+      <p:ext uri="{BB962C8B-B14F-4D97-AF65-F5344CB8AC3E}">
+        <p14:creationId xmlns:p14="http://schemas.microsoft.com/office/powerpoint/2010/main" val="2428797356"/>
+      </p:ext>
+    </p:extLst>
+  </p:cSld>
+  <p:clrMapOvr>
+    <a:masterClrMapping/>
+  </p:clrMapOvr>
+</p:notes>
+</file>
+
+<file path=ppt/notesSlides/notesSlide3.xml><?xml version="1.0" encoding="utf-8"?>
+<p:notes xmlns:a="http://schemas.openxmlformats.org/drawingml/2006/main" xmlns:r="http://schemas.openxmlformats.org/officeDocument/2006/relationships" xmlns:p="http://schemas.openxmlformats.org/presentationml/2006/main">
+  <p:cSld>
+    <p:spTree>
+      <p:nvGrpSpPr>
+        <p:cNvPr id="1" name=""/>
+        <p:cNvGrpSpPr/>
+        <p:nvPr/>
+      </p:nvGrpSpPr>
+      <p:grpSpPr>
+        <a:xfrm>
+          <a:off x="0" y="0"/>
+          <a:ext cx="0" cy="0"/>
+          <a:chOff x="0" y="0"/>
+          <a:chExt cx="0" cy="0"/>
+        </a:xfrm>
+      </p:grpSpPr>
+      <p:sp>
+        <p:nvSpPr>
+          <p:cNvPr id="2" name="Slide Image Placeholder 1"/>
+          <p:cNvSpPr>
+            <a:spLocks noGrp="1" noRot="1" noChangeAspect="1"/>
+          </p:cNvSpPr>
+          <p:nvPr>
+            <p:ph type="sldImg"/>
+          </p:nvPr>
+        </p:nvSpPr>
+        <p:spPr/>
+      </p:sp>
+      <p:sp>
+        <p:nvSpPr>
+          <p:cNvPr id="3" name="Notes Placeholder 2"/>
+          <p:cNvSpPr>
+            <a:spLocks noGrp="1"/>
+          </p:cNvSpPr>
+          <p:nvPr>
+            <p:ph type="body" idx="1"/>
+          </p:nvPr>
+        </p:nvSpPr>
+        <p:spPr/>
+        <p:txBody>
+          <a:bodyPr/>
+          <a:lstStyle/>
+          <a:p>
+            <a:r>
+              <a:rPr lang="en-CH" sz="1100" dirty="0"/>
+              <a:t>Some of the variables had a division by gender</a:t>
+            </a:r>
+          </a:p>
+          <a:p>
+            <a:r>
+              <a:rPr lang="en-CH" sz="1100" dirty="0"/>
+              <a:t>Smoking has no correlation to number of suicides</a:t>
+            </a:r>
+          </a:p>
+          <a:p>
+            <a:pPr lvl="2"/>
+            <a:r>
+              <a:rPr lang="en-CH" sz="1100" dirty="0"/>
+              <a:t>Average smokers larger tandancy to commit suicid</a:t>
+            </a:r>
+            <a:r>
+              <a:rPr lang="fr-BE" sz="1100" dirty="0"/>
+              <a:t>e</a:t>
+            </a:r>
+          </a:p>
+          <a:p>
+            <a:endParaRPr lang="en-CH" dirty="0"/>
+          </a:p>
+        </p:txBody>
+      </p:sp>
+      <p:sp>
+        <p:nvSpPr>
+          <p:cNvPr id="4" name="Slide Number Placeholder 3"/>
+          <p:cNvSpPr>
+            <a:spLocks noGrp="1"/>
+          </p:cNvSpPr>
+          <p:nvPr>
+            <p:ph type="sldNum" sz="quarter" idx="5"/>
+          </p:nvPr>
+        </p:nvSpPr>
+        <p:spPr/>
+        <p:txBody>
+          <a:bodyPr/>
+          <a:lstStyle/>
+          <a:p>
+            <a:fld id="{E6E8B6E9-C291-3B4B-AE9B-9D2ED4D32F18}" type="slidenum">
+              <a:rPr lang="en-CH" smtClean="0"/>
+              <a:t>9</a:t>
+            </a:fld>
+            <a:endParaRPr lang="en-CH"/>
+          </a:p>
+        </p:txBody>
+      </p:sp>
+    </p:spTree>
+    <p:extLst>
+      <p:ext uri="{BB962C8B-B14F-4D97-AF65-F5344CB8AC3E}">
+        <p14:creationId xmlns:p14="http://schemas.microsoft.com/office/powerpoint/2010/main" val="1996060125"/>
+      </p:ext>
+    </p:extLst>
+  </p:cSld>
+  <p:clrMapOvr>
+    <a:masterClrMapping/>
+  </p:clrMapOvr>
+</p:notes>
+</file>
+
+<file path=ppt/notesSlides/notesSlide4.xml><?xml version="1.0" encoding="utf-8"?>
+<p:notes xmlns:a="http://schemas.openxmlformats.org/drawingml/2006/main" xmlns:r="http://schemas.openxmlformats.org/officeDocument/2006/relationships" xmlns:p="http://schemas.openxmlformats.org/presentationml/2006/main">
+  <p:cSld>
+    <p:spTree>
+      <p:nvGrpSpPr>
+        <p:cNvPr id="1" name=""/>
+        <p:cNvGrpSpPr/>
+        <p:nvPr/>
+      </p:nvGrpSpPr>
+      <p:grpSpPr>
+        <a:xfrm>
+          <a:off x="0" y="0"/>
+          <a:ext cx="0" cy="0"/>
+          <a:chOff x="0" y="0"/>
+          <a:chExt cx="0" cy="0"/>
+        </a:xfrm>
+      </p:grpSpPr>
+      <p:sp>
+        <p:nvSpPr>
+          <p:cNvPr id="2" name="Slide Image Placeholder 1"/>
+          <p:cNvSpPr>
+            <a:spLocks noGrp="1" noRot="1" noChangeAspect="1"/>
+          </p:cNvSpPr>
+          <p:nvPr>
+            <p:ph type="sldImg"/>
+          </p:nvPr>
+        </p:nvSpPr>
+        <p:spPr/>
+      </p:sp>
+      <p:sp>
+        <p:nvSpPr>
+          <p:cNvPr id="3" name="Notes Placeholder 2"/>
+          <p:cNvSpPr>
+            <a:spLocks noGrp="1"/>
+          </p:cNvSpPr>
+          <p:nvPr>
+            <p:ph type="body" idx="1"/>
+          </p:nvPr>
+        </p:nvSpPr>
+        <p:spPr/>
+        <p:txBody>
+          <a:bodyPr/>
+          <a:lstStyle/>
+          <a:p>
+            <a:r>
+              <a:rPr lang="en-CH" sz="1100" dirty="0"/>
+              <a:t>There is a small amount of correlation between unemployment and number of suicides but almost neglegable</a:t>
+            </a:r>
+          </a:p>
+          <a:p>
+            <a:endParaRPr lang="en-CH" dirty="0"/>
+          </a:p>
+        </p:txBody>
+      </p:sp>
+      <p:sp>
+        <p:nvSpPr>
+          <p:cNvPr id="4" name="Slide Number Placeholder 3"/>
+          <p:cNvSpPr>
+            <a:spLocks noGrp="1"/>
+          </p:cNvSpPr>
+          <p:nvPr>
+            <p:ph type="sldNum" sz="quarter" idx="5"/>
+          </p:nvPr>
+        </p:nvSpPr>
+        <p:spPr/>
+        <p:txBody>
+          <a:bodyPr/>
+          <a:lstStyle/>
+          <a:p>
+            <a:fld id="{E6E8B6E9-C291-3B4B-AE9B-9D2ED4D32F18}" type="slidenum">
+              <a:rPr lang="en-CH" smtClean="0"/>
+              <a:t>10</a:t>
+            </a:fld>
+            <a:endParaRPr lang="en-CH"/>
+          </a:p>
+        </p:txBody>
+      </p:sp>
+    </p:spTree>
+    <p:extLst>
+      <p:ext uri="{BB962C8B-B14F-4D97-AF65-F5344CB8AC3E}">
+        <p14:creationId xmlns:p14="http://schemas.microsoft.com/office/powerpoint/2010/main" val="1207234545"/>
+      </p:ext>
+    </p:extLst>
+  </p:cSld>
+  <p:clrMapOvr>
+    <a:masterClrMapping/>
+  </p:clrMapOvr>
+</p:notes>
+</file>
+
+<file path=ppt/notesSlides/notesSlide5.xml><?xml version="1.0" encoding="utf-8"?>
+<p:notes xmlns:a="http://schemas.openxmlformats.org/drawingml/2006/main" xmlns:r="http://schemas.openxmlformats.org/officeDocument/2006/relationships" xmlns:p="http://schemas.openxmlformats.org/presentationml/2006/main">
+  <p:cSld>
+    <p:spTree>
+      <p:nvGrpSpPr>
+        <p:cNvPr id="1" name=""/>
+        <p:cNvGrpSpPr/>
+        <p:nvPr/>
+      </p:nvGrpSpPr>
+      <p:grpSpPr>
+        <a:xfrm>
+          <a:off x="0" y="0"/>
+          <a:ext cx="0" cy="0"/>
+          <a:chOff x="0" y="0"/>
+          <a:chExt cx="0" cy="0"/>
+        </a:xfrm>
+      </p:grpSpPr>
+      <p:sp>
+        <p:nvSpPr>
+          <p:cNvPr id="2" name="Slide Image Placeholder 1"/>
+          <p:cNvSpPr>
+            <a:spLocks noGrp="1" noRot="1" noChangeAspect="1"/>
+          </p:cNvSpPr>
+          <p:nvPr>
+            <p:ph type="sldImg"/>
+          </p:nvPr>
+        </p:nvSpPr>
+        <p:spPr/>
+      </p:sp>
+      <p:sp>
+        <p:nvSpPr>
+          <p:cNvPr id="3" name="Notes Placeholder 2"/>
+          <p:cNvSpPr>
+            <a:spLocks noGrp="1"/>
+          </p:cNvSpPr>
+          <p:nvPr>
+            <p:ph type="body" idx="1"/>
+          </p:nvPr>
+        </p:nvSpPr>
+        <p:spPr/>
+        <p:txBody>
+          <a:bodyPr/>
+          <a:lstStyle/>
+          <a:p>
+            <a:r>
+              <a:rPr lang="en-CH" dirty="0"/>
+              <a:t>Decided to do a log-log transformation for GDP per Capita</a:t>
+            </a:r>
+          </a:p>
+          <a:p>
+            <a:pPr lvl="2"/>
+            <a:r>
+              <a:rPr lang="en-CH" dirty="0"/>
+              <a:t>Absolutely no correlation between GDP per Capita and number of suicides</a:t>
+            </a:r>
+          </a:p>
+          <a:p>
+            <a:endParaRPr lang="en-CH" dirty="0"/>
+          </a:p>
+        </p:txBody>
+      </p:sp>
+      <p:sp>
+        <p:nvSpPr>
+          <p:cNvPr id="4" name="Slide Number Placeholder 3"/>
+          <p:cNvSpPr>
+            <a:spLocks noGrp="1"/>
+          </p:cNvSpPr>
+          <p:nvPr>
+            <p:ph type="sldNum" sz="quarter" idx="5"/>
+          </p:nvPr>
+        </p:nvSpPr>
+        <p:spPr/>
+        <p:txBody>
+          <a:bodyPr/>
+          <a:lstStyle/>
+          <a:p>
+            <a:fld id="{E6E8B6E9-C291-3B4B-AE9B-9D2ED4D32F18}" type="slidenum">
+              <a:rPr lang="en-CH" smtClean="0"/>
+              <a:t>14</a:t>
+            </a:fld>
+            <a:endParaRPr lang="en-CH"/>
+          </a:p>
+        </p:txBody>
+      </p:sp>
+    </p:spTree>
+    <p:extLst>
+      <p:ext uri="{BB962C8B-B14F-4D97-AF65-F5344CB8AC3E}">
+        <p14:creationId xmlns:p14="http://schemas.microsoft.com/office/powerpoint/2010/main" val="3619331908"/>
+      </p:ext>
+    </p:extLst>
+  </p:cSld>
+  <p:clrMapOvr>
+    <a:masterClrMapping/>
+  </p:clrMapOvr>
+</p:notes>
 </file>
 
 <file path=ppt/slideLayouts/slideLayout1.xml><?xml version="1.0" encoding="utf-8"?>
@@ -289,7 +1408,7 @@
           <a:p>
             <a:fld id="{64F0E216-BA48-4F04-AC4F-645AA0DD6AC6}" type="datetimeFigureOut">
               <a:rPr lang="en-US" smtClean="0"/>
-              <a:t>12/11/2020</a:t>
+              <a:t>12/11/20</a:t>
             </a:fld>
             <a:endParaRPr lang="en-US" dirty="0"/>
           </a:p>
@@ -1337,7 +2456,7 @@
           <a:p>
             <a:fld id="{64F0E216-BA48-4F04-AC4F-645AA0DD6AC6}" type="datetimeFigureOut">
               <a:rPr lang="en-US" smtClean="0"/>
-              <a:t>12/11/2020</a:t>
+              <a:t>12/11/20</a:t>
             </a:fld>
             <a:endParaRPr lang="en-US"/>
           </a:p>
@@ -1573,7 +2692,7 @@
           <a:p>
             <a:fld id="{64F0E216-BA48-4F04-AC4F-645AA0DD6AC6}" type="datetimeFigureOut">
               <a:rPr lang="en-US" smtClean="0"/>
-              <a:t>12/11/2020</a:t>
+              <a:t>12/11/20</a:t>
             </a:fld>
             <a:endParaRPr lang="en-US"/>
           </a:p>
@@ -1796,7 +2915,7 @@
           <a:p>
             <a:fld id="{64F0E216-BA48-4F04-AC4F-645AA0DD6AC6}" type="datetimeFigureOut">
               <a:rPr lang="en-US" smtClean="0"/>
-              <a:t>12/11/2020</a:t>
+              <a:t>12/11/20</a:t>
             </a:fld>
             <a:endParaRPr lang="en-US"/>
           </a:p>
@@ -2098,7 +3217,7 @@
           <a:p>
             <a:fld id="{64F0E216-BA48-4F04-AC4F-645AA0DD6AC6}" type="datetimeFigureOut">
               <a:rPr lang="en-US" smtClean="0"/>
-              <a:t>12/11/2020</a:t>
+              <a:t>12/11/20</a:t>
             </a:fld>
             <a:endParaRPr lang="en-US"/>
           </a:p>
@@ -3562,7 +4681,7 @@
           <a:p>
             <a:fld id="{64F0E216-BA48-4F04-AC4F-645AA0DD6AC6}" type="datetimeFigureOut">
               <a:rPr lang="en-US" smtClean="0"/>
-              <a:t>12/11/2020</a:t>
+              <a:t>12/11/20</a:t>
             </a:fld>
             <a:endParaRPr lang="en-US"/>
           </a:p>
@@ -4029,7 +5148,7 @@
           <a:p>
             <a:fld id="{64F0E216-BA48-4F04-AC4F-645AA0DD6AC6}" type="datetimeFigureOut">
               <a:rPr lang="en-US" smtClean="0"/>
-              <a:t>12/11/2020</a:t>
+              <a:t>12/11/20</a:t>
             </a:fld>
             <a:endParaRPr lang="en-US"/>
           </a:p>
@@ -4204,7 +5323,7 @@
           <a:p>
             <a:fld id="{64F0E216-BA48-4F04-AC4F-645AA0DD6AC6}" type="datetimeFigureOut">
               <a:rPr lang="en-US" smtClean="0"/>
-              <a:t>12/11/2020</a:t>
+              <a:t>12/11/20</a:t>
             </a:fld>
             <a:endParaRPr lang="en-US"/>
           </a:p>
@@ -4341,7 +5460,7 @@
           <a:p>
             <a:fld id="{64F0E216-BA48-4F04-AC4F-645AA0DD6AC6}" type="datetimeFigureOut">
               <a:rPr lang="en-US" smtClean="0"/>
-              <a:t>12/11/2020</a:t>
+              <a:t>12/11/20</a:t>
             </a:fld>
             <a:endParaRPr lang="en-US"/>
           </a:p>
@@ -4691,7 +5810,7 @@
           <a:p>
             <a:fld id="{64F0E216-BA48-4F04-AC4F-645AA0DD6AC6}" type="datetimeFigureOut">
               <a:rPr lang="en-US" smtClean="0"/>
-              <a:t>12/11/2020</a:t>
+              <a:t>12/11/20</a:t>
             </a:fld>
             <a:endParaRPr lang="en-US"/>
           </a:p>
@@ -5012,7 +6131,7 @@
           <a:p>
             <a:fld id="{64F0E216-BA48-4F04-AC4F-645AA0DD6AC6}" type="datetimeFigureOut">
               <a:rPr lang="en-US" smtClean="0"/>
-              <a:t>12/11/2020</a:t>
+              <a:t>12/11/20</a:t>
             </a:fld>
             <a:endParaRPr lang="en-US"/>
           </a:p>
@@ -5274,7 +6393,7 @@
             <a:fld id="{64F0E216-BA48-4F04-AC4F-645AA0DD6AC6}" type="datetimeFigureOut">
               <a:rPr lang="en-US" smtClean="0"/>
               <a:pPr/>
-              <a:t>12/11/2020</a:t>
+              <a:t>12/11/20</a:t>
             </a:fld>
             <a:endParaRPr lang="en-US" dirty="0"/>
           </a:p>
@@ -6312,6 +7431,2617 @@
           <a:chExt cx="0" cy="0"/>
         </a:xfrm>
       </p:grpSpPr>
+      <p:sp>
+        <p:nvSpPr>
+          <p:cNvPr id="2" name="Title 1">
+            <a:extLst>
+              <a:ext uri="{FF2B5EF4-FFF2-40B4-BE49-F238E27FC236}">
+                <a16:creationId xmlns:a16="http://schemas.microsoft.com/office/drawing/2014/main" id="{8EACBC7C-1508-DE47-9E7A-4F0D2693770C}"/>
+              </a:ext>
+            </a:extLst>
+          </p:cNvPr>
+          <p:cNvSpPr>
+            <a:spLocks noGrp="1"/>
+          </p:cNvSpPr>
+          <p:nvPr>
+            <p:ph type="title"/>
+          </p:nvPr>
+        </p:nvSpPr>
+        <p:spPr/>
+        <p:txBody>
+          <a:bodyPr>
+            <a:normAutofit/>
+          </a:bodyPr>
+          <a:lstStyle/>
+          <a:p>
+            <a:r>
+              <a:rPr lang="fr-BE" dirty="0"/>
+              <a:t>GRAPH : Suicide BY </a:t>
+            </a:r>
+            <a:r>
+              <a:rPr lang="fr-BE" dirty="0" err="1"/>
+              <a:t>Unemployment</a:t>
+            </a:r>
+            <a:endParaRPr lang="en-CH" dirty="0"/>
+          </a:p>
+        </p:txBody>
+      </p:sp>
+      <p:pic>
+        <p:nvPicPr>
+          <p:cNvPr id="6" name="Graphique 4" descr="Masculin avec un remplissage uni">
+            <a:extLst>
+              <a:ext uri="{FF2B5EF4-FFF2-40B4-BE49-F238E27FC236}">
+                <a16:creationId xmlns:a16="http://schemas.microsoft.com/office/drawing/2014/main" id="{4A3D1017-638D-6C4D-83BE-9982E5B9A284}"/>
+              </a:ext>
+            </a:extLst>
+          </p:cNvPr>
+          <p:cNvPicPr>
+            <a:picLocks noChangeAspect="1"/>
+          </p:cNvPicPr>
+          <p:nvPr/>
+        </p:nvPicPr>
+        <p:blipFill>
+          <a:blip r:embed="rId3">
+            <a:extLst>
+              <a:ext uri="{96DAC541-7B7A-43D3-8B79-37D633B846F1}">
+                <asvg:svgBlip xmlns:asvg="http://schemas.microsoft.com/office/drawing/2016/SVG/main" r:embed="rId4"/>
+              </a:ext>
+            </a:extLst>
+          </a:blip>
+          <a:stretch>
+            <a:fillRect/>
+          </a:stretch>
+        </p:blipFill>
+        <p:spPr>
+          <a:xfrm>
+            <a:off x="-59367" y="3315662"/>
+            <a:ext cx="914400" cy="914400"/>
+          </a:xfrm>
+          <a:prstGeom prst="rect">
+            <a:avLst/>
+          </a:prstGeom>
+        </p:spPr>
+      </p:pic>
+      <p:pic>
+        <p:nvPicPr>
+          <p:cNvPr id="7" name="Image 6">
+            <a:extLst>
+              <a:ext uri="{FF2B5EF4-FFF2-40B4-BE49-F238E27FC236}">
+                <a16:creationId xmlns:a16="http://schemas.microsoft.com/office/drawing/2014/main" id="{F6F2E704-04D9-2644-BE9F-06977A9B5B88}"/>
+              </a:ext>
+            </a:extLst>
+          </p:cNvPr>
+          <p:cNvPicPr>
+            <a:picLocks noChangeAspect="1"/>
+          </p:cNvPicPr>
+          <p:nvPr/>
+        </p:nvPicPr>
+        <p:blipFill>
+          <a:blip r:embed="rId5">
+            <a:lum bright="70000" contrast="-70000"/>
+          </a:blip>
+          <a:stretch>
+            <a:fillRect/>
+          </a:stretch>
+        </p:blipFill>
+        <p:spPr>
+          <a:xfrm>
+            <a:off x="11372007" y="3315223"/>
+            <a:ext cx="819993" cy="819993"/>
+          </a:xfrm>
+          <a:prstGeom prst="rect">
+            <a:avLst/>
+          </a:prstGeom>
+        </p:spPr>
+      </p:pic>
+      <p:pic>
+        <p:nvPicPr>
+          <p:cNvPr id="4" name="Graphic 3">
+            <a:extLst>
+              <a:ext uri="{FF2B5EF4-FFF2-40B4-BE49-F238E27FC236}">
+                <a16:creationId xmlns:a16="http://schemas.microsoft.com/office/drawing/2014/main" id="{F02992A0-5B7E-3546-ABD7-49B03CDE3DA8}"/>
+              </a:ext>
+            </a:extLst>
+          </p:cNvPr>
+          <p:cNvPicPr>
+            <a:picLocks noChangeAspect="1"/>
+          </p:cNvPicPr>
+          <p:nvPr/>
+        </p:nvPicPr>
+        <p:blipFill>
+          <a:blip r:embed="rId6">
+            <a:extLst>
+              <a:ext uri="{96DAC541-7B7A-43D3-8B79-37D633B846F1}">
+                <asvg:svgBlip xmlns:asvg="http://schemas.microsoft.com/office/drawing/2016/SVG/main" r:embed="rId7"/>
+              </a:ext>
+            </a:extLst>
+          </a:blip>
+          <a:stretch>
+            <a:fillRect/>
+          </a:stretch>
+        </p:blipFill>
+        <p:spPr>
+          <a:xfrm>
+            <a:off x="1079500" y="2228620"/>
+            <a:ext cx="4808133" cy="3606100"/>
+          </a:xfrm>
+          <a:prstGeom prst="rect">
+            <a:avLst/>
+          </a:prstGeom>
+        </p:spPr>
+      </p:pic>
+      <p:pic>
+        <p:nvPicPr>
+          <p:cNvPr id="10" name="Graphic 9">
+            <a:extLst>
+              <a:ext uri="{FF2B5EF4-FFF2-40B4-BE49-F238E27FC236}">
+                <a16:creationId xmlns:a16="http://schemas.microsoft.com/office/drawing/2014/main" id="{6E6A2AE2-F1E3-EF4F-8A12-BA040F63A0F4}"/>
+              </a:ext>
+            </a:extLst>
+          </p:cNvPr>
+          <p:cNvPicPr>
+            <a:picLocks noChangeAspect="1"/>
+          </p:cNvPicPr>
+          <p:nvPr/>
+        </p:nvPicPr>
+        <p:blipFill>
+          <a:blip r:embed="rId8">
+            <a:extLst>
+              <a:ext uri="{96DAC541-7B7A-43D3-8B79-37D633B846F1}">
+                <asvg:svgBlip xmlns:asvg="http://schemas.microsoft.com/office/drawing/2016/SVG/main" r:embed="rId9"/>
+              </a:ext>
+            </a:extLst>
+          </a:blip>
+          <a:stretch>
+            <a:fillRect/>
+          </a:stretch>
+        </p:blipFill>
+        <p:spPr>
+          <a:xfrm>
+            <a:off x="6449231" y="2228617"/>
+            <a:ext cx="4808135" cy="3606101"/>
+          </a:xfrm>
+          <a:prstGeom prst="rect">
+            <a:avLst/>
+          </a:prstGeom>
+        </p:spPr>
+      </p:pic>
+    </p:spTree>
+    <p:extLst>
+      <p:ext uri="{BB962C8B-B14F-4D97-AF65-F5344CB8AC3E}">
+        <p14:creationId xmlns:p14="http://schemas.microsoft.com/office/powerpoint/2010/main" val="866707920"/>
+      </p:ext>
+    </p:extLst>
+  </p:cSld>
+  <p:clrMapOvr>
+    <a:masterClrMapping/>
+  </p:clrMapOvr>
+</p:sld>
+</file>
+
+<file path=ppt/slides/slide11.xml><?xml version="1.0" encoding="utf-8"?>
+<p:sld xmlns:a="http://schemas.openxmlformats.org/drawingml/2006/main" xmlns:r="http://schemas.openxmlformats.org/officeDocument/2006/relationships" xmlns:p="http://schemas.openxmlformats.org/presentationml/2006/main">
+  <p:cSld>
+    <p:spTree>
+      <p:nvGrpSpPr>
+        <p:cNvPr id="1" name=""/>
+        <p:cNvGrpSpPr/>
+        <p:nvPr/>
+      </p:nvGrpSpPr>
+      <p:grpSpPr>
+        <a:xfrm>
+          <a:off x="0" y="0"/>
+          <a:ext cx="0" cy="0"/>
+          <a:chOff x="0" y="0"/>
+          <a:chExt cx="0" cy="0"/>
+        </a:xfrm>
+      </p:grpSpPr>
+      <p:sp>
+        <p:nvSpPr>
+          <p:cNvPr id="26" name="Title 1">
+            <a:extLst>
+              <a:ext uri="{FF2B5EF4-FFF2-40B4-BE49-F238E27FC236}">
+                <a16:creationId xmlns:a16="http://schemas.microsoft.com/office/drawing/2014/main" id="{46BC7AA3-A385-4696-B6D1-CE09854B2CF0}"/>
+              </a:ext>
+            </a:extLst>
+          </p:cNvPr>
+          <p:cNvSpPr>
+            <a:spLocks noGrp="1"/>
+          </p:cNvSpPr>
+          <p:nvPr>
+            <p:ph type="title"/>
+          </p:nvPr>
+        </p:nvSpPr>
+        <p:spPr>
+          <a:xfrm>
+            <a:off x="294572" y="186440"/>
+            <a:ext cx="10330269" cy="655637"/>
+          </a:xfrm>
+        </p:spPr>
+        <p:txBody>
+          <a:bodyPr>
+            <a:normAutofit/>
+          </a:bodyPr>
+          <a:lstStyle/>
+          <a:p>
+            <a:r>
+              <a:rPr lang="fr-BE" dirty="0"/>
+              <a:t>GRAPH : Suicide BY ALCOHOL CONSUMPTION</a:t>
+            </a:r>
+            <a:endParaRPr lang="en-CH" dirty="0"/>
+          </a:p>
+        </p:txBody>
+      </p:sp>
+      <p:pic>
+        <p:nvPicPr>
+          <p:cNvPr id="4" name="Graphique 4" descr="Masculin avec un remplissage uni">
+            <a:extLst>
+              <a:ext uri="{FF2B5EF4-FFF2-40B4-BE49-F238E27FC236}">
+                <a16:creationId xmlns:a16="http://schemas.microsoft.com/office/drawing/2014/main" id="{546B9EF8-B29E-5E46-802A-D1C20268DC9E}"/>
+              </a:ext>
+            </a:extLst>
+          </p:cNvPr>
+          <p:cNvPicPr>
+            <a:picLocks noChangeAspect="1"/>
+          </p:cNvPicPr>
+          <p:nvPr/>
+        </p:nvPicPr>
+        <p:blipFill>
+          <a:blip r:embed="rId2">
+            <a:extLst>
+              <a:ext uri="{96DAC541-7B7A-43D3-8B79-37D633B846F1}">
+                <asvg:svgBlip xmlns:asvg="http://schemas.microsoft.com/office/drawing/2016/SVG/main" r:embed="rId3"/>
+              </a:ext>
+            </a:extLst>
+          </a:blip>
+          <a:stretch>
+            <a:fillRect/>
+          </a:stretch>
+        </p:blipFill>
+        <p:spPr>
+          <a:xfrm>
+            <a:off x="-59367" y="3315662"/>
+            <a:ext cx="914400" cy="914400"/>
+          </a:xfrm>
+          <a:prstGeom prst="rect">
+            <a:avLst/>
+          </a:prstGeom>
+        </p:spPr>
+      </p:pic>
+      <p:pic>
+        <p:nvPicPr>
+          <p:cNvPr id="5" name="Image 6">
+            <a:extLst>
+              <a:ext uri="{FF2B5EF4-FFF2-40B4-BE49-F238E27FC236}">
+                <a16:creationId xmlns:a16="http://schemas.microsoft.com/office/drawing/2014/main" id="{F1BC35B4-DA4B-D842-AFCD-F480EED24D61}"/>
+              </a:ext>
+            </a:extLst>
+          </p:cNvPr>
+          <p:cNvPicPr>
+            <a:picLocks noChangeAspect="1"/>
+          </p:cNvPicPr>
+          <p:nvPr/>
+        </p:nvPicPr>
+        <p:blipFill>
+          <a:blip r:embed="rId4">
+            <a:lum bright="70000" contrast="-70000"/>
+          </a:blip>
+          <a:stretch>
+            <a:fillRect/>
+          </a:stretch>
+        </p:blipFill>
+        <p:spPr>
+          <a:xfrm>
+            <a:off x="11372007" y="3315223"/>
+            <a:ext cx="819993" cy="819993"/>
+          </a:xfrm>
+          <a:prstGeom prst="rect">
+            <a:avLst/>
+          </a:prstGeom>
+        </p:spPr>
+      </p:pic>
+      <p:pic>
+        <p:nvPicPr>
+          <p:cNvPr id="10" name="Graphic 9">
+            <a:extLst>
+              <a:ext uri="{FF2B5EF4-FFF2-40B4-BE49-F238E27FC236}">
+                <a16:creationId xmlns:a16="http://schemas.microsoft.com/office/drawing/2014/main" id="{A00C5D16-95A8-D843-AA2E-5BDB4CFB0C55}"/>
+              </a:ext>
+            </a:extLst>
+          </p:cNvPr>
+          <p:cNvPicPr>
+            <a:picLocks noChangeAspect="1"/>
+          </p:cNvPicPr>
+          <p:nvPr/>
+        </p:nvPicPr>
+        <p:blipFill>
+          <a:blip r:embed="rId5">
+            <a:extLst>
+              <a:ext uri="{96DAC541-7B7A-43D3-8B79-37D633B846F1}">
+                <asvg:svgBlip xmlns:asvg="http://schemas.microsoft.com/office/drawing/2016/SVG/main" r:embed="rId6"/>
+              </a:ext>
+            </a:extLst>
+          </a:blip>
+          <a:stretch>
+            <a:fillRect/>
+          </a:stretch>
+        </p:blipFill>
+        <p:spPr>
+          <a:xfrm>
+            <a:off x="5658339" y="1696412"/>
+            <a:ext cx="5537200" cy="4152900"/>
+          </a:xfrm>
+          <a:prstGeom prst="rect">
+            <a:avLst/>
+          </a:prstGeom>
+        </p:spPr>
+      </p:pic>
+    </p:spTree>
+    <p:extLst>
+      <p:ext uri="{BB962C8B-B14F-4D97-AF65-F5344CB8AC3E}">
+        <p14:creationId xmlns:p14="http://schemas.microsoft.com/office/powerpoint/2010/main" val="2458617161"/>
+      </p:ext>
+    </p:extLst>
+  </p:cSld>
+  <p:clrMapOvr>
+    <a:masterClrMapping/>
+  </p:clrMapOvr>
+</p:sld>
+</file>
+
+<file path=ppt/slides/slide12.xml><?xml version="1.0" encoding="utf-8"?>
+<p:sld xmlns:a="http://schemas.openxmlformats.org/drawingml/2006/main" xmlns:r="http://schemas.openxmlformats.org/officeDocument/2006/relationships" xmlns:p="http://schemas.openxmlformats.org/presentationml/2006/main" show="0">
+  <p:cSld>
+    <p:spTree>
+      <p:nvGrpSpPr>
+        <p:cNvPr id="1" name=""/>
+        <p:cNvGrpSpPr/>
+        <p:nvPr/>
+      </p:nvGrpSpPr>
+      <p:grpSpPr>
+        <a:xfrm>
+          <a:off x="0" y="0"/>
+          <a:ext cx="0" cy="0"/>
+          <a:chOff x="0" y="0"/>
+          <a:chExt cx="0" cy="0"/>
+        </a:xfrm>
+      </p:grpSpPr>
+      <p:sp>
+        <p:nvSpPr>
+          <p:cNvPr id="2" name="Title 1">
+            <a:extLst>
+              <a:ext uri="{FF2B5EF4-FFF2-40B4-BE49-F238E27FC236}">
+                <a16:creationId xmlns:a16="http://schemas.microsoft.com/office/drawing/2014/main" id="{96C71840-5BC3-6B47-9BE7-C2B99EDB354F}"/>
+              </a:ext>
+            </a:extLst>
+          </p:cNvPr>
+          <p:cNvSpPr>
+            <a:spLocks noGrp="1"/>
+          </p:cNvSpPr>
+          <p:nvPr>
+            <p:ph type="title"/>
+          </p:nvPr>
+        </p:nvSpPr>
+        <p:spPr/>
+        <p:txBody>
+          <a:bodyPr/>
+          <a:lstStyle/>
+          <a:p>
+            <a:r>
+              <a:rPr lang="en-CH" dirty="0"/>
+              <a:t>Data Visualization – general fact</a:t>
+            </a:r>
+          </a:p>
+        </p:txBody>
+      </p:sp>
+      <p:sp>
+        <p:nvSpPr>
+          <p:cNvPr id="6" name="Espace réservé du contenu 5">
+            <a:extLst>
+              <a:ext uri="{FF2B5EF4-FFF2-40B4-BE49-F238E27FC236}">
+                <a16:creationId xmlns:a16="http://schemas.microsoft.com/office/drawing/2014/main" id="{5E7A9578-F3B8-44E3-96A2-2520FD09EACF}"/>
+              </a:ext>
+            </a:extLst>
+          </p:cNvPr>
+          <p:cNvSpPr>
+            <a:spLocks noGrp="1"/>
+          </p:cNvSpPr>
+          <p:nvPr>
+            <p:ph idx="1"/>
+          </p:nvPr>
+        </p:nvSpPr>
+        <p:spPr>
+          <a:xfrm>
+            <a:off x="843023" y="1666875"/>
+            <a:ext cx="10026650" cy="3978275"/>
+          </a:xfrm>
+        </p:spPr>
+        <p:txBody>
+          <a:bodyPr/>
+          <a:lstStyle/>
+          <a:p>
+            <a:r>
+              <a:rPr lang="en-GB" dirty="0"/>
+              <a:t>N</a:t>
+            </a:r>
+            <a:r>
+              <a:rPr lang="fr-BE" dirty="0"/>
+              <a:t>o significative </a:t>
+            </a:r>
+            <a:r>
+              <a:rPr lang="fr-BE" dirty="0" err="1"/>
+              <a:t>differences</a:t>
+            </a:r>
+            <a:r>
+              <a:rPr lang="fr-BE" dirty="0"/>
+              <a:t> in the </a:t>
+            </a:r>
+            <a:r>
+              <a:rPr lang="fr-BE" dirty="0" err="1"/>
+              <a:t>tendancy</a:t>
+            </a:r>
+            <a:r>
+              <a:rPr lang="fr-BE" dirty="0"/>
+              <a:t> </a:t>
+            </a:r>
+            <a:r>
+              <a:rPr lang="fr-BE" dirty="0" err="1"/>
+              <a:t>between</a:t>
+            </a:r>
+            <a:r>
+              <a:rPr lang="fr-BE" dirty="0"/>
+              <a:t> man and </a:t>
+            </a:r>
+            <a:r>
+              <a:rPr lang="fr-BE" dirty="0" err="1"/>
+              <a:t>women</a:t>
+            </a:r>
+            <a:r>
+              <a:rPr lang="fr-BE" dirty="0"/>
+              <a:t> in the relation </a:t>
+            </a:r>
+            <a:r>
+              <a:rPr lang="fr-BE" dirty="0" err="1"/>
+              <a:t>between</a:t>
+            </a:r>
+            <a:r>
+              <a:rPr lang="fr-BE" dirty="0"/>
+              <a:t> </a:t>
+            </a:r>
+            <a:r>
+              <a:rPr lang="fr-BE" dirty="0" err="1"/>
+              <a:t>alcohol</a:t>
+            </a:r>
+            <a:r>
+              <a:rPr lang="fr-BE" dirty="0"/>
+              <a:t> </a:t>
+            </a:r>
+            <a:r>
+              <a:rPr lang="fr-BE" dirty="0" err="1"/>
+              <a:t>consumption</a:t>
+            </a:r>
+            <a:r>
+              <a:rPr lang="fr-BE" dirty="0"/>
+              <a:t> or smoking </a:t>
+            </a:r>
+            <a:r>
+              <a:rPr lang="fr-BE" dirty="0" err="1"/>
+              <a:t>habbits</a:t>
+            </a:r>
+            <a:r>
+              <a:rPr lang="fr-BE" dirty="0"/>
+              <a:t> and suicides</a:t>
+            </a:r>
+          </a:p>
+          <a:p>
+            <a:r>
+              <a:rPr lang="fr-BE" dirty="0"/>
+              <a:t>Exemple </a:t>
+            </a:r>
+            <a:r>
+              <a:rPr lang="fr-BE" dirty="0" err="1"/>
+              <a:t>with</a:t>
+            </a:r>
+            <a:r>
+              <a:rPr lang="fr-BE" dirty="0"/>
+              <a:t> smoking </a:t>
+            </a:r>
+            <a:r>
+              <a:rPr lang="fr-BE" dirty="0" err="1"/>
+              <a:t>habbits</a:t>
+            </a:r>
+            <a:r>
+              <a:rPr lang="fr-BE" dirty="0"/>
+              <a:t> </a:t>
+            </a:r>
+            <a:endParaRPr lang="en-CH" dirty="0"/>
+          </a:p>
+          <a:p>
+            <a:endParaRPr lang="fr-BE" dirty="0"/>
+          </a:p>
+        </p:txBody>
+      </p:sp>
+      <p:pic>
+        <p:nvPicPr>
+          <p:cNvPr id="4" name="Graphic 3">
+            <a:extLst>
+              <a:ext uri="{FF2B5EF4-FFF2-40B4-BE49-F238E27FC236}">
+                <a16:creationId xmlns:a16="http://schemas.microsoft.com/office/drawing/2014/main" id="{35674C78-CEFB-4BB7-B1EC-E9305DD35E2E}"/>
+              </a:ext>
+            </a:extLst>
+          </p:cNvPr>
+          <p:cNvPicPr>
+            <a:picLocks noChangeAspect="1"/>
+          </p:cNvPicPr>
+          <p:nvPr/>
+        </p:nvPicPr>
+        <p:blipFill>
+          <a:blip r:embed="rId2">
+            <a:extLst>
+              <a:ext uri="{96DAC541-7B7A-43D3-8B79-37D633B846F1}">
+                <asvg:svgBlip xmlns:asvg="http://schemas.microsoft.com/office/drawing/2016/SVG/main" r:embed="rId3"/>
+              </a:ext>
+            </a:extLst>
+          </a:blip>
+          <a:stretch>
+            <a:fillRect/>
+          </a:stretch>
+        </p:blipFill>
+        <p:spPr>
+          <a:xfrm>
+            <a:off x="843023" y="3115714"/>
+            <a:ext cx="4808133" cy="3606099"/>
+          </a:xfrm>
+          <a:prstGeom prst="rect">
+            <a:avLst/>
+          </a:prstGeom>
+        </p:spPr>
+      </p:pic>
+      <p:pic>
+        <p:nvPicPr>
+          <p:cNvPr id="7" name="Graphique 4" descr="Masculin avec un remplissage uni">
+            <a:extLst>
+              <a:ext uri="{FF2B5EF4-FFF2-40B4-BE49-F238E27FC236}">
+                <a16:creationId xmlns:a16="http://schemas.microsoft.com/office/drawing/2014/main" id="{244FE8BC-EADB-4052-A394-68CBA730A0D7}"/>
+              </a:ext>
+            </a:extLst>
+          </p:cNvPr>
+          <p:cNvPicPr>
+            <a:picLocks noChangeAspect="1"/>
+          </p:cNvPicPr>
+          <p:nvPr/>
+        </p:nvPicPr>
+        <p:blipFill>
+          <a:blip r:embed="rId4">
+            <a:extLst>
+              <a:ext uri="{96DAC541-7B7A-43D3-8B79-37D633B846F1}">
+                <asvg:svgBlip xmlns:asvg="http://schemas.microsoft.com/office/drawing/2016/SVG/main" r:embed="rId5"/>
+              </a:ext>
+            </a:extLst>
+          </a:blip>
+          <a:stretch>
+            <a:fillRect/>
+          </a:stretch>
+        </p:blipFill>
+        <p:spPr>
+          <a:xfrm>
+            <a:off x="0" y="4190713"/>
+            <a:ext cx="914400" cy="914400"/>
+          </a:xfrm>
+          <a:prstGeom prst="rect">
+            <a:avLst/>
+          </a:prstGeom>
+        </p:spPr>
+      </p:pic>
+      <p:pic>
+        <p:nvPicPr>
+          <p:cNvPr id="8" name="Image 6">
+            <a:extLst>
+              <a:ext uri="{FF2B5EF4-FFF2-40B4-BE49-F238E27FC236}">
+                <a16:creationId xmlns:a16="http://schemas.microsoft.com/office/drawing/2014/main" id="{265DB0E3-D2C9-4FBA-9157-E963BAF1CE6F}"/>
+              </a:ext>
+            </a:extLst>
+          </p:cNvPr>
+          <p:cNvPicPr>
+            <a:picLocks noChangeAspect="1"/>
+          </p:cNvPicPr>
+          <p:nvPr/>
+        </p:nvPicPr>
+        <p:blipFill>
+          <a:blip r:embed="rId6">
+            <a:lum bright="70000" contrast="-70000"/>
+          </a:blip>
+          <a:stretch>
+            <a:fillRect/>
+          </a:stretch>
+        </p:blipFill>
+        <p:spPr>
+          <a:xfrm>
+            <a:off x="11431374" y="4190274"/>
+            <a:ext cx="819993" cy="819993"/>
+          </a:xfrm>
+          <a:prstGeom prst="rect">
+            <a:avLst/>
+          </a:prstGeom>
+        </p:spPr>
+      </p:pic>
+      <p:pic>
+        <p:nvPicPr>
+          <p:cNvPr id="9" name="Graphic 8">
+            <a:extLst>
+              <a:ext uri="{FF2B5EF4-FFF2-40B4-BE49-F238E27FC236}">
+                <a16:creationId xmlns:a16="http://schemas.microsoft.com/office/drawing/2014/main" id="{32A849C7-8C29-4D1E-8BA1-36F5A8CA24C5}"/>
+              </a:ext>
+            </a:extLst>
+          </p:cNvPr>
+          <p:cNvPicPr>
+            <a:picLocks noChangeAspect="1"/>
+          </p:cNvPicPr>
+          <p:nvPr/>
+        </p:nvPicPr>
+        <p:blipFill>
+          <a:blip r:embed="rId7">
+            <a:extLst>
+              <a:ext uri="{96DAC541-7B7A-43D3-8B79-37D633B846F1}">
+                <asvg:svgBlip xmlns:asvg="http://schemas.microsoft.com/office/drawing/2016/SVG/main" r:embed="rId8"/>
+              </a:ext>
+            </a:extLst>
+          </a:blip>
+          <a:stretch>
+            <a:fillRect/>
+          </a:stretch>
+        </p:blipFill>
+        <p:spPr>
+          <a:xfrm>
+            <a:off x="6540846" y="3103671"/>
+            <a:ext cx="4808133" cy="3606100"/>
+          </a:xfrm>
+          <a:prstGeom prst="rect">
+            <a:avLst/>
+          </a:prstGeom>
+        </p:spPr>
+      </p:pic>
+    </p:spTree>
+    <p:extLst>
+      <p:ext uri="{BB962C8B-B14F-4D97-AF65-F5344CB8AC3E}">
+        <p14:creationId xmlns:p14="http://schemas.microsoft.com/office/powerpoint/2010/main" val="103008590"/>
+      </p:ext>
+    </p:extLst>
+  </p:cSld>
+  <p:clrMapOvr>
+    <a:masterClrMapping/>
+  </p:clrMapOvr>
+</p:sld>
+</file>
+
+<file path=ppt/slides/slide13.xml><?xml version="1.0" encoding="utf-8"?>
+<p:sld xmlns:a="http://schemas.openxmlformats.org/drawingml/2006/main" xmlns:r="http://schemas.openxmlformats.org/officeDocument/2006/relationships" xmlns:p="http://schemas.openxmlformats.org/presentationml/2006/main">
+  <p:cSld>
+    <p:spTree>
+      <p:nvGrpSpPr>
+        <p:cNvPr id="1" name=""/>
+        <p:cNvGrpSpPr/>
+        <p:nvPr/>
+      </p:nvGrpSpPr>
+      <p:grpSpPr>
+        <a:xfrm>
+          <a:off x="0" y="0"/>
+          <a:ext cx="0" cy="0"/>
+          <a:chOff x="0" y="0"/>
+          <a:chExt cx="0" cy="0"/>
+        </a:xfrm>
+      </p:grpSpPr>
+      <p:sp>
+        <p:nvSpPr>
+          <p:cNvPr id="2" name="Title 1">
+            <a:extLst>
+              <a:ext uri="{FF2B5EF4-FFF2-40B4-BE49-F238E27FC236}">
+                <a16:creationId xmlns:a16="http://schemas.microsoft.com/office/drawing/2014/main" id="{17E55584-FB6A-4849-A517-FD0D7867BEBE}"/>
+              </a:ext>
+            </a:extLst>
+          </p:cNvPr>
+          <p:cNvSpPr>
+            <a:spLocks noGrp="1"/>
+          </p:cNvSpPr>
+          <p:nvPr>
+            <p:ph type="title"/>
+          </p:nvPr>
+        </p:nvSpPr>
+        <p:spPr/>
+        <p:txBody>
+          <a:bodyPr/>
+          <a:lstStyle/>
+          <a:p>
+            <a:r>
+              <a:rPr lang="en-GB" dirty="0"/>
+              <a:t>D</a:t>
+            </a:r>
+            <a:r>
+              <a:rPr lang="en-CH" dirty="0"/>
+              <a:t>ata visualization – total population</a:t>
+            </a:r>
+          </a:p>
+        </p:txBody>
+      </p:sp>
+      <p:sp>
+        <p:nvSpPr>
+          <p:cNvPr id="3" name="Content Placeholder 2">
+            <a:extLst>
+              <a:ext uri="{FF2B5EF4-FFF2-40B4-BE49-F238E27FC236}">
+                <a16:creationId xmlns:a16="http://schemas.microsoft.com/office/drawing/2014/main" id="{3C0078EF-FEBB-FE42-A669-368F88BDC1FB}"/>
+              </a:ext>
+            </a:extLst>
+          </p:cNvPr>
+          <p:cNvSpPr>
+            <a:spLocks noGrp="1"/>
+          </p:cNvSpPr>
+          <p:nvPr>
+            <p:ph idx="1"/>
+          </p:nvPr>
+        </p:nvSpPr>
+        <p:spPr>
+          <a:xfrm>
+            <a:off x="1050587" y="1809345"/>
+            <a:ext cx="10055563" cy="3959630"/>
+          </a:xfrm>
+        </p:spPr>
+        <p:txBody>
+          <a:bodyPr/>
+          <a:lstStyle/>
+          <a:p>
+            <a:r>
+              <a:rPr lang="en-GB" dirty="0"/>
+              <a:t>T</a:t>
+            </a:r>
+            <a:r>
+              <a:rPr lang="en-CH" dirty="0"/>
+              <a:t>wo variables that encompased the whole population</a:t>
+            </a:r>
+          </a:p>
+          <a:p>
+            <a:pPr lvl="2"/>
+            <a:r>
+              <a:rPr lang="en-CH" dirty="0"/>
+              <a:t>GPD per Capita</a:t>
+            </a:r>
+          </a:p>
+          <a:p>
+            <a:pPr lvl="2"/>
+            <a:r>
+              <a:rPr lang="en-CH" dirty="0"/>
+              <a:t>Population</a:t>
+            </a:r>
+          </a:p>
+          <a:p>
+            <a:r>
+              <a:rPr lang="en-CH" dirty="0"/>
+              <a:t>Population graph straight forward</a:t>
+            </a:r>
+          </a:p>
+          <a:p>
+            <a:pPr lvl="2"/>
+            <a:r>
+              <a:rPr lang="en-CH" dirty="0"/>
+              <a:t>No clear correlation but some connection</a:t>
+            </a:r>
+          </a:p>
+        </p:txBody>
+      </p:sp>
+      <p:pic>
+        <p:nvPicPr>
+          <p:cNvPr id="4" name="Graphique 10" descr="Groupe de personnes avec un remplissage uni">
+            <a:extLst>
+              <a:ext uri="{FF2B5EF4-FFF2-40B4-BE49-F238E27FC236}">
+                <a16:creationId xmlns:a16="http://schemas.microsoft.com/office/drawing/2014/main" id="{C4E9DB58-9007-4346-B049-ED4963C31871}"/>
+              </a:ext>
+            </a:extLst>
+          </p:cNvPr>
+          <p:cNvPicPr>
+            <a:picLocks noChangeAspect="1"/>
+          </p:cNvPicPr>
+          <p:nvPr/>
+        </p:nvPicPr>
+        <p:blipFill>
+          <a:blip r:embed="rId2">
+            <a:extLst>
+              <a:ext uri="{96DAC541-7B7A-43D3-8B79-37D633B846F1}">
+                <asvg:svgBlip xmlns:asvg="http://schemas.microsoft.com/office/drawing/2016/SVG/main" r:embed="rId3"/>
+              </a:ext>
+            </a:extLst>
+          </a:blip>
+          <a:stretch>
+            <a:fillRect/>
+          </a:stretch>
+        </p:blipFill>
+        <p:spPr>
+          <a:xfrm>
+            <a:off x="8681126" y="1809345"/>
+            <a:ext cx="2460287" cy="2460287"/>
+          </a:xfrm>
+          <a:prstGeom prst="rect">
+            <a:avLst/>
+          </a:prstGeom>
+        </p:spPr>
+      </p:pic>
+    </p:spTree>
+    <p:extLst>
+      <p:ext uri="{BB962C8B-B14F-4D97-AF65-F5344CB8AC3E}">
+        <p14:creationId xmlns:p14="http://schemas.microsoft.com/office/powerpoint/2010/main" val="407757707"/>
+      </p:ext>
+    </p:extLst>
+  </p:cSld>
+  <p:clrMapOvr>
+    <a:masterClrMapping/>
+  </p:clrMapOvr>
+</p:sld>
+</file>
+
+<file path=ppt/slides/slide14.xml><?xml version="1.0" encoding="utf-8"?>
+<p:sld xmlns:a="http://schemas.openxmlformats.org/drawingml/2006/main" xmlns:r="http://schemas.openxmlformats.org/officeDocument/2006/relationships" xmlns:p="http://schemas.openxmlformats.org/presentationml/2006/main">
+  <p:cSld>
+    <p:spTree>
+      <p:nvGrpSpPr>
+        <p:cNvPr id="1" name=""/>
+        <p:cNvGrpSpPr/>
+        <p:nvPr/>
+      </p:nvGrpSpPr>
+      <p:grpSpPr>
+        <a:xfrm>
+          <a:off x="0" y="0"/>
+          <a:ext cx="0" cy="0"/>
+          <a:chOff x="0" y="0"/>
+          <a:chExt cx="0" cy="0"/>
+        </a:xfrm>
+      </p:grpSpPr>
+      <p:sp>
+        <p:nvSpPr>
+          <p:cNvPr id="2" name="Title 1">
+            <a:extLst>
+              <a:ext uri="{FF2B5EF4-FFF2-40B4-BE49-F238E27FC236}">
+                <a16:creationId xmlns:a16="http://schemas.microsoft.com/office/drawing/2014/main" id="{5D509755-BF9E-4045-9B1F-A4B620116FAA}"/>
+              </a:ext>
+            </a:extLst>
+          </p:cNvPr>
+          <p:cNvSpPr>
+            <a:spLocks noGrp="1"/>
+          </p:cNvSpPr>
+          <p:nvPr>
+            <p:ph type="title"/>
+          </p:nvPr>
+        </p:nvSpPr>
+        <p:spPr/>
+        <p:txBody>
+          <a:bodyPr/>
+          <a:lstStyle/>
+          <a:p>
+            <a:r>
+              <a:rPr lang="en-CH" dirty="0"/>
+              <a:t>GRAph: Suicides for gdp per capita</a:t>
+            </a:r>
+          </a:p>
+        </p:txBody>
+      </p:sp>
+      <p:sp>
+        <p:nvSpPr>
+          <p:cNvPr id="7" name="Content Placeholder 6">
+            <a:extLst>
+              <a:ext uri="{FF2B5EF4-FFF2-40B4-BE49-F238E27FC236}">
+                <a16:creationId xmlns:a16="http://schemas.microsoft.com/office/drawing/2014/main" id="{46C7DCB7-F220-E740-848D-A1693EBB584E}"/>
+              </a:ext>
+            </a:extLst>
+          </p:cNvPr>
+          <p:cNvSpPr>
+            <a:spLocks noGrp="1"/>
+          </p:cNvSpPr>
+          <p:nvPr>
+            <p:ph idx="1"/>
+          </p:nvPr>
+        </p:nvSpPr>
+        <p:spPr/>
+        <p:txBody>
+          <a:bodyPr/>
+          <a:lstStyle/>
+          <a:p>
+            <a:endParaRPr lang="en-CH"/>
+          </a:p>
+        </p:txBody>
+      </p:sp>
+    </p:spTree>
+    <p:extLst>
+      <p:ext uri="{BB962C8B-B14F-4D97-AF65-F5344CB8AC3E}">
+        <p14:creationId xmlns:p14="http://schemas.microsoft.com/office/powerpoint/2010/main" val="1974929923"/>
+      </p:ext>
+    </p:extLst>
+  </p:cSld>
+  <p:clrMapOvr>
+    <a:masterClrMapping/>
+  </p:clrMapOvr>
+</p:sld>
+</file>
+
+<file path=ppt/slides/slide2.xml><?xml version="1.0" encoding="utf-8"?>
+<p:sld xmlns:a="http://schemas.openxmlformats.org/drawingml/2006/main" xmlns:r="http://schemas.openxmlformats.org/officeDocument/2006/relationships" xmlns:p="http://schemas.openxmlformats.org/presentationml/2006/main">
+  <p:cSld>
+    <p:spTree>
+      <p:nvGrpSpPr>
+        <p:cNvPr id="1" name=""/>
+        <p:cNvGrpSpPr/>
+        <p:nvPr/>
+      </p:nvGrpSpPr>
+      <p:grpSpPr>
+        <a:xfrm>
+          <a:off x="0" y="0"/>
+          <a:ext cx="0" cy="0"/>
+          <a:chOff x="0" y="0"/>
+          <a:chExt cx="0" cy="0"/>
+        </a:xfrm>
+      </p:grpSpPr>
+      <p:sp>
+        <p:nvSpPr>
+          <p:cNvPr id="14" name="ZoneTexte 13">
+            <a:extLst>
+              <a:ext uri="{FF2B5EF4-FFF2-40B4-BE49-F238E27FC236}">
+                <a16:creationId xmlns:a16="http://schemas.microsoft.com/office/drawing/2014/main" id="{A41BC286-0AF1-4368-B284-8E1F71E435FE}"/>
+              </a:ext>
+            </a:extLst>
+          </p:cNvPr>
+          <p:cNvSpPr txBox="1"/>
+          <p:nvPr/>
+        </p:nvSpPr>
+        <p:spPr>
+          <a:xfrm>
+            <a:off x="3293574" y="3555641"/>
+            <a:ext cx="3652287" cy="2308324"/>
+          </a:xfrm>
+          <a:prstGeom prst="rect">
+            <a:avLst/>
+          </a:prstGeom>
+          <a:noFill/>
+        </p:spPr>
+        <p:txBody>
+          <a:bodyPr wrap="square" rtlCol="0">
+            <a:spAutoFit/>
+          </a:bodyPr>
+          <a:lstStyle/>
+          <a:p>
+            <a:pPr marL="720000" lvl="2" indent="0">
+              <a:buNone/>
+            </a:pPr>
+            <a:r>
+              <a:rPr lang="en-CH" dirty="0"/>
+              <a:t>Smoking</a:t>
+            </a:r>
+            <a:r>
+              <a:rPr lang="fr-BE" dirty="0"/>
+              <a:t> </a:t>
+            </a:r>
+            <a:r>
+              <a:rPr lang="fr-BE" dirty="0" err="1"/>
+              <a:t>habbits</a:t>
+            </a:r>
+            <a:endParaRPr lang="fr-BE" dirty="0"/>
+          </a:p>
+          <a:p>
+            <a:pPr marL="720000" lvl="2" indent="0">
+              <a:buNone/>
+            </a:pPr>
+            <a:endParaRPr lang="en-CH" dirty="0"/>
+          </a:p>
+          <a:p>
+            <a:pPr marL="720000" lvl="2" indent="0">
+              <a:buNone/>
+            </a:pPr>
+            <a:r>
+              <a:rPr lang="en-CH" dirty="0"/>
+              <a:t>Alcohol consumption</a:t>
+            </a:r>
+            <a:endParaRPr lang="fr-BE" dirty="0"/>
+          </a:p>
+          <a:p>
+            <a:pPr marL="720000" lvl="2" indent="0">
+              <a:buNone/>
+            </a:pPr>
+            <a:endParaRPr lang="en-CH" dirty="0"/>
+          </a:p>
+          <a:p>
+            <a:pPr marL="720000" lvl="2" indent="0">
+              <a:buNone/>
+            </a:pPr>
+            <a:r>
+              <a:rPr lang="en-CH" dirty="0"/>
+              <a:t>Unemployment rate</a:t>
+            </a:r>
+            <a:endParaRPr lang="fr-BE" dirty="0"/>
+          </a:p>
+          <a:p>
+            <a:pPr marL="720000" lvl="2" indent="0">
+              <a:buNone/>
+            </a:pPr>
+            <a:endParaRPr lang="en-CH" dirty="0"/>
+          </a:p>
+          <a:p>
+            <a:pPr marL="720000" lvl="2" indent="0">
+              <a:buNone/>
+            </a:pPr>
+            <a:r>
+              <a:rPr lang="en-CH" dirty="0"/>
+              <a:t>Population</a:t>
+            </a:r>
+          </a:p>
+          <a:p>
+            <a:endParaRPr lang="fr-BE" dirty="0"/>
+          </a:p>
+        </p:txBody>
+      </p:sp>
+      <p:sp>
+        <p:nvSpPr>
+          <p:cNvPr id="2" name="Title 1">
+            <a:extLst>
+              <a:ext uri="{FF2B5EF4-FFF2-40B4-BE49-F238E27FC236}">
+                <a16:creationId xmlns:a16="http://schemas.microsoft.com/office/drawing/2014/main" id="{CEBECAC7-DC57-924E-B280-5D7392E65298}"/>
+              </a:ext>
+            </a:extLst>
+          </p:cNvPr>
+          <p:cNvSpPr>
+            <a:spLocks noGrp="1"/>
+          </p:cNvSpPr>
+          <p:nvPr>
+            <p:ph type="title"/>
+          </p:nvPr>
+        </p:nvSpPr>
+        <p:spPr/>
+        <p:txBody>
+          <a:bodyPr/>
+          <a:lstStyle/>
+          <a:p>
+            <a:r>
+              <a:rPr lang="en-CH" dirty="0"/>
+              <a:t>Source of the data</a:t>
+            </a:r>
+          </a:p>
+        </p:txBody>
+      </p:sp>
+      <p:sp>
+        <p:nvSpPr>
+          <p:cNvPr id="3" name="Content Placeholder 2">
+            <a:extLst>
+              <a:ext uri="{FF2B5EF4-FFF2-40B4-BE49-F238E27FC236}">
+                <a16:creationId xmlns:a16="http://schemas.microsoft.com/office/drawing/2014/main" id="{DA36A26A-4D8C-034C-9C54-65F8CEDC00AE}"/>
+              </a:ext>
+            </a:extLst>
+          </p:cNvPr>
+          <p:cNvSpPr>
+            <a:spLocks noGrp="1"/>
+          </p:cNvSpPr>
+          <p:nvPr>
+            <p:ph idx="1"/>
+          </p:nvPr>
+        </p:nvSpPr>
+        <p:spPr>
+          <a:xfrm>
+            <a:off x="1079499" y="1773849"/>
+            <a:ext cx="10191475" cy="1789044"/>
+          </a:xfrm>
+        </p:spPr>
+        <p:txBody>
+          <a:bodyPr>
+            <a:noAutofit/>
+          </a:bodyPr>
+          <a:lstStyle/>
+          <a:p>
+            <a:r>
+              <a:rPr lang="en-CH" dirty="0"/>
+              <a:t>Original data set from Kaggle</a:t>
+            </a:r>
+          </a:p>
+          <a:p>
+            <a:r>
+              <a:rPr lang="en-CH" dirty="0"/>
+              <a:t>REST Alpha2 country codes</a:t>
+            </a:r>
+          </a:p>
+          <a:p>
+            <a:r>
+              <a:rPr lang="en-CH" dirty="0"/>
+              <a:t>Additional data from the World Bank API</a:t>
+            </a:r>
+            <a:endParaRPr lang="fr-BE" dirty="0"/>
+          </a:p>
+          <a:p>
+            <a:pPr marL="0" indent="0">
+              <a:buNone/>
+            </a:pPr>
+            <a:endParaRPr lang="en-CH" dirty="0"/>
+          </a:p>
+          <a:p>
+            <a:pPr marL="720000" lvl="2" indent="0">
+              <a:buNone/>
+            </a:pPr>
+            <a:r>
+              <a:rPr lang="fr-BE" dirty="0"/>
+              <a:t>	</a:t>
+            </a:r>
+            <a:endParaRPr lang="en-CH" dirty="0"/>
+          </a:p>
+        </p:txBody>
+      </p:sp>
+      <p:pic>
+        <p:nvPicPr>
+          <p:cNvPr id="5" name="Graphique 4" descr="Fumer avec un remplissage uni">
+            <a:extLst>
+              <a:ext uri="{FF2B5EF4-FFF2-40B4-BE49-F238E27FC236}">
+                <a16:creationId xmlns:a16="http://schemas.microsoft.com/office/drawing/2014/main" id="{58B91BC7-6B03-4E71-8992-AAA29DE663E8}"/>
+              </a:ext>
+            </a:extLst>
+          </p:cNvPr>
+          <p:cNvPicPr>
+            <a:picLocks noChangeAspect="1"/>
+          </p:cNvPicPr>
+          <p:nvPr/>
+        </p:nvPicPr>
+        <p:blipFill>
+          <a:blip r:embed="rId2">
+            <a:extLst>
+              <a:ext uri="{96DAC541-7B7A-43D3-8B79-37D633B846F1}">
+                <asvg:svgBlip xmlns:asvg="http://schemas.microsoft.com/office/drawing/2016/SVG/main" r:embed="rId3"/>
+              </a:ext>
+            </a:extLst>
+          </a:blip>
+          <a:stretch>
+            <a:fillRect/>
+          </a:stretch>
+        </p:blipFill>
+        <p:spPr>
+          <a:xfrm>
+            <a:off x="3303365" y="3489912"/>
+            <a:ext cx="371060" cy="371060"/>
+          </a:xfrm>
+          <a:prstGeom prst="rect">
+            <a:avLst/>
+          </a:prstGeom>
+        </p:spPr>
+      </p:pic>
+      <p:pic>
+        <p:nvPicPr>
+          <p:cNvPr id="9" name="Graphique 8" descr="Vin avec un remplissage uni">
+            <a:extLst>
+              <a:ext uri="{FF2B5EF4-FFF2-40B4-BE49-F238E27FC236}">
+                <a16:creationId xmlns:a16="http://schemas.microsoft.com/office/drawing/2014/main" id="{554F1E2F-EA6E-49E8-B039-3E058F4FEA6F}"/>
+              </a:ext>
+            </a:extLst>
+          </p:cNvPr>
+          <p:cNvPicPr>
+            <a:picLocks noChangeAspect="1"/>
+          </p:cNvPicPr>
+          <p:nvPr/>
+        </p:nvPicPr>
+        <p:blipFill>
+          <a:blip r:embed="rId4">
+            <a:extLst>
+              <a:ext uri="{96DAC541-7B7A-43D3-8B79-37D633B846F1}">
+                <asvg:svgBlip xmlns:asvg="http://schemas.microsoft.com/office/drawing/2016/SVG/main" r:embed="rId5"/>
+              </a:ext>
+            </a:extLst>
+          </a:blip>
+          <a:stretch>
+            <a:fillRect/>
+          </a:stretch>
+        </p:blipFill>
+        <p:spPr>
+          <a:xfrm>
+            <a:off x="3263757" y="4103351"/>
+            <a:ext cx="371061" cy="371061"/>
+          </a:xfrm>
+          <a:prstGeom prst="rect">
+            <a:avLst/>
+          </a:prstGeom>
+        </p:spPr>
+      </p:pic>
+      <p:pic>
+        <p:nvPicPr>
+          <p:cNvPr id="11" name="Graphique 10" descr="Groupe de personnes avec un remplissage uni">
+            <a:extLst>
+              <a:ext uri="{FF2B5EF4-FFF2-40B4-BE49-F238E27FC236}">
+                <a16:creationId xmlns:a16="http://schemas.microsoft.com/office/drawing/2014/main" id="{34C82069-B69D-45E4-BB29-C2F9F73B0921}"/>
+              </a:ext>
+            </a:extLst>
+          </p:cNvPr>
+          <p:cNvPicPr>
+            <a:picLocks noChangeAspect="1"/>
+          </p:cNvPicPr>
+          <p:nvPr/>
+        </p:nvPicPr>
+        <p:blipFill>
+          <a:blip r:embed="rId6">
+            <a:extLst>
+              <a:ext uri="{96DAC541-7B7A-43D3-8B79-37D633B846F1}">
+                <asvg:svgBlip xmlns:asvg="http://schemas.microsoft.com/office/drawing/2016/SVG/main" r:embed="rId7"/>
+              </a:ext>
+            </a:extLst>
+          </a:blip>
+          <a:stretch>
+            <a:fillRect/>
+          </a:stretch>
+        </p:blipFill>
+        <p:spPr>
+          <a:xfrm>
+            <a:off x="3303365" y="5222084"/>
+            <a:ext cx="316397" cy="316397"/>
+          </a:xfrm>
+          <a:prstGeom prst="rect">
+            <a:avLst/>
+          </a:prstGeom>
+        </p:spPr>
+      </p:pic>
+      <p:pic>
+        <p:nvPicPr>
+          <p:cNvPr id="13" name="Graphique 12" descr="Porte-bloc avec un remplissage uni">
+            <a:extLst>
+              <a:ext uri="{FF2B5EF4-FFF2-40B4-BE49-F238E27FC236}">
+                <a16:creationId xmlns:a16="http://schemas.microsoft.com/office/drawing/2014/main" id="{4FFA1226-875E-45DD-B204-F49E99CAD61B}"/>
+              </a:ext>
+            </a:extLst>
+          </p:cNvPr>
+          <p:cNvPicPr>
+            <a:picLocks noChangeAspect="1"/>
+          </p:cNvPicPr>
+          <p:nvPr/>
+        </p:nvPicPr>
+        <p:blipFill>
+          <a:blip r:embed="rId8">
+            <a:extLst>
+              <a:ext uri="{96DAC541-7B7A-43D3-8B79-37D633B846F1}">
+                <asvg:svgBlip xmlns:asvg="http://schemas.microsoft.com/office/drawing/2016/SVG/main" r:embed="rId9"/>
+              </a:ext>
+            </a:extLst>
+          </a:blip>
+          <a:stretch>
+            <a:fillRect/>
+          </a:stretch>
+        </p:blipFill>
+        <p:spPr>
+          <a:xfrm>
+            <a:off x="3293574" y="4667184"/>
+            <a:ext cx="311426" cy="311426"/>
+          </a:xfrm>
+          <a:prstGeom prst="rect">
+            <a:avLst/>
+          </a:prstGeom>
+        </p:spPr>
+      </p:pic>
+    </p:spTree>
+    <p:extLst>
+      <p:ext uri="{BB962C8B-B14F-4D97-AF65-F5344CB8AC3E}">
+        <p14:creationId xmlns:p14="http://schemas.microsoft.com/office/powerpoint/2010/main" val="1867939865"/>
+      </p:ext>
+    </p:extLst>
+  </p:cSld>
+  <p:clrMapOvr>
+    <a:masterClrMapping/>
+  </p:clrMapOvr>
+</p:sld>
+</file>
+
+<file path=ppt/slides/slide3.xml><?xml version="1.0" encoding="utf-8"?>
+<p:sld xmlns:a="http://schemas.openxmlformats.org/drawingml/2006/main" xmlns:r="http://schemas.openxmlformats.org/officeDocument/2006/relationships" xmlns:p="http://schemas.openxmlformats.org/presentationml/2006/main">
+  <p:cSld>
+    <p:spTree>
+      <p:nvGrpSpPr>
+        <p:cNvPr id="1" name=""/>
+        <p:cNvGrpSpPr/>
+        <p:nvPr/>
+      </p:nvGrpSpPr>
+      <p:grpSpPr>
+        <a:xfrm>
+          <a:off x="0" y="0"/>
+          <a:ext cx="0" cy="0"/>
+          <a:chOff x="0" y="0"/>
+          <a:chExt cx="0" cy="0"/>
+        </a:xfrm>
+      </p:grpSpPr>
+      <p:sp>
+        <p:nvSpPr>
+          <p:cNvPr id="2" name="Title 1">
+            <a:extLst>
+              <a:ext uri="{FF2B5EF4-FFF2-40B4-BE49-F238E27FC236}">
+                <a16:creationId xmlns:a16="http://schemas.microsoft.com/office/drawing/2014/main" id="{1A45EA46-8DC0-4D48-B647-F0FAAA5D04D4}"/>
+              </a:ext>
+            </a:extLst>
+          </p:cNvPr>
+          <p:cNvSpPr>
+            <a:spLocks noGrp="1"/>
+          </p:cNvSpPr>
+          <p:nvPr>
+            <p:ph type="title"/>
+          </p:nvPr>
+        </p:nvSpPr>
+        <p:spPr/>
+        <p:txBody>
+          <a:bodyPr/>
+          <a:lstStyle/>
+          <a:p>
+            <a:r>
+              <a:rPr lang="en-CH" dirty="0"/>
+              <a:t>Data infrastructure</a:t>
+            </a:r>
+          </a:p>
+        </p:txBody>
+      </p:sp>
+      <p:sp>
+        <p:nvSpPr>
+          <p:cNvPr id="3" name="Content Placeholder 2">
+            <a:extLst>
+              <a:ext uri="{FF2B5EF4-FFF2-40B4-BE49-F238E27FC236}">
+                <a16:creationId xmlns:a16="http://schemas.microsoft.com/office/drawing/2014/main" id="{5DC56CEF-023A-D148-B143-8321A08ECC09}"/>
+              </a:ext>
+            </a:extLst>
+          </p:cNvPr>
+          <p:cNvSpPr>
+            <a:spLocks noGrp="1"/>
+          </p:cNvSpPr>
+          <p:nvPr>
+            <p:ph idx="1"/>
+          </p:nvPr>
+        </p:nvSpPr>
+        <p:spPr>
+          <a:xfrm>
+            <a:off x="710543" y="1868487"/>
+            <a:ext cx="10026650" cy="3978275"/>
+          </a:xfrm>
+        </p:spPr>
+        <p:txBody>
+          <a:bodyPr>
+            <a:noAutofit/>
+          </a:bodyPr>
+          <a:lstStyle/>
+          <a:p>
+            <a:r>
+              <a:rPr lang="en-CH" dirty="0"/>
+              <a:t>Load the original dataset into</a:t>
+            </a:r>
+            <a:r>
+              <a:rPr lang="en-US" dirty="0"/>
+              <a:t> a local</a:t>
+            </a:r>
+            <a:r>
+              <a:rPr lang="en-CH" dirty="0"/>
+              <a:t> MySQL </a:t>
+            </a:r>
+            <a:r>
+              <a:rPr lang="en-US" dirty="0"/>
+              <a:t>DB using</a:t>
+            </a:r>
+            <a:r>
+              <a:rPr lang="en-CH" dirty="0"/>
+              <a:t> </a:t>
+            </a:r>
+            <a:r>
+              <a:rPr lang="en-US" dirty="0"/>
+              <a:t>the </a:t>
+            </a:r>
+            <a:r>
+              <a:rPr lang="en-US" i="1" dirty="0"/>
+              <a:t>.csv </a:t>
+            </a:r>
+            <a:r>
+              <a:rPr lang="en-US" dirty="0"/>
+              <a:t>from Kaggle</a:t>
+            </a:r>
+            <a:endParaRPr lang="en-CH" i="1" dirty="0"/>
+          </a:p>
+          <a:p>
+            <a:r>
+              <a:rPr lang="en-CH" dirty="0"/>
+              <a:t>Reali</a:t>
+            </a:r>
+            <a:r>
+              <a:rPr lang="fr-BE" dirty="0"/>
+              <a:t>se</a:t>
+            </a:r>
+            <a:r>
+              <a:rPr lang="en-CH" dirty="0"/>
+              <a:t> </a:t>
+            </a:r>
+            <a:r>
+              <a:rPr lang="en-US" dirty="0"/>
+              <a:t>storing the data </a:t>
+            </a:r>
+            <a:r>
+              <a:rPr lang="en-CH" dirty="0"/>
+              <a:t>this way may cause complications</a:t>
+            </a:r>
+          </a:p>
+          <a:p>
+            <a:pPr lvl="2"/>
+            <a:r>
+              <a:rPr lang="en-US" dirty="0"/>
+              <a:t>Turn to hosting - new</a:t>
+            </a:r>
+            <a:r>
+              <a:rPr lang="en-CH" dirty="0"/>
+              <a:t> MySQL database</a:t>
+            </a:r>
+            <a:r>
+              <a:rPr lang="en-US" dirty="0"/>
+              <a:t> instance</a:t>
+            </a:r>
+            <a:r>
+              <a:rPr lang="en-CH" dirty="0"/>
+              <a:t> on AWS</a:t>
+            </a:r>
+            <a:r>
+              <a:rPr lang="en-US" dirty="0"/>
+              <a:t> (this ensured reproducibility)</a:t>
+            </a:r>
+          </a:p>
+          <a:p>
+            <a:pPr lvl="2"/>
+            <a:r>
+              <a:rPr lang="en-US" dirty="0"/>
+              <a:t>Create dump and importing data &amp; structure in MySQL Workbench</a:t>
+            </a:r>
+          </a:p>
+          <a:p>
+            <a:pPr lvl="2"/>
+            <a:r>
+              <a:rPr lang="en-US" dirty="0"/>
+              <a:t>Create grader user with read only rights (only selects allowed)</a:t>
+            </a:r>
+            <a:endParaRPr lang="en-CH" dirty="0"/>
+          </a:p>
+          <a:p>
+            <a:r>
+              <a:rPr lang="en-US" dirty="0"/>
+              <a:t>Use</a:t>
+            </a:r>
+            <a:r>
+              <a:rPr lang="en-CH" dirty="0"/>
+              <a:t> the</a:t>
+            </a:r>
+            <a:r>
+              <a:rPr lang="en-US" dirty="0"/>
+              <a:t> REST Countries to find the Alpha2</a:t>
+            </a:r>
+            <a:r>
+              <a:rPr lang="en-CH" dirty="0"/>
+              <a:t> country codes</a:t>
+            </a:r>
+            <a:r>
+              <a:rPr lang="en-US" dirty="0"/>
+              <a:t> of countries</a:t>
+            </a:r>
+          </a:p>
+          <a:p>
+            <a:r>
+              <a:rPr lang="en-US" dirty="0"/>
+              <a:t>Use World Bank’s API to enrich our data</a:t>
+            </a:r>
+          </a:p>
+          <a:p>
+            <a:r>
+              <a:rPr lang="en-CH" dirty="0"/>
+              <a:t>Use an </a:t>
+            </a:r>
+            <a:r>
+              <a:rPr lang="en-CH" i="1" dirty="0"/>
+              <a:t>.xlsx </a:t>
+            </a:r>
+            <a:r>
+              <a:rPr lang="en-CH" dirty="0"/>
+              <a:t>fi</a:t>
+            </a:r>
+            <a:r>
+              <a:rPr lang="en-US" dirty="0"/>
+              <a:t>le</a:t>
+            </a:r>
+            <a:r>
+              <a:rPr lang="en-CH" dirty="0"/>
+              <a:t> </a:t>
+            </a:r>
+            <a:r>
+              <a:rPr lang="en-US" dirty="0"/>
+              <a:t>that contained the</a:t>
+            </a:r>
+            <a:r>
+              <a:rPr lang="en-CH" dirty="0"/>
+              <a:t> </a:t>
+            </a:r>
+            <a:r>
+              <a:rPr lang="en-US" dirty="0"/>
+              <a:t>WDI</a:t>
+            </a:r>
+            <a:r>
+              <a:rPr lang="en-CH" dirty="0"/>
+              <a:t> codes</a:t>
+            </a:r>
+            <a:r>
+              <a:rPr lang="en-US" dirty="0"/>
+              <a:t> (hosted on GitHub for reproducibility and dynamism)</a:t>
+            </a:r>
+          </a:p>
+          <a:p>
+            <a:endParaRPr lang="en-CH" dirty="0"/>
+          </a:p>
+        </p:txBody>
+      </p:sp>
+      <p:pic>
+        <p:nvPicPr>
+          <p:cNvPr id="7" name="Graphique 6" descr="Charger avec un remplissage uni">
+            <a:extLst>
+              <a:ext uri="{FF2B5EF4-FFF2-40B4-BE49-F238E27FC236}">
+                <a16:creationId xmlns:a16="http://schemas.microsoft.com/office/drawing/2014/main" id="{486018CE-DEE5-45B7-8239-F8C9E237E2ED}"/>
+              </a:ext>
+            </a:extLst>
+          </p:cNvPr>
+          <p:cNvPicPr>
+            <a:picLocks noChangeAspect="1"/>
+          </p:cNvPicPr>
+          <p:nvPr/>
+        </p:nvPicPr>
+        <p:blipFill>
+          <a:blip r:embed="rId2">
+            <a:extLst>
+              <a:ext uri="{96DAC541-7B7A-43D3-8B79-37D633B846F1}">
+                <asvg:svgBlip xmlns:asvg="http://schemas.microsoft.com/office/drawing/2016/SVG/main" r:embed="rId3"/>
+              </a:ext>
+            </a:extLst>
+          </a:blip>
+          <a:stretch>
+            <a:fillRect/>
+          </a:stretch>
+        </p:blipFill>
+        <p:spPr>
+          <a:xfrm>
+            <a:off x="9702350" y="0"/>
+            <a:ext cx="2056726" cy="2056726"/>
+          </a:xfrm>
+          <a:prstGeom prst="rect">
+            <a:avLst/>
+          </a:prstGeom>
+        </p:spPr>
+      </p:pic>
+    </p:spTree>
+    <p:extLst>
+      <p:ext uri="{BB962C8B-B14F-4D97-AF65-F5344CB8AC3E}">
+        <p14:creationId xmlns:p14="http://schemas.microsoft.com/office/powerpoint/2010/main" val="799758839"/>
+      </p:ext>
+    </p:extLst>
+  </p:cSld>
+  <p:clrMapOvr>
+    <a:masterClrMapping/>
+  </p:clrMapOvr>
+</p:sld>
+</file>
+
+<file path=ppt/slides/slide4.xml><?xml version="1.0" encoding="utf-8"?>
+<p:sld xmlns:a="http://schemas.openxmlformats.org/drawingml/2006/main" xmlns:r="http://schemas.openxmlformats.org/officeDocument/2006/relationships" xmlns:p="http://schemas.openxmlformats.org/presentationml/2006/main">
+  <p:cSld>
+    <p:spTree>
+      <p:nvGrpSpPr>
+        <p:cNvPr id="1" name=""/>
+        <p:cNvGrpSpPr/>
+        <p:nvPr/>
+      </p:nvGrpSpPr>
+      <p:grpSpPr>
+        <a:xfrm>
+          <a:off x="0" y="0"/>
+          <a:ext cx="0" cy="0"/>
+          <a:chOff x="0" y="0"/>
+          <a:chExt cx="0" cy="0"/>
+        </a:xfrm>
+      </p:grpSpPr>
+      <p:sp>
+        <p:nvSpPr>
+          <p:cNvPr id="2" name="Title 1">
+            <a:extLst>
+              <a:ext uri="{FF2B5EF4-FFF2-40B4-BE49-F238E27FC236}">
+                <a16:creationId xmlns:a16="http://schemas.microsoft.com/office/drawing/2014/main" id="{E2FDB958-B481-0E41-90FD-180F101A33CC}"/>
+              </a:ext>
+            </a:extLst>
+          </p:cNvPr>
+          <p:cNvSpPr>
+            <a:spLocks noGrp="1"/>
+          </p:cNvSpPr>
+          <p:nvPr>
+            <p:ph type="title"/>
+          </p:nvPr>
+        </p:nvSpPr>
+        <p:spPr/>
+        <p:txBody>
+          <a:bodyPr/>
+          <a:lstStyle/>
+          <a:p>
+            <a:r>
+              <a:rPr lang="en-GB" dirty="0"/>
+              <a:t>E</a:t>
+            </a:r>
+            <a:r>
+              <a:rPr lang="en-CH" dirty="0"/>
+              <a:t>tl data pipeline</a:t>
+            </a:r>
+          </a:p>
+        </p:txBody>
+      </p:sp>
+      <p:sp>
+        <p:nvSpPr>
+          <p:cNvPr id="3" name="Content Placeholder 2">
+            <a:extLst>
+              <a:ext uri="{FF2B5EF4-FFF2-40B4-BE49-F238E27FC236}">
+                <a16:creationId xmlns:a16="http://schemas.microsoft.com/office/drawing/2014/main" id="{50374378-1AB9-1747-AC27-6AB5640650FD}"/>
+              </a:ext>
+            </a:extLst>
+          </p:cNvPr>
+          <p:cNvSpPr>
+            <a:spLocks noGrp="1"/>
+          </p:cNvSpPr>
+          <p:nvPr>
+            <p:ph idx="1"/>
+          </p:nvPr>
+        </p:nvSpPr>
+        <p:spPr>
+          <a:xfrm>
+            <a:off x="787086" y="2065880"/>
+            <a:ext cx="10026650" cy="3978275"/>
+          </a:xfrm>
+        </p:spPr>
+        <p:txBody>
+          <a:bodyPr>
+            <a:noAutofit/>
+          </a:bodyPr>
+          <a:lstStyle/>
+          <a:p>
+            <a:r>
+              <a:rPr lang="en-US" dirty="0"/>
+              <a:t>Connect to MySQL DB hosted on AWS</a:t>
+            </a:r>
+          </a:p>
+          <a:p>
+            <a:r>
+              <a:rPr lang="en-US" dirty="0"/>
+              <a:t>Use the </a:t>
+            </a:r>
+            <a:r>
+              <a:rPr lang="en-CH" dirty="0"/>
+              <a:t>“name” functionality</a:t>
+            </a:r>
+            <a:r>
+              <a:rPr lang="en-US" dirty="0"/>
+              <a:t> of the REST Countries API to get country codes</a:t>
+            </a:r>
+            <a:endParaRPr lang="en-CH" dirty="0"/>
+          </a:p>
+          <a:p>
+            <a:r>
+              <a:rPr lang="en-US" dirty="0"/>
+              <a:t>Mapp codes to countries with a j</a:t>
+            </a:r>
+            <a:r>
+              <a:rPr lang="en-CH" dirty="0"/>
+              <a:t>oin</a:t>
+            </a:r>
+            <a:endParaRPr lang="en-US" dirty="0"/>
+          </a:p>
+          <a:p>
+            <a:r>
+              <a:rPr lang="en-CH" dirty="0"/>
+              <a:t>The World Development Indicators (WDIs) were </a:t>
+            </a:r>
+            <a:r>
+              <a:rPr lang="en-US" dirty="0"/>
+              <a:t>retrieved by</a:t>
+            </a:r>
+            <a:r>
+              <a:rPr lang="en-CH" dirty="0"/>
+              <a:t> using</a:t>
+            </a:r>
+            <a:r>
+              <a:rPr lang="en-US" dirty="0"/>
+              <a:t> World Bank’s</a:t>
+            </a:r>
+            <a:r>
+              <a:rPr lang="en-CH" dirty="0"/>
+              <a:t> API</a:t>
+            </a:r>
+            <a:r>
+              <a:rPr lang="en-US" dirty="0"/>
+              <a:t>.</a:t>
+            </a:r>
+            <a:endParaRPr lang="en-CH" dirty="0"/>
+          </a:p>
+          <a:p>
+            <a:pPr lvl="2"/>
+            <a:r>
+              <a:rPr lang="en-US" dirty="0"/>
+              <a:t>Our data flow is efficient because it gets all data with only 1 API request / WDI</a:t>
+            </a:r>
+          </a:p>
+          <a:p>
+            <a:pPr lvl="2"/>
+            <a:r>
+              <a:rPr lang="en-US" dirty="0"/>
+              <a:t>Use loop construction, conditional branching and list to table transformation)</a:t>
+            </a:r>
+          </a:p>
+          <a:p>
+            <a:pPr lvl="2"/>
+            <a:r>
+              <a:rPr lang="en-US" dirty="0"/>
+              <a:t>Extract last and earliest years in core data to v</a:t>
+            </a:r>
+            <a:r>
+              <a:rPr lang="en-CH" dirty="0"/>
+              <a:t>ariables</a:t>
+            </a:r>
+            <a:r>
+              <a:rPr lang="en-US" dirty="0"/>
+              <a:t> to plug into the URL (to improve efficiency)</a:t>
+            </a:r>
+            <a:endParaRPr lang="en-CH" dirty="0"/>
+          </a:p>
+          <a:p>
+            <a:endParaRPr lang="en-GB" dirty="0"/>
+          </a:p>
+        </p:txBody>
+      </p:sp>
+      <p:sp>
+        <p:nvSpPr>
+          <p:cNvPr id="5" name="Cylindre 4">
+            <a:extLst>
+              <a:ext uri="{FF2B5EF4-FFF2-40B4-BE49-F238E27FC236}">
+                <a16:creationId xmlns:a16="http://schemas.microsoft.com/office/drawing/2014/main" id="{C216866E-D7CA-4B90-A6A4-3831A052367A}"/>
+              </a:ext>
+            </a:extLst>
+          </p:cNvPr>
+          <p:cNvSpPr/>
+          <p:nvPr/>
+        </p:nvSpPr>
+        <p:spPr>
+          <a:xfrm>
+            <a:off x="7174363" y="912342"/>
+            <a:ext cx="825135" cy="568637"/>
+          </a:xfrm>
+          <a:prstGeom prst="can">
+            <a:avLst/>
+          </a:prstGeom>
+          <a:solidFill>
+            <a:schemeClr val="tx1"/>
+          </a:solidFill>
+          <a:ln>
+            <a:solidFill>
+              <a:schemeClr val="tx1">
+                <a:lumMod val="75000"/>
+              </a:schemeClr>
+            </a:solidFill>
+          </a:ln>
+        </p:spPr>
+        <p:style>
+          <a:lnRef idx="2">
+            <a:schemeClr val="accent1">
+              <a:shade val="50000"/>
+            </a:schemeClr>
+          </a:lnRef>
+          <a:fillRef idx="1">
+            <a:schemeClr val="accent1"/>
+          </a:fillRef>
+          <a:effectRef idx="0">
+            <a:schemeClr val="accent1"/>
+          </a:effectRef>
+          <a:fontRef idx="minor">
+            <a:schemeClr val="lt1"/>
+          </a:fontRef>
+        </p:style>
+        <p:txBody>
+          <a:bodyPr rtlCol="0" anchor="ctr"/>
+          <a:lstStyle/>
+          <a:p>
+            <a:pPr algn="ctr"/>
+            <a:endParaRPr lang="fr-BE"/>
+          </a:p>
+        </p:txBody>
+      </p:sp>
+      <p:sp>
+        <p:nvSpPr>
+          <p:cNvPr id="6" name="Cylindre 5">
+            <a:extLst>
+              <a:ext uri="{FF2B5EF4-FFF2-40B4-BE49-F238E27FC236}">
+                <a16:creationId xmlns:a16="http://schemas.microsoft.com/office/drawing/2014/main" id="{04DB4C4E-949C-48A7-BC00-6290530329FA}"/>
+              </a:ext>
+            </a:extLst>
+          </p:cNvPr>
+          <p:cNvSpPr/>
+          <p:nvPr/>
+        </p:nvSpPr>
+        <p:spPr>
+          <a:xfrm>
+            <a:off x="10401169" y="912342"/>
+            <a:ext cx="825135" cy="590718"/>
+          </a:xfrm>
+          <a:prstGeom prst="can">
+            <a:avLst/>
+          </a:prstGeom>
+          <a:solidFill>
+            <a:schemeClr val="tx1"/>
+          </a:solidFill>
+          <a:ln>
+            <a:solidFill>
+              <a:schemeClr val="tx1">
+                <a:lumMod val="75000"/>
+              </a:schemeClr>
+            </a:solidFill>
+          </a:ln>
+        </p:spPr>
+        <p:style>
+          <a:lnRef idx="2">
+            <a:schemeClr val="accent1">
+              <a:shade val="50000"/>
+            </a:schemeClr>
+          </a:lnRef>
+          <a:fillRef idx="1">
+            <a:schemeClr val="accent1"/>
+          </a:fillRef>
+          <a:effectRef idx="0">
+            <a:schemeClr val="accent1"/>
+          </a:effectRef>
+          <a:fontRef idx="minor">
+            <a:schemeClr val="lt1"/>
+          </a:fontRef>
+        </p:style>
+        <p:txBody>
+          <a:bodyPr rtlCol="0" anchor="ctr"/>
+          <a:lstStyle/>
+          <a:p>
+            <a:pPr algn="ctr"/>
+            <a:endParaRPr lang="fr-BE"/>
+          </a:p>
+        </p:txBody>
+      </p:sp>
+      <p:sp>
+        <p:nvSpPr>
+          <p:cNvPr id="7" name="Rectangle 6">
+            <a:extLst>
+              <a:ext uri="{FF2B5EF4-FFF2-40B4-BE49-F238E27FC236}">
+                <a16:creationId xmlns:a16="http://schemas.microsoft.com/office/drawing/2014/main" id="{CAB80B8B-21E0-4536-9128-F192D33C818E}"/>
+              </a:ext>
+            </a:extLst>
+          </p:cNvPr>
+          <p:cNvSpPr/>
+          <p:nvPr/>
+        </p:nvSpPr>
+        <p:spPr>
+          <a:xfrm>
+            <a:off x="8745796" y="952711"/>
+            <a:ext cx="807028" cy="487898"/>
+          </a:xfrm>
+          <a:prstGeom prst="rect">
+            <a:avLst/>
+          </a:prstGeom>
+          <a:solidFill>
+            <a:schemeClr val="tx1"/>
+          </a:solidFill>
+          <a:ln>
+            <a:solidFill>
+              <a:schemeClr val="tx1"/>
+            </a:solidFill>
+          </a:ln>
+        </p:spPr>
+        <p:style>
+          <a:lnRef idx="2">
+            <a:schemeClr val="accent1">
+              <a:shade val="50000"/>
+            </a:schemeClr>
+          </a:lnRef>
+          <a:fillRef idx="1">
+            <a:schemeClr val="accent1"/>
+          </a:fillRef>
+          <a:effectRef idx="0">
+            <a:schemeClr val="accent1"/>
+          </a:effectRef>
+          <a:fontRef idx="minor">
+            <a:schemeClr val="lt1"/>
+          </a:fontRef>
+        </p:style>
+        <p:txBody>
+          <a:bodyPr rtlCol="0" anchor="ctr"/>
+          <a:lstStyle/>
+          <a:p>
+            <a:pPr algn="ctr"/>
+            <a:endParaRPr lang="fr-BE"/>
+          </a:p>
+        </p:txBody>
+      </p:sp>
+      <p:sp>
+        <p:nvSpPr>
+          <p:cNvPr id="8" name="Flèche : droite 7">
+            <a:extLst>
+              <a:ext uri="{FF2B5EF4-FFF2-40B4-BE49-F238E27FC236}">
+                <a16:creationId xmlns:a16="http://schemas.microsoft.com/office/drawing/2014/main" id="{7A6FB6C3-7A81-47B3-B943-9D6F1981EB5D}"/>
+              </a:ext>
+            </a:extLst>
+          </p:cNvPr>
+          <p:cNvSpPr/>
+          <p:nvPr/>
+        </p:nvSpPr>
+        <p:spPr>
+          <a:xfrm>
+            <a:off x="7642506" y="1575879"/>
+            <a:ext cx="3013608" cy="354731"/>
+          </a:xfrm>
+          <a:prstGeom prst="rightArrow">
+            <a:avLst/>
+          </a:prstGeom>
+          <a:solidFill>
+            <a:schemeClr val="tx1"/>
+          </a:solidFill>
+          <a:ln>
+            <a:solidFill>
+              <a:schemeClr val="tx1"/>
+            </a:solidFill>
+          </a:ln>
+        </p:spPr>
+        <p:style>
+          <a:lnRef idx="2">
+            <a:schemeClr val="accent1">
+              <a:shade val="50000"/>
+            </a:schemeClr>
+          </a:lnRef>
+          <a:fillRef idx="1">
+            <a:schemeClr val="accent1"/>
+          </a:fillRef>
+          <a:effectRef idx="0">
+            <a:schemeClr val="accent1"/>
+          </a:effectRef>
+          <a:fontRef idx="minor">
+            <a:schemeClr val="lt1"/>
+          </a:fontRef>
+        </p:style>
+        <p:txBody>
+          <a:bodyPr rtlCol="0" anchor="ctr"/>
+          <a:lstStyle/>
+          <a:p>
+            <a:pPr algn="ctr"/>
+            <a:endParaRPr lang="fr-BE"/>
+          </a:p>
+        </p:txBody>
+      </p:sp>
+      <p:cxnSp>
+        <p:nvCxnSpPr>
+          <p:cNvPr id="11" name="Connecteur droit avec flèche 10">
+            <a:extLst>
+              <a:ext uri="{FF2B5EF4-FFF2-40B4-BE49-F238E27FC236}">
+                <a16:creationId xmlns:a16="http://schemas.microsoft.com/office/drawing/2014/main" id="{C9A2BF19-552A-477A-877D-0013CEEF76DA}"/>
+              </a:ext>
+            </a:extLst>
+          </p:cNvPr>
+          <p:cNvCxnSpPr>
+            <a:cxnSpLocks/>
+          </p:cNvCxnSpPr>
+          <p:nvPr/>
+        </p:nvCxnSpPr>
+        <p:spPr>
+          <a:xfrm>
+            <a:off x="8252526" y="1196660"/>
+            <a:ext cx="373116" cy="0"/>
+          </a:xfrm>
+          <a:prstGeom prst="straightConnector1">
+            <a:avLst/>
+          </a:prstGeom>
+          <a:ln>
+            <a:solidFill>
+              <a:schemeClr val="tx1"/>
+            </a:solidFill>
+            <a:tailEnd type="triangle"/>
+          </a:ln>
+        </p:spPr>
+        <p:style>
+          <a:lnRef idx="1">
+            <a:schemeClr val="accent1"/>
+          </a:lnRef>
+          <a:fillRef idx="0">
+            <a:schemeClr val="accent1"/>
+          </a:fillRef>
+          <a:effectRef idx="0">
+            <a:schemeClr val="accent1"/>
+          </a:effectRef>
+          <a:fontRef idx="minor">
+            <a:schemeClr val="tx1"/>
+          </a:fontRef>
+        </p:style>
+      </p:cxnSp>
+      <p:cxnSp>
+        <p:nvCxnSpPr>
+          <p:cNvPr id="15" name="Connecteur droit avec flèche 14">
+            <a:extLst>
+              <a:ext uri="{FF2B5EF4-FFF2-40B4-BE49-F238E27FC236}">
+                <a16:creationId xmlns:a16="http://schemas.microsoft.com/office/drawing/2014/main" id="{9111B6B4-AD03-426A-9A53-86B6F109678E}"/>
+              </a:ext>
+            </a:extLst>
+          </p:cNvPr>
+          <p:cNvCxnSpPr>
+            <a:cxnSpLocks/>
+          </p:cNvCxnSpPr>
+          <p:nvPr/>
+        </p:nvCxnSpPr>
+        <p:spPr>
+          <a:xfrm>
+            <a:off x="9747840" y="1223960"/>
+            <a:ext cx="373116" cy="0"/>
+          </a:xfrm>
+          <a:prstGeom prst="straightConnector1">
+            <a:avLst/>
+          </a:prstGeom>
+          <a:ln>
+            <a:solidFill>
+              <a:schemeClr val="tx1"/>
+            </a:solidFill>
+            <a:tailEnd type="triangle"/>
+          </a:ln>
+        </p:spPr>
+        <p:style>
+          <a:lnRef idx="1">
+            <a:schemeClr val="accent1"/>
+          </a:lnRef>
+          <a:fillRef idx="0">
+            <a:schemeClr val="accent1"/>
+          </a:fillRef>
+          <a:effectRef idx="0">
+            <a:schemeClr val="accent1"/>
+          </a:effectRef>
+          <a:fontRef idx="minor">
+            <a:schemeClr val="tx1"/>
+          </a:fontRef>
+        </p:style>
+      </p:cxnSp>
+    </p:spTree>
+    <p:extLst>
+      <p:ext uri="{BB962C8B-B14F-4D97-AF65-F5344CB8AC3E}">
+        <p14:creationId xmlns:p14="http://schemas.microsoft.com/office/powerpoint/2010/main" val="3587188991"/>
+      </p:ext>
+    </p:extLst>
+  </p:cSld>
+  <p:clrMapOvr>
+    <a:masterClrMapping/>
+  </p:clrMapOvr>
+</p:sld>
+</file>
+
+<file path=ppt/slides/slide5.xml><?xml version="1.0" encoding="utf-8"?>
+<p:sld xmlns:a="http://schemas.openxmlformats.org/drawingml/2006/main" xmlns:r="http://schemas.openxmlformats.org/officeDocument/2006/relationships" xmlns:p="http://schemas.openxmlformats.org/presentationml/2006/main">
+  <p:cSld>
+    <p:spTree>
+      <p:nvGrpSpPr>
+        <p:cNvPr id="1" name=""/>
+        <p:cNvGrpSpPr/>
+        <p:nvPr/>
+      </p:nvGrpSpPr>
+      <p:grpSpPr>
+        <a:xfrm>
+          <a:off x="0" y="0"/>
+          <a:ext cx="0" cy="0"/>
+          <a:chOff x="0" y="0"/>
+          <a:chExt cx="0" cy="0"/>
+        </a:xfrm>
+      </p:grpSpPr>
+      <p:sp>
+        <p:nvSpPr>
+          <p:cNvPr id="2" name="Title 1">
+            <a:extLst>
+              <a:ext uri="{FF2B5EF4-FFF2-40B4-BE49-F238E27FC236}">
+                <a16:creationId xmlns:a16="http://schemas.microsoft.com/office/drawing/2014/main" id="{BE2B0980-4831-C14C-9E33-FBAC97C9635E}"/>
+              </a:ext>
+            </a:extLst>
+          </p:cNvPr>
+          <p:cNvSpPr>
+            <a:spLocks noGrp="1"/>
+          </p:cNvSpPr>
+          <p:nvPr>
+            <p:ph type="title"/>
+          </p:nvPr>
+        </p:nvSpPr>
+        <p:spPr/>
+        <p:txBody>
+          <a:bodyPr/>
+          <a:lstStyle/>
+          <a:p>
+            <a:r>
+              <a:rPr lang="en-GB" dirty="0"/>
+              <a:t>D</a:t>
+            </a:r>
+            <a:r>
+              <a:rPr lang="en-CH" dirty="0"/>
+              <a:t>ata visualization - cleaning</a:t>
+            </a:r>
+          </a:p>
+        </p:txBody>
+      </p:sp>
+      <p:sp>
+        <p:nvSpPr>
+          <p:cNvPr id="3" name="Content Placeholder 2">
+            <a:extLst>
+              <a:ext uri="{FF2B5EF4-FFF2-40B4-BE49-F238E27FC236}">
+                <a16:creationId xmlns:a16="http://schemas.microsoft.com/office/drawing/2014/main" id="{E2226645-1590-3D4D-A6A3-5498A8BD18CD}"/>
+              </a:ext>
+            </a:extLst>
+          </p:cNvPr>
+          <p:cNvSpPr>
+            <a:spLocks noGrp="1"/>
+          </p:cNvSpPr>
+          <p:nvPr>
+            <p:ph idx="1"/>
+          </p:nvPr>
+        </p:nvSpPr>
+        <p:spPr>
+          <a:xfrm>
+            <a:off x="1079500" y="2073922"/>
+            <a:ext cx="10026650" cy="3978275"/>
+          </a:xfrm>
+        </p:spPr>
+        <p:txBody>
+          <a:bodyPr/>
+          <a:lstStyle/>
+          <a:p>
+            <a:r>
+              <a:rPr lang="en-CH" dirty="0"/>
+              <a:t>Filtere out all missing values</a:t>
+            </a:r>
+          </a:p>
+          <a:p>
+            <a:r>
+              <a:rPr lang="en-CH" dirty="0"/>
+              <a:t>Using a histogram</a:t>
+            </a:r>
+            <a:r>
+              <a:rPr lang="fr-BE" dirty="0"/>
+              <a:t>           </a:t>
+            </a:r>
+            <a:r>
+              <a:rPr lang="en-CH" dirty="0"/>
+              <a:t>we mainly have observations for 2010</a:t>
+            </a:r>
+          </a:p>
+          <a:p>
+            <a:pPr lvl="2"/>
+            <a:r>
+              <a:rPr lang="en-CH" dirty="0"/>
+              <a:t>Switch to a cross-sectional analysis from a time series</a:t>
+            </a:r>
+          </a:p>
+          <a:p>
+            <a:pPr lvl="2"/>
+            <a:r>
+              <a:rPr lang="en-CH" dirty="0"/>
+              <a:t>Filter out any observations not belonging to that year</a:t>
+            </a:r>
+          </a:p>
+        </p:txBody>
+      </p:sp>
+      <p:sp>
+        <p:nvSpPr>
+          <p:cNvPr id="5" name="Arrow: Right 4">
+            <a:extLst>
+              <a:ext uri="{FF2B5EF4-FFF2-40B4-BE49-F238E27FC236}">
+                <a16:creationId xmlns:a16="http://schemas.microsoft.com/office/drawing/2014/main" id="{AC2C4803-181F-41E7-9C54-01A3CC94DDFA}"/>
+              </a:ext>
+            </a:extLst>
+          </p:cNvPr>
+          <p:cNvSpPr/>
+          <p:nvPr/>
+        </p:nvSpPr>
+        <p:spPr>
+          <a:xfrm>
+            <a:off x="3601615" y="2713373"/>
+            <a:ext cx="522515" cy="203557"/>
+          </a:xfrm>
+          <a:prstGeom prst="rightArrow">
+            <a:avLst/>
+          </a:prstGeom>
+          <a:solidFill>
+            <a:schemeClr val="tx1"/>
+          </a:solidFill>
+          <a:ln>
+            <a:solidFill>
+              <a:schemeClr val="tx1"/>
+            </a:solidFill>
+          </a:ln>
+        </p:spPr>
+        <p:style>
+          <a:lnRef idx="2">
+            <a:schemeClr val="accent1">
+              <a:shade val="50000"/>
+            </a:schemeClr>
+          </a:lnRef>
+          <a:fillRef idx="1">
+            <a:schemeClr val="accent1"/>
+          </a:fillRef>
+          <a:effectRef idx="0">
+            <a:schemeClr val="accent1"/>
+          </a:effectRef>
+          <a:fontRef idx="minor">
+            <a:schemeClr val="lt1"/>
+          </a:fontRef>
+        </p:style>
+        <p:txBody>
+          <a:bodyPr rtlCol="0" anchor="ctr"/>
+          <a:lstStyle/>
+          <a:p>
+            <a:pPr algn="ctr"/>
+            <a:endParaRPr lang="LID4096"/>
+          </a:p>
+        </p:txBody>
+      </p:sp>
+      <p:pic>
+        <p:nvPicPr>
+          <p:cNvPr id="6" name="Graphique 5" descr="Serpillière et seau avec un remplissage uni">
+            <a:extLst>
+              <a:ext uri="{FF2B5EF4-FFF2-40B4-BE49-F238E27FC236}">
+                <a16:creationId xmlns:a16="http://schemas.microsoft.com/office/drawing/2014/main" id="{28F7F73B-F9AB-4A8C-B1B5-19BC063864EE}"/>
+              </a:ext>
+            </a:extLst>
+          </p:cNvPr>
+          <p:cNvPicPr>
+            <a:picLocks noChangeAspect="1"/>
+          </p:cNvPicPr>
+          <p:nvPr/>
+        </p:nvPicPr>
+        <p:blipFill>
+          <a:blip r:embed="rId2">
+            <a:extLst>
+              <a:ext uri="{96DAC541-7B7A-43D3-8B79-37D633B846F1}">
+                <asvg:svgBlip xmlns:asvg="http://schemas.microsoft.com/office/drawing/2016/SVG/main" r:embed="rId3"/>
+              </a:ext>
+            </a:extLst>
+          </a:blip>
+          <a:stretch>
+            <a:fillRect/>
+          </a:stretch>
+        </p:blipFill>
+        <p:spPr>
+          <a:xfrm>
+            <a:off x="347956" y="4278609"/>
+            <a:ext cx="2180635" cy="2180635"/>
+          </a:xfrm>
+          <a:prstGeom prst="rect">
+            <a:avLst/>
+          </a:prstGeom>
+        </p:spPr>
+      </p:pic>
+      <p:sp>
+        <p:nvSpPr>
+          <p:cNvPr id="7" name="Content Placeholder 2">
+            <a:extLst>
+              <a:ext uri="{FF2B5EF4-FFF2-40B4-BE49-F238E27FC236}">
+                <a16:creationId xmlns:a16="http://schemas.microsoft.com/office/drawing/2014/main" id="{0C3973B9-F0CF-4274-9398-8FBC1E4A1AF4}"/>
+              </a:ext>
+            </a:extLst>
+          </p:cNvPr>
+          <p:cNvSpPr txBox="1">
+            <a:spLocks/>
+          </p:cNvSpPr>
+          <p:nvPr/>
+        </p:nvSpPr>
+        <p:spPr>
+          <a:xfrm>
+            <a:off x="3508172" y="5153377"/>
+            <a:ext cx="8096926" cy="1797640"/>
+          </a:xfrm>
+          <a:prstGeom prst="rect">
+            <a:avLst/>
+          </a:prstGeom>
+        </p:spPr>
+        <p:txBody>
+          <a:bodyPr vert="horz" lIns="0" tIns="0" rIns="0" bIns="0" rtlCol="0" anchor="t" anchorCtr="0">
+            <a:normAutofit/>
+          </a:bodyPr>
+          <a:lstStyle>
+            <a:lvl1pPr marL="360000" indent="-360000" algn="l" defTabSz="914400" rtl="0" eaLnBrk="1" latinLnBrk="0" hangingPunct="1">
+              <a:lnSpc>
+                <a:spcPct val="125000"/>
+              </a:lnSpc>
+              <a:spcBef>
+                <a:spcPts val="1000"/>
+              </a:spcBef>
+              <a:buClr>
+                <a:schemeClr val="accent1">
+                  <a:lumMod val="60000"/>
+                  <a:lumOff val="40000"/>
+                </a:schemeClr>
+              </a:buClr>
+              <a:buFont typeface="Wingdings" panose="05000000000000000000" pitchFamily="2" charset="2"/>
+              <a:buChar char=""/>
+              <a:defRPr sz="2000" kern="1200">
+                <a:solidFill>
+                  <a:schemeClr val="tx1">
+                    <a:alpha val="70000"/>
+                  </a:schemeClr>
+                </a:solidFill>
+                <a:latin typeface="+mn-lt"/>
+                <a:ea typeface="+mn-ea"/>
+                <a:cs typeface="+mn-cs"/>
+              </a:defRPr>
+            </a:lvl1pPr>
+            <a:lvl2pPr marL="360000" indent="0" algn="l" defTabSz="914400" rtl="0" eaLnBrk="1" latinLnBrk="0" hangingPunct="1">
+              <a:lnSpc>
+                <a:spcPct val="125000"/>
+              </a:lnSpc>
+              <a:spcBef>
+                <a:spcPts val="500"/>
+              </a:spcBef>
+              <a:buClr>
+                <a:schemeClr val="accent1">
+                  <a:lumMod val="60000"/>
+                  <a:lumOff val="40000"/>
+                </a:schemeClr>
+              </a:buClr>
+              <a:buFontTx/>
+              <a:buNone/>
+              <a:defRPr sz="2000" i="1" kern="1200">
+                <a:solidFill>
+                  <a:schemeClr val="tx1">
+                    <a:alpha val="70000"/>
+                  </a:schemeClr>
+                </a:solidFill>
+                <a:latin typeface="+mn-lt"/>
+                <a:ea typeface="+mn-ea"/>
+                <a:cs typeface="+mn-cs"/>
+              </a:defRPr>
+            </a:lvl2pPr>
+            <a:lvl3pPr marL="1080000" indent="-360000" algn="l" defTabSz="914400" rtl="0" eaLnBrk="1" latinLnBrk="0" hangingPunct="1">
+              <a:lnSpc>
+                <a:spcPct val="125000"/>
+              </a:lnSpc>
+              <a:spcBef>
+                <a:spcPts val="500"/>
+              </a:spcBef>
+              <a:buClr>
+                <a:schemeClr val="accent1">
+                  <a:lumMod val="60000"/>
+                  <a:lumOff val="40000"/>
+                </a:schemeClr>
+              </a:buClr>
+              <a:buFont typeface="Wingdings" panose="05000000000000000000" pitchFamily="2" charset="2"/>
+              <a:buChar char=""/>
+              <a:defRPr sz="2000" kern="1200">
+                <a:solidFill>
+                  <a:schemeClr val="tx1">
+                    <a:alpha val="70000"/>
+                  </a:schemeClr>
+                </a:solidFill>
+                <a:latin typeface="+mn-lt"/>
+                <a:ea typeface="+mn-ea"/>
+                <a:cs typeface="+mn-cs"/>
+              </a:defRPr>
+            </a:lvl3pPr>
+            <a:lvl4pPr marL="1080000" indent="0" algn="l" defTabSz="914400" rtl="0" eaLnBrk="1" latinLnBrk="0" hangingPunct="1">
+              <a:lnSpc>
+                <a:spcPct val="125000"/>
+              </a:lnSpc>
+              <a:spcBef>
+                <a:spcPts val="500"/>
+              </a:spcBef>
+              <a:buClr>
+                <a:schemeClr val="accent1">
+                  <a:lumMod val="60000"/>
+                  <a:lumOff val="40000"/>
+                </a:schemeClr>
+              </a:buClr>
+              <a:buFontTx/>
+              <a:buNone/>
+              <a:defRPr sz="2000" i="1" kern="1200">
+                <a:solidFill>
+                  <a:schemeClr val="tx1">
+                    <a:alpha val="70000"/>
+                  </a:schemeClr>
+                </a:solidFill>
+                <a:latin typeface="+mn-lt"/>
+                <a:ea typeface="+mn-ea"/>
+                <a:cs typeface="+mn-cs"/>
+              </a:defRPr>
+            </a:lvl4pPr>
+            <a:lvl5pPr marL="1800000" indent="-360000" algn="l" defTabSz="914400" rtl="0" eaLnBrk="1" latinLnBrk="0" hangingPunct="1">
+              <a:lnSpc>
+                <a:spcPct val="125000"/>
+              </a:lnSpc>
+              <a:spcBef>
+                <a:spcPts val="500"/>
+              </a:spcBef>
+              <a:buClr>
+                <a:schemeClr val="accent1">
+                  <a:lumMod val="60000"/>
+                  <a:lumOff val="40000"/>
+                </a:schemeClr>
+              </a:buClr>
+              <a:buFont typeface="Wingdings" panose="05000000000000000000" pitchFamily="2" charset="2"/>
+              <a:buChar char=""/>
+              <a:defRPr sz="2000" kern="1200">
+                <a:solidFill>
+                  <a:schemeClr val="tx1">
+                    <a:alpha val="70000"/>
+                  </a:schemeClr>
+                </a:solidFill>
+                <a:latin typeface="+mn-lt"/>
+                <a:ea typeface="+mn-ea"/>
+                <a:cs typeface="+mn-cs"/>
+              </a:defRPr>
+            </a:lvl5pPr>
+            <a:lvl6pPr marL="2514600" indent="-228600" algn="l" defTabSz="914400" rtl="0" eaLnBrk="1" latinLnBrk="0" hangingPunct="1">
+              <a:lnSpc>
+                <a:spcPct val="90000"/>
+              </a:lnSpc>
+              <a:spcBef>
+                <a:spcPts val="500"/>
+              </a:spcBef>
+              <a:buFont typeface="Arial" panose="020B0604020202020204" pitchFamily="34" charset="0"/>
+              <a:buChar char="•"/>
+              <a:defRPr sz="1800" kern="1200">
+                <a:solidFill>
+                  <a:schemeClr val="tx1"/>
+                </a:solidFill>
+                <a:latin typeface="+mn-lt"/>
+                <a:ea typeface="+mn-ea"/>
+                <a:cs typeface="+mn-cs"/>
+              </a:defRPr>
+            </a:lvl6pPr>
+            <a:lvl7pPr marL="2971800" indent="-228600" algn="l" defTabSz="914400" rtl="0" eaLnBrk="1" latinLnBrk="0" hangingPunct="1">
+              <a:lnSpc>
+                <a:spcPct val="90000"/>
+              </a:lnSpc>
+              <a:spcBef>
+                <a:spcPts val="500"/>
+              </a:spcBef>
+              <a:buFont typeface="Arial" panose="020B0604020202020204" pitchFamily="34" charset="0"/>
+              <a:buChar char="•"/>
+              <a:defRPr sz="1800" kern="1200">
+                <a:solidFill>
+                  <a:schemeClr val="tx1"/>
+                </a:solidFill>
+                <a:latin typeface="+mn-lt"/>
+                <a:ea typeface="+mn-ea"/>
+                <a:cs typeface="+mn-cs"/>
+              </a:defRPr>
+            </a:lvl7pPr>
+            <a:lvl8pPr marL="3429000" indent="-228600" algn="l" defTabSz="914400" rtl="0" eaLnBrk="1" latinLnBrk="0" hangingPunct="1">
+              <a:lnSpc>
+                <a:spcPct val="90000"/>
+              </a:lnSpc>
+              <a:spcBef>
+                <a:spcPts val="500"/>
+              </a:spcBef>
+              <a:buFont typeface="Arial" panose="020B0604020202020204" pitchFamily="34" charset="0"/>
+              <a:buChar char="•"/>
+              <a:defRPr sz="1800" kern="1200">
+                <a:solidFill>
+                  <a:schemeClr val="tx1"/>
+                </a:solidFill>
+                <a:latin typeface="+mn-lt"/>
+                <a:ea typeface="+mn-ea"/>
+                <a:cs typeface="+mn-cs"/>
+              </a:defRPr>
+            </a:lvl8pPr>
+            <a:lvl9pPr marL="3886200" indent="-228600" algn="l" defTabSz="914400" rtl="0" eaLnBrk="1" latinLnBrk="0" hangingPunct="1">
+              <a:lnSpc>
+                <a:spcPct val="90000"/>
+              </a:lnSpc>
+              <a:spcBef>
+                <a:spcPts val="500"/>
+              </a:spcBef>
+              <a:buFont typeface="Arial" panose="020B0604020202020204" pitchFamily="34" charset="0"/>
+              <a:buChar char="•"/>
+              <a:defRPr sz="1800" kern="1200">
+                <a:solidFill>
+                  <a:schemeClr val="tx1"/>
+                </a:solidFill>
+                <a:latin typeface="+mn-lt"/>
+                <a:ea typeface="+mn-ea"/>
+                <a:cs typeface="+mn-cs"/>
+              </a:defRPr>
+            </a:lvl9pPr>
+          </a:lstStyle>
+          <a:p>
+            <a:r>
+              <a:rPr lang="fr-BE" dirty="0"/>
+              <a:t>All the </a:t>
+            </a:r>
+            <a:r>
+              <a:rPr lang="fr-BE" dirty="0" err="1"/>
+              <a:t>analysis</a:t>
+            </a:r>
+            <a:r>
+              <a:rPr lang="fr-BE" dirty="0"/>
+              <a:t> and </a:t>
+            </a:r>
+            <a:r>
+              <a:rPr lang="fr-BE" dirty="0" err="1"/>
+              <a:t>visualization</a:t>
+            </a:r>
+            <a:r>
+              <a:rPr lang="fr-BE" dirty="0"/>
+              <a:t> </a:t>
+            </a:r>
+            <a:r>
+              <a:rPr lang="fr-BE" dirty="0" err="1"/>
+              <a:t>concern</a:t>
+            </a:r>
+            <a:r>
+              <a:rPr lang="fr-BE" dirty="0"/>
+              <a:t> </a:t>
+            </a:r>
+            <a:r>
+              <a:rPr lang="fr-BE" dirty="0" err="1"/>
+              <a:t>only</a:t>
+            </a:r>
+            <a:r>
+              <a:rPr lang="fr-BE" dirty="0"/>
+              <a:t> 2010 </a:t>
+            </a:r>
+            <a:endParaRPr lang="en-CH" dirty="0"/>
+          </a:p>
+        </p:txBody>
+      </p:sp>
+      <p:pic>
+        <p:nvPicPr>
+          <p:cNvPr id="8" name="Graphic 7">
+            <a:extLst>
+              <a:ext uri="{FF2B5EF4-FFF2-40B4-BE49-F238E27FC236}">
+                <a16:creationId xmlns:a16="http://schemas.microsoft.com/office/drawing/2014/main" id="{4EB35777-286B-4907-A73D-A9D9E639E2C7}"/>
+              </a:ext>
+            </a:extLst>
+          </p:cNvPr>
+          <p:cNvPicPr>
+            <a:picLocks noChangeAspect="1"/>
+          </p:cNvPicPr>
+          <p:nvPr/>
+        </p:nvPicPr>
+        <p:blipFill>
+          <a:blip r:embed="rId4">
+            <a:extLst>
+              <a:ext uri="{96DAC541-7B7A-43D3-8B79-37D633B846F1}">
+                <asvg:svgBlip xmlns:asvg="http://schemas.microsoft.com/office/drawing/2016/SVG/main" r:embed="rId5"/>
+              </a:ext>
+            </a:extLst>
+          </a:blip>
+          <a:stretch>
+            <a:fillRect/>
+          </a:stretch>
+        </p:blipFill>
+        <p:spPr>
+          <a:xfrm>
+            <a:off x="10404197" y="5123983"/>
+            <a:ext cx="489885" cy="489885"/>
+          </a:xfrm>
+          <a:prstGeom prst="rect">
+            <a:avLst/>
+          </a:prstGeom>
+        </p:spPr>
+      </p:pic>
+    </p:spTree>
+    <p:extLst>
+      <p:ext uri="{BB962C8B-B14F-4D97-AF65-F5344CB8AC3E}">
+        <p14:creationId xmlns:p14="http://schemas.microsoft.com/office/powerpoint/2010/main" val="3561371251"/>
+      </p:ext>
+    </p:extLst>
+  </p:cSld>
+  <p:clrMapOvr>
+    <a:masterClrMapping/>
+  </p:clrMapOvr>
+</p:sld>
+</file>
+
+<file path=ppt/slides/slide6.xml><?xml version="1.0" encoding="utf-8"?>
+<p:sld xmlns:a="http://schemas.openxmlformats.org/drawingml/2006/main" xmlns:r="http://schemas.openxmlformats.org/officeDocument/2006/relationships" xmlns:p="http://schemas.openxmlformats.org/presentationml/2006/main">
+  <p:cSld>
+    <p:spTree>
+      <p:nvGrpSpPr>
+        <p:cNvPr id="1" name=""/>
+        <p:cNvGrpSpPr/>
+        <p:nvPr/>
+      </p:nvGrpSpPr>
+      <p:grpSpPr>
+        <a:xfrm>
+          <a:off x="0" y="0"/>
+          <a:ext cx="0" cy="0"/>
+          <a:chOff x="0" y="0"/>
+          <a:chExt cx="0" cy="0"/>
+        </a:xfrm>
+      </p:grpSpPr>
       <p:pic>
         <p:nvPicPr>
           <p:cNvPr id="16" name="Content Placeholder 4">
@@ -6798,8 +10528,8 @@
         </p:nvSpPr>
         <p:spPr>
           <a:xfrm>
-            <a:off x="0" y="1995749"/>
-            <a:ext cx="10026650" cy="3978275"/>
+            <a:off x="715047" y="2079096"/>
+            <a:ext cx="4639740" cy="3978275"/>
           </a:xfrm>
         </p:spPr>
         <p:txBody>
@@ -6861,7 +10591,7 @@
             <a:endParaRPr lang="fr-BE" dirty="0"/>
           </a:p>
           <a:p>
-            <a:pPr marL="0" indent="0">
+            <a:pPr marL="1382713" indent="-1023938">
               <a:buNone/>
             </a:pPr>
             <a:r>
@@ -6915,7 +10645,7 @@
         </p:blipFill>
         <p:spPr>
           <a:xfrm>
-            <a:off x="449904" y="3570592"/>
+            <a:off x="1297742" y="3900137"/>
             <a:ext cx="393505" cy="393505"/>
           </a:xfrm>
           <a:prstGeom prst="rect">
@@ -6927,2183 +10657,6 @@
     <p:extLst>
       <p:ext uri="{BB962C8B-B14F-4D97-AF65-F5344CB8AC3E}">
         <p14:creationId xmlns:p14="http://schemas.microsoft.com/office/powerpoint/2010/main" val="2485647702"/>
-      </p:ext>
-    </p:extLst>
-  </p:cSld>
-  <p:clrMapOvr>
-    <a:masterClrMapping/>
-  </p:clrMapOvr>
-</p:sld>
-</file>
-
-<file path=ppt/slides/slide11.xml><?xml version="1.0" encoding="utf-8"?>
-<p:sld xmlns:a="http://schemas.openxmlformats.org/drawingml/2006/main" xmlns:r="http://schemas.openxmlformats.org/officeDocument/2006/relationships" xmlns:p="http://schemas.openxmlformats.org/presentationml/2006/main">
-  <p:cSld>
-    <p:spTree>
-      <p:nvGrpSpPr>
-        <p:cNvPr id="1" name=""/>
-        <p:cNvGrpSpPr/>
-        <p:nvPr/>
-      </p:nvGrpSpPr>
-      <p:grpSpPr>
-        <a:xfrm>
-          <a:off x="0" y="0"/>
-          <a:ext cx="0" cy="0"/>
-          <a:chOff x="0" y="0"/>
-          <a:chExt cx="0" cy="0"/>
-        </a:xfrm>
-      </p:grpSpPr>
-      <p:sp>
-        <p:nvSpPr>
-          <p:cNvPr id="2" name="Title 1">
-            <a:extLst>
-              <a:ext uri="{FF2B5EF4-FFF2-40B4-BE49-F238E27FC236}">
-                <a16:creationId xmlns:a16="http://schemas.microsoft.com/office/drawing/2014/main" id="{96C71840-5BC3-6B47-9BE7-C2B99EDB354F}"/>
-              </a:ext>
-            </a:extLst>
-          </p:cNvPr>
-          <p:cNvSpPr>
-            <a:spLocks noGrp="1"/>
-          </p:cNvSpPr>
-          <p:nvPr>
-            <p:ph type="title"/>
-          </p:nvPr>
-        </p:nvSpPr>
-        <p:spPr>
-          <a:xfrm>
-            <a:off x="367401" y="132738"/>
-            <a:ext cx="2302971" cy="1792744"/>
-          </a:xfrm>
-        </p:spPr>
-        <p:txBody>
-          <a:bodyPr>
-            <a:normAutofit/>
-          </a:bodyPr>
-          <a:lstStyle/>
-          <a:p>
-            <a:pPr algn="ctr"/>
-            <a:r>
-              <a:rPr lang="fr-BE" dirty="0"/>
-              <a:t>GRAPH : Suicide BY country</a:t>
-            </a:r>
-            <a:endParaRPr lang="en-CH" dirty="0"/>
-          </a:p>
-        </p:txBody>
-      </p:sp>
-      <p:pic>
-        <p:nvPicPr>
-          <p:cNvPr id="4" name="Graphique 3">
-            <a:extLst>
-              <a:ext uri="{FF2B5EF4-FFF2-40B4-BE49-F238E27FC236}">
-                <a16:creationId xmlns:a16="http://schemas.microsoft.com/office/drawing/2014/main" id="{08D8277D-96FC-428E-9EB6-C1E9AC50BD45}"/>
-              </a:ext>
-            </a:extLst>
-          </p:cNvPr>
-          <p:cNvPicPr>
-            <a:picLocks noChangeAspect="1"/>
-          </p:cNvPicPr>
-          <p:nvPr/>
-        </p:nvPicPr>
-        <p:blipFill>
-          <a:blip r:embed="rId2">
-            <a:extLst>
-              <a:ext uri="{96DAC541-7B7A-43D3-8B79-37D633B846F1}">
-                <asvg:svgBlip xmlns:asvg="http://schemas.microsoft.com/office/drawing/2016/SVG/main" r:embed="rId3"/>
-              </a:ext>
-            </a:extLst>
-          </a:blip>
-          <a:stretch>
-            <a:fillRect/>
-          </a:stretch>
-        </p:blipFill>
-        <p:spPr>
-          <a:xfrm>
-            <a:off x="2594621" y="-493613"/>
-            <a:ext cx="9229978" cy="7383982"/>
-          </a:xfrm>
-          <a:prstGeom prst="rect">
-            <a:avLst/>
-          </a:prstGeom>
-        </p:spPr>
-      </p:pic>
-      <p:sp>
-        <p:nvSpPr>
-          <p:cNvPr id="5" name="Content Placeholder 2">
-            <a:extLst>
-              <a:ext uri="{FF2B5EF4-FFF2-40B4-BE49-F238E27FC236}">
-                <a16:creationId xmlns:a16="http://schemas.microsoft.com/office/drawing/2014/main" id="{63F277A9-516D-4900-84BA-7CD79DAE5618}"/>
-              </a:ext>
-            </a:extLst>
-          </p:cNvPr>
-          <p:cNvSpPr>
-            <a:spLocks noGrp="1"/>
-          </p:cNvSpPr>
-          <p:nvPr>
-            <p:ph idx="1"/>
-          </p:nvPr>
-        </p:nvSpPr>
-        <p:spPr>
-          <a:xfrm>
-            <a:off x="252921" y="2295727"/>
-            <a:ext cx="2840476" cy="3959630"/>
-          </a:xfrm>
-        </p:spPr>
-        <p:txBody>
-          <a:bodyPr>
-            <a:noAutofit/>
-          </a:bodyPr>
-          <a:lstStyle/>
-          <a:p>
-            <a:r>
-              <a:rPr lang="fr-BE" dirty="0"/>
-              <a:t>TOP 10 of countries </a:t>
-            </a:r>
-            <a:r>
-              <a:rPr lang="fr-BE" dirty="0" err="1"/>
-              <a:t>that</a:t>
-            </a:r>
-            <a:r>
-              <a:rPr lang="fr-BE" dirty="0"/>
-              <a:t> commit the </a:t>
-            </a:r>
-            <a:r>
-              <a:rPr lang="fr-BE" dirty="0" err="1"/>
-              <a:t>most</a:t>
-            </a:r>
-            <a:r>
-              <a:rPr lang="fr-BE" dirty="0"/>
-              <a:t> suicides by 100k habitants in 2010</a:t>
-            </a:r>
-          </a:p>
-          <a:p>
-            <a:r>
-              <a:rPr lang="fr-BE" dirty="0"/>
-              <a:t>Suriname</a:t>
-            </a:r>
-          </a:p>
-          <a:p>
-            <a:r>
-              <a:rPr lang="fr-BE" dirty="0" err="1"/>
-              <a:t>Lithuania</a:t>
-            </a:r>
-            <a:endParaRPr lang="fr-BE" dirty="0"/>
-          </a:p>
-          <a:p>
-            <a:r>
-              <a:rPr lang="fr-BE" dirty="0"/>
-              <a:t>Belarus</a:t>
-            </a:r>
-          </a:p>
-          <a:p>
-            <a:r>
-              <a:rPr lang="fr-BE" dirty="0"/>
-              <a:t>Kazakhstan</a:t>
-            </a:r>
-          </a:p>
-          <a:p>
-            <a:r>
-              <a:rPr lang="fr-BE" dirty="0" err="1"/>
-              <a:t>Hungary</a:t>
-            </a:r>
-            <a:endParaRPr lang="en-CH" dirty="0"/>
-          </a:p>
-        </p:txBody>
-      </p:sp>
-    </p:spTree>
-    <p:extLst>
-      <p:ext uri="{BB962C8B-B14F-4D97-AF65-F5344CB8AC3E}">
-        <p14:creationId xmlns:p14="http://schemas.microsoft.com/office/powerpoint/2010/main" val="184806501"/>
-      </p:ext>
-    </p:extLst>
-  </p:cSld>
-  <p:clrMapOvr>
-    <a:masterClrMapping/>
-  </p:clrMapOvr>
-</p:sld>
-</file>
-
-<file path=ppt/slides/slide2.xml><?xml version="1.0" encoding="utf-8"?>
-<p:sld xmlns:a="http://schemas.openxmlformats.org/drawingml/2006/main" xmlns:r="http://schemas.openxmlformats.org/officeDocument/2006/relationships" xmlns:p="http://schemas.openxmlformats.org/presentationml/2006/main">
-  <p:cSld>
-    <p:spTree>
-      <p:nvGrpSpPr>
-        <p:cNvPr id="1" name=""/>
-        <p:cNvGrpSpPr/>
-        <p:nvPr/>
-      </p:nvGrpSpPr>
-      <p:grpSpPr>
-        <a:xfrm>
-          <a:off x="0" y="0"/>
-          <a:ext cx="0" cy="0"/>
-          <a:chOff x="0" y="0"/>
-          <a:chExt cx="0" cy="0"/>
-        </a:xfrm>
-      </p:grpSpPr>
-      <p:sp>
-        <p:nvSpPr>
-          <p:cNvPr id="14" name="ZoneTexte 13">
-            <a:extLst>
-              <a:ext uri="{FF2B5EF4-FFF2-40B4-BE49-F238E27FC236}">
-                <a16:creationId xmlns:a16="http://schemas.microsoft.com/office/drawing/2014/main" id="{A41BC286-0AF1-4368-B284-8E1F71E435FE}"/>
-              </a:ext>
-            </a:extLst>
-          </p:cNvPr>
-          <p:cNvSpPr txBox="1"/>
-          <p:nvPr/>
-        </p:nvSpPr>
-        <p:spPr>
-          <a:xfrm>
-            <a:off x="3293574" y="3555641"/>
-            <a:ext cx="3652287" cy="2308324"/>
-          </a:xfrm>
-          <a:prstGeom prst="rect">
-            <a:avLst/>
-          </a:prstGeom>
-          <a:noFill/>
-        </p:spPr>
-        <p:txBody>
-          <a:bodyPr wrap="square" rtlCol="0">
-            <a:spAutoFit/>
-          </a:bodyPr>
-          <a:lstStyle/>
-          <a:p>
-            <a:pPr marL="720000" lvl="2" indent="0">
-              <a:buNone/>
-            </a:pPr>
-            <a:r>
-              <a:rPr lang="en-CH" dirty="0"/>
-              <a:t>Smoking</a:t>
-            </a:r>
-            <a:r>
-              <a:rPr lang="fr-BE" dirty="0"/>
-              <a:t> </a:t>
-            </a:r>
-            <a:r>
-              <a:rPr lang="fr-BE" dirty="0" err="1"/>
-              <a:t>habbits</a:t>
-            </a:r>
-            <a:endParaRPr lang="fr-BE" dirty="0"/>
-          </a:p>
-          <a:p>
-            <a:pPr marL="720000" lvl="2" indent="0">
-              <a:buNone/>
-            </a:pPr>
-            <a:endParaRPr lang="en-CH" dirty="0"/>
-          </a:p>
-          <a:p>
-            <a:pPr marL="720000" lvl="2" indent="0">
-              <a:buNone/>
-            </a:pPr>
-            <a:r>
-              <a:rPr lang="en-CH" dirty="0"/>
-              <a:t>Alcohol consumption</a:t>
-            </a:r>
-            <a:endParaRPr lang="fr-BE" dirty="0"/>
-          </a:p>
-          <a:p>
-            <a:pPr marL="720000" lvl="2" indent="0">
-              <a:buNone/>
-            </a:pPr>
-            <a:endParaRPr lang="en-CH" dirty="0"/>
-          </a:p>
-          <a:p>
-            <a:pPr marL="720000" lvl="2" indent="0">
-              <a:buNone/>
-            </a:pPr>
-            <a:r>
-              <a:rPr lang="en-CH" dirty="0"/>
-              <a:t>Unemployment rate</a:t>
-            </a:r>
-            <a:endParaRPr lang="fr-BE" dirty="0"/>
-          </a:p>
-          <a:p>
-            <a:pPr marL="720000" lvl="2" indent="0">
-              <a:buNone/>
-            </a:pPr>
-            <a:endParaRPr lang="en-CH" dirty="0"/>
-          </a:p>
-          <a:p>
-            <a:pPr marL="720000" lvl="2" indent="0">
-              <a:buNone/>
-            </a:pPr>
-            <a:r>
-              <a:rPr lang="en-CH" dirty="0"/>
-              <a:t>Population</a:t>
-            </a:r>
-          </a:p>
-          <a:p>
-            <a:endParaRPr lang="fr-BE" dirty="0"/>
-          </a:p>
-        </p:txBody>
-      </p:sp>
-      <p:sp>
-        <p:nvSpPr>
-          <p:cNvPr id="2" name="Title 1">
-            <a:extLst>
-              <a:ext uri="{FF2B5EF4-FFF2-40B4-BE49-F238E27FC236}">
-                <a16:creationId xmlns:a16="http://schemas.microsoft.com/office/drawing/2014/main" id="{CEBECAC7-DC57-924E-B280-5D7392E65298}"/>
-              </a:ext>
-            </a:extLst>
-          </p:cNvPr>
-          <p:cNvSpPr>
-            <a:spLocks noGrp="1"/>
-          </p:cNvSpPr>
-          <p:nvPr>
-            <p:ph type="title"/>
-          </p:nvPr>
-        </p:nvSpPr>
-        <p:spPr/>
-        <p:txBody>
-          <a:bodyPr/>
-          <a:lstStyle/>
-          <a:p>
-            <a:r>
-              <a:rPr lang="en-CH" dirty="0"/>
-              <a:t>Source of the data</a:t>
-            </a:r>
-          </a:p>
-        </p:txBody>
-      </p:sp>
-      <p:sp>
-        <p:nvSpPr>
-          <p:cNvPr id="3" name="Content Placeholder 2">
-            <a:extLst>
-              <a:ext uri="{FF2B5EF4-FFF2-40B4-BE49-F238E27FC236}">
-                <a16:creationId xmlns:a16="http://schemas.microsoft.com/office/drawing/2014/main" id="{DA36A26A-4D8C-034C-9C54-65F8CEDC00AE}"/>
-              </a:ext>
-            </a:extLst>
-          </p:cNvPr>
-          <p:cNvSpPr>
-            <a:spLocks noGrp="1"/>
-          </p:cNvSpPr>
-          <p:nvPr>
-            <p:ph idx="1"/>
-          </p:nvPr>
-        </p:nvSpPr>
-        <p:spPr>
-          <a:xfrm>
-            <a:off x="1079499" y="1773849"/>
-            <a:ext cx="10191475" cy="1789044"/>
-          </a:xfrm>
-        </p:spPr>
-        <p:txBody>
-          <a:bodyPr>
-            <a:noAutofit/>
-          </a:bodyPr>
-          <a:lstStyle/>
-          <a:p>
-            <a:r>
-              <a:rPr lang="en-CH" dirty="0"/>
-              <a:t>Original data set from Kaggle</a:t>
-            </a:r>
-          </a:p>
-          <a:p>
-            <a:r>
-              <a:rPr lang="en-CH" dirty="0"/>
-              <a:t>REST Alpha2 country codes</a:t>
-            </a:r>
-          </a:p>
-          <a:p>
-            <a:r>
-              <a:rPr lang="en-CH" dirty="0"/>
-              <a:t>Additional data from the World Bank API</a:t>
-            </a:r>
-            <a:endParaRPr lang="fr-BE" dirty="0"/>
-          </a:p>
-          <a:p>
-            <a:pPr marL="0" indent="0">
-              <a:buNone/>
-            </a:pPr>
-            <a:endParaRPr lang="en-CH" dirty="0"/>
-          </a:p>
-          <a:p>
-            <a:pPr marL="720000" lvl="2" indent="0">
-              <a:buNone/>
-            </a:pPr>
-            <a:r>
-              <a:rPr lang="fr-BE" dirty="0"/>
-              <a:t>	</a:t>
-            </a:r>
-            <a:endParaRPr lang="en-CH" dirty="0"/>
-          </a:p>
-        </p:txBody>
-      </p:sp>
-      <p:pic>
-        <p:nvPicPr>
-          <p:cNvPr id="5" name="Graphique 4" descr="Fumer avec un remplissage uni">
-            <a:extLst>
-              <a:ext uri="{FF2B5EF4-FFF2-40B4-BE49-F238E27FC236}">
-                <a16:creationId xmlns:a16="http://schemas.microsoft.com/office/drawing/2014/main" id="{58B91BC7-6B03-4E71-8992-AAA29DE663E8}"/>
-              </a:ext>
-            </a:extLst>
-          </p:cNvPr>
-          <p:cNvPicPr>
-            <a:picLocks noChangeAspect="1"/>
-          </p:cNvPicPr>
-          <p:nvPr/>
-        </p:nvPicPr>
-        <p:blipFill>
-          <a:blip r:embed="rId2">
-            <a:extLst>
-              <a:ext uri="{96DAC541-7B7A-43D3-8B79-37D633B846F1}">
-                <asvg:svgBlip xmlns:asvg="http://schemas.microsoft.com/office/drawing/2016/SVG/main" r:embed="rId3"/>
-              </a:ext>
-            </a:extLst>
-          </a:blip>
-          <a:stretch>
-            <a:fillRect/>
-          </a:stretch>
-        </p:blipFill>
-        <p:spPr>
-          <a:xfrm>
-            <a:off x="3303365" y="3489912"/>
-            <a:ext cx="371060" cy="371060"/>
-          </a:xfrm>
-          <a:prstGeom prst="rect">
-            <a:avLst/>
-          </a:prstGeom>
-        </p:spPr>
-      </p:pic>
-      <p:pic>
-        <p:nvPicPr>
-          <p:cNvPr id="9" name="Graphique 8" descr="Vin avec un remplissage uni">
-            <a:extLst>
-              <a:ext uri="{FF2B5EF4-FFF2-40B4-BE49-F238E27FC236}">
-                <a16:creationId xmlns:a16="http://schemas.microsoft.com/office/drawing/2014/main" id="{554F1E2F-EA6E-49E8-B039-3E058F4FEA6F}"/>
-              </a:ext>
-            </a:extLst>
-          </p:cNvPr>
-          <p:cNvPicPr>
-            <a:picLocks noChangeAspect="1"/>
-          </p:cNvPicPr>
-          <p:nvPr/>
-        </p:nvPicPr>
-        <p:blipFill>
-          <a:blip r:embed="rId4">
-            <a:extLst>
-              <a:ext uri="{96DAC541-7B7A-43D3-8B79-37D633B846F1}">
-                <asvg:svgBlip xmlns:asvg="http://schemas.microsoft.com/office/drawing/2016/SVG/main" r:embed="rId5"/>
-              </a:ext>
-            </a:extLst>
-          </a:blip>
-          <a:stretch>
-            <a:fillRect/>
-          </a:stretch>
-        </p:blipFill>
-        <p:spPr>
-          <a:xfrm>
-            <a:off x="3263757" y="4103351"/>
-            <a:ext cx="371061" cy="371061"/>
-          </a:xfrm>
-          <a:prstGeom prst="rect">
-            <a:avLst/>
-          </a:prstGeom>
-        </p:spPr>
-      </p:pic>
-      <p:pic>
-        <p:nvPicPr>
-          <p:cNvPr id="11" name="Graphique 10" descr="Groupe de personnes avec un remplissage uni">
-            <a:extLst>
-              <a:ext uri="{FF2B5EF4-FFF2-40B4-BE49-F238E27FC236}">
-                <a16:creationId xmlns:a16="http://schemas.microsoft.com/office/drawing/2014/main" id="{34C82069-B69D-45E4-BB29-C2F9F73B0921}"/>
-              </a:ext>
-            </a:extLst>
-          </p:cNvPr>
-          <p:cNvPicPr>
-            <a:picLocks noChangeAspect="1"/>
-          </p:cNvPicPr>
-          <p:nvPr/>
-        </p:nvPicPr>
-        <p:blipFill>
-          <a:blip r:embed="rId6">
-            <a:extLst>
-              <a:ext uri="{96DAC541-7B7A-43D3-8B79-37D633B846F1}">
-                <asvg:svgBlip xmlns:asvg="http://schemas.microsoft.com/office/drawing/2016/SVG/main" r:embed="rId7"/>
-              </a:ext>
-            </a:extLst>
-          </a:blip>
-          <a:stretch>
-            <a:fillRect/>
-          </a:stretch>
-        </p:blipFill>
-        <p:spPr>
-          <a:xfrm>
-            <a:off x="3303365" y="5222084"/>
-            <a:ext cx="316397" cy="316397"/>
-          </a:xfrm>
-          <a:prstGeom prst="rect">
-            <a:avLst/>
-          </a:prstGeom>
-        </p:spPr>
-      </p:pic>
-      <p:pic>
-        <p:nvPicPr>
-          <p:cNvPr id="13" name="Graphique 12" descr="Porte-bloc avec un remplissage uni">
-            <a:extLst>
-              <a:ext uri="{FF2B5EF4-FFF2-40B4-BE49-F238E27FC236}">
-                <a16:creationId xmlns:a16="http://schemas.microsoft.com/office/drawing/2014/main" id="{4FFA1226-875E-45DD-B204-F49E99CAD61B}"/>
-              </a:ext>
-            </a:extLst>
-          </p:cNvPr>
-          <p:cNvPicPr>
-            <a:picLocks noChangeAspect="1"/>
-          </p:cNvPicPr>
-          <p:nvPr/>
-        </p:nvPicPr>
-        <p:blipFill>
-          <a:blip r:embed="rId8">
-            <a:extLst>
-              <a:ext uri="{96DAC541-7B7A-43D3-8B79-37D633B846F1}">
-                <asvg:svgBlip xmlns:asvg="http://schemas.microsoft.com/office/drawing/2016/SVG/main" r:embed="rId9"/>
-              </a:ext>
-            </a:extLst>
-          </a:blip>
-          <a:stretch>
-            <a:fillRect/>
-          </a:stretch>
-        </p:blipFill>
-        <p:spPr>
-          <a:xfrm>
-            <a:off x="3293574" y="4667184"/>
-            <a:ext cx="311426" cy="311426"/>
-          </a:xfrm>
-          <a:prstGeom prst="rect">
-            <a:avLst/>
-          </a:prstGeom>
-        </p:spPr>
-      </p:pic>
-    </p:spTree>
-    <p:extLst>
-      <p:ext uri="{BB962C8B-B14F-4D97-AF65-F5344CB8AC3E}">
-        <p14:creationId xmlns:p14="http://schemas.microsoft.com/office/powerpoint/2010/main" val="1867939865"/>
-      </p:ext>
-    </p:extLst>
-  </p:cSld>
-  <p:clrMapOvr>
-    <a:masterClrMapping/>
-  </p:clrMapOvr>
-</p:sld>
-</file>
-
-<file path=ppt/slides/slide3.xml><?xml version="1.0" encoding="utf-8"?>
-<p:sld xmlns:a="http://schemas.openxmlformats.org/drawingml/2006/main" xmlns:r="http://schemas.openxmlformats.org/officeDocument/2006/relationships" xmlns:p="http://schemas.openxmlformats.org/presentationml/2006/main">
-  <p:cSld>
-    <p:spTree>
-      <p:nvGrpSpPr>
-        <p:cNvPr id="1" name=""/>
-        <p:cNvGrpSpPr/>
-        <p:nvPr/>
-      </p:nvGrpSpPr>
-      <p:grpSpPr>
-        <a:xfrm>
-          <a:off x="0" y="0"/>
-          <a:ext cx="0" cy="0"/>
-          <a:chOff x="0" y="0"/>
-          <a:chExt cx="0" cy="0"/>
-        </a:xfrm>
-      </p:grpSpPr>
-      <p:sp>
-        <p:nvSpPr>
-          <p:cNvPr id="2" name="Title 1">
-            <a:extLst>
-              <a:ext uri="{FF2B5EF4-FFF2-40B4-BE49-F238E27FC236}">
-                <a16:creationId xmlns:a16="http://schemas.microsoft.com/office/drawing/2014/main" id="{1A45EA46-8DC0-4D48-B647-F0FAAA5D04D4}"/>
-              </a:ext>
-            </a:extLst>
-          </p:cNvPr>
-          <p:cNvSpPr>
-            <a:spLocks noGrp="1"/>
-          </p:cNvSpPr>
-          <p:nvPr>
-            <p:ph type="title"/>
-          </p:nvPr>
-        </p:nvSpPr>
-        <p:spPr/>
-        <p:txBody>
-          <a:bodyPr/>
-          <a:lstStyle/>
-          <a:p>
-            <a:r>
-              <a:rPr lang="en-CH" dirty="0"/>
-              <a:t>Data infrastructure</a:t>
-            </a:r>
-          </a:p>
-        </p:txBody>
-      </p:sp>
-      <p:sp>
-        <p:nvSpPr>
-          <p:cNvPr id="3" name="Content Placeholder 2">
-            <a:extLst>
-              <a:ext uri="{FF2B5EF4-FFF2-40B4-BE49-F238E27FC236}">
-                <a16:creationId xmlns:a16="http://schemas.microsoft.com/office/drawing/2014/main" id="{5DC56CEF-023A-D148-B143-8321A08ECC09}"/>
-              </a:ext>
-            </a:extLst>
-          </p:cNvPr>
-          <p:cNvSpPr>
-            <a:spLocks noGrp="1"/>
-          </p:cNvSpPr>
-          <p:nvPr>
-            <p:ph idx="1"/>
-          </p:nvPr>
-        </p:nvSpPr>
-        <p:spPr>
-          <a:xfrm>
-            <a:off x="710543" y="1868487"/>
-            <a:ext cx="10026650" cy="3978275"/>
-          </a:xfrm>
-        </p:spPr>
-        <p:txBody>
-          <a:bodyPr>
-            <a:noAutofit/>
-          </a:bodyPr>
-          <a:lstStyle/>
-          <a:p>
-            <a:r>
-              <a:rPr lang="en-CH" dirty="0"/>
-              <a:t>Load the original dataset into</a:t>
-            </a:r>
-            <a:r>
-              <a:rPr lang="en-US" dirty="0"/>
-              <a:t> a local</a:t>
-            </a:r>
-            <a:r>
-              <a:rPr lang="en-CH" dirty="0"/>
-              <a:t> MySQL </a:t>
-            </a:r>
-            <a:r>
-              <a:rPr lang="en-US" dirty="0"/>
-              <a:t>DB using</a:t>
-            </a:r>
-            <a:r>
-              <a:rPr lang="en-CH" dirty="0"/>
-              <a:t> </a:t>
-            </a:r>
-            <a:r>
-              <a:rPr lang="en-US" dirty="0"/>
-              <a:t>the </a:t>
-            </a:r>
-            <a:r>
-              <a:rPr lang="en-US" i="1" dirty="0"/>
-              <a:t>.csv </a:t>
-            </a:r>
-            <a:r>
-              <a:rPr lang="en-US" dirty="0"/>
-              <a:t>from Kaggle</a:t>
-            </a:r>
-            <a:endParaRPr lang="en-CH" i="1" dirty="0"/>
-          </a:p>
-          <a:p>
-            <a:r>
-              <a:rPr lang="en-CH" dirty="0"/>
-              <a:t>Reali</a:t>
-            </a:r>
-            <a:r>
-              <a:rPr lang="fr-BE" dirty="0"/>
-              <a:t>se</a:t>
-            </a:r>
-            <a:r>
-              <a:rPr lang="en-CH" dirty="0"/>
-              <a:t> </a:t>
-            </a:r>
-            <a:r>
-              <a:rPr lang="en-US" dirty="0"/>
-              <a:t>storing the data </a:t>
-            </a:r>
-            <a:r>
-              <a:rPr lang="en-CH" dirty="0"/>
-              <a:t>this way may cause complications</a:t>
-            </a:r>
-          </a:p>
-          <a:p>
-            <a:pPr lvl="2"/>
-            <a:r>
-              <a:rPr lang="en-US" dirty="0"/>
-              <a:t>Turn to hosting - new</a:t>
-            </a:r>
-            <a:r>
-              <a:rPr lang="en-CH" dirty="0"/>
-              <a:t> MySQL database</a:t>
-            </a:r>
-            <a:r>
-              <a:rPr lang="en-US" dirty="0"/>
-              <a:t> instance</a:t>
-            </a:r>
-            <a:r>
-              <a:rPr lang="en-CH" dirty="0"/>
-              <a:t> on AWS</a:t>
-            </a:r>
-            <a:r>
-              <a:rPr lang="en-US" dirty="0"/>
-              <a:t> (this ensured reproducibility)</a:t>
-            </a:r>
-          </a:p>
-          <a:p>
-            <a:pPr lvl="2"/>
-            <a:r>
-              <a:rPr lang="en-US" dirty="0"/>
-              <a:t>Create dump and importing data &amp; structure in MySQL Workbench</a:t>
-            </a:r>
-          </a:p>
-          <a:p>
-            <a:pPr lvl="2"/>
-            <a:r>
-              <a:rPr lang="en-US" dirty="0"/>
-              <a:t>Create grader user with read only rights (only selects allowed)</a:t>
-            </a:r>
-            <a:endParaRPr lang="en-CH" dirty="0"/>
-          </a:p>
-          <a:p>
-            <a:r>
-              <a:rPr lang="en-US" dirty="0"/>
-              <a:t>Use</a:t>
-            </a:r>
-            <a:r>
-              <a:rPr lang="en-CH" dirty="0"/>
-              <a:t> the</a:t>
-            </a:r>
-            <a:r>
-              <a:rPr lang="en-US" dirty="0"/>
-              <a:t> REST Countries to find the Alpha2</a:t>
-            </a:r>
-            <a:r>
-              <a:rPr lang="en-CH" dirty="0"/>
-              <a:t> country codes</a:t>
-            </a:r>
-            <a:r>
-              <a:rPr lang="en-US" dirty="0"/>
-              <a:t> of countries</a:t>
-            </a:r>
-          </a:p>
-          <a:p>
-            <a:r>
-              <a:rPr lang="en-US" dirty="0"/>
-              <a:t>Use World Bank’s API to enrich our data</a:t>
-            </a:r>
-          </a:p>
-          <a:p>
-            <a:r>
-              <a:rPr lang="en-CH" dirty="0"/>
-              <a:t>Use an </a:t>
-            </a:r>
-            <a:r>
-              <a:rPr lang="en-CH" i="1" dirty="0"/>
-              <a:t>.xlsx </a:t>
-            </a:r>
-            <a:r>
-              <a:rPr lang="en-CH" dirty="0"/>
-              <a:t>fi</a:t>
-            </a:r>
-            <a:r>
-              <a:rPr lang="en-US" dirty="0"/>
-              <a:t>le</a:t>
-            </a:r>
-            <a:r>
-              <a:rPr lang="en-CH" dirty="0"/>
-              <a:t> </a:t>
-            </a:r>
-            <a:r>
-              <a:rPr lang="en-US" dirty="0"/>
-              <a:t>that contained the</a:t>
-            </a:r>
-            <a:r>
-              <a:rPr lang="en-CH" dirty="0"/>
-              <a:t> </a:t>
-            </a:r>
-            <a:r>
-              <a:rPr lang="en-US" dirty="0"/>
-              <a:t>WDI</a:t>
-            </a:r>
-            <a:r>
-              <a:rPr lang="en-CH" dirty="0"/>
-              <a:t> codes</a:t>
-            </a:r>
-            <a:r>
-              <a:rPr lang="en-US" dirty="0"/>
-              <a:t> (hosted on GitHub for reproducibility and dynamism)</a:t>
-            </a:r>
-          </a:p>
-          <a:p>
-            <a:endParaRPr lang="en-CH" dirty="0"/>
-          </a:p>
-        </p:txBody>
-      </p:sp>
-      <p:pic>
-        <p:nvPicPr>
-          <p:cNvPr id="7" name="Graphique 6" descr="Charger avec un remplissage uni">
-            <a:extLst>
-              <a:ext uri="{FF2B5EF4-FFF2-40B4-BE49-F238E27FC236}">
-                <a16:creationId xmlns:a16="http://schemas.microsoft.com/office/drawing/2014/main" id="{486018CE-DEE5-45B7-8239-F8C9E237E2ED}"/>
-              </a:ext>
-            </a:extLst>
-          </p:cNvPr>
-          <p:cNvPicPr>
-            <a:picLocks noChangeAspect="1"/>
-          </p:cNvPicPr>
-          <p:nvPr/>
-        </p:nvPicPr>
-        <p:blipFill>
-          <a:blip r:embed="rId2">
-            <a:extLst>
-              <a:ext uri="{96DAC541-7B7A-43D3-8B79-37D633B846F1}">
-                <asvg:svgBlip xmlns:asvg="http://schemas.microsoft.com/office/drawing/2016/SVG/main" r:embed="rId3"/>
-              </a:ext>
-            </a:extLst>
-          </a:blip>
-          <a:stretch>
-            <a:fillRect/>
-          </a:stretch>
-        </p:blipFill>
-        <p:spPr>
-          <a:xfrm>
-            <a:off x="9702350" y="0"/>
-            <a:ext cx="2056726" cy="2056726"/>
-          </a:xfrm>
-          <a:prstGeom prst="rect">
-            <a:avLst/>
-          </a:prstGeom>
-        </p:spPr>
-      </p:pic>
-    </p:spTree>
-    <p:extLst>
-      <p:ext uri="{BB962C8B-B14F-4D97-AF65-F5344CB8AC3E}">
-        <p14:creationId xmlns:p14="http://schemas.microsoft.com/office/powerpoint/2010/main" val="799758839"/>
-      </p:ext>
-    </p:extLst>
-  </p:cSld>
-  <p:clrMapOvr>
-    <a:masterClrMapping/>
-  </p:clrMapOvr>
-</p:sld>
-</file>
-
-<file path=ppt/slides/slide4.xml><?xml version="1.0" encoding="utf-8"?>
-<p:sld xmlns:a="http://schemas.openxmlformats.org/drawingml/2006/main" xmlns:r="http://schemas.openxmlformats.org/officeDocument/2006/relationships" xmlns:p="http://schemas.openxmlformats.org/presentationml/2006/main">
-  <p:cSld>
-    <p:spTree>
-      <p:nvGrpSpPr>
-        <p:cNvPr id="1" name=""/>
-        <p:cNvGrpSpPr/>
-        <p:nvPr/>
-      </p:nvGrpSpPr>
-      <p:grpSpPr>
-        <a:xfrm>
-          <a:off x="0" y="0"/>
-          <a:ext cx="0" cy="0"/>
-          <a:chOff x="0" y="0"/>
-          <a:chExt cx="0" cy="0"/>
-        </a:xfrm>
-      </p:grpSpPr>
-      <p:sp>
-        <p:nvSpPr>
-          <p:cNvPr id="2" name="Title 1">
-            <a:extLst>
-              <a:ext uri="{FF2B5EF4-FFF2-40B4-BE49-F238E27FC236}">
-                <a16:creationId xmlns:a16="http://schemas.microsoft.com/office/drawing/2014/main" id="{E2FDB958-B481-0E41-90FD-180F101A33CC}"/>
-              </a:ext>
-            </a:extLst>
-          </p:cNvPr>
-          <p:cNvSpPr>
-            <a:spLocks noGrp="1"/>
-          </p:cNvSpPr>
-          <p:nvPr>
-            <p:ph type="title"/>
-          </p:nvPr>
-        </p:nvSpPr>
-        <p:spPr/>
-        <p:txBody>
-          <a:bodyPr/>
-          <a:lstStyle/>
-          <a:p>
-            <a:r>
-              <a:rPr lang="en-GB" dirty="0"/>
-              <a:t>E</a:t>
-            </a:r>
-            <a:r>
-              <a:rPr lang="en-CH" dirty="0"/>
-              <a:t>tl data pipeline</a:t>
-            </a:r>
-          </a:p>
-        </p:txBody>
-      </p:sp>
-      <p:sp>
-        <p:nvSpPr>
-          <p:cNvPr id="3" name="Content Placeholder 2">
-            <a:extLst>
-              <a:ext uri="{FF2B5EF4-FFF2-40B4-BE49-F238E27FC236}">
-                <a16:creationId xmlns:a16="http://schemas.microsoft.com/office/drawing/2014/main" id="{50374378-1AB9-1747-AC27-6AB5640650FD}"/>
-              </a:ext>
-            </a:extLst>
-          </p:cNvPr>
-          <p:cNvSpPr>
-            <a:spLocks noGrp="1"/>
-          </p:cNvSpPr>
-          <p:nvPr>
-            <p:ph idx="1"/>
-          </p:nvPr>
-        </p:nvSpPr>
-        <p:spPr>
-          <a:xfrm>
-            <a:off x="787086" y="2065880"/>
-            <a:ext cx="10026650" cy="3978275"/>
-          </a:xfrm>
-        </p:spPr>
-        <p:txBody>
-          <a:bodyPr>
-            <a:noAutofit/>
-          </a:bodyPr>
-          <a:lstStyle/>
-          <a:p>
-            <a:r>
-              <a:rPr lang="en-US" dirty="0"/>
-              <a:t>Connect to MySQL DB hosted on AWS</a:t>
-            </a:r>
-          </a:p>
-          <a:p>
-            <a:r>
-              <a:rPr lang="en-US" dirty="0"/>
-              <a:t>Use the </a:t>
-            </a:r>
-            <a:r>
-              <a:rPr lang="en-CH" dirty="0"/>
-              <a:t>“name” functionality</a:t>
-            </a:r>
-            <a:r>
-              <a:rPr lang="en-US" dirty="0"/>
-              <a:t> of the REST Countries API to get country codes</a:t>
-            </a:r>
-            <a:endParaRPr lang="en-CH" dirty="0"/>
-          </a:p>
-          <a:p>
-            <a:r>
-              <a:rPr lang="en-US" dirty="0"/>
-              <a:t>Mapp codes to countries with a j</a:t>
-            </a:r>
-            <a:r>
-              <a:rPr lang="en-CH" dirty="0"/>
-              <a:t>oin</a:t>
-            </a:r>
-            <a:endParaRPr lang="en-US" dirty="0"/>
-          </a:p>
-          <a:p>
-            <a:r>
-              <a:rPr lang="en-CH" dirty="0"/>
-              <a:t>The World Development Indicators (WDIs) were </a:t>
-            </a:r>
-            <a:r>
-              <a:rPr lang="en-US" dirty="0"/>
-              <a:t>retrieved by</a:t>
-            </a:r>
-            <a:r>
-              <a:rPr lang="en-CH" dirty="0"/>
-              <a:t> using</a:t>
-            </a:r>
-            <a:r>
-              <a:rPr lang="en-US" dirty="0"/>
-              <a:t> World Bank’s</a:t>
-            </a:r>
-            <a:r>
-              <a:rPr lang="en-CH" dirty="0"/>
-              <a:t> API</a:t>
-            </a:r>
-            <a:r>
-              <a:rPr lang="en-US" dirty="0"/>
-              <a:t>.</a:t>
-            </a:r>
-            <a:endParaRPr lang="en-CH" dirty="0"/>
-          </a:p>
-          <a:p>
-            <a:pPr lvl="2"/>
-            <a:r>
-              <a:rPr lang="en-US" dirty="0"/>
-              <a:t>Our data flow is efficient because it gets all data with only 1 API request / WDI</a:t>
-            </a:r>
-          </a:p>
-          <a:p>
-            <a:pPr lvl="2"/>
-            <a:r>
-              <a:rPr lang="en-US" dirty="0"/>
-              <a:t>Use loop construction, conditional branching and list to table transformation)</a:t>
-            </a:r>
-          </a:p>
-          <a:p>
-            <a:pPr lvl="2"/>
-            <a:r>
-              <a:rPr lang="en-US" dirty="0"/>
-              <a:t>Extract last and earliest years in core data to v</a:t>
-            </a:r>
-            <a:r>
-              <a:rPr lang="en-CH" dirty="0"/>
-              <a:t>ariables</a:t>
-            </a:r>
-            <a:r>
-              <a:rPr lang="en-US" dirty="0"/>
-              <a:t> to plug into the URL (to improve efficiency)</a:t>
-            </a:r>
-            <a:endParaRPr lang="en-CH" dirty="0"/>
-          </a:p>
-          <a:p>
-            <a:endParaRPr lang="en-GB" dirty="0"/>
-          </a:p>
-        </p:txBody>
-      </p:sp>
-      <p:sp>
-        <p:nvSpPr>
-          <p:cNvPr id="5" name="Cylindre 4">
-            <a:extLst>
-              <a:ext uri="{FF2B5EF4-FFF2-40B4-BE49-F238E27FC236}">
-                <a16:creationId xmlns:a16="http://schemas.microsoft.com/office/drawing/2014/main" id="{C216866E-D7CA-4B90-A6A4-3831A052367A}"/>
-              </a:ext>
-            </a:extLst>
-          </p:cNvPr>
-          <p:cNvSpPr/>
-          <p:nvPr/>
-        </p:nvSpPr>
-        <p:spPr>
-          <a:xfrm>
-            <a:off x="7174363" y="912342"/>
-            <a:ext cx="825135" cy="568637"/>
-          </a:xfrm>
-          <a:prstGeom prst="can">
-            <a:avLst/>
-          </a:prstGeom>
-          <a:solidFill>
-            <a:schemeClr val="tx1"/>
-          </a:solidFill>
-          <a:ln>
-            <a:solidFill>
-              <a:schemeClr val="tx1">
-                <a:lumMod val="75000"/>
-              </a:schemeClr>
-            </a:solidFill>
-          </a:ln>
-        </p:spPr>
-        <p:style>
-          <a:lnRef idx="2">
-            <a:schemeClr val="accent1">
-              <a:shade val="50000"/>
-            </a:schemeClr>
-          </a:lnRef>
-          <a:fillRef idx="1">
-            <a:schemeClr val="accent1"/>
-          </a:fillRef>
-          <a:effectRef idx="0">
-            <a:schemeClr val="accent1"/>
-          </a:effectRef>
-          <a:fontRef idx="minor">
-            <a:schemeClr val="lt1"/>
-          </a:fontRef>
-        </p:style>
-        <p:txBody>
-          <a:bodyPr rtlCol="0" anchor="ctr"/>
-          <a:lstStyle/>
-          <a:p>
-            <a:pPr algn="ctr"/>
-            <a:endParaRPr lang="fr-BE"/>
-          </a:p>
-        </p:txBody>
-      </p:sp>
-      <p:sp>
-        <p:nvSpPr>
-          <p:cNvPr id="6" name="Cylindre 5">
-            <a:extLst>
-              <a:ext uri="{FF2B5EF4-FFF2-40B4-BE49-F238E27FC236}">
-                <a16:creationId xmlns:a16="http://schemas.microsoft.com/office/drawing/2014/main" id="{04DB4C4E-949C-48A7-BC00-6290530329FA}"/>
-              </a:ext>
-            </a:extLst>
-          </p:cNvPr>
-          <p:cNvSpPr/>
-          <p:nvPr/>
-        </p:nvSpPr>
-        <p:spPr>
-          <a:xfrm>
-            <a:off x="10401169" y="912342"/>
-            <a:ext cx="825135" cy="590718"/>
-          </a:xfrm>
-          <a:prstGeom prst="can">
-            <a:avLst/>
-          </a:prstGeom>
-          <a:solidFill>
-            <a:schemeClr val="tx1"/>
-          </a:solidFill>
-          <a:ln>
-            <a:solidFill>
-              <a:schemeClr val="tx1">
-                <a:lumMod val="75000"/>
-              </a:schemeClr>
-            </a:solidFill>
-          </a:ln>
-        </p:spPr>
-        <p:style>
-          <a:lnRef idx="2">
-            <a:schemeClr val="accent1">
-              <a:shade val="50000"/>
-            </a:schemeClr>
-          </a:lnRef>
-          <a:fillRef idx="1">
-            <a:schemeClr val="accent1"/>
-          </a:fillRef>
-          <a:effectRef idx="0">
-            <a:schemeClr val="accent1"/>
-          </a:effectRef>
-          <a:fontRef idx="minor">
-            <a:schemeClr val="lt1"/>
-          </a:fontRef>
-        </p:style>
-        <p:txBody>
-          <a:bodyPr rtlCol="0" anchor="ctr"/>
-          <a:lstStyle/>
-          <a:p>
-            <a:pPr algn="ctr"/>
-            <a:endParaRPr lang="fr-BE"/>
-          </a:p>
-        </p:txBody>
-      </p:sp>
-      <p:sp>
-        <p:nvSpPr>
-          <p:cNvPr id="7" name="Rectangle 6">
-            <a:extLst>
-              <a:ext uri="{FF2B5EF4-FFF2-40B4-BE49-F238E27FC236}">
-                <a16:creationId xmlns:a16="http://schemas.microsoft.com/office/drawing/2014/main" id="{CAB80B8B-21E0-4536-9128-F192D33C818E}"/>
-              </a:ext>
-            </a:extLst>
-          </p:cNvPr>
-          <p:cNvSpPr/>
-          <p:nvPr/>
-        </p:nvSpPr>
-        <p:spPr>
-          <a:xfrm>
-            <a:off x="8745796" y="952711"/>
-            <a:ext cx="807028" cy="487898"/>
-          </a:xfrm>
-          <a:prstGeom prst="rect">
-            <a:avLst/>
-          </a:prstGeom>
-          <a:solidFill>
-            <a:schemeClr val="tx1"/>
-          </a:solidFill>
-          <a:ln>
-            <a:solidFill>
-              <a:schemeClr val="tx1"/>
-            </a:solidFill>
-          </a:ln>
-        </p:spPr>
-        <p:style>
-          <a:lnRef idx="2">
-            <a:schemeClr val="accent1">
-              <a:shade val="50000"/>
-            </a:schemeClr>
-          </a:lnRef>
-          <a:fillRef idx="1">
-            <a:schemeClr val="accent1"/>
-          </a:fillRef>
-          <a:effectRef idx="0">
-            <a:schemeClr val="accent1"/>
-          </a:effectRef>
-          <a:fontRef idx="minor">
-            <a:schemeClr val="lt1"/>
-          </a:fontRef>
-        </p:style>
-        <p:txBody>
-          <a:bodyPr rtlCol="0" anchor="ctr"/>
-          <a:lstStyle/>
-          <a:p>
-            <a:pPr algn="ctr"/>
-            <a:endParaRPr lang="fr-BE"/>
-          </a:p>
-        </p:txBody>
-      </p:sp>
-      <p:sp>
-        <p:nvSpPr>
-          <p:cNvPr id="8" name="Flèche : droite 7">
-            <a:extLst>
-              <a:ext uri="{FF2B5EF4-FFF2-40B4-BE49-F238E27FC236}">
-                <a16:creationId xmlns:a16="http://schemas.microsoft.com/office/drawing/2014/main" id="{7A6FB6C3-7A81-47B3-B943-9D6F1981EB5D}"/>
-              </a:ext>
-            </a:extLst>
-          </p:cNvPr>
-          <p:cNvSpPr/>
-          <p:nvPr/>
-        </p:nvSpPr>
-        <p:spPr>
-          <a:xfrm>
-            <a:off x="7642506" y="1575879"/>
-            <a:ext cx="3013608" cy="354731"/>
-          </a:xfrm>
-          <a:prstGeom prst="rightArrow">
-            <a:avLst/>
-          </a:prstGeom>
-          <a:solidFill>
-            <a:schemeClr val="tx1"/>
-          </a:solidFill>
-          <a:ln>
-            <a:solidFill>
-              <a:schemeClr val="tx1"/>
-            </a:solidFill>
-          </a:ln>
-        </p:spPr>
-        <p:style>
-          <a:lnRef idx="2">
-            <a:schemeClr val="accent1">
-              <a:shade val="50000"/>
-            </a:schemeClr>
-          </a:lnRef>
-          <a:fillRef idx="1">
-            <a:schemeClr val="accent1"/>
-          </a:fillRef>
-          <a:effectRef idx="0">
-            <a:schemeClr val="accent1"/>
-          </a:effectRef>
-          <a:fontRef idx="minor">
-            <a:schemeClr val="lt1"/>
-          </a:fontRef>
-        </p:style>
-        <p:txBody>
-          <a:bodyPr rtlCol="0" anchor="ctr"/>
-          <a:lstStyle/>
-          <a:p>
-            <a:pPr algn="ctr"/>
-            <a:endParaRPr lang="fr-BE"/>
-          </a:p>
-        </p:txBody>
-      </p:sp>
-      <p:cxnSp>
-        <p:nvCxnSpPr>
-          <p:cNvPr id="11" name="Connecteur droit avec flèche 10">
-            <a:extLst>
-              <a:ext uri="{FF2B5EF4-FFF2-40B4-BE49-F238E27FC236}">
-                <a16:creationId xmlns:a16="http://schemas.microsoft.com/office/drawing/2014/main" id="{C9A2BF19-552A-477A-877D-0013CEEF76DA}"/>
-              </a:ext>
-            </a:extLst>
-          </p:cNvPr>
-          <p:cNvCxnSpPr>
-            <a:cxnSpLocks/>
-          </p:cNvCxnSpPr>
-          <p:nvPr/>
-        </p:nvCxnSpPr>
-        <p:spPr>
-          <a:xfrm>
-            <a:off x="8252526" y="1196660"/>
-            <a:ext cx="373116" cy="0"/>
-          </a:xfrm>
-          <a:prstGeom prst="straightConnector1">
-            <a:avLst/>
-          </a:prstGeom>
-          <a:ln>
-            <a:solidFill>
-              <a:schemeClr val="tx1"/>
-            </a:solidFill>
-            <a:tailEnd type="triangle"/>
-          </a:ln>
-        </p:spPr>
-        <p:style>
-          <a:lnRef idx="1">
-            <a:schemeClr val="accent1"/>
-          </a:lnRef>
-          <a:fillRef idx="0">
-            <a:schemeClr val="accent1"/>
-          </a:fillRef>
-          <a:effectRef idx="0">
-            <a:schemeClr val="accent1"/>
-          </a:effectRef>
-          <a:fontRef idx="minor">
-            <a:schemeClr val="tx1"/>
-          </a:fontRef>
-        </p:style>
-      </p:cxnSp>
-      <p:cxnSp>
-        <p:nvCxnSpPr>
-          <p:cNvPr id="15" name="Connecteur droit avec flèche 14">
-            <a:extLst>
-              <a:ext uri="{FF2B5EF4-FFF2-40B4-BE49-F238E27FC236}">
-                <a16:creationId xmlns:a16="http://schemas.microsoft.com/office/drawing/2014/main" id="{9111B6B4-AD03-426A-9A53-86B6F109678E}"/>
-              </a:ext>
-            </a:extLst>
-          </p:cNvPr>
-          <p:cNvCxnSpPr>
-            <a:cxnSpLocks/>
-          </p:cNvCxnSpPr>
-          <p:nvPr/>
-        </p:nvCxnSpPr>
-        <p:spPr>
-          <a:xfrm>
-            <a:off x="9747840" y="1223960"/>
-            <a:ext cx="373116" cy="0"/>
-          </a:xfrm>
-          <a:prstGeom prst="straightConnector1">
-            <a:avLst/>
-          </a:prstGeom>
-          <a:ln>
-            <a:solidFill>
-              <a:schemeClr val="tx1"/>
-            </a:solidFill>
-            <a:tailEnd type="triangle"/>
-          </a:ln>
-        </p:spPr>
-        <p:style>
-          <a:lnRef idx="1">
-            <a:schemeClr val="accent1"/>
-          </a:lnRef>
-          <a:fillRef idx="0">
-            <a:schemeClr val="accent1"/>
-          </a:fillRef>
-          <a:effectRef idx="0">
-            <a:schemeClr val="accent1"/>
-          </a:effectRef>
-          <a:fontRef idx="minor">
-            <a:schemeClr val="tx1"/>
-          </a:fontRef>
-        </p:style>
-      </p:cxnSp>
-    </p:spTree>
-    <p:extLst>
-      <p:ext uri="{BB962C8B-B14F-4D97-AF65-F5344CB8AC3E}">
-        <p14:creationId xmlns:p14="http://schemas.microsoft.com/office/powerpoint/2010/main" val="3587188991"/>
-      </p:ext>
-    </p:extLst>
-  </p:cSld>
-  <p:clrMapOvr>
-    <a:masterClrMapping/>
-  </p:clrMapOvr>
-</p:sld>
-</file>
-
-<file path=ppt/slides/slide5.xml><?xml version="1.0" encoding="utf-8"?>
-<p:sld xmlns:a="http://schemas.openxmlformats.org/drawingml/2006/main" xmlns:r="http://schemas.openxmlformats.org/officeDocument/2006/relationships" xmlns:p="http://schemas.openxmlformats.org/presentationml/2006/main">
-  <p:cSld>
-    <p:spTree>
-      <p:nvGrpSpPr>
-        <p:cNvPr id="1" name=""/>
-        <p:cNvGrpSpPr/>
-        <p:nvPr/>
-      </p:nvGrpSpPr>
-      <p:grpSpPr>
-        <a:xfrm>
-          <a:off x="0" y="0"/>
-          <a:ext cx="0" cy="0"/>
-          <a:chOff x="0" y="0"/>
-          <a:chExt cx="0" cy="0"/>
-        </a:xfrm>
-      </p:grpSpPr>
-      <p:sp>
-        <p:nvSpPr>
-          <p:cNvPr id="2" name="Title 1">
-            <a:extLst>
-              <a:ext uri="{FF2B5EF4-FFF2-40B4-BE49-F238E27FC236}">
-                <a16:creationId xmlns:a16="http://schemas.microsoft.com/office/drawing/2014/main" id="{BE2B0980-4831-C14C-9E33-FBAC97C9635E}"/>
-              </a:ext>
-            </a:extLst>
-          </p:cNvPr>
-          <p:cNvSpPr>
-            <a:spLocks noGrp="1"/>
-          </p:cNvSpPr>
-          <p:nvPr>
-            <p:ph type="title"/>
-          </p:nvPr>
-        </p:nvSpPr>
-        <p:spPr/>
-        <p:txBody>
-          <a:bodyPr/>
-          <a:lstStyle/>
-          <a:p>
-            <a:r>
-              <a:rPr lang="en-GB" dirty="0"/>
-              <a:t>D</a:t>
-            </a:r>
-            <a:r>
-              <a:rPr lang="en-CH" dirty="0"/>
-              <a:t>ata visualization - cleaning</a:t>
-            </a:r>
-          </a:p>
-        </p:txBody>
-      </p:sp>
-      <p:sp>
-        <p:nvSpPr>
-          <p:cNvPr id="3" name="Content Placeholder 2">
-            <a:extLst>
-              <a:ext uri="{FF2B5EF4-FFF2-40B4-BE49-F238E27FC236}">
-                <a16:creationId xmlns:a16="http://schemas.microsoft.com/office/drawing/2014/main" id="{E2226645-1590-3D4D-A6A3-5498A8BD18CD}"/>
-              </a:ext>
-            </a:extLst>
-          </p:cNvPr>
-          <p:cNvSpPr>
-            <a:spLocks noGrp="1"/>
-          </p:cNvSpPr>
-          <p:nvPr>
-            <p:ph idx="1"/>
-          </p:nvPr>
-        </p:nvSpPr>
-        <p:spPr>
-          <a:xfrm>
-            <a:off x="1079500" y="2073922"/>
-            <a:ext cx="10026650" cy="3978275"/>
-          </a:xfrm>
-        </p:spPr>
-        <p:txBody>
-          <a:bodyPr/>
-          <a:lstStyle/>
-          <a:p>
-            <a:r>
-              <a:rPr lang="en-CH" dirty="0"/>
-              <a:t>Filtere out all missing values</a:t>
-            </a:r>
-          </a:p>
-          <a:p>
-            <a:r>
-              <a:rPr lang="en-CH" dirty="0"/>
-              <a:t>Using a histogram</a:t>
-            </a:r>
-            <a:r>
-              <a:rPr lang="fr-BE" dirty="0"/>
-              <a:t>           </a:t>
-            </a:r>
-            <a:r>
-              <a:rPr lang="en-CH" dirty="0"/>
-              <a:t>we mainly have observations for 2010</a:t>
-            </a:r>
-          </a:p>
-          <a:p>
-            <a:pPr lvl="2"/>
-            <a:r>
-              <a:rPr lang="en-CH" dirty="0"/>
-              <a:t>Switch to a cross-sectional analysis from a time series</a:t>
-            </a:r>
-          </a:p>
-          <a:p>
-            <a:pPr lvl="2"/>
-            <a:r>
-              <a:rPr lang="en-CH" dirty="0"/>
-              <a:t>Filter out any observations not belonging to that year</a:t>
-            </a:r>
-          </a:p>
-        </p:txBody>
-      </p:sp>
-      <p:sp>
-        <p:nvSpPr>
-          <p:cNvPr id="5" name="Arrow: Right 4">
-            <a:extLst>
-              <a:ext uri="{FF2B5EF4-FFF2-40B4-BE49-F238E27FC236}">
-                <a16:creationId xmlns:a16="http://schemas.microsoft.com/office/drawing/2014/main" id="{AC2C4803-181F-41E7-9C54-01A3CC94DDFA}"/>
-              </a:ext>
-            </a:extLst>
-          </p:cNvPr>
-          <p:cNvSpPr/>
-          <p:nvPr/>
-        </p:nvSpPr>
-        <p:spPr>
-          <a:xfrm>
-            <a:off x="3601615" y="2713373"/>
-            <a:ext cx="522515" cy="203557"/>
-          </a:xfrm>
-          <a:prstGeom prst="rightArrow">
-            <a:avLst/>
-          </a:prstGeom>
-          <a:solidFill>
-            <a:schemeClr val="tx1"/>
-          </a:solidFill>
-          <a:ln>
-            <a:solidFill>
-              <a:schemeClr val="tx1"/>
-            </a:solidFill>
-          </a:ln>
-        </p:spPr>
-        <p:style>
-          <a:lnRef idx="2">
-            <a:schemeClr val="accent1">
-              <a:shade val="50000"/>
-            </a:schemeClr>
-          </a:lnRef>
-          <a:fillRef idx="1">
-            <a:schemeClr val="accent1"/>
-          </a:fillRef>
-          <a:effectRef idx="0">
-            <a:schemeClr val="accent1"/>
-          </a:effectRef>
-          <a:fontRef idx="minor">
-            <a:schemeClr val="lt1"/>
-          </a:fontRef>
-        </p:style>
-        <p:txBody>
-          <a:bodyPr rtlCol="0" anchor="ctr"/>
-          <a:lstStyle/>
-          <a:p>
-            <a:pPr algn="ctr"/>
-            <a:endParaRPr lang="LID4096"/>
-          </a:p>
-        </p:txBody>
-      </p:sp>
-      <p:pic>
-        <p:nvPicPr>
-          <p:cNvPr id="6" name="Graphique 5" descr="Serpillière et seau avec un remplissage uni">
-            <a:extLst>
-              <a:ext uri="{FF2B5EF4-FFF2-40B4-BE49-F238E27FC236}">
-                <a16:creationId xmlns:a16="http://schemas.microsoft.com/office/drawing/2014/main" id="{28F7F73B-F9AB-4A8C-B1B5-19BC063864EE}"/>
-              </a:ext>
-            </a:extLst>
-          </p:cNvPr>
-          <p:cNvPicPr>
-            <a:picLocks noChangeAspect="1"/>
-          </p:cNvPicPr>
-          <p:nvPr/>
-        </p:nvPicPr>
-        <p:blipFill>
-          <a:blip r:embed="rId2">
-            <a:extLst>
-              <a:ext uri="{96DAC541-7B7A-43D3-8B79-37D633B846F1}">
-                <asvg:svgBlip xmlns:asvg="http://schemas.microsoft.com/office/drawing/2016/SVG/main" r:embed="rId3"/>
-              </a:ext>
-            </a:extLst>
-          </a:blip>
-          <a:stretch>
-            <a:fillRect/>
-          </a:stretch>
-        </p:blipFill>
-        <p:spPr>
-          <a:xfrm>
-            <a:off x="347956" y="4278609"/>
-            <a:ext cx="2180635" cy="2180635"/>
-          </a:xfrm>
-          <a:prstGeom prst="rect">
-            <a:avLst/>
-          </a:prstGeom>
-        </p:spPr>
-      </p:pic>
-      <p:sp>
-        <p:nvSpPr>
-          <p:cNvPr id="7" name="Content Placeholder 2">
-            <a:extLst>
-              <a:ext uri="{FF2B5EF4-FFF2-40B4-BE49-F238E27FC236}">
-                <a16:creationId xmlns:a16="http://schemas.microsoft.com/office/drawing/2014/main" id="{0C3973B9-F0CF-4274-9398-8FBC1E4A1AF4}"/>
-              </a:ext>
-            </a:extLst>
-          </p:cNvPr>
-          <p:cNvSpPr txBox="1">
-            <a:spLocks/>
-          </p:cNvSpPr>
-          <p:nvPr/>
-        </p:nvSpPr>
-        <p:spPr>
-          <a:xfrm>
-            <a:off x="3508172" y="5153377"/>
-            <a:ext cx="8096926" cy="1797640"/>
-          </a:xfrm>
-          <a:prstGeom prst="rect">
-            <a:avLst/>
-          </a:prstGeom>
-        </p:spPr>
-        <p:txBody>
-          <a:bodyPr vert="horz" lIns="0" tIns="0" rIns="0" bIns="0" rtlCol="0" anchor="t" anchorCtr="0">
-            <a:normAutofit/>
-          </a:bodyPr>
-          <a:lstStyle>
-            <a:lvl1pPr marL="360000" indent="-360000" algn="l" defTabSz="914400" rtl="0" eaLnBrk="1" latinLnBrk="0" hangingPunct="1">
-              <a:lnSpc>
-                <a:spcPct val="125000"/>
-              </a:lnSpc>
-              <a:spcBef>
-                <a:spcPts val="1000"/>
-              </a:spcBef>
-              <a:buClr>
-                <a:schemeClr val="accent1">
-                  <a:lumMod val="60000"/>
-                  <a:lumOff val="40000"/>
-                </a:schemeClr>
-              </a:buClr>
-              <a:buFont typeface="Wingdings" panose="05000000000000000000" pitchFamily="2" charset="2"/>
-              <a:buChar char=""/>
-              <a:defRPr sz="2000" kern="1200">
-                <a:solidFill>
-                  <a:schemeClr val="tx1">
-                    <a:alpha val="70000"/>
-                  </a:schemeClr>
-                </a:solidFill>
-                <a:latin typeface="+mn-lt"/>
-                <a:ea typeface="+mn-ea"/>
-                <a:cs typeface="+mn-cs"/>
-              </a:defRPr>
-            </a:lvl1pPr>
-            <a:lvl2pPr marL="360000" indent="0" algn="l" defTabSz="914400" rtl="0" eaLnBrk="1" latinLnBrk="0" hangingPunct="1">
-              <a:lnSpc>
-                <a:spcPct val="125000"/>
-              </a:lnSpc>
-              <a:spcBef>
-                <a:spcPts val="500"/>
-              </a:spcBef>
-              <a:buClr>
-                <a:schemeClr val="accent1">
-                  <a:lumMod val="60000"/>
-                  <a:lumOff val="40000"/>
-                </a:schemeClr>
-              </a:buClr>
-              <a:buFontTx/>
-              <a:buNone/>
-              <a:defRPr sz="2000" i="1" kern="1200">
-                <a:solidFill>
-                  <a:schemeClr val="tx1">
-                    <a:alpha val="70000"/>
-                  </a:schemeClr>
-                </a:solidFill>
-                <a:latin typeface="+mn-lt"/>
-                <a:ea typeface="+mn-ea"/>
-                <a:cs typeface="+mn-cs"/>
-              </a:defRPr>
-            </a:lvl2pPr>
-            <a:lvl3pPr marL="1080000" indent="-360000" algn="l" defTabSz="914400" rtl="0" eaLnBrk="1" latinLnBrk="0" hangingPunct="1">
-              <a:lnSpc>
-                <a:spcPct val="125000"/>
-              </a:lnSpc>
-              <a:spcBef>
-                <a:spcPts val="500"/>
-              </a:spcBef>
-              <a:buClr>
-                <a:schemeClr val="accent1">
-                  <a:lumMod val="60000"/>
-                  <a:lumOff val="40000"/>
-                </a:schemeClr>
-              </a:buClr>
-              <a:buFont typeface="Wingdings" panose="05000000000000000000" pitchFamily="2" charset="2"/>
-              <a:buChar char=""/>
-              <a:defRPr sz="2000" kern="1200">
-                <a:solidFill>
-                  <a:schemeClr val="tx1">
-                    <a:alpha val="70000"/>
-                  </a:schemeClr>
-                </a:solidFill>
-                <a:latin typeface="+mn-lt"/>
-                <a:ea typeface="+mn-ea"/>
-                <a:cs typeface="+mn-cs"/>
-              </a:defRPr>
-            </a:lvl3pPr>
-            <a:lvl4pPr marL="1080000" indent="0" algn="l" defTabSz="914400" rtl="0" eaLnBrk="1" latinLnBrk="0" hangingPunct="1">
-              <a:lnSpc>
-                <a:spcPct val="125000"/>
-              </a:lnSpc>
-              <a:spcBef>
-                <a:spcPts val="500"/>
-              </a:spcBef>
-              <a:buClr>
-                <a:schemeClr val="accent1">
-                  <a:lumMod val="60000"/>
-                  <a:lumOff val="40000"/>
-                </a:schemeClr>
-              </a:buClr>
-              <a:buFontTx/>
-              <a:buNone/>
-              <a:defRPr sz="2000" i="1" kern="1200">
-                <a:solidFill>
-                  <a:schemeClr val="tx1">
-                    <a:alpha val="70000"/>
-                  </a:schemeClr>
-                </a:solidFill>
-                <a:latin typeface="+mn-lt"/>
-                <a:ea typeface="+mn-ea"/>
-                <a:cs typeface="+mn-cs"/>
-              </a:defRPr>
-            </a:lvl4pPr>
-            <a:lvl5pPr marL="1800000" indent="-360000" algn="l" defTabSz="914400" rtl="0" eaLnBrk="1" latinLnBrk="0" hangingPunct="1">
-              <a:lnSpc>
-                <a:spcPct val="125000"/>
-              </a:lnSpc>
-              <a:spcBef>
-                <a:spcPts val="500"/>
-              </a:spcBef>
-              <a:buClr>
-                <a:schemeClr val="accent1">
-                  <a:lumMod val="60000"/>
-                  <a:lumOff val="40000"/>
-                </a:schemeClr>
-              </a:buClr>
-              <a:buFont typeface="Wingdings" panose="05000000000000000000" pitchFamily="2" charset="2"/>
-              <a:buChar char=""/>
-              <a:defRPr sz="2000" kern="1200">
-                <a:solidFill>
-                  <a:schemeClr val="tx1">
-                    <a:alpha val="70000"/>
-                  </a:schemeClr>
-                </a:solidFill>
-                <a:latin typeface="+mn-lt"/>
-                <a:ea typeface="+mn-ea"/>
-                <a:cs typeface="+mn-cs"/>
-              </a:defRPr>
-            </a:lvl5pPr>
-            <a:lvl6pPr marL="2514600" indent="-228600" algn="l" defTabSz="914400" rtl="0" eaLnBrk="1" latinLnBrk="0" hangingPunct="1">
-              <a:lnSpc>
-                <a:spcPct val="90000"/>
-              </a:lnSpc>
-              <a:spcBef>
-                <a:spcPts val="500"/>
-              </a:spcBef>
-              <a:buFont typeface="Arial" panose="020B0604020202020204" pitchFamily="34" charset="0"/>
-              <a:buChar char="•"/>
-              <a:defRPr sz="1800" kern="1200">
-                <a:solidFill>
-                  <a:schemeClr val="tx1"/>
-                </a:solidFill>
-                <a:latin typeface="+mn-lt"/>
-                <a:ea typeface="+mn-ea"/>
-                <a:cs typeface="+mn-cs"/>
-              </a:defRPr>
-            </a:lvl6pPr>
-            <a:lvl7pPr marL="2971800" indent="-228600" algn="l" defTabSz="914400" rtl="0" eaLnBrk="1" latinLnBrk="0" hangingPunct="1">
-              <a:lnSpc>
-                <a:spcPct val="90000"/>
-              </a:lnSpc>
-              <a:spcBef>
-                <a:spcPts val="500"/>
-              </a:spcBef>
-              <a:buFont typeface="Arial" panose="020B0604020202020204" pitchFamily="34" charset="0"/>
-              <a:buChar char="•"/>
-              <a:defRPr sz="1800" kern="1200">
-                <a:solidFill>
-                  <a:schemeClr val="tx1"/>
-                </a:solidFill>
-                <a:latin typeface="+mn-lt"/>
-                <a:ea typeface="+mn-ea"/>
-                <a:cs typeface="+mn-cs"/>
-              </a:defRPr>
-            </a:lvl7pPr>
-            <a:lvl8pPr marL="3429000" indent="-228600" algn="l" defTabSz="914400" rtl="0" eaLnBrk="1" latinLnBrk="0" hangingPunct="1">
-              <a:lnSpc>
-                <a:spcPct val="90000"/>
-              </a:lnSpc>
-              <a:spcBef>
-                <a:spcPts val="500"/>
-              </a:spcBef>
-              <a:buFont typeface="Arial" panose="020B0604020202020204" pitchFamily="34" charset="0"/>
-              <a:buChar char="•"/>
-              <a:defRPr sz="1800" kern="1200">
-                <a:solidFill>
-                  <a:schemeClr val="tx1"/>
-                </a:solidFill>
-                <a:latin typeface="+mn-lt"/>
-                <a:ea typeface="+mn-ea"/>
-                <a:cs typeface="+mn-cs"/>
-              </a:defRPr>
-            </a:lvl8pPr>
-            <a:lvl9pPr marL="3886200" indent="-228600" algn="l" defTabSz="914400" rtl="0" eaLnBrk="1" latinLnBrk="0" hangingPunct="1">
-              <a:lnSpc>
-                <a:spcPct val="90000"/>
-              </a:lnSpc>
-              <a:spcBef>
-                <a:spcPts val="500"/>
-              </a:spcBef>
-              <a:buFont typeface="Arial" panose="020B0604020202020204" pitchFamily="34" charset="0"/>
-              <a:buChar char="•"/>
-              <a:defRPr sz="1800" kern="1200">
-                <a:solidFill>
-                  <a:schemeClr val="tx1"/>
-                </a:solidFill>
-                <a:latin typeface="+mn-lt"/>
-                <a:ea typeface="+mn-ea"/>
-                <a:cs typeface="+mn-cs"/>
-              </a:defRPr>
-            </a:lvl9pPr>
-          </a:lstStyle>
-          <a:p>
-            <a:r>
-              <a:rPr lang="fr-BE" dirty="0"/>
-              <a:t>All the </a:t>
-            </a:r>
-            <a:r>
-              <a:rPr lang="fr-BE" dirty="0" err="1"/>
-              <a:t>analysis</a:t>
-            </a:r>
-            <a:r>
-              <a:rPr lang="fr-BE" dirty="0"/>
-              <a:t> and </a:t>
-            </a:r>
-            <a:r>
-              <a:rPr lang="fr-BE" dirty="0" err="1"/>
-              <a:t>visualization</a:t>
-            </a:r>
-            <a:r>
-              <a:rPr lang="fr-BE" dirty="0"/>
-              <a:t> </a:t>
-            </a:r>
-            <a:r>
-              <a:rPr lang="fr-BE" dirty="0" err="1"/>
-              <a:t>concern</a:t>
-            </a:r>
-            <a:r>
-              <a:rPr lang="fr-BE" dirty="0"/>
-              <a:t> </a:t>
-            </a:r>
-            <a:r>
-              <a:rPr lang="fr-BE" dirty="0" err="1"/>
-              <a:t>only</a:t>
-            </a:r>
-            <a:r>
-              <a:rPr lang="fr-BE" dirty="0"/>
-              <a:t> 2010 </a:t>
-            </a:r>
-            <a:endParaRPr lang="en-CH" dirty="0"/>
-          </a:p>
-        </p:txBody>
-      </p:sp>
-      <p:pic>
-        <p:nvPicPr>
-          <p:cNvPr id="8" name="Graphic 7">
-            <a:extLst>
-              <a:ext uri="{FF2B5EF4-FFF2-40B4-BE49-F238E27FC236}">
-                <a16:creationId xmlns:a16="http://schemas.microsoft.com/office/drawing/2014/main" id="{4EB35777-286B-4907-A73D-A9D9E639E2C7}"/>
-              </a:ext>
-            </a:extLst>
-          </p:cNvPr>
-          <p:cNvPicPr>
-            <a:picLocks noChangeAspect="1"/>
-          </p:cNvPicPr>
-          <p:nvPr/>
-        </p:nvPicPr>
-        <p:blipFill>
-          <a:blip r:embed="rId4">
-            <a:extLst>
-              <a:ext uri="{96DAC541-7B7A-43D3-8B79-37D633B846F1}">
-                <asvg:svgBlip xmlns:asvg="http://schemas.microsoft.com/office/drawing/2016/SVG/main" r:embed="rId5"/>
-              </a:ext>
-            </a:extLst>
-          </a:blip>
-          <a:stretch>
-            <a:fillRect/>
-          </a:stretch>
-        </p:blipFill>
-        <p:spPr>
-          <a:xfrm>
-            <a:off x="10404197" y="5123983"/>
-            <a:ext cx="489885" cy="489885"/>
-          </a:xfrm>
-          <a:prstGeom prst="rect">
-            <a:avLst/>
-          </a:prstGeom>
-        </p:spPr>
-      </p:pic>
-    </p:spTree>
-    <p:extLst>
-      <p:ext uri="{BB962C8B-B14F-4D97-AF65-F5344CB8AC3E}">
-        <p14:creationId xmlns:p14="http://schemas.microsoft.com/office/powerpoint/2010/main" val="3561371251"/>
-      </p:ext>
-    </p:extLst>
-  </p:cSld>
-  <p:clrMapOvr>
-    <a:masterClrMapping/>
-  </p:clrMapOvr>
-</p:sld>
-</file>
-
-<file path=ppt/slides/slide6.xml><?xml version="1.0" encoding="utf-8"?>
-<p:sld xmlns:a="http://schemas.openxmlformats.org/drawingml/2006/main" xmlns:r="http://schemas.openxmlformats.org/officeDocument/2006/relationships" xmlns:p="http://schemas.openxmlformats.org/presentationml/2006/main">
-  <p:cSld>
-    <p:spTree>
-      <p:nvGrpSpPr>
-        <p:cNvPr id="1" name=""/>
-        <p:cNvGrpSpPr/>
-        <p:nvPr/>
-      </p:nvGrpSpPr>
-      <p:grpSpPr>
-        <a:xfrm>
-          <a:off x="0" y="0"/>
-          <a:ext cx="0" cy="0"/>
-          <a:chOff x="0" y="0"/>
-          <a:chExt cx="0" cy="0"/>
-        </a:xfrm>
-      </p:grpSpPr>
-      <p:sp>
-        <p:nvSpPr>
-          <p:cNvPr id="2" name="Title 1">
-            <a:extLst>
-              <a:ext uri="{FF2B5EF4-FFF2-40B4-BE49-F238E27FC236}">
-                <a16:creationId xmlns:a16="http://schemas.microsoft.com/office/drawing/2014/main" id="{96C71840-5BC3-6B47-9BE7-C2B99EDB354F}"/>
-              </a:ext>
-            </a:extLst>
-          </p:cNvPr>
-          <p:cNvSpPr>
-            <a:spLocks noGrp="1"/>
-          </p:cNvSpPr>
-          <p:nvPr>
-            <p:ph type="title"/>
-          </p:nvPr>
-        </p:nvSpPr>
-        <p:spPr/>
-        <p:txBody>
-          <a:bodyPr/>
-          <a:lstStyle/>
-          <a:p>
-            <a:r>
-              <a:rPr lang="en-CH" dirty="0"/>
-              <a:t>Data Visualization – general fact</a:t>
-            </a:r>
-          </a:p>
-        </p:txBody>
-      </p:sp>
-      <p:sp>
-        <p:nvSpPr>
-          <p:cNvPr id="6" name="Espace réservé du contenu 5">
-            <a:extLst>
-              <a:ext uri="{FF2B5EF4-FFF2-40B4-BE49-F238E27FC236}">
-                <a16:creationId xmlns:a16="http://schemas.microsoft.com/office/drawing/2014/main" id="{5E7A9578-F3B8-44E3-96A2-2520FD09EACF}"/>
-              </a:ext>
-            </a:extLst>
-          </p:cNvPr>
-          <p:cNvSpPr>
-            <a:spLocks noGrp="1"/>
-          </p:cNvSpPr>
-          <p:nvPr>
-            <p:ph idx="1"/>
-          </p:nvPr>
-        </p:nvSpPr>
-        <p:spPr>
-          <a:xfrm>
-            <a:off x="843023" y="1666875"/>
-            <a:ext cx="10026650" cy="3978275"/>
-          </a:xfrm>
-        </p:spPr>
-        <p:txBody>
-          <a:bodyPr/>
-          <a:lstStyle/>
-          <a:p>
-            <a:r>
-              <a:rPr lang="en-GB" dirty="0"/>
-              <a:t>N</a:t>
-            </a:r>
-            <a:r>
-              <a:rPr lang="fr-BE" dirty="0"/>
-              <a:t>o significative </a:t>
-            </a:r>
-            <a:r>
-              <a:rPr lang="fr-BE" dirty="0" err="1"/>
-              <a:t>differences</a:t>
-            </a:r>
-            <a:r>
-              <a:rPr lang="fr-BE" dirty="0"/>
-              <a:t> in the </a:t>
-            </a:r>
-            <a:r>
-              <a:rPr lang="fr-BE" dirty="0" err="1"/>
-              <a:t>tendancy</a:t>
-            </a:r>
-            <a:r>
-              <a:rPr lang="fr-BE" dirty="0"/>
-              <a:t> </a:t>
-            </a:r>
-            <a:r>
-              <a:rPr lang="fr-BE" dirty="0" err="1"/>
-              <a:t>between</a:t>
-            </a:r>
-            <a:r>
-              <a:rPr lang="fr-BE" dirty="0"/>
-              <a:t> man and </a:t>
-            </a:r>
-            <a:r>
-              <a:rPr lang="fr-BE" dirty="0" err="1"/>
-              <a:t>women</a:t>
-            </a:r>
-            <a:r>
-              <a:rPr lang="fr-BE" dirty="0"/>
-              <a:t> in the relation </a:t>
-            </a:r>
-            <a:r>
-              <a:rPr lang="fr-BE" dirty="0" err="1"/>
-              <a:t>between</a:t>
-            </a:r>
-            <a:r>
-              <a:rPr lang="fr-BE" dirty="0"/>
-              <a:t> </a:t>
-            </a:r>
-            <a:r>
-              <a:rPr lang="fr-BE" dirty="0" err="1"/>
-              <a:t>alcohol</a:t>
-            </a:r>
-            <a:r>
-              <a:rPr lang="fr-BE" dirty="0"/>
-              <a:t> </a:t>
-            </a:r>
-            <a:r>
-              <a:rPr lang="fr-BE" dirty="0" err="1"/>
-              <a:t>consumption</a:t>
-            </a:r>
-            <a:r>
-              <a:rPr lang="fr-BE" dirty="0"/>
-              <a:t> or smoking </a:t>
-            </a:r>
-            <a:r>
-              <a:rPr lang="fr-BE" dirty="0" err="1"/>
-              <a:t>habbits</a:t>
-            </a:r>
-            <a:r>
-              <a:rPr lang="fr-BE" dirty="0"/>
-              <a:t> and suicides</a:t>
-            </a:r>
-          </a:p>
-          <a:p>
-            <a:r>
-              <a:rPr lang="fr-BE" dirty="0"/>
-              <a:t>Exemple </a:t>
-            </a:r>
-            <a:r>
-              <a:rPr lang="fr-BE" dirty="0" err="1"/>
-              <a:t>with</a:t>
-            </a:r>
-            <a:r>
-              <a:rPr lang="fr-BE" dirty="0"/>
-              <a:t> smoking </a:t>
-            </a:r>
-            <a:r>
-              <a:rPr lang="fr-BE" dirty="0" err="1"/>
-              <a:t>habbits</a:t>
-            </a:r>
-            <a:r>
-              <a:rPr lang="fr-BE" dirty="0"/>
-              <a:t> </a:t>
-            </a:r>
-            <a:endParaRPr lang="en-CH" dirty="0"/>
-          </a:p>
-          <a:p>
-            <a:endParaRPr lang="fr-BE" dirty="0"/>
-          </a:p>
-        </p:txBody>
-      </p:sp>
-      <p:pic>
-        <p:nvPicPr>
-          <p:cNvPr id="4" name="Graphic 3">
-            <a:extLst>
-              <a:ext uri="{FF2B5EF4-FFF2-40B4-BE49-F238E27FC236}">
-                <a16:creationId xmlns:a16="http://schemas.microsoft.com/office/drawing/2014/main" id="{35674C78-CEFB-4BB7-B1EC-E9305DD35E2E}"/>
-              </a:ext>
-            </a:extLst>
-          </p:cNvPr>
-          <p:cNvPicPr>
-            <a:picLocks noChangeAspect="1"/>
-          </p:cNvPicPr>
-          <p:nvPr/>
-        </p:nvPicPr>
-        <p:blipFill>
-          <a:blip r:embed="rId2">
-            <a:extLst>
-              <a:ext uri="{96DAC541-7B7A-43D3-8B79-37D633B846F1}">
-                <asvg:svgBlip xmlns:asvg="http://schemas.microsoft.com/office/drawing/2016/SVG/main" r:embed="rId3"/>
-              </a:ext>
-            </a:extLst>
-          </a:blip>
-          <a:stretch>
-            <a:fillRect/>
-          </a:stretch>
-        </p:blipFill>
-        <p:spPr>
-          <a:xfrm>
-            <a:off x="843023" y="3115714"/>
-            <a:ext cx="4808133" cy="3606099"/>
-          </a:xfrm>
-          <a:prstGeom prst="rect">
-            <a:avLst/>
-          </a:prstGeom>
-        </p:spPr>
-      </p:pic>
-      <p:pic>
-        <p:nvPicPr>
-          <p:cNvPr id="7" name="Graphique 4" descr="Masculin avec un remplissage uni">
-            <a:extLst>
-              <a:ext uri="{FF2B5EF4-FFF2-40B4-BE49-F238E27FC236}">
-                <a16:creationId xmlns:a16="http://schemas.microsoft.com/office/drawing/2014/main" id="{244FE8BC-EADB-4052-A394-68CBA730A0D7}"/>
-              </a:ext>
-            </a:extLst>
-          </p:cNvPr>
-          <p:cNvPicPr>
-            <a:picLocks noChangeAspect="1"/>
-          </p:cNvPicPr>
-          <p:nvPr/>
-        </p:nvPicPr>
-        <p:blipFill>
-          <a:blip r:embed="rId4">
-            <a:extLst>
-              <a:ext uri="{96DAC541-7B7A-43D3-8B79-37D633B846F1}">
-                <asvg:svgBlip xmlns:asvg="http://schemas.microsoft.com/office/drawing/2016/SVG/main" r:embed="rId5"/>
-              </a:ext>
-            </a:extLst>
-          </a:blip>
-          <a:stretch>
-            <a:fillRect/>
-          </a:stretch>
-        </p:blipFill>
-        <p:spPr>
-          <a:xfrm>
-            <a:off x="0" y="4190713"/>
-            <a:ext cx="914400" cy="914400"/>
-          </a:xfrm>
-          <a:prstGeom prst="rect">
-            <a:avLst/>
-          </a:prstGeom>
-        </p:spPr>
-      </p:pic>
-      <p:pic>
-        <p:nvPicPr>
-          <p:cNvPr id="8" name="Image 6">
-            <a:extLst>
-              <a:ext uri="{FF2B5EF4-FFF2-40B4-BE49-F238E27FC236}">
-                <a16:creationId xmlns:a16="http://schemas.microsoft.com/office/drawing/2014/main" id="{265DB0E3-D2C9-4FBA-9157-E963BAF1CE6F}"/>
-              </a:ext>
-            </a:extLst>
-          </p:cNvPr>
-          <p:cNvPicPr>
-            <a:picLocks noChangeAspect="1"/>
-          </p:cNvPicPr>
-          <p:nvPr/>
-        </p:nvPicPr>
-        <p:blipFill>
-          <a:blip r:embed="rId6">
-            <a:lum bright="70000" contrast="-70000"/>
-          </a:blip>
-          <a:stretch>
-            <a:fillRect/>
-          </a:stretch>
-        </p:blipFill>
-        <p:spPr>
-          <a:xfrm>
-            <a:off x="11431374" y="4190274"/>
-            <a:ext cx="819993" cy="819993"/>
-          </a:xfrm>
-          <a:prstGeom prst="rect">
-            <a:avLst/>
-          </a:prstGeom>
-        </p:spPr>
-      </p:pic>
-      <p:pic>
-        <p:nvPicPr>
-          <p:cNvPr id="9" name="Graphic 8">
-            <a:extLst>
-              <a:ext uri="{FF2B5EF4-FFF2-40B4-BE49-F238E27FC236}">
-                <a16:creationId xmlns:a16="http://schemas.microsoft.com/office/drawing/2014/main" id="{32A849C7-8C29-4D1E-8BA1-36F5A8CA24C5}"/>
-              </a:ext>
-            </a:extLst>
-          </p:cNvPr>
-          <p:cNvPicPr>
-            <a:picLocks noChangeAspect="1"/>
-          </p:cNvPicPr>
-          <p:nvPr/>
-        </p:nvPicPr>
-        <p:blipFill>
-          <a:blip r:embed="rId7">
-            <a:extLst>
-              <a:ext uri="{96DAC541-7B7A-43D3-8B79-37D633B846F1}">
-                <asvg:svgBlip xmlns:asvg="http://schemas.microsoft.com/office/drawing/2016/SVG/main" r:embed="rId8"/>
-              </a:ext>
-            </a:extLst>
-          </a:blip>
-          <a:stretch>
-            <a:fillRect/>
-          </a:stretch>
-        </p:blipFill>
-        <p:spPr>
-          <a:xfrm>
-            <a:off x="6540846" y="3103671"/>
-            <a:ext cx="4808133" cy="3606100"/>
-          </a:xfrm>
-          <a:prstGeom prst="rect">
-            <a:avLst/>
-          </a:prstGeom>
-        </p:spPr>
-      </p:pic>
-    </p:spTree>
-    <p:extLst>
-      <p:ext uri="{BB962C8B-B14F-4D97-AF65-F5344CB8AC3E}">
-        <p14:creationId xmlns:p14="http://schemas.microsoft.com/office/powerpoint/2010/main" val="103008590"/>
       </p:ext>
     </p:extLst>
   </p:cSld>
@@ -9135,7 +10688,7 @@
           <p:cNvPr id="2" name="Title 1">
             <a:extLst>
               <a:ext uri="{FF2B5EF4-FFF2-40B4-BE49-F238E27FC236}">
-                <a16:creationId xmlns:a16="http://schemas.microsoft.com/office/drawing/2014/main" id="{23BCB6AC-DD57-1149-9F51-4B12017360A7}"/>
+                <a16:creationId xmlns:a16="http://schemas.microsoft.com/office/drawing/2014/main" id="{96C71840-5BC3-6B47-9BE7-C2B99EDB354F}"/>
               </a:ext>
             </a:extLst>
           </p:cNvPr>
@@ -9146,26 +10699,69 @@
             <p:ph type="title"/>
           </p:nvPr>
         </p:nvSpPr>
-        <p:spPr/>
+        <p:spPr>
+          <a:xfrm>
+            <a:off x="367401" y="132738"/>
+            <a:ext cx="2302971" cy="1792744"/>
+          </a:xfrm>
+        </p:spPr>
         <p:txBody>
           <a:bodyPr>
             <a:normAutofit/>
           </a:bodyPr>
           <a:lstStyle/>
           <a:p>
-            <a:r>
-              <a:rPr lang="en-CH" dirty="0"/>
-              <a:t>Data visualization – by Gender</a:t>
-            </a:r>
+            <a:pPr algn="ctr"/>
+            <a:r>
+              <a:rPr lang="fr-BE" dirty="0"/>
+              <a:t>GRAPH : Suicide BY country</a:t>
+            </a:r>
+            <a:endParaRPr lang="en-CH" dirty="0"/>
           </a:p>
         </p:txBody>
       </p:sp>
+      <p:pic>
+        <p:nvPicPr>
+          <p:cNvPr id="4" name="Graphique 3">
+            <a:extLst>
+              <a:ext uri="{FF2B5EF4-FFF2-40B4-BE49-F238E27FC236}">
+                <a16:creationId xmlns:a16="http://schemas.microsoft.com/office/drawing/2014/main" id="{08D8277D-96FC-428E-9EB6-C1E9AC50BD45}"/>
+              </a:ext>
+            </a:extLst>
+          </p:cNvPr>
+          <p:cNvPicPr>
+            <a:picLocks noChangeAspect="1"/>
+          </p:cNvPicPr>
+          <p:nvPr/>
+        </p:nvPicPr>
+        <p:blipFill>
+          <a:blip r:embed="rId3">
+            <a:extLst>
+              <a:ext uri="{96DAC541-7B7A-43D3-8B79-37D633B846F1}">
+                <asvg:svgBlip xmlns:asvg="http://schemas.microsoft.com/office/drawing/2016/SVG/main" r:embed="rId4"/>
+              </a:ext>
+            </a:extLst>
+          </a:blip>
+          <a:stretch>
+            <a:fillRect/>
+          </a:stretch>
+        </p:blipFill>
+        <p:spPr>
+          <a:xfrm>
+            <a:off x="2594621" y="-493613"/>
+            <a:ext cx="9229978" cy="7383982"/>
+          </a:xfrm>
+          <a:prstGeom prst="rect">
+            <a:avLst/>
+          </a:prstGeom>
+        </p:spPr>
+      </p:pic>
       <p:sp>
         <p:nvSpPr>
-          <p:cNvPr id="3" name="Content Placeholder 2">
-            <a:extLst>
-              <a:ext uri="{FF2B5EF4-FFF2-40B4-BE49-F238E27FC236}">
-                <a16:creationId xmlns:a16="http://schemas.microsoft.com/office/drawing/2014/main" id="{79A9425A-062D-D545-A18A-44226D2EBAD3}"/>
+          <p:cNvPr id="5" name="Content Placeholder 2">
+            <a:extLst>
+              <a:ext uri="{FF2B5EF4-FFF2-40B4-BE49-F238E27FC236}">
+                <a16:creationId xmlns:a16="http://schemas.microsoft.com/office/drawing/2014/main" id="{63F277A9-516D-4900-84BA-7CD79DAE5618}"/>
               </a:ext>
             </a:extLst>
           </p:cNvPr>
@@ -9176,130 +10772,80 @@
             <p:ph idx="1"/>
           </p:nvPr>
         </p:nvSpPr>
-        <p:spPr/>
+        <p:spPr>
+          <a:xfrm>
+            <a:off x="252921" y="2295727"/>
+            <a:ext cx="2840476" cy="3959630"/>
+          </a:xfrm>
+        </p:spPr>
         <p:txBody>
           <a:bodyPr>
             <a:noAutofit/>
           </a:bodyPr>
           <a:lstStyle/>
           <a:p>
-            <a:r>
-              <a:rPr lang="en-CH" dirty="0"/>
-              <a:t>Some of the variables had a division by gender</a:t>
-            </a:r>
-          </a:p>
-          <a:p>
-            <a:r>
-              <a:rPr lang="en-CH" dirty="0"/>
-              <a:t>Smoking has no correlation to number of suicides</a:t>
-            </a:r>
-          </a:p>
-          <a:p>
-            <a:pPr lvl="2"/>
-            <a:r>
-              <a:rPr lang="en-CH" dirty="0"/>
-              <a:t>Average smokers larger tandancy to commit suicid</a:t>
-            </a:r>
+            <a:pPr marL="0" indent="0">
+              <a:buNone/>
+            </a:pPr>
             <a:r>
               <a:rPr lang="fr-BE" dirty="0"/>
-              <a:t>e</a:t>
-            </a:r>
-          </a:p>
-          <a:p>
-            <a:r>
-              <a:rPr lang="en-CH" dirty="0"/>
-              <a:t>There is a small amount of correlation between unemployment and number of suicides but almost neglegable</a:t>
-            </a:r>
-          </a:p>
-          <a:p>
-            <a:r>
-              <a:rPr lang="en-GB" dirty="0"/>
-              <a:t>For alcohol we decided to do a log-log analysis</a:t>
+              <a:t>TOP 10 of countries </a:t>
+            </a:r>
+            <a:r>
+              <a:rPr lang="fr-BE" dirty="0" err="1"/>
+              <a:t>that</a:t>
+            </a:r>
+            <a:r>
+              <a:rPr lang="fr-BE" dirty="0"/>
+              <a:t> commit the </a:t>
+            </a:r>
+            <a:r>
+              <a:rPr lang="fr-BE" dirty="0" err="1"/>
+              <a:t>most</a:t>
+            </a:r>
+            <a:r>
+              <a:rPr lang="fr-BE" dirty="0"/>
+              <a:t> suicides by 100k habitants in 2010</a:t>
+            </a:r>
+          </a:p>
+          <a:p>
+            <a:r>
+              <a:rPr lang="fr-BE" dirty="0"/>
+              <a:t>Suriname</a:t>
+            </a:r>
+          </a:p>
+          <a:p>
+            <a:r>
+              <a:rPr lang="fr-BE" dirty="0" err="1"/>
+              <a:t>Lithuania</a:t>
+            </a:r>
+            <a:endParaRPr lang="fr-BE" dirty="0"/>
+          </a:p>
+          <a:p>
+            <a:r>
+              <a:rPr lang="fr-BE" dirty="0"/>
+              <a:t>Belarus</a:t>
+            </a:r>
+          </a:p>
+          <a:p>
+            <a:r>
+              <a:rPr lang="fr-BE" dirty="0"/>
+              <a:t>Kazakhstan</a:t>
+            </a:r>
+          </a:p>
+          <a:p>
+            <a:r>
+              <a:rPr lang="fr-BE" dirty="0" err="1"/>
+              <a:t>Hungary</a:t>
             </a:r>
             <a:endParaRPr lang="en-CH" dirty="0"/>
-          </a:p>
-          <a:p>
-            <a:pPr lvl="2"/>
-            <a:r>
-              <a:rPr lang="en-CH" dirty="0"/>
-              <a:t>Definite correlation between alcohol consumption and suicide rate</a:t>
-            </a:r>
-            <a:endParaRPr lang="en-GB" dirty="0"/>
           </a:p>
         </p:txBody>
       </p:sp>
-      <p:pic>
-        <p:nvPicPr>
-          <p:cNvPr id="5" name="Graphique 4" descr="Masculin avec un remplissage uni">
-            <a:extLst>
-              <a:ext uri="{FF2B5EF4-FFF2-40B4-BE49-F238E27FC236}">
-                <a16:creationId xmlns:a16="http://schemas.microsoft.com/office/drawing/2014/main" id="{42B60995-2E26-457F-913F-8B9AC3FE8913}"/>
-              </a:ext>
-            </a:extLst>
-          </p:cNvPr>
-          <p:cNvPicPr>
-            <a:picLocks noChangeAspect="1"/>
-          </p:cNvPicPr>
-          <p:nvPr/>
-        </p:nvPicPr>
-        <p:blipFill>
-          <a:blip r:embed="rId2">
-            <a:extLst>
-              <a:ext uri="{96DAC541-7B7A-43D3-8B79-37D633B846F1}">
-                <asvg:svgBlip xmlns:asvg="http://schemas.microsoft.com/office/drawing/2016/SVG/main" r:embed="rId3"/>
-              </a:ext>
-            </a:extLst>
-          </a:blip>
-          <a:stretch>
-            <a:fillRect/>
-          </a:stretch>
-        </p:blipFill>
-        <p:spPr>
-          <a:xfrm>
-            <a:off x="9371757" y="679028"/>
-            <a:ext cx="914400" cy="914400"/>
-          </a:xfrm>
-          <a:prstGeom prst="rect">
-            <a:avLst/>
-          </a:prstGeom>
-        </p:spPr>
-      </p:pic>
-      <p:pic>
-        <p:nvPicPr>
-          <p:cNvPr id="7" name="Image 6">
-            <a:extLst>
-              <a:ext uri="{FF2B5EF4-FFF2-40B4-BE49-F238E27FC236}">
-                <a16:creationId xmlns:a16="http://schemas.microsoft.com/office/drawing/2014/main" id="{A5AC15E0-82C0-46F7-B4F8-180A39E42F93}"/>
-              </a:ext>
-            </a:extLst>
-          </p:cNvPr>
-          <p:cNvPicPr>
-            <a:picLocks noChangeAspect="1"/>
-          </p:cNvPicPr>
-          <p:nvPr/>
-        </p:nvPicPr>
-        <p:blipFill>
-          <a:blip r:embed="rId4">
-            <a:lum bright="70000" contrast="-70000"/>
-          </a:blip>
-          <a:stretch>
-            <a:fillRect/>
-          </a:stretch>
-        </p:blipFill>
-        <p:spPr>
-          <a:xfrm>
-            <a:off x="10174387" y="726231"/>
-            <a:ext cx="819993" cy="819993"/>
-          </a:xfrm>
-          <a:prstGeom prst="rect">
-            <a:avLst/>
-          </a:prstGeom>
-        </p:spPr>
-      </p:pic>
     </p:spTree>
     <p:extLst>
       <p:ext uri="{BB962C8B-B14F-4D97-AF65-F5344CB8AC3E}">
-        <p14:creationId xmlns:p14="http://schemas.microsoft.com/office/powerpoint/2010/main" val="1311002320"/>
+        <p14:creationId xmlns:p14="http://schemas.microsoft.com/office/powerpoint/2010/main" val="184806501"/>
       </p:ext>
     </p:extLst>
   </p:cSld>
@@ -9310,7 +10856,7 @@
 </file>
 
 <file path=ppt/slides/slide8.xml><?xml version="1.0" encoding="utf-8"?>
-<p:sld xmlns:a="http://schemas.openxmlformats.org/drawingml/2006/main" xmlns:r="http://schemas.openxmlformats.org/officeDocument/2006/relationships" xmlns:p="http://schemas.openxmlformats.org/presentationml/2006/main">
+<p:sld xmlns:a="http://schemas.openxmlformats.org/drawingml/2006/main" xmlns:r="http://schemas.openxmlformats.org/officeDocument/2006/relationships" xmlns:p="http://schemas.openxmlformats.org/presentationml/2006/main" show="0">
   <p:cSld>
     <p:spTree>
       <p:nvGrpSpPr>
@@ -9328,10 +10874,10 @@
       </p:grpSpPr>
       <p:sp>
         <p:nvSpPr>
-          <p:cNvPr id="26" name="Title 1">
-            <a:extLst>
-              <a:ext uri="{FF2B5EF4-FFF2-40B4-BE49-F238E27FC236}">
-                <a16:creationId xmlns:a16="http://schemas.microsoft.com/office/drawing/2014/main" id="{46BC7AA3-A385-4696-B6D1-CE09854B2CF0}"/>
+          <p:cNvPr id="2" name="Title 1">
+            <a:extLst>
+              <a:ext uri="{FF2B5EF4-FFF2-40B4-BE49-F238E27FC236}">
+                <a16:creationId xmlns:a16="http://schemas.microsoft.com/office/drawing/2014/main" id="{23BCB6AC-DD57-1149-9F51-4B12017360A7}"/>
               </a:ext>
             </a:extLst>
           </p:cNvPr>
@@ -9342,12 +10888,7 @@
             <p:ph type="title"/>
           </p:nvPr>
         </p:nvSpPr>
-        <p:spPr>
-          <a:xfrm>
-            <a:off x="294572" y="186440"/>
-            <a:ext cx="10330269" cy="655637"/>
-          </a:xfrm>
-        </p:spPr>
+        <p:spPr/>
         <p:txBody>
           <a:bodyPr>
             <a:normAutofit/>
@@ -9355,19 +10896,86 @@
           <a:lstStyle/>
           <a:p>
             <a:r>
+              <a:rPr lang="en-CH" dirty="0"/>
+              <a:t>Data visualization – by Gender</a:t>
+            </a:r>
+          </a:p>
+        </p:txBody>
+      </p:sp>
+      <p:sp>
+        <p:nvSpPr>
+          <p:cNvPr id="3" name="Content Placeholder 2">
+            <a:extLst>
+              <a:ext uri="{FF2B5EF4-FFF2-40B4-BE49-F238E27FC236}">
+                <a16:creationId xmlns:a16="http://schemas.microsoft.com/office/drawing/2014/main" id="{79A9425A-062D-D545-A18A-44226D2EBAD3}"/>
+              </a:ext>
+            </a:extLst>
+          </p:cNvPr>
+          <p:cNvSpPr>
+            <a:spLocks noGrp="1"/>
+          </p:cNvSpPr>
+          <p:nvPr>
+            <p:ph idx="1"/>
+          </p:nvPr>
+        </p:nvSpPr>
+        <p:spPr/>
+        <p:txBody>
+          <a:bodyPr>
+            <a:noAutofit/>
+          </a:bodyPr>
+          <a:lstStyle/>
+          <a:p>
+            <a:r>
+              <a:rPr lang="en-CH" dirty="0"/>
+              <a:t>Some of the variables had a division by gender</a:t>
+            </a:r>
+          </a:p>
+          <a:p>
+            <a:r>
+              <a:rPr lang="en-CH" dirty="0"/>
+              <a:t>Smoking has no correlation to number of suicides</a:t>
+            </a:r>
+          </a:p>
+          <a:p>
+            <a:pPr lvl="2"/>
+            <a:r>
+              <a:rPr lang="en-CH" dirty="0"/>
+              <a:t>Average smokers larger tandancy to commit suicid</a:t>
+            </a:r>
+            <a:r>
               <a:rPr lang="fr-BE" dirty="0"/>
-              <a:t>GRAPH : Suicide BY ALCOHOL CONSUMPTION</a:t>
+              <a:t>e</a:t>
+            </a:r>
+          </a:p>
+          <a:p>
+            <a:r>
+              <a:rPr lang="en-CH" dirty="0"/>
+              <a:t>There is a small amount of correlation between unemployment and number of suicides but almost neglegable</a:t>
+            </a:r>
+          </a:p>
+          <a:p>
+            <a:r>
+              <a:rPr lang="en-GB" dirty="0"/>
+              <a:t>For alcohol we decided to do a log-log analysis</a:t>
             </a:r>
             <a:endParaRPr lang="en-CH" dirty="0"/>
+          </a:p>
+          <a:p>
+            <a:pPr lvl="2"/>
+            <a:r>
+              <a:rPr lang="en-CH" dirty="0"/>
+              <a:t>Definite correlation between alcohol consumption and suicide rate</a:t>
+            </a:r>
+            <a:endParaRPr lang="en-GB" dirty="0"/>
           </a:p>
         </p:txBody>
       </p:sp>
       <p:pic>
         <p:nvPicPr>
-          <p:cNvPr id="3" name="Graphique 2">
-            <a:extLst>
-              <a:ext uri="{FF2B5EF4-FFF2-40B4-BE49-F238E27FC236}">
-                <a16:creationId xmlns:a16="http://schemas.microsoft.com/office/drawing/2014/main" id="{AC7960B4-C771-4733-977F-5245A8752D82}"/>
+          <p:cNvPr id="5" name="Graphique 4" descr="Masculin avec un remplissage uni">
+            <a:extLst>
+              <a:ext uri="{FF2B5EF4-FFF2-40B4-BE49-F238E27FC236}">
+                <a16:creationId xmlns:a16="http://schemas.microsoft.com/office/drawing/2014/main" id="{42B60995-2E26-457F-913F-8B9AC3FE8913}"/>
               </a:ext>
             </a:extLst>
           </p:cNvPr>
@@ -9377,10 +10985,10 @@
           <p:nvPr/>
         </p:nvPicPr>
         <p:blipFill>
-          <a:blip r:embed="rId2">
+          <a:blip r:embed="rId3">
             <a:extLst>
               <a:ext uri="{96DAC541-7B7A-43D3-8B79-37D633B846F1}">
-                <asvg:svgBlip xmlns:asvg="http://schemas.microsoft.com/office/drawing/2016/SVG/main" r:embed="rId3"/>
+                <asvg:svgBlip xmlns:asvg="http://schemas.microsoft.com/office/drawing/2016/SVG/main" r:embed="rId4"/>
               </a:ext>
             </a:extLst>
           </a:blip>
@@ -9390,8 +10998,40 @@
         </p:blipFill>
         <p:spPr>
           <a:xfrm>
-            <a:off x="2399289" y="956560"/>
-            <a:ext cx="7620000" cy="5715000"/>
+            <a:off x="9371757" y="679028"/>
+            <a:ext cx="914400" cy="914400"/>
+          </a:xfrm>
+          <a:prstGeom prst="rect">
+            <a:avLst/>
+          </a:prstGeom>
+        </p:spPr>
+      </p:pic>
+      <p:pic>
+        <p:nvPicPr>
+          <p:cNvPr id="7" name="Image 6">
+            <a:extLst>
+              <a:ext uri="{FF2B5EF4-FFF2-40B4-BE49-F238E27FC236}">
+                <a16:creationId xmlns:a16="http://schemas.microsoft.com/office/drawing/2014/main" id="{A5AC15E0-82C0-46F7-B4F8-180A39E42F93}"/>
+              </a:ext>
+            </a:extLst>
+          </p:cNvPr>
+          <p:cNvPicPr>
+            <a:picLocks noChangeAspect="1"/>
+          </p:cNvPicPr>
+          <p:nvPr/>
+        </p:nvPicPr>
+        <p:blipFill>
+          <a:blip r:embed="rId5">
+            <a:lum bright="70000" contrast="-70000"/>
+          </a:blip>
+          <a:stretch>
+            <a:fillRect/>
+          </a:stretch>
+        </p:blipFill>
+        <p:spPr>
+          <a:xfrm>
+            <a:off x="10174387" y="726231"/>
+            <a:ext cx="819993" cy="819993"/>
           </a:xfrm>
           <a:prstGeom prst="rect">
             <a:avLst/>
@@ -9401,7 +11041,7 @@
     </p:spTree>
     <p:extLst>
       <p:ext uri="{BB962C8B-B14F-4D97-AF65-F5344CB8AC3E}">
-        <p14:creationId xmlns:p14="http://schemas.microsoft.com/office/powerpoint/2010/main" val="2458617161"/>
+        <p14:creationId xmlns:p14="http://schemas.microsoft.com/office/powerpoint/2010/main" val="1311002320"/>
       </p:ext>
     </p:extLst>
   </p:cSld>
@@ -9433,7 +11073,7 @@
           <p:cNvPr id="2" name="Title 1">
             <a:extLst>
               <a:ext uri="{FF2B5EF4-FFF2-40B4-BE49-F238E27FC236}">
-                <a16:creationId xmlns:a16="http://schemas.microsoft.com/office/drawing/2014/main" id="{17E55584-FB6A-4849-A517-FD0D7867BEBE}"/>
+                <a16:creationId xmlns:a16="http://schemas.microsoft.com/office/drawing/2014/main" id="{8EACBC7C-1508-DE47-9E7A-4F0D2693770C}"/>
               </a:ext>
             </a:extLst>
           </p:cNvPr>
@@ -9446,103 +11086,25 @@
         </p:nvSpPr>
         <p:spPr/>
         <p:txBody>
-          <a:bodyPr/>
+          <a:bodyPr>
+            <a:normAutofit/>
+          </a:bodyPr>
           <a:lstStyle/>
           <a:p>
             <a:r>
-              <a:rPr lang="en-GB" dirty="0"/>
-              <a:t>D</a:t>
-            </a:r>
-            <a:r>
-              <a:rPr lang="en-CH" dirty="0"/>
-              <a:t>ata visualization – total population</a:t>
-            </a:r>
-          </a:p>
-        </p:txBody>
-      </p:sp>
-      <p:sp>
-        <p:nvSpPr>
-          <p:cNvPr id="3" name="Content Placeholder 2">
-            <a:extLst>
-              <a:ext uri="{FF2B5EF4-FFF2-40B4-BE49-F238E27FC236}">
-                <a16:creationId xmlns:a16="http://schemas.microsoft.com/office/drawing/2014/main" id="{3C0078EF-FEBB-FE42-A669-368F88BDC1FB}"/>
-              </a:ext>
-            </a:extLst>
-          </p:cNvPr>
-          <p:cNvSpPr>
-            <a:spLocks noGrp="1"/>
-          </p:cNvSpPr>
-          <p:nvPr>
-            <p:ph idx="1"/>
-          </p:nvPr>
-        </p:nvSpPr>
-        <p:spPr>
-          <a:xfrm>
-            <a:off x="1050587" y="1809345"/>
-            <a:ext cx="10055563" cy="3959630"/>
-          </a:xfrm>
-        </p:spPr>
-        <p:txBody>
-          <a:bodyPr/>
-          <a:lstStyle/>
-          <a:p>
-            <a:r>
-              <a:rPr lang="en-GB" dirty="0"/>
-              <a:t>T</a:t>
-            </a:r>
-            <a:r>
-              <a:rPr lang="en-CH" dirty="0"/>
-              <a:t>wo variables that encompased the whole population</a:t>
-            </a:r>
-          </a:p>
-          <a:p>
-            <a:pPr lvl="2"/>
-            <a:r>
-              <a:rPr lang="en-CH" dirty="0"/>
-              <a:t>GPD per Capita</a:t>
-            </a:r>
-          </a:p>
-          <a:p>
-            <a:pPr lvl="2"/>
-            <a:r>
-              <a:rPr lang="en-CH" dirty="0"/>
-              <a:t>Population</a:t>
-            </a:r>
-          </a:p>
-          <a:p>
-            <a:r>
-              <a:rPr lang="en-CH" dirty="0"/>
-              <a:t>Population graph straight forward</a:t>
-            </a:r>
-          </a:p>
-          <a:p>
-            <a:pPr lvl="2"/>
-            <a:r>
-              <a:rPr lang="en-CH" dirty="0"/>
-              <a:t>No clear correlation but some connection</a:t>
-            </a:r>
-          </a:p>
-          <a:p>
-            <a:r>
-              <a:rPr lang="en-CH" dirty="0"/>
-              <a:t>Decided to do a log-log transformation for GDP per Capita</a:t>
-            </a:r>
-          </a:p>
-          <a:p>
-            <a:pPr lvl="2"/>
-            <a:r>
-              <a:rPr lang="en-CH" dirty="0"/>
-              <a:t>Absolutely no correlation between GDP per Capita and number of suicides</a:t>
-            </a:r>
+              <a:rPr lang="fr-BE" dirty="0"/>
+              <a:t>GRAPH : Suicide BY Smoking</a:t>
+            </a:r>
+            <a:endParaRPr lang="en-CH" dirty="0"/>
           </a:p>
         </p:txBody>
       </p:sp>
       <p:pic>
         <p:nvPicPr>
-          <p:cNvPr id="4" name="Graphique 10" descr="Groupe de personnes avec un remplissage uni">
-            <a:extLst>
-              <a:ext uri="{FF2B5EF4-FFF2-40B4-BE49-F238E27FC236}">
-                <a16:creationId xmlns:a16="http://schemas.microsoft.com/office/drawing/2014/main" id="{C4E9DB58-9007-4346-B049-ED4963C31871}"/>
+          <p:cNvPr id="5" name="Graphic 4">
+            <a:extLst>
+              <a:ext uri="{FF2B5EF4-FFF2-40B4-BE49-F238E27FC236}">
+                <a16:creationId xmlns:a16="http://schemas.microsoft.com/office/drawing/2014/main" id="{45C1EB94-6F06-6A4B-A167-8B153ED90168}"/>
               </a:ext>
             </a:extLst>
           </p:cNvPr>
@@ -9552,10 +11114,10 @@
           <p:nvPr/>
         </p:nvPicPr>
         <p:blipFill>
-          <a:blip r:embed="rId2">
+          <a:blip r:embed="rId3">
             <a:extLst>
               <a:ext uri="{96DAC541-7B7A-43D3-8B79-37D633B846F1}">
-                <asvg:svgBlip xmlns:asvg="http://schemas.microsoft.com/office/drawing/2016/SVG/main" r:embed="rId3"/>
+                <asvg:svgBlip xmlns:asvg="http://schemas.microsoft.com/office/drawing/2016/SVG/main" r:embed="rId4"/>
               </a:ext>
             </a:extLst>
           </a:blip>
@@ -9565,8 +11127,112 @@
         </p:blipFill>
         <p:spPr>
           <a:xfrm>
-            <a:off x="9013502" y="1603645"/>
-            <a:ext cx="2460287" cy="2460287"/>
+            <a:off x="783656" y="2240663"/>
+            <a:ext cx="4808133" cy="3606099"/>
+          </a:xfrm>
+          <a:prstGeom prst="rect">
+            <a:avLst/>
+          </a:prstGeom>
+        </p:spPr>
+      </p:pic>
+      <p:pic>
+        <p:nvPicPr>
+          <p:cNvPr id="6" name="Graphique 4" descr="Masculin avec un remplissage uni">
+            <a:extLst>
+              <a:ext uri="{FF2B5EF4-FFF2-40B4-BE49-F238E27FC236}">
+                <a16:creationId xmlns:a16="http://schemas.microsoft.com/office/drawing/2014/main" id="{4A3D1017-638D-6C4D-83BE-9982E5B9A284}"/>
+              </a:ext>
+            </a:extLst>
+          </p:cNvPr>
+          <p:cNvPicPr>
+            <a:picLocks noChangeAspect="1"/>
+          </p:cNvPicPr>
+          <p:nvPr/>
+        </p:nvPicPr>
+        <p:blipFill>
+          <a:blip r:embed="rId5">
+            <a:extLst>
+              <a:ext uri="{96DAC541-7B7A-43D3-8B79-37D633B846F1}">
+                <asvg:svgBlip xmlns:asvg="http://schemas.microsoft.com/office/drawing/2016/SVG/main" r:embed="rId6"/>
+              </a:ext>
+            </a:extLst>
+          </a:blip>
+          <a:stretch>
+            <a:fillRect/>
+          </a:stretch>
+        </p:blipFill>
+        <p:spPr>
+          <a:xfrm>
+            <a:off x="-59367" y="3315662"/>
+            <a:ext cx="914400" cy="914400"/>
+          </a:xfrm>
+          <a:prstGeom prst="rect">
+            <a:avLst/>
+          </a:prstGeom>
+        </p:spPr>
+      </p:pic>
+      <p:pic>
+        <p:nvPicPr>
+          <p:cNvPr id="7" name="Image 6">
+            <a:extLst>
+              <a:ext uri="{FF2B5EF4-FFF2-40B4-BE49-F238E27FC236}">
+                <a16:creationId xmlns:a16="http://schemas.microsoft.com/office/drawing/2014/main" id="{F6F2E704-04D9-2644-BE9F-06977A9B5B88}"/>
+              </a:ext>
+            </a:extLst>
+          </p:cNvPr>
+          <p:cNvPicPr>
+            <a:picLocks noChangeAspect="1"/>
+          </p:cNvPicPr>
+          <p:nvPr/>
+        </p:nvPicPr>
+        <p:blipFill>
+          <a:blip r:embed="rId7">
+            <a:lum bright="70000" contrast="-70000"/>
+          </a:blip>
+          <a:stretch>
+            <a:fillRect/>
+          </a:stretch>
+        </p:blipFill>
+        <p:spPr>
+          <a:xfrm>
+            <a:off x="11372007" y="3315223"/>
+            <a:ext cx="819993" cy="819993"/>
+          </a:xfrm>
+          <a:prstGeom prst="rect">
+            <a:avLst/>
+          </a:prstGeom>
+        </p:spPr>
+      </p:pic>
+      <p:pic>
+        <p:nvPicPr>
+          <p:cNvPr id="8" name="Graphic 7">
+            <a:extLst>
+              <a:ext uri="{FF2B5EF4-FFF2-40B4-BE49-F238E27FC236}">
+                <a16:creationId xmlns:a16="http://schemas.microsoft.com/office/drawing/2014/main" id="{832F28AD-1052-F84F-B277-7D9FC6616F93}"/>
+              </a:ext>
+            </a:extLst>
+          </p:cNvPr>
+          <p:cNvPicPr>
+            <a:picLocks noChangeAspect="1"/>
+          </p:cNvPicPr>
+          <p:nvPr/>
+        </p:nvPicPr>
+        <p:blipFill>
+          <a:blip r:embed="rId8">
+            <a:extLst>
+              <a:ext uri="{96DAC541-7B7A-43D3-8B79-37D633B846F1}">
+                <asvg:svgBlip xmlns:asvg="http://schemas.microsoft.com/office/drawing/2016/SVG/main" r:embed="rId9"/>
+              </a:ext>
+            </a:extLst>
+          </a:blip>
+          <a:stretch>
+            <a:fillRect/>
+          </a:stretch>
+        </p:blipFill>
+        <p:spPr>
+          <a:xfrm>
+            <a:off x="6481479" y="2228620"/>
+            <a:ext cx="4808133" cy="3606100"/>
           </a:xfrm>
           <a:prstGeom prst="rect">
             <a:avLst/>
@@ -9576,7 +11242,7 @@
     </p:spTree>
     <p:extLst>
       <p:ext uri="{BB962C8B-B14F-4D97-AF65-F5344CB8AC3E}">
-        <p14:creationId xmlns:p14="http://schemas.microsoft.com/office/powerpoint/2010/main" val="407757707"/>
+        <p14:creationId xmlns:p14="http://schemas.microsoft.com/office/powerpoint/2010/main" val="410148669"/>
       </p:ext>
     </p:extLst>
   </p:cSld>
@@ -9754,4 +11420,299 @@
     </a:ext>
   </a:extLst>
 </a:theme>
+</file>
+
+<file path=ppt/theme/theme2.xml><?xml version="1.0" encoding="utf-8"?>
+<a:theme xmlns:a="http://schemas.openxmlformats.org/drawingml/2006/main" name="Office Theme">
+  <a:themeElements>
+    <a:clrScheme name="Office">
+      <a:dk1>
+        <a:sysClr val="windowText" lastClr="000000"/>
+      </a:dk1>
+      <a:lt1>
+        <a:sysClr val="window" lastClr="FFFFFF"/>
+      </a:lt1>
+      <a:dk2>
+        <a:srgbClr val="44546A"/>
+      </a:dk2>
+      <a:lt2>
+        <a:srgbClr val="E7E6E6"/>
+      </a:lt2>
+      <a:accent1>
+        <a:srgbClr val="4472C4"/>
+      </a:accent1>
+      <a:accent2>
+        <a:srgbClr val="ED7D31"/>
+      </a:accent2>
+      <a:accent3>
+        <a:srgbClr val="A5A5A5"/>
+      </a:accent3>
+      <a:accent4>
+        <a:srgbClr val="FFC000"/>
+      </a:accent4>
+      <a:accent5>
+        <a:srgbClr val="5B9BD5"/>
+      </a:accent5>
+      <a:accent6>
+        <a:srgbClr val="70AD47"/>
+      </a:accent6>
+      <a:hlink>
+        <a:srgbClr val="0563C1"/>
+      </a:hlink>
+      <a:folHlink>
+        <a:srgbClr val="954F72"/>
+      </a:folHlink>
+    </a:clrScheme>
+    <a:fontScheme name="Office">
+      <a:majorFont>
+        <a:latin typeface="Calibri Light" panose="020F0302020204030204"/>
+        <a:ea typeface=""/>
+        <a:cs typeface=""/>
+        <a:font script="Jpan" typeface="游ゴシック Light"/>
+        <a:font script="Hang" typeface="맑은 고딕"/>
+        <a:font script="Hans" typeface="等线 Light"/>
+        <a:font script="Hant" typeface="新細明體"/>
+        <a:font script="Arab" typeface="Times New Roman"/>
+        <a:font script="Hebr" typeface="Times New Roman"/>
+        <a:font script="Thai" typeface="Angsana New"/>
+        <a:font script="Ethi" typeface="Nyala"/>
+        <a:font script="Beng" typeface="Vrinda"/>
+        <a:font script="Gujr" typeface="Shruti"/>
+        <a:font script="Khmr" typeface="MoolBoran"/>
+        <a:font script="Knda" typeface="Tunga"/>
+        <a:font script="Guru" typeface="Raavi"/>
+        <a:font script="Cans" typeface="Euphemia"/>
+        <a:font script="Cher" typeface="Plantagenet Cherokee"/>
+        <a:font script="Yiii" typeface="Microsoft Yi Baiti"/>
+        <a:font script="Tibt" typeface="Microsoft Himalaya"/>
+        <a:font script="Thaa" typeface="MV Boli"/>
+        <a:font script="Deva" typeface="Mangal"/>
+        <a:font script="Telu" typeface="Gautami"/>
+        <a:font script="Taml" typeface="Latha"/>
+        <a:font script="Syrc" typeface="Estrangelo Edessa"/>
+        <a:font script="Orya" typeface="Kalinga"/>
+        <a:font script="Mlym" typeface="Kartika"/>
+        <a:font script="Laoo" typeface="DokChampa"/>
+        <a:font script="Sinh" typeface="Iskoola Pota"/>
+        <a:font script="Mong" typeface="Mongolian Baiti"/>
+        <a:font script="Viet" typeface="Times New Roman"/>
+        <a:font script="Uigh" typeface="Microsoft Uighur"/>
+        <a:font script="Geor" typeface="Sylfaen"/>
+        <a:font script="Armn" typeface="Arial"/>
+        <a:font script="Bugi" typeface="Leelawadee UI"/>
+        <a:font script="Bopo" typeface="Microsoft JhengHei"/>
+        <a:font script="Java" typeface="Javanese Text"/>
+        <a:font script="Lisu" typeface="Segoe UI"/>
+        <a:font script="Mymr" typeface="Myanmar Text"/>
+        <a:font script="Nkoo" typeface="Ebrima"/>
+        <a:font script="Olck" typeface="Nirmala UI"/>
+        <a:font script="Osma" typeface="Ebrima"/>
+        <a:font script="Phag" typeface="Phagspa"/>
+        <a:font script="Syrn" typeface="Estrangelo Edessa"/>
+        <a:font script="Syrj" typeface="Estrangelo Edessa"/>
+        <a:font script="Syre" typeface="Estrangelo Edessa"/>
+        <a:font script="Sora" typeface="Nirmala UI"/>
+        <a:font script="Tale" typeface="Microsoft Tai Le"/>
+        <a:font script="Talu" typeface="Microsoft New Tai Lue"/>
+        <a:font script="Tfng" typeface="Ebrima"/>
+      </a:majorFont>
+      <a:minorFont>
+        <a:latin typeface="Calibri" panose="020F0502020204030204"/>
+        <a:ea typeface=""/>
+        <a:cs typeface=""/>
+        <a:font script="Jpan" typeface="游ゴシック"/>
+        <a:font script="Hang" typeface="맑은 고딕"/>
+        <a:font script="Hans" typeface="等线"/>
+        <a:font script="Hant" typeface="新細明體"/>
+        <a:font script="Arab" typeface="Arial"/>
+        <a:font script="Hebr" typeface="Arial"/>
+        <a:font script="Thai" typeface="Cordia New"/>
+        <a:font script="Ethi" typeface="Nyala"/>
+        <a:font script="Beng" typeface="Vrinda"/>
+        <a:font script="Gujr" typeface="Shruti"/>
+        <a:font script="Khmr" typeface="DaunPenh"/>
+        <a:font script="Knda" typeface="Tunga"/>
+        <a:font script="Guru" typeface="Raavi"/>
+        <a:font script="Cans" typeface="Euphemia"/>
+        <a:font script="Cher" typeface="Plantagenet Cherokee"/>
+        <a:font script="Yiii" typeface="Microsoft Yi Baiti"/>
+        <a:font script="Tibt" typeface="Microsoft Himalaya"/>
+        <a:font script="Thaa" typeface="MV Boli"/>
+        <a:font script="Deva" typeface="Mangal"/>
+        <a:font script="Telu" typeface="Gautami"/>
+        <a:font script="Taml" typeface="Latha"/>
+        <a:font script="Syrc" typeface="Estrangelo Edessa"/>
+        <a:font script="Orya" typeface="Kalinga"/>
+        <a:font script="Mlym" typeface="Kartika"/>
+        <a:font script="Laoo" typeface="DokChampa"/>
+        <a:font script="Sinh" typeface="Iskoola Pota"/>
+        <a:font script="Mong" typeface="Mongolian Baiti"/>
+        <a:font script="Viet" typeface="Arial"/>
+        <a:font script="Uigh" typeface="Microsoft Uighur"/>
+        <a:font script="Geor" typeface="Sylfaen"/>
+        <a:font script="Armn" typeface="Arial"/>
+        <a:font script="Bugi" typeface="Leelawadee UI"/>
+        <a:font script="Bopo" typeface="Microsoft JhengHei"/>
+        <a:font script="Java" typeface="Javanese Text"/>
+        <a:font script="Lisu" typeface="Segoe UI"/>
+        <a:font script="Mymr" typeface="Myanmar Text"/>
+        <a:font script="Nkoo" typeface="Ebrima"/>
+        <a:font script="Olck" typeface="Nirmala UI"/>
+        <a:font script="Osma" typeface="Ebrima"/>
+        <a:font script="Phag" typeface="Phagspa"/>
+        <a:font script="Syrn" typeface="Estrangelo Edessa"/>
+        <a:font script="Syrj" typeface="Estrangelo Edessa"/>
+        <a:font script="Syre" typeface="Estrangelo Edessa"/>
+        <a:font script="Sora" typeface="Nirmala UI"/>
+        <a:font script="Tale" typeface="Microsoft Tai Le"/>
+        <a:font script="Talu" typeface="Microsoft New Tai Lue"/>
+        <a:font script="Tfng" typeface="Ebrima"/>
+      </a:minorFont>
+    </a:fontScheme>
+    <a:fmtScheme name="Office">
+      <a:fillStyleLst>
+        <a:solidFill>
+          <a:schemeClr val="phClr"/>
+        </a:solidFill>
+        <a:gradFill rotWithShape="1">
+          <a:gsLst>
+            <a:gs pos="0">
+              <a:schemeClr val="phClr">
+                <a:lumMod val="110000"/>
+                <a:satMod val="105000"/>
+                <a:tint val="67000"/>
+              </a:schemeClr>
+            </a:gs>
+            <a:gs pos="50000">
+              <a:schemeClr val="phClr">
+                <a:lumMod val="105000"/>
+                <a:satMod val="103000"/>
+                <a:tint val="73000"/>
+              </a:schemeClr>
+            </a:gs>
+            <a:gs pos="100000">
+              <a:schemeClr val="phClr">
+                <a:lumMod val="105000"/>
+                <a:satMod val="109000"/>
+                <a:tint val="81000"/>
+              </a:schemeClr>
+            </a:gs>
+          </a:gsLst>
+          <a:lin ang="5400000" scaled="0"/>
+        </a:gradFill>
+        <a:gradFill rotWithShape="1">
+          <a:gsLst>
+            <a:gs pos="0">
+              <a:schemeClr val="phClr">
+                <a:satMod val="103000"/>
+                <a:lumMod val="102000"/>
+                <a:tint val="94000"/>
+              </a:schemeClr>
+            </a:gs>
+            <a:gs pos="50000">
+              <a:schemeClr val="phClr">
+                <a:satMod val="110000"/>
+                <a:lumMod val="100000"/>
+                <a:shade val="100000"/>
+              </a:schemeClr>
+            </a:gs>
+            <a:gs pos="100000">
+              <a:schemeClr val="phClr">
+                <a:lumMod val="99000"/>
+                <a:satMod val="120000"/>
+                <a:shade val="78000"/>
+              </a:schemeClr>
+            </a:gs>
+          </a:gsLst>
+          <a:lin ang="5400000" scaled="0"/>
+        </a:gradFill>
+      </a:fillStyleLst>
+      <a:lnStyleLst>
+        <a:ln w="6350" cap="flat" cmpd="sng" algn="ctr">
+          <a:solidFill>
+            <a:schemeClr val="phClr"/>
+          </a:solidFill>
+          <a:prstDash val="solid"/>
+          <a:miter lim="800000"/>
+        </a:ln>
+        <a:ln w="12700" cap="flat" cmpd="sng" algn="ctr">
+          <a:solidFill>
+            <a:schemeClr val="phClr"/>
+          </a:solidFill>
+          <a:prstDash val="solid"/>
+          <a:miter lim="800000"/>
+        </a:ln>
+        <a:ln w="19050" cap="flat" cmpd="sng" algn="ctr">
+          <a:solidFill>
+            <a:schemeClr val="phClr"/>
+          </a:solidFill>
+          <a:prstDash val="solid"/>
+          <a:miter lim="800000"/>
+        </a:ln>
+      </a:lnStyleLst>
+      <a:effectStyleLst>
+        <a:effectStyle>
+          <a:effectLst/>
+        </a:effectStyle>
+        <a:effectStyle>
+          <a:effectLst/>
+        </a:effectStyle>
+        <a:effectStyle>
+          <a:effectLst>
+            <a:outerShdw blurRad="57150" dist="19050" dir="5400000" algn="ctr" rotWithShape="0">
+              <a:srgbClr val="000000">
+                <a:alpha val="63000"/>
+              </a:srgbClr>
+            </a:outerShdw>
+          </a:effectLst>
+        </a:effectStyle>
+      </a:effectStyleLst>
+      <a:bgFillStyleLst>
+        <a:solidFill>
+          <a:schemeClr val="phClr"/>
+        </a:solidFill>
+        <a:solidFill>
+          <a:schemeClr val="phClr">
+            <a:tint val="95000"/>
+            <a:satMod val="170000"/>
+          </a:schemeClr>
+        </a:solidFill>
+        <a:gradFill rotWithShape="1">
+          <a:gsLst>
+            <a:gs pos="0">
+              <a:schemeClr val="phClr">
+                <a:tint val="93000"/>
+                <a:satMod val="150000"/>
+                <a:shade val="98000"/>
+                <a:lumMod val="102000"/>
+              </a:schemeClr>
+            </a:gs>
+            <a:gs pos="50000">
+              <a:schemeClr val="phClr">
+                <a:tint val="98000"/>
+                <a:satMod val="130000"/>
+                <a:shade val="90000"/>
+                <a:lumMod val="103000"/>
+              </a:schemeClr>
+            </a:gs>
+            <a:gs pos="100000">
+              <a:schemeClr val="phClr">
+                <a:shade val="63000"/>
+                <a:satMod val="120000"/>
+              </a:schemeClr>
+            </a:gs>
+          </a:gsLst>
+          <a:lin ang="5400000" scaled="0"/>
+        </a:gradFill>
+      </a:bgFillStyleLst>
+    </a:fmtScheme>
+  </a:themeElements>
+  <a:objectDefaults/>
+  <a:extraClrSchemeLst/>
+  <a:extLst>
+    <a:ext uri="{05A4C25C-085E-4340-85A3-A5531E510DB2}">
+      <thm15:themeFamily xmlns:thm15="http://schemas.microsoft.com/office/thememl/2012/main" name="Office Theme" id="{62F939B6-93AF-4DB8-9C6B-D6C7DFDC589F}" vid="{4A3C46E8-61CC-4603-A589-7422A47A8E4A}"/>
+    </a:ext>
+  </a:extLst>
+</a:theme>
 </file>
--- a/DE2_Term_Presentation.pptx
+++ b/DE2_Term_Presentation.pptx
@@ -5,23 +5,24 @@
     <p:sldMasterId id="2147483686" r:id="rId1"/>
   </p:sldMasterIdLst>
   <p:notesMasterIdLst>
-    <p:notesMasterId r:id="rId16"/>
+    <p:notesMasterId r:id="rId17"/>
   </p:notesMasterIdLst>
   <p:sldIdLst>
     <p:sldId id="256" r:id="rId2"/>
     <p:sldId id="257" r:id="rId3"/>
-    <p:sldId id="258" r:id="rId4"/>
-    <p:sldId id="259" r:id="rId5"/>
-    <p:sldId id="260" r:id="rId6"/>
-    <p:sldId id="265" r:id="rId7"/>
-    <p:sldId id="266" r:id="rId8"/>
-    <p:sldId id="262" r:id="rId9"/>
-    <p:sldId id="268" r:id="rId10"/>
-    <p:sldId id="270" r:id="rId11"/>
-    <p:sldId id="267" r:id="rId12"/>
-    <p:sldId id="263" r:id="rId13"/>
-    <p:sldId id="261" r:id="rId14"/>
-    <p:sldId id="269" r:id="rId15"/>
+    <p:sldId id="271" r:id="rId4"/>
+    <p:sldId id="258" r:id="rId5"/>
+    <p:sldId id="272" r:id="rId6"/>
+    <p:sldId id="260" r:id="rId7"/>
+    <p:sldId id="265" r:id="rId8"/>
+    <p:sldId id="266" r:id="rId9"/>
+    <p:sldId id="262" r:id="rId10"/>
+    <p:sldId id="268" r:id="rId11"/>
+    <p:sldId id="270" r:id="rId12"/>
+    <p:sldId id="267" r:id="rId13"/>
+    <p:sldId id="263" r:id="rId14"/>
+    <p:sldId id="261" r:id="rId15"/>
+    <p:sldId id="269" r:id="rId16"/>
   </p:sldIdLst>
   <p:sldSz cx="12192000" cy="6858000"/>
   <p:notesSz cx="6858000" cy="9144000"/>
@@ -136,307 +137,6 @@
 </p1510:revInfo>
 </file>
 
-<file path=ppt/changesInfos/changesInfo1.xml><?xml version="1.0" encoding="utf-8"?>
-<pc:chgInfo xmlns:a="http://schemas.openxmlformats.org/drawingml/2006/main" xmlns:r="http://schemas.openxmlformats.org/officeDocument/2006/relationships" xmlns:ac="http://schemas.microsoft.com/office/drawing/2013/main/command" xmlns:pc="http://schemas.microsoft.com/office/powerpoint/2013/main/command">
-  <pc:docChgLst>
-    <pc:chgData name="Terez Szabo" userId="42e7e467-1161-451a-9926-179cfa22533b" providerId="ADAL" clId="{710AC600-54DC-B942-8EBA-223E84510A54}"/>
-    <pc:docChg chg="undo custSel addSld modSld sldOrd">
-      <pc:chgData name="Terez Szabo" userId="42e7e467-1161-451a-9926-179cfa22533b" providerId="ADAL" clId="{710AC600-54DC-B942-8EBA-223E84510A54}" dt="2020-12-11T13:49:29.438" v="140" actId="729"/>
-      <pc:docMkLst>
-        <pc:docMk/>
-      </pc:docMkLst>
-      <pc:sldChg chg="modSp mod">
-        <pc:chgData name="Terez Szabo" userId="42e7e467-1161-451a-9926-179cfa22533b" providerId="ADAL" clId="{710AC600-54DC-B942-8EBA-223E84510A54}" dt="2020-12-11T13:49:01.035" v="139" actId="1076"/>
-        <pc:sldMkLst>
-          <pc:docMk/>
-          <pc:sldMk cId="407757707" sldId="261"/>
-        </pc:sldMkLst>
-        <pc:spChg chg="mod">
-          <ac:chgData name="Terez Szabo" userId="42e7e467-1161-451a-9926-179cfa22533b" providerId="ADAL" clId="{710AC600-54DC-B942-8EBA-223E84510A54}" dt="2020-12-11T13:48:54.288" v="137" actId="20577"/>
-          <ac:spMkLst>
-            <pc:docMk/>
-            <pc:sldMk cId="407757707" sldId="261"/>
-            <ac:spMk id="3" creationId="{3C0078EF-FEBB-FE42-A669-368F88BDC1FB}"/>
-          </ac:spMkLst>
-        </pc:spChg>
-        <pc:picChg chg="mod">
-          <ac:chgData name="Terez Szabo" userId="42e7e467-1161-451a-9926-179cfa22533b" providerId="ADAL" clId="{710AC600-54DC-B942-8EBA-223E84510A54}" dt="2020-12-11T13:49:01.035" v="139" actId="1076"/>
-          <ac:picMkLst>
-            <pc:docMk/>
-            <pc:sldMk cId="407757707" sldId="261"/>
-            <ac:picMk id="4" creationId="{C4E9DB58-9007-4346-B049-ED4963C31871}"/>
-          </ac:picMkLst>
-        </pc:picChg>
-      </pc:sldChg>
-      <pc:sldChg chg="mod modShow modNotesTx">
-        <pc:chgData name="Terez Szabo" userId="42e7e467-1161-451a-9926-179cfa22533b" providerId="ADAL" clId="{710AC600-54DC-B942-8EBA-223E84510A54}" dt="2020-12-11T13:49:29.438" v="140" actId="729"/>
-        <pc:sldMkLst>
-          <pc:docMk/>
-          <pc:sldMk cId="1311002320" sldId="262"/>
-        </pc:sldMkLst>
-      </pc:sldChg>
-      <pc:sldChg chg="mod ord modShow">
-        <pc:chgData name="Terez Szabo" userId="42e7e467-1161-451a-9926-179cfa22533b" providerId="ADAL" clId="{710AC600-54DC-B942-8EBA-223E84510A54}" dt="2020-12-11T13:38:16.190" v="29" actId="729"/>
-        <pc:sldMkLst>
-          <pc:docMk/>
-          <pc:sldMk cId="103008590" sldId="263"/>
-        </pc:sldMkLst>
-      </pc:sldChg>
-      <pc:sldChg chg="modSp mod ord">
-        <pc:chgData name="Terez Szabo" userId="42e7e467-1161-451a-9926-179cfa22533b" providerId="ADAL" clId="{710AC600-54DC-B942-8EBA-223E84510A54}" dt="2020-12-11T13:38:59.888" v="36" actId="1076"/>
-        <pc:sldMkLst>
-          <pc:docMk/>
-          <pc:sldMk cId="2485647702" sldId="265"/>
-        </pc:sldMkLst>
-        <pc:spChg chg="mod">
-          <ac:chgData name="Terez Szabo" userId="42e7e467-1161-451a-9926-179cfa22533b" providerId="ADAL" clId="{710AC600-54DC-B942-8EBA-223E84510A54}" dt="2020-12-11T13:38:53.688" v="35" actId="179"/>
-          <ac:spMkLst>
-            <pc:docMk/>
-            <pc:sldMk cId="2485647702" sldId="265"/>
-            <ac:spMk id="15" creationId="{7D11FE9C-B6D9-4FDE-9E8E-1C09F5384E63}"/>
-          </ac:spMkLst>
-        </pc:spChg>
-        <pc:picChg chg="mod">
-          <ac:chgData name="Terez Szabo" userId="42e7e467-1161-451a-9926-179cfa22533b" providerId="ADAL" clId="{710AC600-54DC-B942-8EBA-223E84510A54}" dt="2020-12-11T13:38:59.888" v="36" actId="1076"/>
-          <ac:picMkLst>
-            <pc:docMk/>
-            <pc:sldMk cId="2485647702" sldId="265"/>
-            <ac:picMk id="6" creationId="{72BE9715-22CE-47F7-AE40-40300F76B0A7}"/>
-          </ac:picMkLst>
-        </pc:picChg>
-      </pc:sldChg>
-      <pc:sldChg chg="modSp mod ord">
-        <pc:chgData name="Terez Szabo" userId="42e7e467-1161-451a-9926-179cfa22533b" providerId="ADAL" clId="{710AC600-54DC-B942-8EBA-223E84510A54}" dt="2020-12-11T13:39:13.938" v="37" actId="5793"/>
-        <pc:sldMkLst>
-          <pc:docMk/>
-          <pc:sldMk cId="184806501" sldId="266"/>
-        </pc:sldMkLst>
-        <pc:spChg chg="mod">
-          <ac:chgData name="Terez Szabo" userId="42e7e467-1161-451a-9926-179cfa22533b" providerId="ADAL" clId="{710AC600-54DC-B942-8EBA-223E84510A54}" dt="2020-12-11T13:39:13.938" v="37" actId="5793"/>
-          <ac:spMkLst>
-            <pc:docMk/>
-            <pc:sldMk cId="184806501" sldId="266"/>
-            <ac:spMk id="5" creationId="{63F277A9-516D-4900-84BA-7CD79DAE5618}"/>
-          </ac:spMkLst>
-        </pc:spChg>
-      </pc:sldChg>
-      <pc:sldChg chg="addSp delSp modSp mod ord">
-        <pc:chgData name="Terez Szabo" userId="42e7e467-1161-451a-9926-179cfa22533b" providerId="ADAL" clId="{710AC600-54DC-B942-8EBA-223E84510A54}" dt="2020-12-11T13:45:06.932" v="72" actId="1076"/>
-        <pc:sldMkLst>
-          <pc:docMk/>
-          <pc:sldMk cId="2458617161" sldId="267"/>
-        </pc:sldMkLst>
-        <pc:picChg chg="del">
-          <ac:chgData name="Terez Szabo" userId="42e7e467-1161-451a-9926-179cfa22533b" providerId="ADAL" clId="{710AC600-54DC-B942-8EBA-223E84510A54}" dt="2020-12-11T13:43:04.147" v="62" actId="478"/>
-          <ac:picMkLst>
-            <pc:docMk/>
-            <pc:sldMk cId="2458617161" sldId="267"/>
-            <ac:picMk id="3" creationId="{AC7960B4-C771-4733-977F-5245A8752D82}"/>
-          </ac:picMkLst>
-        </pc:picChg>
-        <pc:picChg chg="add del mod">
-          <ac:chgData name="Terez Szabo" userId="42e7e467-1161-451a-9926-179cfa22533b" providerId="ADAL" clId="{710AC600-54DC-B942-8EBA-223E84510A54}" dt="2020-12-11T13:43:25.728" v="65" actId="478"/>
-          <ac:picMkLst>
-            <pc:docMk/>
-            <pc:sldMk cId="2458617161" sldId="267"/>
-            <ac:picMk id="4" creationId="{546B9EF8-B29E-5E46-802A-D1C20268DC9E}"/>
-          </ac:picMkLst>
-        </pc:picChg>
-        <pc:picChg chg="add del mod">
-          <ac:chgData name="Terez Szabo" userId="42e7e467-1161-451a-9926-179cfa22533b" providerId="ADAL" clId="{710AC600-54DC-B942-8EBA-223E84510A54}" dt="2020-12-11T13:43:25.728" v="65" actId="478"/>
-          <ac:picMkLst>
-            <pc:docMk/>
-            <pc:sldMk cId="2458617161" sldId="267"/>
-            <ac:picMk id="5" creationId="{F1BC35B4-DA4B-D842-AFCD-F480EED24D61}"/>
-          </ac:picMkLst>
-        </pc:picChg>
-        <pc:picChg chg="add del mod">
-          <ac:chgData name="Terez Szabo" userId="42e7e467-1161-451a-9926-179cfa22533b" providerId="ADAL" clId="{710AC600-54DC-B942-8EBA-223E84510A54}" dt="2020-12-11T13:43:29.455" v="66" actId="478"/>
-          <ac:picMkLst>
-            <pc:docMk/>
-            <pc:sldMk cId="2458617161" sldId="267"/>
-            <ac:picMk id="6" creationId="{2EBC9290-159A-2848-8E15-C4D5B5C4EB20}"/>
-          </ac:picMkLst>
-        </pc:picChg>
-        <pc:picChg chg="add del mod">
-          <ac:chgData name="Terez Szabo" userId="42e7e467-1161-451a-9926-179cfa22533b" providerId="ADAL" clId="{710AC600-54DC-B942-8EBA-223E84510A54}" dt="2020-12-11T13:44:46.442" v="69" actId="478"/>
-          <ac:picMkLst>
-            <pc:docMk/>
-            <pc:sldMk cId="2458617161" sldId="267"/>
-            <ac:picMk id="7" creationId="{D2532AAA-41A6-2145-8081-89A8500B4AD1}"/>
-          </ac:picMkLst>
-        </pc:picChg>
-        <pc:picChg chg="add del mod">
-          <ac:chgData name="Terez Szabo" userId="42e7e467-1161-451a-9926-179cfa22533b" providerId="ADAL" clId="{710AC600-54DC-B942-8EBA-223E84510A54}" dt="2020-12-11T13:44:33.308" v="68" actId="478"/>
-          <ac:picMkLst>
-            <pc:docMk/>
-            <pc:sldMk cId="2458617161" sldId="267"/>
-            <ac:picMk id="8" creationId="{534F0ABA-2E3E-C948-92AB-66A89F2CED90}"/>
-          </ac:picMkLst>
-        </pc:picChg>
-        <pc:picChg chg="add mod">
-          <ac:chgData name="Terez Szabo" userId="42e7e467-1161-451a-9926-179cfa22533b" providerId="ADAL" clId="{710AC600-54DC-B942-8EBA-223E84510A54}" dt="2020-12-11T13:45:06.932" v="72" actId="1076"/>
-          <ac:picMkLst>
-            <pc:docMk/>
-            <pc:sldMk cId="2458617161" sldId="267"/>
-            <ac:picMk id="10" creationId="{A00C5D16-95A8-D843-AA2E-5BDB4CFB0C55}"/>
-          </ac:picMkLst>
-        </pc:picChg>
-      </pc:sldChg>
-      <pc:sldChg chg="addSp delSp modSp new mod modNotesTx">
-        <pc:chgData name="Terez Szabo" userId="42e7e467-1161-451a-9926-179cfa22533b" providerId="ADAL" clId="{710AC600-54DC-B942-8EBA-223E84510A54}" dt="2020-12-11T13:37:56.371" v="27" actId="404"/>
-        <pc:sldMkLst>
-          <pc:docMk/>
-          <pc:sldMk cId="410148669" sldId="268"/>
-        </pc:sldMkLst>
-        <pc:spChg chg="mod">
-          <ac:chgData name="Terez Szabo" userId="42e7e467-1161-451a-9926-179cfa22533b" providerId="ADAL" clId="{710AC600-54DC-B942-8EBA-223E84510A54}" dt="2020-12-11T13:37:09.100" v="21" actId="27636"/>
-          <ac:spMkLst>
-            <pc:docMk/>
-            <pc:sldMk cId="410148669" sldId="268"/>
-            <ac:spMk id="2" creationId="{8EACBC7C-1508-DE47-9E7A-4F0D2693770C}"/>
-          </ac:spMkLst>
-        </pc:spChg>
-        <pc:spChg chg="del">
-          <ac:chgData name="Terez Szabo" userId="42e7e467-1161-451a-9926-179cfa22533b" providerId="ADAL" clId="{710AC600-54DC-B942-8EBA-223E84510A54}" dt="2020-12-11T13:36:21.825" v="4" actId="478"/>
-          <ac:spMkLst>
-            <pc:docMk/>
-            <pc:sldMk cId="410148669" sldId="268"/>
-            <ac:spMk id="3" creationId="{67B8A6EE-48E1-EE43-AD0D-7C829102044A}"/>
-          </ac:spMkLst>
-        </pc:spChg>
-        <pc:picChg chg="add del mod">
-          <ac:chgData name="Terez Szabo" userId="42e7e467-1161-451a-9926-179cfa22533b" providerId="ADAL" clId="{710AC600-54DC-B942-8EBA-223E84510A54}" dt="2020-12-11T13:36:25.694" v="6" actId="478"/>
-          <ac:picMkLst>
-            <pc:docMk/>
-            <pc:sldMk cId="410148669" sldId="268"/>
-            <ac:picMk id="4" creationId="{0945EE97-E0AF-7445-A86B-CDC15A8FEC38}"/>
-          </ac:picMkLst>
-        </pc:picChg>
-        <pc:picChg chg="add mod">
-          <ac:chgData name="Terez Szabo" userId="42e7e467-1161-451a-9926-179cfa22533b" providerId="ADAL" clId="{710AC600-54DC-B942-8EBA-223E84510A54}" dt="2020-12-11T13:36:42.991" v="8" actId="1076"/>
-          <ac:picMkLst>
-            <pc:docMk/>
-            <pc:sldMk cId="410148669" sldId="268"/>
-            <ac:picMk id="5" creationId="{45C1EB94-6F06-6A4B-A167-8B153ED90168}"/>
-          </ac:picMkLst>
-        </pc:picChg>
-        <pc:picChg chg="add mod">
-          <ac:chgData name="Terez Szabo" userId="42e7e467-1161-451a-9926-179cfa22533b" providerId="ADAL" clId="{710AC600-54DC-B942-8EBA-223E84510A54}" dt="2020-12-11T13:36:42.991" v="8" actId="1076"/>
-          <ac:picMkLst>
-            <pc:docMk/>
-            <pc:sldMk cId="410148669" sldId="268"/>
-            <ac:picMk id="6" creationId="{4A3D1017-638D-6C4D-83BE-9982E5B9A284}"/>
-          </ac:picMkLst>
-        </pc:picChg>
-        <pc:picChg chg="add mod">
-          <ac:chgData name="Terez Szabo" userId="42e7e467-1161-451a-9926-179cfa22533b" providerId="ADAL" clId="{710AC600-54DC-B942-8EBA-223E84510A54}" dt="2020-12-11T13:36:42.991" v="8" actId="1076"/>
-          <ac:picMkLst>
-            <pc:docMk/>
-            <pc:sldMk cId="410148669" sldId="268"/>
-            <ac:picMk id="7" creationId="{F6F2E704-04D9-2644-BE9F-06977A9B5B88}"/>
-          </ac:picMkLst>
-        </pc:picChg>
-        <pc:picChg chg="add mod">
-          <ac:chgData name="Terez Szabo" userId="42e7e467-1161-451a-9926-179cfa22533b" providerId="ADAL" clId="{710AC600-54DC-B942-8EBA-223E84510A54}" dt="2020-12-11T13:36:42.991" v="8" actId="1076"/>
-          <ac:picMkLst>
-            <pc:docMk/>
-            <pc:sldMk cId="410148669" sldId="268"/>
-            <ac:picMk id="8" creationId="{832F28AD-1052-F84F-B277-7D9FC6616F93}"/>
-          </ac:picMkLst>
-        </pc:picChg>
-      </pc:sldChg>
-      <pc:sldChg chg="addSp delSp modSp new mod">
-        <pc:chgData name="Terez Szabo" userId="42e7e467-1161-451a-9926-179cfa22533b" providerId="ADAL" clId="{710AC600-54DC-B942-8EBA-223E84510A54}" dt="2020-12-11T13:46:23.504" v="134" actId="478"/>
-        <pc:sldMkLst>
-          <pc:docMk/>
-          <pc:sldMk cId="1974929923" sldId="269"/>
-        </pc:sldMkLst>
-        <pc:spChg chg="mod">
-          <ac:chgData name="Terez Szabo" userId="42e7e467-1161-451a-9926-179cfa22533b" providerId="ADAL" clId="{710AC600-54DC-B942-8EBA-223E84510A54}" dt="2020-12-11T13:46:12.600" v="132" actId="20577"/>
-          <ac:spMkLst>
-            <pc:docMk/>
-            <pc:sldMk cId="1974929923" sldId="269"/>
-            <ac:spMk id="2" creationId="{5D509755-BF9E-4045-9B1F-A4B620116FAA}"/>
-          </ac:spMkLst>
-        </pc:spChg>
-        <pc:spChg chg="del">
-          <ac:chgData name="Terez Szabo" userId="42e7e467-1161-451a-9926-179cfa22533b" providerId="ADAL" clId="{710AC600-54DC-B942-8EBA-223E84510A54}" dt="2020-12-11T13:46:21.379" v="133" actId="931"/>
-          <ac:spMkLst>
-            <pc:docMk/>
-            <pc:sldMk cId="1974929923" sldId="269"/>
-            <ac:spMk id="3" creationId="{B54BF1EC-BE13-4840-BCAF-726F60D02E59}"/>
-          </ac:spMkLst>
-        </pc:spChg>
-        <pc:spChg chg="add mod">
-          <ac:chgData name="Terez Szabo" userId="42e7e467-1161-451a-9926-179cfa22533b" providerId="ADAL" clId="{710AC600-54DC-B942-8EBA-223E84510A54}" dt="2020-12-11T13:46:23.504" v="134" actId="478"/>
-          <ac:spMkLst>
-            <pc:docMk/>
-            <pc:sldMk cId="1974929923" sldId="269"/>
-            <ac:spMk id="7" creationId="{46C7DCB7-F220-E740-848D-A1693EBB584E}"/>
-          </ac:spMkLst>
-        </pc:spChg>
-        <pc:picChg chg="add del mod">
-          <ac:chgData name="Terez Szabo" userId="42e7e467-1161-451a-9926-179cfa22533b" providerId="ADAL" clId="{710AC600-54DC-B942-8EBA-223E84510A54}" dt="2020-12-11T13:46:23.504" v="134" actId="478"/>
-          <ac:picMkLst>
-            <pc:docMk/>
-            <pc:sldMk cId="1974929923" sldId="269"/>
-            <ac:picMk id="5" creationId="{AD90C1D1-3DED-BA4E-B25A-6AC867D04634}"/>
-          </ac:picMkLst>
-        </pc:picChg>
-      </pc:sldChg>
-      <pc:sldChg chg="addSp delSp modSp add mod">
-        <pc:chgData name="Terez Szabo" userId="42e7e467-1161-451a-9926-179cfa22533b" providerId="ADAL" clId="{710AC600-54DC-B942-8EBA-223E84510A54}" dt="2020-12-11T13:41:35.756" v="61" actId="20577"/>
-        <pc:sldMkLst>
-          <pc:docMk/>
-          <pc:sldMk cId="866707920" sldId="270"/>
-        </pc:sldMkLst>
-        <pc:spChg chg="mod">
-          <ac:chgData name="Terez Szabo" userId="42e7e467-1161-451a-9926-179cfa22533b" providerId="ADAL" clId="{710AC600-54DC-B942-8EBA-223E84510A54}" dt="2020-12-11T13:41:35.756" v="61" actId="20577"/>
-          <ac:spMkLst>
-            <pc:docMk/>
-            <pc:sldMk cId="866707920" sldId="270"/>
-            <ac:spMk id="2" creationId="{8EACBC7C-1508-DE47-9E7A-4F0D2693770C}"/>
-          </ac:spMkLst>
-        </pc:spChg>
-        <pc:picChg chg="add mod">
-          <ac:chgData name="Terez Szabo" userId="42e7e467-1161-451a-9926-179cfa22533b" providerId="ADAL" clId="{710AC600-54DC-B942-8EBA-223E84510A54}" dt="2020-12-11T13:40:51.282" v="43" actId="1076"/>
-          <ac:picMkLst>
-            <pc:docMk/>
-            <pc:sldMk cId="866707920" sldId="270"/>
-            <ac:picMk id="4" creationId="{F02992A0-5B7E-3546-ABD7-49B03CDE3DA8}"/>
-          </ac:picMkLst>
-        </pc:picChg>
-        <pc:picChg chg="del">
-          <ac:chgData name="Terez Szabo" userId="42e7e467-1161-451a-9926-179cfa22533b" providerId="ADAL" clId="{710AC600-54DC-B942-8EBA-223E84510A54}" dt="2020-12-11T13:40:22.458" v="40" actId="478"/>
-          <ac:picMkLst>
-            <pc:docMk/>
-            <pc:sldMk cId="866707920" sldId="270"/>
-            <ac:picMk id="5" creationId="{45C1EB94-6F06-6A4B-A167-8B153ED90168}"/>
-          </ac:picMkLst>
-        </pc:picChg>
-        <pc:picChg chg="del">
-          <ac:chgData name="Terez Szabo" userId="42e7e467-1161-451a-9926-179cfa22533b" providerId="ADAL" clId="{710AC600-54DC-B942-8EBA-223E84510A54}" dt="2020-12-11T13:40:53.604" v="44" actId="478"/>
-          <ac:picMkLst>
-            <pc:docMk/>
-            <pc:sldMk cId="866707920" sldId="270"/>
-            <ac:picMk id="8" creationId="{832F28AD-1052-F84F-B277-7D9FC6616F93}"/>
-          </ac:picMkLst>
-        </pc:picChg>
-        <pc:picChg chg="add mod">
-          <ac:chgData name="Terez Szabo" userId="42e7e467-1161-451a-9926-179cfa22533b" providerId="ADAL" clId="{710AC600-54DC-B942-8EBA-223E84510A54}" dt="2020-12-11T13:41:28.493" v="49" actId="1076"/>
-          <ac:picMkLst>
-            <pc:docMk/>
-            <pc:sldMk cId="866707920" sldId="270"/>
-            <ac:picMk id="10" creationId="{6E6A2AE2-F1E3-EF4F-8A12-BA040F63A0F4}"/>
-          </ac:picMkLst>
-        </pc:picChg>
-      </pc:sldChg>
-    </pc:docChg>
-  </pc:docChgLst>
-</pc:chgInfo>
-</file>
-
 <file path=ppt/notesMasters/notesMaster1.xml><?xml version="1.0" encoding="utf-8"?>
 <p:notesMaster xmlns:a="http://schemas.openxmlformats.org/drawingml/2006/main" xmlns:r="http://schemas.openxmlformats.org/officeDocument/2006/relationships" xmlns:p="http://schemas.openxmlformats.org/presentationml/2006/main">
   <p:cSld>
@@ -519,7 +219,7 @@
           <a:p>
             <a:fld id="{295301A9-71AD-BD42-B443-DF4A4CA5BC7F}" type="datetimeFigureOut">
               <a:rPr lang="en-CH" smtClean="0"/>
-              <a:t>11.12.20</a:t>
+              <a:t>12/11/2020</a:t>
             </a:fld>
             <a:endParaRPr lang="en-CH"/>
           </a:p>
@@ -831,7 +531,7 @@
           <a:bodyPr/>
           <a:lstStyle/>
           <a:p>
-            <a:endParaRPr lang="en-CH" dirty="0"/>
+            <a:endParaRPr lang="LID4096" dirty="0"/>
           </a:p>
         </p:txBody>
       </p:sp>
@@ -852,7 +552,7 @@
           <a:p>
             <a:fld id="{E6E8B6E9-C291-3B4B-AE9B-9D2ED4D32F18}" type="slidenum">
               <a:rPr lang="en-CH" smtClean="0"/>
-              <a:t>7</a:t>
+              <a:t>2</a:t>
             </a:fld>
             <a:endParaRPr lang="en-CH"/>
           </a:p>
@@ -861,7 +561,7 @@
     </p:spTree>
     <p:extLst>
       <p:ext uri="{BB962C8B-B14F-4D97-AF65-F5344CB8AC3E}">
-        <p14:creationId xmlns:p14="http://schemas.microsoft.com/office/powerpoint/2010/main" val="4252713143"/>
+        <p14:creationId xmlns:p14="http://schemas.microsoft.com/office/powerpoint/2010/main" val="2553079949"/>
       </p:ext>
     </p:extLst>
   </p:cSld>
@@ -915,7 +615,7 @@
           <a:bodyPr/>
           <a:lstStyle/>
           <a:p>
-            <a:endParaRPr lang="en-CH" dirty="0"/>
+            <a:endParaRPr lang="LID4096" dirty="0"/>
           </a:p>
         </p:txBody>
       </p:sp>
@@ -936,7 +636,7 @@
           <a:p>
             <a:fld id="{E6E8B6E9-C291-3B4B-AE9B-9D2ED4D32F18}" type="slidenum">
               <a:rPr lang="en-CH" smtClean="0"/>
-              <a:t>8</a:t>
+              <a:t>3</a:t>
             </a:fld>
             <a:endParaRPr lang="en-CH"/>
           </a:p>
@@ -945,7 +645,7 @@
     </p:spTree>
     <p:extLst>
       <p:ext uri="{BB962C8B-B14F-4D97-AF65-F5344CB8AC3E}">
-        <p14:creationId xmlns:p14="http://schemas.microsoft.com/office/powerpoint/2010/main" val="2428797356"/>
+        <p14:creationId xmlns:p14="http://schemas.microsoft.com/office/powerpoint/2010/main" val="1718901729"/>
       </p:ext>
     </p:extLst>
   </p:cSld>
@@ -999,29 +699,6 @@
           <a:bodyPr/>
           <a:lstStyle/>
           <a:p>
-            <a:r>
-              <a:rPr lang="en-CH" sz="1100" dirty="0"/>
-              <a:t>Some of the variables had a division by gender</a:t>
-            </a:r>
-          </a:p>
-          <a:p>
-            <a:r>
-              <a:rPr lang="en-CH" sz="1100" dirty="0"/>
-              <a:t>Smoking has no correlation to number of suicides</a:t>
-            </a:r>
-          </a:p>
-          <a:p>
-            <a:pPr lvl="2"/>
-            <a:r>
-              <a:rPr lang="en-CH" sz="1100" dirty="0"/>
-              <a:t>Average smokers larger tandancy to commit suicid</a:t>
-            </a:r>
-            <a:r>
-              <a:rPr lang="fr-BE" sz="1100" dirty="0"/>
-              <a:t>e</a:t>
-            </a:r>
-          </a:p>
-          <a:p>
             <a:endParaRPr lang="en-CH" dirty="0"/>
           </a:p>
         </p:txBody>
@@ -1043,7 +720,7 @@
           <a:p>
             <a:fld id="{E6E8B6E9-C291-3B4B-AE9B-9D2ED4D32F18}" type="slidenum">
               <a:rPr lang="en-CH" smtClean="0"/>
-              <a:t>9</a:t>
+              <a:t>8</a:t>
             </a:fld>
             <a:endParaRPr lang="en-CH"/>
           </a:p>
@@ -1052,7 +729,7 @@
     </p:spTree>
     <p:extLst>
       <p:ext uri="{BB962C8B-B14F-4D97-AF65-F5344CB8AC3E}">
-        <p14:creationId xmlns:p14="http://schemas.microsoft.com/office/powerpoint/2010/main" val="1996060125"/>
+        <p14:creationId xmlns:p14="http://schemas.microsoft.com/office/powerpoint/2010/main" val="4252713143"/>
       </p:ext>
     </p:extLst>
   </p:cSld>
@@ -1106,12 +783,6 @@
           <a:bodyPr/>
           <a:lstStyle/>
           <a:p>
-            <a:r>
-              <a:rPr lang="en-CH" sz="1100" dirty="0"/>
-              <a:t>There is a small amount of correlation between unemployment and number of suicides but almost neglegable</a:t>
-            </a:r>
-          </a:p>
-          <a:p>
             <a:endParaRPr lang="en-CH" dirty="0"/>
           </a:p>
         </p:txBody>
@@ -1133,7 +804,7 @@
           <a:p>
             <a:fld id="{E6E8B6E9-C291-3B4B-AE9B-9D2ED4D32F18}" type="slidenum">
               <a:rPr lang="en-CH" smtClean="0"/>
-              <a:t>10</a:t>
+              <a:t>9</a:t>
             </a:fld>
             <a:endParaRPr lang="en-CH"/>
           </a:p>
@@ -1142,7 +813,7 @@
     </p:spTree>
     <p:extLst>
       <p:ext uri="{BB962C8B-B14F-4D97-AF65-F5344CB8AC3E}">
-        <p14:creationId xmlns:p14="http://schemas.microsoft.com/office/powerpoint/2010/main" val="1207234545"/>
+        <p14:creationId xmlns:p14="http://schemas.microsoft.com/office/powerpoint/2010/main" val="2428797356"/>
       </p:ext>
     </p:extLst>
   </p:cSld>
@@ -1197,15 +868,25 @@
           <a:lstStyle/>
           <a:p>
             <a:r>
-              <a:rPr lang="en-CH" dirty="0"/>
-              <a:t>Decided to do a log-log transformation for GDP per Capita</a:t>
+              <a:rPr lang="en-CH" sz="1100" dirty="0"/>
+              <a:t>Some of the variables had a division by gender</a:t>
+            </a:r>
+          </a:p>
+          <a:p>
+            <a:r>
+              <a:rPr lang="en-CH" sz="1100" dirty="0"/>
+              <a:t>Smoking has no correlation to number of suicides</a:t>
             </a:r>
           </a:p>
           <a:p>
             <a:pPr lvl="2"/>
             <a:r>
-              <a:rPr lang="en-CH" dirty="0"/>
-              <a:t>Absolutely no correlation between GDP per Capita and number of suicides</a:t>
+              <a:rPr lang="en-CH" sz="1100" dirty="0"/>
+              <a:t>Average smokers larger tandancy to commit suicid</a:t>
+            </a:r>
+            <a:r>
+              <a:rPr lang="fr-BE" sz="1100" dirty="0"/>
+              <a:t>e</a:t>
             </a:r>
           </a:p>
           <a:p>
@@ -1230,7 +911,194 @@
           <a:p>
             <a:fld id="{E6E8B6E9-C291-3B4B-AE9B-9D2ED4D32F18}" type="slidenum">
               <a:rPr lang="en-CH" smtClean="0"/>
-              <a:t>14</a:t>
+              <a:t>10</a:t>
+            </a:fld>
+            <a:endParaRPr lang="en-CH"/>
+          </a:p>
+        </p:txBody>
+      </p:sp>
+    </p:spTree>
+    <p:extLst>
+      <p:ext uri="{BB962C8B-B14F-4D97-AF65-F5344CB8AC3E}">
+        <p14:creationId xmlns:p14="http://schemas.microsoft.com/office/powerpoint/2010/main" val="1996060125"/>
+      </p:ext>
+    </p:extLst>
+  </p:cSld>
+  <p:clrMapOvr>
+    <a:masterClrMapping/>
+  </p:clrMapOvr>
+</p:notes>
+</file>
+
+<file path=ppt/notesSlides/notesSlide6.xml><?xml version="1.0" encoding="utf-8"?>
+<p:notes xmlns:a="http://schemas.openxmlformats.org/drawingml/2006/main" xmlns:r="http://schemas.openxmlformats.org/officeDocument/2006/relationships" xmlns:p="http://schemas.openxmlformats.org/presentationml/2006/main">
+  <p:cSld>
+    <p:spTree>
+      <p:nvGrpSpPr>
+        <p:cNvPr id="1" name=""/>
+        <p:cNvGrpSpPr/>
+        <p:nvPr/>
+      </p:nvGrpSpPr>
+      <p:grpSpPr>
+        <a:xfrm>
+          <a:off x="0" y="0"/>
+          <a:ext cx="0" cy="0"/>
+          <a:chOff x="0" y="0"/>
+          <a:chExt cx="0" cy="0"/>
+        </a:xfrm>
+      </p:grpSpPr>
+      <p:sp>
+        <p:nvSpPr>
+          <p:cNvPr id="2" name="Slide Image Placeholder 1"/>
+          <p:cNvSpPr>
+            <a:spLocks noGrp="1" noRot="1" noChangeAspect="1"/>
+          </p:cNvSpPr>
+          <p:nvPr>
+            <p:ph type="sldImg"/>
+          </p:nvPr>
+        </p:nvSpPr>
+        <p:spPr/>
+      </p:sp>
+      <p:sp>
+        <p:nvSpPr>
+          <p:cNvPr id="3" name="Notes Placeholder 2"/>
+          <p:cNvSpPr>
+            <a:spLocks noGrp="1"/>
+          </p:cNvSpPr>
+          <p:nvPr>
+            <p:ph type="body" idx="1"/>
+          </p:nvPr>
+        </p:nvSpPr>
+        <p:spPr/>
+        <p:txBody>
+          <a:bodyPr/>
+          <a:lstStyle/>
+          <a:p>
+            <a:r>
+              <a:rPr lang="en-CH" sz="1100" dirty="0"/>
+              <a:t>There is a small amount of correlation between unemployment and number of suicides but almost neglegable</a:t>
+            </a:r>
+          </a:p>
+          <a:p>
+            <a:endParaRPr lang="en-CH" dirty="0"/>
+          </a:p>
+        </p:txBody>
+      </p:sp>
+      <p:sp>
+        <p:nvSpPr>
+          <p:cNvPr id="4" name="Slide Number Placeholder 3"/>
+          <p:cNvSpPr>
+            <a:spLocks noGrp="1"/>
+          </p:cNvSpPr>
+          <p:nvPr>
+            <p:ph type="sldNum" sz="quarter" idx="5"/>
+          </p:nvPr>
+        </p:nvSpPr>
+        <p:spPr/>
+        <p:txBody>
+          <a:bodyPr/>
+          <a:lstStyle/>
+          <a:p>
+            <a:fld id="{E6E8B6E9-C291-3B4B-AE9B-9D2ED4D32F18}" type="slidenum">
+              <a:rPr lang="en-CH" smtClean="0"/>
+              <a:t>11</a:t>
+            </a:fld>
+            <a:endParaRPr lang="en-CH"/>
+          </a:p>
+        </p:txBody>
+      </p:sp>
+    </p:spTree>
+    <p:extLst>
+      <p:ext uri="{BB962C8B-B14F-4D97-AF65-F5344CB8AC3E}">
+        <p14:creationId xmlns:p14="http://schemas.microsoft.com/office/powerpoint/2010/main" val="1207234545"/>
+      </p:ext>
+    </p:extLst>
+  </p:cSld>
+  <p:clrMapOvr>
+    <a:masterClrMapping/>
+  </p:clrMapOvr>
+</p:notes>
+</file>
+
+<file path=ppt/notesSlides/notesSlide7.xml><?xml version="1.0" encoding="utf-8"?>
+<p:notes xmlns:a="http://schemas.openxmlformats.org/drawingml/2006/main" xmlns:r="http://schemas.openxmlformats.org/officeDocument/2006/relationships" xmlns:p="http://schemas.openxmlformats.org/presentationml/2006/main">
+  <p:cSld>
+    <p:spTree>
+      <p:nvGrpSpPr>
+        <p:cNvPr id="1" name=""/>
+        <p:cNvGrpSpPr/>
+        <p:nvPr/>
+      </p:nvGrpSpPr>
+      <p:grpSpPr>
+        <a:xfrm>
+          <a:off x="0" y="0"/>
+          <a:ext cx="0" cy="0"/>
+          <a:chOff x="0" y="0"/>
+          <a:chExt cx="0" cy="0"/>
+        </a:xfrm>
+      </p:grpSpPr>
+      <p:sp>
+        <p:nvSpPr>
+          <p:cNvPr id="2" name="Slide Image Placeholder 1"/>
+          <p:cNvSpPr>
+            <a:spLocks noGrp="1" noRot="1" noChangeAspect="1"/>
+          </p:cNvSpPr>
+          <p:nvPr>
+            <p:ph type="sldImg"/>
+          </p:nvPr>
+        </p:nvSpPr>
+        <p:spPr/>
+      </p:sp>
+      <p:sp>
+        <p:nvSpPr>
+          <p:cNvPr id="3" name="Notes Placeholder 2"/>
+          <p:cNvSpPr>
+            <a:spLocks noGrp="1"/>
+          </p:cNvSpPr>
+          <p:nvPr>
+            <p:ph type="body" idx="1"/>
+          </p:nvPr>
+        </p:nvSpPr>
+        <p:spPr/>
+        <p:txBody>
+          <a:bodyPr/>
+          <a:lstStyle/>
+          <a:p>
+            <a:r>
+              <a:rPr lang="en-CH" dirty="0"/>
+              <a:t>Decided to do a log-log transformation for GDP per Capita</a:t>
+            </a:r>
+          </a:p>
+          <a:p>
+            <a:pPr lvl="2"/>
+            <a:r>
+              <a:rPr lang="en-CH" dirty="0"/>
+              <a:t>Absolutely no correlation between GDP per Capita and number of suicides</a:t>
+            </a:r>
+          </a:p>
+          <a:p>
+            <a:endParaRPr lang="en-CH" dirty="0"/>
+          </a:p>
+        </p:txBody>
+      </p:sp>
+      <p:sp>
+        <p:nvSpPr>
+          <p:cNvPr id="4" name="Slide Number Placeholder 3"/>
+          <p:cNvSpPr>
+            <a:spLocks noGrp="1"/>
+          </p:cNvSpPr>
+          <p:nvPr>
+            <p:ph type="sldNum" sz="quarter" idx="5"/>
+          </p:nvPr>
+        </p:nvSpPr>
+        <p:spPr/>
+        <p:txBody>
+          <a:bodyPr/>
+          <a:lstStyle/>
+          <a:p>
+            <a:fld id="{E6E8B6E9-C291-3B4B-AE9B-9D2ED4D32F18}" type="slidenum">
+              <a:rPr lang="en-CH" smtClean="0"/>
+              <a:t>15</a:t>
             </a:fld>
             <a:endParaRPr lang="en-CH"/>
           </a:p>
@@ -1408,7 +1276,7 @@
           <a:p>
             <a:fld id="{64F0E216-BA48-4F04-AC4F-645AA0DD6AC6}" type="datetimeFigureOut">
               <a:rPr lang="en-US" smtClean="0"/>
-              <a:t>12/11/20</a:t>
+              <a:t>12/11/2020</a:t>
             </a:fld>
             <a:endParaRPr lang="en-US" dirty="0"/>
           </a:p>
@@ -2456,7 +2324,7 @@
           <a:p>
             <a:fld id="{64F0E216-BA48-4F04-AC4F-645AA0DD6AC6}" type="datetimeFigureOut">
               <a:rPr lang="en-US" smtClean="0"/>
-              <a:t>12/11/20</a:t>
+              <a:t>12/11/2020</a:t>
             </a:fld>
             <a:endParaRPr lang="en-US"/>
           </a:p>
@@ -2692,7 +2560,7 @@
           <a:p>
             <a:fld id="{64F0E216-BA48-4F04-AC4F-645AA0DD6AC6}" type="datetimeFigureOut">
               <a:rPr lang="en-US" smtClean="0"/>
-              <a:t>12/11/20</a:t>
+              <a:t>12/11/2020</a:t>
             </a:fld>
             <a:endParaRPr lang="en-US"/>
           </a:p>
@@ -2915,7 +2783,7 @@
           <a:p>
             <a:fld id="{64F0E216-BA48-4F04-AC4F-645AA0DD6AC6}" type="datetimeFigureOut">
               <a:rPr lang="en-US" smtClean="0"/>
-              <a:t>12/11/20</a:t>
+              <a:t>12/11/2020</a:t>
             </a:fld>
             <a:endParaRPr lang="en-US"/>
           </a:p>
@@ -3217,7 +3085,7 @@
           <a:p>
             <a:fld id="{64F0E216-BA48-4F04-AC4F-645AA0DD6AC6}" type="datetimeFigureOut">
               <a:rPr lang="en-US" smtClean="0"/>
-              <a:t>12/11/20</a:t>
+              <a:t>12/11/2020</a:t>
             </a:fld>
             <a:endParaRPr lang="en-US"/>
           </a:p>
@@ -4681,7 +4549,7 @@
           <a:p>
             <a:fld id="{64F0E216-BA48-4F04-AC4F-645AA0DD6AC6}" type="datetimeFigureOut">
               <a:rPr lang="en-US" smtClean="0"/>
-              <a:t>12/11/20</a:t>
+              <a:t>12/11/2020</a:t>
             </a:fld>
             <a:endParaRPr lang="en-US"/>
           </a:p>
@@ -5148,7 +5016,7 @@
           <a:p>
             <a:fld id="{64F0E216-BA48-4F04-AC4F-645AA0DD6AC6}" type="datetimeFigureOut">
               <a:rPr lang="en-US" smtClean="0"/>
-              <a:t>12/11/20</a:t>
+              <a:t>12/11/2020</a:t>
             </a:fld>
             <a:endParaRPr lang="en-US"/>
           </a:p>
@@ -5323,7 +5191,7 @@
           <a:p>
             <a:fld id="{64F0E216-BA48-4F04-AC4F-645AA0DD6AC6}" type="datetimeFigureOut">
               <a:rPr lang="en-US" smtClean="0"/>
-              <a:t>12/11/20</a:t>
+              <a:t>12/11/2020</a:t>
             </a:fld>
             <a:endParaRPr lang="en-US"/>
           </a:p>
@@ -5460,7 +5328,7 @@
           <a:p>
             <a:fld id="{64F0E216-BA48-4F04-AC4F-645AA0DD6AC6}" type="datetimeFigureOut">
               <a:rPr lang="en-US" smtClean="0"/>
-              <a:t>12/11/20</a:t>
+              <a:t>12/11/2020</a:t>
             </a:fld>
             <a:endParaRPr lang="en-US"/>
           </a:p>
@@ -5810,7 +5678,7 @@
           <a:p>
             <a:fld id="{64F0E216-BA48-4F04-AC4F-645AA0DD6AC6}" type="datetimeFigureOut">
               <a:rPr lang="en-US" smtClean="0"/>
-              <a:t>12/11/20</a:t>
+              <a:t>12/11/2020</a:t>
             </a:fld>
             <a:endParaRPr lang="en-US"/>
           </a:p>
@@ -6131,7 +5999,7 @@
           <a:p>
             <a:fld id="{64F0E216-BA48-4F04-AC4F-645AA0DD6AC6}" type="datetimeFigureOut">
               <a:rPr lang="en-US" smtClean="0"/>
-              <a:t>12/11/20</a:t>
+              <a:t>12/11/2020</a:t>
             </a:fld>
             <a:endParaRPr lang="en-US"/>
           </a:p>
@@ -6393,7 +6261,7 @@
             <a:fld id="{64F0E216-BA48-4F04-AC4F-645AA0DD6AC6}" type="datetimeFigureOut">
               <a:rPr lang="en-US" smtClean="0"/>
               <a:pPr/>
-              <a:t>12/11/20</a:t>
+              <a:t>12/11/2020</a:t>
             </a:fld>
             <a:endParaRPr lang="en-US" dirty="0"/>
           </a:p>
@@ -7456,11 +7324,7 @@
           <a:p>
             <a:r>
               <a:rPr lang="fr-BE" dirty="0"/>
-              <a:t>GRAPH : Suicide BY </a:t>
-            </a:r>
-            <a:r>
-              <a:rPr lang="fr-BE" dirty="0" err="1"/>
-              <a:t>Unemployment</a:t>
+              <a:t>GRAPH : Suicide BY Smoking</a:t>
             </a:r>
             <a:endParaRPr lang="en-CH" dirty="0"/>
           </a:p>
@@ -7468,10 +7332,10 @@
       </p:sp>
       <p:pic>
         <p:nvPicPr>
-          <p:cNvPr id="6" name="Graphique 4" descr="Masculin avec un remplissage uni">
-            <a:extLst>
-              <a:ext uri="{FF2B5EF4-FFF2-40B4-BE49-F238E27FC236}">
-                <a16:creationId xmlns:a16="http://schemas.microsoft.com/office/drawing/2014/main" id="{4A3D1017-638D-6C4D-83BE-9982E5B9A284}"/>
+          <p:cNvPr id="5" name="Graphic 4">
+            <a:extLst>
+              <a:ext uri="{FF2B5EF4-FFF2-40B4-BE49-F238E27FC236}">
+                <a16:creationId xmlns:a16="http://schemas.microsoft.com/office/drawing/2014/main" id="{45C1EB94-6F06-6A4B-A167-8B153ED90168}"/>
               </a:ext>
             </a:extLst>
           </p:cNvPr>
@@ -7494,8 +7358,8 @@
         </p:blipFill>
         <p:spPr>
           <a:xfrm>
-            <a:off x="-59367" y="3315662"/>
-            <a:ext cx="914400" cy="914400"/>
+            <a:off x="783656" y="2240663"/>
+            <a:ext cx="4808133" cy="3606099"/>
           </a:xfrm>
           <a:prstGeom prst="rect">
             <a:avLst/>
@@ -7504,10 +7368,10 @@
       </p:pic>
       <p:pic>
         <p:nvPicPr>
-          <p:cNvPr id="7" name="Image 6">
-            <a:extLst>
-              <a:ext uri="{FF2B5EF4-FFF2-40B4-BE49-F238E27FC236}">
-                <a16:creationId xmlns:a16="http://schemas.microsoft.com/office/drawing/2014/main" id="{F6F2E704-04D9-2644-BE9F-06977A9B5B88}"/>
+          <p:cNvPr id="6" name="Graphique 4" descr="Masculin avec un remplissage uni">
+            <a:extLst>
+              <a:ext uri="{FF2B5EF4-FFF2-40B4-BE49-F238E27FC236}">
+                <a16:creationId xmlns:a16="http://schemas.microsoft.com/office/drawing/2014/main" id="{4A3D1017-638D-6C4D-83BE-9982E5B9A284}"/>
               </a:ext>
             </a:extLst>
           </p:cNvPr>
@@ -7518,6 +7382,42 @@
         </p:nvPicPr>
         <p:blipFill>
           <a:blip r:embed="rId5">
+            <a:extLst>
+              <a:ext uri="{96DAC541-7B7A-43D3-8B79-37D633B846F1}">
+                <asvg:svgBlip xmlns:asvg="http://schemas.microsoft.com/office/drawing/2016/SVG/main" r:embed="rId6"/>
+              </a:ext>
+            </a:extLst>
+          </a:blip>
+          <a:stretch>
+            <a:fillRect/>
+          </a:stretch>
+        </p:blipFill>
+        <p:spPr>
+          <a:xfrm>
+            <a:off x="-59367" y="3315662"/>
+            <a:ext cx="914400" cy="914400"/>
+          </a:xfrm>
+          <a:prstGeom prst="rect">
+            <a:avLst/>
+          </a:prstGeom>
+        </p:spPr>
+      </p:pic>
+      <p:pic>
+        <p:nvPicPr>
+          <p:cNvPr id="7" name="Image 6">
+            <a:extLst>
+              <a:ext uri="{FF2B5EF4-FFF2-40B4-BE49-F238E27FC236}">
+                <a16:creationId xmlns:a16="http://schemas.microsoft.com/office/drawing/2014/main" id="{F6F2E704-04D9-2644-BE9F-06977A9B5B88}"/>
+              </a:ext>
+            </a:extLst>
+          </p:cNvPr>
+          <p:cNvPicPr>
+            <a:picLocks noChangeAspect="1"/>
+          </p:cNvPicPr>
+          <p:nvPr/>
+        </p:nvPicPr>
+        <p:blipFill>
+          <a:blip r:embed="rId7">
             <a:lum bright="70000" contrast="-70000"/>
           </a:blip>
           <a:stretch>
@@ -7536,46 +7436,10 @@
       </p:pic>
       <p:pic>
         <p:nvPicPr>
-          <p:cNvPr id="4" name="Graphic 3">
-            <a:extLst>
-              <a:ext uri="{FF2B5EF4-FFF2-40B4-BE49-F238E27FC236}">
-                <a16:creationId xmlns:a16="http://schemas.microsoft.com/office/drawing/2014/main" id="{F02992A0-5B7E-3546-ABD7-49B03CDE3DA8}"/>
-              </a:ext>
-            </a:extLst>
-          </p:cNvPr>
-          <p:cNvPicPr>
-            <a:picLocks noChangeAspect="1"/>
-          </p:cNvPicPr>
-          <p:nvPr/>
-        </p:nvPicPr>
-        <p:blipFill>
-          <a:blip r:embed="rId6">
-            <a:extLst>
-              <a:ext uri="{96DAC541-7B7A-43D3-8B79-37D633B846F1}">
-                <asvg:svgBlip xmlns:asvg="http://schemas.microsoft.com/office/drawing/2016/SVG/main" r:embed="rId7"/>
-              </a:ext>
-            </a:extLst>
-          </a:blip>
-          <a:stretch>
-            <a:fillRect/>
-          </a:stretch>
-        </p:blipFill>
-        <p:spPr>
-          <a:xfrm>
-            <a:off x="1079500" y="2228620"/>
-            <a:ext cx="4808133" cy="3606100"/>
-          </a:xfrm>
-          <a:prstGeom prst="rect">
-            <a:avLst/>
-          </a:prstGeom>
-        </p:spPr>
-      </p:pic>
-      <p:pic>
-        <p:nvPicPr>
-          <p:cNvPr id="10" name="Graphic 9">
-            <a:extLst>
-              <a:ext uri="{FF2B5EF4-FFF2-40B4-BE49-F238E27FC236}">
-                <a16:creationId xmlns:a16="http://schemas.microsoft.com/office/drawing/2014/main" id="{6E6A2AE2-F1E3-EF4F-8A12-BA040F63A0F4}"/>
+          <p:cNvPr id="8" name="Graphic 7">
+            <a:extLst>
+              <a:ext uri="{FF2B5EF4-FFF2-40B4-BE49-F238E27FC236}">
+                <a16:creationId xmlns:a16="http://schemas.microsoft.com/office/drawing/2014/main" id="{832F28AD-1052-F84F-B277-7D9FC6616F93}"/>
               </a:ext>
             </a:extLst>
           </p:cNvPr>
@@ -7598,8 +7462,8 @@
         </p:blipFill>
         <p:spPr>
           <a:xfrm>
-            <a:off x="6449231" y="2228617"/>
-            <a:ext cx="4808135" cy="3606101"/>
+            <a:off x="6481479" y="2228620"/>
+            <a:ext cx="4808133" cy="3606100"/>
           </a:xfrm>
           <a:prstGeom prst="rect">
             <a:avLst/>
@@ -7609,7 +7473,7 @@
     </p:spTree>
     <p:extLst>
       <p:ext uri="{BB962C8B-B14F-4D97-AF65-F5344CB8AC3E}">
-        <p14:creationId xmlns:p14="http://schemas.microsoft.com/office/powerpoint/2010/main" val="866707920"/>
+        <p14:creationId xmlns:p14="http://schemas.microsoft.com/office/powerpoint/2010/main" val="410148669"/>
       </p:ext>
     </p:extLst>
   </p:cSld>
@@ -7638,6 +7502,211 @@
       </p:grpSpPr>
       <p:sp>
         <p:nvSpPr>
+          <p:cNvPr id="2" name="Title 1">
+            <a:extLst>
+              <a:ext uri="{FF2B5EF4-FFF2-40B4-BE49-F238E27FC236}">
+                <a16:creationId xmlns:a16="http://schemas.microsoft.com/office/drawing/2014/main" id="{8EACBC7C-1508-DE47-9E7A-4F0D2693770C}"/>
+              </a:ext>
+            </a:extLst>
+          </p:cNvPr>
+          <p:cNvSpPr>
+            <a:spLocks noGrp="1"/>
+          </p:cNvSpPr>
+          <p:nvPr>
+            <p:ph type="title"/>
+          </p:nvPr>
+        </p:nvSpPr>
+        <p:spPr/>
+        <p:txBody>
+          <a:bodyPr>
+            <a:normAutofit/>
+          </a:bodyPr>
+          <a:lstStyle/>
+          <a:p>
+            <a:r>
+              <a:rPr lang="fr-BE" dirty="0"/>
+              <a:t>GRAPH : Suicide BY </a:t>
+            </a:r>
+            <a:r>
+              <a:rPr lang="fr-BE" dirty="0" err="1"/>
+              <a:t>Unemployment</a:t>
+            </a:r>
+            <a:endParaRPr lang="en-CH" dirty="0"/>
+          </a:p>
+        </p:txBody>
+      </p:sp>
+      <p:pic>
+        <p:nvPicPr>
+          <p:cNvPr id="6" name="Graphique 4" descr="Masculin avec un remplissage uni">
+            <a:extLst>
+              <a:ext uri="{FF2B5EF4-FFF2-40B4-BE49-F238E27FC236}">
+                <a16:creationId xmlns:a16="http://schemas.microsoft.com/office/drawing/2014/main" id="{4A3D1017-638D-6C4D-83BE-9982E5B9A284}"/>
+              </a:ext>
+            </a:extLst>
+          </p:cNvPr>
+          <p:cNvPicPr>
+            <a:picLocks noChangeAspect="1"/>
+          </p:cNvPicPr>
+          <p:nvPr/>
+        </p:nvPicPr>
+        <p:blipFill>
+          <a:blip r:embed="rId3">
+            <a:extLst>
+              <a:ext uri="{96DAC541-7B7A-43D3-8B79-37D633B846F1}">
+                <asvg:svgBlip xmlns:asvg="http://schemas.microsoft.com/office/drawing/2016/SVG/main" r:embed="rId4"/>
+              </a:ext>
+            </a:extLst>
+          </a:blip>
+          <a:stretch>
+            <a:fillRect/>
+          </a:stretch>
+        </p:blipFill>
+        <p:spPr>
+          <a:xfrm>
+            <a:off x="-59367" y="3315662"/>
+            <a:ext cx="914400" cy="914400"/>
+          </a:xfrm>
+          <a:prstGeom prst="rect">
+            <a:avLst/>
+          </a:prstGeom>
+        </p:spPr>
+      </p:pic>
+      <p:pic>
+        <p:nvPicPr>
+          <p:cNvPr id="7" name="Image 6">
+            <a:extLst>
+              <a:ext uri="{FF2B5EF4-FFF2-40B4-BE49-F238E27FC236}">
+                <a16:creationId xmlns:a16="http://schemas.microsoft.com/office/drawing/2014/main" id="{F6F2E704-04D9-2644-BE9F-06977A9B5B88}"/>
+              </a:ext>
+            </a:extLst>
+          </p:cNvPr>
+          <p:cNvPicPr>
+            <a:picLocks noChangeAspect="1"/>
+          </p:cNvPicPr>
+          <p:nvPr/>
+        </p:nvPicPr>
+        <p:blipFill>
+          <a:blip r:embed="rId5">
+            <a:lum bright="70000" contrast="-70000"/>
+          </a:blip>
+          <a:stretch>
+            <a:fillRect/>
+          </a:stretch>
+        </p:blipFill>
+        <p:spPr>
+          <a:xfrm>
+            <a:off x="11372007" y="3315223"/>
+            <a:ext cx="819993" cy="819993"/>
+          </a:xfrm>
+          <a:prstGeom prst="rect">
+            <a:avLst/>
+          </a:prstGeom>
+        </p:spPr>
+      </p:pic>
+      <p:pic>
+        <p:nvPicPr>
+          <p:cNvPr id="4" name="Graphic 3">
+            <a:extLst>
+              <a:ext uri="{FF2B5EF4-FFF2-40B4-BE49-F238E27FC236}">
+                <a16:creationId xmlns:a16="http://schemas.microsoft.com/office/drawing/2014/main" id="{F02992A0-5B7E-3546-ABD7-49B03CDE3DA8}"/>
+              </a:ext>
+            </a:extLst>
+          </p:cNvPr>
+          <p:cNvPicPr>
+            <a:picLocks noChangeAspect="1"/>
+          </p:cNvPicPr>
+          <p:nvPr/>
+        </p:nvPicPr>
+        <p:blipFill>
+          <a:blip r:embed="rId6">
+            <a:extLst>
+              <a:ext uri="{96DAC541-7B7A-43D3-8B79-37D633B846F1}">
+                <asvg:svgBlip xmlns:asvg="http://schemas.microsoft.com/office/drawing/2016/SVG/main" r:embed="rId7"/>
+              </a:ext>
+            </a:extLst>
+          </a:blip>
+          <a:stretch>
+            <a:fillRect/>
+          </a:stretch>
+        </p:blipFill>
+        <p:spPr>
+          <a:xfrm>
+            <a:off x="759783" y="2270199"/>
+            <a:ext cx="4808133" cy="3606100"/>
+          </a:xfrm>
+          <a:prstGeom prst="rect">
+            <a:avLst/>
+          </a:prstGeom>
+        </p:spPr>
+      </p:pic>
+      <p:pic>
+        <p:nvPicPr>
+          <p:cNvPr id="10" name="Graphic 9">
+            <a:extLst>
+              <a:ext uri="{FF2B5EF4-FFF2-40B4-BE49-F238E27FC236}">
+                <a16:creationId xmlns:a16="http://schemas.microsoft.com/office/drawing/2014/main" id="{6E6A2AE2-F1E3-EF4F-8A12-BA040F63A0F4}"/>
+              </a:ext>
+            </a:extLst>
+          </p:cNvPr>
+          <p:cNvPicPr>
+            <a:picLocks noChangeAspect="1"/>
+          </p:cNvPicPr>
+          <p:nvPr/>
+        </p:nvPicPr>
+        <p:blipFill>
+          <a:blip r:embed="rId8">
+            <a:extLst>
+              <a:ext uri="{96DAC541-7B7A-43D3-8B79-37D633B846F1}">
+                <asvg:svgBlip xmlns:asvg="http://schemas.microsoft.com/office/drawing/2016/SVG/main" r:embed="rId9"/>
+              </a:ext>
+            </a:extLst>
+          </a:blip>
+          <a:stretch>
+            <a:fillRect/>
+          </a:stretch>
+        </p:blipFill>
+        <p:spPr>
+          <a:xfrm>
+            <a:off x="6449231" y="2228617"/>
+            <a:ext cx="4808135" cy="3606101"/>
+          </a:xfrm>
+          <a:prstGeom prst="rect">
+            <a:avLst/>
+          </a:prstGeom>
+        </p:spPr>
+      </p:pic>
+    </p:spTree>
+    <p:extLst>
+      <p:ext uri="{BB962C8B-B14F-4D97-AF65-F5344CB8AC3E}">
+        <p14:creationId xmlns:p14="http://schemas.microsoft.com/office/powerpoint/2010/main" val="866707920"/>
+      </p:ext>
+    </p:extLst>
+  </p:cSld>
+  <p:clrMapOvr>
+    <a:masterClrMapping/>
+  </p:clrMapOvr>
+</p:sld>
+</file>
+
+<file path=ppt/slides/slide12.xml><?xml version="1.0" encoding="utf-8"?>
+<p:sld xmlns:a="http://schemas.openxmlformats.org/drawingml/2006/main" xmlns:r="http://schemas.openxmlformats.org/officeDocument/2006/relationships" xmlns:p="http://schemas.openxmlformats.org/presentationml/2006/main">
+  <p:cSld>
+    <p:spTree>
+      <p:nvGrpSpPr>
+        <p:cNvPr id="1" name=""/>
+        <p:cNvGrpSpPr/>
+        <p:nvPr/>
+      </p:nvGrpSpPr>
+      <p:grpSpPr>
+        <a:xfrm>
+          <a:off x="0" y="0"/>
+          <a:ext cx="0" cy="0"/>
+          <a:chOff x="0" y="0"/>
+          <a:chExt cx="0" cy="0"/>
+        </a:xfrm>
+      </p:grpSpPr>
+      <p:sp>
+        <p:nvSpPr>
           <p:cNvPr id="26" name="Title 1">
             <a:extLst>
               <a:ext uri="{FF2B5EF4-FFF2-40B4-BE49-F238E27FC236}">
@@ -7789,7 +7858,7 @@
 </p:sld>
 </file>
 
-<file path=ppt/slides/slide12.xml><?xml version="1.0" encoding="utf-8"?>
+<file path=ppt/slides/slide13.xml><?xml version="1.0" encoding="utf-8"?>
 <p:sld xmlns:a="http://schemas.openxmlformats.org/drawingml/2006/main" xmlns:r="http://schemas.openxmlformats.org/officeDocument/2006/relationships" xmlns:p="http://schemas.openxmlformats.org/presentationml/2006/main" show="0">
   <p:cSld>
     <p:spTree>
@@ -8114,7 +8183,7 @@
 </p:sld>
 </file>
 
-<file path=ppt/slides/slide13.xml><?xml version="1.0" encoding="utf-8"?>
+<file path=ppt/slides/slide14.xml><?xml version="1.0" encoding="utf-8"?>
 <p:sld xmlns:a="http://schemas.openxmlformats.org/drawingml/2006/main" xmlns:r="http://schemas.openxmlformats.org/officeDocument/2006/relationships" xmlns:p="http://schemas.openxmlformats.org/presentationml/2006/main">
   <p:cSld>
     <p:spTree>
@@ -8181,7 +8250,7 @@
         </p:nvSpPr>
         <p:spPr>
           <a:xfrm>
-            <a:off x="1050587" y="1809345"/>
+            <a:off x="869612" y="2114145"/>
             <a:ext cx="10055563" cy="3959630"/>
           </a:xfrm>
         </p:spPr>
@@ -8255,7 +8324,7 @@
         </p:blipFill>
         <p:spPr>
           <a:xfrm>
-            <a:off x="8681126" y="1809345"/>
+            <a:off x="8645863" y="2047470"/>
             <a:ext cx="2460287" cy="2460287"/>
           </a:xfrm>
           <a:prstGeom prst="rect">
@@ -8276,7 +8345,7 @@
 </p:sld>
 </file>
 
-<file path=ppt/slides/slide14.xml><?xml version="1.0" encoding="utf-8"?>
+<file path=ppt/slides/slide15.xml><?xml version="1.0" encoding="utf-8"?>
 <p:sld xmlns:a="http://schemas.openxmlformats.org/drawingml/2006/main" xmlns:r="http://schemas.openxmlformats.org/officeDocument/2006/relationships" xmlns:p="http://schemas.openxmlformats.org/presentationml/2006/main">
   <p:cSld>
     <p:spTree>
@@ -8580,10 +8649,10 @@
           <p:nvPr/>
         </p:nvPicPr>
         <p:blipFill>
-          <a:blip r:embed="rId2">
+          <a:blip r:embed="rId3">
             <a:extLst>
               <a:ext uri="{96DAC541-7B7A-43D3-8B79-37D633B846F1}">
-                <asvg:svgBlip xmlns:asvg="http://schemas.microsoft.com/office/drawing/2016/SVG/main" r:embed="rId3"/>
+                <asvg:svgBlip xmlns:asvg="http://schemas.microsoft.com/office/drawing/2016/SVG/main" r:embed="rId4"/>
               </a:ext>
             </a:extLst>
           </a:blip>
@@ -8616,10 +8685,10 @@
           <p:nvPr/>
         </p:nvPicPr>
         <p:blipFill>
-          <a:blip r:embed="rId4">
+          <a:blip r:embed="rId5">
             <a:extLst>
               <a:ext uri="{96DAC541-7B7A-43D3-8B79-37D633B846F1}">
-                <asvg:svgBlip xmlns:asvg="http://schemas.microsoft.com/office/drawing/2016/SVG/main" r:embed="rId5"/>
+                <asvg:svgBlip xmlns:asvg="http://schemas.microsoft.com/office/drawing/2016/SVG/main" r:embed="rId6"/>
               </a:ext>
             </a:extLst>
           </a:blip>
@@ -8652,10 +8721,10 @@
           <p:nvPr/>
         </p:nvPicPr>
         <p:blipFill>
-          <a:blip r:embed="rId6">
+          <a:blip r:embed="rId7">
             <a:extLst>
               <a:ext uri="{96DAC541-7B7A-43D3-8B79-37D633B846F1}">
-                <asvg:svgBlip xmlns:asvg="http://schemas.microsoft.com/office/drawing/2016/SVG/main" r:embed="rId7"/>
+                <asvg:svgBlip xmlns:asvg="http://schemas.microsoft.com/office/drawing/2016/SVG/main" r:embed="rId8"/>
               </a:ext>
             </a:extLst>
           </a:blip>
@@ -8688,10 +8757,10 @@
           <p:nvPr/>
         </p:nvPicPr>
         <p:blipFill>
-          <a:blip r:embed="rId8">
+          <a:blip r:embed="rId9">
             <a:extLst>
               <a:ext uri="{96DAC541-7B7A-43D3-8B79-37D633B846F1}">
-                <asvg:svgBlip xmlns:asvg="http://schemas.microsoft.com/office/drawing/2016/SVG/main" r:embed="rId9"/>
+                <asvg:svgBlip xmlns:asvg="http://schemas.microsoft.com/office/drawing/2016/SVG/main" r:embed="rId10"/>
               </a:ext>
             </a:extLst>
           </a:blip>
@@ -8744,7 +8813,7 @@
           <p:cNvPr id="2" name="Title 1">
             <a:extLst>
               <a:ext uri="{FF2B5EF4-FFF2-40B4-BE49-F238E27FC236}">
-                <a16:creationId xmlns:a16="http://schemas.microsoft.com/office/drawing/2014/main" id="{1A45EA46-8DC0-4D48-B647-F0FAAA5D04D4}"/>
+                <a16:creationId xmlns:a16="http://schemas.microsoft.com/office/drawing/2014/main" id="{CEBECAC7-DC57-924E-B280-5D7392E65298}"/>
               </a:ext>
             </a:extLst>
           </p:cNvPr>
@@ -8761,9 +8830,10 @@
           <a:lstStyle/>
           <a:p>
             <a:r>
-              <a:rPr lang="en-CH" dirty="0"/>
-              <a:t>Data infrastructure</a:t>
-            </a:r>
+              <a:rPr lang="fr-BE" dirty="0"/>
+              <a:t>Questions </a:t>
+            </a:r>
+            <a:endParaRPr lang="en-CH" dirty="0"/>
           </a:p>
         </p:txBody>
       </p:sp>
@@ -8772,7 +8842,7 @@
           <p:cNvPr id="3" name="Content Placeholder 2">
             <a:extLst>
               <a:ext uri="{FF2B5EF4-FFF2-40B4-BE49-F238E27FC236}">
-                <a16:creationId xmlns:a16="http://schemas.microsoft.com/office/drawing/2014/main" id="{5DC56CEF-023A-D148-B143-8321A08ECC09}"/>
+                <a16:creationId xmlns:a16="http://schemas.microsoft.com/office/drawing/2014/main" id="{DA36A26A-4D8C-034C-9C54-65F8CEDC00AE}"/>
               </a:ext>
             </a:extLst>
           </p:cNvPr>
@@ -8785,8 +8855,8 @@
         </p:nvSpPr>
         <p:spPr>
           <a:xfrm>
-            <a:off x="710543" y="1868487"/>
-            <a:ext cx="10026650" cy="3978275"/>
+            <a:off x="888999" y="2534478"/>
+            <a:ext cx="10191475" cy="1789044"/>
           </a:xfrm>
         </p:spPr>
         <p:txBody>
@@ -8796,214 +8866,45 @@
           <a:lstStyle/>
           <a:p>
             <a:r>
-              <a:rPr lang="en-CH" dirty="0"/>
-              <a:t>Load the original dataset into</a:t>
-            </a:r>
-            <a:r>
               <a:rPr lang="en-US" dirty="0"/>
-              <a:t> a local</a:t>
-            </a:r>
-            <a:r>
-              <a:rPr lang="en-CH" dirty="0"/>
-              <a:t> MySQL </a:t>
-            </a:r>
+              <a:t>Which countries tend to have higher suicide rate?</a:t>
+            </a:r>
+          </a:p>
+          <a:p>
             <a:r>
               <a:rPr lang="en-US" dirty="0"/>
-              <a:t>DB using</a:t>
-            </a:r>
-            <a:r>
-              <a:rPr lang="en-CH" dirty="0"/>
-              <a:t> </a:t>
-            </a:r>
+              <a:t>What age group tend to have higher suicide rates?</a:t>
+            </a:r>
+          </a:p>
+          <a:p>
             <a:r>
               <a:rPr lang="en-US" dirty="0"/>
-              <a:t>the </a:t>
-            </a:r>
-            <a:r>
-              <a:rPr lang="en-US" i="1" dirty="0"/>
-              <a:t>.csv </a:t>
-            </a:r>
-            <a:r>
-              <a:rPr lang="en-US" dirty="0"/>
-              <a:t>from Kaggle</a:t>
-            </a:r>
-            <a:endParaRPr lang="en-CH" i="1" dirty="0"/>
-          </a:p>
-          <a:p>
-            <a:r>
-              <a:rPr lang="en-CH" dirty="0"/>
-              <a:t>Reali</a:t>
-            </a:r>
+              <a:t>How can it be related to socioeconomic indicators like, Unemployment Rate, GDPPC, alcohol consumption and cigarette consumption?</a:t>
+            </a:r>
+            <a:endParaRPr lang="fr-BE" dirty="0"/>
+          </a:p>
+          <a:p>
+            <a:pPr marL="0" indent="0">
+              <a:buNone/>
+            </a:pPr>
+            <a:endParaRPr lang="en-CH" dirty="0"/>
+          </a:p>
+          <a:p>
+            <a:pPr marL="720000" lvl="2" indent="0">
+              <a:buNone/>
+            </a:pPr>
             <a:r>
               <a:rPr lang="fr-BE" dirty="0"/>
-              <a:t>se</a:t>
-            </a:r>
-            <a:r>
-              <a:rPr lang="en-CH" dirty="0"/>
-              <a:t> </a:t>
-            </a:r>
-            <a:r>
-              <a:rPr lang="en-US" dirty="0"/>
-              <a:t>storing the data </a:t>
-            </a:r>
-            <a:r>
-              <a:rPr lang="en-CH" dirty="0"/>
-              <a:t>this way may cause complications</a:t>
-            </a:r>
-          </a:p>
-          <a:p>
-            <a:pPr lvl="2"/>
-            <a:r>
-              <a:rPr lang="en-US" dirty="0"/>
-              <a:t>Turn to hosting - new</a:t>
-            </a:r>
-            <a:r>
-              <a:rPr lang="en-CH" dirty="0"/>
-              <a:t> MySQL database</a:t>
-            </a:r>
-            <a:r>
-              <a:rPr lang="en-US" dirty="0"/>
-              <a:t> instance</a:t>
-            </a:r>
-            <a:r>
-              <a:rPr lang="en-CH" dirty="0"/>
-              <a:t> on AWS</a:t>
-            </a:r>
-            <a:r>
-              <a:rPr lang="en-US" dirty="0"/>
-              <a:t> (this ensured reproducibility)</a:t>
-            </a:r>
-          </a:p>
-          <a:p>
-            <a:pPr lvl="2"/>
-            <a:r>
-              <a:rPr lang="en-US" dirty="0"/>
-              <a:t>Create dump and importing data &amp; structure in MySQL Workbench</a:t>
-            </a:r>
-          </a:p>
-          <a:p>
-            <a:pPr lvl="2"/>
-            <a:r>
-              <a:rPr lang="en-US" dirty="0"/>
-              <a:t>Create grader user with read only rights (only selects allowed)</a:t>
+              <a:t>	</a:t>
             </a:r>
             <a:endParaRPr lang="en-CH" dirty="0"/>
           </a:p>
-          <a:p>
-            <a:r>
-              <a:rPr lang="en-US" dirty="0"/>
-              <a:t>Use</a:t>
-            </a:r>
-            <a:r>
-              <a:rPr lang="en-CH" dirty="0"/>
-              <a:t> the</a:t>
-            </a:r>
-            <a:r>
-              <a:rPr lang="en-US" dirty="0"/>
-              <a:t> REST Countries to find the Alpha2</a:t>
-            </a:r>
-            <a:r>
-              <a:rPr lang="en-CH" dirty="0"/>
-              <a:t> country codes</a:t>
-            </a:r>
-            <a:r>
-              <a:rPr lang="en-US" dirty="0"/>
-              <a:t> of countries</a:t>
-            </a:r>
-          </a:p>
-          <a:p>
-            <a:r>
-              <a:rPr lang="en-US" dirty="0"/>
-              <a:t>Use World Bank’s API to enrich our data</a:t>
-            </a:r>
-          </a:p>
-          <a:p>
-            <a:r>
-              <a:rPr lang="en-CH" dirty="0"/>
-              <a:t>Use an </a:t>
-            </a:r>
-            <a:r>
-              <a:rPr lang="en-CH" i="1" dirty="0"/>
-              <a:t>.xlsx </a:t>
-            </a:r>
-            <a:r>
-              <a:rPr lang="en-CH" dirty="0"/>
-              <a:t>fi</a:t>
-            </a:r>
-            <a:r>
-              <a:rPr lang="en-US" dirty="0"/>
-              <a:t>le</a:t>
-            </a:r>
-            <a:r>
-              <a:rPr lang="en-CH" dirty="0"/>
-              <a:t> </a:t>
-            </a:r>
-            <a:r>
-              <a:rPr lang="en-US" dirty="0"/>
-              <a:t>that contained the</a:t>
-            </a:r>
-            <a:r>
-              <a:rPr lang="en-CH" dirty="0"/>
-              <a:t> </a:t>
-            </a:r>
-            <a:r>
-              <a:rPr lang="en-US" dirty="0"/>
-              <a:t>WDI</a:t>
-            </a:r>
-            <a:r>
-              <a:rPr lang="en-CH" dirty="0"/>
-              <a:t> codes</a:t>
-            </a:r>
-            <a:r>
-              <a:rPr lang="en-US" dirty="0"/>
-              <a:t> (hosted on GitHub for reproducibility and dynamism)</a:t>
-            </a:r>
-          </a:p>
-          <a:p>
-            <a:endParaRPr lang="en-CH" dirty="0"/>
-          </a:p>
         </p:txBody>
       </p:sp>
-      <p:pic>
-        <p:nvPicPr>
-          <p:cNvPr id="7" name="Graphique 6" descr="Charger avec un remplissage uni">
-            <a:extLst>
-              <a:ext uri="{FF2B5EF4-FFF2-40B4-BE49-F238E27FC236}">
-                <a16:creationId xmlns:a16="http://schemas.microsoft.com/office/drawing/2014/main" id="{486018CE-DEE5-45B7-8239-F8C9E237E2ED}"/>
-              </a:ext>
-            </a:extLst>
-          </p:cNvPr>
-          <p:cNvPicPr>
-            <a:picLocks noChangeAspect="1"/>
-          </p:cNvPicPr>
-          <p:nvPr/>
-        </p:nvPicPr>
-        <p:blipFill>
-          <a:blip r:embed="rId2">
-            <a:extLst>
-              <a:ext uri="{96DAC541-7B7A-43D3-8B79-37D633B846F1}">
-                <asvg:svgBlip xmlns:asvg="http://schemas.microsoft.com/office/drawing/2016/SVG/main" r:embed="rId3"/>
-              </a:ext>
-            </a:extLst>
-          </a:blip>
-          <a:stretch>
-            <a:fillRect/>
-          </a:stretch>
-        </p:blipFill>
-        <p:spPr>
-          <a:xfrm>
-            <a:off x="9702350" y="0"/>
-            <a:ext cx="2056726" cy="2056726"/>
-          </a:xfrm>
-          <a:prstGeom prst="rect">
-            <a:avLst/>
-          </a:prstGeom>
-        </p:spPr>
-      </p:pic>
     </p:spTree>
     <p:extLst>
       <p:ext uri="{BB962C8B-B14F-4D97-AF65-F5344CB8AC3E}">
-        <p14:creationId xmlns:p14="http://schemas.microsoft.com/office/powerpoint/2010/main" val="799758839"/>
+        <p14:creationId xmlns:p14="http://schemas.microsoft.com/office/powerpoint/2010/main" val="3636949021"/>
       </p:ext>
     </p:extLst>
   </p:cSld>
@@ -9035,7 +8936,7 @@
           <p:cNvPr id="2" name="Title 1">
             <a:extLst>
               <a:ext uri="{FF2B5EF4-FFF2-40B4-BE49-F238E27FC236}">
-                <a16:creationId xmlns:a16="http://schemas.microsoft.com/office/drawing/2014/main" id="{E2FDB958-B481-0E41-90FD-180F101A33CC}"/>
+                <a16:creationId xmlns:a16="http://schemas.microsoft.com/office/drawing/2014/main" id="{1A45EA46-8DC0-4D48-B647-F0FAAA5D04D4}"/>
               </a:ext>
             </a:extLst>
           </p:cNvPr>
@@ -9052,12 +8953,8 @@
           <a:lstStyle/>
           <a:p>
             <a:r>
-              <a:rPr lang="en-GB" dirty="0"/>
-              <a:t>E</a:t>
-            </a:r>
-            <a:r>
               <a:rPr lang="en-CH" dirty="0"/>
-              <a:t>tl data pipeline</a:t>
+              <a:t>Data infrastructure</a:t>
             </a:r>
           </a:p>
         </p:txBody>
@@ -9067,7 +8964,7 @@
           <p:cNvPr id="3" name="Content Placeholder 2">
             <a:extLst>
               <a:ext uri="{FF2B5EF4-FFF2-40B4-BE49-F238E27FC236}">
-                <a16:creationId xmlns:a16="http://schemas.microsoft.com/office/drawing/2014/main" id="{50374378-1AB9-1747-AC27-6AB5640650FD}"/>
+                <a16:creationId xmlns:a16="http://schemas.microsoft.com/office/drawing/2014/main" id="{5DC56CEF-023A-D148-B143-8321A08ECC09}"/>
               </a:ext>
             </a:extLst>
           </p:cNvPr>
@@ -9080,7 +8977,7 @@
         </p:nvSpPr>
         <p:spPr>
           <a:xfrm>
-            <a:off x="787086" y="2065880"/>
+            <a:off x="710543" y="1868487"/>
             <a:ext cx="10026650" cy="3978275"/>
           </a:xfrm>
         </p:spPr>
@@ -9091,410 +8988,214 @@
           <a:lstStyle/>
           <a:p>
             <a:r>
+              <a:rPr lang="en-CH" dirty="0"/>
+              <a:t>Load the original dataset into</a:t>
+            </a:r>
+            <a:r>
               <a:rPr lang="en-US" dirty="0"/>
-              <a:t>Connect to MySQL DB hosted on AWS</a:t>
-            </a:r>
-          </a:p>
-          <a:p>
+              <a:t> a local</a:t>
+            </a:r>
+            <a:r>
+              <a:rPr lang="en-CH" dirty="0"/>
+              <a:t> MySQL </a:t>
+            </a:r>
             <a:r>
               <a:rPr lang="en-US" dirty="0"/>
-              <a:t>Use the </a:t>
+              <a:t>DB using</a:t>
             </a:r>
             <a:r>
               <a:rPr lang="en-CH" dirty="0"/>
-              <a:t>“name” functionality</a:t>
+              <a:t> </a:t>
             </a:r>
             <a:r>
               <a:rPr lang="en-US" dirty="0"/>
-              <a:t> of the REST Countries API to get country codes</a:t>
+              <a:t>the </a:t>
+            </a:r>
+            <a:r>
+              <a:rPr lang="en-US" i="1" dirty="0"/>
+              <a:t>.csv </a:t>
+            </a:r>
+            <a:r>
+              <a:rPr lang="en-US" dirty="0"/>
+              <a:t>from Kaggle</a:t>
+            </a:r>
+            <a:endParaRPr lang="en-CH" i="1" dirty="0"/>
+          </a:p>
+          <a:p>
+            <a:r>
+              <a:rPr lang="en-CH" dirty="0"/>
+              <a:t>Reali</a:t>
+            </a:r>
+            <a:r>
+              <a:rPr lang="fr-BE" dirty="0"/>
+              <a:t>se</a:t>
+            </a:r>
+            <a:r>
+              <a:rPr lang="en-CH" dirty="0"/>
+              <a:t> </a:t>
+            </a:r>
+            <a:r>
+              <a:rPr lang="en-US" dirty="0"/>
+              <a:t>storing the data </a:t>
+            </a:r>
+            <a:r>
+              <a:rPr lang="en-CH" dirty="0"/>
+              <a:t>this way may cause complications</a:t>
+            </a:r>
+          </a:p>
+          <a:p>
+            <a:pPr lvl="2"/>
+            <a:r>
+              <a:rPr lang="en-US" dirty="0"/>
+              <a:t>Turn to hosting - new</a:t>
+            </a:r>
+            <a:r>
+              <a:rPr lang="en-CH" dirty="0"/>
+              <a:t> MySQL database</a:t>
+            </a:r>
+            <a:r>
+              <a:rPr lang="en-US" dirty="0"/>
+              <a:t> instance</a:t>
+            </a:r>
+            <a:r>
+              <a:rPr lang="en-CH" dirty="0"/>
+              <a:t> on AWS</a:t>
+            </a:r>
+            <a:r>
+              <a:rPr lang="en-US" dirty="0"/>
+              <a:t> (this ensured reproducibility)</a:t>
+            </a:r>
+          </a:p>
+          <a:p>
+            <a:pPr lvl="2"/>
+            <a:r>
+              <a:rPr lang="en-US" dirty="0"/>
+              <a:t>Create dump and importing data &amp; structure in MySQL Workbench</a:t>
+            </a:r>
+          </a:p>
+          <a:p>
+            <a:pPr lvl="2"/>
+            <a:r>
+              <a:rPr lang="en-US" dirty="0"/>
+              <a:t>Create grader user with read only rights (only selects allowed)</a:t>
             </a:r>
             <a:endParaRPr lang="en-CH" dirty="0"/>
           </a:p>
           <a:p>
             <a:r>
               <a:rPr lang="en-US" dirty="0"/>
-              <a:t>Mapp codes to countries with a j</a:t>
+              <a:t>Use</a:t>
             </a:r>
             <a:r>
               <a:rPr lang="en-CH" dirty="0"/>
-              <a:t>oin</a:t>
-            </a:r>
-            <a:endParaRPr lang="en-US" dirty="0"/>
-          </a:p>
-          <a:p>
+              <a:t> the</a:t>
+            </a:r>
+            <a:r>
+              <a:rPr lang="en-US" dirty="0"/>
+              <a:t> REST Countries to find the Alpha2</a:t>
+            </a:r>
             <a:r>
               <a:rPr lang="en-CH" dirty="0"/>
-              <a:t>The World Development Indicators (WDIs) were </a:t>
+              <a:t> country codes</a:t>
             </a:r>
             <a:r>
               <a:rPr lang="en-US" dirty="0"/>
-              <a:t>retrieved by</a:t>
-            </a:r>
+              <a:t> of countries</a:t>
+            </a:r>
+          </a:p>
+          <a:p>
+            <a:r>
+              <a:rPr lang="en-US" dirty="0"/>
+              <a:t>Use World Bank’s API to enrich our data</a:t>
+            </a:r>
+          </a:p>
+          <a:p>
             <a:r>
               <a:rPr lang="en-CH" dirty="0"/>
-              <a:t> using</a:t>
+              <a:t>Use an </a:t>
+            </a:r>
+            <a:r>
+              <a:rPr lang="en-CH" i="1" dirty="0"/>
+              <a:t>.xlsx </a:t>
+            </a:r>
+            <a:r>
+              <a:rPr lang="en-CH" dirty="0"/>
+              <a:t>fi</a:t>
             </a:r>
             <a:r>
               <a:rPr lang="en-US" dirty="0"/>
-              <a:t> World Bank’s</a:t>
+              <a:t>le</a:t>
             </a:r>
             <a:r>
               <a:rPr lang="en-CH" dirty="0"/>
-              <a:t> API</a:t>
+              <a:t> </a:t>
             </a:r>
             <a:r>
               <a:rPr lang="en-US" dirty="0"/>
-              <a:t>.</a:t>
-            </a:r>
+              <a:t>that contained the</a:t>
+            </a:r>
+            <a:r>
+              <a:rPr lang="en-CH" dirty="0"/>
+              <a:t> </a:t>
+            </a:r>
+            <a:r>
+              <a:rPr lang="en-US" dirty="0"/>
+              <a:t>WDI</a:t>
+            </a:r>
+            <a:r>
+              <a:rPr lang="en-CH" dirty="0"/>
+              <a:t> codes</a:t>
+            </a:r>
+            <a:r>
+              <a:rPr lang="en-US" dirty="0"/>
+              <a:t> (hosted on GitHub for reproducibility and dynamism)</a:t>
+            </a:r>
+          </a:p>
+          <a:p>
             <a:endParaRPr lang="en-CH" dirty="0"/>
           </a:p>
-          <a:p>
-            <a:pPr lvl="2"/>
-            <a:r>
-              <a:rPr lang="en-US" dirty="0"/>
-              <a:t>Our data flow is efficient because it gets all data with only 1 API request / WDI</a:t>
-            </a:r>
-          </a:p>
-          <a:p>
-            <a:pPr lvl="2"/>
-            <a:r>
-              <a:rPr lang="en-US" dirty="0"/>
-              <a:t>Use loop construction, conditional branching and list to table transformation)</a:t>
-            </a:r>
-          </a:p>
-          <a:p>
-            <a:pPr lvl="2"/>
-            <a:r>
-              <a:rPr lang="en-US" dirty="0"/>
-              <a:t>Extract last and earliest years in core data to v</a:t>
-            </a:r>
-            <a:r>
-              <a:rPr lang="en-CH" dirty="0"/>
-              <a:t>ariables</a:t>
-            </a:r>
-            <a:r>
-              <a:rPr lang="en-US" dirty="0"/>
-              <a:t> to plug into the URL (to improve efficiency)</a:t>
-            </a:r>
-            <a:endParaRPr lang="en-CH" dirty="0"/>
-          </a:p>
-          <a:p>
-            <a:endParaRPr lang="en-GB" dirty="0"/>
-          </a:p>
         </p:txBody>
       </p:sp>
-      <p:sp>
-        <p:nvSpPr>
-          <p:cNvPr id="5" name="Cylindre 4">
-            <a:extLst>
-              <a:ext uri="{FF2B5EF4-FFF2-40B4-BE49-F238E27FC236}">
-                <a16:creationId xmlns:a16="http://schemas.microsoft.com/office/drawing/2014/main" id="{C216866E-D7CA-4B90-A6A4-3831A052367A}"/>
-              </a:ext>
-            </a:extLst>
-          </p:cNvPr>
-          <p:cNvSpPr/>
+      <p:pic>
+        <p:nvPicPr>
+          <p:cNvPr id="7" name="Graphique 6" descr="Charger avec un remplissage uni">
+            <a:extLst>
+              <a:ext uri="{FF2B5EF4-FFF2-40B4-BE49-F238E27FC236}">
+                <a16:creationId xmlns:a16="http://schemas.microsoft.com/office/drawing/2014/main" id="{486018CE-DEE5-45B7-8239-F8C9E237E2ED}"/>
+              </a:ext>
+            </a:extLst>
+          </p:cNvPr>
+          <p:cNvPicPr>
+            <a:picLocks noChangeAspect="1"/>
+          </p:cNvPicPr>
           <p:nvPr/>
-        </p:nvSpPr>
-        <p:spPr>
-          <a:xfrm>
-            <a:off x="7174363" y="912342"/>
-            <a:ext cx="825135" cy="568637"/>
-          </a:xfrm>
-          <a:prstGeom prst="can">
-            <a:avLst/>
-          </a:prstGeom>
-          <a:solidFill>
-            <a:schemeClr val="tx1"/>
-          </a:solidFill>
-          <a:ln>
-            <a:solidFill>
-              <a:schemeClr val="tx1">
-                <a:lumMod val="75000"/>
-              </a:schemeClr>
-            </a:solidFill>
-          </a:ln>
-        </p:spPr>
-        <p:style>
-          <a:lnRef idx="2">
-            <a:schemeClr val="accent1">
-              <a:shade val="50000"/>
-            </a:schemeClr>
-          </a:lnRef>
-          <a:fillRef idx="1">
-            <a:schemeClr val="accent1"/>
-          </a:fillRef>
-          <a:effectRef idx="0">
-            <a:schemeClr val="accent1"/>
-          </a:effectRef>
-          <a:fontRef idx="minor">
-            <a:schemeClr val="lt1"/>
-          </a:fontRef>
-        </p:style>
-        <p:txBody>
-          <a:bodyPr rtlCol="0" anchor="ctr"/>
-          <a:lstStyle/>
-          <a:p>
-            <a:pPr algn="ctr"/>
-            <a:endParaRPr lang="fr-BE"/>
-          </a:p>
-        </p:txBody>
-      </p:sp>
-      <p:sp>
-        <p:nvSpPr>
-          <p:cNvPr id="6" name="Cylindre 5">
-            <a:extLst>
-              <a:ext uri="{FF2B5EF4-FFF2-40B4-BE49-F238E27FC236}">
-                <a16:creationId xmlns:a16="http://schemas.microsoft.com/office/drawing/2014/main" id="{04DB4C4E-949C-48A7-BC00-6290530329FA}"/>
-              </a:ext>
-            </a:extLst>
-          </p:cNvPr>
-          <p:cNvSpPr/>
-          <p:nvPr/>
-        </p:nvSpPr>
-        <p:spPr>
-          <a:xfrm>
-            <a:off x="10401169" y="912342"/>
-            <a:ext cx="825135" cy="590718"/>
-          </a:xfrm>
-          <a:prstGeom prst="can">
-            <a:avLst/>
-          </a:prstGeom>
-          <a:solidFill>
-            <a:schemeClr val="tx1"/>
-          </a:solidFill>
-          <a:ln>
-            <a:solidFill>
-              <a:schemeClr val="tx1">
-                <a:lumMod val="75000"/>
-              </a:schemeClr>
-            </a:solidFill>
-          </a:ln>
-        </p:spPr>
-        <p:style>
-          <a:lnRef idx="2">
-            <a:schemeClr val="accent1">
-              <a:shade val="50000"/>
-            </a:schemeClr>
-          </a:lnRef>
-          <a:fillRef idx="1">
-            <a:schemeClr val="accent1"/>
-          </a:fillRef>
-          <a:effectRef idx="0">
-            <a:schemeClr val="accent1"/>
-          </a:effectRef>
-          <a:fontRef idx="minor">
-            <a:schemeClr val="lt1"/>
-          </a:fontRef>
-        </p:style>
-        <p:txBody>
-          <a:bodyPr rtlCol="0" anchor="ctr"/>
-          <a:lstStyle/>
-          <a:p>
-            <a:pPr algn="ctr"/>
-            <a:endParaRPr lang="fr-BE"/>
-          </a:p>
-        </p:txBody>
-      </p:sp>
-      <p:sp>
-        <p:nvSpPr>
-          <p:cNvPr id="7" name="Rectangle 6">
-            <a:extLst>
-              <a:ext uri="{FF2B5EF4-FFF2-40B4-BE49-F238E27FC236}">
-                <a16:creationId xmlns:a16="http://schemas.microsoft.com/office/drawing/2014/main" id="{CAB80B8B-21E0-4536-9128-F192D33C818E}"/>
-              </a:ext>
-            </a:extLst>
-          </p:cNvPr>
-          <p:cNvSpPr/>
-          <p:nvPr/>
-        </p:nvSpPr>
-        <p:spPr>
-          <a:xfrm>
-            <a:off x="8745796" y="952711"/>
-            <a:ext cx="807028" cy="487898"/>
+        </p:nvPicPr>
+        <p:blipFill>
+          <a:blip r:embed="rId2">
+            <a:extLst>
+              <a:ext uri="{96DAC541-7B7A-43D3-8B79-37D633B846F1}">
+                <asvg:svgBlip xmlns:asvg="http://schemas.microsoft.com/office/drawing/2016/SVG/main" r:embed="rId3"/>
+              </a:ext>
+            </a:extLst>
+          </a:blip>
+          <a:stretch>
+            <a:fillRect/>
+          </a:stretch>
+        </p:blipFill>
+        <p:spPr>
+          <a:xfrm>
+            <a:off x="9702350" y="0"/>
+            <a:ext cx="2056726" cy="2056726"/>
           </a:xfrm>
           <a:prstGeom prst="rect">
             <a:avLst/>
           </a:prstGeom>
-          <a:solidFill>
-            <a:schemeClr val="tx1"/>
-          </a:solidFill>
-          <a:ln>
-            <a:solidFill>
-              <a:schemeClr val="tx1"/>
-            </a:solidFill>
-          </a:ln>
-        </p:spPr>
-        <p:style>
-          <a:lnRef idx="2">
-            <a:schemeClr val="accent1">
-              <a:shade val="50000"/>
-            </a:schemeClr>
-          </a:lnRef>
-          <a:fillRef idx="1">
-            <a:schemeClr val="accent1"/>
-          </a:fillRef>
-          <a:effectRef idx="0">
-            <a:schemeClr val="accent1"/>
-          </a:effectRef>
-          <a:fontRef idx="minor">
-            <a:schemeClr val="lt1"/>
-          </a:fontRef>
-        </p:style>
-        <p:txBody>
-          <a:bodyPr rtlCol="0" anchor="ctr"/>
-          <a:lstStyle/>
-          <a:p>
-            <a:pPr algn="ctr"/>
-            <a:endParaRPr lang="fr-BE"/>
-          </a:p>
-        </p:txBody>
-      </p:sp>
-      <p:sp>
-        <p:nvSpPr>
-          <p:cNvPr id="8" name="Flèche : droite 7">
-            <a:extLst>
-              <a:ext uri="{FF2B5EF4-FFF2-40B4-BE49-F238E27FC236}">
-                <a16:creationId xmlns:a16="http://schemas.microsoft.com/office/drawing/2014/main" id="{7A6FB6C3-7A81-47B3-B943-9D6F1981EB5D}"/>
-              </a:ext>
-            </a:extLst>
-          </p:cNvPr>
-          <p:cNvSpPr/>
-          <p:nvPr/>
-        </p:nvSpPr>
-        <p:spPr>
-          <a:xfrm>
-            <a:off x="7642506" y="1575879"/>
-            <a:ext cx="3013608" cy="354731"/>
-          </a:xfrm>
-          <a:prstGeom prst="rightArrow">
-            <a:avLst/>
-          </a:prstGeom>
-          <a:solidFill>
-            <a:schemeClr val="tx1"/>
-          </a:solidFill>
-          <a:ln>
-            <a:solidFill>
-              <a:schemeClr val="tx1"/>
-            </a:solidFill>
-          </a:ln>
-        </p:spPr>
-        <p:style>
-          <a:lnRef idx="2">
-            <a:schemeClr val="accent1">
-              <a:shade val="50000"/>
-            </a:schemeClr>
-          </a:lnRef>
-          <a:fillRef idx="1">
-            <a:schemeClr val="accent1"/>
-          </a:fillRef>
-          <a:effectRef idx="0">
-            <a:schemeClr val="accent1"/>
-          </a:effectRef>
-          <a:fontRef idx="minor">
-            <a:schemeClr val="lt1"/>
-          </a:fontRef>
-        </p:style>
-        <p:txBody>
-          <a:bodyPr rtlCol="0" anchor="ctr"/>
-          <a:lstStyle/>
-          <a:p>
-            <a:pPr algn="ctr"/>
-            <a:endParaRPr lang="fr-BE"/>
-          </a:p>
-        </p:txBody>
-      </p:sp>
-      <p:cxnSp>
-        <p:nvCxnSpPr>
-          <p:cNvPr id="11" name="Connecteur droit avec flèche 10">
-            <a:extLst>
-              <a:ext uri="{FF2B5EF4-FFF2-40B4-BE49-F238E27FC236}">
-                <a16:creationId xmlns:a16="http://schemas.microsoft.com/office/drawing/2014/main" id="{C9A2BF19-552A-477A-877D-0013CEEF76DA}"/>
-              </a:ext>
-            </a:extLst>
-          </p:cNvPr>
-          <p:cNvCxnSpPr>
-            <a:cxnSpLocks/>
-          </p:cNvCxnSpPr>
-          <p:nvPr/>
-        </p:nvCxnSpPr>
-        <p:spPr>
-          <a:xfrm>
-            <a:off x="8252526" y="1196660"/>
-            <a:ext cx="373116" cy="0"/>
-          </a:xfrm>
-          <a:prstGeom prst="straightConnector1">
-            <a:avLst/>
-          </a:prstGeom>
-          <a:ln>
-            <a:solidFill>
-              <a:schemeClr val="tx1"/>
-            </a:solidFill>
-            <a:tailEnd type="triangle"/>
-          </a:ln>
-        </p:spPr>
-        <p:style>
-          <a:lnRef idx="1">
-            <a:schemeClr val="accent1"/>
-          </a:lnRef>
-          <a:fillRef idx="0">
-            <a:schemeClr val="accent1"/>
-          </a:fillRef>
-          <a:effectRef idx="0">
-            <a:schemeClr val="accent1"/>
-          </a:effectRef>
-          <a:fontRef idx="minor">
-            <a:schemeClr val="tx1"/>
-          </a:fontRef>
-        </p:style>
-      </p:cxnSp>
-      <p:cxnSp>
-        <p:nvCxnSpPr>
-          <p:cNvPr id="15" name="Connecteur droit avec flèche 14">
-            <a:extLst>
-              <a:ext uri="{FF2B5EF4-FFF2-40B4-BE49-F238E27FC236}">
-                <a16:creationId xmlns:a16="http://schemas.microsoft.com/office/drawing/2014/main" id="{9111B6B4-AD03-426A-9A53-86B6F109678E}"/>
-              </a:ext>
-            </a:extLst>
-          </p:cNvPr>
-          <p:cNvCxnSpPr>
-            <a:cxnSpLocks/>
-          </p:cNvCxnSpPr>
-          <p:nvPr/>
-        </p:nvCxnSpPr>
-        <p:spPr>
-          <a:xfrm>
-            <a:off x="9747840" y="1223960"/>
-            <a:ext cx="373116" cy="0"/>
-          </a:xfrm>
-          <a:prstGeom prst="straightConnector1">
-            <a:avLst/>
-          </a:prstGeom>
-          <a:ln>
-            <a:solidFill>
-              <a:schemeClr val="tx1"/>
-            </a:solidFill>
-            <a:tailEnd type="triangle"/>
-          </a:ln>
-        </p:spPr>
-        <p:style>
-          <a:lnRef idx="1">
-            <a:schemeClr val="accent1"/>
-          </a:lnRef>
-          <a:fillRef idx="0">
-            <a:schemeClr val="accent1"/>
-          </a:fillRef>
-          <a:effectRef idx="0">
-            <a:schemeClr val="accent1"/>
-          </a:effectRef>
-          <a:fontRef idx="minor">
-            <a:schemeClr val="tx1"/>
-          </a:fontRef>
-        </p:style>
-      </p:cxnSp>
+        </p:spPr>
+      </p:pic>
     </p:spTree>
     <p:extLst>
       <p:ext uri="{BB962C8B-B14F-4D97-AF65-F5344CB8AC3E}">
-        <p14:creationId xmlns:p14="http://schemas.microsoft.com/office/powerpoint/2010/main" val="3587188991"/>
+        <p14:creationId xmlns:p14="http://schemas.microsoft.com/office/powerpoint/2010/main" val="799758839"/>
       </p:ext>
     </p:extLst>
   </p:cSld>
@@ -9526,7 +9227,7 @@
           <p:cNvPr id="2" name="Title 1">
             <a:extLst>
               <a:ext uri="{FF2B5EF4-FFF2-40B4-BE49-F238E27FC236}">
-                <a16:creationId xmlns:a16="http://schemas.microsoft.com/office/drawing/2014/main" id="{BE2B0980-4831-C14C-9E33-FBAC97C9635E}"/>
+                <a16:creationId xmlns:a16="http://schemas.microsoft.com/office/drawing/2014/main" id="{E2FDB958-B481-0E41-90FD-180F101A33CC}"/>
               </a:ext>
             </a:extLst>
           </p:cNvPr>
@@ -9544,21 +9245,51 @@
           <a:p>
             <a:r>
               <a:rPr lang="en-GB" dirty="0"/>
-              <a:t>D</a:t>
+              <a:t>E</a:t>
             </a:r>
             <a:r>
               <a:rPr lang="en-CH" dirty="0"/>
-              <a:t>ata visualization - cleaning</a:t>
+              <a:t>tl data pipeline</a:t>
             </a:r>
           </a:p>
         </p:txBody>
       </p:sp>
-      <p:sp>
-        <p:nvSpPr>
-          <p:cNvPr id="3" name="Content Placeholder 2">
-            <a:extLst>
-              <a:ext uri="{FF2B5EF4-FFF2-40B4-BE49-F238E27FC236}">
-                <a16:creationId xmlns:a16="http://schemas.microsoft.com/office/drawing/2014/main" id="{E2226645-1590-3D4D-A6A3-5498A8BD18CD}"/>
+      <p:pic>
+        <p:nvPicPr>
+          <p:cNvPr id="22" name="Picture 21">
+            <a:extLst>
+              <a:ext uri="{FF2B5EF4-FFF2-40B4-BE49-F238E27FC236}">
+                <a16:creationId xmlns:a16="http://schemas.microsoft.com/office/drawing/2014/main" id="{8259B214-832F-465F-870E-B7B1F0FA0988}"/>
+              </a:ext>
+            </a:extLst>
+          </p:cNvPr>
+          <p:cNvPicPr>
+            <a:picLocks noChangeAspect="1"/>
+          </p:cNvPicPr>
+          <p:nvPr/>
+        </p:nvPicPr>
+        <p:blipFill>
+          <a:blip r:embed="rId2"/>
+          <a:stretch>
+            <a:fillRect/>
+          </a:stretch>
+        </p:blipFill>
+        <p:spPr>
+          <a:xfrm>
+            <a:off x="275813" y="1528424"/>
+            <a:ext cx="6313089" cy="4858088"/>
+          </a:xfrm>
+          <a:prstGeom prst="rect">
+            <a:avLst/>
+          </a:prstGeom>
+        </p:spPr>
+      </p:pic>
+      <p:sp>
+        <p:nvSpPr>
+          <p:cNvPr id="29" name="Content Placeholder 2">
+            <a:extLst>
+              <a:ext uri="{FF2B5EF4-FFF2-40B4-BE49-F238E27FC236}">
+                <a16:creationId xmlns:a16="http://schemas.microsoft.com/office/drawing/2014/main" id="{0E34BB86-6BE3-4E07-95CB-252FFABAF09A}"/>
               </a:ext>
             </a:extLst>
           </p:cNvPr>
@@ -9571,17 +9302,200 @@
         </p:nvSpPr>
         <p:spPr>
           <a:xfrm>
-            <a:off x="1079500" y="2073922"/>
-            <a:ext cx="10026650" cy="3978275"/>
-          </a:xfrm>
-        </p:spPr>
+            <a:off x="6743701" y="1376656"/>
+            <a:ext cx="5267324" cy="3978275"/>
+          </a:xfrm>
+        </p:spPr>
+        <p:txBody>
+          <a:bodyPr>
+            <a:noAutofit/>
+          </a:bodyPr>
+          <a:lstStyle/>
+          <a:p>
+            <a:r>
+              <a:rPr lang="en-US" sz="1800" dirty="0"/>
+              <a:t>Connect to MySQL DB hosted on AWS</a:t>
+            </a:r>
+          </a:p>
+          <a:p>
+            <a:r>
+              <a:rPr lang="en-US" sz="1800" dirty="0"/>
+              <a:t>Use the </a:t>
+            </a:r>
+            <a:r>
+              <a:rPr lang="en-CH" sz="1800" dirty="0"/>
+              <a:t>“name” functionality</a:t>
+            </a:r>
+            <a:r>
+              <a:rPr lang="en-US" sz="1800" dirty="0"/>
+              <a:t> of the REST Countries API to get country codes</a:t>
+            </a:r>
+            <a:endParaRPr lang="en-CH" sz="1800" dirty="0"/>
+          </a:p>
+          <a:p>
+            <a:r>
+              <a:rPr lang="en-US" sz="1800" dirty="0"/>
+              <a:t>Mapp codes to countries with a j</a:t>
+            </a:r>
+            <a:r>
+              <a:rPr lang="en-CH" sz="1800" dirty="0"/>
+              <a:t>oin</a:t>
+            </a:r>
+            <a:endParaRPr lang="en-US" sz="1800" dirty="0"/>
+          </a:p>
+          <a:p>
+            <a:r>
+              <a:rPr lang="en-CH" sz="1800" dirty="0"/>
+              <a:t>The World Development Indicators (WDIs) were </a:t>
+            </a:r>
+            <a:r>
+              <a:rPr lang="en-US" sz="1800" dirty="0"/>
+              <a:t>retrieved by</a:t>
+            </a:r>
+            <a:r>
+              <a:rPr lang="en-CH" sz="1800" dirty="0"/>
+              <a:t> using</a:t>
+            </a:r>
+            <a:r>
+              <a:rPr lang="en-US" sz="1800" dirty="0"/>
+              <a:t> World Bank’s</a:t>
+            </a:r>
+            <a:r>
+              <a:rPr lang="en-CH" sz="1800" dirty="0"/>
+              <a:t> API</a:t>
+            </a:r>
+            <a:r>
+              <a:rPr lang="en-US" sz="1800" dirty="0"/>
+              <a:t>.</a:t>
+            </a:r>
+            <a:endParaRPr lang="en-CH" sz="1800" dirty="0"/>
+          </a:p>
+          <a:p>
+            <a:pPr lvl="2"/>
+            <a:r>
+              <a:rPr lang="en-US" sz="1800" dirty="0"/>
+              <a:t>Our data flow is efficient because it gets all data with only 1 API request / WDI</a:t>
+            </a:r>
+          </a:p>
+          <a:p>
+            <a:pPr lvl="2"/>
+            <a:r>
+              <a:rPr lang="en-US" sz="1800" dirty="0"/>
+              <a:t>Use loop construction, conditional branching and list to table transformation)</a:t>
+            </a:r>
+          </a:p>
+          <a:p>
+            <a:pPr lvl="2"/>
+            <a:r>
+              <a:rPr lang="en-US" sz="1800" dirty="0"/>
+              <a:t>Extract last and earliest years in core data to v</a:t>
+            </a:r>
+            <a:r>
+              <a:rPr lang="en-CH" sz="1800" dirty="0"/>
+              <a:t>ariables</a:t>
+            </a:r>
+            <a:r>
+              <a:rPr lang="en-US" sz="1800" dirty="0"/>
+              <a:t> to plug into the URL (to improve efficiency)</a:t>
+            </a:r>
+            <a:endParaRPr lang="en-CH" sz="1800" dirty="0"/>
+          </a:p>
+          <a:p>
+            <a:endParaRPr lang="en-GB" dirty="0"/>
+          </a:p>
+        </p:txBody>
+      </p:sp>
+    </p:spTree>
+    <p:extLst>
+      <p:ext uri="{BB962C8B-B14F-4D97-AF65-F5344CB8AC3E}">
+        <p14:creationId xmlns:p14="http://schemas.microsoft.com/office/powerpoint/2010/main" val="3844942063"/>
+      </p:ext>
+    </p:extLst>
+  </p:cSld>
+  <p:clrMapOvr>
+    <a:masterClrMapping/>
+  </p:clrMapOvr>
+</p:sld>
+</file>
+
+<file path=ppt/slides/slide6.xml><?xml version="1.0" encoding="utf-8"?>
+<p:sld xmlns:a="http://schemas.openxmlformats.org/drawingml/2006/main" xmlns:r="http://schemas.openxmlformats.org/officeDocument/2006/relationships" xmlns:p="http://schemas.openxmlformats.org/presentationml/2006/main">
+  <p:cSld>
+    <p:spTree>
+      <p:nvGrpSpPr>
+        <p:cNvPr id="1" name=""/>
+        <p:cNvGrpSpPr/>
+        <p:nvPr/>
+      </p:nvGrpSpPr>
+      <p:grpSpPr>
+        <a:xfrm>
+          <a:off x="0" y="0"/>
+          <a:ext cx="0" cy="0"/>
+          <a:chOff x="0" y="0"/>
+          <a:chExt cx="0" cy="0"/>
+        </a:xfrm>
+      </p:grpSpPr>
+      <p:sp>
+        <p:nvSpPr>
+          <p:cNvPr id="2" name="Title 1">
+            <a:extLst>
+              <a:ext uri="{FF2B5EF4-FFF2-40B4-BE49-F238E27FC236}">
+                <a16:creationId xmlns:a16="http://schemas.microsoft.com/office/drawing/2014/main" id="{BE2B0980-4831-C14C-9E33-FBAC97C9635E}"/>
+              </a:ext>
+            </a:extLst>
+          </p:cNvPr>
+          <p:cNvSpPr>
+            <a:spLocks noGrp="1"/>
+          </p:cNvSpPr>
+          <p:nvPr>
+            <p:ph type="title"/>
+          </p:nvPr>
+        </p:nvSpPr>
+        <p:spPr/>
         <p:txBody>
           <a:bodyPr/>
           <a:lstStyle/>
           <a:p>
             <a:r>
+              <a:rPr lang="en-GB" dirty="0"/>
+              <a:t>D</a:t>
+            </a:r>
+            <a:r>
               <a:rPr lang="en-CH" dirty="0"/>
-              <a:t>Filtere out all missing values</a:t>
+              <a:t>ata visualization - cleaning</a:t>
+            </a:r>
+          </a:p>
+        </p:txBody>
+      </p:sp>
+      <p:sp>
+        <p:nvSpPr>
+          <p:cNvPr id="3" name="Content Placeholder 2">
+            <a:extLst>
+              <a:ext uri="{FF2B5EF4-FFF2-40B4-BE49-F238E27FC236}">
+                <a16:creationId xmlns:a16="http://schemas.microsoft.com/office/drawing/2014/main" id="{E2226645-1590-3D4D-A6A3-5498A8BD18CD}"/>
+              </a:ext>
+            </a:extLst>
+          </p:cNvPr>
+          <p:cNvSpPr>
+            <a:spLocks noGrp="1"/>
+          </p:cNvSpPr>
+          <p:nvPr>
+            <p:ph idx="1"/>
+          </p:nvPr>
+        </p:nvSpPr>
+        <p:spPr>
+          <a:xfrm>
+            <a:off x="1079500" y="2073922"/>
+            <a:ext cx="10026650" cy="3978275"/>
+          </a:xfrm>
+        </p:spPr>
+        <p:txBody>
+          <a:bodyPr/>
+          <a:lstStyle/>
+          <a:p>
+            <a:r>
+              <a:rPr lang="en-CH" dirty="0"/>
+              <a:t>Filter out all missing values</a:t>
             </a:r>
           </a:p>
           <a:p>
@@ -10025,7 +9939,7 @@
 </p:sld>
 </file>
 
-<file path=ppt/slides/slide6.xml><?xml version="1.0" encoding="utf-8"?>
+<file path=ppt/slides/slide7.xml><?xml version="1.0" encoding="utf-8"?>
 <p:sld xmlns:a="http://schemas.openxmlformats.org/drawingml/2006/main" xmlns:r="http://schemas.openxmlformats.org/officeDocument/2006/relationships" xmlns:p="http://schemas.openxmlformats.org/presentationml/2006/main">
   <p:cSld>
     <p:spTree>
@@ -10564,16 +10478,7 @@
             </a:r>
             <a:r>
               <a:rPr lang="fr-BE" dirty="0"/>
-              <a:t>  range are</a:t>
-            </a:r>
-          </a:p>
-          <a:p>
-            <a:pPr marL="0" indent="0">
-              <a:buNone/>
-            </a:pPr>
-            <a:r>
-              <a:rPr lang="fr-BE" dirty="0"/>
-              <a:t>      more </a:t>
+              <a:t>  range are more </a:t>
             </a:r>
             <a:r>
               <a:rPr lang="fr-BE" dirty="0" err="1"/>
@@ -10666,7 +10571,7 @@
 </p:sld>
 </file>
 
-<file path=ppt/slides/slide7.xml><?xml version="1.0" encoding="utf-8"?>
+<file path=ppt/slides/slide8.xml><?xml version="1.0" encoding="utf-8"?>
 <p:sld xmlns:a="http://schemas.openxmlformats.org/drawingml/2006/main" xmlns:r="http://schemas.openxmlformats.org/officeDocument/2006/relationships" xmlns:p="http://schemas.openxmlformats.org/presentationml/2006/main">
   <p:cSld>
     <p:spTree>
@@ -10855,7 +10760,7 @@
 </p:sld>
 </file>
 
-<file path=ppt/slides/slide8.xml><?xml version="1.0" encoding="utf-8"?>
+<file path=ppt/slides/slide9.xml><?xml version="1.0" encoding="utf-8"?>
 <p:sld xmlns:a="http://schemas.openxmlformats.org/drawingml/2006/main" xmlns:r="http://schemas.openxmlformats.org/officeDocument/2006/relationships" xmlns:p="http://schemas.openxmlformats.org/presentationml/2006/main" show="0">
   <p:cSld>
     <p:spTree>
@@ -11042,207 +10947,6 @@
     <p:extLst>
       <p:ext uri="{BB962C8B-B14F-4D97-AF65-F5344CB8AC3E}">
         <p14:creationId xmlns:p14="http://schemas.microsoft.com/office/powerpoint/2010/main" val="1311002320"/>
-      </p:ext>
-    </p:extLst>
-  </p:cSld>
-  <p:clrMapOvr>
-    <a:masterClrMapping/>
-  </p:clrMapOvr>
-</p:sld>
-</file>
-
-<file path=ppt/slides/slide9.xml><?xml version="1.0" encoding="utf-8"?>
-<p:sld xmlns:a="http://schemas.openxmlformats.org/drawingml/2006/main" xmlns:r="http://schemas.openxmlformats.org/officeDocument/2006/relationships" xmlns:p="http://schemas.openxmlformats.org/presentationml/2006/main">
-  <p:cSld>
-    <p:spTree>
-      <p:nvGrpSpPr>
-        <p:cNvPr id="1" name=""/>
-        <p:cNvGrpSpPr/>
-        <p:nvPr/>
-      </p:nvGrpSpPr>
-      <p:grpSpPr>
-        <a:xfrm>
-          <a:off x="0" y="0"/>
-          <a:ext cx="0" cy="0"/>
-          <a:chOff x="0" y="0"/>
-          <a:chExt cx="0" cy="0"/>
-        </a:xfrm>
-      </p:grpSpPr>
-      <p:sp>
-        <p:nvSpPr>
-          <p:cNvPr id="2" name="Title 1">
-            <a:extLst>
-              <a:ext uri="{FF2B5EF4-FFF2-40B4-BE49-F238E27FC236}">
-                <a16:creationId xmlns:a16="http://schemas.microsoft.com/office/drawing/2014/main" id="{8EACBC7C-1508-DE47-9E7A-4F0D2693770C}"/>
-              </a:ext>
-            </a:extLst>
-          </p:cNvPr>
-          <p:cNvSpPr>
-            <a:spLocks noGrp="1"/>
-          </p:cNvSpPr>
-          <p:nvPr>
-            <p:ph type="title"/>
-          </p:nvPr>
-        </p:nvSpPr>
-        <p:spPr/>
-        <p:txBody>
-          <a:bodyPr>
-            <a:normAutofit/>
-          </a:bodyPr>
-          <a:lstStyle/>
-          <a:p>
-            <a:r>
-              <a:rPr lang="fr-BE" dirty="0"/>
-              <a:t>GRAPH : Suicide BY Smoking</a:t>
-            </a:r>
-            <a:endParaRPr lang="en-CH" dirty="0"/>
-          </a:p>
-        </p:txBody>
-      </p:sp>
-      <p:pic>
-        <p:nvPicPr>
-          <p:cNvPr id="5" name="Graphic 4">
-            <a:extLst>
-              <a:ext uri="{FF2B5EF4-FFF2-40B4-BE49-F238E27FC236}">
-                <a16:creationId xmlns:a16="http://schemas.microsoft.com/office/drawing/2014/main" id="{45C1EB94-6F06-6A4B-A167-8B153ED90168}"/>
-              </a:ext>
-            </a:extLst>
-          </p:cNvPr>
-          <p:cNvPicPr>
-            <a:picLocks noChangeAspect="1"/>
-          </p:cNvPicPr>
-          <p:nvPr/>
-        </p:nvPicPr>
-        <p:blipFill>
-          <a:blip r:embed="rId3">
-            <a:extLst>
-              <a:ext uri="{96DAC541-7B7A-43D3-8B79-37D633B846F1}">
-                <asvg:svgBlip xmlns:asvg="http://schemas.microsoft.com/office/drawing/2016/SVG/main" r:embed="rId4"/>
-              </a:ext>
-            </a:extLst>
-          </a:blip>
-          <a:stretch>
-            <a:fillRect/>
-          </a:stretch>
-        </p:blipFill>
-        <p:spPr>
-          <a:xfrm>
-            <a:off x="783656" y="2240663"/>
-            <a:ext cx="4808133" cy="3606099"/>
-          </a:xfrm>
-          <a:prstGeom prst="rect">
-            <a:avLst/>
-          </a:prstGeom>
-        </p:spPr>
-      </p:pic>
-      <p:pic>
-        <p:nvPicPr>
-          <p:cNvPr id="6" name="Graphique 4" descr="Masculin avec un remplissage uni">
-            <a:extLst>
-              <a:ext uri="{FF2B5EF4-FFF2-40B4-BE49-F238E27FC236}">
-                <a16:creationId xmlns:a16="http://schemas.microsoft.com/office/drawing/2014/main" id="{4A3D1017-638D-6C4D-83BE-9982E5B9A284}"/>
-              </a:ext>
-            </a:extLst>
-          </p:cNvPr>
-          <p:cNvPicPr>
-            <a:picLocks noChangeAspect="1"/>
-          </p:cNvPicPr>
-          <p:nvPr/>
-        </p:nvPicPr>
-        <p:blipFill>
-          <a:blip r:embed="rId5">
-            <a:extLst>
-              <a:ext uri="{96DAC541-7B7A-43D3-8B79-37D633B846F1}">
-                <asvg:svgBlip xmlns:asvg="http://schemas.microsoft.com/office/drawing/2016/SVG/main" r:embed="rId6"/>
-              </a:ext>
-            </a:extLst>
-          </a:blip>
-          <a:stretch>
-            <a:fillRect/>
-          </a:stretch>
-        </p:blipFill>
-        <p:spPr>
-          <a:xfrm>
-            <a:off x="-59367" y="3315662"/>
-            <a:ext cx="914400" cy="914400"/>
-          </a:xfrm>
-          <a:prstGeom prst="rect">
-            <a:avLst/>
-          </a:prstGeom>
-        </p:spPr>
-      </p:pic>
-      <p:pic>
-        <p:nvPicPr>
-          <p:cNvPr id="7" name="Image 6">
-            <a:extLst>
-              <a:ext uri="{FF2B5EF4-FFF2-40B4-BE49-F238E27FC236}">
-                <a16:creationId xmlns:a16="http://schemas.microsoft.com/office/drawing/2014/main" id="{F6F2E704-04D9-2644-BE9F-06977A9B5B88}"/>
-              </a:ext>
-            </a:extLst>
-          </p:cNvPr>
-          <p:cNvPicPr>
-            <a:picLocks noChangeAspect="1"/>
-          </p:cNvPicPr>
-          <p:nvPr/>
-        </p:nvPicPr>
-        <p:blipFill>
-          <a:blip r:embed="rId7">
-            <a:lum bright="70000" contrast="-70000"/>
-          </a:blip>
-          <a:stretch>
-            <a:fillRect/>
-          </a:stretch>
-        </p:blipFill>
-        <p:spPr>
-          <a:xfrm>
-            <a:off x="11372007" y="3315223"/>
-            <a:ext cx="819993" cy="819993"/>
-          </a:xfrm>
-          <a:prstGeom prst="rect">
-            <a:avLst/>
-          </a:prstGeom>
-        </p:spPr>
-      </p:pic>
-      <p:pic>
-        <p:nvPicPr>
-          <p:cNvPr id="8" name="Graphic 7">
-            <a:extLst>
-              <a:ext uri="{FF2B5EF4-FFF2-40B4-BE49-F238E27FC236}">
-                <a16:creationId xmlns:a16="http://schemas.microsoft.com/office/drawing/2014/main" id="{832F28AD-1052-F84F-B277-7D9FC6616F93}"/>
-              </a:ext>
-            </a:extLst>
-          </p:cNvPr>
-          <p:cNvPicPr>
-            <a:picLocks noChangeAspect="1"/>
-          </p:cNvPicPr>
-          <p:nvPr/>
-        </p:nvPicPr>
-        <p:blipFill>
-          <a:blip r:embed="rId8">
-            <a:extLst>
-              <a:ext uri="{96DAC541-7B7A-43D3-8B79-37D633B846F1}">
-                <asvg:svgBlip xmlns:asvg="http://schemas.microsoft.com/office/drawing/2016/SVG/main" r:embed="rId9"/>
-              </a:ext>
-            </a:extLst>
-          </a:blip>
-          <a:stretch>
-            <a:fillRect/>
-          </a:stretch>
-        </p:blipFill>
-        <p:spPr>
-          <a:xfrm>
-            <a:off x="6481479" y="2228620"/>
-            <a:ext cx="4808133" cy="3606100"/>
-          </a:xfrm>
-          <a:prstGeom prst="rect">
-            <a:avLst/>
-          </a:prstGeom>
-        </p:spPr>
-      </p:pic>
-    </p:spTree>
-    <p:extLst>
-      <p:ext uri="{BB962C8B-B14F-4D97-AF65-F5344CB8AC3E}">
-        <p14:creationId xmlns:p14="http://schemas.microsoft.com/office/powerpoint/2010/main" val="410148669"/>
       </p:ext>
     </p:extLst>
   </p:cSld>

--- a/DE2_Term_Presentation.pptx
+++ b/DE2_Term_Presentation.pptx
@@ -5,7 +5,7 @@
     <p:sldMasterId id="2147483686" r:id="rId1"/>
   </p:sldMasterIdLst>
   <p:notesMasterIdLst>
-    <p:notesMasterId r:id="rId17"/>
+    <p:notesMasterId r:id="rId16"/>
   </p:notesMasterIdLst>
   <p:sldIdLst>
     <p:sldId id="256" r:id="rId2"/>
@@ -16,13 +16,12 @@
     <p:sldId id="260" r:id="rId7"/>
     <p:sldId id="265" r:id="rId8"/>
     <p:sldId id="266" r:id="rId9"/>
-    <p:sldId id="262" r:id="rId10"/>
-    <p:sldId id="268" r:id="rId11"/>
-    <p:sldId id="270" r:id="rId12"/>
-    <p:sldId id="267" r:id="rId13"/>
-    <p:sldId id="263" r:id="rId14"/>
-    <p:sldId id="261" r:id="rId15"/>
-    <p:sldId id="269" r:id="rId16"/>
+    <p:sldId id="268" r:id="rId10"/>
+    <p:sldId id="270" r:id="rId11"/>
+    <p:sldId id="267" r:id="rId12"/>
+    <p:sldId id="261" r:id="rId13"/>
+    <p:sldId id="269" r:id="rId14"/>
+    <p:sldId id="273" r:id="rId15"/>
   </p:sldIdLst>
   <p:sldSz cx="12192000" cy="6858000"/>
   <p:notesSz cx="6858000" cy="9144000"/>
@@ -132,9 +131,202 @@
 <file path=ppt/revisionInfo.xml><?xml version="1.0" encoding="utf-8"?>
 <p1510:revInfo xmlns:a="http://schemas.openxmlformats.org/drawingml/2006/main" xmlns:r="http://schemas.openxmlformats.org/officeDocument/2006/relationships" xmlns:p1510="http://schemas.microsoft.com/office/powerpoint/2015/10/main">
   <p1510:revLst>
-    <p1510:client id="{710AC600-54DC-B942-8EBA-223E84510A54}" v="18" dt="2020-12-11T13:48:43.325"/>
+    <p1510:client id="{710AC600-54DC-B942-8EBA-223E84510A54}" v="22" dt="2020-12-11T16:30:13.994"/>
   </p1510:revLst>
 </p1510:revInfo>
+</file>
+
+<file path=ppt/changesInfos/changesInfo1.xml><?xml version="1.0" encoding="utf-8"?>
+<pc:chgInfo xmlns:a="http://schemas.openxmlformats.org/drawingml/2006/main" xmlns:r="http://schemas.openxmlformats.org/officeDocument/2006/relationships" xmlns:ac="http://schemas.microsoft.com/office/drawing/2013/main/command" xmlns:pc="http://schemas.microsoft.com/office/powerpoint/2013/main/command">
+  <pc:docChgLst>
+    <pc:chgData name="Terez Szabo" userId="42e7e467-1161-451a-9926-179cfa22533b" providerId="ADAL" clId="{710AC600-54DC-B942-8EBA-223E84510A54}"/>
+    <pc:docChg chg="custSel mod addSld delSld modSld">
+      <pc:chgData name="Terez Szabo" userId="42e7e467-1161-451a-9926-179cfa22533b" providerId="ADAL" clId="{710AC600-54DC-B942-8EBA-223E84510A54}" dt="2020-12-11T16:31:02.763" v="82" actId="26606"/>
+      <pc:docMkLst>
+        <pc:docMk/>
+      </pc:docMkLst>
+      <pc:sldChg chg="modSp del mod">
+        <pc:chgData name="Terez Szabo" userId="42e7e467-1161-451a-9926-179cfa22533b" providerId="ADAL" clId="{710AC600-54DC-B942-8EBA-223E84510A54}" dt="2020-12-11T16:30:19.177" v="51" actId="2696"/>
+        <pc:sldMkLst>
+          <pc:docMk/>
+          <pc:sldMk cId="1311002320" sldId="262"/>
+        </pc:sldMkLst>
+        <pc:spChg chg="mod">
+          <ac:chgData name="Terez Szabo" userId="42e7e467-1161-451a-9926-179cfa22533b" providerId="ADAL" clId="{710AC600-54DC-B942-8EBA-223E84510A54}" dt="2020-12-11T16:30:06.742" v="50" actId="21"/>
+          <ac:spMkLst>
+            <pc:docMk/>
+            <pc:sldMk cId="1311002320" sldId="262"/>
+            <ac:spMk id="3" creationId="{79A9425A-062D-D545-A18A-44226D2EBAD3}"/>
+          </ac:spMkLst>
+        </pc:spChg>
+      </pc:sldChg>
+      <pc:sldChg chg="del">
+        <pc:chgData name="Terez Szabo" userId="42e7e467-1161-451a-9926-179cfa22533b" providerId="ADAL" clId="{710AC600-54DC-B942-8EBA-223E84510A54}" dt="2020-12-11T16:29:59.433" v="49" actId="2696"/>
+        <pc:sldMkLst>
+          <pc:docMk/>
+          <pc:sldMk cId="103008590" sldId="263"/>
+        </pc:sldMkLst>
+      </pc:sldChg>
+      <pc:sldChg chg="addSp modSp mod">
+        <pc:chgData name="Terez Szabo" userId="42e7e467-1161-451a-9926-179cfa22533b" providerId="ADAL" clId="{710AC600-54DC-B942-8EBA-223E84510A54}" dt="2020-12-11T16:25:18.471" v="10" actId="14100"/>
+        <pc:sldMkLst>
+          <pc:docMk/>
+          <pc:sldMk cId="2458617161" sldId="267"/>
+        </pc:sldMkLst>
+        <pc:picChg chg="add mod">
+          <ac:chgData name="Terez Szabo" userId="42e7e467-1161-451a-9926-179cfa22533b" providerId="ADAL" clId="{710AC600-54DC-B942-8EBA-223E84510A54}" dt="2020-12-11T16:25:18.471" v="10" actId="14100"/>
+          <ac:picMkLst>
+            <pc:docMk/>
+            <pc:sldMk cId="2458617161" sldId="267"/>
+            <ac:picMk id="3" creationId="{282910C1-8698-8444-99A4-517451E2B95A}"/>
+          </ac:picMkLst>
+        </pc:picChg>
+        <pc:picChg chg="mod">
+          <ac:chgData name="Terez Szabo" userId="42e7e467-1161-451a-9926-179cfa22533b" providerId="ADAL" clId="{710AC600-54DC-B942-8EBA-223E84510A54}" dt="2020-12-11T16:25:14.968" v="9" actId="14100"/>
+          <ac:picMkLst>
+            <pc:docMk/>
+            <pc:sldMk cId="2458617161" sldId="267"/>
+            <ac:picMk id="10" creationId="{A00C5D16-95A8-D843-AA2E-5BDB4CFB0C55}"/>
+          </ac:picMkLst>
+        </pc:picChg>
+      </pc:sldChg>
+      <pc:sldChg chg="addSp delSp modSp mod">
+        <pc:chgData name="Terez Szabo" userId="42e7e467-1161-451a-9926-179cfa22533b" providerId="ADAL" clId="{710AC600-54DC-B942-8EBA-223E84510A54}" dt="2020-12-11T16:29:50.288" v="48" actId="14100"/>
+        <pc:sldMkLst>
+          <pc:docMk/>
+          <pc:sldMk cId="1974929923" sldId="269"/>
+        </pc:sldMkLst>
+        <pc:spChg chg="mod">
+          <ac:chgData name="Terez Szabo" userId="42e7e467-1161-451a-9926-179cfa22533b" providerId="ADAL" clId="{710AC600-54DC-B942-8EBA-223E84510A54}" dt="2020-12-11T16:29:43.529" v="46" actId="14100"/>
+          <ac:spMkLst>
+            <pc:docMk/>
+            <pc:sldMk cId="1974929923" sldId="269"/>
+            <ac:spMk id="2" creationId="{5D509755-BF9E-4045-9B1F-A4B620116FAA}"/>
+          </ac:spMkLst>
+        </pc:spChg>
+        <pc:spChg chg="add del mod">
+          <ac:chgData name="Terez Szabo" userId="42e7e467-1161-451a-9926-179cfa22533b" providerId="ADAL" clId="{710AC600-54DC-B942-8EBA-223E84510A54}" dt="2020-12-11T16:29:39.191" v="45" actId="478"/>
+          <ac:spMkLst>
+            <pc:docMk/>
+            <pc:sldMk cId="1974929923" sldId="269"/>
+            <ac:spMk id="6" creationId="{8A25F9FF-78F3-6246-8584-0CA9C57FAFF4}"/>
+          </ac:spMkLst>
+        </pc:spChg>
+        <pc:spChg chg="del">
+          <ac:chgData name="Terez Szabo" userId="42e7e467-1161-451a-9926-179cfa22533b" providerId="ADAL" clId="{710AC600-54DC-B942-8EBA-223E84510A54}" dt="2020-12-11T16:25:35.342" v="11" actId="931"/>
+          <ac:spMkLst>
+            <pc:docMk/>
+            <pc:sldMk cId="1974929923" sldId="269"/>
+            <ac:spMk id="7" creationId="{46C7DCB7-F220-E740-848D-A1693EBB584E}"/>
+          </ac:spMkLst>
+        </pc:spChg>
+        <pc:picChg chg="add mod">
+          <ac:chgData name="Terez Szabo" userId="42e7e467-1161-451a-9926-179cfa22533b" providerId="ADAL" clId="{710AC600-54DC-B942-8EBA-223E84510A54}" dt="2020-12-11T16:29:50.288" v="48" actId="14100"/>
+          <ac:picMkLst>
+            <pc:docMk/>
+            <pc:sldMk cId="1974929923" sldId="269"/>
+            <ac:picMk id="4" creationId="{0295FF91-841B-064B-AD8C-1D4D0F60FCF6}"/>
+          </ac:picMkLst>
+        </pc:picChg>
+      </pc:sldChg>
+      <pc:sldChg chg="addSp delSp modSp new mod setBg">
+        <pc:chgData name="Terez Szabo" userId="42e7e467-1161-451a-9926-179cfa22533b" providerId="ADAL" clId="{710AC600-54DC-B942-8EBA-223E84510A54}" dt="2020-12-11T16:31:02.763" v="82" actId="26606"/>
+        <pc:sldMkLst>
+          <pc:docMk/>
+          <pc:sldMk cId="4063716037" sldId="273"/>
+        </pc:sldMkLst>
+        <pc:spChg chg="mod">
+          <ac:chgData name="Terez Szabo" userId="42e7e467-1161-451a-9926-179cfa22533b" providerId="ADAL" clId="{710AC600-54DC-B942-8EBA-223E84510A54}" dt="2020-12-11T16:31:02.763" v="82" actId="26606"/>
+          <ac:spMkLst>
+            <pc:docMk/>
+            <pc:sldMk cId="4063716037" sldId="273"/>
+            <ac:spMk id="2" creationId="{4D2BA7B0-75C8-A24B-8ED1-93421206F4FB}"/>
+          </ac:spMkLst>
+        </pc:spChg>
+        <pc:spChg chg="del">
+          <ac:chgData name="Terez Szabo" userId="42e7e467-1161-451a-9926-179cfa22533b" providerId="ADAL" clId="{710AC600-54DC-B942-8EBA-223E84510A54}" dt="2020-12-11T16:30:42.242" v="53" actId="26606"/>
+          <ac:spMkLst>
+            <pc:docMk/>
+            <pc:sldMk cId="4063716037" sldId="273"/>
+            <ac:spMk id="3" creationId="{84AEEA6C-2031-7248-B74C-ACD946BE9C32}"/>
+          </ac:spMkLst>
+        </pc:spChg>
+        <pc:spChg chg="add del">
+          <ac:chgData name="Terez Szabo" userId="42e7e467-1161-451a-9926-179cfa22533b" providerId="ADAL" clId="{710AC600-54DC-B942-8EBA-223E84510A54}" dt="2020-12-11T16:31:02.763" v="82" actId="26606"/>
+          <ac:spMkLst>
+            <pc:docMk/>
+            <pc:sldMk cId="4063716037" sldId="273"/>
+            <ac:spMk id="16" creationId="{3011B0B3-5679-4759-90B8-3B908C4CBD21}"/>
+          </ac:spMkLst>
+        </pc:spChg>
+        <pc:spChg chg="add">
+          <ac:chgData name="Terez Szabo" userId="42e7e467-1161-451a-9926-179cfa22533b" providerId="ADAL" clId="{710AC600-54DC-B942-8EBA-223E84510A54}" dt="2020-12-11T16:31:02.763" v="82" actId="26606"/>
+          <ac:spMkLst>
+            <pc:docMk/>
+            <pc:sldMk cId="4063716037" sldId="273"/>
+            <ac:spMk id="32" creationId="{CA5B2A81-2C8E-4963-AFD4-E539D168B475}"/>
+          </ac:spMkLst>
+        </pc:spChg>
+        <pc:grpChg chg="add del">
+          <ac:chgData name="Terez Szabo" userId="42e7e467-1161-451a-9926-179cfa22533b" providerId="ADAL" clId="{710AC600-54DC-B942-8EBA-223E84510A54}" dt="2020-12-11T16:31:02.763" v="82" actId="26606"/>
+          <ac:grpSpMkLst>
+            <pc:docMk/>
+            <pc:sldMk cId="4063716037" sldId="273"/>
+            <ac:grpSpMk id="10" creationId="{F982E0B2-AA9C-441C-A08E-A9DF9CF12116}"/>
+          </ac:grpSpMkLst>
+        </pc:grpChg>
+        <pc:grpChg chg="add">
+          <ac:chgData name="Terez Szabo" userId="42e7e467-1161-451a-9926-179cfa22533b" providerId="ADAL" clId="{710AC600-54DC-B942-8EBA-223E84510A54}" dt="2020-12-11T16:31:02.763" v="82" actId="26606"/>
+          <ac:grpSpMkLst>
+            <pc:docMk/>
+            <pc:sldMk cId="4063716037" sldId="273"/>
+            <ac:grpSpMk id="26" creationId="{F982E0B2-AA9C-441C-A08E-A9DF9CF12116}"/>
+          </ac:grpSpMkLst>
+        </pc:grpChg>
+        <pc:picChg chg="add">
+          <ac:chgData name="Terez Szabo" userId="42e7e467-1161-451a-9926-179cfa22533b" providerId="ADAL" clId="{710AC600-54DC-B942-8EBA-223E84510A54}" dt="2020-12-11T16:31:02.763" v="82" actId="26606"/>
+          <ac:picMkLst>
+            <pc:docMk/>
+            <pc:sldMk cId="4063716037" sldId="273"/>
+            <ac:picMk id="20" creationId="{28141A80-C3AD-4429-A37F-C38271D461F5}"/>
+          </ac:picMkLst>
+        </pc:picChg>
+        <pc:cxnChg chg="add del">
+          <ac:chgData name="Terez Szabo" userId="42e7e467-1161-451a-9926-179cfa22533b" providerId="ADAL" clId="{710AC600-54DC-B942-8EBA-223E84510A54}" dt="2020-12-11T16:31:02.763" v="82" actId="26606"/>
+          <ac:cxnSpMkLst>
+            <pc:docMk/>
+            <pc:sldMk cId="4063716037" sldId="273"/>
+            <ac:cxnSpMk id="8" creationId="{701C0CAB-6A03-4C6A-9FAA-219847753628}"/>
+          </ac:cxnSpMkLst>
+        </pc:cxnChg>
+        <pc:cxnChg chg="add del">
+          <ac:chgData name="Terez Szabo" userId="42e7e467-1161-451a-9926-179cfa22533b" providerId="ADAL" clId="{710AC600-54DC-B942-8EBA-223E84510A54}" dt="2020-12-11T16:31:02.763" v="82" actId="26606"/>
+          <ac:cxnSpMkLst>
+            <pc:docMk/>
+            <pc:sldMk cId="4063716037" sldId="273"/>
+            <ac:cxnSpMk id="18" creationId="{32E97E5C-7A5F-424E-AAE4-654396E90799}"/>
+          </ac:cxnSpMkLst>
+        </pc:cxnChg>
+        <pc:cxnChg chg="add">
+          <ac:chgData name="Terez Szabo" userId="42e7e467-1161-451a-9926-179cfa22533b" providerId="ADAL" clId="{710AC600-54DC-B942-8EBA-223E84510A54}" dt="2020-12-11T16:31:02.763" v="82" actId="26606"/>
+          <ac:cxnSpMkLst>
+            <pc:docMk/>
+            <pc:sldMk cId="4063716037" sldId="273"/>
+            <ac:cxnSpMk id="24" creationId="{701C0CAB-6A03-4C6A-9FAA-219847753628}"/>
+          </ac:cxnSpMkLst>
+        </pc:cxnChg>
+        <pc:cxnChg chg="add">
+          <ac:chgData name="Terez Szabo" userId="42e7e467-1161-451a-9926-179cfa22533b" providerId="ADAL" clId="{710AC600-54DC-B942-8EBA-223E84510A54}" dt="2020-12-11T16:31:02.763" v="82" actId="26606"/>
+          <ac:cxnSpMkLst>
+            <pc:docMk/>
+            <pc:sldMk cId="4063716037" sldId="273"/>
+            <ac:cxnSpMk id="34" creationId="{9E7C23BC-DAA6-40E1-8166-B8C4439D1430}"/>
+          </ac:cxnSpMkLst>
+        </pc:cxnChg>
+      </pc:sldChg>
+    </pc:docChg>
+  </pc:docChgLst>
+</pc:chgInfo>
 </file>
 
 <file path=ppt/notesMasters/notesMaster1.xml><?xml version="1.0" encoding="utf-8"?>
@@ -219,7 +411,7 @@
           <a:p>
             <a:fld id="{295301A9-71AD-BD42-B443-DF4A4CA5BC7F}" type="datetimeFigureOut">
               <a:rPr lang="en-CH" smtClean="0"/>
-              <a:t>12/11/2020</a:t>
+              <a:t>11.12.20</a:t>
             </a:fld>
             <a:endParaRPr lang="en-CH"/>
           </a:p>
@@ -783,6 +975,29 @@
           <a:bodyPr/>
           <a:lstStyle/>
           <a:p>
+            <a:r>
+              <a:rPr lang="en-CH" sz="1100" dirty="0"/>
+              <a:t>Some of the variables had a division by gender</a:t>
+            </a:r>
+          </a:p>
+          <a:p>
+            <a:r>
+              <a:rPr lang="en-CH" sz="1100" dirty="0"/>
+              <a:t>Smoking has no correlation to number of suicides</a:t>
+            </a:r>
+          </a:p>
+          <a:p>
+            <a:pPr lvl="2"/>
+            <a:r>
+              <a:rPr lang="en-CH" sz="1100" dirty="0"/>
+              <a:t>Average smokers larger tandancy to commit suicid</a:t>
+            </a:r>
+            <a:r>
+              <a:rPr lang="fr-BE" sz="1100" dirty="0"/>
+              <a:t>e</a:t>
+            </a:r>
+          </a:p>
+          <a:p>
             <a:endParaRPr lang="en-CH" dirty="0"/>
           </a:p>
         </p:txBody>
@@ -813,7 +1028,7 @@
     </p:spTree>
     <p:extLst>
       <p:ext uri="{BB962C8B-B14F-4D97-AF65-F5344CB8AC3E}">
-        <p14:creationId xmlns:p14="http://schemas.microsoft.com/office/powerpoint/2010/main" val="2428797356"/>
+        <p14:creationId xmlns:p14="http://schemas.microsoft.com/office/powerpoint/2010/main" val="1996060125"/>
       </p:ext>
     </p:extLst>
   </p:cSld>
@@ -869,24 +1084,7 @@
           <a:p>
             <a:r>
               <a:rPr lang="en-CH" sz="1100" dirty="0"/>
-              <a:t>Some of the variables had a division by gender</a:t>
-            </a:r>
-          </a:p>
-          <a:p>
-            <a:r>
-              <a:rPr lang="en-CH" sz="1100" dirty="0"/>
-              <a:t>Smoking has no correlation to number of suicides</a:t>
-            </a:r>
-          </a:p>
-          <a:p>
-            <a:pPr lvl="2"/>
-            <a:r>
-              <a:rPr lang="en-CH" sz="1100" dirty="0"/>
-              <a:t>Average smokers larger tandancy to commit suicid</a:t>
-            </a:r>
-            <a:r>
-              <a:rPr lang="fr-BE" sz="1100" dirty="0"/>
-              <a:t>e</a:t>
+              <a:t>There is a small amount of correlation between unemployment and number of suicides but almost neglegable</a:t>
             </a:r>
           </a:p>
           <a:p>
@@ -920,7 +1118,7 @@
     </p:spTree>
     <p:extLst>
       <p:ext uri="{BB962C8B-B14F-4D97-AF65-F5344CB8AC3E}">
-        <p14:creationId xmlns:p14="http://schemas.microsoft.com/office/powerpoint/2010/main" val="1996060125"/>
+        <p14:creationId xmlns:p14="http://schemas.microsoft.com/office/powerpoint/2010/main" val="1207234545"/>
       </p:ext>
     </p:extLst>
   </p:cSld>
@@ -975,9 +1173,18 @@
           <a:lstStyle/>
           <a:p>
             <a:r>
-              <a:rPr lang="en-CH" sz="1100" dirty="0"/>
-              <a:t>There is a small amount of correlation between unemployment and number of suicides but almost neglegable</a:t>
-            </a:r>
+              <a:rPr lang="en-GB" dirty="0"/>
+              <a:t>For alcohol we decided to do a log-log analysis</a:t>
+            </a:r>
+            <a:endParaRPr lang="en-CH" dirty="0"/>
+          </a:p>
+          <a:p>
+            <a:pPr lvl="2"/>
+            <a:r>
+              <a:rPr lang="en-CH" dirty="0"/>
+              <a:t>Definite correlation between alcohol consumption and suicide rate</a:t>
+            </a:r>
+            <a:endParaRPr lang="en-GB" dirty="0"/>
           </a:p>
           <a:p>
             <a:endParaRPr lang="en-CH" dirty="0"/>
@@ -1010,7 +1217,7 @@
     </p:spTree>
     <p:extLst>
       <p:ext uri="{BB962C8B-B14F-4D97-AF65-F5344CB8AC3E}">
-        <p14:creationId xmlns:p14="http://schemas.microsoft.com/office/powerpoint/2010/main" val="1207234545"/>
+        <p14:creationId xmlns:p14="http://schemas.microsoft.com/office/powerpoint/2010/main" val="2268506682"/>
       </p:ext>
     </p:extLst>
   </p:cSld>
@@ -1098,7 +1305,7 @@
           <a:p>
             <a:fld id="{E6E8B6E9-C291-3B4B-AE9B-9D2ED4D32F18}" type="slidenum">
               <a:rPr lang="en-CH" smtClean="0"/>
-              <a:t>15</a:t>
+              <a:t>13</a:t>
             </a:fld>
             <a:endParaRPr lang="en-CH"/>
           </a:p>
@@ -1276,7 +1483,7 @@
           <a:p>
             <a:fld id="{64F0E216-BA48-4F04-AC4F-645AA0DD6AC6}" type="datetimeFigureOut">
               <a:rPr lang="en-US" smtClean="0"/>
-              <a:t>12/11/2020</a:t>
+              <a:t>12/11/20</a:t>
             </a:fld>
             <a:endParaRPr lang="en-US" dirty="0"/>
           </a:p>
@@ -2324,7 +2531,7 @@
           <a:p>
             <a:fld id="{64F0E216-BA48-4F04-AC4F-645AA0DD6AC6}" type="datetimeFigureOut">
               <a:rPr lang="en-US" smtClean="0"/>
-              <a:t>12/11/2020</a:t>
+              <a:t>12/11/20</a:t>
             </a:fld>
             <a:endParaRPr lang="en-US"/>
           </a:p>
@@ -2560,7 +2767,7 @@
           <a:p>
             <a:fld id="{64F0E216-BA48-4F04-AC4F-645AA0DD6AC6}" type="datetimeFigureOut">
               <a:rPr lang="en-US" smtClean="0"/>
-              <a:t>12/11/2020</a:t>
+              <a:t>12/11/20</a:t>
             </a:fld>
             <a:endParaRPr lang="en-US"/>
           </a:p>
@@ -2783,7 +2990,7 @@
           <a:p>
             <a:fld id="{64F0E216-BA48-4F04-AC4F-645AA0DD6AC6}" type="datetimeFigureOut">
               <a:rPr lang="en-US" smtClean="0"/>
-              <a:t>12/11/2020</a:t>
+              <a:t>12/11/20</a:t>
             </a:fld>
             <a:endParaRPr lang="en-US"/>
           </a:p>
@@ -3085,7 +3292,7 @@
           <a:p>
             <a:fld id="{64F0E216-BA48-4F04-AC4F-645AA0DD6AC6}" type="datetimeFigureOut">
               <a:rPr lang="en-US" smtClean="0"/>
-              <a:t>12/11/2020</a:t>
+              <a:t>12/11/20</a:t>
             </a:fld>
             <a:endParaRPr lang="en-US"/>
           </a:p>
@@ -4549,7 +4756,7 @@
           <a:p>
             <a:fld id="{64F0E216-BA48-4F04-AC4F-645AA0DD6AC6}" type="datetimeFigureOut">
               <a:rPr lang="en-US" smtClean="0"/>
-              <a:t>12/11/2020</a:t>
+              <a:t>12/11/20</a:t>
             </a:fld>
             <a:endParaRPr lang="en-US"/>
           </a:p>
@@ -5016,7 +5223,7 @@
           <a:p>
             <a:fld id="{64F0E216-BA48-4F04-AC4F-645AA0DD6AC6}" type="datetimeFigureOut">
               <a:rPr lang="en-US" smtClean="0"/>
-              <a:t>12/11/2020</a:t>
+              <a:t>12/11/20</a:t>
             </a:fld>
             <a:endParaRPr lang="en-US"/>
           </a:p>
@@ -5191,7 +5398,7 @@
           <a:p>
             <a:fld id="{64F0E216-BA48-4F04-AC4F-645AA0DD6AC6}" type="datetimeFigureOut">
               <a:rPr lang="en-US" smtClean="0"/>
-              <a:t>12/11/2020</a:t>
+              <a:t>12/11/20</a:t>
             </a:fld>
             <a:endParaRPr lang="en-US"/>
           </a:p>
@@ -5328,7 +5535,7 @@
           <a:p>
             <a:fld id="{64F0E216-BA48-4F04-AC4F-645AA0DD6AC6}" type="datetimeFigureOut">
               <a:rPr lang="en-US" smtClean="0"/>
-              <a:t>12/11/2020</a:t>
+              <a:t>12/11/20</a:t>
             </a:fld>
             <a:endParaRPr lang="en-US"/>
           </a:p>
@@ -5678,7 +5885,7 @@
           <a:p>
             <a:fld id="{64F0E216-BA48-4F04-AC4F-645AA0DD6AC6}" type="datetimeFigureOut">
               <a:rPr lang="en-US" smtClean="0"/>
-              <a:t>12/11/2020</a:t>
+              <a:t>12/11/20</a:t>
             </a:fld>
             <a:endParaRPr lang="en-US"/>
           </a:p>
@@ -5999,7 +6206,7 @@
           <a:p>
             <a:fld id="{64F0E216-BA48-4F04-AC4F-645AA0DD6AC6}" type="datetimeFigureOut">
               <a:rPr lang="en-US" smtClean="0"/>
-              <a:t>12/11/2020</a:t>
+              <a:t>12/11/20</a:t>
             </a:fld>
             <a:endParaRPr lang="en-US"/>
           </a:p>
@@ -6261,7 +6468,7 @@
             <a:fld id="{64F0E216-BA48-4F04-AC4F-645AA0DD6AC6}" type="datetimeFigureOut">
               <a:rPr lang="en-US" smtClean="0"/>
               <a:pPr/>
-              <a:t>12/11/2020</a:t>
+              <a:t>12/11/20</a:t>
             </a:fld>
             <a:endParaRPr lang="en-US" dirty="0"/>
           </a:p>
@@ -7324,7 +7531,11 @@
           <a:p>
             <a:r>
               <a:rPr lang="fr-BE" dirty="0"/>
-              <a:t>GRAPH : Suicide BY Smoking</a:t>
+              <a:t>GRAPH : Suicide BY </a:t>
+            </a:r>
+            <a:r>
+              <a:rPr lang="fr-BE" dirty="0" err="1"/>
+              <a:t>Unemployment</a:t>
             </a:r>
             <a:endParaRPr lang="en-CH" dirty="0"/>
           </a:p>
@@ -7332,10 +7543,10 @@
       </p:sp>
       <p:pic>
         <p:nvPicPr>
-          <p:cNvPr id="5" name="Graphic 4">
-            <a:extLst>
-              <a:ext uri="{FF2B5EF4-FFF2-40B4-BE49-F238E27FC236}">
-                <a16:creationId xmlns:a16="http://schemas.microsoft.com/office/drawing/2014/main" id="{45C1EB94-6F06-6A4B-A167-8B153ED90168}"/>
+          <p:cNvPr id="6" name="Graphique 4" descr="Masculin avec un remplissage uni">
+            <a:extLst>
+              <a:ext uri="{FF2B5EF4-FFF2-40B4-BE49-F238E27FC236}">
+                <a16:creationId xmlns:a16="http://schemas.microsoft.com/office/drawing/2014/main" id="{4A3D1017-638D-6C4D-83BE-9982E5B9A284}"/>
               </a:ext>
             </a:extLst>
           </p:cNvPr>
@@ -7349,42 +7560,6 @@
             <a:extLst>
               <a:ext uri="{96DAC541-7B7A-43D3-8B79-37D633B846F1}">
                 <asvg:svgBlip xmlns:asvg="http://schemas.microsoft.com/office/drawing/2016/SVG/main" r:embed="rId4"/>
-              </a:ext>
-            </a:extLst>
-          </a:blip>
-          <a:stretch>
-            <a:fillRect/>
-          </a:stretch>
-        </p:blipFill>
-        <p:spPr>
-          <a:xfrm>
-            <a:off x="783656" y="2240663"/>
-            <a:ext cx="4808133" cy="3606099"/>
-          </a:xfrm>
-          <a:prstGeom prst="rect">
-            <a:avLst/>
-          </a:prstGeom>
-        </p:spPr>
-      </p:pic>
-      <p:pic>
-        <p:nvPicPr>
-          <p:cNvPr id="6" name="Graphique 4" descr="Masculin avec un remplissage uni">
-            <a:extLst>
-              <a:ext uri="{FF2B5EF4-FFF2-40B4-BE49-F238E27FC236}">
-                <a16:creationId xmlns:a16="http://schemas.microsoft.com/office/drawing/2014/main" id="{4A3D1017-638D-6C4D-83BE-9982E5B9A284}"/>
-              </a:ext>
-            </a:extLst>
-          </p:cNvPr>
-          <p:cNvPicPr>
-            <a:picLocks noChangeAspect="1"/>
-          </p:cNvPicPr>
-          <p:nvPr/>
-        </p:nvPicPr>
-        <p:blipFill>
-          <a:blip r:embed="rId5">
-            <a:extLst>
-              <a:ext uri="{96DAC541-7B7A-43D3-8B79-37D633B846F1}">
-                <asvg:svgBlip xmlns:asvg="http://schemas.microsoft.com/office/drawing/2016/SVG/main" r:embed="rId6"/>
               </a:ext>
             </a:extLst>
           </a:blip>
@@ -7417,7 +7592,7 @@
           <p:nvPr/>
         </p:nvPicPr>
         <p:blipFill>
-          <a:blip r:embed="rId7">
+          <a:blip r:embed="rId5">
             <a:lum bright="70000" contrast="-70000"/>
           </a:blip>
           <a:stretch>
@@ -7436,10 +7611,46 @@
       </p:pic>
       <p:pic>
         <p:nvPicPr>
-          <p:cNvPr id="8" name="Graphic 7">
-            <a:extLst>
-              <a:ext uri="{FF2B5EF4-FFF2-40B4-BE49-F238E27FC236}">
-                <a16:creationId xmlns:a16="http://schemas.microsoft.com/office/drawing/2014/main" id="{832F28AD-1052-F84F-B277-7D9FC6616F93}"/>
+          <p:cNvPr id="4" name="Graphic 3">
+            <a:extLst>
+              <a:ext uri="{FF2B5EF4-FFF2-40B4-BE49-F238E27FC236}">
+                <a16:creationId xmlns:a16="http://schemas.microsoft.com/office/drawing/2014/main" id="{F02992A0-5B7E-3546-ABD7-49B03CDE3DA8}"/>
+              </a:ext>
+            </a:extLst>
+          </p:cNvPr>
+          <p:cNvPicPr>
+            <a:picLocks noChangeAspect="1"/>
+          </p:cNvPicPr>
+          <p:nvPr/>
+        </p:nvPicPr>
+        <p:blipFill>
+          <a:blip r:embed="rId6">
+            <a:extLst>
+              <a:ext uri="{96DAC541-7B7A-43D3-8B79-37D633B846F1}">
+                <asvg:svgBlip xmlns:asvg="http://schemas.microsoft.com/office/drawing/2016/SVG/main" r:embed="rId7"/>
+              </a:ext>
+            </a:extLst>
+          </a:blip>
+          <a:stretch>
+            <a:fillRect/>
+          </a:stretch>
+        </p:blipFill>
+        <p:spPr>
+          <a:xfrm>
+            <a:off x="759783" y="2270199"/>
+            <a:ext cx="4808133" cy="3606100"/>
+          </a:xfrm>
+          <a:prstGeom prst="rect">
+            <a:avLst/>
+          </a:prstGeom>
+        </p:spPr>
+      </p:pic>
+      <p:pic>
+        <p:nvPicPr>
+          <p:cNvPr id="10" name="Graphic 9">
+            <a:extLst>
+              <a:ext uri="{FF2B5EF4-FFF2-40B4-BE49-F238E27FC236}">
+                <a16:creationId xmlns:a16="http://schemas.microsoft.com/office/drawing/2014/main" id="{6E6A2AE2-F1E3-EF4F-8A12-BA040F63A0F4}"/>
               </a:ext>
             </a:extLst>
           </p:cNvPr>
@@ -7462,8 +7673,8 @@
         </p:blipFill>
         <p:spPr>
           <a:xfrm>
-            <a:off x="6481479" y="2228620"/>
-            <a:ext cx="4808133" cy="3606100"/>
+            <a:off x="6449231" y="2228617"/>
+            <a:ext cx="4808135" cy="3606101"/>
           </a:xfrm>
           <a:prstGeom prst="rect">
             <a:avLst/>
@@ -7473,7 +7684,7 @@
     </p:spTree>
     <p:extLst>
       <p:ext uri="{BB962C8B-B14F-4D97-AF65-F5344CB8AC3E}">
-        <p14:creationId xmlns:p14="http://schemas.microsoft.com/office/powerpoint/2010/main" val="410148669"/>
+        <p14:creationId xmlns:p14="http://schemas.microsoft.com/office/powerpoint/2010/main" val="866707920"/>
       </p:ext>
     </p:extLst>
   </p:cSld>
@@ -7502,10 +7713,10 @@
       </p:grpSpPr>
       <p:sp>
         <p:nvSpPr>
-          <p:cNvPr id="2" name="Title 1">
-            <a:extLst>
-              <a:ext uri="{FF2B5EF4-FFF2-40B4-BE49-F238E27FC236}">
-                <a16:creationId xmlns:a16="http://schemas.microsoft.com/office/drawing/2014/main" id="{8EACBC7C-1508-DE47-9E7A-4F0D2693770C}"/>
+          <p:cNvPr id="26" name="Title 1">
+            <a:extLst>
+              <a:ext uri="{FF2B5EF4-FFF2-40B4-BE49-F238E27FC236}">
+                <a16:creationId xmlns:a16="http://schemas.microsoft.com/office/drawing/2014/main" id="{46BC7AA3-A385-4696-B6D1-CE09854B2CF0}"/>
               </a:ext>
             </a:extLst>
           </p:cNvPr>
@@ -7516,7 +7727,12 @@
             <p:ph type="title"/>
           </p:nvPr>
         </p:nvSpPr>
-        <p:spPr/>
+        <p:spPr>
+          <a:xfrm>
+            <a:off x="294572" y="186440"/>
+            <a:ext cx="10330269" cy="655637"/>
+          </a:xfrm>
+        </p:spPr>
         <p:txBody>
           <a:bodyPr>
             <a:normAutofit/>
@@ -7525,11 +7741,7 @@
           <a:p>
             <a:r>
               <a:rPr lang="fr-BE" dirty="0"/>
-              <a:t>GRAPH : Suicide BY </a:t>
-            </a:r>
-            <a:r>
-              <a:rPr lang="fr-BE" dirty="0" err="1"/>
-              <a:t>Unemployment</a:t>
+              <a:t>GRAPH : Suicide BY ALCOHOL CONSUMPTION</a:t>
             </a:r>
             <a:endParaRPr lang="en-CH" dirty="0"/>
           </a:p>
@@ -7537,10 +7749,10 @@
       </p:sp>
       <p:pic>
         <p:nvPicPr>
-          <p:cNvPr id="6" name="Graphique 4" descr="Masculin avec un remplissage uni">
-            <a:extLst>
-              <a:ext uri="{FF2B5EF4-FFF2-40B4-BE49-F238E27FC236}">
-                <a16:creationId xmlns:a16="http://schemas.microsoft.com/office/drawing/2014/main" id="{4A3D1017-638D-6C4D-83BE-9982E5B9A284}"/>
+          <p:cNvPr id="4" name="Graphique 4" descr="Masculin avec un remplissage uni">
+            <a:extLst>
+              <a:ext uri="{FF2B5EF4-FFF2-40B4-BE49-F238E27FC236}">
+                <a16:creationId xmlns:a16="http://schemas.microsoft.com/office/drawing/2014/main" id="{546B9EF8-B29E-5E46-802A-D1C20268DC9E}"/>
               </a:ext>
             </a:extLst>
           </p:cNvPr>
@@ -7573,10 +7785,10 @@
       </p:pic>
       <p:pic>
         <p:nvPicPr>
-          <p:cNvPr id="7" name="Image 6">
-            <a:extLst>
-              <a:ext uri="{FF2B5EF4-FFF2-40B4-BE49-F238E27FC236}">
-                <a16:creationId xmlns:a16="http://schemas.microsoft.com/office/drawing/2014/main" id="{F6F2E704-04D9-2644-BE9F-06977A9B5B88}"/>
+          <p:cNvPr id="5" name="Image 6">
+            <a:extLst>
+              <a:ext uri="{FF2B5EF4-FFF2-40B4-BE49-F238E27FC236}">
+                <a16:creationId xmlns:a16="http://schemas.microsoft.com/office/drawing/2014/main" id="{F1BC35B4-DA4B-D842-AFCD-F480EED24D61}"/>
               </a:ext>
             </a:extLst>
           </p:cNvPr>
@@ -7605,10 +7817,10 @@
       </p:pic>
       <p:pic>
         <p:nvPicPr>
-          <p:cNvPr id="4" name="Graphic 3">
-            <a:extLst>
-              <a:ext uri="{FF2B5EF4-FFF2-40B4-BE49-F238E27FC236}">
-                <a16:creationId xmlns:a16="http://schemas.microsoft.com/office/drawing/2014/main" id="{F02992A0-5B7E-3546-ABD7-49B03CDE3DA8}"/>
+          <p:cNvPr id="10" name="Graphic 9">
+            <a:extLst>
+              <a:ext uri="{FF2B5EF4-FFF2-40B4-BE49-F238E27FC236}">
+                <a16:creationId xmlns:a16="http://schemas.microsoft.com/office/drawing/2014/main" id="{A00C5D16-95A8-D843-AA2E-5BDB4CFB0C55}"/>
               </a:ext>
             </a:extLst>
           </p:cNvPr>
@@ -7631,8 +7843,8 @@
         </p:blipFill>
         <p:spPr>
           <a:xfrm>
-            <a:off x="759783" y="2270199"/>
-            <a:ext cx="4808133" cy="3606100"/>
+            <a:off x="6245525" y="1846052"/>
+            <a:ext cx="4981120" cy="3735840"/>
           </a:xfrm>
           <a:prstGeom prst="rect">
             <a:avLst/>
@@ -7641,10 +7853,10 @@
       </p:pic>
       <p:pic>
         <p:nvPicPr>
-          <p:cNvPr id="10" name="Graphic 9">
-            <a:extLst>
-              <a:ext uri="{FF2B5EF4-FFF2-40B4-BE49-F238E27FC236}">
-                <a16:creationId xmlns:a16="http://schemas.microsoft.com/office/drawing/2014/main" id="{6E6A2AE2-F1E3-EF4F-8A12-BA040F63A0F4}"/>
+          <p:cNvPr id="3" name="Graphic 2">
+            <a:extLst>
+              <a:ext uri="{FF2B5EF4-FFF2-40B4-BE49-F238E27FC236}">
+                <a16:creationId xmlns:a16="http://schemas.microsoft.com/office/drawing/2014/main" id="{282910C1-8698-8444-99A4-517451E2B95A}"/>
               </a:ext>
             </a:extLst>
           </p:cNvPr>
@@ -7667,8 +7879,8 @@
         </p:blipFill>
         <p:spPr>
           <a:xfrm>
-            <a:off x="6449231" y="2228617"/>
-            <a:ext cx="4808135" cy="3606101"/>
+            <a:off x="996462" y="1846052"/>
+            <a:ext cx="4981120" cy="3735840"/>
           </a:xfrm>
           <a:prstGeom prst="rect">
             <a:avLst/>
@@ -7678,7 +7890,7 @@
     </p:spTree>
     <p:extLst>
       <p:ext uri="{BB962C8B-B14F-4D97-AF65-F5344CB8AC3E}">
-        <p14:creationId xmlns:p14="http://schemas.microsoft.com/office/powerpoint/2010/main" val="866707920"/>
+        <p14:creationId xmlns:p14="http://schemas.microsoft.com/office/powerpoint/2010/main" val="2458617161"/>
       </p:ext>
     </p:extLst>
   </p:cSld>
@@ -7707,501 +7919,6 @@
       </p:grpSpPr>
       <p:sp>
         <p:nvSpPr>
-          <p:cNvPr id="26" name="Title 1">
-            <a:extLst>
-              <a:ext uri="{FF2B5EF4-FFF2-40B4-BE49-F238E27FC236}">
-                <a16:creationId xmlns:a16="http://schemas.microsoft.com/office/drawing/2014/main" id="{46BC7AA3-A385-4696-B6D1-CE09854B2CF0}"/>
-              </a:ext>
-            </a:extLst>
-          </p:cNvPr>
-          <p:cNvSpPr>
-            <a:spLocks noGrp="1"/>
-          </p:cNvSpPr>
-          <p:nvPr>
-            <p:ph type="title"/>
-          </p:nvPr>
-        </p:nvSpPr>
-        <p:spPr>
-          <a:xfrm>
-            <a:off x="294572" y="186440"/>
-            <a:ext cx="10330269" cy="655637"/>
-          </a:xfrm>
-        </p:spPr>
-        <p:txBody>
-          <a:bodyPr>
-            <a:normAutofit/>
-          </a:bodyPr>
-          <a:lstStyle/>
-          <a:p>
-            <a:r>
-              <a:rPr lang="fr-BE" dirty="0"/>
-              <a:t>GRAPH : Suicide BY ALCOHOL CONSUMPTION</a:t>
-            </a:r>
-            <a:endParaRPr lang="en-CH" dirty="0"/>
-          </a:p>
-        </p:txBody>
-      </p:sp>
-      <p:pic>
-        <p:nvPicPr>
-          <p:cNvPr id="4" name="Graphique 4" descr="Masculin avec un remplissage uni">
-            <a:extLst>
-              <a:ext uri="{FF2B5EF4-FFF2-40B4-BE49-F238E27FC236}">
-                <a16:creationId xmlns:a16="http://schemas.microsoft.com/office/drawing/2014/main" id="{546B9EF8-B29E-5E46-802A-D1C20268DC9E}"/>
-              </a:ext>
-            </a:extLst>
-          </p:cNvPr>
-          <p:cNvPicPr>
-            <a:picLocks noChangeAspect="1"/>
-          </p:cNvPicPr>
-          <p:nvPr/>
-        </p:nvPicPr>
-        <p:blipFill>
-          <a:blip r:embed="rId2">
-            <a:extLst>
-              <a:ext uri="{96DAC541-7B7A-43D3-8B79-37D633B846F1}">
-                <asvg:svgBlip xmlns:asvg="http://schemas.microsoft.com/office/drawing/2016/SVG/main" r:embed="rId3"/>
-              </a:ext>
-            </a:extLst>
-          </a:blip>
-          <a:stretch>
-            <a:fillRect/>
-          </a:stretch>
-        </p:blipFill>
-        <p:spPr>
-          <a:xfrm>
-            <a:off x="-59367" y="3315662"/>
-            <a:ext cx="914400" cy="914400"/>
-          </a:xfrm>
-          <a:prstGeom prst="rect">
-            <a:avLst/>
-          </a:prstGeom>
-        </p:spPr>
-      </p:pic>
-      <p:pic>
-        <p:nvPicPr>
-          <p:cNvPr id="5" name="Image 6">
-            <a:extLst>
-              <a:ext uri="{FF2B5EF4-FFF2-40B4-BE49-F238E27FC236}">
-                <a16:creationId xmlns:a16="http://schemas.microsoft.com/office/drawing/2014/main" id="{F1BC35B4-DA4B-D842-AFCD-F480EED24D61}"/>
-              </a:ext>
-            </a:extLst>
-          </p:cNvPr>
-          <p:cNvPicPr>
-            <a:picLocks noChangeAspect="1"/>
-          </p:cNvPicPr>
-          <p:nvPr/>
-        </p:nvPicPr>
-        <p:blipFill>
-          <a:blip r:embed="rId4">
-            <a:lum bright="70000" contrast="-70000"/>
-          </a:blip>
-          <a:stretch>
-            <a:fillRect/>
-          </a:stretch>
-        </p:blipFill>
-        <p:spPr>
-          <a:xfrm>
-            <a:off x="11372007" y="3315223"/>
-            <a:ext cx="819993" cy="819993"/>
-          </a:xfrm>
-          <a:prstGeom prst="rect">
-            <a:avLst/>
-          </a:prstGeom>
-        </p:spPr>
-      </p:pic>
-      <p:pic>
-        <p:nvPicPr>
-          <p:cNvPr id="10" name="Graphic 9">
-            <a:extLst>
-              <a:ext uri="{FF2B5EF4-FFF2-40B4-BE49-F238E27FC236}">
-                <a16:creationId xmlns:a16="http://schemas.microsoft.com/office/drawing/2014/main" id="{A00C5D16-95A8-D843-AA2E-5BDB4CFB0C55}"/>
-              </a:ext>
-            </a:extLst>
-          </p:cNvPr>
-          <p:cNvPicPr>
-            <a:picLocks noChangeAspect="1"/>
-          </p:cNvPicPr>
-          <p:nvPr/>
-        </p:nvPicPr>
-        <p:blipFill>
-          <a:blip r:embed="rId5">
-            <a:extLst>
-              <a:ext uri="{96DAC541-7B7A-43D3-8B79-37D633B846F1}">
-                <asvg:svgBlip xmlns:asvg="http://schemas.microsoft.com/office/drawing/2016/SVG/main" r:embed="rId6"/>
-              </a:ext>
-            </a:extLst>
-          </a:blip>
-          <a:stretch>
-            <a:fillRect/>
-          </a:stretch>
-        </p:blipFill>
-        <p:spPr>
-          <a:xfrm>
-            <a:off x="5658339" y="1696412"/>
-            <a:ext cx="5537200" cy="4152900"/>
-          </a:xfrm>
-          <a:prstGeom prst="rect">
-            <a:avLst/>
-          </a:prstGeom>
-        </p:spPr>
-      </p:pic>
-    </p:spTree>
-    <p:extLst>
-      <p:ext uri="{BB962C8B-B14F-4D97-AF65-F5344CB8AC3E}">
-        <p14:creationId xmlns:p14="http://schemas.microsoft.com/office/powerpoint/2010/main" val="2458617161"/>
-      </p:ext>
-    </p:extLst>
-  </p:cSld>
-  <p:clrMapOvr>
-    <a:masterClrMapping/>
-  </p:clrMapOvr>
-</p:sld>
-</file>
-
-<file path=ppt/slides/slide13.xml><?xml version="1.0" encoding="utf-8"?>
-<p:sld xmlns:a="http://schemas.openxmlformats.org/drawingml/2006/main" xmlns:r="http://schemas.openxmlformats.org/officeDocument/2006/relationships" xmlns:p="http://schemas.openxmlformats.org/presentationml/2006/main" show="0">
-  <p:cSld>
-    <p:spTree>
-      <p:nvGrpSpPr>
-        <p:cNvPr id="1" name=""/>
-        <p:cNvGrpSpPr/>
-        <p:nvPr/>
-      </p:nvGrpSpPr>
-      <p:grpSpPr>
-        <a:xfrm>
-          <a:off x="0" y="0"/>
-          <a:ext cx="0" cy="0"/>
-          <a:chOff x="0" y="0"/>
-          <a:chExt cx="0" cy="0"/>
-        </a:xfrm>
-      </p:grpSpPr>
-      <p:sp>
-        <p:nvSpPr>
-          <p:cNvPr id="2" name="Title 1">
-            <a:extLst>
-              <a:ext uri="{FF2B5EF4-FFF2-40B4-BE49-F238E27FC236}">
-                <a16:creationId xmlns:a16="http://schemas.microsoft.com/office/drawing/2014/main" id="{96C71840-5BC3-6B47-9BE7-C2B99EDB354F}"/>
-              </a:ext>
-            </a:extLst>
-          </p:cNvPr>
-          <p:cNvSpPr>
-            <a:spLocks noGrp="1"/>
-          </p:cNvSpPr>
-          <p:nvPr>
-            <p:ph type="title"/>
-          </p:nvPr>
-        </p:nvSpPr>
-        <p:spPr/>
-        <p:txBody>
-          <a:bodyPr/>
-          <a:lstStyle/>
-          <a:p>
-            <a:r>
-              <a:rPr lang="en-CH" dirty="0"/>
-              <a:t>Data Visualization – general fact</a:t>
-            </a:r>
-          </a:p>
-        </p:txBody>
-      </p:sp>
-      <p:sp>
-        <p:nvSpPr>
-          <p:cNvPr id="6" name="Espace réservé du contenu 5">
-            <a:extLst>
-              <a:ext uri="{FF2B5EF4-FFF2-40B4-BE49-F238E27FC236}">
-                <a16:creationId xmlns:a16="http://schemas.microsoft.com/office/drawing/2014/main" id="{5E7A9578-F3B8-44E3-96A2-2520FD09EACF}"/>
-              </a:ext>
-            </a:extLst>
-          </p:cNvPr>
-          <p:cNvSpPr>
-            <a:spLocks noGrp="1"/>
-          </p:cNvSpPr>
-          <p:nvPr>
-            <p:ph idx="1"/>
-          </p:nvPr>
-        </p:nvSpPr>
-        <p:spPr>
-          <a:xfrm>
-            <a:off x="843023" y="1666875"/>
-            <a:ext cx="10026650" cy="3978275"/>
-          </a:xfrm>
-        </p:spPr>
-        <p:txBody>
-          <a:bodyPr/>
-          <a:lstStyle/>
-          <a:p>
-            <a:r>
-              <a:rPr lang="en-GB" dirty="0"/>
-              <a:t>N</a:t>
-            </a:r>
-            <a:r>
-              <a:rPr lang="fr-BE" dirty="0"/>
-              <a:t>o significative </a:t>
-            </a:r>
-            <a:r>
-              <a:rPr lang="fr-BE" dirty="0" err="1"/>
-              <a:t>differences</a:t>
-            </a:r>
-            <a:r>
-              <a:rPr lang="fr-BE" dirty="0"/>
-              <a:t> in the </a:t>
-            </a:r>
-            <a:r>
-              <a:rPr lang="fr-BE" dirty="0" err="1"/>
-              <a:t>tendancy</a:t>
-            </a:r>
-            <a:r>
-              <a:rPr lang="fr-BE" dirty="0"/>
-              <a:t> </a:t>
-            </a:r>
-            <a:r>
-              <a:rPr lang="fr-BE" dirty="0" err="1"/>
-              <a:t>between</a:t>
-            </a:r>
-            <a:r>
-              <a:rPr lang="fr-BE" dirty="0"/>
-              <a:t> man and </a:t>
-            </a:r>
-            <a:r>
-              <a:rPr lang="fr-BE" dirty="0" err="1"/>
-              <a:t>women</a:t>
-            </a:r>
-            <a:r>
-              <a:rPr lang="fr-BE" dirty="0"/>
-              <a:t> in the relation </a:t>
-            </a:r>
-            <a:r>
-              <a:rPr lang="fr-BE" dirty="0" err="1"/>
-              <a:t>between</a:t>
-            </a:r>
-            <a:r>
-              <a:rPr lang="fr-BE" dirty="0"/>
-              <a:t> </a:t>
-            </a:r>
-            <a:r>
-              <a:rPr lang="fr-BE" dirty="0" err="1"/>
-              <a:t>alcohol</a:t>
-            </a:r>
-            <a:r>
-              <a:rPr lang="fr-BE" dirty="0"/>
-              <a:t> </a:t>
-            </a:r>
-            <a:r>
-              <a:rPr lang="fr-BE" dirty="0" err="1"/>
-              <a:t>consumption</a:t>
-            </a:r>
-            <a:r>
-              <a:rPr lang="fr-BE" dirty="0"/>
-              <a:t> or smoking </a:t>
-            </a:r>
-            <a:r>
-              <a:rPr lang="fr-BE" dirty="0" err="1"/>
-              <a:t>habbits</a:t>
-            </a:r>
-            <a:r>
-              <a:rPr lang="fr-BE" dirty="0"/>
-              <a:t> and suicides</a:t>
-            </a:r>
-          </a:p>
-          <a:p>
-            <a:r>
-              <a:rPr lang="fr-BE" dirty="0"/>
-              <a:t>Exemple </a:t>
-            </a:r>
-            <a:r>
-              <a:rPr lang="fr-BE" dirty="0" err="1"/>
-              <a:t>with</a:t>
-            </a:r>
-            <a:r>
-              <a:rPr lang="fr-BE" dirty="0"/>
-              <a:t> smoking </a:t>
-            </a:r>
-            <a:r>
-              <a:rPr lang="fr-BE" dirty="0" err="1"/>
-              <a:t>habbits</a:t>
-            </a:r>
-            <a:r>
-              <a:rPr lang="fr-BE" dirty="0"/>
-              <a:t> </a:t>
-            </a:r>
-            <a:endParaRPr lang="en-CH" dirty="0"/>
-          </a:p>
-          <a:p>
-            <a:endParaRPr lang="fr-BE" dirty="0"/>
-          </a:p>
-        </p:txBody>
-      </p:sp>
-      <p:pic>
-        <p:nvPicPr>
-          <p:cNvPr id="4" name="Graphic 3">
-            <a:extLst>
-              <a:ext uri="{FF2B5EF4-FFF2-40B4-BE49-F238E27FC236}">
-                <a16:creationId xmlns:a16="http://schemas.microsoft.com/office/drawing/2014/main" id="{35674C78-CEFB-4BB7-B1EC-E9305DD35E2E}"/>
-              </a:ext>
-            </a:extLst>
-          </p:cNvPr>
-          <p:cNvPicPr>
-            <a:picLocks noChangeAspect="1"/>
-          </p:cNvPicPr>
-          <p:nvPr/>
-        </p:nvPicPr>
-        <p:blipFill>
-          <a:blip r:embed="rId2">
-            <a:extLst>
-              <a:ext uri="{96DAC541-7B7A-43D3-8B79-37D633B846F1}">
-                <asvg:svgBlip xmlns:asvg="http://schemas.microsoft.com/office/drawing/2016/SVG/main" r:embed="rId3"/>
-              </a:ext>
-            </a:extLst>
-          </a:blip>
-          <a:stretch>
-            <a:fillRect/>
-          </a:stretch>
-        </p:blipFill>
-        <p:spPr>
-          <a:xfrm>
-            <a:off x="843023" y="3115714"/>
-            <a:ext cx="4808133" cy="3606099"/>
-          </a:xfrm>
-          <a:prstGeom prst="rect">
-            <a:avLst/>
-          </a:prstGeom>
-        </p:spPr>
-      </p:pic>
-      <p:pic>
-        <p:nvPicPr>
-          <p:cNvPr id="7" name="Graphique 4" descr="Masculin avec un remplissage uni">
-            <a:extLst>
-              <a:ext uri="{FF2B5EF4-FFF2-40B4-BE49-F238E27FC236}">
-                <a16:creationId xmlns:a16="http://schemas.microsoft.com/office/drawing/2014/main" id="{244FE8BC-EADB-4052-A394-68CBA730A0D7}"/>
-              </a:ext>
-            </a:extLst>
-          </p:cNvPr>
-          <p:cNvPicPr>
-            <a:picLocks noChangeAspect="1"/>
-          </p:cNvPicPr>
-          <p:nvPr/>
-        </p:nvPicPr>
-        <p:blipFill>
-          <a:blip r:embed="rId4">
-            <a:extLst>
-              <a:ext uri="{96DAC541-7B7A-43D3-8B79-37D633B846F1}">
-                <asvg:svgBlip xmlns:asvg="http://schemas.microsoft.com/office/drawing/2016/SVG/main" r:embed="rId5"/>
-              </a:ext>
-            </a:extLst>
-          </a:blip>
-          <a:stretch>
-            <a:fillRect/>
-          </a:stretch>
-        </p:blipFill>
-        <p:spPr>
-          <a:xfrm>
-            <a:off x="0" y="4190713"/>
-            <a:ext cx="914400" cy="914400"/>
-          </a:xfrm>
-          <a:prstGeom prst="rect">
-            <a:avLst/>
-          </a:prstGeom>
-        </p:spPr>
-      </p:pic>
-      <p:pic>
-        <p:nvPicPr>
-          <p:cNvPr id="8" name="Image 6">
-            <a:extLst>
-              <a:ext uri="{FF2B5EF4-FFF2-40B4-BE49-F238E27FC236}">
-                <a16:creationId xmlns:a16="http://schemas.microsoft.com/office/drawing/2014/main" id="{265DB0E3-D2C9-4FBA-9157-E963BAF1CE6F}"/>
-              </a:ext>
-            </a:extLst>
-          </p:cNvPr>
-          <p:cNvPicPr>
-            <a:picLocks noChangeAspect="1"/>
-          </p:cNvPicPr>
-          <p:nvPr/>
-        </p:nvPicPr>
-        <p:blipFill>
-          <a:blip r:embed="rId6">
-            <a:lum bright="70000" contrast="-70000"/>
-          </a:blip>
-          <a:stretch>
-            <a:fillRect/>
-          </a:stretch>
-        </p:blipFill>
-        <p:spPr>
-          <a:xfrm>
-            <a:off x="11431374" y="4190274"/>
-            <a:ext cx="819993" cy="819993"/>
-          </a:xfrm>
-          <a:prstGeom prst="rect">
-            <a:avLst/>
-          </a:prstGeom>
-        </p:spPr>
-      </p:pic>
-      <p:pic>
-        <p:nvPicPr>
-          <p:cNvPr id="9" name="Graphic 8">
-            <a:extLst>
-              <a:ext uri="{FF2B5EF4-FFF2-40B4-BE49-F238E27FC236}">
-                <a16:creationId xmlns:a16="http://schemas.microsoft.com/office/drawing/2014/main" id="{32A849C7-8C29-4D1E-8BA1-36F5A8CA24C5}"/>
-              </a:ext>
-            </a:extLst>
-          </p:cNvPr>
-          <p:cNvPicPr>
-            <a:picLocks noChangeAspect="1"/>
-          </p:cNvPicPr>
-          <p:nvPr/>
-        </p:nvPicPr>
-        <p:blipFill>
-          <a:blip r:embed="rId7">
-            <a:extLst>
-              <a:ext uri="{96DAC541-7B7A-43D3-8B79-37D633B846F1}">
-                <asvg:svgBlip xmlns:asvg="http://schemas.microsoft.com/office/drawing/2016/SVG/main" r:embed="rId8"/>
-              </a:ext>
-            </a:extLst>
-          </a:blip>
-          <a:stretch>
-            <a:fillRect/>
-          </a:stretch>
-        </p:blipFill>
-        <p:spPr>
-          <a:xfrm>
-            <a:off x="6540846" y="3103671"/>
-            <a:ext cx="4808133" cy="3606100"/>
-          </a:xfrm>
-          <a:prstGeom prst="rect">
-            <a:avLst/>
-          </a:prstGeom>
-        </p:spPr>
-      </p:pic>
-    </p:spTree>
-    <p:extLst>
-      <p:ext uri="{BB962C8B-B14F-4D97-AF65-F5344CB8AC3E}">
-        <p14:creationId xmlns:p14="http://schemas.microsoft.com/office/powerpoint/2010/main" val="103008590"/>
-      </p:ext>
-    </p:extLst>
-  </p:cSld>
-  <p:clrMapOvr>
-    <a:masterClrMapping/>
-  </p:clrMapOvr>
-</p:sld>
-</file>
-
-<file path=ppt/slides/slide14.xml><?xml version="1.0" encoding="utf-8"?>
-<p:sld xmlns:a="http://schemas.openxmlformats.org/drawingml/2006/main" xmlns:r="http://schemas.openxmlformats.org/officeDocument/2006/relationships" xmlns:p="http://schemas.openxmlformats.org/presentationml/2006/main">
-  <p:cSld>
-    <p:spTree>
-      <p:nvGrpSpPr>
-        <p:cNvPr id="1" name=""/>
-        <p:cNvGrpSpPr/>
-        <p:nvPr/>
-      </p:nvGrpSpPr>
-      <p:grpSpPr>
-        <a:xfrm>
-          <a:off x="0" y="0"/>
-          <a:ext cx="0" cy="0"/>
-          <a:chOff x="0" y="0"/>
-          <a:chExt cx="0" cy="0"/>
-        </a:xfrm>
-      </p:grpSpPr>
-      <p:sp>
-        <p:nvSpPr>
           <p:cNvPr id="2" name="Title 1">
             <a:extLst>
               <a:ext uri="{FF2B5EF4-FFF2-40B4-BE49-F238E27FC236}">
@@ -8345,7 +8062,7 @@
 </p:sld>
 </file>
 
-<file path=ppt/slides/slide15.xml><?xml version="1.0" encoding="utf-8"?>
+<file path=ppt/slides/slide13.xml><?xml version="1.0" encoding="utf-8"?>
 <p:sld xmlns:a="http://schemas.openxmlformats.org/drawingml/2006/main" xmlns:r="http://schemas.openxmlformats.org/officeDocument/2006/relationships" xmlns:p="http://schemas.openxmlformats.org/presentationml/2006/main">
   <p:cSld>
     <p:spTree>
@@ -8378,24 +8095,1056 @@
             <p:ph type="title"/>
           </p:nvPr>
         </p:nvSpPr>
-        <p:spPr/>
+        <p:spPr>
+          <a:xfrm>
+            <a:off x="793630" y="655608"/>
+            <a:ext cx="10886536" cy="1011267"/>
+          </a:xfrm>
+        </p:spPr>
         <p:txBody>
-          <a:bodyPr/>
+          <a:bodyPr>
+            <a:normAutofit/>
+          </a:bodyPr>
           <a:lstStyle/>
           <a:p>
             <a:r>
               <a:rPr lang="en-CH" dirty="0"/>
-              <a:t>GRAph: Suicides for gdp per capita</a:t>
-            </a:r>
+              <a:t>GRAph: Suicides PEr gdp per capita</a:t>
+            </a:r>
+          </a:p>
+        </p:txBody>
+      </p:sp>
+      <p:pic>
+        <p:nvPicPr>
+          <p:cNvPr id="4" name="Content Placeholder 3">
+            <a:extLst>
+              <a:ext uri="{FF2B5EF4-FFF2-40B4-BE49-F238E27FC236}">
+                <a16:creationId xmlns:a16="http://schemas.microsoft.com/office/drawing/2014/main" id="{0295FF91-841B-064B-AD8C-1D4D0F60FCF6}"/>
+              </a:ext>
+            </a:extLst>
+          </p:cNvPr>
+          <p:cNvPicPr>
+            <a:picLocks noGrp="1" noChangeAspect="1"/>
+          </p:cNvPicPr>
+          <p:nvPr>
+            <p:ph idx="1"/>
+          </p:nvPr>
+        </p:nvPicPr>
+        <p:blipFill>
+          <a:blip r:embed="rId3">
+            <a:extLst>
+              <a:ext uri="{96DAC541-7B7A-43D3-8B79-37D633B846F1}">
+                <asvg:svgBlip xmlns:asvg="http://schemas.microsoft.com/office/drawing/2016/SVG/main" r:embed="rId4"/>
+              </a:ext>
+            </a:extLst>
+          </a:blip>
+          <a:stretch>
+            <a:fillRect/>
+          </a:stretch>
+        </p:blipFill>
+        <p:spPr>
+          <a:xfrm>
+            <a:off x="2380889" y="1666874"/>
+            <a:ext cx="6366296" cy="4774723"/>
+          </a:xfrm>
+        </p:spPr>
+      </p:pic>
+    </p:spTree>
+    <p:extLst>
+      <p:ext uri="{BB962C8B-B14F-4D97-AF65-F5344CB8AC3E}">
+        <p14:creationId xmlns:p14="http://schemas.microsoft.com/office/powerpoint/2010/main" val="1974929923"/>
+      </p:ext>
+    </p:extLst>
+  </p:cSld>
+  <p:clrMapOvr>
+    <a:masterClrMapping/>
+  </p:clrMapOvr>
+</p:sld>
+</file>
+
+<file path=ppt/slides/slide14.xml><?xml version="1.0" encoding="utf-8"?>
+<p:sld xmlns:a="http://schemas.openxmlformats.org/drawingml/2006/main" xmlns:r="http://schemas.openxmlformats.org/officeDocument/2006/relationships" xmlns:p="http://schemas.openxmlformats.org/presentationml/2006/main">
+  <p:cSld>
+    <p:bg>
+      <p:bgPr>
+        <a:solidFill>
+          <a:schemeClr val="bg2"/>
+        </a:solidFill>
+        <a:effectLst/>
+      </p:bgPr>
+    </p:bg>
+    <p:spTree>
+      <p:nvGrpSpPr>
+        <p:cNvPr id="1" name=""/>
+        <p:cNvGrpSpPr/>
+        <p:nvPr/>
+      </p:nvGrpSpPr>
+      <p:grpSpPr>
+        <a:xfrm>
+          <a:off x="0" y="0"/>
+          <a:ext cx="0" cy="0"/>
+          <a:chOff x="0" y="0"/>
+          <a:chExt cx="0" cy="0"/>
+        </a:xfrm>
+      </p:grpSpPr>
+      <p:cxnSp>
+        <p:nvCxnSpPr>
+          <p:cNvPr id="24" name="Straight Connector 23">
+            <a:extLst>
+              <a:ext uri="{FF2B5EF4-FFF2-40B4-BE49-F238E27FC236}">
+                <a16:creationId xmlns:a16="http://schemas.microsoft.com/office/drawing/2014/main" id="{701C0CAB-6A03-4C6A-9FAA-219847753628}"/>
+              </a:ext>
+              <a:ext uri="{C183D7F6-B498-43B3-948B-1728B52AA6E4}">
+                <adec:decorative xmlns:adec="http://schemas.microsoft.com/office/drawing/2017/decorative" val="1"/>
+              </a:ext>
+            </a:extLst>
+          </p:cNvPr>
+          <p:cNvCxnSpPr>
+            <a:cxnSpLocks noGrp="1" noRot="1" noChangeAspect="1" noMove="1" noResize="1" noEditPoints="1" noAdjustHandles="1" noChangeArrowheads="1" noChangeShapeType="1"/>
+          </p:cNvCxnSpPr>
+          <p:nvPr>
+            <p:extLst>
+              <p:ext uri="{386F3935-93C4-4BCD-93E2-E3B085C9AB24}">
+                <p16:designElem xmlns:p16="http://schemas.microsoft.com/office/powerpoint/2015/main" val="1"/>
+              </p:ext>
+            </p:extLst>
+          </p:nvPr>
+        </p:nvCxnSpPr>
+        <p:spPr>
+          <a:xfrm>
+            <a:off x="5826000" y="3690871"/>
+            <a:ext cx="540000" cy="0"/>
+          </a:xfrm>
+          <a:prstGeom prst="line">
+            <a:avLst/>
+          </a:prstGeom>
+          <a:ln w="12700">
+            <a:solidFill>
+              <a:schemeClr val="tx1"/>
+            </a:solidFill>
+          </a:ln>
+        </p:spPr>
+        <p:style>
+          <a:lnRef idx="1">
+            <a:schemeClr val="accent1"/>
+          </a:lnRef>
+          <a:fillRef idx="0">
+            <a:schemeClr val="accent1"/>
+          </a:fillRef>
+          <a:effectRef idx="0">
+            <a:schemeClr val="accent1"/>
+          </a:effectRef>
+          <a:fontRef idx="minor">
+            <a:schemeClr val="tx1"/>
+          </a:fontRef>
+        </p:style>
+      </p:cxnSp>
+      <p:grpSp>
+        <p:nvGrpSpPr>
+          <p:cNvPr id="26" name="Group 25">
+            <a:extLst>
+              <a:ext uri="{FF2B5EF4-FFF2-40B4-BE49-F238E27FC236}">
+                <a16:creationId xmlns:a16="http://schemas.microsoft.com/office/drawing/2014/main" id="{F982E0B2-AA9C-441C-A08E-A9DF9CF12116}"/>
+              </a:ext>
+              <a:ext uri="{C183D7F6-B498-43B3-948B-1728B52AA6E4}">
+                <adec:decorative xmlns:adec="http://schemas.microsoft.com/office/drawing/2017/decorative" val="1"/>
+              </a:ext>
+            </a:extLst>
+          </p:cNvPr>
+          <p:cNvGrpSpPr>
+            <a:grpSpLocks noGrp="1" noUngrp="1" noRot="1" noChangeAspect="1" noMove="1" noResize="1"/>
+          </p:cNvGrpSpPr>
+          <p:nvPr>
+            <p:extLst>
+              <p:ext uri="{386F3935-93C4-4BCD-93E2-E3B085C9AB24}">
+                <p16:designElem xmlns:p16="http://schemas.microsoft.com/office/powerpoint/2015/main" val="1"/>
+              </p:ext>
+            </p:extLst>
+          </p:nvPr>
+        </p:nvGrpSpPr>
+        <p:grpSpPr>
+          <a:xfrm>
+            <a:off x="9728046" y="4869342"/>
+            <a:ext cx="1623711" cy="630920"/>
+            <a:chOff x="9588346" y="4824892"/>
+            <a:chExt cx="1623711" cy="630920"/>
+          </a:xfrm>
+        </p:grpSpPr>
+        <p:sp>
+          <p:nvSpPr>
+            <p:cNvPr id="27" name="Freeform: Shape 26">
+              <a:extLst>
+                <a:ext uri="{FF2B5EF4-FFF2-40B4-BE49-F238E27FC236}">
+                  <a16:creationId xmlns:a16="http://schemas.microsoft.com/office/drawing/2014/main" id="{A4A2E074-C10D-4C57-AB72-B631E4D77102}"/>
+                </a:ext>
+                <a:ext uri="{C183D7F6-B498-43B3-948B-1728B52AA6E4}">
+                  <adec:decorative xmlns:adec="http://schemas.microsoft.com/office/drawing/2017/decorative" val="1"/>
+                </a:ext>
+              </a:extLst>
+            </p:cNvPr>
+            <p:cNvSpPr/>
+            <p:nvPr>
+              <p:extLst>
+                <p:ext uri="{386F3935-93C4-4BCD-93E2-E3B085C9AB24}">
+                  <p16:designElem xmlns:p16="http://schemas.microsoft.com/office/powerpoint/2015/main" val="1"/>
+                </p:ext>
+              </p:extLst>
+            </p:nvPr>
+          </p:nvSpPr>
+          <p:spPr>
+            <a:xfrm rot="2700000" flipH="1">
+              <a:off x="10267789" y="4452443"/>
+              <a:ext cx="571820" cy="1316717"/>
+            </a:xfrm>
+            <a:custGeom>
+              <a:avLst/>
+              <a:gdLst>
+                <a:gd name="connsiteX0" fmla="*/ 282417 w 571820"/>
+                <a:gd name="connsiteY0" fmla="*/ 0 h 1316717"/>
+                <a:gd name="connsiteX1" fmla="*/ 285910 w 571820"/>
+                <a:gd name="connsiteY1" fmla="*/ 3175 h 1316717"/>
+                <a:gd name="connsiteX2" fmla="*/ 287393 w 571820"/>
+                <a:gd name="connsiteY2" fmla="*/ 1827 h 1316717"/>
+                <a:gd name="connsiteX3" fmla="*/ 289403 w 571820"/>
+                <a:gd name="connsiteY3" fmla="*/ 0 h 1316717"/>
+                <a:gd name="connsiteX4" fmla="*/ 289403 w 571820"/>
+                <a:gd name="connsiteY4" fmla="*/ 6349 h 1316717"/>
+                <a:gd name="connsiteX5" fmla="*/ 309203 w 571820"/>
+                <a:gd name="connsiteY5" fmla="*/ 24345 h 1316717"/>
+                <a:gd name="connsiteX6" fmla="*/ 571820 w 571820"/>
+                <a:gd name="connsiteY6" fmla="*/ 658359 h 1316717"/>
+                <a:gd name="connsiteX7" fmla="*/ 309203 w 571820"/>
+                <a:gd name="connsiteY7" fmla="*/ 1292372 h 1316717"/>
+                <a:gd name="connsiteX8" fmla="*/ 289403 w 571820"/>
+                <a:gd name="connsiteY8" fmla="*/ 1310368 h 1316717"/>
+                <a:gd name="connsiteX9" fmla="*/ 289403 w 571820"/>
+                <a:gd name="connsiteY9" fmla="*/ 1316717 h 1316717"/>
+                <a:gd name="connsiteX10" fmla="*/ 287393 w 571820"/>
+                <a:gd name="connsiteY10" fmla="*/ 1314890 h 1316717"/>
+                <a:gd name="connsiteX11" fmla="*/ 285910 w 571820"/>
+                <a:gd name="connsiteY11" fmla="*/ 1313542 h 1316717"/>
+                <a:gd name="connsiteX12" fmla="*/ 282417 w 571820"/>
+                <a:gd name="connsiteY12" fmla="*/ 1316717 h 1316717"/>
+                <a:gd name="connsiteX13" fmla="*/ 282417 w 571820"/>
+                <a:gd name="connsiteY13" fmla="*/ 1310367 h 1316717"/>
+                <a:gd name="connsiteX14" fmla="*/ 262617 w 571820"/>
+                <a:gd name="connsiteY14" fmla="*/ 1292372 h 1316717"/>
+                <a:gd name="connsiteX15" fmla="*/ 0 w 571820"/>
+                <a:gd name="connsiteY15" fmla="*/ 658358 h 1316717"/>
+                <a:gd name="connsiteX16" fmla="*/ 262617 w 571820"/>
+                <a:gd name="connsiteY16" fmla="*/ 24345 h 1316717"/>
+                <a:gd name="connsiteX17" fmla="*/ 282417 w 571820"/>
+                <a:gd name="connsiteY17" fmla="*/ 6349 h 1316717"/>
+              </a:gdLst>
+              <a:ahLst/>
+              <a:cxnLst>
+                <a:cxn ang="0">
+                  <a:pos x="connsiteX0" y="connsiteY0"/>
+                </a:cxn>
+                <a:cxn ang="0">
+                  <a:pos x="connsiteX1" y="connsiteY1"/>
+                </a:cxn>
+                <a:cxn ang="0">
+                  <a:pos x="connsiteX2" y="connsiteY2"/>
+                </a:cxn>
+                <a:cxn ang="0">
+                  <a:pos x="connsiteX3" y="connsiteY3"/>
+                </a:cxn>
+                <a:cxn ang="0">
+                  <a:pos x="connsiteX4" y="connsiteY4"/>
+                </a:cxn>
+                <a:cxn ang="0">
+                  <a:pos x="connsiteX5" y="connsiteY5"/>
+                </a:cxn>
+                <a:cxn ang="0">
+                  <a:pos x="connsiteX6" y="connsiteY6"/>
+                </a:cxn>
+                <a:cxn ang="0">
+                  <a:pos x="connsiteX7" y="connsiteY7"/>
+                </a:cxn>
+                <a:cxn ang="0">
+                  <a:pos x="connsiteX8" y="connsiteY8"/>
+                </a:cxn>
+                <a:cxn ang="0">
+                  <a:pos x="connsiteX9" y="connsiteY9"/>
+                </a:cxn>
+                <a:cxn ang="0">
+                  <a:pos x="connsiteX10" y="connsiteY10"/>
+                </a:cxn>
+                <a:cxn ang="0">
+                  <a:pos x="connsiteX11" y="connsiteY11"/>
+                </a:cxn>
+                <a:cxn ang="0">
+                  <a:pos x="connsiteX12" y="connsiteY12"/>
+                </a:cxn>
+                <a:cxn ang="0">
+                  <a:pos x="connsiteX13" y="connsiteY13"/>
+                </a:cxn>
+                <a:cxn ang="0">
+                  <a:pos x="connsiteX14" y="connsiteY14"/>
+                </a:cxn>
+                <a:cxn ang="0">
+                  <a:pos x="connsiteX15" y="connsiteY15"/>
+                </a:cxn>
+                <a:cxn ang="0">
+                  <a:pos x="connsiteX16" y="connsiteY16"/>
+                </a:cxn>
+                <a:cxn ang="0">
+                  <a:pos x="connsiteX17" y="connsiteY17"/>
+                </a:cxn>
+              </a:cxnLst>
+              <a:rect l="l" t="t" r="r" b="b"/>
+              <a:pathLst>
+                <a:path w="571820" h="1316717">
+                  <a:moveTo>
+                    <a:pt x="282417" y="0"/>
+                  </a:moveTo>
+                  <a:lnTo>
+                    <a:pt x="285910" y="3175"/>
+                  </a:lnTo>
+                  <a:lnTo>
+                    <a:pt x="287393" y="1827"/>
+                  </a:lnTo>
+                  <a:lnTo>
+                    <a:pt x="289403" y="0"/>
+                  </a:lnTo>
+                  <a:lnTo>
+                    <a:pt x="289403" y="6349"/>
+                  </a:lnTo>
+                  <a:lnTo>
+                    <a:pt x="309203" y="24345"/>
+                  </a:lnTo>
+                  <a:cubicBezTo>
+                    <a:pt x="471461" y="186603"/>
+                    <a:pt x="571820" y="410761"/>
+                    <a:pt x="571820" y="658359"/>
+                  </a:cubicBezTo>
+                  <a:cubicBezTo>
+                    <a:pt x="571820" y="905956"/>
+                    <a:pt x="471461" y="1130114"/>
+                    <a:pt x="309203" y="1292372"/>
+                  </a:cubicBezTo>
+                  <a:lnTo>
+                    <a:pt x="289403" y="1310368"/>
+                  </a:lnTo>
+                  <a:lnTo>
+                    <a:pt x="289403" y="1316717"/>
+                  </a:lnTo>
+                  <a:lnTo>
+                    <a:pt x="287393" y="1314890"/>
+                  </a:lnTo>
+                  <a:lnTo>
+                    <a:pt x="285910" y="1313542"/>
+                  </a:lnTo>
+                  <a:lnTo>
+                    <a:pt x="282417" y="1316717"/>
+                  </a:lnTo>
+                  <a:lnTo>
+                    <a:pt x="282417" y="1310367"/>
+                  </a:lnTo>
+                  <a:lnTo>
+                    <a:pt x="262617" y="1292372"/>
+                  </a:lnTo>
+                  <a:cubicBezTo>
+                    <a:pt x="100359" y="1130113"/>
+                    <a:pt x="0" y="905956"/>
+                    <a:pt x="0" y="658358"/>
+                  </a:cubicBezTo>
+                  <a:cubicBezTo>
+                    <a:pt x="0" y="410761"/>
+                    <a:pt x="100359" y="186603"/>
+                    <a:pt x="262617" y="24345"/>
+                  </a:cubicBezTo>
+                  <a:lnTo>
+                    <a:pt x="282417" y="6349"/>
+                  </a:lnTo>
+                  <a:close/>
+                </a:path>
+              </a:pathLst>
+            </a:custGeom>
+            <a:solidFill>
+              <a:schemeClr val="accent4">
+                <a:alpha val="40000"/>
+              </a:schemeClr>
+            </a:solidFill>
+            <a:ln w="12700">
+              <a:noFill/>
+            </a:ln>
+          </p:spPr>
+          <p:style>
+            <a:lnRef idx="2">
+              <a:schemeClr val="accent1">
+                <a:shade val="50000"/>
+              </a:schemeClr>
+            </a:lnRef>
+            <a:fillRef idx="1">
+              <a:schemeClr val="accent1"/>
+            </a:fillRef>
+            <a:effectRef idx="0">
+              <a:schemeClr val="accent1"/>
+            </a:effectRef>
+            <a:fontRef idx="minor">
+              <a:schemeClr val="lt1"/>
+            </a:fontRef>
+          </p:style>
+          <p:txBody>
+            <a:bodyPr rtlCol="0" anchor="ctr"/>
+            <a:lstStyle/>
+            <a:p>
+              <a:pPr algn="ctr"/>
+              <a:endParaRPr lang="en-US"/>
+            </a:p>
+          </p:txBody>
+        </p:sp>
+        <p:grpSp>
+          <p:nvGrpSpPr>
+            <p:cNvPr id="28" name="Group 27">
+              <a:extLst>
+                <a:ext uri="{FF2B5EF4-FFF2-40B4-BE49-F238E27FC236}">
+                  <a16:creationId xmlns:a16="http://schemas.microsoft.com/office/drawing/2014/main" id="{0B037EB3-1772-4BA8-A95A-E5DBDFEA32B0}"/>
+                </a:ext>
+                <a:ext uri="{C183D7F6-B498-43B3-948B-1728B52AA6E4}">
+                  <adec:decorative xmlns:adec="http://schemas.microsoft.com/office/drawing/2017/decorative" val="1"/>
+                </a:ext>
+              </a:extLst>
+            </p:cNvPr>
+            <p:cNvGrpSpPr/>
+            <p:nvPr>
+              <p:extLst>
+                <p:ext uri="{386F3935-93C4-4BCD-93E2-E3B085C9AB24}">
+                  <p16:designElem xmlns:p16="http://schemas.microsoft.com/office/powerpoint/2015/main" val="1"/>
+                </p:ext>
+              </p:extLst>
+            </p:nvPr>
+          </p:nvGrpSpPr>
+          <p:grpSpPr>
+            <a:xfrm rot="2700000" flipH="1">
+              <a:off x="10112436" y="4359902"/>
+              <a:ext cx="571820" cy="1620000"/>
+              <a:chOff x="8482785" y="4330454"/>
+              <a:chExt cx="571820" cy="1620000"/>
+            </a:xfrm>
+          </p:grpSpPr>
+          <p:sp>
+            <p:nvSpPr>
+              <p:cNvPr id="29" name="Freeform: Shape 28">
+                <a:extLst>
+                  <a:ext uri="{FF2B5EF4-FFF2-40B4-BE49-F238E27FC236}">
+                    <a16:creationId xmlns:a16="http://schemas.microsoft.com/office/drawing/2014/main" id="{A1F47AC1-63D0-47F3-9728-1A0A0543494B}"/>
+                  </a:ext>
+                  <a:ext uri="{C183D7F6-B498-43B3-948B-1728B52AA6E4}">
+                    <adec:decorative xmlns:adec="http://schemas.microsoft.com/office/drawing/2017/decorative" val="1"/>
+                  </a:ext>
+                </a:extLst>
+              </p:cNvPr>
+              <p:cNvSpPr/>
+              <p:nvPr>
+                <p:extLst>
+                  <p:ext uri="{386F3935-93C4-4BCD-93E2-E3B085C9AB24}">
+                    <p16:designElem xmlns:p16="http://schemas.microsoft.com/office/powerpoint/2015/main" val="1"/>
+                  </p:ext>
+                </p:extLst>
+              </p:nvPr>
+            </p:nvSpPr>
+            <p:spPr>
+              <a:xfrm>
+                <a:off x="8482785" y="4333632"/>
+                <a:ext cx="571820" cy="1311956"/>
+              </a:xfrm>
+              <a:custGeom>
+                <a:avLst/>
+                <a:gdLst>
+                  <a:gd name="connsiteX0" fmla="*/ 282417 w 571820"/>
+                  <a:gd name="connsiteY0" fmla="*/ 0 h 1316717"/>
+                  <a:gd name="connsiteX1" fmla="*/ 285910 w 571820"/>
+                  <a:gd name="connsiteY1" fmla="*/ 3175 h 1316717"/>
+                  <a:gd name="connsiteX2" fmla="*/ 287393 w 571820"/>
+                  <a:gd name="connsiteY2" fmla="*/ 1827 h 1316717"/>
+                  <a:gd name="connsiteX3" fmla="*/ 289403 w 571820"/>
+                  <a:gd name="connsiteY3" fmla="*/ 0 h 1316717"/>
+                  <a:gd name="connsiteX4" fmla="*/ 289403 w 571820"/>
+                  <a:gd name="connsiteY4" fmla="*/ 6349 h 1316717"/>
+                  <a:gd name="connsiteX5" fmla="*/ 309203 w 571820"/>
+                  <a:gd name="connsiteY5" fmla="*/ 24345 h 1316717"/>
+                  <a:gd name="connsiteX6" fmla="*/ 571820 w 571820"/>
+                  <a:gd name="connsiteY6" fmla="*/ 658359 h 1316717"/>
+                  <a:gd name="connsiteX7" fmla="*/ 309203 w 571820"/>
+                  <a:gd name="connsiteY7" fmla="*/ 1292372 h 1316717"/>
+                  <a:gd name="connsiteX8" fmla="*/ 289403 w 571820"/>
+                  <a:gd name="connsiteY8" fmla="*/ 1310368 h 1316717"/>
+                  <a:gd name="connsiteX9" fmla="*/ 289403 w 571820"/>
+                  <a:gd name="connsiteY9" fmla="*/ 1316717 h 1316717"/>
+                  <a:gd name="connsiteX10" fmla="*/ 287393 w 571820"/>
+                  <a:gd name="connsiteY10" fmla="*/ 1314890 h 1316717"/>
+                  <a:gd name="connsiteX11" fmla="*/ 285910 w 571820"/>
+                  <a:gd name="connsiteY11" fmla="*/ 1313542 h 1316717"/>
+                  <a:gd name="connsiteX12" fmla="*/ 282417 w 571820"/>
+                  <a:gd name="connsiteY12" fmla="*/ 1316717 h 1316717"/>
+                  <a:gd name="connsiteX13" fmla="*/ 282417 w 571820"/>
+                  <a:gd name="connsiteY13" fmla="*/ 1310367 h 1316717"/>
+                  <a:gd name="connsiteX14" fmla="*/ 262617 w 571820"/>
+                  <a:gd name="connsiteY14" fmla="*/ 1292372 h 1316717"/>
+                  <a:gd name="connsiteX15" fmla="*/ 0 w 571820"/>
+                  <a:gd name="connsiteY15" fmla="*/ 658358 h 1316717"/>
+                  <a:gd name="connsiteX16" fmla="*/ 262617 w 571820"/>
+                  <a:gd name="connsiteY16" fmla="*/ 24345 h 1316717"/>
+                  <a:gd name="connsiteX17" fmla="*/ 282417 w 571820"/>
+                  <a:gd name="connsiteY17" fmla="*/ 6349 h 1316717"/>
+                  <a:gd name="connsiteX0" fmla="*/ 282417 w 571820"/>
+                  <a:gd name="connsiteY0" fmla="*/ 6349 h 1316717"/>
+                  <a:gd name="connsiteX1" fmla="*/ 285910 w 571820"/>
+                  <a:gd name="connsiteY1" fmla="*/ 3175 h 1316717"/>
+                  <a:gd name="connsiteX2" fmla="*/ 287393 w 571820"/>
+                  <a:gd name="connsiteY2" fmla="*/ 1827 h 1316717"/>
+                  <a:gd name="connsiteX3" fmla="*/ 289403 w 571820"/>
+                  <a:gd name="connsiteY3" fmla="*/ 0 h 1316717"/>
+                  <a:gd name="connsiteX4" fmla="*/ 289403 w 571820"/>
+                  <a:gd name="connsiteY4" fmla="*/ 6349 h 1316717"/>
+                  <a:gd name="connsiteX5" fmla="*/ 309203 w 571820"/>
+                  <a:gd name="connsiteY5" fmla="*/ 24345 h 1316717"/>
+                  <a:gd name="connsiteX6" fmla="*/ 571820 w 571820"/>
+                  <a:gd name="connsiteY6" fmla="*/ 658359 h 1316717"/>
+                  <a:gd name="connsiteX7" fmla="*/ 309203 w 571820"/>
+                  <a:gd name="connsiteY7" fmla="*/ 1292372 h 1316717"/>
+                  <a:gd name="connsiteX8" fmla="*/ 289403 w 571820"/>
+                  <a:gd name="connsiteY8" fmla="*/ 1310368 h 1316717"/>
+                  <a:gd name="connsiteX9" fmla="*/ 289403 w 571820"/>
+                  <a:gd name="connsiteY9" fmla="*/ 1316717 h 1316717"/>
+                  <a:gd name="connsiteX10" fmla="*/ 287393 w 571820"/>
+                  <a:gd name="connsiteY10" fmla="*/ 1314890 h 1316717"/>
+                  <a:gd name="connsiteX11" fmla="*/ 285910 w 571820"/>
+                  <a:gd name="connsiteY11" fmla="*/ 1313542 h 1316717"/>
+                  <a:gd name="connsiteX12" fmla="*/ 282417 w 571820"/>
+                  <a:gd name="connsiteY12" fmla="*/ 1316717 h 1316717"/>
+                  <a:gd name="connsiteX13" fmla="*/ 282417 w 571820"/>
+                  <a:gd name="connsiteY13" fmla="*/ 1310367 h 1316717"/>
+                  <a:gd name="connsiteX14" fmla="*/ 262617 w 571820"/>
+                  <a:gd name="connsiteY14" fmla="*/ 1292372 h 1316717"/>
+                  <a:gd name="connsiteX15" fmla="*/ 0 w 571820"/>
+                  <a:gd name="connsiteY15" fmla="*/ 658358 h 1316717"/>
+                  <a:gd name="connsiteX16" fmla="*/ 262617 w 571820"/>
+                  <a:gd name="connsiteY16" fmla="*/ 24345 h 1316717"/>
+                  <a:gd name="connsiteX17" fmla="*/ 282417 w 571820"/>
+                  <a:gd name="connsiteY17" fmla="*/ 6349 h 1316717"/>
+                  <a:gd name="connsiteX0" fmla="*/ 262617 w 571820"/>
+                  <a:gd name="connsiteY0" fmla="*/ 24345 h 1316717"/>
+                  <a:gd name="connsiteX1" fmla="*/ 285910 w 571820"/>
+                  <a:gd name="connsiteY1" fmla="*/ 3175 h 1316717"/>
+                  <a:gd name="connsiteX2" fmla="*/ 287393 w 571820"/>
+                  <a:gd name="connsiteY2" fmla="*/ 1827 h 1316717"/>
+                  <a:gd name="connsiteX3" fmla="*/ 289403 w 571820"/>
+                  <a:gd name="connsiteY3" fmla="*/ 0 h 1316717"/>
+                  <a:gd name="connsiteX4" fmla="*/ 289403 w 571820"/>
+                  <a:gd name="connsiteY4" fmla="*/ 6349 h 1316717"/>
+                  <a:gd name="connsiteX5" fmla="*/ 309203 w 571820"/>
+                  <a:gd name="connsiteY5" fmla="*/ 24345 h 1316717"/>
+                  <a:gd name="connsiteX6" fmla="*/ 571820 w 571820"/>
+                  <a:gd name="connsiteY6" fmla="*/ 658359 h 1316717"/>
+                  <a:gd name="connsiteX7" fmla="*/ 309203 w 571820"/>
+                  <a:gd name="connsiteY7" fmla="*/ 1292372 h 1316717"/>
+                  <a:gd name="connsiteX8" fmla="*/ 289403 w 571820"/>
+                  <a:gd name="connsiteY8" fmla="*/ 1310368 h 1316717"/>
+                  <a:gd name="connsiteX9" fmla="*/ 289403 w 571820"/>
+                  <a:gd name="connsiteY9" fmla="*/ 1316717 h 1316717"/>
+                  <a:gd name="connsiteX10" fmla="*/ 287393 w 571820"/>
+                  <a:gd name="connsiteY10" fmla="*/ 1314890 h 1316717"/>
+                  <a:gd name="connsiteX11" fmla="*/ 285910 w 571820"/>
+                  <a:gd name="connsiteY11" fmla="*/ 1313542 h 1316717"/>
+                  <a:gd name="connsiteX12" fmla="*/ 282417 w 571820"/>
+                  <a:gd name="connsiteY12" fmla="*/ 1316717 h 1316717"/>
+                  <a:gd name="connsiteX13" fmla="*/ 282417 w 571820"/>
+                  <a:gd name="connsiteY13" fmla="*/ 1310367 h 1316717"/>
+                  <a:gd name="connsiteX14" fmla="*/ 262617 w 571820"/>
+                  <a:gd name="connsiteY14" fmla="*/ 1292372 h 1316717"/>
+                  <a:gd name="connsiteX15" fmla="*/ 0 w 571820"/>
+                  <a:gd name="connsiteY15" fmla="*/ 658358 h 1316717"/>
+                  <a:gd name="connsiteX16" fmla="*/ 262617 w 571820"/>
+                  <a:gd name="connsiteY16" fmla="*/ 24345 h 1316717"/>
+                  <a:gd name="connsiteX0" fmla="*/ 262617 w 571820"/>
+                  <a:gd name="connsiteY0" fmla="*/ 24345 h 1316717"/>
+                  <a:gd name="connsiteX1" fmla="*/ 285910 w 571820"/>
+                  <a:gd name="connsiteY1" fmla="*/ 3175 h 1316717"/>
+                  <a:gd name="connsiteX2" fmla="*/ 287393 w 571820"/>
+                  <a:gd name="connsiteY2" fmla="*/ 1827 h 1316717"/>
+                  <a:gd name="connsiteX3" fmla="*/ 289403 w 571820"/>
+                  <a:gd name="connsiteY3" fmla="*/ 0 h 1316717"/>
+                  <a:gd name="connsiteX4" fmla="*/ 309203 w 571820"/>
+                  <a:gd name="connsiteY4" fmla="*/ 24345 h 1316717"/>
+                  <a:gd name="connsiteX5" fmla="*/ 571820 w 571820"/>
+                  <a:gd name="connsiteY5" fmla="*/ 658359 h 1316717"/>
+                  <a:gd name="connsiteX6" fmla="*/ 309203 w 571820"/>
+                  <a:gd name="connsiteY6" fmla="*/ 1292372 h 1316717"/>
+                  <a:gd name="connsiteX7" fmla="*/ 289403 w 571820"/>
+                  <a:gd name="connsiteY7" fmla="*/ 1310368 h 1316717"/>
+                  <a:gd name="connsiteX8" fmla="*/ 289403 w 571820"/>
+                  <a:gd name="connsiteY8" fmla="*/ 1316717 h 1316717"/>
+                  <a:gd name="connsiteX9" fmla="*/ 287393 w 571820"/>
+                  <a:gd name="connsiteY9" fmla="*/ 1314890 h 1316717"/>
+                  <a:gd name="connsiteX10" fmla="*/ 285910 w 571820"/>
+                  <a:gd name="connsiteY10" fmla="*/ 1313542 h 1316717"/>
+                  <a:gd name="connsiteX11" fmla="*/ 282417 w 571820"/>
+                  <a:gd name="connsiteY11" fmla="*/ 1316717 h 1316717"/>
+                  <a:gd name="connsiteX12" fmla="*/ 282417 w 571820"/>
+                  <a:gd name="connsiteY12" fmla="*/ 1310367 h 1316717"/>
+                  <a:gd name="connsiteX13" fmla="*/ 262617 w 571820"/>
+                  <a:gd name="connsiteY13" fmla="*/ 1292372 h 1316717"/>
+                  <a:gd name="connsiteX14" fmla="*/ 0 w 571820"/>
+                  <a:gd name="connsiteY14" fmla="*/ 658358 h 1316717"/>
+                  <a:gd name="connsiteX15" fmla="*/ 262617 w 571820"/>
+                  <a:gd name="connsiteY15" fmla="*/ 24345 h 1316717"/>
+                  <a:gd name="connsiteX0" fmla="*/ 262617 w 571820"/>
+                  <a:gd name="connsiteY0" fmla="*/ 22518 h 1314890"/>
+                  <a:gd name="connsiteX1" fmla="*/ 285910 w 571820"/>
+                  <a:gd name="connsiteY1" fmla="*/ 1348 h 1314890"/>
+                  <a:gd name="connsiteX2" fmla="*/ 287393 w 571820"/>
+                  <a:gd name="connsiteY2" fmla="*/ 0 h 1314890"/>
+                  <a:gd name="connsiteX3" fmla="*/ 309203 w 571820"/>
+                  <a:gd name="connsiteY3" fmla="*/ 22518 h 1314890"/>
+                  <a:gd name="connsiteX4" fmla="*/ 571820 w 571820"/>
+                  <a:gd name="connsiteY4" fmla="*/ 656532 h 1314890"/>
+                  <a:gd name="connsiteX5" fmla="*/ 309203 w 571820"/>
+                  <a:gd name="connsiteY5" fmla="*/ 1290545 h 1314890"/>
+                  <a:gd name="connsiteX6" fmla="*/ 289403 w 571820"/>
+                  <a:gd name="connsiteY6" fmla="*/ 1308541 h 1314890"/>
+                  <a:gd name="connsiteX7" fmla="*/ 289403 w 571820"/>
+                  <a:gd name="connsiteY7" fmla="*/ 1314890 h 1314890"/>
+                  <a:gd name="connsiteX8" fmla="*/ 287393 w 571820"/>
+                  <a:gd name="connsiteY8" fmla="*/ 1313063 h 1314890"/>
+                  <a:gd name="connsiteX9" fmla="*/ 285910 w 571820"/>
+                  <a:gd name="connsiteY9" fmla="*/ 1311715 h 1314890"/>
+                  <a:gd name="connsiteX10" fmla="*/ 282417 w 571820"/>
+                  <a:gd name="connsiteY10" fmla="*/ 1314890 h 1314890"/>
+                  <a:gd name="connsiteX11" fmla="*/ 282417 w 571820"/>
+                  <a:gd name="connsiteY11" fmla="*/ 1308540 h 1314890"/>
+                  <a:gd name="connsiteX12" fmla="*/ 262617 w 571820"/>
+                  <a:gd name="connsiteY12" fmla="*/ 1290545 h 1314890"/>
+                  <a:gd name="connsiteX13" fmla="*/ 0 w 571820"/>
+                  <a:gd name="connsiteY13" fmla="*/ 656531 h 1314890"/>
+                  <a:gd name="connsiteX14" fmla="*/ 262617 w 571820"/>
+                  <a:gd name="connsiteY14" fmla="*/ 22518 h 1314890"/>
+                  <a:gd name="connsiteX0" fmla="*/ 262617 w 571820"/>
+                  <a:gd name="connsiteY0" fmla="*/ 21170 h 1313542"/>
+                  <a:gd name="connsiteX1" fmla="*/ 285910 w 571820"/>
+                  <a:gd name="connsiteY1" fmla="*/ 0 h 1313542"/>
+                  <a:gd name="connsiteX2" fmla="*/ 309203 w 571820"/>
+                  <a:gd name="connsiteY2" fmla="*/ 21170 h 1313542"/>
+                  <a:gd name="connsiteX3" fmla="*/ 571820 w 571820"/>
+                  <a:gd name="connsiteY3" fmla="*/ 655184 h 1313542"/>
+                  <a:gd name="connsiteX4" fmla="*/ 309203 w 571820"/>
+                  <a:gd name="connsiteY4" fmla="*/ 1289197 h 1313542"/>
+                  <a:gd name="connsiteX5" fmla="*/ 289403 w 571820"/>
+                  <a:gd name="connsiteY5" fmla="*/ 1307193 h 1313542"/>
+                  <a:gd name="connsiteX6" fmla="*/ 289403 w 571820"/>
+                  <a:gd name="connsiteY6" fmla="*/ 1313542 h 1313542"/>
+                  <a:gd name="connsiteX7" fmla="*/ 287393 w 571820"/>
+                  <a:gd name="connsiteY7" fmla="*/ 1311715 h 1313542"/>
+                  <a:gd name="connsiteX8" fmla="*/ 285910 w 571820"/>
+                  <a:gd name="connsiteY8" fmla="*/ 1310367 h 1313542"/>
+                  <a:gd name="connsiteX9" fmla="*/ 282417 w 571820"/>
+                  <a:gd name="connsiteY9" fmla="*/ 1313542 h 1313542"/>
+                  <a:gd name="connsiteX10" fmla="*/ 282417 w 571820"/>
+                  <a:gd name="connsiteY10" fmla="*/ 1307192 h 1313542"/>
+                  <a:gd name="connsiteX11" fmla="*/ 262617 w 571820"/>
+                  <a:gd name="connsiteY11" fmla="*/ 1289197 h 1313542"/>
+                  <a:gd name="connsiteX12" fmla="*/ 0 w 571820"/>
+                  <a:gd name="connsiteY12" fmla="*/ 655183 h 1313542"/>
+                  <a:gd name="connsiteX13" fmla="*/ 262617 w 571820"/>
+                  <a:gd name="connsiteY13" fmla="*/ 21170 h 1313542"/>
+                  <a:gd name="connsiteX0" fmla="*/ 262617 w 571820"/>
+                  <a:gd name="connsiteY0" fmla="*/ 21170 h 1313542"/>
+                  <a:gd name="connsiteX1" fmla="*/ 285910 w 571820"/>
+                  <a:gd name="connsiteY1" fmla="*/ 0 h 1313542"/>
+                  <a:gd name="connsiteX2" fmla="*/ 309203 w 571820"/>
+                  <a:gd name="connsiteY2" fmla="*/ 21170 h 1313542"/>
+                  <a:gd name="connsiteX3" fmla="*/ 571820 w 571820"/>
+                  <a:gd name="connsiteY3" fmla="*/ 655184 h 1313542"/>
+                  <a:gd name="connsiteX4" fmla="*/ 309203 w 571820"/>
+                  <a:gd name="connsiteY4" fmla="*/ 1289197 h 1313542"/>
+                  <a:gd name="connsiteX5" fmla="*/ 289403 w 571820"/>
+                  <a:gd name="connsiteY5" fmla="*/ 1307193 h 1313542"/>
+                  <a:gd name="connsiteX6" fmla="*/ 289403 w 571820"/>
+                  <a:gd name="connsiteY6" fmla="*/ 1313542 h 1313542"/>
+                  <a:gd name="connsiteX7" fmla="*/ 287393 w 571820"/>
+                  <a:gd name="connsiteY7" fmla="*/ 1311715 h 1313542"/>
+                  <a:gd name="connsiteX8" fmla="*/ 285910 w 571820"/>
+                  <a:gd name="connsiteY8" fmla="*/ 1310367 h 1313542"/>
+                  <a:gd name="connsiteX9" fmla="*/ 282417 w 571820"/>
+                  <a:gd name="connsiteY9" fmla="*/ 1313542 h 1313542"/>
+                  <a:gd name="connsiteX10" fmla="*/ 262617 w 571820"/>
+                  <a:gd name="connsiteY10" fmla="*/ 1289197 h 1313542"/>
+                  <a:gd name="connsiteX11" fmla="*/ 0 w 571820"/>
+                  <a:gd name="connsiteY11" fmla="*/ 655183 h 1313542"/>
+                  <a:gd name="connsiteX12" fmla="*/ 262617 w 571820"/>
+                  <a:gd name="connsiteY12" fmla="*/ 21170 h 1313542"/>
+                  <a:gd name="connsiteX0" fmla="*/ 262617 w 571820"/>
+                  <a:gd name="connsiteY0" fmla="*/ 21170 h 1313542"/>
+                  <a:gd name="connsiteX1" fmla="*/ 285910 w 571820"/>
+                  <a:gd name="connsiteY1" fmla="*/ 0 h 1313542"/>
+                  <a:gd name="connsiteX2" fmla="*/ 309203 w 571820"/>
+                  <a:gd name="connsiteY2" fmla="*/ 21170 h 1313542"/>
+                  <a:gd name="connsiteX3" fmla="*/ 571820 w 571820"/>
+                  <a:gd name="connsiteY3" fmla="*/ 655184 h 1313542"/>
+                  <a:gd name="connsiteX4" fmla="*/ 309203 w 571820"/>
+                  <a:gd name="connsiteY4" fmla="*/ 1289197 h 1313542"/>
+                  <a:gd name="connsiteX5" fmla="*/ 289403 w 571820"/>
+                  <a:gd name="connsiteY5" fmla="*/ 1307193 h 1313542"/>
+                  <a:gd name="connsiteX6" fmla="*/ 289403 w 571820"/>
+                  <a:gd name="connsiteY6" fmla="*/ 1313542 h 1313542"/>
+                  <a:gd name="connsiteX7" fmla="*/ 287393 w 571820"/>
+                  <a:gd name="connsiteY7" fmla="*/ 1311715 h 1313542"/>
+                  <a:gd name="connsiteX8" fmla="*/ 285910 w 571820"/>
+                  <a:gd name="connsiteY8" fmla="*/ 1310367 h 1313542"/>
+                  <a:gd name="connsiteX9" fmla="*/ 262617 w 571820"/>
+                  <a:gd name="connsiteY9" fmla="*/ 1289197 h 1313542"/>
+                  <a:gd name="connsiteX10" fmla="*/ 0 w 571820"/>
+                  <a:gd name="connsiteY10" fmla="*/ 655183 h 1313542"/>
+                  <a:gd name="connsiteX11" fmla="*/ 262617 w 571820"/>
+                  <a:gd name="connsiteY11" fmla="*/ 21170 h 1313542"/>
+                  <a:gd name="connsiteX0" fmla="*/ 262617 w 571820"/>
+                  <a:gd name="connsiteY0" fmla="*/ 21170 h 1313542"/>
+                  <a:gd name="connsiteX1" fmla="*/ 285910 w 571820"/>
+                  <a:gd name="connsiteY1" fmla="*/ 0 h 1313542"/>
+                  <a:gd name="connsiteX2" fmla="*/ 309203 w 571820"/>
+                  <a:gd name="connsiteY2" fmla="*/ 21170 h 1313542"/>
+                  <a:gd name="connsiteX3" fmla="*/ 571820 w 571820"/>
+                  <a:gd name="connsiteY3" fmla="*/ 655184 h 1313542"/>
+                  <a:gd name="connsiteX4" fmla="*/ 309203 w 571820"/>
+                  <a:gd name="connsiteY4" fmla="*/ 1289197 h 1313542"/>
+                  <a:gd name="connsiteX5" fmla="*/ 289403 w 571820"/>
+                  <a:gd name="connsiteY5" fmla="*/ 1307193 h 1313542"/>
+                  <a:gd name="connsiteX6" fmla="*/ 289403 w 571820"/>
+                  <a:gd name="connsiteY6" fmla="*/ 1313542 h 1313542"/>
+                  <a:gd name="connsiteX7" fmla="*/ 287393 w 571820"/>
+                  <a:gd name="connsiteY7" fmla="*/ 1311715 h 1313542"/>
+                  <a:gd name="connsiteX8" fmla="*/ 262617 w 571820"/>
+                  <a:gd name="connsiteY8" fmla="*/ 1289197 h 1313542"/>
+                  <a:gd name="connsiteX9" fmla="*/ 0 w 571820"/>
+                  <a:gd name="connsiteY9" fmla="*/ 655183 h 1313542"/>
+                  <a:gd name="connsiteX10" fmla="*/ 262617 w 571820"/>
+                  <a:gd name="connsiteY10" fmla="*/ 21170 h 1313542"/>
+                  <a:gd name="connsiteX0" fmla="*/ 262617 w 571820"/>
+                  <a:gd name="connsiteY0" fmla="*/ 21170 h 1313542"/>
+                  <a:gd name="connsiteX1" fmla="*/ 285910 w 571820"/>
+                  <a:gd name="connsiteY1" fmla="*/ 0 h 1313542"/>
+                  <a:gd name="connsiteX2" fmla="*/ 309203 w 571820"/>
+                  <a:gd name="connsiteY2" fmla="*/ 21170 h 1313542"/>
+                  <a:gd name="connsiteX3" fmla="*/ 571820 w 571820"/>
+                  <a:gd name="connsiteY3" fmla="*/ 655184 h 1313542"/>
+                  <a:gd name="connsiteX4" fmla="*/ 309203 w 571820"/>
+                  <a:gd name="connsiteY4" fmla="*/ 1289197 h 1313542"/>
+                  <a:gd name="connsiteX5" fmla="*/ 289403 w 571820"/>
+                  <a:gd name="connsiteY5" fmla="*/ 1307193 h 1313542"/>
+                  <a:gd name="connsiteX6" fmla="*/ 289403 w 571820"/>
+                  <a:gd name="connsiteY6" fmla="*/ 1313542 h 1313542"/>
+                  <a:gd name="connsiteX7" fmla="*/ 262617 w 571820"/>
+                  <a:gd name="connsiteY7" fmla="*/ 1289197 h 1313542"/>
+                  <a:gd name="connsiteX8" fmla="*/ 0 w 571820"/>
+                  <a:gd name="connsiteY8" fmla="*/ 655183 h 1313542"/>
+                  <a:gd name="connsiteX9" fmla="*/ 262617 w 571820"/>
+                  <a:gd name="connsiteY9" fmla="*/ 21170 h 1313542"/>
+                  <a:gd name="connsiteX0" fmla="*/ 262617 w 571820"/>
+                  <a:gd name="connsiteY0" fmla="*/ 21170 h 1364739"/>
+                  <a:gd name="connsiteX1" fmla="*/ 285910 w 571820"/>
+                  <a:gd name="connsiteY1" fmla="*/ 0 h 1364739"/>
+                  <a:gd name="connsiteX2" fmla="*/ 309203 w 571820"/>
+                  <a:gd name="connsiteY2" fmla="*/ 21170 h 1364739"/>
+                  <a:gd name="connsiteX3" fmla="*/ 571820 w 571820"/>
+                  <a:gd name="connsiteY3" fmla="*/ 655184 h 1364739"/>
+                  <a:gd name="connsiteX4" fmla="*/ 309203 w 571820"/>
+                  <a:gd name="connsiteY4" fmla="*/ 1289197 h 1364739"/>
+                  <a:gd name="connsiteX5" fmla="*/ 289403 w 571820"/>
+                  <a:gd name="connsiteY5" fmla="*/ 1307193 h 1364739"/>
+                  <a:gd name="connsiteX6" fmla="*/ 177485 w 571820"/>
+                  <a:gd name="connsiteY6" fmla="*/ 1364739 h 1364739"/>
+                  <a:gd name="connsiteX7" fmla="*/ 262617 w 571820"/>
+                  <a:gd name="connsiteY7" fmla="*/ 1289197 h 1364739"/>
+                  <a:gd name="connsiteX8" fmla="*/ 0 w 571820"/>
+                  <a:gd name="connsiteY8" fmla="*/ 655183 h 1364739"/>
+                  <a:gd name="connsiteX9" fmla="*/ 262617 w 571820"/>
+                  <a:gd name="connsiteY9" fmla="*/ 21170 h 1364739"/>
+                  <a:gd name="connsiteX0" fmla="*/ 262617 w 571820"/>
+                  <a:gd name="connsiteY0" fmla="*/ 21170 h 1364739"/>
+                  <a:gd name="connsiteX1" fmla="*/ 285910 w 571820"/>
+                  <a:gd name="connsiteY1" fmla="*/ 0 h 1364739"/>
+                  <a:gd name="connsiteX2" fmla="*/ 309203 w 571820"/>
+                  <a:gd name="connsiteY2" fmla="*/ 21170 h 1364739"/>
+                  <a:gd name="connsiteX3" fmla="*/ 571820 w 571820"/>
+                  <a:gd name="connsiteY3" fmla="*/ 655184 h 1364739"/>
+                  <a:gd name="connsiteX4" fmla="*/ 309203 w 571820"/>
+                  <a:gd name="connsiteY4" fmla="*/ 1289197 h 1364739"/>
+                  <a:gd name="connsiteX5" fmla="*/ 285832 w 571820"/>
+                  <a:gd name="connsiteY5" fmla="*/ 1311956 h 1364739"/>
+                  <a:gd name="connsiteX6" fmla="*/ 177485 w 571820"/>
+                  <a:gd name="connsiteY6" fmla="*/ 1364739 h 1364739"/>
+                  <a:gd name="connsiteX7" fmla="*/ 262617 w 571820"/>
+                  <a:gd name="connsiteY7" fmla="*/ 1289197 h 1364739"/>
+                  <a:gd name="connsiteX8" fmla="*/ 0 w 571820"/>
+                  <a:gd name="connsiteY8" fmla="*/ 655183 h 1364739"/>
+                  <a:gd name="connsiteX9" fmla="*/ 262617 w 571820"/>
+                  <a:gd name="connsiteY9" fmla="*/ 21170 h 1364739"/>
+                  <a:gd name="connsiteX0" fmla="*/ 262617 w 571820"/>
+                  <a:gd name="connsiteY0" fmla="*/ 21170 h 1311956"/>
+                  <a:gd name="connsiteX1" fmla="*/ 285910 w 571820"/>
+                  <a:gd name="connsiteY1" fmla="*/ 0 h 1311956"/>
+                  <a:gd name="connsiteX2" fmla="*/ 309203 w 571820"/>
+                  <a:gd name="connsiteY2" fmla="*/ 21170 h 1311956"/>
+                  <a:gd name="connsiteX3" fmla="*/ 571820 w 571820"/>
+                  <a:gd name="connsiteY3" fmla="*/ 655184 h 1311956"/>
+                  <a:gd name="connsiteX4" fmla="*/ 309203 w 571820"/>
+                  <a:gd name="connsiteY4" fmla="*/ 1289197 h 1311956"/>
+                  <a:gd name="connsiteX5" fmla="*/ 285832 w 571820"/>
+                  <a:gd name="connsiteY5" fmla="*/ 1311956 h 1311956"/>
+                  <a:gd name="connsiteX6" fmla="*/ 262617 w 571820"/>
+                  <a:gd name="connsiteY6" fmla="*/ 1289197 h 1311956"/>
+                  <a:gd name="connsiteX7" fmla="*/ 0 w 571820"/>
+                  <a:gd name="connsiteY7" fmla="*/ 655183 h 1311956"/>
+                  <a:gd name="connsiteX8" fmla="*/ 262617 w 571820"/>
+                  <a:gd name="connsiteY8" fmla="*/ 21170 h 1311956"/>
+                </a:gdLst>
+                <a:ahLst/>
+                <a:cxnLst>
+                  <a:cxn ang="0">
+                    <a:pos x="connsiteX0" y="connsiteY0"/>
+                  </a:cxn>
+                  <a:cxn ang="0">
+                    <a:pos x="connsiteX1" y="connsiteY1"/>
+                  </a:cxn>
+                  <a:cxn ang="0">
+                    <a:pos x="connsiteX2" y="connsiteY2"/>
+                  </a:cxn>
+                  <a:cxn ang="0">
+                    <a:pos x="connsiteX3" y="connsiteY3"/>
+                  </a:cxn>
+                  <a:cxn ang="0">
+                    <a:pos x="connsiteX4" y="connsiteY4"/>
+                  </a:cxn>
+                  <a:cxn ang="0">
+                    <a:pos x="connsiteX5" y="connsiteY5"/>
+                  </a:cxn>
+                  <a:cxn ang="0">
+                    <a:pos x="connsiteX6" y="connsiteY6"/>
+                  </a:cxn>
+                  <a:cxn ang="0">
+                    <a:pos x="connsiteX7" y="connsiteY7"/>
+                  </a:cxn>
+                  <a:cxn ang="0">
+                    <a:pos x="connsiteX8" y="connsiteY8"/>
+                  </a:cxn>
+                </a:cxnLst>
+                <a:rect l="l" t="t" r="r" b="b"/>
+                <a:pathLst>
+                  <a:path w="571820" h="1311956">
+                    <a:moveTo>
+                      <a:pt x="262617" y="21170"/>
+                    </a:moveTo>
+                    <a:lnTo>
+                      <a:pt x="285910" y="0"/>
+                    </a:lnTo>
+                    <a:lnTo>
+                      <a:pt x="309203" y="21170"/>
+                    </a:lnTo>
+                    <a:cubicBezTo>
+                      <a:pt x="471461" y="183428"/>
+                      <a:pt x="571820" y="407586"/>
+                      <a:pt x="571820" y="655184"/>
+                    </a:cubicBezTo>
+                    <a:cubicBezTo>
+                      <a:pt x="571820" y="902781"/>
+                      <a:pt x="471461" y="1126939"/>
+                      <a:pt x="309203" y="1289197"/>
+                    </a:cubicBezTo>
+                    <a:lnTo>
+                      <a:pt x="285832" y="1311956"/>
+                    </a:lnTo>
+                    <a:lnTo>
+                      <a:pt x="262617" y="1289197"/>
+                    </a:lnTo>
+                    <a:cubicBezTo>
+                      <a:pt x="100359" y="1126938"/>
+                      <a:pt x="0" y="902781"/>
+                      <a:pt x="0" y="655183"/>
+                    </a:cubicBezTo>
+                    <a:cubicBezTo>
+                      <a:pt x="0" y="407586"/>
+                      <a:pt x="100359" y="183428"/>
+                      <a:pt x="262617" y="21170"/>
+                    </a:cubicBezTo>
+                    <a:close/>
+                  </a:path>
+                </a:pathLst>
+              </a:custGeom>
+              <a:noFill/>
+              <a:ln w="12700">
+                <a:solidFill>
+                  <a:schemeClr val="tx1"/>
+                </a:solidFill>
+              </a:ln>
+            </p:spPr>
+            <p:style>
+              <a:lnRef idx="2">
+                <a:schemeClr val="accent1">
+                  <a:shade val="50000"/>
+                </a:schemeClr>
+              </a:lnRef>
+              <a:fillRef idx="1">
+                <a:schemeClr val="accent1"/>
+              </a:fillRef>
+              <a:effectRef idx="0">
+                <a:schemeClr val="accent1"/>
+              </a:effectRef>
+              <a:fontRef idx="minor">
+                <a:schemeClr val="lt1"/>
+              </a:fontRef>
+            </p:style>
+            <p:txBody>
+              <a:bodyPr rtlCol="0" anchor="ctr"/>
+              <a:lstStyle/>
+              <a:p>
+                <a:pPr algn="ctr"/>
+                <a:endParaRPr lang="en-US">
+                  <a:solidFill>
+                    <a:schemeClr val="tx1"/>
+                  </a:solidFill>
+                </a:endParaRPr>
+              </a:p>
+            </p:txBody>
+          </p:sp>
+          <p:cxnSp>
+            <p:nvCxnSpPr>
+              <p:cNvPr id="30" name="Straight Connector 29">
+                <a:extLst>
+                  <a:ext uri="{FF2B5EF4-FFF2-40B4-BE49-F238E27FC236}">
+                    <a16:creationId xmlns:a16="http://schemas.microsoft.com/office/drawing/2014/main" id="{803A57D6-0C36-4560-A08A-16768551EF6F}"/>
+                  </a:ext>
+                  <a:ext uri="{C183D7F6-B498-43B3-948B-1728B52AA6E4}">
+                    <adec:decorative xmlns:adec="http://schemas.microsoft.com/office/drawing/2017/decorative" val="1"/>
+                  </a:ext>
+                </a:extLst>
+              </p:cNvPr>
+              <p:cNvCxnSpPr>
+                <a:cxnSpLocks/>
+              </p:cNvCxnSpPr>
+              <p:nvPr>
+                <p:extLst>
+                  <p:ext uri="{386F3935-93C4-4BCD-93E2-E3B085C9AB24}">
+                    <p16:designElem xmlns:p16="http://schemas.microsoft.com/office/powerpoint/2015/main" val="1"/>
+                  </p:ext>
+                </p:extLst>
+              </p:nvPr>
+            </p:nvCxnSpPr>
+            <p:spPr>
+              <a:xfrm>
+                <a:off x="8768695" y="4330454"/>
+                <a:ext cx="0" cy="1620000"/>
+              </a:xfrm>
+              <a:prstGeom prst="line">
+                <a:avLst/>
+              </a:prstGeom>
+              <a:ln w="12700">
+                <a:solidFill>
+                  <a:schemeClr val="tx1"/>
+                </a:solidFill>
+              </a:ln>
+            </p:spPr>
+            <p:style>
+              <a:lnRef idx="1">
+                <a:schemeClr val="accent1"/>
+              </a:lnRef>
+              <a:fillRef idx="0">
+                <a:schemeClr val="accent1"/>
+              </a:fillRef>
+              <a:effectRef idx="0">
+                <a:schemeClr val="accent1"/>
+              </a:effectRef>
+              <a:fontRef idx="minor">
+                <a:schemeClr val="tx1"/>
+              </a:fontRef>
+            </p:style>
+          </p:cxnSp>
+        </p:grpSp>
+      </p:grpSp>
+      <p:sp useBgFill="1">
+        <p:nvSpPr>
+          <p:cNvPr id="32" name="Rectangle 31">
+            <a:extLst>
+              <a:ext uri="{FF2B5EF4-FFF2-40B4-BE49-F238E27FC236}">
+                <a16:creationId xmlns:a16="http://schemas.microsoft.com/office/drawing/2014/main" id="{CA5B2A81-2C8E-4963-AFD4-E539D168B475}"/>
+              </a:ext>
+              <a:ext uri="{C183D7F6-B498-43B3-948B-1728B52AA6E4}">
+                <adec:decorative xmlns:adec="http://schemas.microsoft.com/office/drawing/2017/decorative" val="1"/>
+              </a:ext>
+            </a:extLst>
+          </p:cNvPr>
+          <p:cNvSpPr>
+            <a:spLocks noGrp="1" noRot="1" noChangeAspect="1" noMove="1" noResize="1" noEditPoints="1" noAdjustHandles="1" noChangeArrowheads="1" noChangeShapeType="1" noTextEdit="1"/>
+          </p:cNvSpPr>
+          <p:nvPr>
+            <p:extLst>
+              <p:ext uri="{386F3935-93C4-4BCD-93E2-E3B085C9AB24}">
+                <p16:designElem xmlns:p16="http://schemas.microsoft.com/office/powerpoint/2015/main" val="1"/>
+              </p:ext>
+            </p:extLst>
+          </p:nvPr>
+        </p:nvSpPr>
+        <p:spPr>
+          <a:xfrm>
+            <a:off x="0" y="0"/>
+            <a:ext cx="12192000" cy="6858000"/>
+          </a:xfrm>
+          <a:prstGeom prst="rect">
+            <a:avLst/>
+          </a:prstGeom>
+          <a:ln w="12700" cap="flat" cmpd="sng" algn="ctr">
+            <a:noFill/>
+            <a:prstDash val="solid"/>
+            <a:miter lim="800000"/>
+          </a:ln>
+          <a:effectLst/>
+          <a:extLst>
+            <a:ext uri="{91240B29-F687-4F45-9708-019B960494DF}">
+              <a14:hiddenLine xmlns:a14="http://schemas.microsoft.com/office/drawing/2010/main" w="12700" cap="flat" cmpd="sng" algn="ctr">
+                <a:solidFill>
+                  <a:schemeClr val="accent1">
+                    <a:shade val="50000"/>
+                  </a:schemeClr>
+                </a:solidFill>
+                <a:prstDash val="solid"/>
+                <a:miter lim="800000"/>
+              </a14:hiddenLine>
+            </a:ext>
+          </a:extLst>
+        </p:spPr>
+        <p:style>
+          <a:lnRef idx="2">
+            <a:schemeClr val="accent1">
+              <a:shade val="50000"/>
+            </a:schemeClr>
+          </a:lnRef>
+          <a:fillRef idx="1">
+            <a:schemeClr val="accent1"/>
+          </a:fillRef>
+          <a:effectRef idx="0">
+            <a:schemeClr val="accent1"/>
+          </a:effectRef>
+          <a:fontRef idx="minor">
+            <a:schemeClr val="lt1"/>
+          </a:fontRef>
+        </p:style>
+        <p:txBody>
+          <a:bodyPr rtlCol="0" anchor="ctr"/>
+          <a:lstStyle/>
+          <a:p>
+            <a:pPr algn="ctr"/>
+            <a:endParaRPr lang="en-US"/>
           </a:p>
         </p:txBody>
       </p:sp>
       <p:sp>
         <p:nvSpPr>
-          <p:cNvPr id="7" name="Content Placeholder 6">
-            <a:extLst>
-              <a:ext uri="{FF2B5EF4-FFF2-40B4-BE49-F238E27FC236}">
-                <a16:creationId xmlns:a16="http://schemas.microsoft.com/office/drawing/2014/main" id="{46C7DCB7-F220-E740-848D-A1693EBB584E}"/>
+          <p:cNvPr id="2" name="Title 1">
+            <a:extLst>
+              <a:ext uri="{FF2B5EF4-FFF2-40B4-BE49-F238E27FC236}">
+                <a16:creationId xmlns:a16="http://schemas.microsoft.com/office/drawing/2014/main" id="{4D2BA7B0-75C8-A24B-8ED1-93421206F4FB}"/>
               </a:ext>
             </a:extLst>
           </p:cNvPr>
@@ -8403,22 +9152,114 @@
             <a:spLocks noGrp="1"/>
           </p:cNvSpPr>
           <p:nvPr>
-            <p:ph idx="1"/>
+            <p:ph type="title"/>
           </p:nvPr>
         </p:nvSpPr>
-        <p:spPr/>
+        <p:spPr>
+          <a:xfrm>
+            <a:off x="4983900" y="1079500"/>
+            <a:ext cx="6119131" cy="2138400"/>
+          </a:xfrm>
+        </p:spPr>
         <p:txBody>
-          <a:bodyPr/>
+          <a:bodyPr vert="horz" lIns="0" tIns="0" rIns="0" bIns="0" rtlCol="0" anchor="b" anchorCtr="0">
+            <a:normAutofit/>
+          </a:bodyPr>
           <a:lstStyle/>
           <a:p>
-            <a:endParaRPr lang="en-CH"/>
+            <a:pPr algn="ctr"/>
+            <a:r>
+              <a:rPr lang="en-US" dirty="0"/>
+              <a:t>Thank you for your attention</a:t>
+            </a:r>
           </a:p>
         </p:txBody>
       </p:sp>
+      <p:pic>
+        <p:nvPicPr>
+          <p:cNvPr id="20" name="Picture 19">
+            <a:extLst>
+              <a:ext uri="{FF2B5EF4-FFF2-40B4-BE49-F238E27FC236}">
+                <a16:creationId xmlns:a16="http://schemas.microsoft.com/office/drawing/2014/main" id="{28141A80-C3AD-4429-A37F-C38271D461F5}"/>
+              </a:ext>
+            </a:extLst>
+          </p:cNvPr>
+          <p:cNvPicPr>
+            <a:picLocks noChangeAspect="1"/>
+          </p:cNvPicPr>
+          <p:nvPr/>
+        </p:nvPicPr>
+        <p:blipFill rotWithShape="1">
+          <a:blip r:embed="rId2"/>
+          <a:srcRect l="27369" r="16289"/>
+          <a:stretch/>
+        </p:blipFill>
+        <p:spPr>
+          <a:xfrm>
+            <a:off x="20" y="10"/>
+            <a:ext cx="3863955" cy="6857989"/>
+          </a:xfrm>
+          <a:prstGeom prst="rect">
+            <a:avLst/>
+          </a:prstGeom>
+        </p:spPr>
+      </p:pic>
+      <p:cxnSp>
+        <p:nvCxnSpPr>
+          <p:cNvPr id="34" name="Straight Connector 33">
+            <a:extLst>
+              <a:ext uri="{FF2B5EF4-FFF2-40B4-BE49-F238E27FC236}">
+                <a16:creationId xmlns:a16="http://schemas.microsoft.com/office/drawing/2014/main" id="{9E7C23BC-DAA6-40E1-8166-B8C4439D1430}"/>
+              </a:ext>
+              <a:ext uri="{C183D7F6-B498-43B3-948B-1728B52AA6E4}">
+                <adec:decorative xmlns:adec="http://schemas.microsoft.com/office/drawing/2017/decorative" val="1"/>
+              </a:ext>
+            </a:extLst>
+          </p:cNvPr>
+          <p:cNvCxnSpPr>
+            <a:cxnSpLocks noGrp="1" noRot="1" noChangeAspect="1" noMove="1" noResize="1" noEditPoints="1" noAdjustHandles="1" noChangeArrowheads="1" noChangeShapeType="1"/>
+          </p:cNvCxnSpPr>
+          <p:nvPr>
+            <p:extLst>
+              <p:ext uri="{386F3935-93C4-4BCD-93E2-E3B085C9AB24}">
+                <p16:designElem xmlns:p16="http://schemas.microsoft.com/office/powerpoint/2015/main" val="1"/>
+              </p:ext>
+            </p:extLst>
+          </p:nvPr>
+        </p:nvCxnSpPr>
+        <p:spPr>
+          <a:xfrm>
+            <a:off x="7773465" y="3690871"/>
+            <a:ext cx="540000" cy="0"/>
+          </a:xfrm>
+          <a:prstGeom prst="line">
+            <a:avLst/>
+          </a:prstGeom>
+          <a:ln w="12700">
+            <a:solidFill>
+              <a:schemeClr val="tx1"/>
+            </a:solidFill>
+          </a:ln>
+        </p:spPr>
+        <p:style>
+          <a:lnRef idx="1">
+            <a:schemeClr val="accent1"/>
+          </a:lnRef>
+          <a:fillRef idx="0">
+            <a:schemeClr val="accent1"/>
+          </a:fillRef>
+          <a:effectRef idx="0">
+            <a:schemeClr val="accent1"/>
+          </a:effectRef>
+          <a:fontRef idx="minor">
+            <a:schemeClr val="tx1"/>
+          </a:fontRef>
+        </p:style>
+      </p:cxnSp>
     </p:spTree>
     <p:extLst>
       <p:ext uri="{BB962C8B-B14F-4D97-AF65-F5344CB8AC3E}">
-        <p14:creationId xmlns:p14="http://schemas.microsoft.com/office/powerpoint/2010/main" val="1974929923"/>
+        <p14:creationId xmlns:p14="http://schemas.microsoft.com/office/powerpoint/2010/main" val="4063716037"/>
       </p:ext>
     </p:extLst>
   </p:cSld>
@@ -10761,7 +11602,7 @@
 </file>
 
 <file path=ppt/slides/slide9.xml><?xml version="1.0" encoding="utf-8"?>
-<p:sld xmlns:a="http://schemas.openxmlformats.org/drawingml/2006/main" xmlns:r="http://schemas.openxmlformats.org/officeDocument/2006/relationships" xmlns:p="http://schemas.openxmlformats.org/presentationml/2006/main" show="0">
+<p:sld xmlns:a="http://schemas.openxmlformats.org/drawingml/2006/main" xmlns:r="http://schemas.openxmlformats.org/officeDocument/2006/relationships" xmlns:p="http://schemas.openxmlformats.org/presentationml/2006/main">
   <p:cSld>
     <p:spTree>
       <p:nvGrpSpPr>
@@ -10782,7 +11623,7 @@
           <p:cNvPr id="2" name="Title 1">
             <a:extLst>
               <a:ext uri="{FF2B5EF4-FFF2-40B4-BE49-F238E27FC236}">
-                <a16:creationId xmlns:a16="http://schemas.microsoft.com/office/drawing/2014/main" id="{23BCB6AC-DD57-1149-9F51-4B12017360A7}"/>
+                <a16:creationId xmlns:a16="http://schemas.microsoft.com/office/drawing/2014/main" id="{8EACBC7C-1508-DE47-9E7A-4F0D2693770C}"/>
               </a:ext>
             </a:extLst>
           </p:cNvPr>
@@ -10801,86 +11642,19 @@
           <a:lstStyle/>
           <a:p>
             <a:r>
-              <a:rPr lang="en-CH" dirty="0"/>
-              <a:t>Data visualization – by Gender</a:t>
-            </a:r>
-          </a:p>
-        </p:txBody>
-      </p:sp>
-      <p:sp>
-        <p:nvSpPr>
-          <p:cNvPr id="3" name="Content Placeholder 2">
-            <a:extLst>
-              <a:ext uri="{FF2B5EF4-FFF2-40B4-BE49-F238E27FC236}">
-                <a16:creationId xmlns:a16="http://schemas.microsoft.com/office/drawing/2014/main" id="{79A9425A-062D-D545-A18A-44226D2EBAD3}"/>
-              </a:ext>
-            </a:extLst>
-          </p:cNvPr>
-          <p:cNvSpPr>
-            <a:spLocks noGrp="1"/>
-          </p:cNvSpPr>
-          <p:nvPr>
-            <p:ph idx="1"/>
-          </p:nvPr>
-        </p:nvSpPr>
-        <p:spPr/>
-        <p:txBody>
-          <a:bodyPr>
-            <a:noAutofit/>
-          </a:bodyPr>
-          <a:lstStyle/>
-          <a:p>
-            <a:r>
-              <a:rPr lang="en-CH" dirty="0"/>
-              <a:t>Some of the variables had a division by gender</a:t>
-            </a:r>
-          </a:p>
-          <a:p>
-            <a:r>
-              <a:rPr lang="en-CH" dirty="0"/>
-              <a:t>Smoking has no correlation to number of suicides</a:t>
-            </a:r>
-          </a:p>
-          <a:p>
-            <a:pPr lvl="2"/>
-            <a:r>
-              <a:rPr lang="en-CH" dirty="0"/>
-              <a:t>Average smokers larger tandancy to commit suicid</a:t>
-            </a:r>
-            <a:r>
               <a:rPr lang="fr-BE" dirty="0"/>
-              <a:t>e</a:t>
-            </a:r>
-          </a:p>
-          <a:p>
-            <a:r>
-              <a:rPr lang="en-CH" dirty="0"/>
-              <a:t>There is a small amount of correlation between unemployment and number of suicides but almost neglegable</a:t>
-            </a:r>
-          </a:p>
-          <a:p>
-            <a:r>
-              <a:rPr lang="en-GB" dirty="0"/>
-              <a:t>For alcohol we decided to do a log-log analysis</a:t>
+              <a:t>GRAPH : Suicide BY Smoking</a:t>
             </a:r>
             <a:endParaRPr lang="en-CH" dirty="0"/>
-          </a:p>
-          <a:p>
-            <a:pPr lvl="2"/>
-            <a:r>
-              <a:rPr lang="en-CH" dirty="0"/>
-              <a:t>Definite correlation between alcohol consumption and suicide rate</a:t>
-            </a:r>
-            <a:endParaRPr lang="en-GB" dirty="0"/>
           </a:p>
         </p:txBody>
       </p:sp>
       <p:pic>
         <p:nvPicPr>
-          <p:cNvPr id="5" name="Graphique 4" descr="Masculin avec un remplissage uni">
-            <a:extLst>
-              <a:ext uri="{FF2B5EF4-FFF2-40B4-BE49-F238E27FC236}">
-                <a16:creationId xmlns:a16="http://schemas.microsoft.com/office/drawing/2014/main" id="{42B60995-2E26-457F-913F-8B9AC3FE8913}"/>
+          <p:cNvPr id="5" name="Graphic 4">
+            <a:extLst>
+              <a:ext uri="{FF2B5EF4-FFF2-40B4-BE49-F238E27FC236}">
+                <a16:creationId xmlns:a16="http://schemas.microsoft.com/office/drawing/2014/main" id="{45C1EB94-6F06-6A4B-A167-8B153ED90168}"/>
               </a:ext>
             </a:extLst>
           </p:cNvPr>
@@ -10903,7 +11677,43 @@
         </p:blipFill>
         <p:spPr>
           <a:xfrm>
-            <a:off x="9371757" y="679028"/>
+            <a:off x="783656" y="2240663"/>
+            <a:ext cx="4808133" cy="3606099"/>
+          </a:xfrm>
+          <a:prstGeom prst="rect">
+            <a:avLst/>
+          </a:prstGeom>
+        </p:spPr>
+      </p:pic>
+      <p:pic>
+        <p:nvPicPr>
+          <p:cNvPr id="6" name="Graphique 4" descr="Masculin avec un remplissage uni">
+            <a:extLst>
+              <a:ext uri="{FF2B5EF4-FFF2-40B4-BE49-F238E27FC236}">
+                <a16:creationId xmlns:a16="http://schemas.microsoft.com/office/drawing/2014/main" id="{4A3D1017-638D-6C4D-83BE-9982E5B9A284}"/>
+              </a:ext>
+            </a:extLst>
+          </p:cNvPr>
+          <p:cNvPicPr>
+            <a:picLocks noChangeAspect="1"/>
+          </p:cNvPicPr>
+          <p:nvPr/>
+        </p:nvPicPr>
+        <p:blipFill>
+          <a:blip r:embed="rId5">
+            <a:extLst>
+              <a:ext uri="{96DAC541-7B7A-43D3-8B79-37D633B846F1}">
+                <asvg:svgBlip xmlns:asvg="http://schemas.microsoft.com/office/drawing/2016/SVG/main" r:embed="rId6"/>
+              </a:ext>
+            </a:extLst>
+          </a:blip>
+          <a:stretch>
+            <a:fillRect/>
+          </a:stretch>
+        </p:blipFill>
+        <p:spPr>
+          <a:xfrm>
+            <a:off x="-59367" y="3315662"/>
             <a:ext cx="914400" cy="914400"/>
           </a:xfrm>
           <a:prstGeom prst="rect">
@@ -10916,7 +11726,7 @@
           <p:cNvPr id="7" name="Image 6">
             <a:extLst>
               <a:ext uri="{FF2B5EF4-FFF2-40B4-BE49-F238E27FC236}">
-                <a16:creationId xmlns:a16="http://schemas.microsoft.com/office/drawing/2014/main" id="{A5AC15E0-82C0-46F7-B4F8-180A39E42F93}"/>
+                <a16:creationId xmlns:a16="http://schemas.microsoft.com/office/drawing/2014/main" id="{F6F2E704-04D9-2644-BE9F-06977A9B5B88}"/>
               </a:ext>
             </a:extLst>
           </p:cNvPr>
@@ -10926,7 +11736,7 @@
           <p:nvPr/>
         </p:nvPicPr>
         <p:blipFill>
-          <a:blip r:embed="rId5">
+          <a:blip r:embed="rId7">
             <a:lum bright="70000" contrast="-70000"/>
           </a:blip>
           <a:stretch>
@@ -10935,8 +11745,44 @@
         </p:blipFill>
         <p:spPr>
           <a:xfrm>
-            <a:off x="10174387" y="726231"/>
+            <a:off x="11372007" y="3315223"/>
             <a:ext cx="819993" cy="819993"/>
+          </a:xfrm>
+          <a:prstGeom prst="rect">
+            <a:avLst/>
+          </a:prstGeom>
+        </p:spPr>
+      </p:pic>
+      <p:pic>
+        <p:nvPicPr>
+          <p:cNvPr id="8" name="Graphic 7">
+            <a:extLst>
+              <a:ext uri="{FF2B5EF4-FFF2-40B4-BE49-F238E27FC236}">
+                <a16:creationId xmlns:a16="http://schemas.microsoft.com/office/drawing/2014/main" id="{832F28AD-1052-F84F-B277-7D9FC6616F93}"/>
+              </a:ext>
+            </a:extLst>
+          </p:cNvPr>
+          <p:cNvPicPr>
+            <a:picLocks noChangeAspect="1"/>
+          </p:cNvPicPr>
+          <p:nvPr/>
+        </p:nvPicPr>
+        <p:blipFill>
+          <a:blip r:embed="rId8">
+            <a:extLst>
+              <a:ext uri="{96DAC541-7B7A-43D3-8B79-37D633B846F1}">
+                <asvg:svgBlip xmlns:asvg="http://schemas.microsoft.com/office/drawing/2016/SVG/main" r:embed="rId9"/>
+              </a:ext>
+            </a:extLst>
+          </a:blip>
+          <a:stretch>
+            <a:fillRect/>
+          </a:stretch>
+        </p:blipFill>
+        <p:spPr>
+          <a:xfrm>
+            <a:off x="6481479" y="2228620"/>
+            <a:ext cx="4808133" cy="3606100"/>
           </a:xfrm>
           <a:prstGeom prst="rect">
             <a:avLst/>
@@ -10946,7 +11792,7 @@
     </p:spTree>
     <p:extLst>
       <p:ext uri="{BB962C8B-B14F-4D97-AF65-F5344CB8AC3E}">
-        <p14:creationId xmlns:p14="http://schemas.microsoft.com/office/powerpoint/2010/main" val="1311002320"/>
+        <p14:creationId xmlns:p14="http://schemas.microsoft.com/office/powerpoint/2010/main" val="410148669"/>
       </p:ext>
     </p:extLst>
   </p:cSld>
